--- a/trunk/slides/KeyStone Multicore Design.pptx
+++ b/trunk/slides/KeyStone Multicore Design.pptx
@@ -5331,7 +5331,7 @@
           </a:lstStyle>
           <a:p>
             <a:r>
-              <a:rPr lang="en-US"/>
+              <a:rPr lang="en-US" dirty="0"/>
               <a:t>Click to edit Master subtitle style</a:t>
             </a:r>
           </a:p>
@@ -5375,7 +5375,14 @@
         <p:spPr/>
         <p:txBody>
           <a:bodyPr/>
-          <a:lstStyle/>
+          <a:lstStyle>
+            <a:lvl1pPr>
+              <a:defRPr>
+                <a:latin typeface="Calibri" pitchFamily="34" charset="0"/>
+                <a:cs typeface="Calibri" pitchFamily="34" charset="0"/>
+              </a:defRPr>
+            </a:lvl1pPr>
+          </a:lstStyle>
           <a:p>
             <a:r>
               <a:rPr lang="en-US" smtClean="0"/>
@@ -5398,7 +5405,38 @@
         <p:spPr/>
         <p:txBody>
           <a:bodyPr vert="eaVert"/>
-          <a:lstStyle/>
+          <a:lstStyle>
+            <a:lvl1pPr>
+              <a:defRPr>
+                <a:latin typeface="Calibri" pitchFamily="34" charset="0"/>
+                <a:cs typeface="Calibri" pitchFamily="34" charset="0"/>
+              </a:defRPr>
+            </a:lvl1pPr>
+            <a:lvl2pPr>
+              <a:defRPr>
+                <a:latin typeface="Calibri" pitchFamily="34" charset="0"/>
+                <a:cs typeface="Calibri" pitchFamily="34" charset="0"/>
+              </a:defRPr>
+            </a:lvl2pPr>
+            <a:lvl3pPr>
+              <a:defRPr>
+                <a:latin typeface="Calibri" pitchFamily="34" charset="0"/>
+                <a:cs typeface="Calibri" pitchFamily="34" charset="0"/>
+              </a:defRPr>
+            </a:lvl3pPr>
+            <a:lvl4pPr>
+              <a:defRPr>
+                <a:latin typeface="Calibri" pitchFamily="34" charset="0"/>
+                <a:cs typeface="Calibri" pitchFamily="34" charset="0"/>
+              </a:defRPr>
+            </a:lvl4pPr>
+            <a:lvl5pPr>
+              <a:defRPr>
+                <a:latin typeface="Calibri" pitchFamily="34" charset="0"/>
+                <a:cs typeface="Calibri" pitchFamily="34" charset="0"/>
+              </a:defRPr>
+            </a:lvl5pPr>
+          </a:lstStyle>
           <a:p>
             <a:pPr lvl="0"/>
             <a:r>
@@ -5595,7 +5633,14 @@
         </p:spPr>
         <p:txBody>
           <a:bodyPr vert="eaVert"/>
-          <a:lstStyle/>
+          <a:lstStyle>
+            <a:lvl1pPr>
+              <a:defRPr>
+                <a:latin typeface="Calibri" pitchFamily="34" charset="0"/>
+                <a:cs typeface="Calibri" pitchFamily="34" charset="0"/>
+              </a:defRPr>
+            </a:lvl1pPr>
+          </a:lstStyle>
           <a:p>
             <a:r>
               <a:rPr lang="en-US" smtClean="0"/>
@@ -5623,7 +5668,38 @@
         </p:spPr>
         <p:txBody>
           <a:bodyPr vert="eaVert"/>
-          <a:lstStyle/>
+          <a:lstStyle>
+            <a:lvl1pPr>
+              <a:defRPr>
+                <a:latin typeface="Calibri" pitchFamily="34" charset="0"/>
+                <a:cs typeface="Calibri" pitchFamily="34" charset="0"/>
+              </a:defRPr>
+            </a:lvl1pPr>
+            <a:lvl2pPr>
+              <a:defRPr>
+                <a:latin typeface="Calibri" pitchFamily="34" charset="0"/>
+                <a:cs typeface="Calibri" pitchFamily="34" charset="0"/>
+              </a:defRPr>
+            </a:lvl2pPr>
+            <a:lvl3pPr>
+              <a:defRPr>
+                <a:latin typeface="Calibri" pitchFamily="34" charset="0"/>
+                <a:cs typeface="Calibri" pitchFamily="34" charset="0"/>
+              </a:defRPr>
+            </a:lvl3pPr>
+            <a:lvl4pPr>
+              <a:defRPr>
+                <a:latin typeface="Calibri" pitchFamily="34" charset="0"/>
+                <a:cs typeface="Calibri" pitchFamily="34" charset="0"/>
+              </a:defRPr>
+            </a:lvl4pPr>
+            <a:lvl5pPr>
+              <a:defRPr>
+                <a:latin typeface="Calibri" pitchFamily="34" charset="0"/>
+                <a:cs typeface="Calibri" pitchFamily="34" charset="0"/>
+              </a:defRPr>
+            </a:lvl5pPr>
+          </a:lstStyle>
           <a:p>
             <a:pPr lvl="0"/>
             <a:r>
@@ -5820,13 +5896,20 @@
         </p:spPr>
         <p:txBody>
           <a:bodyPr/>
-          <a:lstStyle/>
-          <a:p>
-            <a:r>
-              <a:rPr lang="en-US" smtClean="0"/>
+          <a:lstStyle>
+            <a:lvl1pPr>
+              <a:defRPr>
+                <a:latin typeface="Calibri" pitchFamily="34" charset="0"/>
+                <a:cs typeface="Calibri" pitchFamily="34" charset="0"/>
+              </a:defRPr>
+            </a:lvl1pPr>
+          </a:lstStyle>
+          <a:p>
+            <a:r>
+              <a:rPr lang="en-US" dirty="0" smtClean="0"/>
               <a:t>Click to edit Master title style</a:t>
             </a:r>
-            <a:endParaRPr lang="en-US"/>
+            <a:endParaRPr lang="en-US" dirty="0"/>
           </a:p>
         </p:txBody>
       </p:sp>
@@ -5848,7 +5931,14 @@
         </p:spPr>
         <p:txBody>
           <a:bodyPr/>
-          <a:lstStyle/>
+          <a:lstStyle>
+            <a:lvl1pPr>
+              <a:defRPr>
+                <a:latin typeface="Calibri" pitchFamily="34" charset="0"/>
+                <a:cs typeface="Calibri" pitchFamily="34" charset="0"/>
+              </a:defRPr>
+            </a:lvl1pPr>
+          </a:lstStyle>
           <a:p>
             <a:pPr lvl="0"/>
             <a:endParaRPr lang="en-US" noProof="0" dirty="0" smtClean="0"/>
@@ -6013,7 +6103,14 @@
         </p:spPr>
         <p:txBody>
           <a:bodyPr/>
-          <a:lstStyle/>
+          <a:lstStyle>
+            <a:lvl1pPr>
+              <a:defRPr>
+                <a:latin typeface="Calibri" pitchFamily="34" charset="0"/>
+                <a:cs typeface="Calibri" pitchFamily="34" charset="0"/>
+              </a:defRPr>
+            </a:lvl1pPr>
+          </a:lstStyle>
           <a:p>
             <a:r>
               <a:rPr lang="en-US" smtClean="0"/>
@@ -6041,7 +6138,38 @@
         </p:spPr>
         <p:txBody>
           <a:bodyPr/>
-          <a:lstStyle/>
+          <a:lstStyle>
+            <a:lvl1pPr>
+              <a:defRPr>
+                <a:latin typeface="Calibri" pitchFamily="34" charset="0"/>
+                <a:cs typeface="Calibri" pitchFamily="34" charset="0"/>
+              </a:defRPr>
+            </a:lvl1pPr>
+            <a:lvl2pPr>
+              <a:defRPr>
+                <a:latin typeface="Calibri" pitchFamily="34" charset="0"/>
+                <a:cs typeface="Calibri" pitchFamily="34" charset="0"/>
+              </a:defRPr>
+            </a:lvl2pPr>
+            <a:lvl3pPr>
+              <a:defRPr>
+                <a:latin typeface="Calibri" pitchFamily="34" charset="0"/>
+                <a:cs typeface="Calibri" pitchFamily="34" charset="0"/>
+              </a:defRPr>
+            </a:lvl3pPr>
+            <a:lvl4pPr>
+              <a:defRPr>
+                <a:latin typeface="Calibri" pitchFamily="34" charset="0"/>
+                <a:cs typeface="Calibri" pitchFamily="34" charset="0"/>
+              </a:defRPr>
+            </a:lvl4pPr>
+            <a:lvl5pPr>
+              <a:defRPr>
+                <a:latin typeface="Calibri" pitchFamily="34" charset="0"/>
+                <a:cs typeface="Calibri" pitchFamily="34" charset="0"/>
+              </a:defRPr>
+            </a:lvl5pPr>
+          </a:lstStyle>
           <a:p>
             <a:pPr lvl="0"/>
             <a:r>
@@ -6098,7 +6226,38 @@
         </p:spPr>
         <p:txBody>
           <a:bodyPr/>
-          <a:lstStyle/>
+          <a:lstStyle>
+            <a:lvl1pPr>
+              <a:defRPr>
+                <a:latin typeface="Calibri" pitchFamily="34" charset="0"/>
+                <a:cs typeface="Calibri" pitchFamily="34" charset="0"/>
+              </a:defRPr>
+            </a:lvl1pPr>
+            <a:lvl2pPr>
+              <a:defRPr>
+                <a:latin typeface="Calibri" pitchFamily="34" charset="0"/>
+                <a:cs typeface="Calibri" pitchFamily="34" charset="0"/>
+              </a:defRPr>
+            </a:lvl2pPr>
+            <a:lvl3pPr>
+              <a:defRPr>
+                <a:latin typeface="Calibri" pitchFamily="34" charset="0"/>
+                <a:cs typeface="Calibri" pitchFamily="34" charset="0"/>
+              </a:defRPr>
+            </a:lvl3pPr>
+            <a:lvl4pPr>
+              <a:defRPr>
+                <a:latin typeface="Calibri" pitchFamily="34" charset="0"/>
+                <a:cs typeface="Calibri" pitchFamily="34" charset="0"/>
+              </a:defRPr>
+            </a:lvl4pPr>
+            <a:lvl5pPr>
+              <a:defRPr>
+                <a:latin typeface="Calibri" pitchFamily="34" charset="0"/>
+                <a:cs typeface="Calibri" pitchFamily="34" charset="0"/>
+              </a:defRPr>
+            </a:lvl5pPr>
+          </a:lstStyle>
           <a:p>
             <a:pPr lvl="0"/>
             <a:r>
@@ -6295,7 +6454,14 @@
         </p:spPr>
         <p:txBody>
           <a:bodyPr/>
-          <a:lstStyle/>
+          <a:lstStyle>
+            <a:lvl1pPr>
+              <a:defRPr>
+                <a:latin typeface="Calibri" pitchFamily="34" charset="0"/>
+                <a:cs typeface="Calibri" pitchFamily="34" charset="0"/>
+              </a:defRPr>
+            </a:lvl1pPr>
+          </a:lstStyle>
           <a:p>
             <a:r>
               <a:rPr lang="en-US" smtClean="0"/>
@@ -6323,7 +6489,38 @@
         </p:spPr>
         <p:txBody>
           <a:bodyPr/>
-          <a:lstStyle/>
+          <a:lstStyle>
+            <a:lvl1pPr>
+              <a:defRPr>
+                <a:latin typeface="Calibri" pitchFamily="34" charset="0"/>
+                <a:cs typeface="Calibri" pitchFamily="34" charset="0"/>
+              </a:defRPr>
+            </a:lvl1pPr>
+            <a:lvl2pPr>
+              <a:defRPr>
+                <a:latin typeface="Calibri" pitchFamily="34" charset="0"/>
+                <a:cs typeface="Calibri" pitchFamily="34" charset="0"/>
+              </a:defRPr>
+            </a:lvl2pPr>
+            <a:lvl3pPr>
+              <a:defRPr>
+                <a:latin typeface="Calibri" pitchFamily="34" charset="0"/>
+                <a:cs typeface="Calibri" pitchFamily="34" charset="0"/>
+              </a:defRPr>
+            </a:lvl3pPr>
+            <a:lvl4pPr>
+              <a:defRPr>
+                <a:latin typeface="Calibri" pitchFamily="34" charset="0"/>
+                <a:cs typeface="Calibri" pitchFamily="34" charset="0"/>
+              </a:defRPr>
+            </a:lvl4pPr>
+            <a:lvl5pPr>
+              <a:defRPr>
+                <a:latin typeface="Calibri" pitchFamily="34" charset="0"/>
+                <a:cs typeface="Calibri" pitchFamily="34" charset="0"/>
+              </a:defRPr>
+            </a:lvl5pPr>
+          </a:lstStyle>
           <a:p>
             <a:pPr lvl="0"/>
             <a:r>
@@ -6380,7 +6577,38 @@
         </p:spPr>
         <p:txBody>
           <a:bodyPr/>
-          <a:lstStyle/>
+          <a:lstStyle>
+            <a:lvl1pPr>
+              <a:defRPr>
+                <a:latin typeface="Calibri" pitchFamily="34" charset="0"/>
+                <a:cs typeface="Calibri" pitchFamily="34" charset="0"/>
+              </a:defRPr>
+            </a:lvl1pPr>
+            <a:lvl2pPr>
+              <a:defRPr>
+                <a:latin typeface="Calibri" pitchFamily="34" charset="0"/>
+                <a:cs typeface="Calibri" pitchFamily="34" charset="0"/>
+              </a:defRPr>
+            </a:lvl2pPr>
+            <a:lvl3pPr>
+              <a:defRPr>
+                <a:latin typeface="Calibri" pitchFamily="34" charset="0"/>
+                <a:cs typeface="Calibri" pitchFamily="34" charset="0"/>
+              </a:defRPr>
+            </a:lvl3pPr>
+            <a:lvl4pPr>
+              <a:defRPr>
+                <a:latin typeface="Calibri" pitchFamily="34" charset="0"/>
+                <a:cs typeface="Calibri" pitchFamily="34" charset="0"/>
+              </a:defRPr>
+            </a:lvl4pPr>
+            <a:lvl5pPr>
+              <a:defRPr>
+                <a:latin typeface="Calibri" pitchFamily="34" charset="0"/>
+                <a:cs typeface="Calibri" pitchFamily="34" charset="0"/>
+              </a:defRPr>
+            </a:lvl5pPr>
+          </a:lstStyle>
           <a:p>
             <a:pPr lvl="0"/>
             <a:r>
@@ -6437,7 +6665,38 @@
         </p:spPr>
         <p:txBody>
           <a:bodyPr/>
-          <a:lstStyle/>
+          <a:lstStyle>
+            <a:lvl1pPr>
+              <a:defRPr>
+                <a:latin typeface="Calibri" pitchFamily="34" charset="0"/>
+                <a:cs typeface="Calibri" pitchFamily="34" charset="0"/>
+              </a:defRPr>
+            </a:lvl1pPr>
+            <a:lvl2pPr>
+              <a:defRPr>
+                <a:latin typeface="Calibri" pitchFamily="34" charset="0"/>
+                <a:cs typeface="Calibri" pitchFamily="34" charset="0"/>
+              </a:defRPr>
+            </a:lvl2pPr>
+            <a:lvl3pPr>
+              <a:defRPr>
+                <a:latin typeface="Calibri" pitchFamily="34" charset="0"/>
+                <a:cs typeface="Calibri" pitchFamily="34" charset="0"/>
+              </a:defRPr>
+            </a:lvl3pPr>
+            <a:lvl4pPr>
+              <a:defRPr>
+                <a:latin typeface="Calibri" pitchFamily="34" charset="0"/>
+                <a:cs typeface="Calibri" pitchFamily="34" charset="0"/>
+              </a:defRPr>
+            </a:lvl4pPr>
+            <a:lvl5pPr>
+              <a:defRPr>
+                <a:latin typeface="Calibri" pitchFamily="34" charset="0"/>
+                <a:cs typeface="Calibri" pitchFamily="34" charset="0"/>
+              </a:defRPr>
+            </a:lvl5pPr>
+          </a:lstStyle>
           <a:p>
             <a:pPr lvl="0"/>
             <a:r>
@@ -6634,7 +6893,14 @@
         </p:spPr>
         <p:txBody>
           <a:bodyPr/>
-          <a:lstStyle/>
+          <a:lstStyle>
+            <a:lvl1pPr>
+              <a:defRPr>
+                <a:latin typeface="Calibri" pitchFamily="34" charset="0"/>
+                <a:cs typeface="Calibri" pitchFamily="34" charset="0"/>
+              </a:defRPr>
+            </a:lvl1pPr>
+          </a:lstStyle>
           <a:p>
             <a:r>
               <a:rPr lang="en-US" smtClean="0"/>
@@ -6662,7 +6928,38 @@
         </p:spPr>
         <p:txBody>
           <a:bodyPr/>
-          <a:lstStyle/>
+          <a:lstStyle>
+            <a:lvl1pPr>
+              <a:defRPr>
+                <a:latin typeface="Calibri" pitchFamily="34" charset="0"/>
+                <a:cs typeface="Calibri" pitchFamily="34" charset="0"/>
+              </a:defRPr>
+            </a:lvl1pPr>
+            <a:lvl2pPr>
+              <a:defRPr>
+                <a:latin typeface="Calibri" pitchFamily="34" charset="0"/>
+                <a:cs typeface="Calibri" pitchFamily="34" charset="0"/>
+              </a:defRPr>
+            </a:lvl2pPr>
+            <a:lvl3pPr>
+              <a:defRPr>
+                <a:latin typeface="Calibri" pitchFamily="34" charset="0"/>
+                <a:cs typeface="Calibri" pitchFamily="34" charset="0"/>
+              </a:defRPr>
+            </a:lvl3pPr>
+            <a:lvl4pPr>
+              <a:defRPr>
+                <a:latin typeface="Calibri" pitchFamily="34" charset="0"/>
+                <a:cs typeface="Calibri" pitchFamily="34" charset="0"/>
+              </a:defRPr>
+            </a:lvl4pPr>
+            <a:lvl5pPr>
+              <a:defRPr>
+                <a:latin typeface="Calibri" pitchFamily="34" charset="0"/>
+                <a:cs typeface="Calibri" pitchFamily="34" charset="0"/>
+              </a:defRPr>
+            </a:lvl5pPr>
+          </a:lstStyle>
           <a:p>
             <a:pPr lvl="0"/>
             <a:r>
@@ -6719,7 +7016,38 @@
         </p:spPr>
         <p:txBody>
           <a:bodyPr/>
-          <a:lstStyle/>
+          <a:lstStyle>
+            <a:lvl1pPr>
+              <a:defRPr>
+                <a:latin typeface="Calibri" pitchFamily="34" charset="0"/>
+                <a:cs typeface="Calibri" pitchFamily="34" charset="0"/>
+              </a:defRPr>
+            </a:lvl1pPr>
+            <a:lvl2pPr>
+              <a:defRPr>
+                <a:latin typeface="Calibri" pitchFamily="34" charset="0"/>
+                <a:cs typeface="Calibri" pitchFamily="34" charset="0"/>
+              </a:defRPr>
+            </a:lvl2pPr>
+            <a:lvl3pPr>
+              <a:defRPr>
+                <a:latin typeface="Calibri" pitchFamily="34" charset="0"/>
+                <a:cs typeface="Calibri" pitchFamily="34" charset="0"/>
+              </a:defRPr>
+            </a:lvl3pPr>
+            <a:lvl4pPr>
+              <a:defRPr>
+                <a:latin typeface="Calibri" pitchFamily="34" charset="0"/>
+                <a:cs typeface="Calibri" pitchFamily="34" charset="0"/>
+              </a:defRPr>
+            </a:lvl4pPr>
+            <a:lvl5pPr>
+              <a:defRPr>
+                <a:latin typeface="Calibri" pitchFamily="34" charset="0"/>
+                <a:cs typeface="Calibri" pitchFamily="34" charset="0"/>
+              </a:defRPr>
+            </a:lvl5pPr>
+          </a:lstStyle>
           <a:p>
             <a:pPr lvl="0"/>
             <a:r>
@@ -6776,7 +7104,38 @@
         </p:spPr>
         <p:txBody>
           <a:bodyPr/>
-          <a:lstStyle/>
+          <a:lstStyle>
+            <a:lvl1pPr>
+              <a:defRPr>
+                <a:latin typeface="Calibri" pitchFamily="34" charset="0"/>
+                <a:cs typeface="Calibri" pitchFamily="34" charset="0"/>
+              </a:defRPr>
+            </a:lvl1pPr>
+            <a:lvl2pPr>
+              <a:defRPr>
+                <a:latin typeface="Calibri" pitchFamily="34" charset="0"/>
+                <a:cs typeface="Calibri" pitchFamily="34" charset="0"/>
+              </a:defRPr>
+            </a:lvl2pPr>
+            <a:lvl3pPr>
+              <a:defRPr>
+                <a:latin typeface="Calibri" pitchFamily="34" charset="0"/>
+                <a:cs typeface="Calibri" pitchFamily="34" charset="0"/>
+              </a:defRPr>
+            </a:lvl3pPr>
+            <a:lvl4pPr>
+              <a:defRPr>
+                <a:latin typeface="Calibri" pitchFamily="34" charset="0"/>
+                <a:cs typeface="Calibri" pitchFamily="34" charset="0"/>
+              </a:defRPr>
+            </a:lvl4pPr>
+            <a:lvl5pPr>
+              <a:defRPr>
+                <a:latin typeface="Calibri" pitchFamily="34" charset="0"/>
+                <a:cs typeface="Calibri" pitchFamily="34" charset="0"/>
+              </a:defRPr>
+            </a:lvl5pPr>
+          </a:lstStyle>
           <a:p>
             <a:pPr lvl="0"/>
             <a:r>
@@ -6976,10 +7335,10 @@
           <a:lstStyle/>
           <a:p>
             <a:r>
-              <a:rPr lang="en-US" smtClean="0"/>
+              <a:rPr lang="en-US" dirty="0" smtClean="0"/>
               <a:t>Click to edit Master title style</a:t>
             </a:r>
-            <a:endParaRPr lang="en-US"/>
+            <a:endParaRPr lang="en-US" dirty="0"/>
           </a:p>
         </p:txBody>
       </p:sp>
@@ -7129,7 +7488,7 @@
               <a:pPr>
                 <a:defRPr/>
               </a:pPr>
-              <a:t>1/10/2013</a:t>
+              <a:t>4/25/2013</a:t>
             </a:fld>
             <a:endParaRPr lang="en-US" dirty="0"/>
           </a:p>
@@ -7321,7 +7680,7 @@
               <a:pPr>
                 <a:defRPr/>
               </a:pPr>
-              <a:t>1/10/2013</a:t>
+              <a:t>4/25/2013</a:t>
             </a:fld>
             <a:endParaRPr lang="en-US" dirty="0"/>
           </a:p>
@@ -7436,10 +7795,10 @@
           </a:lstStyle>
           <a:p>
             <a:r>
-              <a:rPr lang="en-US" smtClean="0"/>
+              <a:rPr lang="en-US" dirty="0" smtClean="0"/>
               <a:t>Click to edit Master title style</a:t>
             </a:r>
-            <a:endParaRPr lang="en-US"/>
+            <a:endParaRPr lang="en-US" dirty="0"/>
           </a:p>
         </p:txBody>
       </p:sp>
@@ -7589,7 +7948,7 @@
               <a:pPr>
                 <a:defRPr/>
               </a:pPr>
-              <a:t>1/10/2013</a:t>
+              <a:t>4/25/2013</a:t>
             </a:fld>
             <a:endParaRPr lang="en-US" dirty="0"/>
           </a:p>
@@ -7899,7 +8258,7 @@
               <a:pPr>
                 <a:defRPr/>
               </a:pPr>
-              <a:t>1/10/2013</a:t>
+              <a:t>4/25/2013</a:t>
             </a:fld>
             <a:endParaRPr lang="en-US" dirty="0"/>
           </a:p>
@@ -8005,10 +8364,10 @@
           <a:lstStyle/>
           <a:p>
             <a:r>
-              <a:rPr lang="en-US" smtClean="0"/>
+              <a:rPr lang="en-US" dirty="0" smtClean="0"/>
               <a:t>Click to edit Master title style</a:t>
             </a:r>
-            <a:endParaRPr lang="en-US"/>
+            <a:endParaRPr lang="en-US" dirty="0"/>
           </a:p>
         </p:txBody>
       </p:sp>
@@ -8558,7 +8917,7 @@
               <a:pPr>
                 <a:defRPr/>
               </a:pPr>
-              <a:t>1/10/2013</a:t>
+              <a:t>4/25/2013</a:t>
             </a:fld>
             <a:endParaRPr lang="en-US" dirty="0"/>
           </a:p>
@@ -8698,7 +9057,7 @@
               <a:pPr>
                 <a:defRPr/>
               </a:pPr>
-              <a:t>1/10/2013</a:t>
+              <a:t>4/25/2013</a:t>
             </a:fld>
             <a:endParaRPr lang="en-US" dirty="0"/>
           </a:p>
@@ -8815,7 +9174,7 @@
               <a:pPr>
                 <a:defRPr/>
               </a:pPr>
-              <a:t>1/10/2013</a:t>
+              <a:t>4/25/2013</a:t>
             </a:fld>
             <a:endParaRPr lang="en-US" dirty="0"/>
           </a:p>
@@ -9114,7 +9473,7 @@
               <a:pPr>
                 <a:defRPr/>
               </a:pPr>
-              <a:t>1/10/2013</a:t>
+              <a:t>4/25/2013</a:t>
             </a:fld>
             <a:endParaRPr lang="en-US" dirty="0"/>
           </a:p>
@@ -9392,7 +9751,7 @@
               <a:pPr>
                 <a:defRPr/>
               </a:pPr>
-              <a:t>1/10/2013</a:t>
+              <a:t>4/25/2013</a:t>
             </a:fld>
             <a:endParaRPr lang="en-US" dirty="0"/>
           </a:p>
@@ -9584,7 +9943,7 @@
               <a:pPr>
                 <a:defRPr/>
               </a:pPr>
-              <a:t>1/10/2013</a:t>
+              <a:t>4/25/2013</a:t>
             </a:fld>
             <a:endParaRPr lang="en-US" dirty="0"/>
           </a:p>
@@ -9786,7 +10145,7 @@
               <a:pPr>
                 <a:defRPr/>
               </a:pPr>
-              <a:t>1/10/2013</a:t>
+              <a:t>4/25/2013</a:t>
             </a:fld>
             <a:endParaRPr lang="en-US" dirty="0"/>
           </a:p>
@@ -11081,121 +11440,6 @@
           <a:chExt cx="0" cy="0"/>
         </a:xfrm>
       </p:grpSpPr>
-      <p:sp>
-        <p:nvSpPr>
-          <p:cNvPr id="2" name="Rectangle 5"/>
-          <p:cNvSpPr>
-            <a:spLocks noGrp="1" noChangeArrowheads="1"/>
-          </p:cNvSpPr>
-          <p:nvPr>
-            <p:ph type="dt" sz="half" idx="10"/>
-          </p:nvPr>
-        </p:nvSpPr>
-        <p:spPr>
-          <a:xfrm>
-            <a:off x="355600" y="6038850"/>
-            <a:ext cx="2133600" cy="206375"/>
-          </a:xfrm>
-          <a:prstGeom prst="rect">
-            <a:avLst/>
-          </a:prstGeom>
-        </p:spPr>
-        <p:txBody>
-          <a:bodyPr/>
-          <a:lstStyle>
-            <a:lvl1pPr>
-              <a:defRPr>
-                <a:latin typeface="Arial" pitchFamily="34" charset="0"/>
-              </a:defRPr>
-            </a:lvl1pPr>
-          </a:lstStyle>
-          <a:p>
-            <a:pPr>
-              <a:defRPr/>
-            </a:pPr>
-            <a:endParaRPr lang="en-US" dirty="0"/>
-          </a:p>
-        </p:txBody>
-      </p:sp>
-      <p:sp>
-        <p:nvSpPr>
-          <p:cNvPr id="3" name="Rectangle 6"/>
-          <p:cNvSpPr>
-            <a:spLocks noGrp="1" noChangeArrowheads="1"/>
-          </p:cNvSpPr>
-          <p:nvPr>
-            <p:ph type="ftr" sz="quarter" idx="11"/>
-          </p:nvPr>
-        </p:nvSpPr>
-        <p:spPr>
-          <a:xfrm>
-            <a:off x="3114675" y="6038850"/>
-            <a:ext cx="2895600" cy="206375"/>
-          </a:xfrm>
-          <a:prstGeom prst="rect">
-            <a:avLst/>
-          </a:prstGeom>
-        </p:spPr>
-        <p:txBody>
-          <a:bodyPr/>
-          <a:lstStyle>
-            <a:lvl1pPr>
-              <a:defRPr>
-                <a:latin typeface="Arial" pitchFamily="34" charset="0"/>
-              </a:defRPr>
-            </a:lvl1pPr>
-          </a:lstStyle>
-          <a:p>
-            <a:pPr>
-              <a:defRPr/>
-            </a:pPr>
-            <a:endParaRPr lang="en-US" dirty="0"/>
-          </a:p>
-        </p:txBody>
-      </p:sp>
-      <p:sp>
-        <p:nvSpPr>
-          <p:cNvPr id="4" name="Rectangle 7"/>
-          <p:cNvSpPr>
-            <a:spLocks noGrp="1" noChangeArrowheads="1"/>
-          </p:cNvSpPr>
-          <p:nvPr>
-            <p:ph type="sldNum" sz="quarter" idx="12"/>
-          </p:nvPr>
-        </p:nvSpPr>
-        <p:spPr>
-          <a:xfrm>
-            <a:off x="6642100" y="6038850"/>
-            <a:ext cx="2133600" cy="206375"/>
-          </a:xfrm>
-          <a:prstGeom prst="rect">
-            <a:avLst/>
-          </a:prstGeom>
-        </p:spPr>
-        <p:txBody>
-          <a:bodyPr/>
-          <a:lstStyle>
-            <a:lvl1pPr>
-              <a:defRPr>
-                <a:latin typeface="Arial" pitchFamily="34" charset="0"/>
-              </a:defRPr>
-            </a:lvl1pPr>
-          </a:lstStyle>
-          <a:p>
-            <a:pPr>
-              <a:defRPr/>
-            </a:pPr>
-            <a:fld id="{7FF68006-6551-4CCF-9494-A965BD8F551A}" type="slidenum">
-              <a:rPr lang="en-US"/>
-              <a:pPr>
-                <a:defRPr/>
-              </a:pPr>
-              <a:t>‹#›</a:t>
-            </a:fld>
-            <a:endParaRPr lang="en-US" dirty="0"/>
-          </a:p>
-        </p:txBody>
-      </p:sp>
     </p:spTree>
   </p:cSld>
   <p:clrMapOvr>
@@ -11241,15 +11485,18 @@
           <a:bodyPr anchor="b"/>
           <a:lstStyle>
             <a:lvl1pPr algn="l">
-              <a:defRPr sz="2000" b="1"/>
+              <a:defRPr sz="2000" b="1">
+                <a:latin typeface="Calibri" pitchFamily="34" charset="0"/>
+                <a:cs typeface="Calibri" pitchFamily="34" charset="0"/>
+              </a:defRPr>
             </a:lvl1pPr>
           </a:lstStyle>
           <a:p>
             <a:r>
-              <a:rPr lang="en-US" smtClean="0"/>
+              <a:rPr lang="en-US" dirty="0" smtClean="0"/>
               <a:t>Click to edit Master title style</a:t>
             </a:r>
-            <a:endParaRPr lang="en-US"/>
+            <a:endParaRPr lang="en-US" dirty="0"/>
           </a:p>
         </p:txBody>
       </p:sp>
@@ -11273,19 +11520,34 @@
           <a:bodyPr/>
           <a:lstStyle>
             <a:lvl1pPr>
-              <a:defRPr sz="3200"/>
+              <a:defRPr sz="3200">
+                <a:latin typeface="Calibri" pitchFamily="34" charset="0"/>
+                <a:cs typeface="Calibri" pitchFamily="34" charset="0"/>
+              </a:defRPr>
             </a:lvl1pPr>
             <a:lvl2pPr>
-              <a:defRPr sz="2800"/>
+              <a:defRPr sz="2800">
+                <a:latin typeface="Calibri" pitchFamily="34" charset="0"/>
+                <a:cs typeface="Calibri" pitchFamily="34" charset="0"/>
+              </a:defRPr>
             </a:lvl2pPr>
             <a:lvl3pPr>
-              <a:defRPr sz="2400"/>
+              <a:defRPr sz="2400">
+                <a:latin typeface="Calibri" pitchFamily="34" charset="0"/>
+                <a:cs typeface="Calibri" pitchFamily="34" charset="0"/>
+              </a:defRPr>
             </a:lvl3pPr>
             <a:lvl4pPr>
-              <a:defRPr sz="2000"/>
+              <a:defRPr sz="2000">
+                <a:latin typeface="Calibri" pitchFamily="34" charset="0"/>
+                <a:cs typeface="Calibri" pitchFamily="34" charset="0"/>
+              </a:defRPr>
             </a:lvl4pPr>
             <a:lvl5pPr>
-              <a:defRPr sz="2000"/>
+              <a:defRPr sz="2000">
+                <a:latin typeface="Calibri" pitchFamily="34" charset="0"/>
+                <a:cs typeface="Calibri" pitchFamily="34" charset="0"/>
+              </a:defRPr>
             </a:lvl5pPr>
             <a:lvl6pPr>
               <a:defRPr sz="2000"/>
@@ -11303,38 +11565,38 @@
           <a:p>
             <a:pPr lvl="0"/>
             <a:r>
-              <a:rPr lang="en-US" smtClean="0"/>
+              <a:rPr lang="en-US" dirty="0" smtClean="0"/>
               <a:t>Click to edit Master text styles</a:t>
             </a:r>
           </a:p>
           <a:p>
             <a:pPr lvl="1"/>
             <a:r>
-              <a:rPr lang="en-US" smtClean="0"/>
+              <a:rPr lang="en-US" dirty="0" smtClean="0"/>
               <a:t>Second level</a:t>
             </a:r>
           </a:p>
           <a:p>
             <a:pPr lvl="2"/>
             <a:r>
-              <a:rPr lang="en-US" smtClean="0"/>
+              <a:rPr lang="en-US" dirty="0" smtClean="0"/>
               <a:t>Third level</a:t>
             </a:r>
           </a:p>
           <a:p>
             <a:pPr lvl="3"/>
             <a:r>
-              <a:rPr lang="en-US" smtClean="0"/>
+              <a:rPr lang="en-US" dirty="0" smtClean="0"/>
               <a:t>Fourth level</a:t>
             </a:r>
           </a:p>
           <a:p>
             <a:pPr lvl="4"/>
             <a:r>
-              <a:rPr lang="en-US" smtClean="0"/>
+              <a:rPr lang="en-US" dirty="0" smtClean="0"/>
               <a:t>Fifth level</a:t>
             </a:r>
-            <a:endParaRPr lang="en-US"/>
+            <a:endParaRPr lang="en-US" dirty="0"/>
           </a:p>
         </p:txBody>
       </p:sp>
@@ -11359,7 +11621,10 @@
           <a:lstStyle>
             <a:lvl1pPr marL="0" indent="0">
               <a:buNone/>
-              <a:defRPr sz="1400"/>
+              <a:defRPr sz="1400">
+                <a:latin typeface="Calibri" pitchFamily="34" charset="0"/>
+                <a:cs typeface="Calibri" pitchFamily="34" charset="0"/>
+              </a:defRPr>
             </a:lvl1pPr>
             <a:lvl2pPr marL="457200" indent="0">
               <a:buNone/>
@@ -11403,121 +11668,6 @@
           </a:p>
         </p:txBody>
       </p:sp>
-      <p:sp>
-        <p:nvSpPr>
-          <p:cNvPr id="5" name="Rectangle 5"/>
-          <p:cNvSpPr>
-            <a:spLocks noGrp="1" noChangeArrowheads="1"/>
-          </p:cNvSpPr>
-          <p:nvPr>
-            <p:ph type="dt" sz="half" idx="10"/>
-          </p:nvPr>
-        </p:nvSpPr>
-        <p:spPr>
-          <a:xfrm>
-            <a:off x="355600" y="6038850"/>
-            <a:ext cx="2133600" cy="206375"/>
-          </a:xfrm>
-          <a:prstGeom prst="rect">
-            <a:avLst/>
-          </a:prstGeom>
-        </p:spPr>
-        <p:txBody>
-          <a:bodyPr/>
-          <a:lstStyle>
-            <a:lvl1pPr>
-              <a:defRPr>
-                <a:latin typeface="Arial" pitchFamily="34" charset="0"/>
-              </a:defRPr>
-            </a:lvl1pPr>
-          </a:lstStyle>
-          <a:p>
-            <a:pPr>
-              <a:defRPr/>
-            </a:pPr>
-            <a:endParaRPr lang="en-US" dirty="0"/>
-          </a:p>
-        </p:txBody>
-      </p:sp>
-      <p:sp>
-        <p:nvSpPr>
-          <p:cNvPr id="6" name="Rectangle 6"/>
-          <p:cNvSpPr>
-            <a:spLocks noGrp="1" noChangeArrowheads="1"/>
-          </p:cNvSpPr>
-          <p:nvPr>
-            <p:ph type="ftr" sz="quarter" idx="11"/>
-          </p:nvPr>
-        </p:nvSpPr>
-        <p:spPr>
-          <a:xfrm>
-            <a:off x="3114675" y="6038850"/>
-            <a:ext cx="2895600" cy="206375"/>
-          </a:xfrm>
-          <a:prstGeom prst="rect">
-            <a:avLst/>
-          </a:prstGeom>
-        </p:spPr>
-        <p:txBody>
-          <a:bodyPr/>
-          <a:lstStyle>
-            <a:lvl1pPr>
-              <a:defRPr>
-                <a:latin typeface="Arial" pitchFamily="34" charset="0"/>
-              </a:defRPr>
-            </a:lvl1pPr>
-          </a:lstStyle>
-          <a:p>
-            <a:pPr>
-              <a:defRPr/>
-            </a:pPr>
-            <a:endParaRPr lang="en-US" dirty="0"/>
-          </a:p>
-        </p:txBody>
-      </p:sp>
-      <p:sp>
-        <p:nvSpPr>
-          <p:cNvPr id="7" name="Rectangle 7"/>
-          <p:cNvSpPr>
-            <a:spLocks noGrp="1" noChangeArrowheads="1"/>
-          </p:cNvSpPr>
-          <p:nvPr>
-            <p:ph type="sldNum" sz="quarter" idx="12"/>
-          </p:nvPr>
-        </p:nvSpPr>
-        <p:spPr>
-          <a:xfrm>
-            <a:off x="6642100" y="6038850"/>
-            <a:ext cx="2133600" cy="206375"/>
-          </a:xfrm>
-          <a:prstGeom prst="rect">
-            <a:avLst/>
-          </a:prstGeom>
-        </p:spPr>
-        <p:txBody>
-          <a:bodyPr/>
-          <a:lstStyle>
-            <a:lvl1pPr>
-              <a:defRPr>
-                <a:latin typeface="Arial" pitchFamily="34" charset="0"/>
-              </a:defRPr>
-            </a:lvl1pPr>
-          </a:lstStyle>
-          <a:p>
-            <a:pPr>
-              <a:defRPr/>
-            </a:pPr>
-            <a:fld id="{DBF701CA-7EFC-407E-89ED-DCF066BE65AC}" type="slidenum">
-              <a:rPr lang="en-US"/>
-              <a:pPr>
-                <a:defRPr/>
-              </a:pPr>
-              <a:t>‹#›</a:t>
-            </a:fld>
-            <a:endParaRPr lang="en-US" dirty="0"/>
-          </a:p>
-        </p:txBody>
-      </p:sp>
     </p:spTree>
   </p:cSld>
   <p:clrMapOvr>
@@ -11563,15 +11713,18 @@
           <a:bodyPr anchor="b"/>
           <a:lstStyle>
             <a:lvl1pPr algn="l">
-              <a:defRPr sz="2000" b="1"/>
+              <a:defRPr sz="2000" b="1">
+                <a:latin typeface="Calibri" pitchFamily="34" charset="0"/>
+                <a:cs typeface="Calibri" pitchFamily="34" charset="0"/>
+              </a:defRPr>
             </a:lvl1pPr>
           </a:lstStyle>
           <a:p>
             <a:r>
-              <a:rPr lang="en-US" smtClean="0"/>
+              <a:rPr lang="en-US" dirty="0" smtClean="0"/>
               <a:t>Click to edit Master title style</a:t>
             </a:r>
-            <a:endParaRPr lang="en-US"/>
+            <a:endParaRPr lang="en-US" dirty="0"/>
           </a:p>
         </p:txBody>
       </p:sp>
@@ -11658,7 +11811,10 @@
           <a:lstStyle>
             <a:lvl1pPr marL="0" indent="0">
               <a:buNone/>
-              <a:defRPr sz="1400"/>
+              <a:defRPr sz="1400">
+                <a:latin typeface="Calibri" pitchFamily="34" charset="0"/>
+                <a:cs typeface="Calibri" pitchFamily="34" charset="0"/>
+              </a:defRPr>
             </a:lvl1pPr>
             <a:lvl2pPr marL="457200" indent="0">
               <a:buNone/>
@@ -11886,7 +12042,7 @@
           <a:p>
             <a:pPr lvl="0"/>
             <a:r>
-              <a:rPr lang="en-US" altLang="zh-CN" smtClean="0"/>
+              <a:rPr lang="en-US" altLang="zh-CN" dirty="0" smtClean="0"/>
               <a:t>Click to edit Master title style</a:t>
             </a:r>
           </a:p>
@@ -11928,35 +12084,35 @@
           <a:p>
             <a:pPr lvl="0"/>
             <a:r>
-              <a:rPr lang="en-US" altLang="zh-CN" smtClean="0"/>
+              <a:rPr lang="en-US" altLang="zh-CN" dirty="0" smtClean="0"/>
               <a:t>Click to edit Master text styles</a:t>
             </a:r>
           </a:p>
           <a:p>
             <a:pPr lvl="1"/>
             <a:r>
-              <a:rPr lang="en-US" altLang="zh-CN" smtClean="0"/>
+              <a:rPr lang="en-US" altLang="zh-CN" dirty="0" smtClean="0"/>
               <a:t>Second level</a:t>
             </a:r>
           </a:p>
           <a:p>
             <a:pPr lvl="2"/>
             <a:r>
-              <a:rPr lang="en-US" altLang="zh-CN" smtClean="0"/>
+              <a:rPr lang="en-US" altLang="zh-CN" dirty="0" smtClean="0"/>
               <a:t>Third level</a:t>
             </a:r>
           </a:p>
           <a:p>
             <a:pPr lvl="3"/>
             <a:r>
-              <a:rPr lang="en-US" altLang="zh-CN" smtClean="0"/>
+              <a:rPr lang="en-US" altLang="zh-CN" dirty="0" smtClean="0"/>
               <a:t>Fourth level</a:t>
             </a:r>
           </a:p>
           <a:p>
             <a:pPr lvl="4"/>
             <a:r>
-              <a:rPr lang="en-US" altLang="zh-CN" smtClean="0"/>
+              <a:rPr lang="en-US" altLang="zh-CN" dirty="0" smtClean="0"/>
               <a:t>Fifth level</a:t>
             </a:r>
           </a:p>
@@ -12161,9 +12317,9 @@
           <a:solidFill>
             <a:schemeClr val="tx1"/>
           </a:solidFill>
-          <a:latin typeface="+mj-lt"/>
+          <a:latin typeface="Calibri" pitchFamily="34" charset="0"/>
           <a:ea typeface="+mj-ea"/>
-          <a:cs typeface="+mj-cs"/>
+          <a:cs typeface="Calibri" pitchFamily="34" charset="0"/>
         </a:defRPr>
       </a:lvl1pPr>
       <a:lvl2pPr algn="ctr" rtl="0" eaLnBrk="0" fontAlgn="base" hangingPunct="0">
@@ -12292,9 +12448,9 @@
           <a:solidFill>
             <a:schemeClr val="tx1"/>
           </a:solidFill>
-          <a:latin typeface="+mn-lt"/>
+          <a:latin typeface="Calibri" pitchFamily="34" charset="0"/>
           <a:ea typeface="+mn-ea"/>
-          <a:cs typeface="+mn-cs"/>
+          <a:cs typeface="Calibri" pitchFamily="34" charset="0"/>
         </a:defRPr>
       </a:lvl1pPr>
       <a:lvl2pPr marL="742950" indent="-285750" algn="l" rtl="0" eaLnBrk="0" fontAlgn="base" hangingPunct="0">
@@ -12309,7 +12465,8 @@
           <a:solidFill>
             <a:schemeClr val="tx1"/>
           </a:solidFill>
-          <a:latin typeface="+mn-lt"/>
+          <a:latin typeface="Calibri" pitchFamily="34" charset="0"/>
+          <a:cs typeface="Calibri" pitchFamily="34" charset="0"/>
         </a:defRPr>
       </a:lvl2pPr>
       <a:lvl3pPr marL="1143000" indent="-228600" algn="l" rtl="0" eaLnBrk="0" fontAlgn="base" hangingPunct="0">
@@ -12324,7 +12481,8 @@
           <a:solidFill>
             <a:schemeClr val="tx1"/>
           </a:solidFill>
-          <a:latin typeface="+mn-lt"/>
+          <a:latin typeface="Calibri" pitchFamily="34" charset="0"/>
+          <a:cs typeface="Calibri" pitchFamily="34" charset="0"/>
         </a:defRPr>
       </a:lvl3pPr>
       <a:lvl4pPr marL="1600200" indent="-228600" algn="l" rtl="0" eaLnBrk="0" fontAlgn="base" hangingPunct="0">
@@ -12339,7 +12497,8 @@
           <a:solidFill>
             <a:schemeClr val="tx1"/>
           </a:solidFill>
-          <a:latin typeface="+mn-lt"/>
+          <a:latin typeface="Calibri" pitchFamily="34" charset="0"/>
+          <a:cs typeface="Calibri" pitchFamily="34" charset="0"/>
         </a:defRPr>
       </a:lvl4pPr>
       <a:lvl5pPr marL="2057400" indent="-228600" algn="l" rtl="0" eaLnBrk="0" fontAlgn="base" hangingPunct="0">
@@ -12354,7 +12513,8 @@
           <a:solidFill>
             <a:schemeClr val="tx1"/>
           </a:solidFill>
-          <a:latin typeface="+mn-lt"/>
+          <a:latin typeface="Calibri" pitchFamily="34" charset="0"/>
+          <a:cs typeface="Calibri" pitchFamily="34" charset="0"/>
         </a:defRPr>
       </a:lvl5pPr>
       <a:lvl6pPr marL="2514600" indent="-228600" algn="l" rtl="0" fontAlgn="base">
@@ -12575,7 +12735,7 @@
           <a:p>
             <a:pPr lvl="0"/>
             <a:r>
-              <a:rPr lang="en-US" smtClean="0"/>
+              <a:rPr lang="en-US" dirty="0" smtClean="0"/>
               <a:t>Click to edit Master title style</a:t>
             </a:r>
           </a:p>
@@ -12693,7 +12853,7 @@
               <a:pPr>
                 <a:defRPr/>
               </a:pPr>
-              <a:t>1/10/2013</a:t>
+              <a:t>4/25/2013</a:t>
             </a:fld>
             <a:endParaRPr lang="en-US" dirty="0"/>
           </a:p>
@@ -13247,7 +13407,7 @@
           <a:p>
             <a:pPr lvl="0"/>
             <a:r>
-              <a:rPr lang="en-US" altLang="zh-CN" smtClean="0"/>
+              <a:rPr lang="en-US" altLang="zh-CN" dirty="0" smtClean="0"/>
               <a:t>Click to edit Master title style</a:t>
             </a:r>
           </a:p>
@@ -13530,11 +13690,11 @@
         </a:spcAft>
         <a:defRPr sz="3200" b="1">
           <a:solidFill>
-            <a:srgbClr val="FF0000"/>
+            <a:schemeClr val="tx1"/>
           </a:solidFill>
-          <a:latin typeface="+mj-lt"/>
+          <a:latin typeface="Calibri" pitchFamily="34" charset="0"/>
           <a:ea typeface="+mj-ea"/>
-          <a:cs typeface="+mj-cs"/>
+          <a:cs typeface="Calibri" pitchFamily="34" charset="0"/>
         </a:defRPr>
       </a:lvl1pPr>
       <a:lvl2pPr algn="l" rtl="0" eaLnBrk="0" fontAlgn="base" hangingPunct="0">
@@ -13687,9 +13847,9 @@
           <a:solidFill>
             <a:schemeClr val="tx1"/>
           </a:solidFill>
-          <a:latin typeface="+mn-lt"/>
+          <a:latin typeface="Calibri" pitchFamily="34" charset="0"/>
           <a:ea typeface="+mn-ea"/>
-          <a:cs typeface="+mn-cs"/>
+          <a:cs typeface="Calibri" pitchFamily="34" charset="0"/>
         </a:defRPr>
       </a:lvl1pPr>
       <a:lvl2pPr marL="574675" indent="-233363" algn="l" rtl="0" eaLnBrk="0" fontAlgn="base" hangingPunct="0">
@@ -13704,7 +13864,8 @@
           <a:solidFill>
             <a:schemeClr val="tx1"/>
           </a:solidFill>
-          <a:latin typeface="+mn-lt"/>
+          <a:latin typeface="Calibri" pitchFamily="34" charset="0"/>
+          <a:cs typeface="Calibri" pitchFamily="34" charset="0"/>
         </a:defRPr>
       </a:lvl2pPr>
       <a:lvl3pPr marL="854075" indent="-165100" algn="l" rtl="0" eaLnBrk="0" fontAlgn="base" hangingPunct="0">
@@ -13719,7 +13880,8 @@
           <a:solidFill>
             <a:schemeClr val="tx1"/>
           </a:solidFill>
-          <a:latin typeface="+mn-lt"/>
+          <a:latin typeface="Calibri" pitchFamily="34" charset="0"/>
+          <a:cs typeface="Calibri" pitchFamily="34" charset="0"/>
         </a:defRPr>
       </a:lvl3pPr>
       <a:lvl4pPr marL="1201738" indent="-233363" algn="l" rtl="0" eaLnBrk="0" fontAlgn="base" hangingPunct="0">
@@ -13734,7 +13896,8 @@
           <a:solidFill>
             <a:schemeClr val="tx1"/>
           </a:solidFill>
-          <a:latin typeface="+mn-lt"/>
+          <a:latin typeface="Calibri" pitchFamily="34" charset="0"/>
+          <a:cs typeface="Calibri" pitchFamily="34" charset="0"/>
         </a:defRPr>
       </a:lvl4pPr>
       <a:lvl5pPr marL="1489075" indent="-173038" algn="l" rtl="0" eaLnBrk="0" fontAlgn="base" hangingPunct="0">
@@ -13749,7 +13912,8 @@
           <a:solidFill>
             <a:schemeClr val="tx1"/>
           </a:solidFill>
-          <a:latin typeface="+mn-lt"/>
+          <a:latin typeface="Calibri" pitchFamily="34" charset="0"/>
+          <a:cs typeface="Calibri" pitchFamily="34" charset="0"/>
         </a:defRPr>
       </a:lvl5pPr>
       <a:lvl6pPr marL="1946275" indent="-173038" algn="l" rtl="0" eaLnBrk="1" fontAlgn="base" hangingPunct="1">
@@ -13951,10 +14115,81 @@
           <a:p>
             <a:pPr eaLnBrk="1" hangingPunct="1"/>
             <a:r>
-              <a:rPr lang="en-US" b="0" dirty="0" smtClean="0"/>
+              <a:rPr lang="en-US" sz="5400" b="0" dirty="0" smtClean="0"/>
               <a:t>Multicore Design Considerations</a:t>
             </a:r>
-            <a:endParaRPr lang="en-US" sz="4000" b="0" dirty="0" smtClean="0"/>
+          </a:p>
+        </p:txBody>
+      </p:sp>
+      <p:sp>
+        <p:nvSpPr>
+          <p:cNvPr id="3" name="Content Placeholder 2"/>
+          <p:cNvSpPr txBox="1">
+            <a:spLocks/>
+          </p:cNvSpPr>
+          <p:nvPr/>
+        </p:nvSpPr>
+        <p:spPr>
+          <a:xfrm>
+            <a:off x="457200" y="4267200"/>
+            <a:ext cx="8229600" cy="1858963"/>
+          </a:xfrm>
+          <a:prstGeom prst="rect">
+            <a:avLst/>
+          </a:prstGeom>
+        </p:spPr>
+        <p:txBody>
+          <a:bodyPr/>
+          <a:lstStyle/>
+          <a:p>
+            <a:pPr marL="342900" marR="0" lvl="0" indent="-342900" algn="ctr" defTabSz="914400" rtl="0" eaLnBrk="0" fontAlgn="base" latinLnBrk="0" hangingPunct="0">
+              <a:lnSpc>
+                <a:spcPct val="100000"/>
+              </a:lnSpc>
+              <a:spcBef>
+                <a:spcPct val="20000"/>
+              </a:spcBef>
+              <a:spcAft>
+                <a:spcPct val="0"/>
+              </a:spcAft>
+              <a:buClrTx/>
+              <a:buSzTx/>
+              <a:buFont typeface="Arial" charset="0"/>
+              <a:buNone/>
+              <a:tabLst/>
+              <a:defRPr/>
+            </a:pPr>
+            <a:r>
+              <a:rPr kumimoji="0" lang="en-US" sz="2800" b="0" i="0" u="none" strike="noStrike" kern="0" cap="none" spc="0" normalizeH="0" baseline="0" noProof="0" smtClean="0">
+                <a:ln>
+                  <a:noFill/>
+                </a:ln>
+                <a:solidFill>
+                  <a:schemeClr val="tx1"/>
+                </a:solidFill>
+                <a:effectLst/>
+                <a:uLnTx/>
+                <a:uFillTx/>
+                <a:latin typeface="Calibri" pitchFamily="34" charset="0"/>
+                <a:ea typeface="+mn-ea"/>
+                <a:cs typeface="Calibri" pitchFamily="34" charset="0"/>
+              </a:rPr>
+              <a:t>Multicore Applications</a:t>
+            </a:r>
+            <a:endParaRPr kumimoji="0" lang="en-US" sz="2800" b="0" i="0" u="none" strike="noStrike" kern="0" cap="none" spc="0" normalizeH="0" baseline="0" noProof="0" dirty="0" smtClean="0">
+              <a:ln>
+                <a:noFill/>
+              </a:ln>
+              <a:solidFill>
+                <a:schemeClr val="tx1"/>
+              </a:solidFill>
+              <a:effectLst/>
+              <a:uLnTx/>
+              <a:uFillTx/>
+              <a:latin typeface="Calibri" pitchFamily="34" charset="0"/>
+              <a:ea typeface="+mn-ea"/>
+              <a:cs typeface="Calibri" pitchFamily="34" charset="0"/>
+            </a:endParaRPr>
           </a:p>
         </p:txBody>
       </p:sp>
@@ -14005,7 +14240,7 @@
         </p:nvSpPr>
         <p:spPr>
           <a:xfrm>
-            <a:off x="332509" y="290946"/>
+            <a:off x="313053" y="261763"/>
             <a:ext cx="8458200" cy="1433945"/>
           </a:xfrm>
         </p:spPr>
@@ -14026,7 +14261,7 @@
                   <a:schemeClr val="tx2"/>
                 </a:solidFill>
               </a:rPr>
-              <a:t> Data Flow Model(2)</a:t>
+              <a:t> Data Flow Model (2/2)</a:t>
             </a:r>
             <a:endParaRPr lang="en-US" dirty="0" smtClean="0"/>
           </a:p>
@@ -14044,8 +14279,8 @@
         </p:nvSpPr>
         <p:spPr>
           <a:xfrm>
-            <a:off x="333375" y="2982191"/>
-            <a:ext cx="8467725" cy="2896322"/>
+            <a:off x="333375" y="4003631"/>
+            <a:ext cx="8467725" cy="2397205"/>
           </a:xfrm>
         </p:spPr>
         <p:txBody>
@@ -14061,7 +14296,7 @@
             <a:pPr lvl="1"/>
             <a:r>
               <a:rPr lang="en-US" dirty="0" smtClean="0"/>
-              <a:t>High quality video encoder</a:t>
+              <a:t>High-quality video encoder</a:t>
             </a:r>
           </a:p>
           <a:p>
@@ -14085,259 +14320,236 @@
               <a:t>LTE physical layer</a:t>
             </a:r>
           </a:p>
-          <a:p>
-            <a:pPr>
-              <a:buNone/>
-            </a:pPr>
-            <a:endParaRPr lang="en-US" b="1" dirty="0" smtClean="0"/>
-          </a:p>
-        </p:txBody>
-      </p:sp>
-      <p:grpSp>
-        <p:nvGrpSpPr>
-          <p:cNvPr id="11" name="Group 24"/>
-          <p:cNvGrpSpPr>
-            <a:grpSpLocks/>
-          </p:cNvGrpSpPr>
+        </p:txBody>
+      </p:sp>
+      <p:sp>
+        <p:nvSpPr>
+          <p:cNvPr id="12" name="Rectangle 9"/>
+          <p:cNvSpPr>
+            <a:spLocks noChangeArrowheads="1"/>
+          </p:cNvSpPr>
           <p:nvPr/>
-        </p:nvGrpSpPr>
-        <p:grpSpPr bwMode="auto">
+        </p:nvSpPr>
+        <p:spPr bwMode="auto">
           <a:xfrm>
-            <a:off x="2369127" y="1959119"/>
-            <a:ext cx="4239491" cy="991898"/>
-            <a:chOff x="3311" y="2805"/>
-            <a:chExt cx="1795" cy="187"/>
+            <a:off x="5882614" y="1942233"/>
+            <a:ext cx="1159326" cy="1734834"/>
           </a:xfrm>
-        </p:grpSpPr>
-        <p:sp>
-          <p:nvSpPr>
-            <p:cNvPr id="12" name="Rectangle 9"/>
-            <p:cNvSpPr>
-              <a:spLocks noChangeArrowheads="1"/>
-            </p:cNvSpPr>
-            <p:nvPr/>
-          </p:nvSpPr>
-          <p:spPr bwMode="auto">
-            <a:xfrm>
-              <a:off x="4700" y="2810"/>
-              <a:ext cx="406" cy="182"/>
-            </a:xfrm>
-            <a:prstGeom prst="rect">
-              <a:avLst/>
-            </a:prstGeom>
+          <a:prstGeom prst="rect">
+            <a:avLst/>
+          </a:prstGeom>
+          <a:solidFill>
+            <a:schemeClr val="accent1"/>
+          </a:solidFill>
+          <a:ln w="9525">
             <a:solidFill>
-              <a:schemeClr val="accent1"/>
+              <a:schemeClr val="tx1"/>
             </a:solidFill>
-            <a:ln w="9525">
-              <a:solidFill>
-                <a:schemeClr val="tx1"/>
-              </a:solidFill>
-              <a:miter lim="800000"/>
-              <a:headEnd/>
-              <a:tailEnd/>
-            </a:ln>
-            <a:effectLst/>
-          </p:spPr>
-          <p:txBody>
-            <a:bodyPr wrap="none" anchor="ctr"/>
-            <a:lstStyle/>
-            <a:p>
-              <a:pPr algn="ctr"/>
-              <a:r>
-                <a:rPr lang="en-US" sz="1200" dirty="0"/>
-                <a:t>Core 2</a:t>
-              </a:r>
-            </a:p>
-          </p:txBody>
-        </p:sp>
-        <p:sp>
-          <p:nvSpPr>
-            <p:cNvPr id="13" name="Rectangle 10"/>
-            <p:cNvSpPr>
-              <a:spLocks noChangeArrowheads="1"/>
-            </p:cNvSpPr>
-            <p:nvPr/>
-          </p:nvSpPr>
-          <p:spPr bwMode="auto">
-            <a:xfrm>
-              <a:off x="4149" y="2805"/>
-              <a:ext cx="406" cy="182"/>
-            </a:xfrm>
-            <a:prstGeom prst="rect">
-              <a:avLst/>
-            </a:prstGeom>
+            <a:miter lim="800000"/>
+            <a:headEnd/>
+            <a:tailEnd/>
+          </a:ln>
+          <a:effectLst/>
+        </p:spPr>
+        <p:txBody>
+          <a:bodyPr wrap="none" anchor="ctr"/>
+          <a:lstStyle/>
+          <a:p>
+            <a:pPr algn="ctr"/>
+            <a:r>
+              <a:rPr lang="en-US" sz="1200" dirty="0"/>
+              <a:t>Core 2</a:t>
+            </a:r>
+          </a:p>
+        </p:txBody>
+      </p:sp>
+      <p:sp>
+        <p:nvSpPr>
+          <p:cNvPr id="13" name="Rectangle 10"/>
+          <p:cNvSpPr>
+            <a:spLocks noChangeArrowheads="1"/>
+          </p:cNvSpPr>
+          <p:nvPr/>
+        </p:nvSpPr>
+        <p:spPr bwMode="auto">
+          <a:xfrm>
+            <a:off x="4318972" y="1933485"/>
+            <a:ext cx="1159326" cy="1734834"/>
+          </a:xfrm>
+          <a:prstGeom prst="rect">
+            <a:avLst/>
+          </a:prstGeom>
+          <a:solidFill>
+            <a:schemeClr val="accent1"/>
+          </a:solidFill>
+          <a:ln w="9525">
             <a:solidFill>
-              <a:schemeClr val="accent1"/>
+              <a:schemeClr val="tx1"/>
             </a:solidFill>
-            <a:ln w="9525">
-              <a:solidFill>
-                <a:schemeClr val="tx1"/>
-              </a:solidFill>
-              <a:miter lim="800000"/>
-              <a:headEnd/>
-              <a:tailEnd/>
-            </a:ln>
-            <a:effectLst/>
-          </p:spPr>
-          <p:txBody>
-            <a:bodyPr wrap="none" anchor="ctr"/>
-            <a:lstStyle/>
-            <a:p>
-              <a:pPr algn="ctr"/>
-              <a:r>
-                <a:rPr lang="en-US" sz="1200" dirty="0"/>
-                <a:t>Core 1</a:t>
-              </a:r>
-            </a:p>
-          </p:txBody>
-        </p:sp>
-        <p:sp>
-          <p:nvSpPr>
-            <p:cNvPr id="14" name="Rectangle 11"/>
-            <p:cNvSpPr>
-              <a:spLocks noChangeArrowheads="1"/>
-            </p:cNvSpPr>
-            <p:nvPr/>
-          </p:nvSpPr>
-          <p:spPr bwMode="auto">
-            <a:xfrm>
-              <a:off x="3558" y="2807"/>
-              <a:ext cx="406" cy="182"/>
-            </a:xfrm>
-            <a:prstGeom prst="rect">
-              <a:avLst/>
-            </a:prstGeom>
+            <a:miter lim="800000"/>
+            <a:headEnd/>
+            <a:tailEnd/>
+          </a:ln>
+          <a:effectLst/>
+        </p:spPr>
+        <p:txBody>
+          <a:bodyPr wrap="none" anchor="ctr"/>
+          <a:lstStyle/>
+          <a:p>
+            <a:pPr algn="ctr"/>
+            <a:r>
+              <a:rPr lang="en-US" sz="1200" dirty="0"/>
+              <a:t>Core 1</a:t>
+            </a:r>
+          </a:p>
+        </p:txBody>
+      </p:sp>
+      <p:sp>
+        <p:nvSpPr>
+          <p:cNvPr id="14" name="Rectangle 11"/>
+          <p:cNvSpPr>
+            <a:spLocks noChangeArrowheads="1"/>
+          </p:cNvSpPr>
+          <p:nvPr/>
+        </p:nvSpPr>
+        <p:spPr bwMode="auto">
+          <a:xfrm>
+            <a:off x="2631382" y="1952549"/>
+            <a:ext cx="1159326" cy="1734834"/>
+          </a:xfrm>
+          <a:prstGeom prst="rect">
+            <a:avLst/>
+          </a:prstGeom>
+          <a:solidFill>
+            <a:schemeClr val="accent1"/>
+          </a:solidFill>
+          <a:ln w="9525">
             <a:solidFill>
-              <a:schemeClr val="accent1"/>
+              <a:schemeClr val="tx1"/>
             </a:solidFill>
-            <a:ln w="9525">
-              <a:solidFill>
-                <a:schemeClr val="tx1"/>
-              </a:solidFill>
-              <a:miter lim="800000"/>
-              <a:headEnd/>
-              <a:tailEnd/>
-            </a:ln>
-            <a:effectLst/>
-          </p:spPr>
-          <p:txBody>
-            <a:bodyPr wrap="none" anchor="ctr"/>
-            <a:lstStyle/>
-            <a:p>
-              <a:pPr algn="ctr"/>
-              <a:r>
-                <a:rPr lang="en-US" sz="1200" dirty="0"/>
-                <a:t>Core 0</a:t>
-              </a:r>
-            </a:p>
-          </p:txBody>
-        </p:sp>
-        <p:sp>
-          <p:nvSpPr>
-            <p:cNvPr id="15" name="Line 16"/>
-            <p:cNvSpPr>
-              <a:spLocks noChangeShapeType="1"/>
-            </p:cNvSpPr>
-            <p:nvPr/>
-          </p:nvSpPr>
-          <p:spPr bwMode="auto">
-            <a:xfrm>
-              <a:off x="3960" y="2898"/>
-              <a:ext cx="170" cy="0"/>
-            </a:xfrm>
-            <a:prstGeom prst="line">
-              <a:avLst/>
-            </a:prstGeom>
-            <a:noFill/>
-            <a:ln w="9525">
-              <a:solidFill>
-                <a:schemeClr val="tx1"/>
-              </a:solidFill>
-              <a:round/>
-              <a:headEnd/>
-              <a:tailEnd type="triangle" w="med" len="med"/>
-            </a:ln>
-            <a:effectLst/>
-          </p:spPr>
-          <p:txBody>
-            <a:bodyPr/>
-            <a:lstStyle/>
-            <a:p>
-              <a:endParaRPr lang="en-US" dirty="0"/>
-            </a:p>
-          </p:txBody>
-        </p:sp>
-        <p:sp>
-          <p:nvSpPr>
-            <p:cNvPr id="16" name="Line 17"/>
-            <p:cNvSpPr>
-              <a:spLocks noChangeShapeType="1"/>
-            </p:cNvSpPr>
-            <p:nvPr/>
-          </p:nvSpPr>
-          <p:spPr bwMode="auto">
-            <a:xfrm>
-              <a:off x="4549" y="2898"/>
-              <a:ext cx="135" cy="0"/>
-            </a:xfrm>
-            <a:prstGeom prst="line">
-              <a:avLst/>
-            </a:prstGeom>
-            <a:noFill/>
-            <a:ln w="9525">
-              <a:solidFill>
-                <a:schemeClr val="tx1"/>
-              </a:solidFill>
-              <a:round/>
-              <a:headEnd/>
-              <a:tailEnd type="triangle" w="med" len="med"/>
-            </a:ln>
-            <a:effectLst/>
-          </p:spPr>
-          <p:txBody>
-            <a:bodyPr/>
-            <a:lstStyle/>
-            <a:p>
-              <a:endParaRPr lang="en-US" dirty="0"/>
-            </a:p>
-          </p:txBody>
-        </p:sp>
-        <p:sp>
-          <p:nvSpPr>
-            <p:cNvPr id="17" name="Line 18"/>
-            <p:cNvSpPr>
-              <a:spLocks noChangeShapeType="1"/>
-            </p:cNvSpPr>
-            <p:nvPr/>
-          </p:nvSpPr>
-          <p:spPr bwMode="auto">
-            <a:xfrm flipV="1">
-              <a:off x="3311" y="2892"/>
-              <a:ext cx="239" cy="2"/>
-            </a:xfrm>
-            <a:prstGeom prst="line">
-              <a:avLst/>
-            </a:prstGeom>
-            <a:noFill/>
-            <a:ln w="9525">
-              <a:solidFill>
-                <a:schemeClr val="tx1"/>
-              </a:solidFill>
-              <a:round/>
-              <a:headEnd/>
-              <a:tailEnd type="triangle" w="med" len="med"/>
-            </a:ln>
-            <a:effectLst/>
-          </p:spPr>
-          <p:txBody>
-            <a:bodyPr/>
-            <a:lstStyle/>
-            <a:p>
-              <a:endParaRPr lang="en-US" dirty="0"/>
-            </a:p>
-          </p:txBody>
-        </p:sp>
-      </p:grpSp>
+            <a:miter lim="800000"/>
+            <a:headEnd/>
+            <a:tailEnd/>
+          </a:ln>
+          <a:effectLst/>
+        </p:spPr>
+        <p:txBody>
+          <a:bodyPr wrap="none" anchor="ctr"/>
+          <a:lstStyle/>
+          <a:p>
+            <a:pPr algn="ctr"/>
+            <a:r>
+              <a:rPr lang="en-US" sz="1200" dirty="0"/>
+              <a:t>Core 0</a:t>
+            </a:r>
+          </a:p>
+        </p:txBody>
+      </p:sp>
+      <p:sp>
+        <p:nvSpPr>
+          <p:cNvPr id="15" name="Line 16"/>
+          <p:cNvSpPr>
+            <a:spLocks noChangeShapeType="1"/>
+          </p:cNvSpPr>
+          <p:nvPr/>
+        </p:nvSpPr>
+        <p:spPr bwMode="auto">
+          <a:xfrm>
+            <a:off x="3818198" y="2819966"/>
+            <a:ext cx="485432" cy="0"/>
+          </a:xfrm>
+          <a:prstGeom prst="line">
+            <a:avLst/>
+          </a:prstGeom>
+          <a:noFill/>
+          <a:ln w="25400">
+            <a:solidFill>
+              <a:schemeClr val="tx1"/>
+            </a:solidFill>
+            <a:round/>
+            <a:headEnd/>
+            <a:tailEnd type="triangle" w="lg" len="lg"/>
+          </a:ln>
+          <a:effectLst/>
+        </p:spPr>
+        <p:txBody>
+          <a:bodyPr/>
+          <a:lstStyle/>
+          <a:p>
+            <a:endParaRPr lang="en-US" dirty="0"/>
+          </a:p>
+        </p:txBody>
+      </p:sp>
+      <p:sp>
+        <p:nvSpPr>
+          <p:cNvPr id="16" name="Line 17"/>
+          <p:cNvSpPr>
+            <a:spLocks noChangeShapeType="1"/>
+          </p:cNvSpPr>
+          <p:nvPr/>
+        </p:nvSpPr>
+        <p:spPr bwMode="auto">
+          <a:xfrm>
+            <a:off x="5490349" y="2819966"/>
+            <a:ext cx="385490" cy="0"/>
+          </a:xfrm>
+          <a:prstGeom prst="line">
+            <a:avLst/>
+          </a:prstGeom>
+          <a:noFill/>
+          <a:ln w="25400">
+            <a:solidFill>
+              <a:schemeClr val="tx1"/>
+            </a:solidFill>
+            <a:round/>
+            <a:headEnd/>
+            <a:tailEnd type="triangle" w="lg" len="lg"/>
+          </a:ln>
+          <a:effectLst/>
+        </p:spPr>
+        <p:txBody>
+          <a:bodyPr/>
+          <a:lstStyle/>
+          <a:p>
+            <a:endParaRPr lang="en-US" dirty="0"/>
+          </a:p>
+        </p:txBody>
+      </p:sp>
+      <p:sp>
+        <p:nvSpPr>
+          <p:cNvPr id="17" name="Line 18"/>
+          <p:cNvSpPr>
+            <a:spLocks noChangeShapeType="1"/>
+          </p:cNvSpPr>
+          <p:nvPr/>
+        </p:nvSpPr>
+        <p:spPr bwMode="auto">
+          <a:xfrm flipV="1">
+            <a:off x="1926078" y="2830870"/>
+            <a:ext cx="682460" cy="19064"/>
+          </a:xfrm>
+          <a:prstGeom prst="line">
+            <a:avLst/>
+          </a:prstGeom>
+          <a:noFill/>
+          <a:ln w="25400">
+            <a:solidFill>
+              <a:schemeClr val="tx1"/>
+            </a:solidFill>
+            <a:round/>
+            <a:headEnd/>
+            <a:tailEnd type="triangle" w="lg" len="lg"/>
+          </a:ln>
+          <a:effectLst/>
+        </p:spPr>
+        <p:txBody>
+          <a:bodyPr/>
+          <a:lstStyle/>
+          <a:p>
+            <a:endParaRPr lang="en-US" dirty="0"/>
+          </a:p>
+        </p:txBody>
+      </p:sp>
     </p:spTree>
   </p:cSld>
   <p:clrMapOvr>
@@ -14382,7 +14594,7 @@
         </p:nvSpPr>
         <p:spPr>
           <a:xfrm>
-            <a:off x="259772" y="218210"/>
+            <a:off x="259772" y="62562"/>
             <a:ext cx="8458200" cy="802698"/>
           </a:xfrm>
         </p:spPr>
@@ -14391,7 +14603,7 @@
           <a:lstStyle/>
           <a:p>
             <a:r>
-              <a:rPr lang="en-US" sz="3200" dirty="0" smtClean="0"/>
+              <a:rPr lang="en-US" dirty="0" smtClean="0"/>
               <a:t>Partitioning Considerations</a:t>
             </a:r>
           </a:p>
@@ -14407,10 +14619,35 @@
             <p:ph type="body" idx="1"/>
           </p:nvPr>
         </p:nvSpPr>
-        <p:spPr/>
+        <p:spPr>
+          <a:xfrm>
+            <a:off x="333375" y="913478"/>
+            <a:ext cx="8467725" cy="5467863"/>
+          </a:xfrm>
+        </p:spPr>
         <p:txBody>
           <a:bodyPr/>
           <a:lstStyle/>
+          <a:p>
+            <a:pPr marL="0" indent="0">
+              <a:lnSpc>
+                <a:spcPct val="80000"/>
+              </a:lnSpc>
+              <a:buNone/>
+            </a:pPr>
+            <a:r>
+              <a:rPr lang="en-US" sz="2400" dirty="0" smtClean="0"/>
+              <a:t>An application is a set of algorithms. In order to partition an application into multiple cores, the system architect needs </a:t>
+            </a:r>
+            <a:r>
+              <a:rPr lang="en-US" sz="2400" smtClean="0"/>
+              <a:t>to consider </a:t>
+            </a:r>
+            <a:r>
+              <a:rPr lang="en-US" sz="2400" dirty="0" smtClean="0"/>
+              <a:t>the following questions:</a:t>
+            </a:r>
+          </a:p>
           <a:p>
             <a:pPr>
               <a:lnSpc>
@@ -14419,7 +14656,7 @@
             </a:pPr>
             <a:r>
               <a:rPr lang="en-US" sz="2400" dirty="0" smtClean="0"/>
-              <a:t>Application is a set of algorithms. In order to partition an application into multiple cores, the system architect should understand-</a:t>
+              <a:t>Can a certain algorithm be executed on multiple cores in parallel?</a:t>
             </a:r>
           </a:p>
           <a:p>
@@ -14430,18 +14667,7 @@
             </a:pPr>
             <a:r>
               <a:rPr lang="en-US" dirty="0" smtClean="0"/>
-              <a:t>Can a certain algorithm be executed on multiple cores in parallel?</a:t>
-            </a:r>
-          </a:p>
-          <a:p>
-            <a:pPr lvl="2">
-              <a:lnSpc>
-                <a:spcPct val="80000"/>
-              </a:lnSpc>
-            </a:pPr>
-            <a:r>
-              <a:rPr lang="en-US" sz="1600" dirty="0" smtClean="0"/>
-              <a:t>Can the data be divided between two cores? FIR filter can be, IIR filter cannot</a:t>
+              <a:t>Can the data be divided between two cores?</a:t>
             </a:r>
           </a:p>
           <a:p>
@@ -14452,18 +14678,18 @@
             </a:pPr>
             <a:r>
               <a:rPr lang="en-US" dirty="0" smtClean="0"/>
-              <a:t>What are the dependencies between two (or more) algorithms. Can they be processed in parallel, can one algorithm must wait for the next? </a:t>
-            </a:r>
-          </a:p>
-          <a:p>
-            <a:pPr lvl="2">
+              <a:t>FIR filter can be, IIR filter cannot</a:t>
+            </a:r>
+          </a:p>
+          <a:p>
+            <a:pPr>
               <a:lnSpc>
                 <a:spcPct val="80000"/>
               </a:lnSpc>
             </a:pPr>
             <a:r>
-              <a:rPr lang="en-US" dirty="0" smtClean="0"/>
-              <a:t>Example – identification based on finger print and face recognition can be done in parallel. Pre filter and then image reconstruction in CT must be done in order</a:t>
+              <a:rPr lang="en-US" sz="2400" dirty="0" smtClean="0"/>
+              <a:t>What are the dependencies between two (or more) algorithms?</a:t>
             </a:r>
           </a:p>
           <a:p>
@@ -14474,18 +14700,62 @@
             </a:pPr>
             <a:r>
               <a:rPr lang="en-US" dirty="0" smtClean="0"/>
-              <a:t> Can the application can run concurrently on two sets of data?</a:t>
-            </a:r>
-          </a:p>
-          <a:p>
-            <a:pPr lvl="2">
+              <a:t>Can they be processed in parallel?</a:t>
+            </a:r>
+          </a:p>
+          <a:p>
+            <a:pPr lvl="1">
               <a:lnSpc>
                 <a:spcPct val="80000"/>
               </a:lnSpc>
             </a:pPr>
             <a:r>
               <a:rPr lang="en-US" dirty="0" smtClean="0"/>
-              <a:t>JPEG2000 Video encoder yes, H264 Video encoder no</a:t>
+              <a:t>Can one algorithm must wait for the next? </a:t>
+            </a:r>
+          </a:p>
+          <a:p>
+            <a:pPr lvl="1">
+              <a:lnSpc>
+                <a:spcPct val="80000"/>
+              </a:lnSpc>
+            </a:pPr>
+            <a:r>
+              <a:rPr lang="en-US" dirty="0" smtClean="0"/>
+              <a:t>Example: Identification based on fingerprint and face recognition can be done in parallel. Pre-filter and then image reconstruction in CT must be done in sequence.</a:t>
+            </a:r>
+          </a:p>
+          <a:p>
+            <a:pPr>
+              <a:lnSpc>
+                <a:spcPct val="80000"/>
+              </a:lnSpc>
+            </a:pPr>
+            <a:r>
+              <a:rPr lang="en-US" sz="2400" dirty="0" smtClean="0"/>
+              <a:t> Can the application can run concurrently on two sets of data?</a:t>
+            </a:r>
+          </a:p>
+          <a:p>
+            <a:pPr lvl="1">
+              <a:lnSpc>
+                <a:spcPct val="80000"/>
+              </a:lnSpc>
+            </a:pPr>
+            <a:r>
+              <a:rPr lang="en-US" dirty="0" smtClean="0"/>
+              <a:t>JPEG2000 video encoder; Yes</a:t>
+            </a:r>
+          </a:p>
+          <a:p>
+            <a:pPr lvl="1">
+              <a:lnSpc>
+                <a:spcPct val="80000"/>
+              </a:lnSpc>
+            </a:pPr>
+            <a:r>
+              <a:rPr lang="en-US" dirty="0" smtClean="0"/>
+              <a:t>H264 video encoder; No</a:t>
             </a:r>
           </a:p>
           <a:p>
@@ -14551,12 +14821,8 @@
           <a:lstStyle/>
           <a:p>
             <a:r>
-              <a:rPr lang="en-US" sz="2800" dirty="0" smtClean="0">
-                <a:solidFill>
-                  <a:schemeClr val="tx2"/>
-                </a:solidFill>
-              </a:rPr>
-              <a:t>Common Partitions Methods</a:t>
+              <a:rPr lang="en-US" dirty="0" smtClean="0"/>
+              <a:t>Common Partitioning Methods</a:t>
             </a:r>
           </a:p>
         </p:txBody>
@@ -14592,7 +14858,7 @@
                   <a:schemeClr val="tx2"/>
                 </a:solidFill>
               </a:rPr>
-              <a:t>Function driven</a:t>
+              <a:t>Function-driven Partition</a:t>
             </a:r>
           </a:p>
           <a:p>
@@ -14636,7 +14902,7 @@
             </a:pPr>
             <a:r>
               <a:rPr lang="en-US" sz="2000" dirty="0" smtClean="0"/>
-              <a:t>Use cases: H.264 high quality encoding and decoding, LTE</a:t>
+              <a:t>Use cases: H.264 high-quality encoding and decoding, LTE</a:t>
             </a:r>
           </a:p>
           <a:p>
@@ -14651,7 +14917,7 @@
                   <a:schemeClr val="tx2"/>
                 </a:solidFill>
               </a:rPr>
-              <a:t>Data driven</a:t>
+              <a:t>Data-driven Partition</a:t>
             </a:r>
           </a:p>
           <a:p>
@@ -14710,7 +14976,7 @@
             </a:pPr>
             <a:r>
               <a:rPr lang="en-US" sz="2000" dirty="0" smtClean="0"/>
-              <a:t>Both functional driven and data driven exists</a:t>
+              <a:t>Consists of both function-driven and data-driven partitioning</a:t>
             </a:r>
           </a:p>
         </p:txBody>
@@ -14771,7 +15037,6 @@
               <a:rPr lang="en-US" dirty="0" smtClean="0"/>
               <a:t>Multicore SOC Design Challenges</a:t>
             </a:r>
-            <a:endParaRPr lang="en-US" dirty="0" smtClean="0"/>
           </a:p>
         </p:txBody>
       </p:sp>
@@ -14803,35 +15068,34 @@
           <a:p>
             <a:r>
               <a:rPr lang="en-US" sz="2400" dirty="0" smtClean="0"/>
-              <a:t>Getting large amount of data into the device and out of the device</a:t>
+              <a:t>I/O bottlenecks: Getting large amount of data into the device and out of the device</a:t>
             </a:r>
           </a:p>
           <a:p>
             <a:r>
               <a:rPr lang="en-US" sz="2400" dirty="0" smtClean="0"/>
-              <a:t>Ability to perform high performance computing – lots of operations on multiple cores</a:t>
+              <a:t>Enabling high-performance computing, where lots of operations are performed on multiple cores</a:t>
             </a:r>
           </a:p>
           <a:p>
             <a:pPr lvl="1"/>
             <a:r>
               <a:rPr lang="en-US" sz="2000" dirty="0" smtClean="0"/>
-              <a:t>Powerful fixed point and floating point core</a:t>
-            </a:r>
-            <a:endParaRPr lang="en-US" sz="2000" dirty="0" smtClean="0"/>
+              <a:t>Powerful fixed-point and floating-point cores</a:t>
+            </a:r>
           </a:p>
           <a:p>
             <a:pPr lvl="1"/>
             <a:r>
               <a:rPr lang="en-US" sz="2000" dirty="0" smtClean="0"/>
-              <a:t>Efficient data sharing between cores and sending signals between cores without staling execution </a:t>
+              <a:t>Ensuring efficient data sharing and signaling between cores without stalling execution </a:t>
             </a:r>
           </a:p>
           <a:p>
             <a:pPr lvl="1"/>
             <a:r>
               <a:rPr lang="en-US" sz="2000" dirty="0" smtClean="0"/>
-              <a:t>Minimize multiple cores contentions of the shared resources</a:t>
+              <a:t>Minimizing contention for use of shared resources by multiple cores</a:t>
             </a:r>
           </a:p>
           <a:p>
@@ -14892,28 +15156,9 @@
           <a:lstStyle/>
           <a:p>
             <a:r>
-              <a:rPr lang="en-US" sz="3200" dirty="0" smtClean="0"/>
-              <a:t/>
-            </a:r>
-            <a:br>
-              <a:rPr lang="en-US" sz="3200" dirty="0" smtClean="0"/>
-            </a:br>
-            <a:r>
-              <a:rPr lang="en-US" sz="3200" dirty="0" smtClean="0">
-                <a:solidFill>
-                  <a:schemeClr val="tx2"/>
-                </a:solidFill>
-              </a:rPr>
-              <a:t>Input and output data</a:t>
-            </a:r>
-            <a:r>
-              <a:rPr lang="en-US" sz="3200" dirty="0" smtClean="0"/>
-              <a:t/>
-            </a:r>
-            <a:br>
-              <a:rPr lang="en-US" sz="3200" dirty="0" smtClean="0"/>
-            </a:br>
-            <a:endParaRPr lang="en-US" sz="3200" dirty="0" smtClean="0"/>
+              <a:rPr lang="en-US" dirty="0" smtClean="0"/>
+              <a:t>Input and Output Data</a:t>
+            </a:r>
           </a:p>
         </p:txBody>
       </p:sp>
@@ -14929,8 +15174,8 @@
         </p:nvSpPr>
         <p:spPr>
           <a:xfrm>
-            <a:off x="271029" y="1392382"/>
-            <a:ext cx="8467725" cy="3792682"/>
+            <a:off x="271029" y="1392381"/>
+            <a:ext cx="8467725" cy="4629039"/>
           </a:xfrm>
         </p:spPr>
         <p:txBody>
@@ -14944,7 +15189,29 @@
             </a:pPr>
             <a:r>
               <a:rPr lang="en-US" dirty="0" smtClean="0"/>
-              <a:t>Fast peripherals are needed to feed high bit rate data into the device and get high bit rate out</a:t>
+              <a:t>Fast peripherals are needed to:</a:t>
+            </a:r>
+          </a:p>
+          <a:p>
+            <a:pPr lvl="1">
+              <a:lnSpc>
+                <a:spcPct val="80000"/>
+              </a:lnSpc>
+            </a:pPr>
+            <a:r>
+              <a:rPr lang="en-US" dirty="0" smtClean="0"/>
+              <a:t>Receive high bit-rate data into the device</a:t>
+            </a:r>
+          </a:p>
+          <a:p>
+            <a:pPr lvl="1">
+              <a:lnSpc>
+                <a:spcPct val="80000"/>
+              </a:lnSpc>
+            </a:pPr>
+            <a:r>
+              <a:rPr lang="en-US" dirty="0" smtClean="0"/>
+              <a:t>Transmit the processed HBR data out of the device</a:t>
             </a:r>
           </a:p>
           <a:p>
@@ -14955,7 +15222,7 @@
             </a:pPr>
             <a:r>
               <a:rPr lang="en-US" dirty="0" smtClean="0"/>
-              <a:t>KeyStone devices have variety of high bit rate peripherals such as</a:t>
+              <a:t>KeyStone devices have a variety of high bit-rate peripherals, including the following:</a:t>
             </a:r>
           </a:p>
           <a:p>
@@ -15079,28 +15346,9 @@
           <a:lstStyle/>
           <a:p>
             <a:r>
-              <a:rPr lang="en-US" sz="3200" dirty="0" smtClean="0"/>
-              <a:t/>
-            </a:r>
-            <a:br>
-              <a:rPr lang="en-US" sz="3200" dirty="0" smtClean="0"/>
-            </a:br>
-            <a:r>
-              <a:rPr lang="en-US" sz="3200" dirty="0" smtClean="0">
-                <a:solidFill>
-                  <a:schemeClr val="tx2"/>
-                </a:solidFill>
-              </a:rPr>
-              <a:t>C66 - Powerful Core</a:t>
-            </a:r>
-            <a:r>
-              <a:rPr lang="en-US" sz="3200" dirty="0" smtClean="0"/>
-              <a:t/>
-            </a:r>
-            <a:br>
-              <a:rPr lang="en-US" sz="3200" dirty="0" smtClean="0"/>
-            </a:br>
-            <a:endParaRPr lang="en-US" sz="3200" dirty="0" smtClean="0"/>
+              <a:rPr lang="en-US" dirty="0" smtClean="0"/>
+              <a:t>C66x: Powerful Core</a:t>
+            </a:r>
           </a:p>
         </p:txBody>
       </p:sp>
@@ -15131,11 +15379,15 @@
             </a:pPr>
             <a:r>
               <a:rPr lang="en-US" dirty="0" smtClean="0"/>
-              <a:t>8</a:t>
+              <a:t>8 functional units of the C66x </a:t>
+            </a:r>
+            <a:r>
+              <a:rPr lang="en-US" dirty="0" err="1" smtClean="0"/>
+              <a:t>CorePac</a:t>
             </a:r>
             <a:r>
               <a:rPr lang="en-US" dirty="0" smtClean="0"/>
-              <a:t> functional units of the C66 provide:</a:t>
+              <a:t> provide:</a:t>
             </a:r>
           </a:p>
           <a:p>
@@ -15146,7 +15398,7 @@
             </a:pPr>
             <a:r>
               <a:rPr lang="en-US" dirty="0" smtClean="0"/>
-              <a:t> fixed point and floating point native instructions</a:t>
+              <a:t>Fixed- and Floating-point native instructions</a:t>
             </a:r>
           </a:p>
           <a:p>
@@ -15168,7 +15420,7 @@
             </a:pPr>
             <a:r>
               <a:rPr lang="en-US" dirty="0" smtClean="0"/>
-              <a:t>Many Special purpose powerful instructions</a:t>
+              <a:t>Many Special Purpose Powerful instructions</a:t>
             </a:r>
           </a:p>
           <a:p>
@@ -15179,9 +15431,19 @@
             </a:pPr>
             <a:r>
               <a:rPr lang="en-US" dirty="0" smtClean="0"/>
-              <a:t>Fast (0 wait state) L1 memory, fast L2 memory </a:t>
-            </a:r>
-            <a:endParaRPr lang="en-US" dirty="0" smtClean="0"/>
+              <a:t>Fast (0 wait state) L1 memory</a:t>
+            </a:r>
+          </a:p>
+          <a:p>
+            <a:pPr lvl="1">
+              <a:lnSpc>
+                <a:spcPct val="80000"/>
+              </a:lnSpc>
+            </a:pPr>
+            <a:r>
+              <a:rPr lang="en-US" dirty="0" smtClean="0"/>
+              <a:t>Fast L2 memory </a:t>
+            </a:r>
           </a:p>
         </p:txBody>
       </p:sp>
@@ -15238,35 +15500,9 @@
           <a:lstStyle/>
           <a:p>
             <a:r>
-              <a:rPr lang="en-US" sz="3200" dirty="0" smtClean="0"/>
-              <a:t/>
-            </a:r>
-            <a:br>
-              <a:rPr lang="en-US" sz="3200" dirty="0" smtClean="0"/>
-            </a:br>
-            <a:r>
-              <a:rPr lang="en-US" sz="3200" dirty="0" smtClean="0">
-                <a:solidFill>
-                  <a:schemeClr val="tx2"/>
-                </a:solidFill>
-              </a:rPr>
+              <a:rPr lang="en-US" dirty="0" smtClean="0"/>
               <a:t>Data Sharing Between Cores</a:t>
             </a:r>
-            <a:r>
-              <a:rPr lang="en-US" sz="3200" dirty="0" smtClean="0"/>
-              <a:t/>
-            </a:r>
-            <a:br>
-              <a:rPr lang="en-US" sz="3200" dirty="0" smtClean="0"/>
-            </a:br>
-            <a:r>
-              <a:rPr lang="en-US" sz="3200" dirty="0" smtClean="0"/>
-              <a:t/>
-            </a:r>
-            <a:br>
-              <a:rPr lang="en-US" sz="3200" dirty="0" smtClean="0"/>
-            </a:br>
-            <a:endParaRPr lang="en-US" sz="3200" dirty="0" smtClean="0"/>
           </a:p>
         </p:txBody>
       </p:sp>
@@ -15283,7 +15519,7 @@
         <p:spPr>
           <a:xfrm>
             <a:off x="333375" y="1070264"/>
-            <a:ext cx="8467725" cy="5049981"/>
+            <a:ext cx="8467725" cy="5388902"/>
           </a:xfrm>
         </p:spPr>
         <p:txBody>
@@ -15297,13 +15533,8 @@
             </a:pPr>
             <a:r>
               <a:rPr lang="en-US" dirty="0" smtClean="0"/>
-              <a:t>Shared </a:t>
-            </a:r>
-            <a:r>
-              <a:rPr lang="en-US" dirty="0" smtClean="0"/>
-              <a:t>memory</a:t>
-            </a:r>
-            <a:endParaRPr lang="en-US" dirty="0" smtClean="0"/>
+              <a:t>Shared memory</a:t>
+            </a:r>
           </a:p>
           <a:p>
             <a:pPr lvl="1">
@@ -15312,10 +15543,21 @@
               </a:lnSpc>
             </a:pPr>
             <a:r>
+              <a:rPr lang="en-US" dirty="0" err="1" smtClean="0"/>
+              <a:t>KeyStone</a:t>
+            </a:r>
+            <a:r>
               <a:rPr lang="en-US" dirty="0" smtClean="0"/>
-              <a:t>KeyStone family has a very fast large external DDR interface(s) </a:t>
-            </a:r>
-            <a:endParaRPr lang="en-US" dirty="0" smtClean="0"/>
+              <a:t> </a:t>
+            </a:r>
+            <a:r>
+              <a:rPr lang="en-US" dirty="0" err="1" smtClean="0"/>
+              <a:t>SoC</a:t>
+            </a:r>
+            <a:r>
+              <a:rPr lang="en-US" dirty="0" smtClean="0"/>
+              <a:t> devices include very fast and large external DDR interface(s).</a:t>
+            </a:r>
           </a:p>
           <a:p>
             <a:pPr lvl="1">
@@ -15325,9 +15567,8 @@
             </a:pPr>
             <a:r>
               <a:rPr lang="en-US" dirty="0" smtClean="0"/>
-              <a:t>32 to 36 bit address translation enables access of up to 10GB of DDR</a:t>
-            </a:r>
-            <a:endParaRPr lang="en-US" dirty="0" smtClean="0"/>
+              <a:t>32- to 36-bit address translation enables access of up to 10GB of DDR.</a:t>
+            </a:r>
           </a:p>
           <a:p>
             <a:pPr lvl="1">
@@ -15337,15 +15578,7 @@
             </a:pPr>
             <a:r>
               <a:rPr lang="en-US" dirty="0" smtClean="0"/>
-              <a:t>F</a:t>
-            </a:r>
-            <a:r>
-              <a:rPr lang="en-US" dirty="0" smtClean="0"/>
-              <a:t>ast </a:t>
-            </a:r>
-            <a:r>
-              <a:rPr lang="en-US" dirty="0" smtClean="0"/>
-              <a:t>shared L2 memory as part of the sophisticated and fast MSMC</a:t>
+              <a:t>Fast, shared L2 memory is part of the sophisticated and fast MSMC.</a:t>
             </a:r>
           </a:p>
           <a:p>
@@ -15356,7 +15589,7 @@
             </a:pPr>
             <a:r>
               <a:rPr lang="en-US" dirty="0" smtClean="0"/>
-              <a:t>Hardware provides ability to move data and signals between cores with minimal CPU resources</a:t>
+              <a:t>Hardware provides ability to move data and signals between cores with minimal CPU resources.</a:t>
             </a:r>
           </a:p>
           <a:p>
@@ -15367,9 +15600,8 @@
             </a:pPr>
             <a:r>
               <a:rPr lang="en-US" dirty="0" smtClean="0"/>
-              <a:t>Powerful Multicore Navigator</a:t>
-            </a:r>
-            <a:endParaRPr lang="en-US" dirty="0" smtClean="0"/>
+              <a:t>Powerful transport through Multicore Navigator</a:t>
+            </a:r>
           </a:p>
           <a:p>
             <a:pPr lvl="1">
@@ -15390,17 +15622,8 @@
             </a:pPr>
             <a:r>
               <a:rPr lang="en-US" dirty="0" smtClean="0"/>
-              <a:t>Other hardware mechanism that help </a:t>
-            </a:r>
-            <a:r>
-              <a:rPr lang="en-US" dirty="0" smtClean="0"/>
-              <a:t>facilitate messages and communications between </a:t>
-            </a:r>
-            <a:r>
-              <a:rPr lang="en-US" dirty="0" smtClean="0"/>
-              <a:t>cores</a:t>
-            </a:r>
-            <a:endParaRPr lang="en-US" dirty="0" smtClean="0"/>
+              <a:t>Other hardware mechanisms that help facilitate messages and communications between cores.</a:t>
+            </a:r>
           </a:p>
           <a:p>
             <a:pPr lvl="1">
@@ -15488,35 +15711,9 @@
           <a:lstStyle/>
           <a:p>
             <a:r>
-              <a:rPr lang="en-US" sz="3200" dirty="0" smtClean="0"/>
-              <a:t/>
-            </a:r>
-            <a:br>
-              <a:rPr lang="en-US" sz="3200" dirty="0" smtClean="0"/>
-            </a:br>
-            <a:r>
-              <a:rPr lang="en-US" sz="3200" dirty="0" smtClean="0">
-                <a:solidFill>
-                  <a:schemeClr val="tx2"/>
-                </a:solidFill>
-              </a:rPr>
+              <a:rPr lang="en-US" dirty="0" smtClean="0"/>
               <a:t>Minimizing Resource Contention</a:t>
             </a:r>
-            <a:r>
-              <a:rPr lang="en-US" sz="3200" dirty="0" smtClean="0"/>
-              <a:t/>
-            </a:r>
-            <a:br>
-              <a:rPr lang="en-US" sz="3200" dirty="0" smtClean="0"/>
-            </a:br>
-            <a:r>
-              <a:rPr lang="en-US" sz="3200" dirty="0" smtClean="0"/>
-              <a:t/>
-            </a:r>
-            <a:br>
-              <a:rPr lang="en-US" sz="3200" dirty="0" smtClean="0"/>
-            </a:br>
-            <a:endParaRPr lang="en-US" sz="3200" dirty="0" smtClean="0"/>
           </a:p>
         </p:txBody>
       </p:sp>
@@ -15547,7 +15744,15 @@
             </a:pPr>
             <a:r>
               <a:rPr lang="en-US" dirty="0" smtClean="0"/>
-              <a:t>Each core has a dedicated port into the MSMC</a:t>
+              <a:t>Each </a:t>
+            </a:r>
+            <a:r>
+              <a:rPr lang="en-US" dirty="0" err="1" smtClean="0"/>
+              <a:t>CorePac</a:t>
+            </a:r>
+            <a:r>
+              <a:rPr lang="en-US" dirty="0" smtClean="0"/>
+              <a:t> has a dedicated port into the MSMC.</a:t>
             </a:r>
           </a:p>
           <a:p>
@@ -15558,17 +15763,8 @@
             </a:pPr>
             <a:r>
               <a:rPr lang="en-US" dirty="0" smtClean="0"/>
-              <a:t>MSMC </a:t>
-            </a:r>
-            <a:r>
-              <a:rPr lang="en-US" dirty="0" smtClean="0"/>
-              <a:t>supports pre-fetching to speed up data </a:t>
-            </a:r>
-            <a:r>
-              <a:rPr lang="en-US" dirty="0" smtClean="0"/>
-              <a:t>load </a:t>
-            </a:r>
-            <a:endParaRPr lang="en-US" dirty="0" smtClean="0"/>
+              <a:t>MSMC supports pre-fetching to speed up loading of data. </a:t>
+            </a:r>
           </a:p>
           <a:p>
             <a:pPr>
@@ -15578,18 +15774,7 @@
             </a:pPr>
             <a:r>
               <a:rPr lang="en-US" dirty="0" smtClean="0"/>
-              <a:t>Shared L2 has multiple bank of memory</a:t>
-            </a:r>
-          </a:p>
-          <a:p>
-            <a:pPr lvl="1">
-              <a:lnSpc>
-                <a:spcPct val="80000"/>
-              </a:lnSpc>
-            </a:pPr>
-            <a:r>
-              <a:rPr lang="en-US" dirty="0" smtClean="0"/>
-              <a:t>Support concurrent multiple access </a:t>
+              <a:t>Shared L2 has multiple banks of memory that support concurrent multiple access.</a:t>
             </a:r>
           </a:p>
           <a:p>
@@ -15600,7 +15785,7 @@
             </a:pPr>
             <a:r>
               <a:rPr lang="en-US" dirty="0" smtClean="0"/>
-              <a:t>Wide and fast parallel Teranet switch fabric provides priority based parallel access</a:t>
+              <a:t>Wide and fast parallel Teranet switch fabric provides priority-based parallel access.</a:t>
             </a:r>
           </a:p>
           <a:p>
@@ -15611,11 +15796,7 @@
             </a:pPr>
             <a:r>
               <a:rPr lang="en-US" dirty="0" smtClean="0"/>
-              <a:t>Packet based HyperLink bus enables seamless connection of two KeyStone devices to increase performance while minimizing power and cost</a:t>
-            </a:r>
-            <a:r>
-              <a:rPr lang="en-US" dirty="0" smtClean="0"/>
-              <a:t>  </a:t>
+              <a:t>Packet-based HyperLink bus enables the seamless connection of two KeyStone devices to increase performance while minimizing power and cost.  </a:t>
             </a:r>
           </a:p>
           <a:p>
@@ -15681,18 +15862,9 @@
           <a:lstStyle/>
           <a:p>
             <a:r>
-              <a:rPr lang="en-US" sz="3200" dirty="0" smtClean="0">
-                <a:solidFill>
-                  <a:schemeClr val="tx2"/>
-                </a:solidFill>
-              </a:rPr>
-              <a:t>Software Offering -System</a:t>
-            </a:r>
-            <a:endParaRPr lang="en-US" sz="3200" dirty="0" smtClean="0">
-              <a:solidFill>
-                <a:schemeClr val="tx2"/>
-              </a:solidFill>
-            </a:endParaRPr>
+              <a:rPr lang="en-US" dirty="0" smtClean="0"/>
+              <a:t>Software Offerings: System</a:t>
+            </a:r>
           </a:p>
         </p:txBody>
       </p:sp>
@@ -15723,15 +15895,15 @@
             </a:pPr>
             <a:r>
               <a:rPr lang="en-US" dirty="0" smtClean="0"/>
-              <a:t>MCSDK is a complete set of software libraries </a:t>
+              <a:t>MCSDK is a complete set of software libraries and utilities developed for KeyStone </a:t>
+            </a:r>
+            <a:r>
+              <a:rPr lang="en-US" dirty="0" err="1" smtClean="0"/>
+              <a:t>SoC</a:t>
             </a:r>
             <a:r>
               <a:rPr lang="en-US" dirty="0" smtClean="0"/>
-              <a:t> </a:t>
-            </a:r>
-            <a:r>
-              <a:rPr lang="en-US" dirty="0" smtClean="0"/>
-              <a:t>and utilities developed for the KeyStone family</a:t>
+              <a:t> devices.</a:t>
             </a:r>
           </a:p>
           <a:p>
@@ -15742,9 +15914,8 @@
             </a:pPr>
             <a:r>
               <a:rPr lang="en-US" dirty="0" smtClean="0"/>
-              <a:t>Set of LLD supplemented by CSL utilities provide software access to all peripherals and coprocessors </a:t>
-            </a:r>
-            <a:endParaRPr lang="en-US" dirty="0" smtClean="0"/>
+              <a:t>A full set of LLDs is supplemented by CSL utilities to provide software access to all device peripherals and coprocessors.</a:t>
+            </a:r>
           </a:p>
           <a:p>
             <a:pPr>
@@ -15754,9 +15925,16 @@
             </a:pPr>
             <a:r>
               <a:rPr lang="en-US" dirty="0" smtClean="0"/>
-              <a:t>In particular, KeyStone has a set of software utilities to facilitate messages and communications between cores such as</a:t>
-            </a:r>
-            <a:endParaRPr lang="en-US" dirty="0" smtClean="0"/>
+              <a:t>In particular, </a:t>
+            </a:r>
+            <a:r>
+              <a:rPr lang="en-US" dirty="0" err="1" smtClean="0"/>
+              <a:t>KeyStone</a:t>
+            </a:r>
+            <a:r>
+              <a:rPr lang="en-US" dirty="0" smtClean="0"/>
+              <a:t> provides a set of software utilities that facilitate messages and communications between cores:</a:t>
+            </a:r>
           </a:p>
           <a:p>
             <a:pPr lvl="1">
@@ -15765,8 +15943,8 @@
               </a:lnSpc>
             </a:pPr>
             <a:r>
-              <a:rPr lang="en-US" dirty="0" smtClean="0"/>
-              <a:t>IPC</a:t>
+              <a:rPr lang="en-US" sz="2800" dirty="0" smtClean="0"/>
+              <a:t>IPC (Inter-Processor Communication)</a:t>
             </a:r>
           </a:p>
           <a:p>
@@ -15776,8 +15954,8 @@
               </a:lnSpc>
             </a:pPr>
             <a:r>
-              <a:rPr lang="en-US" dirty="0" smtClean="0"/>
-              <a:t>LLD for the CPPI and QMSS</a:t>
+              <a:rPr lang="en-US" sz="2800" dirty="0" smtClean="0"/>
+              <a:t>LLD for the Multicore Navigator (CPPI and QMSS)</a:t>
             </a:r>
           </a:p>
           <a:p>
@@ -15787,7 +15965,7 @@
               </a:lnSpc>
             </a:pPr>
             <a:r>
-              <a:rPr lang="en-US" dirty="0" smtClean="0"/>
+              <a:rPr lang="en-US" sz="2800" dirty="0" smtClean="0"/>
               <a:t>LLD for EDMA</a:t>
             </a:r>
           </a:p>
@@ -15854,18 +16032,9 @@
           <a:lstStyle/>
           <a:p>
             <a:r>
-              <a:rPr lang="en-US" sz="2800" dirty="0" smtClean="0">
-                <a:solidFill>
-                  <a:schemeClr val="tx2"/>
-                </a:solidFill>
-              </a:rPr>
-              <a:t>Software Offering - Applications</a:t>
-            </a:r>
-            <a:endParaRPr lang="en-US" sz="2800" dirty="0" smtClean="0">
-              <a:solidFill>
-                <a:schemeClr val="tx2"/>
-              </a:solidFill>
-            </a:endParaRPr>
+              <a:rPr lang="en-US" dirty="0" smtClean="0"/>
+              <a:t>Software Offering: Applications</a:t>
+            </a:r>
           </a:p>
         </p:txBody>
       </p:sp>
@@ -15899,7 +16068,7 @@
             </a:pPr>
             <a:r>
               <a:rPr lang="en-US" dirty="0" smtClean="0"/>
-              <a:t>TI supports common parallel programming languishes :</a:t>
+              <a:t>TI supports common parallel programming languages:</a:t>
             </a:r>
           </a:p>
           <a:p>
@@ -15923,10 +16092,13 @@
               <a:defRPr/>
             </a:pPr>
             <a:r>
+              <a:rPr lang="en-US" dirty="0" err="1" smtClean="0"/>
+              <a:t>OpenMP</a:t>
+            </a:r>
+            <a:r>
               <a:rPr lang="en-US" dirty="0" smtClean="0"/>
-              <a:t>OpenMP   - part of the compiler release</a:t>
-            </a:r>
-            <a:endParaRPr lang="en-US" dirty="0" smtClean="0"/>
+              <a:t>; Part of the compiler release</a:t>
+            </a:r>
           </a:p>
           <a:p>
             <a:pPr eaLnBrk="1" hangingPunct="1">
@@ -15968,10 +16140,13 @@
               <a:defRPr/>
             </a:pPr>
             <a:r>
+              <a:rPr lang="en-US" dirty="0" err="1" smtClean="0"/>
+              <a:t>OpenCL</a:t>
+            </a:r>
+            <a:r>
               <a:rPr lang="en-US" dirty="0" smtClean="0"/>
-              <a:t>OpenCL  - plan to support in the next release</a:t>
-            </a:r>
-            <a:endParaRPr lang="en-US" dirty="0" smtClean="0"/>
+              <a:t>; Plans to support in future releases</a:t>
+            </a:r>
           </a:p>
           <a:p>
             <a:pPr eaLnBrk="1" hangingPunct="1">
@@ -16054,7 +16229,7 @@
         </p:nvSpPr>
         <p:spPr>
           <a:xfrm>
-            <a:off x="290946" y="748145"/>
+            <a:off x="300674" y="203377"/>
             <a:ext cx="8458200" cy="657225"/>
           </a:xfrm>
         </p:spPr>
@@ -16081,85 +16256,116 @@
         </p:nvSpPr>
         <p:spPr>
           <a:xfrm>
-            <a:off x="333375" y="1423555"/>
-            <a:ext cx="8467725" cy="4720070"/>
+            <a:off x="333375" y="898242"/>
+            <a:ext cx="8467725" cy="5667927"/>
           </a:xfrm>
         </p:spPr>
         <p:txBody>
           <a:bodyPr/>
           <a:lstStyle/>
           <a:p>
-            <a:pPr algn="ctr">
+            <a:pPr>
               <a:buNone/>
             </a:pPr>
             <a:r>
               <a:rPr lang="en-US" sz="2400" dirty="0" smtClean="0"/>
-              <a:t>In this module, the student will be able to:</a:t>
-            </a:r>
-          </a:p>
-          <a:p>
-            <a:r>
-              <a:rPr lang="en-US" sz="1800" dirty="0" smtClean="0"/>
-              <a:t>Understand the importance of multi-core parallel processing in current and future applications</a:t>
-            </a:r>
-          </a:p>
-          <a:p>
-            <a:r>
-              <a:rPr lang="en-US" sz="1800" dirty="0" smtClean="0"/>
-              <a:t>Define different types of Parallel processing and understand the possible limitations and dependencies</a:t>
-            </a:r>
-          </a:p>
-          <a:p>
-            <a:r>
-              <a:rPr lang="en-US" sz="1800" dirty="0" smtClean="0"/>
-              <a:t>Understand the importance of memory features and architecture and data movement for efficient parallel processing</a:t>
+              <a:t>The purpose of this lesson is to enable you to do the following:</a:t>
+            </a:r>
+          </a:p>
+          <a:p>
+            <a:r>
+              <a:rPr lang="en-US" sz="2000" dirty="0" smtClean="0"/>
+              <a:t>Explain the importance of </a:t>
+            </a:r>
+            <a:r>
+              <a:rPr lang="en-US" sz="2000" dirty="0" err="1" smtClean="0"/>
+              <a:t>multicore</a:t>
+            </a:r>
+            <a:r>
+              <a:rPr lang="en-US" sz="2000" dirty="0" smtClean="0"/>
+              <a:t> parallel processing in both current and future applications.</a:t>
+            </a:r>
+          </a:p>
+          <a:p>
+            <a:r>
+              <a:rPr lang="en-US" sz="2000" dirty="0" smtClean="0"/>
+              <a:t>Define different types of parallel processing and the possible limitations and dependencies of each.</a:t>
+            </a:r>
+          </a:p>
+          <a:p>
+            <a:r>
+              <a:rPr lang="en-US" sz="2000" dirty="0" smtClean="0"/>
+              <a:t>Explain the importance of memory features, architecture, and data movement for efficient parallel processing.</a:t>
+            </a:r>
+          </a:p>
+          <a:p>
+            <a:r>
+              <a:rPr lang="en-US" sz="2000" dirty="0" smtClean="0"/>
+              <a:t>Identify the special features of </a:t>
+            </a:r>
+            <a:r>
+              <a:rPr lang="en-US" sz="2000" dirty="0" err="1" smtClean="0"/>
+              <a:t>KeyStone</a:t>
+            </a:r>
+            <a:r>
+              <a:rPr lang="en-US" sz="2000" dirty="0" smtClean="0"/>
+              <a:t> </a:t>
+            </a:r>
+            <a:r>
+              <a:rPr lang="en-US" sz="2000" dirty="0" err="1" smtClean="0"/>
+              <a:t>SoC</a:t>
+            </a:r>
+            <a:r>
+              <a:rPr lang="en-US" sz="2000" dirty="0" smtClean="0"/>
+              <a:t> devices that facilitate parallel processing.</a:t>
+            </a:r>
+          </a:p>
+          <a:p>
+            <a:r>
+              <a:rPr lang="en-US" sz="2000" dirty="0" smtClean="0"/>
+              <a:t>Build a functionally-driven parallel project:</a:t>
             </a:r>
           </a:p>
           <a:p>
             <a:pPr lvl="1"/>
             <a:r>
-              <a:rPr lang="en-US" sz="1400" dirty="0" smtClean="0"/>
-              <a:t>Be Familiar with KeyStone special features that facilitate parallel processing</a:t>
-            </a:r>
-          </a:p>
-          <a:p>
-            <a:r>
-              <a:rPr lang="en-US" sz="1800" dirty="0" smtClean="0"/>
-              <a:t>Build a functional driven parallel project</a:t>
+              <a:rPr lang="en-US" sz="2000" dirty="0" smtClean="0"/>
+              <a:t>Build and run the MCSDK Video demo.</a:t>
             </a:r>
           </a:p>
           <a:p>
             <a:pPr lvl="1"/>
             <a:r>
-              <a:rPr lang="en-US" sz="1400" dirty="0" smtClean="0"/>
-              <a:t>Build and Run MCSDK Video demo</a:t>
+              <a:rPr lang="en-US" sz="2000" dirty="0" smtClean="0"/>
+              <a:t>Analyze the TI H264 implementation.</a:t>
+            </a:r>
+          </a:p>
+          <a:p>
+            <a:r>
+              <a:rPr lang="en-US" sz="2000" dirty="0" smtClean="0"/>
+              <a:t>Build a data-driven parallel project:</a:t>
             </a:r>
           </a:p>
           <a:p>
             <a:pPr lvl="1"/>
             <a:r>
-              <a:rPr lang="en-US" sz="1400" dirty="0" smtClean="0"/>
-              <a:t>Analyze TI’s H264 implementation</a:t>
-            </a:r>
-          </a:p>
-          <a:p>
-            <a:r>
-              <a:rPr lang="en-US" sz="1800" dirty="0" smtClean="0"/>
-              <a:t>Build a data driven parallel project </a:t>
+              <a:rPr lang="en-US" sz="2000" dirty="0" smtClean="0"/>
+              <a:t>Build, run, and analyze the TI Very Large FFT (VLFFT) implementation.</a:t>
             </a:r>
           </a:p>
           <a:p>
             <a:pPr lvl="1"/>
             <a:r>
-              <a:rPr lang="en-US" sz="1400" dirty="0" smtClean="0"/>
-              <a:t>Build and run TI’s very large FFT implementation. Understand the implementation</a:t>
-            </a:r>
-          </a:p>
-          <a:p>
-            <a:pPr lvl="1"/>
-            <a:r>
-              <a:rPr lang="en-US" sz="1400" dirty="0" smtClean="0"/>
-              <a:t>Build and Run openMP solution to the VLFFT problem</a:t>
+              <a:rPr lang="en-US" sz="2000" dirty="0" smtClean="0"/>
+              <a:t>Build and run </a:t>
+            </a:r>
+            <a:r>
+              <a:rPr lang="en-US" sz="2000" dirty="0" err="1" smtClean="0"/>
+              <a:t>OpenMP</a:t>
+            </a:r>
+            <a:r>
+              <a:rPr lang="en-US" sz="2000" dirty="0" smtClean="0"/>
+              <a:t> solution to the VLFFT challenge.</a:t>
             </a:r>
           </a:p>
           <a:p>
@@ -16223,12 +16429,16 @@
           <a:lstStyle/>
           <a:p>
             <a:r>
-              <a:rPr lang="en-US" sz="2800" dirty="0" smtClean="0">
-                <a:solidFill>
-                  <a:schemeClr val="tx2"/>
-                </a:solidFill>
-              </a:rPr>
-              <a:t>Software Support - OpenMP</a:t>
+              <a:rPr lang="en-US" dirty="0" smtClean="0"/>
+              <a:t>Software Support: </a:t>
+            </a:r>
+            <a:r>
+              <a:rPr lang="en-US" dirty="0" err="1" smtClean="0"/>
+              <a:t>OpenMP</a:t>
+            </a:r>
+            <a:r>
+              <a:rPr lang="en-US" dirty="0" smtClean="0"/>
+              <a:t> (1/2)</a:t>
             </a:r>
           </a:p>
         </p:txBody>
@@ -16265,7 +16475,7 @@
               <a:t>OpenMP</a:t>
             </a:r>
             <a:r>
-              <a:rPr lang="en-US" sz="2000" dirty="0" smtClean="0">
+              <a:rPr lang="en-US" dirty="0" smtClean="0">
                 <a:solidFill>
                   <a:schemeClr val="tx2"/>
                 </a:solidFill>
@@ -16273,7 +16483,7 @@
               <a:t>  </a:t>
             </a:r>
             <a:r>
-              <a:rPr lang="en-US" sz="2000" dirty="0" smtClean="0"/>
+              <a:rPr lang="en-US" dirty="0" smtClean="0"/>
               <a:t>(Supported by TI compiler tools)</a:t>
             </a:r>
           </a:p>
@@ -16302,7 +16512,7 @@
             </a:pPr>
             <a:r>
               <a:rPr lang="en-US" dirty="0" smtClean="0"/>
-              <a:t>An API for writing multi-threaded applications</a:t>
+              <a:t>API for writing multi-threaded applications</a:t>
             </a:r>
           </a:p>
           <a:p>
@@ -16455,9 +16665,8 @@
           <a:p>
             <a:r>
               <a:rPr lang="en-US" dirty="0" smtClean="0"/>
-              <a:t>Software Support OpenMP (2) </a:t>
-            </a:r>
-            <a:endParaRPr lang="en-US" dirty="0" smtClean="0"/>
+              <a:t>Software Support: OpenMP (2/2) </a:t>
+            </a:r>
           </a:p>
         </p:txBody>
       </p:sp>
@@ -16473,8 +16682,8 @@
         </p:nvSpPr>
         <p:spPr>
           <a:xfrm>
-            <a:off x="271030" y="614362"/>
-            <a:ext cx="8467725" cy="2928937"/>
+            <a:off x="271030" y="1006235"/>
+            <a:ext cx="8467725" cy="2406424"/>
           </a:xfrm>
         </p:spPr>
         <p:txBody>
@@ -16523,90 +16732,63 @@
           </a:p>
         </p:txBody>
       </p:sp>
-      <p:grpSp>
-        <p:nvGrpSpPr>
-          <p:cNvPr id="2" name="Group 42"/>
-          <p:cNvGrpSpPr/>
+      <p:sp>
+        <p:nvSpPr>
+          <p:cNvPr id="28" name="Rounded Rectangle 27"/>
+          <p:cNvSpPr/>
           <p:nvPr/>
-        </p:nvGrpSpPr>
-        <p:grpSpPr>
+        </p:nvSpPr>
+        <p:spPr bwMode="auto">
           <a:xfrm>
-            <a:off x="706583" y="3607208"/>
-            <a:ext cx="7778852" cy="2762419"/>
-            <a:chOff x="408383" y="2841406"/>
-            <a:chExt cx="8648551" cy="3404448"/>
+            <a:off x="3629252" y="4257076"/>
+            <a:ext cx="2468769" cy="495409"/>
           </a:xfrm>
-        </p:grpSpPr>
-        <p:sp>
-          <p:nvSpPr>
-            <p:cNvPr id="28" name="Rounded Rectangle 27"/>
-            <p:cNvSpPr/>
-            <p:nvPr/>
-          </p:nvSpPr>
-          <p:spPr bwMode="auto">
-            <a:xfrm>
-              <a:off x="3657815" y="3642314"/>
-              <a:ext cx="2744785" cy="610550"/>
-            </a:xfrm>
-            <a:prstGeom prst="roundRect">
+          <a:prstGeom prst="roundRect">
+            <a:avLst/>
+          </a:prstGeom>
+          <a:solidFill>
+            <a:schemeClr val="accent1">
+              <a:lumMod val="75000"/>
+            </a:schemeClr>
+          </a:solidFill>
+          <a:ln w="9525" cap="flat" cmpd="sng" algn="ctr">
+            <a:solidFill>
+              <a:schemeClr val="tx1"/>
+            </a:solidFill>
+            <a:prstDash val="solid"/>
+            <a:round/>
+            <a:headEnd type="none" w="med" len="med"/>
+            <a:tailEnd type="none" w="med" len="med"/>
+          </a:ln>
+          <a:effectLst/>
+          <a:extLst/>
+        </p:spPr>
+        <p:txBody>
+          <a:bodyPr vert="horz" wrap="none" lIns="91440" tIns="45720" rIns="91440" bIns="45720" numCol="1" rtlCol="0" anchor="ctr" anchorCtr="0" compatLnSpc="1">
+            <a:prstTxWarp prst="textNoShape">
               <a:avLst/>
-            </a:prstGeom>
-            <a:solidFill>
-              <a:schemeClr val="accent1">
-                <a:lumMod val="75000"/>
-              </a:schemeClr>
-            </a:solidFill>
-            <a:ln w="9525" cap="flat" cmpd="sng" algn="ctr">
-              <a:solidFill>
-                <a:schemeClr val="tx1"/>
-              </a:solidFill>
-              <a:prstDash val="solid"/>
-              <a:round/>
-              <a:headEnd type="none" w="med" len="med"/>
-              <a:tailEnd type="none" w="med" len="med"/>
-            </a:ln>
-            <a:effectLst/>
-            <a:extLst/>
-          </p:spPr>
-          <p:txBody>
-            <a:bodyPr vert="horz" wrap="none" lIns="91440" tIns="45720" rIns="91440" bIns="45720" numCol="1" rtlCol="0" anchor="ctr" anchorCtr="0" compatLnSpc="1">
-              <a:prstTxWarp prst="textNoShape">
-                <a:avLst/>
-              </a:prstTxWarp>
-            </a:bodyPr>
-            <a:lstStyle/>
-            <a:p>
-              <a:pPr marL="0" marR="0" indent="0" algn="ctr" defTabSz="914400" rtl="0" eaLnBrk="1" fontAlgn="base" latinLnBrk="0" hangingPunct="1">
-                <a:lnSpc>
-                  <a:spcPct val="100000"/>
-                </a:lnSpc>
-                <a:spcBef>
-                  <a:spcPct val="0"/>
-                </a:spcBef>
-                <a:spcAft>
-                  <a:spcPct val="0"/>
-                </a:spcAft>
-                <a:buClrTx/>
-                <a:buSzTx/>
-                <a:buFontTx/>
-                <a:buNone/>
-                <a:tabLst/>
-              </a:pPr>
-              <a:r>
-                <a:rPr kumimoji="0" lang="en-US" sz="1800" b="1" i="0" u="none" strike="noStrike" cap="none" normalizeH="0" baseline="0" dirty="0" smtClean="0">
-                  <a:ln>
-                    <a:noFill/>
-                  </a:ln>
-                  <a:solidFill>
-                    <a:schemeClr val="accent2"/>
-                  </a:solidFill>
-                  <a:effectLst/>
-                  <a:latin typeface="+mn-lt"/>
-                  <a:ea typeface="ＭＳ Ｐゴシック" charset="0"/>
-                </a:rPr>
-                <a:t>Fork</a:t>
-              </a:r>
-              <a:endParaRPr kumimoji="0" lang="en-US" sz="1800" b="1" i="0" u="none" strike="noStrike" cap="none" normalizeH="0" baseline="0" dirty="0">
+            </a:prstTxWarp>
+          </a:bodyPr>
+          <a:lstStyle/>
+          <a:p>
+            <a:pPr marL="0" marR="0" indent="0" algn="ctr" defTabSz="914400" rtl="0" eaLnBrk="1" fontAlgn="base" latinLnBrk="0" hangingPunct="1">
+              <a:lnSpc>
+                <a:spcPct val="100000"/>
+              </a:lnSpc>
+              <a:spcBef>
+                <a:spcPct val="0"/>
+              </a:spcBef>
+              <a:spcAft>
+                <a:spcPct val="0"/>
+              </a:spcAft>
+              <a:buClrTx/>
+              <a:buSzTx/>
+              <a:buFontTx/>
+              <a:buNone/>
+              <a:tabLst/>
+            </a:pPr>
+            <a:r>
+              <a:rPr kumimoji="0" lang="en-US" sz="1400" b="1" i="0" u="none" strike="noStrike" cap="none" normalizeH="0" baseline="0" dirty="0" smtClean="0">
                 <a:ln>
                   <a:noFill/>
                 </a:ln>
@@ -16616,120 +16798,120 @@
                 <a:effectLst/>
                 <a:latin typeface="+mn-lt"/>
                 <a:ea typeface="ＭＳ Ｐゴシック" charset="0"/>
-              </a:endParaRPr>
-            </a:p>
-          </p:txBody>
-        </p:sp>
-        <p:cxnSp>
-          <p:nvCxnSpPr>
-            <p:cNvPr id="29" name="Straight Arrow Connector 28"/>
-            <p:cNvCxnSpPr/>
-            <p:nvPr/>
-          </p:nvCxnSpPr>
-          <p:spPr bwMode="auto">
-            <a:xfrm>
-              <a:off x="3904458" y="4250539"/>
-              <a:ext cx="0" cy="651316"/>
-            </a:xfrm>
-            <a:prstGeom prst="straightConnector1">
+              </a:rPr>
+              <a:t>Fork</a:t>
+            </a:r>
+            <a:endParaRPr kumimoji="0" lang="en-US" sz="1400" b="1" i="0" u="none" strike="noStrike" cap="none" normalizeH="0" baseline="0" dirty="0">
+              <a:ln>
+                <a:noFill/>
+              </a:ln>
+              <a:solidFill>
+                <a:schemeClr val="accent2"/>
+              </a:solidFill>
+              <a:effectLst/>
+              <a:latin typeface="+mn-lt"/>
+              <a:ea typeface="ＭＳ Ｐゴシック" charset="0"/>
+            </a:endParaRPr>
+          </a:p>
+        </p:txBody>
+      </p:sp>
+      <p:cxnSp>
+        <p:nvCxnSpPr>
+          <p:cNvPr id="29" name="Straight Arrow Connector 28"/>
+          <p:cNvCxnSpPr/>
+          <p:nvPr/>
+        </p:nvCxnSpPr>
+        <p:spPr bwMode="auto">
+          <a:xfrm>
+            <a:off x="3851092" y="4750599"/>
+            <a:ext cx="0" cy="528487"/>
+          </a:xfrm>
+          <a:prstGeom prst="straightConnector1">
+            <a:avLst/>
+          </a:prstGeom>
+          <a:solidFill>
+            <a:srgbClr val="99CCFF"/>
+          </a:solidFill>
+          <a:ln w="38100" cap="flat" cmpd="sng" algn="ctr">
+            <a:solidFill>
+              <a:srgbClr val="008000"/>
+            </a:solidFill>
+            <a:prstDash val="solid"/>
+            <a:round/>
+            <a:headEnd type="none" w="med" len="med"/>
+            <a:tailEnd type="triangle" w="lg" len="med"/>
+          </a:ln>
+          <a:effectLst/>
+          <a:extLst>
+            <a:ext uri="{AF507438-7753-43e0-B8FC-AC1667EBCBE1}">
+              <a14:hiddenEffects xmlns="" xmlns:a14="http://schemas.microsoft.com/office/drawing/2010/main">
+                <a:effectLst>
+                  <a:outerShdw blurRad="63500" dist="35921" dir="2700000" algn="ctr" rotWithShape="0">
+                    <a:schemeClr val="bg2"/>
+                  </a:outerShdw>
+                </a:effectLst>
+              </a14:hiddenEffects>
+            </a:ext>
+          </a:extLst>
+        </p:spPr>
+      </p:cxnSp>
+      <p:sp>
+        <p:nvSpPr>
+          <p:cNvPr id="30" name="Rounded Rectangle 29"/>
+          <p:cNvSpPr/>
+          <p:nvPr/>
+        </p:nvSpPr>
+        <p:spPr bwMode="auto">
+          <a:xfrm>
+            <a:off x="3624375" y="5284375"/>
+            <a:ext cx="2473646" cy="495409"/>
+          </a:xfrm>
+          <a:prstGeom prst="roundRect">
+            <a:avLst/>
+          </a:prstGeom>
+          <a:solidFill>
+            <a:schemeClr val="accent1">
+              <a:lumMod val="75000"/>
+            </a:schemeClr>
+          </a:solidFill>
+          <a:ln w="9525" cap="flat" cmpd="sng" algn="ctr">
+            <a:solidFill>
+              <a:schemeClr val="tx1"/>
+            </a:solidFill>
+            <a:prstDash val="solid"/>
+            <a:round/>
+            <a:headEnd type="none" w="med" len="med"/>
+            <a:tailEnd type="none" w="med" len="med"/>
+          </a:ln>
+          <a:effectLst/>
+          <a:extLst/>
+        </p:spPr>
+        <p:txBody>
+          <a:bodyPr vert="horz" wrap="none" lIns="91440" tIns="45720" rIns="91440" bIns="45720" numCol="1" rtlCol="0" anchor="ctr" anchorCtr="0" compatLnSpc="1">
+            <a:prstTxWarp prst="textNoShape">
               <a:avLst/>
-            </a:prstGeom>
-            <a:solidFill>
-              <a:srgbClr val="99CCFF"/>
-            </a:solidFill>
-            <a:ln w="38100" cap="flat" cmpd="sng" algn="ctr">
-              <a:solidFill>
-                <a:srgbClr val="008000"/>
-              </a:solidFill>
-              <a:prstDash val="solid"/>
-              <a:round/>
-              <a:headEnd type="none" w="med" len="med"/>
-              <a:tailEnd type="triangle" w="lg" len="med"/>
-            </a:ln>
-            <a:effectLst/>
-            <a:extLst>
-              <a:ext uri="{AF507438-7753-43e0-B8FC-AC1667EBCBE1}">
-                <a14:hiddenEffects xmlns:a14="http://schemas.microsoft.com/office/drawing/2010/main" xmlns="">
-                  <a:effectLst>
-                    <a:outerShdw blurRad="63500" dist="35921" dir="2700000" algn="ctr" rotWithShape="0">
-                      <a:schemeClr val="bg2"/>
-                    </a:outerShdw>
-                  </a:effectLst>
-                </a14:hiddenEffects>
-              </a:ext>
-            </a:extLst>
-          </p:spPr>
-        </p:cxnSp>
-        <p:sp>
-          <p:nvSpPr>
-            <p:cNvPr id="30" name="Rounded Rectangle 29"/>
-            <p:cNvSpPr/>
-            <p:nvPr/>
-          </p:nvSpPr>
-          <p:spPr bwMode="auto">
-            <a:xfrm>
-              <a:off x="3652393" y="4908373"/>
-              <a:ext cx="2750207" cy="610550"/>
-            </a:xfrm>
-            <a:prstGeom prst="roundRect">
-              <a:avLst/>
-            </a:prstGeom>
-            <a:solidFill>
-              <a:schemeClr val="accent1">
-                <a:lumMod val="75000"/>
-              </a:schemeClr>
-            </a:solidFill>
-            <a:ln w="9525" cap="flat" cmpd="sng" algn="ctr">
-              <a:solidFill>
-                <a:schemeClr val="tx1"/>
-              </a:solidFill>
-              <a:prstDash val="solid"/>
-              <a:round/>
-              <a:headEnd type="none" w="med" len="med"/>
-              <a:tailEnd type="none" w="med" len="med"/>
-            </a:ln>
-            <a:effectLst/>
-            <a:extLst/>
-          </p:spPr>
-          <p:txBody>
-            <a:bodyPr vert="horz" wrap="none" lIns="91440" tIns="45720" rIns="91440" bIns="45720" numCol="1" rtlCol="0" anchor="ctr" anchorCtr="0" compatLnSpc="1">
-              <a:prstTxWarp prst="textNoShape">
-                <a:avLst/>
-              </a:prstTxWarp>
-            </a:bodyPr>
-            <a:lstStyle/>
-            <a:p>
-              <a:pPr marL="0" marR="0" indent="0" algn="ctr" defTabSz="914400" rtl="0" eaLnBrk="1" fontAlgn="base" latinLnBrk="0" hangingPunct="1">
-                <a:lnSpc>
-                  <a:spcPct val="100000"/>
-                </a:lnSpc>
-                <a:spcBef>
-                  <a:spcPct val="0"/>
-                </a:spcBef>
-                <a:spcAft>
-                  <a:spcPct val="0"/>
-                </a:spcAft>
-                <a:buClrTx/>
-                <a:buSzTx/>
-                <a:buFontTx/>
-                <a:buNone/>
-                <a:tabLst/>
-              </a:pPr>
-              <a:r>
-                <a:rPr kumimoji="0" lang="en-US" sz="1800" b="1" i="0" u="none" strike="noStrike" cap="none" normalizeH="0" baseline="0" dirty="0" smtClean="0">
-                  <a:ln>
-                    <a:noFill/>
-                  </a:ln>
-                  <a:solidFill>
-                    <a:srgbClr val="FFFFFF"/>
-                  </a:solidFill>
-                  <a:effectLst/>
-                  <a:latin typeface="+mn-lt"/>
-                  <a:ea typeface="ＭＳ Ｐゴシック" charset="0"/>
-                </a:rPr>
-                <a:t>Join</a:t>
-              </a:r>
-              <a:endParaRPr kumimoji="0" lang="en-US" sz="1800" b="1" i="0" u="none" strike="noStrike" cap="none" normalizeH="0" baseline="0" dirty="0">
+            </a:prstTxWarp>
+          </a:bodyPr>
+          <a:lstStyle/>
+          <a:p>
+            <a:pPr marL="0" marR="0" indent="0" algn="ctr" defTabSz="914400" rtl="0" eaLnBrk="1" fontAlgn="base" latinLnBrk="0" hangingPunct="1">
+              <a:lnSpc>
+                <a:spcPct val="100000"/>
+              </a:lnSpc>
+              <a:spcBef>
+                <a:spcPct val="0"/>
+              </a:spcBef>
+              <a:spcAft>
+                <a:spcPct val="0"/>
+              </a:spcAft>
+              <a:buClrTx/>
+              <a:buSzTx/>
+              <a:buFontTx/>
+              <a:buNone/>
+              <a:tabLst/>
+            </a:pPr>
+            <a:r>
+              <a:rPr kumimoji="0" lang="en-US" sz="1400" b="1" i="0" u="none" strike="noStrike" cap="none" normalizeH="0" baseline="0" dirty="0" smtClean="0">
                 <a:ln>
                   <a:noFill/>
                 </a:ln>
@@ -16739,841 +16921,853 @@
                 <a:effectLst/>
                 <a:latin typeface="+mn-lt"/>
                 <a:ea typeface="ＭＳ Ｐゴシック" charset="0"/>
-              </a:endParaRPr>
-            </a:p>
-          </p:txBody>
-        </p:sp>
-        <p:cxnSp>
-          <p:nvCxnSpPr>
-            <p:cNvPr id="31" name="Straight Arrow Connector 30"/>
-            <p:cNvCxnSpPr/>
-            <p:nvPr/>
-          </p:nvCxnSpPr>
-          <p:spPr bwMode="auto">
-            <a:xfrm>
-              <a:off x="4670227" y="4255524"/>
-              <a:ext cx="0" cy="646331"/>
-            </a:xfrm>
-            <a:prstGeom prst="straightConnector1">
-              <a:avLst/>
-            </a:prstGeom>
+              </a:rPr>
+              <a:t>Join</a:t>
+            </a:r>
+            <a:endParaRPr kumimoji="0" lang="en-US" sz="1400" b="1" i="0" u="none" strike="noStrike" cap="none" normalizeH="0" baseline="0" dirty="0">
+              <a:ln>
+                <a:noFill/>
+              </a:ln>
+              <a:solidFill>
+                <a:srgbClr val="FFFFFF"/>
+              </a:solidFill>
+              <a:effectLst/>
+              <a:latin typeface="+mn-lt"/>
+              <a:ea typeface="ＭＳ Ｐゴシック" charset="0"/>
+            </a:endParaRPr>
+          </a:p>
+        </p:txBody>
+      </p:sp>
+      <p:cxnSp>
+        <p:nvCxnSpPr>
+          <p:cNvPr id="31" name="Straight Arrow Connector 30"/>
+          <p:cNvCxnSpPr/>
+          <p:nvPr/>
+        </p:nvCxnSpPr>
+        <p:spPr bwMode="auto">
+          <a:xfrm>
+            <a:off x="4539856" y="4754644"/>
+            <a:ext cx="0" cy="524442"/>
+          </a:xfrm>
+          <a:prstGeom prst="straightConnector1">
+            <a:avLst/>
+          </a:prstGeom>
+          <a:solidFill>
+            <a:srgbClr val="99CCFF"/>
+          </a:solidFill>
+          <a:ln w="38100" cap="flat" cmpd="sng" algn="ctr">
             <a:solidFill>
-              <a:srgbClr val="99CCFF"/>
+              <a:srgbClr val="000090"/>
             </a:solidFill>
-            <a:ln w="38100" cap="flat" cmpd="sng" algn="ctr">
-              <a:solidFill>
-                <a:srgbClr val="000090"/>
-              </a:solidFill>
-              <a:prstDash val="solid"/>
-              <a:round/>
-              <a:headEnd type="none" w="med" len="med"/>
-              <a:tailEnd type="triangle" w="lg" len="med"/>
-            </a:ln>
-            <a:effectLst/>
-            <a:extLst>
-              <a:ext uri="{AF507438-7753-43e0-B8FC-AC1667EBCBE1}">
-                <a14:hiddenEffects xmlns:a14="http://schemas.microsoft.com/office/drawing/2010/main" xmlns="">
-                  <a:effectLst>
-                    <a:outerShdw blurRad="63500" dist="35921" dir="2700000" algn="ctr" rotWithShape="0">
-                      <a:schemeClr val="bg2"/>
-                    </a:outerShdw>
-                  </a:effectLst>
-                </a14:hiddenEffects>
-              </a:ext>
-            </a:extLst>
-          </p:spPr>
-        </p:cxnSp>
-        <p:cxnSp>
-          <p:nvCxnSpPr>
-            <p:cNvPr id="32" name="Straight Arrow Connector 31"/>
-            <p:cNvCxnSpPr/>
-            <p:nvPr/>
-          </p:nvCxnSpPr>
-          <p:spPr bwMode="auto">
-            <a:xfrm>
-              <a:off x="5014251" y="3061453"/>
-              <a:ext cx="21453" cy="580861"/>
-            </a:xfrm>
-            <a:prstGeom prst="straightConnector1">
-              <a:avLst/>
-            </a:prstGeom>
+            <a:prstDash val="solid"/>
+            <a:round/>
+            <a:headEnd type="none" w="med" len="med"/>
+            <a:tailEnd type="triangle" w="lg" len="med"/>
+          </a:ln>
+          <a:effectLst/>
+          <a:extLst>
+            <a:ext uri="{AF507438-7753-43e0-B8FC-AC1667EBCBE1}">
+              <a14:hiddenEffects xmlns="" xmlns:a14="http://schemas.microsoft.com/office/drawing/2010/main">
+                <a:effectLst>
+                  <a:outerShdw blurRad="63500" dist="35921" dir="2700000" algn="ctr" rotWithShape="0">
+                    <a:schemeClr val="bg2"/>
+                  </a:outerShdw>
+                </a:effectLst>
+              </a14:hiddenEffects>
+            </a:ext>
+          </a:extLst>
+        </p:spPr>
+      </p:cxnSp>
+      <p:cxnSp>
+        <p:nvCxnSpPr>
+          <p:cNvPr id="32" name="Straight Arrow Connector 31"/>
+          <p:cNvCxnSpPr/>
+          <p:nvPr/>
+        </p:nvCxnSpPr>
+        <p:spPr bwMode="auto">
+          <a:xfrm>
+            <a:off x="4849285" y="3785757"/>
+            <a:ext cx="19296" cy="471319"/>
+          </a:xfrm>
+          <a:prstGeom prst="straightConnector1">
+            <a:avLst/>
+          </a:prstGeom>
+          <a:solidFill>
+            <a:srgbClr val="99CCFF"/>
+          </a:solidFill>
+          <a:ln w="38100" cap="flat" cmpd="sng" algn="ctr">
             <a:solidFill>
-              <a:srgbClr val="99CCFF"/>
+              <a:srgbClr val="008000"/>
             </a:solidFill>
-            <a:ln w="38100" cap="flat" cmpd="sng" algn="ctr">
-              <a:solidFill>
-                <a:srgbClr val="008000"/>
-              </a:solidFill>
-              <a:prstDash val="solid"/>
-              <a:round/>
-              <a:headEnd type="none" w="med" len="med"/>
-              <a:tailEnd type="triangle" w="lg" len="med"/>
-            </a:ln>
-            <a:effectLst/>
-            <a:extLst>
-              <a:ext uri="{AF507438-7753-43e0-B8FC-AC1667EBCBE1}">
-                <a14:hiddenEffects xmlns:a14="http://schemas.microsoft.com/office/drawing/2010/main" xmlns="">
-                  <a:effectLst>
-                    <a:outerShdw blurRad="63500" dist="35921" dir="2700000" algn="ctr" rotWithShape="0">
-                      <a:schemeClr val="bg2"/>
-                    </a:outerShdw>
-                  </a:effectLst>
-                </a14:hiddenEffects>
-              </a:ext>
-            </a:extLst>
-          </p:spPr>
-        </p:cxnSp>
-        <p:cxnSp>
-          <p:nvCxnSpPr>
-            <p:cNvPr id="33" name="Straight Arrow Connector 32"/>
-            <p:cNvCxnSpPr/>
-            <p:nvPr/>
-          </p:nvCxnSpPr>
-          <p:spPr bwMode="auto">
-            <a:xfrm>
-              <a:off x="5014251" y="5518923"/>
-              <a:ext cx="0" cy="543614"/>
-            </a:xfrm>
-            <a:prstGeom prst="straightConnector1">
-              <a:avLst/>
-            </a:prstGeom>
+            <a:prstDash val="solid"/>
+            <a:round/>
+            <a:headEnd type="none" w="med" len="med"/>
+            <a:tailEnd type="triangle" w="lg" len="med"/>
+          </a:ln>
+          <a:effectLst/>
+          <a:extLst>
+            <a:ext uri="{AF507438-7753-43e0-B8FC-AC1667EBCBE1}">
+              <a14:hiddenEffects xmlns="" xmlns:a14="http://schemas.microsoft.com/office/drawing/2010/main">
+                <a:effectLst>
+                  <a:outerShdw blurRad="63500" dist="35921" dir="2700000" algn="ctr" rotWithShape="0">
+                    <a:schemeClr val="bg2"/>
+                  </a:outerShdw>
+                </a:effectLst>
+              </a14:hiddenEffects>
+            </a:ext>
+          </a:extLst>
+        </p:spPr>
+      </p:cxnSp>
+      <p:cxnSp>
+        <p:nvCxnSpPr>
+          <p:cNvPr id="33" name="Straight Arrow Connector 32"/>
+          <p:cNvCxnSpPr/>
+          <p:nvPr/>
+        </p:nvCxnSpPr>
+        <p:spPr bwMode="auto">
+          <a:xfrm>
+            <a:off x="4849285" y="5779785"/>
+            <a:ext cx="0" cy="441096"/>
+          </a:xfrm>
+          <a:prstGeom prst="straightConnector1">
+            <a:avLst/>
+          </a:prstGeom>
+          <a:solidFill>
+            <a:srgbClr val="99CCFF"/>
+          </a:solidFill>
+          <a:ln w="38100" cap="flat" cmpd="sng" algn="ctr">
             <a:solidFill>
-              <a:srgbClr val="99CCFF"/>
+              <a:srgbClr val="008000"/>
             </a:solidFill>
-            <a:ln w="38100" cap="flat" cmpd="sng" algn="ctr">
-              <a:solidFill>
-                <a:srgbClr val="008000"/>
-              </a:solidFill>
-              <a:prstDash val="solid"/>
-              <a:round/>
-              <a:headEnd type="none" w="med" len="med"/>
-              <a:tailEnd type="triangle" w="lg" len="med"/>
-            </a:ln>
-            <a:effectLst/>
-            <a:extLst>
-              <a:ext uri="{AF507438-7753-43e0-B8FC-AC1667EBCBE1}">
-                <a14:hiddenEffects xmlns:a14="http://schemas.microsoft.com/office/drawing/2010/main" xmlns="">
-                  <a:effectLst>
-                    <a:outerShdw blurRad="63500" dist="35921" dir="2700000" algn="ctr" rotWithShape="0">
-                      <a:schemeClr val="bg2"/>
-                    </a:outerShdw>
-                  </a:effectLst>
-                </a14:hiddenEffects>
-              </a:ext>
-            </a:extLst>
-          </p:spPr>
-        </p:cxnSp>
-        <p:sp>
-          <p:nvSpPr>
-            <p:cNvPr id="34" name="TextBox 33"/>
-            <p:cNvSpPr txBox="1"/>
-            <p:nvPr/>
-          </p:nvSpPr>
-          <p:spPr>
-            <a:xfrm>
-              <a:off x="6845972" y="3048359"/>
-              <a:ext cx="1561389" cy="369332"/>
-            </a:xfrm>
-            <a:prstGeom prst="rect">
-              <a:avLst/>
-            </a:prstGeom>
-            <a:noFill/>
-          </p:spPr>
-          <p:txBody>
-            <a:bodyPr wrap="none" rtlCol="0">
-              <a:spAutoFit/>
-            </a:bodyPr>
-            <a:lstStyle/>
-            <a:p>
-              <a:pPr algn="ctr"/>
-              <a:r>
-                <a:rPr lang="en-US" i="1" dirty="0" smtClean="0">
-                  <a:solidFill>
-                    <a:srgbClr val="008000"/>
-                  </a:solidFill>
-                  <a:latin typeface="+mn-lt"/>
-                </a:rPr>
-                <a:t>Master Thread</a:t>
-              </a:r>
-              <a:endParaRPr lang="en-US" i="1" dirty="0">
+            <a:prstDash val="solid"/>
+            <a:round/>
+            <a:headEnd type="none" w="med" len="med"/>
+            <a:tailEnd type="triangle" w="lg" len="med"/>
+          </a:ln>
+          <a:effectLst/>
+          <a:extLst>
+            <a:ext uri="{AF507438-7753-43e0-B8FC-AC1667EBCBE1}">
+              <a14:hiddenEffects xmlns="" xmlns:a14="http://schemas.microsoft.com/office/drawing/2010/main">
+                <a:effectLst>
+                  <a:outerShdw blurRad="63500" dist="35921" dir="2700000" algn="ctr" rotWithShape="0">
+                    <a:schemeClr val="bg2"/>
+                  </a:outerShdw>
+                </a:effectLst>
+              </a14:hiddenEffects>
+            </a:ext>
+          </a:extLst>
+        </p:spPr>
+      </p:cxnSp>
+      <p:sp>
+        <p:nvSpPr>
+          <p:cNvPr id="34" name="TextBox 33"/>
+          <p:cNvSpPr txBox="1"/>
+          <p:nvPr/>
+        </p:nvSpPr>
+        <p:spPr>
+          <a:xfrm>
+            <a:off x="6495118" y="3775133"/>
+            <a:ext cx="1407757" cy="307777"/>
+          </a:xfrm>
+          <a:prstGeom prst="rect">
+            <a:avLst/>
+          </a:prstGeom>
+          <a:noFill/>
+        </p:spPr>
+        <p:txBody>
+          <a:bodyPr wrap="none" rtlCol="0">
+            <a:spAutoFit/>
+          </a:bodyPr>
+          <a:lstStyle/>
+          <a:p>
+            <a:pPr algn="ctr"/>
+            <a:r>
+              <a:rPr lang="en-US" sz="1400" i="1" dirty="0" smtClean="0">
                 <a:solidFill>
                   <a:srgbClr val="008000"/>
                 </a:solidFill>
                 <a:latin typeface="+mn-lt"/>
-              </a:endParaRPr>
-            </a:p>
-          </p:txBody>
-        </p:sp>
-        <p:sp>
-          <p:nvSpPr>
-            <p:cNvPr id="35" name="TextBox 34"/>
-            <p:cNvSpPr txBox="1"/>
-            <p:nvPr/>
-          </p:nvSpPr>
-          <p:spPr>
-            <a:xfrm>
-              <a:off x="6193634" y="4242430"/>
-              <a:ext cx="2863300" cy="646331"/>
-            </a:xfrm>
-            <a:prstGeom prst="rect">
-              <a:avLst/>
-            </a:prstGeom>
-            <a:noFill/>
-          </p:spPr>
-          <p:txBody>
-            <a:bodyPr wrap="square" rtlCol="0">
-              <a:spAutoFit/>
-            </a:bodyPr>
-            <a:lstStyle/>
-            <a:p>
-              <a:pPr algn="ctr"/>
-              <a:r>
-                <a:rPr lang="en-US" i="1" dirty="0" smtClean="0">
-                  <a:solidFill>
-                    <a:srgbClr val="0000FF"/>
-                  </a:solidFill>
-                  <a:latin typeface="+mn-lt"/>
-                </a:rPr>
-                <a:t>Team of Threads</a:t>
-              </a:r>
-              <a:br>
-                <a:rPr lang="en-US" i="1" dirty="0" smtClean="0">
-                  <a:solidFill>
-                    <a:srgbClr val="0000FF"/>
-                  </a:solidFill>
-                  <a:latin typeface="+mn-lt"/>
-                </a:rPr>
-              </a:br>
-              <a:r>
-                <a:rPr lang="en-US" i="1" dirty="0" smtClean="0">
-                  <a:solidFill>
-                    <a:srgbClr val="0000FF"/>
-                  </a:solidFill>
-                  <a:latin typeface="+mn-lt"/>
-                </a:rPr>
-                <a:t>(created automatically)</a:t>
-              </a:r>
-              <a:endParaRPr lang="en-US" dirty="0">
+              </a:rPr>
+              <a:t>Master Thread</a:t>
+            </a:r>
+            <a:endParaRPr lang="en-US" sz="1400" i="1" dirty="0">
+              <a:solidFill>
+                <a:srgbClr val="008000"/>
+              </a:solidFill>
+              <a:latin typeface="+mn-lt"/>
+            </a:endParaRPr>
+          </a:p>
+        </p:txBody>
+      </p:sp>
+      <p:sp>
+        <p:nvSpPr>
+          <p:cNvPr id="35" name="TextBox 34"/>
+          <p:cNvSpPr txBox="1"/>
+          <p:nvPr/>
+        </p:nvSpPr>
+        <p:spPr>
+          <a:xfrm>
+            <a:off x="5910069" y="4744019"/>
+            <a:ext cx="2575366" cy="524442"/>
+          </a:xfrm>
+          <a:prstGeom prst="rect">
+            <a:avLst/>
+          </a:prstGeom>
+          <a:noFill/>
+        </p:spPr>
+        <p:txBody>
+          <a:bodyPr wrap="square" rtlCol="0">
+            <a:spAutoFit/>
+          </a:bodyPr>
+          <a:lstStyle/>
+          <a:p>
+            <a:pPr algn="ctr"/>
+            <a:r>
+              <a:rPr lang="en-US" sz="1400" i="1" dirty="0" smtClean="0">
                 <a:solidFill>
                   <a:srgbClr val="0000FF"/>
                 </a:solidFill>
                 <a:latin typeface="+mn-lt"/>
-              </a:endParaRPr>
-            </a:p>
-          </p:txBody>
-        </p:sp>
-        <p:sp>
-          <p:nvSpPr>
-            <p:cNvPr id="36" name="TextBox 35"/>
-            <p:cNvSpPr txBox="1"/>
-            <p:nvPr/>
-          </p:nvSpPr>
-          <p:spPr>
-            <a:xfrm>
-              <a:off x="6756644" y="5564374"/>
-              <a:ext cx="1561389" cy="369332"/>
-            </a:xfrm>
-            <a:prstGeom prst="rect">
-              <a:avLst/>
-            </a:prstGeom>
-            <a:noFill/>
-          </p:spPr>
-          <p:txBody>
-            <a:bodyPr wrap="none" rtlCol="0">
-              <a:spAutoFit/>
-            </a:bodyPr>
-            <a:lstStyle/>
-            <a:p>
-              <a:r>
-                <a:rPr lang="en-US" i="1" dirty="0" smtClean="0">
-                  <a:solidFill>
-                    <a:srgbClr val="008000"/>
-                  </a:solidFill>
-                  <a:latin typeface="+mn-lt"/>
-                </a:rPr>
-                <a:t>Master Thread</a:t>
-              </a:r>
-              <a:endParaRPr lang="en-US" i="1" dirty="0">
+              </a:rPr>
+              <a:t>Team of Threads</a:t>
+            </a:r>
+            <a:br>
+              <a:rPr lang="en-US" sz="1400" i="1" dirty="0" smtClean="0">
+                <a:solidFill>
+                  <a:srgbClr val="0000FF"/>
+                </a:solidFill>
+                <a:latin typeface="+mn-lt"/>
+              </a:rPr>
+            </a:br>
+            <a:r>
+              <a:rPr lang="en-US" sz="1400" i="1" dirty="0" smtClean="0">
+                <a:solidFill>
+                  <a:srgbClr val="0000FF"/>
+                </a:solidFill>
+                <a:latin typeface="+mn-lt"/>
+              </a:rPr>
+              <a:t>(created automatically)</a:t>
+            </a:r>
+            <a:endParaRPr lang="en-US" sz="1400" dirty="0">
+              <a:solidFill>
+                <a:srgbClr val="0000FF"/>
+              </a:solidFill>
+              <a:latin typeface="+mn-lt"/>
+            </a:endParaRPr>
+          </a:p>
+        </p:txBody>
+      </p:sp>
+      <p:sp>
+        <p:nvSpPr>
+          <p:cNvPr id="36" name="TextBox 35"/>
+          <p:cNvSpPr txBox="1"/>
+          <p:nvPr/>
+        </p:nvSpPr>
+        <p:spPr>
+          <a:xfrm>
+            <a:off x="6416462" y="5816664"/>
+            <a:ext cx="1407758" cy="307777"/>
+          </a:xfrm>
+          <a:prstGeom prst="rect">
+            <a:avLst/>
+          </a:prstGeom>
+          <a:noFill/>
+        </p:spPr>
+        <p:txBody>
+          <a:bodyPr wrap="none" rtlCol="0">
+            <a:spAutoFit/>
+          </a:bodyPr>
+          <a:lstStyle/>
+          <a:p>
+            <a:r>
+              <a:rPr lang="en-US" sz="1400" i="1" dirty="0" smtClean="0">
                 <a:solidFill>
                   <a:srgbClr val="008000"/>
                 </a:solidFill>
                 <a:latin typeface="+mn-lt"/>
-              </a:endParaRPr>
-            </a:p>
-          </p:txBody>
-        </p:sp>
-        <p:sp>
-          <p:nvSpPr>
-            <p:cNvPr id="37" name="TextBox 36"/>
-            <p:cNvSpPr txBox="1"/>
-            <p:nvPr/>
-          </p:nvSpPr>
-          <p:spPr>
-            <a:xfrm>
-              <a:off x="853554" y="3053233"/>
-              <a:ext cx="1872885" cy="646331"/>
-            </a:xfrm>
-            <a:prstGeom prst="rect">
-              <a:avLst/>
-            </a:prstGeom>
+              </a:rPr>
+              <a:t>Master Thread</a:t>
+            </a:r>
+            <a:endParaRPr lang="en-US" sz="1400" i="1" dirty="0">
+              <a:solidFill>
+                <a:srgbClr val="008000"/>
+              </a:solidFill>
+              <a:latin typeface="+mn-lt"/>
+            </a:endParaRPr>
+          </a:p>
+        </p:txBody>
+      </p:sp>
+      <p:sp>
+        <p:nvSpPr>
+          <p:cNvPr id="37" name="TextBox 36"/>
+          <p:cNvSpPr txBox="1"/>
+          <p:nvPr/>
+        </p:nvSpPr>
+        <p:spPr>
+          <a:xfrm>
+            <a:off x="1106988" y="3779088"/>
+            <a:ext cx="1744388" cy="523220"/>
+          </a:xfrm>
+          <a:prstGeom prst="rect">
+            <a:avLst/>
+          </a:prstGeom>
+          <a:noFill/>
+          <a:ln w="12700" cmpd="sng">
             <a:noFill/>
-            <a:ln w="12700" cmpd="sng">
-              <a:noFill/>
-            </a:ln>
-          </p:spPr>
-          <p:txBody>
-            <a:bodyPr wrap="none" rtlCol="0">
-              <a:spAutoFit/>
-            </a:bodyPr>
-            <a:lstStyle/>
-            <a:p>
-              <a:r>
-                <a:rPr lang="en-US" dirty="0" smtClean="0">
-                  <a:latin typeface="+mn-lt"/>
-                </a:rPr>
-                <a:t>Sequential Region</a:t>
-              </a:r>
-              <a:br>
-                <a:rPr lang="en-US" dirty="0" smtClean="0">
-                  <a:latin typeface="+mn-lt"/>
-                </a:rPr>
-              </a:br>
-              <a:endParaRPr lang="en-US" dirty="0">
+          </a:ln>
+        </p:spPr>
+        <p:txBody>
+          <a:bodyPr wrap="none" rtlCol="0">
+            <a:spAutoFit/>
+          </a:bodyPr>
+          <a:lstStyle/>
+          <a:p>
+            <a:r>
+              <a:rPr lang="en-US" sz="1400" dirty="0" smtClean="0">
                 <a:latin typeface="+mn-lt"/>
-              </a:endParaRPr>
-            </a:p>
-          </p:txBody>
-        </p:sp>
-        <p:sp>
-          <p:nvSpPr>
-            <p:cNvPr id="38" name="TextBox 37"/>
-            <p:cNvSpPr txBox="1"/>
-            <p:nvPr/>
-          </p:nvSpPr>
-          <p:spPr>
-            <a:xfrm>
-              <a:off x="630969" y="3655408"/>
-              <a:ext cx="2154244" cy="369332"/>
-            </a:xfrm>
-            <a:prstGeom prst="rect">
-              <a:avLst/>
-            </a:prstGeom>
+              </a:rPr>
+              <a:t>Sequential Region</a:t>
+            </a:r>
+            <a:br>
+              <a:rPr lang="en-US" sz="1400" dirty="0" smtClean="0">
+                <a:latin typeface="+mn-lt"/>
+              </a:rPr>
+            </a:br>
+            <a:endParaRPr lang="en-US" sz="1400" dirty="0">
+              <a:latin typeface="+mn-lt"/>
+            </a:endParaRPr>
+          </a:p>
+        </p:txBody>
+      </p:sp>
+      <p:sp>
+        <p:nvSpPr>
+          <p:cNvPr id="38" name="TextBox 37"/>
+          <p:cNvSpPr txBox="1"/>
+          <p:nvPr/>
+        </p:nvSpPr>
+        <p:spPr>
+          <a:xfrm>
+            <a:off x="906786" y="4267701"/>
+            <a:ext cx="2036135" cy="307777"/>
+          </a:xfrm>
+          <a:prstGeom prst="rect">
+            <a:avLst/>
+          </a:prstGeom>
+          <a:noFill/>
+          <a:ln w="12700" cmpd="sng">
             <a:noFill/>
-            <a:ln w="12700" cmpd="sng">
-              <a:noFill/>
-            </a:ln>
-          </p:spPr>
-          <p:txBody>
-            <a:bodyPr wrap="none" rtlCol="0">
-              <a:spAutoFit/>
-            </a:bodyPr>
-            <a:lstStyle/>
-            <a:p>
-              <a:r>
-                <a:rPr lang="en-US" dirty="0" smtClean="0">
-                  <a:latin typeface="+mn-lt"/>
-                </a:rPr>
-                <a:t>Parallel Region Starts</a:t>
-              </a:r>
-              <a:endParaRPr lang="en-US" dirty="0">
+          </a:ln>
+        </p:spPr>
+        <p:txBody>
+          <a:bodyPr wrap="none" rtlCol="0">
+            <a:spAutoFit/>
+          </a:bodyPr>
+          <a:lstStyle/>
+          <a:p>
+            <a:r>
+              <a:rPr lang="en-US" sz="1400" dirty="0" smtClean="0">
                 <a:latin typeface="+mn-lt"/>
-              </a:endParaRPr>
-            </a:p>
-          </p:txBody>
-        </p:sp>
-        <p:sp>
-          <p:nvSpPr>
-            <p:cNvPr id="39" name="TextBox 38"/>
-            <p:cNvSpPr txBox="1"/>
-            <p:nvPr/>
-          </p:nvSpPr>
-          <p:spPr>
-            <a:xfrm>
-              <a:off x="4436111" y="3121823"/>
-              <a:ext cx="564578" cy="369332"/>
-            </a:xfrm>
-            <a:prstGeom prst="rect">
-              <a:avLst/>
-            </a:prstGeom>
-            <a:noFill/>
-          </p:spPr>
-          <p:txBody>
-            <a:bodyPr wrap="none" rtlCol="0">
-              <a:spAutoFit/>
-            </a:bodyPr>
-            <a:lstStyle/>
-            <a:p>
-              <a:r>
-                <a:rPr lang="en-US" dirty="0" smtClean="0">
-                  <a:solidFill>
-                    <a:srgbClr val="008000"/>
-                  </a:solidFill>
-                  <a:latin typeface="+mn-lt"/>
-                </a:rPr>
-                <a:t>ID:0</a:t>
-              </a:r>
-              <a:endParaRPr lang="en-US" i="1" dirty="0">
+              </a:rPr>
+              <a:t>Parallel Region Starts</a:t>
+            </a:r>
+            <a:endParaRPr lang="en-US" sz="1400" dirty="0">
+              <a:latin typeface="+mn-lt"/>
+            </a:endParaRPr>
+          </a:p>
+        </p:txBody>
+      </p:sp>
+      <p:sp>
+        <p:nvSpPr>
+          <p:cNvPr id="39" name="TextBox 38"/>
+          <p:cNvSpPr txBox="1"/>
+          <p:nvPr/>
+        </p:nvSpPr>
+        <p:spPr>
+          <a:xfrm>
+            <a:off x="4329282" y="3834742"/>
+            <a:ext cx="522900" cy="307777"/>
+          </a:xfrm>
+          <a:prstGeom prst="rect">
+            <a:avLst/>
+          </a:prstGeom>
+          <a:noFill/>
+        </p:spPr>
+        <p:txBody>
+          <a:bodyPr wrap="none" rtlCol="0">
+            <a:spAutoFit/>
+          </a:bodyPr>
+          <a:lstStyle/>
+          <a:p>
+            <a:r>
+              <a:rPr lang="en-US" sz="1400" dirty="0" smtClean="0">
                 <a:solidFill>
                   <a:srgbClr val="008000"/>
                 </a:solidFill>
                 <a:latin typeface="+mn-lt"/>
-              </a:endParaRPr>
-            </a:p>
-          </p:txBody>
-        </p:sp>
-        <p:sp>
-          <p:nvSpPr>
-            <p:cNvPr id="40" name="TextBox 39"/>
-            <p:cNvSpPr txBox="1"/>
-            <p:nvPr/>
-          </p:nvSpPr>
-          <p:spPr>
-            <a:xfrm>
-              <a:off x="3331483" y="4316009"/>
-              <a:ext cx="564578" cy="369332"/>
-            </a:xfrm>
-            <a:prstGeom prst="rect">
-              <a:avLst/>
-            </a:prstGeom>
-            <a:noFill/>
-          </p:spPr>
-          <p:txBody>
-            <a:bodyPr wrap="none" rtlCol="0">
-              <a:spAutoFit/>
-            </a:bodyPr>
-            <a:lstStyle/>
-            <a:p>
-              <a:r>
-                <a:rPr lang="en-US" dirty="0" smtClean="0">
-                  <a:solidFill>
-                    <a:srgbClr val="008000"/>
-                  </a:solidFill>
-                  <a:latin typeface="+mn-lt"/>
-                </a:rPr>
-                <a:t>ID:0</a:t>
-              </a:r>
-              <a:endParaRPr lang="en-US" i="1" dirty="0">
+              </a:rPr>
+              <a:t>ID:0</a:t>
+            </a:r>
+            <a:endParaRPr lang="en-US" sz="1400" i="1" dirty="0">
+              <a:solidFill>
+                <a:srgbClr val="008000"/>
+              </a:solidFill>
+              <a:latin typeface="+mn-lt"/>
+            </a:endParaRPr>
+          </a:p>
+        </p:txBody>
+      </p:sp>
+      <p:sp>
+        <p:nvSpPr>
+          <p:cNvPr id="40" name="TextBox 39"/>
+          <p:cNvSpPr txBox="1"/>
+          <p:nvPr/>
+        </p:nvSpPr>
+        <p:spPr>
+          <a:xfrm>
+            <a:off x="3335736" y="4803722"/>
+            <a:ext cx="522900" cy="307777"/>
+          </a:xfrm>
+          <a:prstGeom prst="rect">
+            <a:avLst/>
+          </a:prstGeom>
+          <a:noFill/>
+        </p:spPr>
+        <p:txBody>
+          <a:bodyPr wrap="none" rtlCol="0">
+            <a:spAutoFit/>
+          </a:bodyPr>
+          <a:lstStyle/>
+          <a:p>
+            <a:r>
+              <a:rPr lang="en-US" sz="1400" dirty="0" smtClean="0">
                 <a:solidFill>
                   <a:srgbClr val="008000"/>
                 </a:solidFill>
                 <a:latin typeface="+mn-lt"/>
-              </a:endParaRPr>
-            </a:p>
-          </p:txBody>
-        </p:sp>
-        <p:sp>
-          <p:nvSpPr>
-            <p:cNvPr id="41" name="TextBox 40"/>
-            <p:cNvSpPr txBox="1"/>
-            <p:nvPr/>
-          </p:nvSpPr>
-          <p:spPr>
-            <a:xfrm>
-              <a:off x="4113946" y="4310081"/>
-              <a:ext cx="564578" cy="369332"/>
-            </a:xfrm>
-            <a:prstGeom prst="rect">
-              <a:avLst/>
-            </a:prstGeom>
-            <a:noFill/>
-          </p:spPr>
-          <p:txBody>
-            <a:bodyPr wrap="none" rtlCol="0">
-              <a:spAutoFit/>
-            </a:bodyPr>
-            <a:lstStyle/>
-            <a:p>
-              <a:r>
-                <a:rPr lang="en-US" dirty="0" smtClean="0">
-                  <a:solidFill>
-                    <a:srgbClr val="0000FF"/>
-                  </a:solidFill>
-                  <a:latin typeface="+mn-lt"/>
-                </a:rPr>
-                <a:t>ID:1</a:t>
-              </a:r>
-              <a:endParaRPr lang="en-US" i="1" dirty="0">
+              </a:rPr>
+              <a:t>ID:0</a:t>
+            </a:r>
+            <a:endParaRPr lang="en-US" sz="1400" i="1" dirty="0">
+              <a:solidFill>
+                <a:srgbClr val="008000"/>
+              </a:solidFill>
+              <a:latin typeface="+mn-lt"/>
+            </a:endParaRPr>
+          </a:p>
+        </p:txBody>
+      </p:sp>
+      <p:sp>
+        <p:nvSpPr>
+          <p:cNvPr id="41" name="TextBox 40"/>
+          <p:cNvSpPr txBox="1"/>
+          <p:nvPr/>
+        </p:nvSpPr>
+        <p:spPr>
+          <a:xfrm>
+            <a:off x="4039514" y="4798912"/>
+            <a:ext cx="522900" cy="307777"/>
+          </a:xfrm>
+          <a:prstGeom prst="rect">
+            <a:avLst/>
+          </a:prstGeom>
+          <a:noFill/>
+        </p:spPr>
+        <p:txBody>
+          <a:bodyPr wrap="none" rtlCol="0">
+            <a:spAutoFit/>
+          </a:bodyPr>
+          <a:lstStyle/>
+          <a:p>
+            <a:r>
+              <a:rPr lang="en-US" sz="1400" dirty="0" smtClean="0">
                 <a:solidFill>
                   <a:srgbClr val="0000FF"/>
                 </a:solidFill>
                 <a:latin typeface="+mn-lt"/>
-              </a:endParaRPr>
-            </a:p>
-          </p:txBody>
-        </p:sp>
-        <p:cxnSp>
-          <p:nvCxnSpPr>
-            <p:cNvPr id="42" name="Straight Arrow Connector 41"/>
-            <p:cNvCxnSpPr/>
-            <p:nvPr/>
-          </p:nvCxnSpPr>
-          <p:spPr bwMode="auto">
-            <a:xfrm>
-              <a:off x="5442121" y="4263777"/>
-              <a:ext cx="0" cy="638078"/>
-            </a:xfrm>
-            <a:prstGeom prst="straightConnector1">
-              <a:avLst/>
-            </a:prstGeom>
+              </a:rPr>
+              <a:t>ID:1</a:t>
+            </a:r>
+            <a:endParaRPr lang="en-US" sz="1400" i="1" dirty="0">
+              <a:solidFill>
+                <a:srgbClr val="0000FF"/>
+              </a:solidFill>
+              <a:latin typeface="+mn-lt"/>
+            </a:endParaRPr>
+          </a:p>
+        </p:txBody>
+      </p:sp>
+      <p:cxnSp>
+        <p:nvCxnSpPr>
+          <p:cNvPr id="42" name="Straight Arrow Connector 41"/>
+          <p:cNvCxnSpPr/>
+          <p:nvPr/>
+        </p:nvCxnSpPr>
+        <p:spPr bwMode="auto">
+          <a:xfrm>
+            <a:off x="5234128" y="4761341"/>
+            <a:ext cx="0" cy="517746"/>
+          </a:xfrm>
+          <a:prstGeom prst="straightConnector1">
+            <a:avLst/>
+          </a:prstGeom>
+          <a:solidFill>
+            <a:srgbClr val="99CCFF"/>
+          </a:solidFill>
+          <a:ln w="38100" cap="flat" cmpd="sng" algn="ctr">
             <a:solidFill>
-              <a:srgbClr val="99CCFF"/>
+              <a:srgbClr val="000090"/>
             </a:solidFill>
-            <a:ln w="38100" cap="flat" cmpd="sng" algn="ctr">
-              <a:solidFill>
-                <a:srgbClr val="000090"/>
-              </a:solidFill>
-              <a:prstDash val="solid"/>
-              <a:round/>
-              <a:headEnd type="none" w="med" len="med"/>
-              <a:tailEnd type="triangle" w="lg" len="med"/>
-            </a:ln>
-            <a:effectLst/>
-            <a:extLst>
-              <a:ext uri="{AF507438-7753-43e0-B8FC-AC1667EBCBE1}">
-                <a14:hiddenEffects xmlns:a14="http://schemas.microsoft.com/office/drawing/2010/main" xmlns="">
-                  <a:effectLst>
-                    <a:outerShdw blurRad="63500" dist="35921" dir="2700000" algn="ctr" rotWithShape="0">
-                      <a:schemeClr val="bg2"/>
-                    </a:outerShdw>
-                  </a:effectLst>
-                </a14:hiddenEffects>
-              </a:ext>
-            </a:extLst>
-          </p:spPr>
-        </p:cxnSp>
-        <p:sp>
-          <p:nvSpPr>
-            <p:cNvPr id="43" name="TextBox 42"/>
-            <p:cNvSpPr txBox="1"/>
-            <p:nvPr/>
-          </p:nvSpPr>
-          <p:spPr>
-            <a:xfrm>
-              <a:off x="4885840" y="4318334"/>
-              <a:ext cx="564578" cy="369332"/>
-            </a:xfrm>
-            <a:prstGeom prst="rect">
-              <a:avLst/>
-            </a:prstGeom>
-            <a:noFill/>
-          </p:spPr>
-          <p:txBody>
-            <a:bodyPr wrap="none" rtlCol="0">
-              <a:spAutoFit/>
-            </a:bodyPr>
-            <a:lstStyle/>
-            <a:p>
-              <a:r>
-                <a:rPr lang="en-US" dirty="0" smtClean="0">
-                  <a:solidFill>
-                    <a:srgbClr val="0000FF"/>
-                  </a:solidFill>
-                  <a:latin typeface="+mn-lt"/>
-                </a:rPr>
-                <a:t>ID:2</a:t>
-              </a:r>
-              <a:endParaRPr lang="en-US" i="1" dirty="0">
+            <a:prstDash val="solid"/>
+            <a:round/>
+            <a:headEnd type="none" w="med" len="med"/>
+            <a:tailEnd type="triangle" w="lg" len="med"/>
+          </a:ln>
+          <a:effectLst/>
+          <a:extLst>
+            <a:ext uri="{AF507438-7753-43e0-B8FC-AC1667EBCBE1}">
+              <a14:hiddenEffects xmlns="" xmlns:a14="http://schemas.microsoft.com/office/drawing/2010/main">
+                <a:effectLst>
+                  <a:outerShdw blurRad="63500" dist="35921" dir="2700000" algn="ctr" rotWithShape="0">
+                    <a:schemeClr val="bg2"/>
+                  </a:outerShdw>
+                </a:effectLst>
+              </a14:hiddenEffects>
+            </a:ext>
+          </a:extLst>
+        </p:spPr>
+      </p:cxnSp>
+      <p:sp>
+        <p:nvSpPr>
+          <p:cNvPr id="43" name="TextBox 42"/>
+          <p:cNvSpPr txBox="1"/>
+          <p:nvPr/>
+        </p:nvSpPr>
+        <p:spPr>
+          <a:xfrm>
+            <a:off x="4733787" y="4805609"/>
+            <a:ext cx="522900" cy="307777"/>
+          </a:xfrm>
+          <a:prstGeom prst="rect">
+            <a:avLst/>
+          </a:prstGeom>
+          <a:noFill/>
+        </p:spPr>
+        <p:txBody>
+          <a:bodyPr wrap="none" rtlCol="0">
+            <a:spAutoFit/>
+          </a:bodyPr>
+          <a:lstStyle/>
+          <a:p>
+            <a:r>
+              <a:rPr lang="en-US" sz="1400" dirty="0" smtClean="0">
                 <a:solidFill>
                   <a:srgbClr val="0000FF"/>
                 </a:solidFill>
                 <a:latin typeface="+mn-lt"/>
-              </a:endParaRPr>
-            </a:p>
-          </p:txBody>
-        </p:sp>
-        <p:cxnSp>
-          <p:nvCxnSpPr>
-            <p:cNvPr id="44" name="Straight Arrow Connector 43"/>
-            <p:cNvCxnSpPr/>
-            <p:nvPr/>
-          </p:nvCxnSpPr>
-          <p:spPr bwMode="auto">
-            <a:xfrm>
-              <a:off x="6177410" y="4248358"/>
-              <a:ext cx="0" cy="638078"/>
-            </a:xfrm>
-            <a:prstGeom prst="straightConnector1">
-              <a:avLst/>
-            </a:prstGeom>
+              </a:rPr>
+              <a:t>ID:2</a:t>
+            </a:r>
+            <a:endParaRPr lang="en-US" sz="1400" i="1" dirty="0">
+              <a:solidFill>
+                <a:srgbClr val="0000FF"/>
+              </a:solidFill>
+              <a:latin typeface="+mn-lt"/>
+            </a:endParaRPr>
+          </a:p>
+        </p:txBody>
+      </p:sp>
+      <p:cxnSp>
+        <p:nvCxnSpPr>
+          <p:cNvPr id="44" name="Straight Arrow Connector 43"/>
+          <p:cNvCxnSpPr/>
+          <p:nvPr/>
+        </p:nvCxnSpPr>
+        <p:spPr bwMode="auto">
+          <a:xfrm>
+            <a:off x="5895476" y="4748829"/>
+            <a:ext cx="0" cy="517746"/>
+          </a:xfrm>
+          <a:prstGeom prst="straightConnector1">
+            <a:avLst/>
+          </a:prstGeom>
+          <a:solidFill>
+            <a:srgbClr val="99CCFF"/>
+          </a:solidFill>
+          <a:ln w="38100" cap="flat" cmpd="sng" algn="ctr">
             <a:solidFill>
-              <a:srgbClr val="99CCFF"/>
+              <a:srgbClr val="000090"/>
             </a:solidFill>
-            <a:ln w="38100" cap="flat" cmpd="sng" algn="ctr">
-              <a:solidFill>
-                <a:srgbClr val="000090"/>
-              </a:solidFill>
-              <a:prstDash val="solid"/>
-              <a:round/>
-              <a:headEnd type="none" w="med" len="med"/>
-              <a:tailEnd type="triangle" w="lg" len="med"/>
-            </a:ln>
-            <a:effectLst/>
-            <a:extLst>
-              <a:ext uri="{AF507438-7753-43e0-B8FC-AC1667EBCBE1}">
-                <a14:hiddenEffects xmlns:a14="http://schemas.microsoft.com/office/drawing/2010/main" xmlns="">
-                  <a:effectLst>
-                    <a:outerShdw blurRad="63500" dist="35921" dir="2700000" algn="ctr" rotWithShape="0">
-                      <a:schemeClr val="bg2"/>
-                    </a:outerShdw>
-                  </a:effectLst>
-                </a14:hiddenEffects>
-              </a:ext>
-            </a:extLst>
-          </p:spPr>
-        </p:cxnSp>
-        <p:sp>
-          <p:nvSpPr>
-            <p:cNvPr id="45" name="TextBox 44"/>
-            <p:cNvSpPr txBox="1"/>
-            <p:nvPr/>
-          </p:nvSpPr>
-          <p:spPr>
-            <a:xfrm>
-              <a:off x="5621129" y="4302915"/>
-              <a:ext cx="564578" cy="369332"/>
-            </a:xfrm>
-            <a:prstGeom prst="rect">
-              <a:avLst/>
-            </a:prstGeom>
-            <a:noFill/>
-          </p:spPr>
-          <p:txBody>
-            <a:bodyPr wrap="none" rtlCol="0">
-              <a:spAutoFit/>
-            </a:bodyPr>
-            <a:lstStyle/>
-            <a:p>
-              <a:r>
-                <a:rPr lang="en-US" dirty="0" smtClean="0">
-                  <a:solidFill>
-                    <a:srgbClr val="0000FF"/>
-                  </a:solidFill>
-                  <a:latin typeface="+mn-lt"/>
-                </a:rPr>
-                <a:t>ID:3</a:t>
-              </a:r>
-              <a:endParaRPr lang="en-US" i="1" dirty="0">
+            <a:prstDash val="solid"/>
+            <a:round/>
+            <a:headEnd type="none" w="med" len="med"/>
+            <a:tailEnd type="triangle" w="lg" len="med"/>
+          </a:ln>
+          <a:effectLst/>
+          <a:extLst>
+            <a:ext uri="{AF507438-7753-43e0-B8FC-AC1667EBCBE1}">
+              <a14:hiddenEffects xmlns="" xmlns:a14="http://schemas.microsoft.com/office/drawing/2010/main">
+                <a:effectLst>
+                  <a:outerShdw blurRad="63500" dist="35921" dir="2700000" algn="ctr" rotWithShape="0">
+                    <a:schemeClr val="bg2"/>
+                  </a:outerShdw>
+                </a:effectLst>
+              </a14:hiddenEffects>
+            </a:ext>
+          </a:extLst>
+        </p:spPr>
+      </p:cxnSp>
+      <p:sp>
+        <p:nvSpPr>
+          <p:cNvPr id="45" name="TextBox 44"/>
+          <p:cNvSpPr txBox="1"/>
+          <p:nvPr/>
+        </p:nvSpPr>
+        <p:spPr>
+          <a:xfrm>
+            <a:off x="5395135" y="4793098"/>
+            <a:ext cx="522900" cy="307777"/>
+          </a:xfrm>
+          <a:prstGeom prst="rect">
+            <a:avLst/>
+          </a:prstGeom>
+          <a:noFill/>
+        </p:spPr>
+        <p:txBody>
+          <a:bodyPr wrap="none" rtlCol="0">
+            <a:spAutoFit/>
+          </a:bodyPr>
+          <a:lstStyle/>
+          <a:p>
+            <a:r>
+              <a:rPr lang="en-US" sz="1400" dirty="0" smtClean="0">
                 <a:solidFill>
                   <a:srgbClr val="0000FF"/>
                 </a:solidFill>
                 <a:latin typeface="+mn-lt"/>
-              </a:endParaRPr>
-            </a:p>
-          </p:txBody>
-        </p:sp>
-        <p:sp>
-          <p:nvSpPr>
-            <p:cNvPr id="46" name="TextBox 45"/>
-            <p:cNvSpPr txBox="1"/>
-            <p:nvPr/>
-          </p:nvSpPr>
-          <p:spPr>
-            <a:xfrm>
-              <a:off x="958580" y="4201621"/>
-              <a:ext cx="1748427" cy="646331"/>
-            </a:xfrm>
-            <a:prstGeom prst="rect">
+              </a:rPr>
+              <a:t>ID:3</a:t>
+            </a:r>
+            <a:endParaRPr lang="en-US" sz="1400" i="1" dirty="0">
+              <a:solidFill>
+                <a:srgbClr val="0000FF"/>
+              </a:solidFill>
+              <a:latin typeface="+mn-lt"/>
+            </a:endParaRPr>
+          </a:p>
+        </p:txBody>
+      </p:sp>
+      <p:sp>
+        <p:nvSpPr>
+          <p:cNvPr id="46" name="TextBox 45"/>
+          <p:cNvSpPr txBox="1"/>
+          <p:nvPr/>
+        </p:nvSpPr>
+        <p:spPr>
+          <a:xfrm>
+            <a:off x="1165254" y="4710906"/>
+            <a:ext cx="1645002" cy="523220"/>
+          </a:xfrm>
+          <a:prstGeom prst="rect">
+            <a:avLst/>
+          </a:prstGeom>
+          <a:noFill/>
+          <a:ln w="12700" cmpd="sng">
+            <a:noFill/>
+          </a:ln>
+        </p:spPr>
+        <p:txBody>
+          <a:bodyPr wrap="none" rtlCol="0">
+            <a:spAutoFit/>
+          </a:bodyPr>
+          <a:lstStyle/>
+          <a:p>
+            <a:pPr algn="ctr"/>
+            <a:r>
+              <a:rPr lang="en-US" sz="1400" i="1" dirty="0" smtClean="0">
+                <a:latin typeface="+mn-lt"/>
+              </a:rPr>
+              <a:t>Threads execute </a:t>
+            </a:r>
+            <a:br>
+              <a:rPr lang="en-US" sz="1400" i="1" dirty="0" smtClean="0">
+                <a:latin typeface="+mn-lt"/>
+              </a:rPr>
+            </a:br>
+            <a:r>
+              <a:rPr lang="en-US" sz="1400" i="1" dirty="0" smtClean="0">
+                <a:latin typeface="+mn-lt"/>
+              </a:rPr>
+              <a:t>simultaneously</a:t>
+            </a:r>
+            <a:endParaRPr lang="en-US" sz="1400" i="1" dirty="0">
+              <a:latin typeface="+mn-lt"/>
+            </a:endParaRPr>
+          </a:p>
+        </p:txBody>
+      </p:sp>
+      <p:sp>
+        <p:nvSpPr>
+          <p:cNvPr id="47" name="TextBox 46"/>
+          <p:cNvSpPr txBox="1"/>
+          <p:nvPr/>
+        </p:nvSpPr>
+        <p:spPr>
+          <a:xfrm>
+            <a:off x="706583" y="5301596"/>
+            <a:ext cx="2758695" cy="524442"/>
+          </a:xfrm>
+          <a:prstGeom prst="rect">
+            <a:avLst/>
+          </a:prstGeom>
+          <a:noFill/>
+          <a:ln w="12700" cmpd="sng">
+            <a:noFill/>
+          </a:ln>
+        </p:spPr>
+        <p:txBody>
+          <a:bodyPr wrap="square" rtlCol="0">
+            <a:spAutoFit/>
+          </a:bodyPr>
+          <a:lstStyle/>
+          <a:p>
+            <a:pPr algn="ctr"/>
+            <a:r>
+              <a:rPr lang="en-US" sz="1400" dirty="0" smtClean="0">
+                <a:latin typeface="+mn-lt"/>
+              </a:rPr>
+              <a:t>Parallel Region Ends</a:t>
+            </a:r>
+            <a:r>
+              <a:rPr lang="en-US" sz="1400" i="1" dirty="0" smtClean="0">
+                <a:latin typeface="+mn-lt"/>
+              </a:rPr>
+              <a:t/>
+            </a:r>
+            <a:br>
+              <a:rPr lang="en-US" sz="1400" i="1" dirty="0" smtClean="0">
+                <a:latin typeface="+mn-lt"/>
+              </a:rPr>
+            </a:br>
+            <a:r>
+              <a:rPr lang="en-US" sz="1400" i="1" dirty="0" smtClean="0">
+                <a:latin typeface="+mn-lt"/>
+              </a:rPr>
+              <a:t>Wait till all threads terminate</a:t>
+            </a:r>
+            <a:endParaRPr lang="en-US" sz="1400" i="1" dirty="0">
+              <a:latin typeface="+mn-lt"/>
+            </a:endParaRPr>
+          </a:p>
+        </p:txBody>
+      </p:sp>
+      <p:sp>
+        <p:nvSpPr>
+          <p:cNvPr id="48" name="TextBox 47"/>
+          <p:cNvSpPr txBox="1"/>
+          <p:nvPr/>
+        </p:nvSpPr>
+        <p:spPr>
+          <a:xfrm>
+            <a:off x="1106988" y="5966505"/>
+            <a:ext cx="1744388" cy="307777"/>
+          </a:xfrm>
+          <a:prstGeom prst="rect">
+            <a:avLst/>
+          </a:prstGeom>
+          <a:noFill/>
+          <a:ln w="12700" cmpd="sng">
+            <a:noFill/>
+          </a:ln>
+        </p:spPr>
+        <p:txBody>
+          <a:bodyPr wrap="none" rtlCol="0">
+            <a:spAutoFit/>
+          </a:bodyPr>
+          <a:lstStyle/>
+          <a:p>
+            <a:r>
+              <a:rPr lang="en-US" sz="1400" dirty="0" smtClean="0">
+                <a:latin typeface="+mn-lt"/>
+              </a:rPr>
+              <a:t>Sequential Region</a:t>
+            </a:r>
+            <a:endParaRPr lang="en-US" sz="1400" dirty="0">
+              <a:latin typeface="+mn-lt"/>
+            </a:endParaRPr>
+          </a:p>
+        </p:txBody>
+      </p:sp>
+      <p:sp>
+        <p:nvSpPr>
+          <p:cNvPr id="49" name="Rounded Rectangle 48"/>
+          <p:cNvSpPr/>
+          <p:nvPr/>
+        </p:nvSpPr>
+        <p:spPr bwMode="auto">
+          <a:xfrm>
+            <a:off x="706583" y="3607208"/>
+            <a:ext cx="7622315" cy="2762419"/>
+          </a:xfrm>
+          <a:prstGeom prst="roundRect">
+            <a:avLst/>
+          </a:prstGeom>
+          <a:solidFill>
+            <a:srgbClr val="99CCFF">
+              <a:alpha val="15000"/>
+            </a:srgbClr>
+          </a:solidFill>
+          <a:ln w="9525" cap="flat" cmpd="sng" algn="ctr">
+            <a:solidFill>
+              <a:schemeClr val="tx1">
+                <a:alpha val="21000"/>
+              </a:schemeClr>
+            </a:solidFill>
+            <a:prstDash val="solid"/>
+            <a:round/>
+            <a:headEnd type="none" w="med" len="med"/>
+            <a:tailEnd type="none" w="med" len="med"/>
+          </a:ln>
+          <a:effectLst/>
+          <a:extLst/>
+        </p:spPr>
+        <p:txBody>
+          <a:bodyPr vert="horz" wrap="none" lIns="91440" tIns="45720" rIns="91440" bIns="45720" numCol="1" rtlCol="0" anchor="ctr" anchorCtr="0" compatLnSpc="1">
+            <a:prstTxWarp prst="textNoShape">
               <a:avLst/>
-            </a:prstGeom>
-            <a:noFill/>
-            <a:ln w="12700" cmpd="sng">
-              <a:noFill/>
-            </a:ln>
-          </p:spPr>
-          <p:txBody>
-            <a:bodyPr wrap="none" rtlCol="0">
-              <a:spAutoFit/>
-            </a:bodyPr>
-            <a:lstStyle/>
-            <a:p>
-              <a:pPr algn="ctr"/>
-              <a:r>
-                <a:rPr lang="en-US" i="1" dirty="0" smtClean="0">
-                  <a:latin typeface="+mn-lt"/>
-                </a:rPr>
-                <a:t>Threads execute </a:t>
-              </a:r>
-              <a:br>
-                <a:rPr lang="en-US" i="1" dirty="0" smtClean="0">
-                  <a:latin typeface="+mn-lt"/>
-                </a:rPr>
-              </a:br>
-              <a:r>
-                <a:rPr lang="en-US" i="1" dirty="0" smtClean="0">
-                  <a:latin typeface="+mn-lt"/>
-                </a:rPr>
-                <a:t>simultaneously</a:t>
-              </a:r>
-              <a:endParaRPr lang="en-US" i="1" dirty="0">
-                <a:latin typeface="+mn-lt"/>
-              </a:endParaRPr>
-            </a:p>
-          </p:txBody>
-        </p:sp>
-        <p:sp>
-          <p:nvSpPr>
-            <p:cNvPr id="47" name="TextBox 46"/>
-            <p:cNvSpPr txBox="1"/>
-            <p:nvPr/>
-          </p:nvSpPr>
-          <p:spPr>
-            <a:xfrm>
-              <a:off x="408383" y="4929596"/>
-              <a:ext cx="3067125" cy="646331"/>
-            </a:xfrm>
-            <a:prstGeom prst="rect">
-              <a:avLst/>
-            </a:prstGeom>
-            <a:noFill/>
-            <a:ln w="12700" cmpd="sng">
-              <a:noFill/>
-            </a:ln>
-          </p:spPr>
-          <p:txBody>
-            <a:bodyPr wrap="square" rtlCol="0">
-              <a:spAutoFit/>
-            </a:bodyPr>
-            <a:lstStyle/>
-            <a:p>
-              <a:pPr algn="ctr"/>
-              <a:r>
-                <a:rPr lang="en-US" dirty="0" smtClean="0">
-                  <a:latin typeface="+mn-lt"/>
-                </a:rPr>
-                <a:t>Parallel Region Ends</a:t>
-              </a:r>
-              <a:r>
-                <a:rPr lang="en-US" i="1" dirty="0" smtClean="0">
-                  <a:latin typeface="+mn-lt"/>
-                </a:rPr>
-                <a:t/>
-              </a:r>
-              <a:br>
-                <a:rPr lang="en-US" i="1" dirty="0" smtClean="0">
-                  <a:latin typeface="+mn-lt"/>
-                </a:rPr>
-              </a:br>
-              <a:r>
-                <a:rPr lang="en-US" i="1" dirty="0" smtClean="0">
-                  <a:latin typeface="+mn-lt"/>
-                </a:rPr>
-                <a:t>Wait till all threads terminate</a:t>
-              </a:r>
-              <a:endParaRPr lang="en-US" i="1" dirty="0">
-                <a:latin typeface="+mn-lt"/>
-              </a:endParaRPr>
-            </a:p>
-          </p:txBody>
-        </p:sp>
-        <p:sp>
-          <p:nvSpPr>
-            <p:cNvPr id="48" name="TextBox 47"/>
-            <p:cNvSpPr txBox="1"/>
-            <p:nvPr/>
-          </p:nvSpPr>
-          <p:spPr>
-            <a:xfrm>
-              <a:off x="853554" y="5749040"/>
-              <a:ext cx="1872885" cy="369332"/>
-            </a:xfrm>
-            <a:prstGeom prst="rect">
-              <a:avLst/>
-            </a:prstGeom>
-            <a:noFill/>
-            <a:ln w="12700" cmpd="sng">
-              <a:noFill/>
-            </a:ln>
-          </p:spPr>
-          <p:txBody>
-            <a:bodyPr wrap="none" rtlCol="0">
-              <a:spAutoFit/>
-            </a:bodyPr>
-            <a:lstStyle/>
-            <a:p>
-              <a:r>
-                <a:rPr lang="en-US" dirty="0" smtClean="0">
-                  <a:latin typeface="+mn-lt"/>
-                </a:rPr>
-                <a:t>Sequential Region</a:t>
-              </a:r>
-              <a:endParaRPr lang="en-US" dirty="0">
-                <a:latin typeface="+mn-lt"/>
-              </a:endParaRPr>
-            </a:p>
-          </p:txBody>
-        </p:sp>
-        <p:sp>
-          <p:nvSpPr>
-            <p:cNvPr id="49" name="Rounded Rectangle 48"/>
-            <p:cNvSpPr/>
-            <p:nvPr/>
-          </p:nvSpPr>
-          <p:spPr bwMode="auto">
-            <a:xfrm>
-              <a:off x="408383" y="2841406"/>
-              <a:ext cx="8474513" cy="3404448"/>
-            </a:xfrm>
-            <a:prstGeom prst="roundRect">
-              <a:avLst/>
-            </a:prstGeom>
-            <a:solidFill>
-              <a:srgbClr val="99CCFF">
-                <a:alpha val="15000"/>
-              </a:srgbClr>
-            </a:solidFill>
-            <a:ln w="9525" cap="flat" cmpd="sng" algn="ctr">
+            </a:prstTxWarp>
+          </a:bodyPr>
+          <a:lstStyle/>
+          <a:p>
+            <a:pPr marL="0" marR="0" indent="0" algn="ctr" defTabSz="914400" rtl="0" eaLnBrk="1" fontAlgn="base" latinLnBrk="0" hangingPunct="1">
+              <a:lnSpc>
+                <a:spcPct val="100000"/>
+              </a:lnSpc>
+              <a:spcBef>
+                <a:spcPct val="0"/>
+              </a:spcBef>
+              <a:spcAft>
+                <a:spcPct val="0"/>
+              </a:spcAft>
+              <a:buClrTx/>
+              <a:buSzTx/>
+              <a:buFontTx/>
+              <a:buNone/>
+              <a:tabLst/>
+            </a:pPr>
+            <a:endParaRPr kumimoji="0" lang="en-US" sz="1400" b="0" i="0" u="none" strike="noStrike" cap="none" normalizeH="0" baseline="0" dirty="0">
+              <a:ln>
+                <a:noFill/>
+              </a:ln>
               <a:solidFill>
-                <a:schemeClr val="tx1">
-                  <a:alpha val="21000"/>
-                </a:schemeClr>
+                <a:schemeClr val="tx1"/>
               </a:solidFill>
-              <a:prstDash val="solid"/>
-              <a:round/>
-              <a:headEnd type="none" w="med" len="med"/>
-              <a:tailEnd type="none" w="med" len="med"/>
-            </a:ln>
-            <a:effectLst/>
-            <a:extLst/>
-          </p:spPr>
-          <p:txBody>
-            <a:bodyPr vert="horz" wrap="none" lIns="91440" tIns="45720" rIns="91440" bIns="45720" numCol="1" rtlCol="0" anchor="ctr" anchorCtr="0" compatLnSpc="1">
-              <a:prstTxWarp prst="textNoShape">
-                <a:avLst/>
-              </a:prstTxWarp>
-            </a:bodyPr>
-            <a:lstStyle/>
-            <a:p>
-              <a:pPr marL="0" marR="0" indent="0" algn="ctr" defTabSz="914400" rtl="0" eaLnBrk="1" fontAlgn="base" latinLnBrk="0" hangingPunct="1">
-                <a:lnSpc>
-                  <a:spcPct val="100000"/>
-                </a:lnSpc>
-                <a:spcBef>
-                  <a:spcPct val="0"/>
-                </a:spcBef>
-                <a:spcAft>
-                  <a:spcPct val="0"/>
-                </a:spcAft>
-                <a:buClrTx/>
-                <a:buSzTx/>
-                <a:buFontTx/>
-                <a:buNone/>
-                <a:tabLst/>
-              </a:pPr>
-              <a:endParaRPr kumimoji="0" lang="en-US" sz="1800" b="0" i="0" u="none" strike="noStrike" cap="none" normalizeH="0" baseline="0" dirty="0">
-                <a:ln>
-                  <a:noFill/>
-                </a:ln>
-                <a:solidFill>
-                  <a:schemeClr val="tx1"/>
-                </a:solidFill>
-                <a:effectLst/>
-                <a:latin typeface="+mn-lt"/>
-                <a:ea typeface="ＭＳ Ｐゴシック" charset="0"/>
-              </a:endParaRPr>
-            </a:p>
-          </p:txBody>
-        </p:sp>
-      </p:grpSp>
+              <a:effectLst/>
+              <a:latin typeface="+mn-lt"/>
+              <a:ea typeface="ＭＳ Ｐゴシック" charset="0"/>
+            </a:endParaRPr>
+          </a:p>
+        </p:txBody>
+      </p:sp>
     </p:spTree>
   </p:cSld>
   <p:clrMapOvr>
@@ -17628,12 +17822,8 @@
           <a:lstStyle/>
           <a:p>
             <a:r>
-              <a:rPr lang="en-US" sz="3200" dirty="0" smtClean="0">
-                <a:solidFill>
-                  <a:schemeClr val="tx2"/>
-                </a:solidFill>
-              </a:rPr>
-              <a:t>Examples of Partitions Methods</a:t>
+              <a:rPr lang="en-US" dirty="0" smtClean="0"/>
+              <a:t>Examples of Partition Methods</a:t>
             </a:r>
           </a:p>
         </p:txBody>
@@ -17669,7 +17859,7 @@
                   <a:schemeClr val="tx2"/>
                 </a:solidFill>
               </a:rPr>
-              <a:t>Function driven</a:t>
+              <a:t>Function-driven Partition</a:t>
             </a:r>
           </a:p>
           <a:p>
@@ -17695,7 +17885,7 @@
                   <a:schemeClr val="tx2"/>
                 </a:solidFill>
               </a:rPr>
-              <a:t>Data driven</a:t>
+              <a:t>Data-driven Partition</a:t>
             </a:r>
           </a:p>
           <a:p>
@@ -17769,7 +17959,7 @@
                   <a:schemeClr val="tx2"/>
                 </a:solidFill>
               </a:rPr>
-              <a:t>Example1: </a:t>
+              <a:t>Example 1: </a:t>
             </a:r>
             <a:r>
               <a:rPr lang="en-US" sz="2800" dirty="0" smtClean="0">
@@ -17867,7 +18057,7 @@
               <a:rPr lang="en-US" altLang="zh-CN" sz="2800" dirty="0" smtClean="0">
                 <a:ea typeface="SimSun" charset="-122"/>
               </a:rPr>
-              <a:t>Function driven partition </a:t>
+              <a:t>Function-driven Partition </a:t>
             </a:r>
             <a:r>
               <a:rPr lang="en-US" altLang="zh-CN" sz="2800" dirty="0" smtClean="0">
@@ -17986,7 +18176,6 @@
               <a:rPr lang="en-US" sz="3200" dirty="0" smtClean="0"/>
               <a:t>Video Compression Algorithm</a:t>
             </a:r>
-            <a:endParaRPr lang="en-US" sz="3200" dirty="0" smtClean="0"/>
           </a:p>
         </p:txBody>
       </p:sp>
@@ -18001,7 +18190,7 @@
         <p:spPr bwMode="auto">
           <a:xfrm>
             <a:off x="333375" y="887413"/>
-            <a:ext cx="8467725" cy="2541587"/>
+            <a:ext cx="8557532" cy="2541587"/>
           </a:xfrm>
           <a:prstGeom prst="rect">
             <a:avLst/>
@@ -18067,7 +18256,28 @@
                 <a:uFillTx/>
                 <a:latin typeface="+mn-lt"/>
               </a:rPr>
-              <a:t> done frame after frame</a:t>
+              <a:t> </a:t>
+            </a:r>
+            <a:r>
+              <a:rPr lang="en-US" sz="2400" b="0" kern="0" dirty="0" smtClean="0">
+                <a:latin typeface="+mn-lt"/>
+              </a:rPr>
+              <a:t>performed</a:t>
+            </a:r>
+            <a:r>
+              <a:rPr kumimoji="0" lang="en-US" sz="2400" b="0" i="0" u="none" strike="noStrike" kern="0" cap="none" spc="0" normalizeH="0" noProof="0" dirty="0" smtClean="0">
+                <a:ln>
+                  <a:noFill/>
+                </a:ln>
+                <a:solidFill>
+                  <a:schemeClr val="tx1"/>
+                </a:solidFill>
+                <a:effectLst/>
+                <a:uLnTx/>
+                <a:uFillTx/>
+                <a:latin typeface="+mn-lt"/>
+              </a:rPr>
+              <a:t> frame after frame.</a:t>
             </a:r>
           </a:p>
           <a:p>
@@ -18092,7 +18302,7 @@
               <a:rPr lang="en-US" sz="2400" b="0" kern="0" baseline="0" dirty="0" smtClean="0">
                 <a:latin typeface="+mn-lt"/>
               </a:rPr>
-              <a:t>Within a frame, the processing is done row after row</a:t>
+              <a:t>Within a frame, the processing is done row after row.</a:t>
             </a:r>
             <a:endParaRPr kumimoji="0" lang="en-US" sz="2400" b="0" i="0" u="none" strike="noStrike" kern="0" cap="none" spc="0" normalizeH="0" baseline="0" noProof="0" dirty="0" smtClean="0">
               <a:ln>
@@ -18138,7 +18348,37 @@
                 <a:uFillTx/>
                 <a:latin typeface="+mn-lt"/>
               </a:rPr>
-              <a:t>Video compression is done on Macroblocks (16x16 pixels)</a:t>
+              <a:t>Video compression is done on </a:t>
+            </a:r>
+            <a:r>
+              <a:rPr kumimoji="0" lang="en-US" sz="2400" b="0" i="0" u="none" strike="noStrike" kern="0" cap="none" spc="0" normalizeH="0" baseline="0" noProof="0" dirty="0" err="1" smtClean="0">
+                <a:ln>
+                  <a:noFill/>
+                </a:ln>
+                <a:solidFill>
+                  <a:schemeClr val="tx1"/>
+                </a:solidFill>
+                <a:effectLst/>
+                <a:uLnTx/>
+                <a:uFillTx/>
+                <a:latin typeface="+mn-lt"/>
+              </a:rPr>
+              <a:t>macroblocks</a:t>
+            </a:r>
+            <a:r>
+              <a:rPr kumimoji="0" lang="en-US" sz="2400" b="0" i="0" u="none" strike="noStrike" kern="0" cap="none" spc="0" normalizeH="0" baseline="0" noProof="0" dirty="0" smtClean="0">
+                <a:ln>
+                  <a:noFill/>
+                </a:ln>
+                <a:solidFill>
+                  <a:schemeClr val="tx1"/>
+                </a:solidFill>
+                <a:effectLst/>
+                <a:uLnTx/>
+                <a:uFillTx/>
+                <a:latin typeface="+mn-lt"/>
+              </a:rPr>
+              <a:t> (16x16 pixels).</a:t>
             </a:r>
           </a:p>
           <a:p>
@@ -18163,7 +18403,18 @@
               <a:rPr lang="en-US" sz="2400" b="0" kern="0" dirty="0" smtClean="0">
                 <a:latin typeface="+mn-lt"/>
               </a:rPr>
-              <a:t>Video compression can be divided into three parts – pre processing, main processing and post processing</a:t>
+              <a:t>Video compression can be divided into three parts:</a:t>
+            </a:r>
+            <a:br>
+              <a:rPr lang="en-US" sz="2400" b="0" kern="0" dirty="0" smtClean="0">
+                <a:latin typeface="+mn-lt"/>
+              </a:rPr>
+            </a:br>
+            <a:r>
+              <a:rPr lang="en-US" sz="2400" b="0" kern="0" dirty="0" smtClean="0">
+                <a:latin typeface="+mn-lt"/>
+              </a:rPr>
+              <a:t>pre-processing, main processing and post-processing</a:t>
             </a:r>
             <a:endParaRPr kumimoji="0" lang="en-US" sz="2400" b="0" i="0" u="none" strike="noStrike" kern="0" cap="none" spc="0" normalizeH="0" baseline="0" noProof="0" dirty="0" smtClean="0">
               <a:ln>
@@ -18299,7 +18550,6 @@
               <a:rPr lang="en-US" sz="3000" dirty="0" smtClean="0"/>
               <a:t>Dependencies and limitations</a:t>
             </a:r>
-            <a:endParaRPr lang="en-US" sz="3000" dirty="0" smtClean="0"/>
           </a:p>
         </p:txBody>
       </p:sp>
@@ -18325,29 +18575,28 @@
           <a:p>
             <a:r>
               <a:rPr lang="en-US" sz="2000" dirty="0" smtClean="0"/>
-              <a:t>Pre-processing can not work on frame (N) before frame (N-1) is done, but there is no dependency between macroblock, that is, multiple core can divide the input data for the preprocessing</a:t>
-            </a:r>
-          </a:p>
-          <a:p>
+              <a:t>Pre-processing cannot work on frame (N) before frame (N-1) is done, but there is no dependency between </a:t>
+            </a:r>
+            <a:r>
+              <a:rPr lang="en-US" sz="2000" dirty="0" err="1" smtClean="0"/>
+              <a:t>macroblock</a:t>
+            </a:r>
             <a:r>
               <a:rPr lang="en-US" sz="2000" dirty="0" smtClean="0"/>
-              <a:t>Main-processing </a:t>
-            </a:r>
+              <a:t>, That is, multiple cores can divide the input data for the preprocessing.</a:t>
+            </a:r>
+          </a:p>
+          <a:p>
             <a:r>
               <a:rPr lang="en-US" sz="2000" dirty="0" smtClean="0"/>
-              <a:t>can not work on frame (N) before frame (N-1) is done, </a:t>
-            </a:r>
+              <a:t>Main processing cannot work on frame (N) before frame (N-1) is done, and each macroblock depends on the macroblocks above and to left. That is, there is no way to use multiple cores on main processing. </a:t>
+            </a:r>
+          </a:p>
+          <a:p>
             <a:r>
               <a:rPr lang="en-US" sz="2000" dirty="0" smtClean="0"/>
-              <a:t>and each macroblock depends on the macroblocks above and to left, that is, no way to use multiple cores on main processing </a:t>
-            </a:r>
-          </a:p>
-          <a:p>
-            <a:r>
-              <a:rPr lang="en-US" sz="2000" dirty="0" smtClean="0"/>
-              <a:t>Post processing must work on complete frame, but there is no dependency between consecutive frames, that is, post processing can process frame(N) before frame (N-1) is done</a:t>
-            </a:r>
-            <a:endParaRPr lang="en-US" sz="2000" dirty="0" smtClean="0"/>
+              <a:t>Post processing must work on complete frame, but there is no dependency between consecutive frames. That is, post processing can process frame(N) before frame (N-1) is done.</a:t>
+            </a:r>
           </a:p>
           <a:p>
             <a:endParaRPr lang="en-US" sz="2000" dirty="0" smtClean="0"/>
@@ -20995,20 +21244,8 @@
                           <a:ea typeface="Calibri" pitchFamily="34" charset="0"/>
                           <a:cs typeface="Times New Roman" pitchFamily="18" charset="0"/>
                         </a:rPr>
-                        <a:t>Pre=Processing</a:t>
+                        <a:t>Pre-Processing</a:t>
                       </a:r>
-                      <a:endParaRPr kumimoji="0" lang="en-US" sz="1200" b="0" i="0" u="none" strike="noStrike" cap="none" normalizeH="0" baseline="0" dirty="0" smtClean="0">
-                        <a:ln>
-                          <a:noFill/>
-                        </a:ln>
-                        <a:solidFill>
-                          <a:schemeClr val="tx1"/>
-                        </a:solidFill>
-                        <a:effectLst/>
-                        <a:latin typeface="Calibri" pitchFamily="34" charset="0"/>
-                        <a:ea typeface="Calibri" pitchFamily="34" charset="0"/>
-                        <a:cs typeface="Times New Roman" pitchFamily="18" charset="0"/>
-                      </a:endParaRPr>
                     </a:p>
                   </a:txBody>
                   <a:tcPr marL="68580" marR="68580" marT="0" marB="0" horzOverflow="overflow">
@@ -21347,18 +21584,6 @@
                         </a:rPr>
                         <a:t>Main Processing</a:t>
                       </a:r>
-                      <a:endParaRPr kumimoji="0" lang="en-US" sz="1200" b="0" i="0" u="none" strike="noStrike" cap="none" normalizeH="0" baseline="0" dirty="0" smtClean="0">
-                        <a:ln>
-                          <a:noFill/>
-                        </a:ln>
-                        <a:solidFill>
-                          <a:schemeClr val="tx1"/>
-                        </a:solidFill>
-                        <a:effectLst/>
-                        <a:latin typeface="Calibri" pitchFamily="34" charset="0"/>
-                        <a:ea typeface="Calibri" pitchFamily="34" charset="0"/>
-                        <a:cs typeface="Times New Roman" pitchFamily="18" charset="0"/>
-                      </a:endParaRPr>
                     </a:p>
                   </a:txBody>
                   <a:tcPr marL="68580" marR="68580" marT="0" marB="0" horzOverflow="overflow">
@@ -21443,18 +21668,6 @@
                         </a:rPr>
                         <a:t>~25%</a:t>
                       </a:r>
-                      <a:endParaRPr kumimoji="0" lang="en-US" sz="1200" b="0" i="0" u="none" strike="noStrike" cap="none" normalizeH="0" baseline="0" dirty="0" smtClean="0">
-                        <a:ln>
-                          <a:noFill/>
-                        </a:ln>
-                        <a:solidFill>
-                          <a:schemeClr val="tx1"/>
-                        </a:solidFill>
-                        <a:effectLst/>
-                        <a:latin typeface="Calibri" pitchFamily="34" charset="0"/>
-                        <a:ea typeface="Calibri" pitchFamily="34" charset="0"/>
-                        <a:cs typeface="Times New Roman" pitchFamily="18" charset="0"/>
-                      </a:endParaRPr>
                     </a:p>
                   </a:txBody>
                   <a:tcPr marL="68580" marR="68580" marT="0" marB="0" horzOverflow="overflow">
@@ -21539,18 +21752,6 @@
                         </a:rPr>
                         <a:t>875</a:t>
                       </a:r>
-                      <a:endParaRPr kumimoji="0" lang="en-US" sz="1200" b="0" i="0" u="none" strike="noStrike" cap="none" normalizeH="0" baseline="0" dirty="0" smtClean="0">
-                        <a:ln>
-                          <a:noFill/>
-                        </a:ln>
-                        <a:solidFill>
-                          <a:schemeClr val="tx1"/>
-                        </a:solidFill>
-                        <a:effectLst/>
-                        <a:latin typeface="Calibri" pitchFamily="34" charset="0"/>
-                        <a:ea typeface="Calibri" pitchFamily="34" charset="0"/>
-                        <a:cs typeface="Times New Roman" pitchFamily="18" charset="0"/>
-                      </a:endParaRPr>
                     </a:p>
                   </a:txBody>
                   <a:tcPr marL="68580" marR="68580" marT="0" marB="0" horzOverflow="overflow">
@@ -21635,18 +21836,6 @@
                         </a:rPr>
                         <a:t>1</a:t>
                       </a:r>
-                      <a:endParaRPr kumimoji="0" lang="en-US" sz="1200" b="0" i="0" u="none" strike="noStrike" cap="none" normalizeH="0" baseline="0" dirty="0" smtClean="0">
-                        <a:ln>
-                          <a:noFill/>
-                        </a:ln>
-                        <a:solidFill>
-                          <a:schemeClr val="tx1"/>
-                        </a:solidFill>
-                        <a:effectLst/>
-                        <a:latin typeface="Calibri" pitchFamily="34" charset="0"/>
-                        <a:ea typeface="Calibri" pitchFamily="34" charset="0"/>
-                        <a:cs typeface="Times New Roman" pitchFamily="18" charset="0"/>
-                      </a:endParaRPr>
                     </a:p>
                   </a:txBody>
                   <a:tcPr marL="68580" marR="68580" marT="0" marB="0" horzOverflow="overflow">
@@ -21731,7 +21920,7 @@
                           <a:ea typeface="Calibri" pitchFamily="34" charset="0"/>
                           <a:cs typeface="Times New Roman" pitchFamily="18" charset="0"/>
                         </a:rPr>
-                        <a:t>Entropy Encoder</a:t>
+                        <a:t>Post-Processing</a:t>
                       </a:r>
                     </a:p>
                   </a:txBody>
@@ -22194,37 +22383,22 @@
             <a:pPr lvl="1"/>
             <a:r>
               <a:rPr lang="en-US" dirty="0" smtClean="0"/>
-              <a:t>Two cores for </a:t>
-            </a:r>
+              <a:t>Two cores for pre-processing</a:t>
+            </a:r>
+          </a:p>
+          <a:p>
+            <a:pPr lvl="1"/>
             <a:r>
               <a:rPr lang="en-US" dirty="0" smtClean="0"/>
-              <a:t>pre-processing</a:t>
-            </a:r>
-            <a:endParaRPr lang="en-US" dirty="0" smtClean="0"/>
+              <a:t>One core for main processing</a:t>
+            </a:r>
           </a:p>
           <a:p>
             <a:pPr lvl="1"/>
             <a:r>
               <a:rPr lang="en-US" dirty="0" smtClean="0"/>
-              <a:t>One core for </a:t>
-            </a:r>
-            <a:r>
-              <a:rPr lang="en-US" dirty="0" smtClean="0"/>
-              <a:t>main-processing</a:t>
-            </a:r>
-            <a:endParaRPr lang="en-US" dirty="0" smtClean="0"/>
-          </a:p>
-          <a:p>
-            <a:pPr lvl="1"/>
-            <a:r>
-              <a:rPr lang="en-US" dirty="0" smtClean="0"/>
-              <a:t>One core for </a:t>
-            </a:r>
-            <a:r>
-              <a:rPr lang="en-US" dirty="0" smtClean="0"/>
-              <a:t>post-processing</a:t>
-            </a:r>
-            <a:endParaRPr lang="en-US" dirty="0" smtClean="0"/>
+              <a:t>One core for post-processing</a:t>
+            </a:r>
           </a:p>
           <a:p>
             <a:r>
@@ -22264,7 +22438,7 @@
             <a:pPr lvl="1"/>
             <a:r>
               <a:rPr lang="en-US" dirty="0" smtClean="0"/>
-              <a:t>Synchronization between cores, especially if trying to minimize delay</a:t>
+              <a:t>Synchronization between cores, especially when trying to minimize delay</a:t>
             </a:r>
           </a:p>
         </p:txBody>
@@ -22373,7 +22547,7 @@
             <a:pPr lvl="1"/>
             <a:r>
               <a:rPr lang="en-US" sz="2000" dirty="0" smtClean="0"/>
-              <a:t>NOTE: The order of raw data for a frame is Y component first, followed by U and V</a:t>
+              <a:t>NOTE: The order of raw data for a frame is Y component first, followed by U and V.</a:t>
             </a:r>
           </a:p>
           <a:p>
@@ -22386,7 +22560,15 @@
             <a:pPr lvl="1"/>
             <a:r>
               <a:rPr lang="en-US" sz="2000" dirty="0" smtClean="0"/>
-              <a:t>One SRIO lane (5 Gbps raw, about 3.5 Gbps of payload), </a:t>
+              <a:t>One SRIO lane (5 </a:t>
+            </a:r>
+            <a:r>
+              <a:rPr lang="en-US" sz="2000" dirty="0" err="1" smtClean="0"/>
+              <a:t>Gbps</a:t>
+            </a:r>
+            <a:r>
+              <a:rPr lang="en-US" sz="2000" dirty="0" smtClean="0"/>
+              <a:t> raw; Approximately 3.5 Gbps of payload), </a:t>
             </a:r>
           </a:p>
           <a:p>
@@ -22503,15 +22685,7 @@
             </a:pPr>
             <a:r>
               <a:rPr lang="en-US" sz="2400" dirty="0" smtClean="0"/>
-              <a:t>All other accesses </a:t>
-            </a:r>
-            <a:r>
-              <a:rPr lang="en-US" sz="2400" dirty="0" smtClean="0"/>
-              <a:t>are </a:t>
-            </a:r>
-            <a:r>
-              <a:rPr lang="en-US" sz="2400" dirty="0" smtClean="0"/>
-              <a:t>negligible.</a:t>
+              <a:t>All other accesses are negligible.</a:t>
             </a:r>
             <a:endParaRPr lang="en-US" dirty="0" smtClean="0"/>
           </a:p>
@@ -22523,24 +22697,12 @@
             </a:pPr>
             <a:r>
               <a:rPr lang="en-US" sz="2400" dirty="0" smtClean="0"/>
-              <a:t>Requirements for processing a single frame:</a:t>
-            </a:r>
-          </a:p>
-          <a:p>
-            <a:pPr lvl="1">
-              <a:lnSpc>
-                <a:spcPct val="80000"/>
-              </a:lnSpc>
-            </a:pPr>
-            <a:r>
-              <a:rPr lang="en-US" sz="2000" b="1" dirty="0" smtClean="0"/>
-              <a:t>Total </a:t>
-            </a:r>
-            <a:r>
-              <a:rPr lang="en-US" sz="2000" b="1" dirty="0" smtClean="0"/>
-              <a:t>DDR access for a single frame is less than 32 MB.</a:t>
-            </a:r>
-            <a:endParaRPr lang="en-US" b="1" dirty="0" smtClean="0"/>
+              <a:t>Requirements for processing a single frame: </a:t>
+            </a:r>
+            <a:r>
+              <a:rPr lang="en-US" sz="2400" b="1" dirty="0" smtClean="0"/>
+              <a:t>Total DDR access for a single frame is less than 32 MB.</a:t>
+            </a:r>
           </a:p>
         </p:txBody>
       </p:sp>
@@ -22588,7 +22750,7 @@
         </p:nvSpPr>
         <p:spPr>
           <a:xfrm>
-            <a:off x="453953" y="841664"/>
+            <a:off x="453953" y="278976"/>
             <a:ext cx="8229600" cy="762000"/>
           </a:xfrm>
         </p:spPr>
@@ -22611,8 +22773,8 @@
         </p:nvSpPr>
         <p:spPr>
           <a:xfrm>
-            <a:off x="720518" y="1883401"/>
-            <a:ext cx="8115138" cy="4299190"/>
+            <a:off x="539654" y="1732681"/>
+            <a:ext cx="8115138" cy="3321645"/>
           </a:xfrm>
           <a:prstGeom prst="rect">
             <a:avLst/>
@@ -22620,7 +22782,7 @@
           <a:noFill/>
         </p:spPr>
         <p:txBody>
-          <a:bodyPr wrap="none" rtlCol="0" anchor="ctr" anchorCtr="0">
+          <a:bodyPr wrap="square" rtlCol="0" anchor="t" anchorCtr="0">
             <a:noAutofit/>
           </a:bodyPr>
           <a:lstStyle/>
@@ -22629,13 +22791,20 @@
               <a:lnSpc>
                 <a:spcPct val="120000"/>
               </a:lnSpc>
-              <a:buClr>
-                <a:schemeClr val="tx2"/>
-              </a:buClr>
-              <a:buSzPct val="75000"/>
-              <a:buFont typeface="Wingdings"/>
-              <a:buChar char=""/>
-            </a:pPr>
+              <a:buSzPct val="100000"/>
+              <a:buFont typeface="Arial" pitchFamily="34" charset="0"/>
+              <a:buChar char="•"/>
+            </a:pPr>
+            <a:r>
+              <a:rPr lang="en-US" sz="2800" dirty="0" smtClean="0">
+                <a:solidFill>
+                  <a:schemeClr val="dk1"/>
+                </a:solidFill>
+                <a:effectLst/>
+                <a:latin typeface="Calibri" pitchFamily="34" charset="0"/>
+              </a:rPr>
+              <a:t>Parallel Processing </a:t>
+            </a:r>
             <a:r>
               <a:rPr lang="en-US" sz="2800" b="0" dirty="0" smtClean="0">
                 <a:solidFill>
@@ -22644,26 +22813,15 @@
                 <a:effectLst/>
                 <a:latin typeface="Calibri" pitchFamily="34" charset="0"/>
               </a:rPr>
-              <a:t>Paralell Processing –</a:t>
-            </a:r>
-          </a:p>
-          <a:p>
-            <a:pPr marL="342900" indent="-342900">
-              <a:lnSpc>
-                <a:spcPct val="120000"/>
-              </a:lnSpc>
-              <a:buClr>
-                <a:schemeClr val="tx2"/>
-              </a:buClr>
-              <a:buSzPct val="75000"/>
-            </a:pPr>
+              <a:t>refers to the </a:t>
+            </a:r>
             <a:r>
               <a:rPr lang="en-US" altLang="zh-CN" sz="2800" b="0" dirty="0" smtClean="0">
                 <a:latin typeface="Calibri" pitchFamily="34" charset="0"/>
                 <a:ea typeface="SimSun" charset="-122"/>
                 <a:cs typeface="Calibri" pitchFamily="34" charset="0"/>
               </a:rPr>
-              <a:t>		The usage of simultaneous processors to execute </a:t>
+              <a:t>usage of simultaneous processors to execute an application or multiple computational threads.</a:t>
             </a:r>
           </a:p>
           <a:p>
@@ -22671,32 +22829,19 @@
               <a:lnSpc>
                 <a:spcPct val="120000"/>
               </a:lnSpc>
-              <a:buClr>
-                <a:schemeClr val="tx2"/>
-              </a:buClr>
-              <a:buSzPct val="75000"/>
-            </a:pPr>
-            <a:r>
-              <a:rPr lang="en-US" altLang="zh-CN" sz="2800" b="0" dirty="0" smtClean="0">
+              <a:buSzPct val="100000"/>
+              <a:buFont typeface="Arial" pitchFamily="34" charset="0"/>
+              <a:buChar char="•"/>
+            </a:pPr>
+            <a:r>
+              <a:rPr lang="en-US" sz="2800" dirty="0" smtClean="0">
+                <a:solidFill>
+                  <a:schemeClr val="dk1"/>
+                </a:solidFill>
                 <a:latin typeface="Calibri" pitchFamily="34" charset="0"/>
-                <a:ea typeface="SimSun" charset="-122"/>
-                <a:cs typeface="Calibri" pitchFamily="34" charset="0"/>
               </a:rPr>
-              <a:t>		an application or multiple computational threads</a:t>
-            </a:r>
-          </a:p>
-          <a:p>
-            <a:pPr marL="342900" indent="-342900">
-              <a:lnSpc>
-                <a:spcPct val="120000"/>
-              </a:lnSpc>
-              <a:buClr>
-                <a:schemeClr val="tx2"/>
-              </a:buClr>
-              <a:buSzPct val="75000"/>
-              <a:buFont typeface="Wingdings"/>
-              <a:buChar char=""/>
-            </a:pPr>
+              <a:t>Multicore Parallel Processing </a:t>
+            </a:r>
             <a:r>
               <a:rPr lang="en-US" sz="2800" b="0" dirty="0" smtClean="0">
                 <a:solidFill>
@@ -22704,87 +22849,20 @@
                 </a:solidFill>
                 <a:latin typeface="Calibri" pitchFamily="34" charset="0"/>
               </a:rPr>
-              <a:t>Multicore Paralell Processing –</a:t>
-            </a:r>
-          </a:p>
-          <a:p>
-            <a:pPr marL="342900" indent="-342900">
-              <a:lnSpc>
-                <a:spcPct val="120000"/>
-              </a:lnSpc>
-              <a:buClr>
-                <a:schemeClr val="tx2"/>
-              </a:buClr>
-              <a:buSzPct val="75000"/>
-            </a:pPr>
+              <a:t>refers to the </a:t>
+            </a:r>
             <a:r>
               <a:rPr lang="en-US" altLang="zh-CN" sz="2800" b="0" dirty="0" smtClean="0">
                 <a:latin typeface="Calibri" pitchFamily="34" charset="0"/>
                 <a:ea typeface="SimSun" charset="-122"/>
                 <a:cs typeface="Calibri" pitchFamily="34" charset="0"/>
               </a:rPr>
-              <a:t>		The usage of multiple cores in the same device</a:t>
-            </a:r>
-          </a:p>
-          <a:p>
-            <a:pPr marL="342900" indent="-342900">
-              <a:lnSpc>
-                <a:spcPct val="120000"/>
-              </a:lnSpc>
-              <a:buClr>
-                <a:schemeClr val="tx2"/>
-              </a:buClr>
-              <a:buSzPct val="75000"/>
-            </a:pPr>
-            <a:r>
-              <a:rPr lang="en-US" altLang="zh-CN" sz="2800" b="0" dirty="0" smtClean="0">
-                <a:latin typeface="Calibri" pitchFamily="34" charset="0"/>
-                <a:ea typeface="SimSun" charset="-122"/>
-                <a:cs typeface="Calibri" pitchFamily="34" charset="0"/>
-              </a:rPr>
-              <a:t>		to execute an application or multiple </a:t>
-            </a:r>
-          </a:p>
-          <a:p>
-            <a:pPr marL="342900" indent="-342900">
-              <a:lnSpc>
-                <a:spcPct val="120000"/>
-              </a:lnSpc>
-              <a:buClr>
-                <a:schemeClr val="tx2"/>
-              </a:buClr>
-              <a:buSzPct val="75000"/>
-            </a:pPr>
-            <a:r>
-              <a:rPr lang="en-US" altLang="zh-CN" sz="2800" b="0" dirty="0" smtClean="0">
-                <a:latin typeface="Calibri" pitchFamily="34" charset="0"/>
-                <a:ea typeface="SimSun" charset="-122"/>
-                <a:cs typeface="Calibri" pitchFamily="34" charset="0"/>
-              </a:rPr>
-              <a:t>		computational threads</a:t>
+              <a:t>usage of multiple cores in the same device to execute an application or multiple computational threads.</a:t>
             </a:r>
             <a:endParaRPr lang="en-US" sz="2800" b="0" dirty="0" smtClean="0">
               <a:solidFill>
                 <a:schemeClr val="tx2"/>
               </a:solidFill>
-              <a:latin typeface="Calibri" pitchFamily="34" charset="0"/>
-            </a:endParaRPr>
-          </a:p>
-          <a:p>
-            <a:pPr marL="342900" indent="-342900">
-              <a:lnSpc>
-                <a:spcPct val="120000"/>
-              </a:lnSpc>
-              <a:buClr>
-                <a:schemeClr val="tx2"/>
-              </a:buClr>
-              <a:buSzPct val="75000"/>
-            </a:pPr>
-            <a:endParaRPr lang="en-US" sz="2800" b="0" dirty="0" smtClean="0">
-              <a:solidFill>
-                <a:schemeClr val="tx2"/>
-              </a:solidFill>
-              <a:effectLst/>
               <a:latin typeface="Calibri" pitchFamily="34" charset="0"/>
             </a:endParaRPr>
           </a:p>
@@ -22886,7 +22964,14 @@
           <a:p>
             <a:r>
               <a:rPr lang="en-US" sz="2400" dirty="0" smtClean="0"/>
-              <a:t>DDR3 DMA uses TeraNet with clock/3 and 128 bits. TeraNet bandwidth is 400 MHz * 16B = 6.4 GBps.  </a:t>
+              <a:t>DDR3 DMA uses TeraNet with clock/3 and 128 bits.</a:t>
+            </a:r>
+            <a:br>
+              <a:rPr lang="en-US" sz="2400" dirty="0" smtClean="0"/>
+            </a:br>
+            <a:r>
+              <a:rPr lang="en-US" sz="2400" dirty="0" smtClean="0"/>
+              <a:t>TeraNet bandwidth is 400 MHz * 16B = 6.4 GBps.  </a:t>
             </a:r>
           </a:p>
           <a:p>
@@ -22981,7 +23066,7 @@
             </a:pPr>
             <a:r>
               <a:rPr lang="en-US" dirty="0" smtClean="0"/>
-              <a:t>10 EDMA transfer controllers with 144 EDMA channels and 1152 PaRAM (parameter blocks)</a:t>
+              <a:t>10 EDMA transfer controllers with 144 EDMA channels and 1152 PaRAM (parameter blocks):</a:t>
             </a:r>
           </a:p>
           <a:p>
@@ -23014,7 +23099,7 @@
             </a:pPr>
             <a:r>
               <a:rPr lang="en-US" dirty="0" smtClean="0"/>
-              <a:t>In addition, Navigator has its own PKTDMA for each master.</a:t>
+              <a:t>In addition, Multicore Navigator has its own PKTDMA for each master.</a:t>
             </a:r>
           </a:p>
           <a:p>
@@ -23025,15 +23110,7 @@
             </a:pPr>
             <a:r>
               <a:rPr lang="en-US" dirty="0" smtClean="0"/>
-              <a:t>Data in and out of the system (</a:t>
-            </a:r>
-            <a:r>
-              <a:rPr lang="en-US" dirty="0" smtClean="0"/>
-              <a:t>SRIO or </a:t>
-            </a:r>
-            <a:r>
-              <a:rPr lang="en-US" dirty="0" smtClean="0"/>
-              <a:t>SGMII) is done using the Navigator or other master DMA (PCIe).</a:t>
+              <a:t>Data in and out of the system (SRIO or SGMII) is done using the Multicore Navigator or another master DMA (e.g., PCIe).</a:t>
             </a:r>
           </a:p>
           <a:p>
@@ -23044,7 +23121,7 @@
             </a:pPr>
             <a:r>
               <a:rPr lang="en-US" dirty="0" smtClean="0"/>
-              <a:t>All synchronization between cores and moving pointers to data between cores is done Using IPC</a:t>
+              <a:t>All synchronization and data movement is done using IPC.</a:t>
             </a:r>
           </a:p>
         </p:txBody>
@@ -23290,7 +23367,7 @@
                   <a:schemeClr val="tx2"/>
                 </a:solidFill>
               </a:rPr>
-              <a:t>Example2: </a:t>
+              <a:t>Example 2: </a:t>
             </a:r>
             <a:r>
               <a:rPr lang="en-US" sz="2800" dirty="0" smtClean="0">
@@ -23329,7 +23406,7 @@
                 </a:solidFill>
                 <a:ea typeface="SimSun" charset="-122"/>
               </a:rPr>
-              <a:t>Very large FFT (VLFFT) – 1M Floating point</a:t>
+              <a:t>Very Large FFT (VLFFT) – 1M Floating point</a:t>
             </a:r>
             <a:r>
               <a:rPr lang="en-US" altLang="zh-CN" sz="2800" dirty="0" smtClean="0">
@@ -23397,7 +23474,7 @@
               <a:rPr lang="en-US" altLang="zh-CN" sz="2800" dirty="0" smtClean="0">
                 <a:ea typeface="SimSun" charset="-122"/>
               </a:rPr>
-              <a:t>Data driven partition </a:t>
+              <a:t>Data-driven Partition </a:t>
             </a:r>
             <a:r>
               <a:rPr lang="en-US" altLang="zh-CN" sz="2800" dirty="0" smtClean="0">
@@ -23515,7 +23592,7 @@
             <a:pPr eaLnBrk="1" hangingPunct="1"/>
             <a:r>
               <a:rPr lang="en-US" dirty="0" smtClean="0"/>
-              <a:t>Outlines</a:t>
+              <a:t>Outline</a:t>
             </a:r>
           </a:p>
         </p:txBody>
@@ -23550,7 +23627,7 @@
             <a:pPr eaLnBrk="1" hangingPunct="1"/>
             <a:r>
               <a:rPr lang="en-US" dirty="0" smtClean="0"/>
-              <a:t>Multi-core Implementation of DFT</a:t>
+              <a:t>Multicore Implementation of DFT</a:t>
             </a:r>
           </a:p>
           <a:p>
@@ -23570,7 +23647,7 @@
             </a:pPr>
             <a:r>
               <a:rPr lang="en-US" dirty="0" smtClean="0"/>
-              <a:t>Algorithm based on a paper:</a:t>
+              <a:t>Algorithm is based on a published paper:</a:t>
             </a:r>
           </a:p>
           <a:p>
@@ -23721,7 +23798,7 @@
             <a:pPr lvl="1" eaLnBrk="1" hangingPunct="1"/>
             <a:r>
               <a:rPr lang="en-US" dirty="0" smtClean="0"/>
-              <a:t>To implement very large floating point fast DFT on TI multicore devices: The KeyStone Family</a:t>
+              <a:t>To implement very large floating point fast DFT on TI KeyStone multicore devices.</a:t>
             </a:r>
           </a:p>
           <a:p>
@@ -23822,14 +23899,15 @@
           <a:bodyPr/>
           <a:lstStyle/>
           <a:p>
-            <a:pPr eaLnBrk="1" hangingPunct="1">
+            <a:pPr marL="0" indent="0" eaLnBrk="1" hangingPunct="1">
               <a:lnSpc>
                 <a:spcPct val="90000"/>
               </a:lnSpc>
+              <a:buNone/>
             </a:pPr>
             <a:r>
               <a:rPr lang="en-US" dirty="0" smtClean="0"/>
-              <a:t>A generic discrete Fourier transform (DFT) is shown below,</a:t>
+              <a:t>A generic Discrete Fourier Transform (DFT) is shown below.</a:t>
             </a:r>
           </a:p>
         </p:txBody>
@@ -23923,25 +24001,39 @@
               <a:spcBef>
                 <a:spcPct val="20000"/>
               </a:spcBef>
-              <a:buFontTx/>
-              <a:buChar char="•"/>
-            </a:pPr>
-            <a:r>
-              <a:rPr lang="en-US" altLang="ja-JP" sz="3200" dirty="0"/>
-              <a:t>Here </a:t>
-            </a:r>
-            <a:r>
-              <a:rPr lang="en-US" altLang="ja-JP" sz="3200" i="1" dirty="0"/>
+            </a:pPr>
+            <a:r>
+              <a:rPr lang="en-US" altLang="ja-JP" sz="2800" b="0" dirty="0" smtClean="0">
+                <a:latin typeface="Calibri" pitchFamily="34" charset="0"/>
+                <a:cs typeface="Calibri" pitchFamily="34" charset="0"/>
+              </a:rPr>
+              <a:t>Where </a:t>
+            </a:r>
+            <a:r>
+              <a:rPr lang="en-US" altLang="ja-JP" sz="2800" b="0" i="1" dirty="0">
+                <a:latin typeface="Calibri" pitchFamily="34" charset="0"/>
+                <a:cs typeface="Calibri" pitchFamily="34" charset="0"/>
+              </a:rPr>
               <a:t>N</a:t>
             </a:r>
             <a:r>
-              <a:rPr lang="en-US" altLang="ja-JP" sz="3200" dirty="0"/>
-              <a:t> is the total size of DFT </a:t>
-            </a:r>
-            <a:r>
-              <a:rPr lang="en-US" sz="3200" dirty="0"/>
-              <a:t>,</a:t>
-            </a:r>
+              <a:rPr lang="en-US" altLang="ja-JP" sz="2800" b="0" dirty="0">
+                <a:latin typeface="Calibri" pitchFamily="34" charset="0"/>
+                <a:cs typeface="Calibri" pitchFamily="34" charset="0"/>
+              </a:rPr>
+              <a:t> is the total size of </a:t>
+            </a:r>
+            <a:r>
+              <a:rPr lang="en-US" altLang="ja-JP" sz="2800" b="0" dirty="0" smtClean="0">
+                <a:latin typeface="Calibri" pitchFamily="34" charset="0"/>
+                <a:cs typeface="Calibri" pitchFamily="34" charset="0"/>
+              </a:rPr>
+              <a:t>DFT.</a:t>
+            </a:r>
+            <a:endParaRPr lang="en-US" sz="2800" b="0" dirty="0">
+              <a:latin typeface="Calibri" pitchFamily="34" charset="0"/>
+              <a:cs typeface="Calibri" pitchFamily="34" charset="0"/>
+            </a:endParaRPr>
           </a:p>
         </p:txBody>
       </p:sp>
@@ -23993,15 +24085,7 @@
             <a:pPr eaLnBrk="1" hangingPunct="1"/>
             <a:r>
               <a:rPr lang="en-US" dirty="0" smtClean="0"/>
-              <a:t>Develop The Algorithm </a:t>
-            </a:r>
-            <a:r>
-              <a:rPr lang="en-US" dirty="0" smtClean="0">
-                <a:solidFill>
-                  <a:schemeClr val="tx2"/>
-                </a:solidFill>
-              </a:rPr>
-              <a:t>step 1</a:t>
+              <a:t>Develop The Algorithm: Step 1</a:t>
             </a:r>
           </a:p>
         </p:txBody>
@@ -24062,7 +24146,7 @@
             </a:pPr>
             <a:r>
               <a:rPr lang="en-US" dirty="0" smtClean="0"/>
-              <a:t>such that </a:t>
+              <a:t>such that: </a:t>
             </a:r>
           </a:p>
           <a:p>
@@ -24184,8 +24268,8 @@
               <a:buNone/>
             </a:pPr>
             <a:r>
-              <a:rPr lang="en-US" sz="2000" dirty="0" smtClean="0"/>
-              <a:t>It is easy to show that</a:t>
+              <a:rPr lang="en-US" dirty="0" smtClean="0"/>
+              <a:t>It is easy to show that:</a:t>
             </a:r>
           </a:p>
           <a:p>
@@ -24313,15 +24397,7 @@
             <a:pPr eaLnBrk="1" hangingPunct="1"/>
             <a:r>
               <a:rPr lang="en-US" dirty="0" smtClean="0"/>
-              <a:t>Develop The Algorithm </a:t>
-            </a:r>
-            <a:r>
-              <a:rPr lang="en-US" dirty="0" smtClean="0">
-                <a:solidFill>
-                  <a:schemeClr val="tx2"/>
-                </a:solidFill>
-              </a:rPr>
-              <a:t>step 2</a:t>
+              <a:t>Develop The Algorithm: Step 2</a:t>
             </a:r>
           </a:p>
         </p:txBody>
@@ -24339,7 +24415,7 @@
         <p:spPr>
           <a:xfrm>
             <a:off x="457200" y="1600199"/>
-            <a:ext cx="8229600" cy="2608119"/>
+            <a:ext cx="8229600" cy="2114551"/>
           </a:xfrm>
         </p:spPr>
         <p:txBody>
@@ -24353,8 +24429,8 @@
               <a:buNone/>
             </a:pPr>
             <a:r>
-              <a:rPr lang="en-US" sz="2400" dirty="0" smtClean="0"/>
-              <a:t>In a similar way, we can write that </a:t>
+              <a:rPr lang="en-US" dirty="0" smtClean="0"/>
+              <a:t>In a similar way, we can write that: </a:t>
             </a:r>
           </a:p>
           <a:p>
@@ -24455,9 +24531,25 @@
             </a:r>
             <a:r>
               <a:rPr lang="en-US" sz="2000" dirty="0" smtClean="0"/>
-              <a:t>-1    and then </a:t>
-            </a:r>
-            <a:endParaRPr lang="en-US" sz="2000" baseline="-25000" dirty="0" smtClean="0"/>
+              <a:t>-1</a:t>
+            </a:r>
+            <a:br>
+              <a:rPr lang="en-US" sz="2000" dirty="0" smtClean="0"/>
+            </a:br>
+            <a:endParaRPr lang="en-US" sz="2000" dirty="0" smtClean="0"/>
+          </a:p>
+          <a:p>
+            <a:pPr eaLnBrk="1" hangingPunct="1">
+              <a:lnSpc>
+                <a:spcPct val="90000"/>
+              </a:lnSpc>
+              <a:buNone/>
+            </a:pPr>
+            <a:r>
+              <a:rPr lang="en-US" dirty="0" smtClean="0"/>
+              <a:t>and then: </a:t>
+            </a:r>
+            <a:endParaRPr lang="en-US" baseline="-25000" dirty="0" smtClean="0"/>
           </a:p>
           <a:p>
             <a:pPr eaLnBrk="1" hangingPunct="1">
@@ -24513,7 +24605,7 @@
           <p:nvPr/>
         </p:nvGraphicFramePr>
         <p:xfrm>
-          <a:off x="887413" y="3695700"/>
+          <a:off x="887413" y="3140548"/>
           <a:ext cx="6265862" cy="2408238"/>
         </p:xfrm>
         <a:graphic>
@@ -24586,8 +24678,8 @@
         </p:nvSpPr>
         <p:spPr bwMode="auto">
           <a:xfrm>
-            <a:off x="276225" y="1020763"/>
-            <a:ext cx="8523288" cy="5203392"/>
+            <a:off x="305409" y="1341787"/>
+            <a:ext cx="8523288" cy="4757467"/>
           </a:xfrm>
           <a:prstGeom prst="rect">
             <a:avLst/>
@@ -24604,14 +24696,6 @@
           <a:bodyPr/>
           <a:lstStyle/>
           <a:p>
-            <a:pPr marL="342900" indent="-342900" algn="ctr" eaLnBrk="0" hangingPunct="0">
-              <a:spcBef>
-                <a:spcPct val="20000"/>
-              </a:spcBef>
-            </a:pPr>
-            <a:endParaRPr lang="en-US" sz="2000" i="1" dirty="0" smtClean="0"/>
-          </a:p>
-          <a:p>
             <a:pPr marL="342900" indent="-342900" eaLnBrk="0" hangingPunct="0">
               <a:spcBef>
                 <a:spcPct val="20000"/>
@@ -24621,7 +24705,11 @@
             </a:pPr>
             <a:r>
               <a:rPr lang="en-US" sz="2000" i="1" dirty="0" smtClean="0"/>
-              <a:t>What Moore said:  double number of transistors on a device every two years</a:t>
+              <a:t>Moore’s Law: </a:t>
+            </a:r>
+            <a:r>
+              <a:rPr lang="en-US" sz="2000" b="0" i="1" dirty="0" smtClean="0"/>
+              <a:t>The number of transistors on a device doubles every two years.</a:t>
             </a:r>
           </a:p>
           <a:p>
@@ -24634,7 +24722,11 @@
             </a:pPr>
             <a:r>
               <a:rPr lang="en-US" sz="2000" i="1" dirty="0" smtClean="0"/>
-              <a:t>Traditional interpretation –  Double performances (smaller process, higher frequency, VLIW)</a:t>
+              <a:t>Traditional interpretation: </a:t>
+            </a:r>
+            <a:r>
+              <a:rPr lang="en-US" sz="2000" b="0" i="1" dirty="0" smtClean="0"/>
+              <a:t>Double the performance (smaller processes, higher frequency, VLIW)</a:t>
             </a:r>
           </a:p>
           <a:p>
@@ -24647,20 +24739,7 @@
             </a:pPr>
             <a:r>
               <a:rPr lang="en-US" sz="2000" i="1" dirty="0" smtClean="0"/>
-              <a:t>Multicore – achieve Moore’s law by adding multiple cores</a:t>
-            </a:r>
-          </a:p>
-          <a:p>
-            <a:pPr marL="800100" lvl="1" indent="-342900" eaLnBrk="0" hangingPunct="0">
-              <a:spcBef>
-                <a:spcPct val="20000"/>
-              </a:spcBef>
-              <a:buFont typeface="Wingdings" pitchFamily="2" charset="2"/>
-              <a:buChar char="§"/>
-            </a:pPr>
-            <a:r>
-              <a:rPr lang="en-US" sz="2000" i="1" dirty="0" smtClean="0"/>
-              <a:t>The criterion – Watts per performances</a:t>
+              <a:t>Multicore supports Moore’s Law by adding multiple core performance to a device.</a:t>
             </a:r>
           </a:p>
           <a:p>
@@ -24673,7 +24752,28 @@
             </a:pPr>
             <a:r>
               <a:rPr lang="en-US" sz="2000" i="1" dirty="0" smtClean="0"/>
-              <a:t>The challenge – How to effectively use multiple-cores devices</a:t>
+              <a:t>The criteria: </a:t>
+            </a:r>
+            <a:r>
+              <a:rPr lang="en-US" sz="2000" b="0" i="1" dirty="0" smtClean="0"/>
+              <a:t>Number of watts per cycle</a:t>
+            </a:r>
+          </a:p>
+          <a:p>
+            <a:pPr marL="342900" indent="-342900" eaLnBrk="0" hangingPunct="0">
+              <a:spcBef>
+                <a:spcPct val="20000"/>
+              </a:spcBef>
+              <a:buFont typeface="Wingdings" pitchFamily="2" charset="2"/>
+              <a:buChar char="§"/>
+            </a:pPr>
+            <a:r>
+              <a:rPr lang="en-US" sz="2000" i="1" dirty="0" smtClean="0"/>
+              <a:t>The challenge: </a:t>
+            </a:r>
+            <a:r>
+              <a:rPr lang="en-US" sz="2000" b="0" i="1" dirty="0" smtClean="0"/>
+              <a:t>How to effectively use multiple core devices?</a:t>
             </a:r>
           </a:p>
           <a:p>
@@ -24841,15 +24941,7 @@
             <a:pPr eaLnBrk="1" hangingPunct="1"/>
             <a:r>
               <a:rPr lang="en-US" dirty="0" smtClean="0"/>
-              <a:t>Develop The Algorithm </a:t>
-            </a:r>
-            <a:r>
-              <a:rPr lang="en-US" dirty="0" smtClean="0">
-                <a:solidFill>
-                  <a:schemeClr val="tx2"/>
-                </a:solidFill>
-              </a:rPr>
-              <a:t>step 3</a:t>
+              <a:t>Develop The Algorithm: Step 3</a:t>
             </a:r>
           </a:p>
         </p:txBody>
@@ -24874,7 +24966,7 @@
           <a:bodyPr/>
           <a:lstStyle/>
           <a:p>
-            <a:pPr eaLnBrk="1" hangingPunct="1">
+            <a:pPr marL="0" indent="0" eaLnBrk="1" hangingPunct="1">
               <a:lnSpc>
                 <a:spcPct val="90000"/>
               </a:lnSpc>
@@ -24882,7 +24974,7 @@
             </a:pPr>
             <a:r>
               <a:rPr lang="en-US" sz="2400" dirty="0" smtClean="0"/>
-              <a:t>Next we observe that the exponent can be written as three terms. The forth term is always one (                   =1)</a:t>
+              <a:t>Next, we observe that the exponent can be written as three terms. The fourth term is always one (                 =1)</a:t>
             </a:r>
           </a:p>
           <a:p>
@@ -24948,7 +25040,7 @@
           <p:nvPr/>
         </p:nvGraphicFramePr>
         <p:xfrm>
-          <a:off x="498332" y="1895331"/>
+          <a:off x="498332" y="2123923"/>
           <a:ext cx="1890712" cy="1539875"/>
         </p:xfrm>
         <a:graphic>
@@ -24968,7 +25060,7 @@
           <p:nvPr/>
         </p:nvGraphicFramePr>
         <p:xfrm>
-          <a:off x="2418195" y="1897640"/>
+          <a:off x="2418195" y="2126232"/>
           <a:ext cx="2220913" cy="1590675"/>
         </p:xfrm>
         <a:graphic>
@@ -24988,7 +25080,7 @@
           <p:nvPr/>
         </p:nvGraphicFramePr>
         <p:xfrm>
-          <a:off x="4557859" y="1855355"/>
+          <a:off x="4557859" y="2083947"/>
           <a:ext cx="2055813" cy="1590675"/>
         </p:xfrm>
         <a:graphic>
@@ -25008,7 +25100,7 @@
           <p:nvPr/>
         </p:nvGraphicFramePr>
         <p:xfrm>
-          <a:off x="6034954" y="967220"/>
+          <a:off x="5300194" y="1024368"/>
           <a:ext cx="1095375" cy="1539875"/>
         </p:xfrm>
         <a:graphic>
@@ -25147,15 +25239,7 @@
             <a:pPr eaLnBrk="1" hangingPunct="1"/>
             <a:r>
               <a:rPr lang="en-US" dirty="0" smtClean="0"/>
-              <a:t>Develop The Algorithm </a:t>
-            </a:r>
-            <a:r>
-              <a:rPr lang="en-US" dirty="0" smtClean="0">
-                <a:solidFill>
-                  <a:schemeClr val="tx2"/>
-                </a:solidFill>
-              </a:rPr>
-              <a:t>step 4</a:t>
+              <a:t>Develop The Algorithm: Step 4</a:t>
             </a:r>
           </a:p>
         </p:txBody>
@@ -25279,7 +25363,7 @@
             </a:pPr>
             <a:r>
               <a:rPr lang="en-US" sz="2400" dirty="0" smtClean="0"/>
-              <a:t>Look at the middle term,  This is exactly FFT at the point u</a:t>
+              <a:t>Look at the middle term. This is exactly FFT at the point u</a:t>
             </a:r>
             <a:r>
               <a:rPr lang="en-US" sz="2400" baseline="-25000" dirty="0" smtClean="0"/>
@@ -25291,12 +25375,12 @@
             </a:r>
           </a:p>
           <a:p>
-            <a:pPr>
+            <a:pPr marL="0" indent="0">
               <a:buNone/>
             </a:pPr>
             <a:r>
               <a:rPr lang="en-US" sz="2400" dirty="0" smtClean="0"/>
-              <a:t>For different K</a:t>
+              <a:t>for different K</a:t>
             </a:r>
             <a:r>
               <a:rPr lang="en-US" sz="2400" baseline="-25000" dirty="0" smtClean="0"/>
@@ -25304,7 +25388,7 @@
             </a:r>
             <a:r>
               <a:rPr lang="en-US" sz="2400" dirty="0" smtClean="0"/>
-              <a:t>.  Lets write it as FFT</a:t>
+              <a:t>.  Let’s write it as FFT</a:t>
             </a:r>
             <a:r>
               <a:rPr lang="en-US" sz="2400" baseline="-25000" dirty="0" smtClean="0"/>
@@ -25328,7 +25412,16 @@
             </a:r>
             <a:r>
               <a:rPr lang="en-US" sz="2400" dirty="0" smtClean="0"/>
-              <a:t> different FFT, each of them is of size N</a:t>
+              <a:t> different</a:t>
+            </a:r>
+          </a:p>
+          <a:p>
+            <a:pPr marL="0" indent="0">
+              <a:buNone/>
+            </a:pPr>
+            <a:r>
+              <a:rPr lang="en-US" sz="2400" dirty="0" smtClean="0"/>
+              <a:t>FFT; Each of them is of size N</a:t>
             </a:r>
             <a:r>
               <a:rPr lang="en-US" sz="2400" baseline="-25000" dirty="0" smtClean="0"/>
@@ -25390,15 +25483,7 @@
             <a:pPr eaLnBrk="1" hangingPunct="1"/>
             <a:r>
               <a:rPr lang="en-US" dirty="0" smtClean="0"/>
-              <a:t>Develop The Algorithm </a:t>
-            </a:r>
-            <a:r>
-              <a:rPr lang="en-US" dirty="0" smtClean="0">
-                <a:solidFill>
-                  <a:schemeClr val="tx2"/>
-                </a:solidFill>
-              </a:rPr>
-              <a:t>step 5</a:t>
+              <a:t>Develop The Algorithm: Step 5</a:t>
             </a:r>
           </a:p>
         </p:txBody>
@@ -25497,12 +25582,93 @@
           <a:bodyPr/>
           <a:lstStyle/>
           <a:p>
+            <a:pPr marL="0" indent="0">
+              <a:buNone/>
+            </a:pPr>
+            <a:r>
+              <a:rPr lang="en-US" sz="2400" dirty="0" smtClean="0"/>
+              <a:t>Look again at the middle term inside the sum.  This is the FFT at the point u</a:t>
+            </a:r>
+            <a:r>
+              <a:rPr lang="en-US" sz="2400" baseline="-25000" dirty="0" smtClean="0"/>
+              <a:t>2</a:t>
+            </a:r>
+            <a:r>
+              <a:rPr lang="en-US" sz="2400" dirty="0" smtClean="0"/>
+              <a:t>  for different K</a:t>
+            </a:r>
+            <a:r>
+              <a:rPr lang="en-US" sz="2400" baseline="-25000" dirty="0" smtClean="0"/>
+              <a:t>2</a:t>
+            </a:r>
+            <a:r>
+              <a:rPr lang="en-US" sz="2400" dirty="0" smtClean="0"/>
+              <a:t> multiplied by a function (twiddle factor) of K</a:t>
+            </a:r>
+            <a:r>
+              <a:rPr lang="en-US" sz="2400" baseline="-25000" dirty="0" smtClean="0"/>
+              <a:t>2</a:t>
+            </a:r>
+            <a:r>
+              <a:rPr lang="en-US" sz="2400" dirty="0" smtClean="0"/>
+              <a:t>  and u</a:t>
+            </a:r>
+            <a:r>
+              <a:rPr lang="en-US" sz="2400" baseline="-25000" dirty="0" smtClean="0"/>
+              <a:t>2</a:t>
+            </a:r>
+            <a:r>
+              <a:rPr lang="en-US" sz="2400" dirty="0" smtClean="0"/>
+              <a:t> . Let’s write it as Z</a:t>
+            </a:r>
+            <a:r>
+              <a:rPr lang="en-US" sz="2400" baseline="-25000" dirty="0" smtClean="0"/>
+              <a:t>u2</a:t>
+            </a:r>
+            <a:r>
+              <a:rPr lang="en-US" sz="2400" dirty="0" smtClean="0"/>
+              <a:t> (k</a:t>
+            </a:r>
+            <a:r>
+              <a:rPr lang="en-US" sz="2400" baseline="-25000" dirty="0" smtClean="0"/>
+              <a:t>2</a:t>
+            </a:r>
+            <a:r>
+              <a:rPr lang="en-US" sz="2400" dirty="0" smtClean="0"/>
+              <a:t>).  </a:t>
+            </a:r>
+          </a:p>
+          <a:p>
             <a:pPr>
               <a:buNone/>
             </a:pPr>
+            <a:endParaRPr lang="en-US" sz="2400" dirty="0" smtClean="0"/>
+          </a:p>
+          <a:p>
+            <a:pPr>
+              <a:buNone/>
+            </a:pPr>
+            <a:endParaRPr lang="en-US" sz="2400" dirty="0" smtClean="0"/>
+          </a:p>
+          <a:p>
+            <a:pPr>
+              <a:buNone/>
+            </a:pPr>
+            <a:endParaRPr lang="en-US" sz="2400" dirty="0" smtClean="0"/>
+          </a:p>
+          <a:p>
+            <a:pPr>
+              <a:buNone/>
+            </a:pPr>
+            <a:endParaRPr lang="en-US" sz="2400" dirty="0" smtClean="0"/>
+          </a:p>
+          <a:p>
+            <a:pPr marL="0" indent="0">
+              <a:buNone/>
+            </a:pPr>
             <a:r>
               <a:rPr lang="en-US" sz="2400" dirty="0" smtClean="0"/>
-              <a:t>Look again at the middle term inside the sum,  This is the FFT at the point u</a:t>
+              <a:t>Next we transpose the matrix, also called a “corner turn.” This means taking the u</a:t>
             </a:r>
             <a:r>
               <a:rPr lang="en-US" sz="2400" baseline="-25000" dirty="0" smtClean="0"/>
@@ -25510,7 +25676,7 @@
             </a:r>
             <a:r>
               <a:rPr lang="en-US" sz="2400" dirty="0" smtClean="0"/>
-              <a:t>   for different K</a:t>
+              <a:t> element (multiplied by the twiddle factor) from each previously calculated FFT result. We now use this element to perform N</a:t>
             </a:r>
             <a:r>
               <a:rPr lang="en-US" sz="2400" baseline="-25000" dirty="0" smtClean="0"/>
@@ -25518,112 +25684,16 @@
             </a:r>
             <a:r>
               <a:rPr lang="en-US" sz="2400" dirty="0" smtClean="0"/>
-              <a:t> multiply by a function (twiddle factor) of K</a:t>
-            </a:r>
-            <a:r>
-              <a:rPr lang="en-US" sz="2400" baseline="-25000" dirty="0" smtClean="0"/>
-              <a:t>2</a:t>
-            </a:r>
-            <a:r>
-              <a:rPr lang="en-US" sz="2400" dirty="0" smtClean="0"/>
-              <a:t>  and u</a:t>
-            </a:r>
-            <a:r>
-              <a:rPr lang="en-US" sz="2400" baseline="-25000" dirty="0" smtClean="0"/>
-              <a:t>2</a:t>
-            </a:r>
-            <a:r>
-              <a:rPr lang="en-US" sz="2400" dirty="0" smtClean="0"/>
-              <a:t> . Lets write it as Z</a:t>
-            </a:r>
-            <a:r>
-              <a:rPr lang="en-US" sz="2400" baseline="-25000" dirty="0" smtClean="0"/>
-              <a:t>u2</a:t>
-            </a:r>
-            <a:r>
-              <a:rPr lang="en-US" sz="2400" dirty="0" smtClean="0"/>
-              <a:t> (k</a:t>
-            </a:r>
-            <a:r>
-              <a:rPr lang="en-US" sz="2400" baseline="-25000" dirty="0" smtClean="0"/>
-              <a:t>2</a:t>
-            </a:r>
-            <a:r>
-              <a:rPr lang="en-US" sz="2400" dirty="0" smtClean="0"/>
-              <a:t>).  </a:t>
-            </a:r>
-          </a:p>
-          <a:p>
-            <a:pPr>
-              <a:buNone/>
-            </a:pPr>
-            <a:endParaRPr lang="en-US" sz="2400" dirty="0" smtClean="0"/>
-          </a:p>
-          <a:p>
-            <a:pPr>
-              <a:buNone/>
-            </a:pPr>
-            <a:endParaRPr lang="en-US" sz="2400" dirty="0" smtClean="0"/>
-          </a:p>
-          <a:p>
-            <a:pPr>
-              <a:buNone/>
-            </a:pPr>
-            <a:endParaRPr lang="en-US" sz="2400" dirty="0" smtClean="0"/>
-          </a:p>
-          <a:p>
-            <a:pPr>
-              <a:buNone/>
-            </a:pPr>
-            <a:endParaRPr lang="en-US" sz="2400" dirty="0" smtClean="0"/>
-          </a:p>
-          <a:p>
-            <a:pPr>
-              <a:buNone/>
-            </a:pPr>
-            <a:r>
-              <a:rPr lang="en-US" sz="2400" dirty="0" smtClean="0"/>
-              <a:t>What we see is if we take from each FFT that we calculate before the u</a:t>
-            </a:r>
-            <a:r>
-              <a:rPr lang="en-US" sz="2400" baseline="-25000" dirty="0" smtClean="0"/>
-              <a:t>2</a:t>
-            </a:r>
-            <a:r>
-              <a:rPr lang="en-US" sz="2400" dirty="0" smtClean="0"/>
-              <a:t>  element (after multiplying by the twiddle factor), we need to perform N</a:t>
-            </a:r>
-            <a:r>
-              <a:rPr lang="en-US" sz="2400" baseline="-25000" dirty="0" smtClean="0"/>
-              <a:t>2</a:t>
-            </a:r>
-            <a:r>
-              <a:rPr lang="en-US" sz="2400" dirty="0" smtClean="0"/>
-              <a:t> FFTs, each of them size N</a:t>
+              <a:t> FFTs; Each of them is size N</a:t>
             </a:r>
             <a:r>
               <a:rPr lang="en-US" sz="2400" baseline="-25000" dirty="0" smtClean="0"/>
               <a:t>1</a:t>
             </a:r>
-            <a:endParaRPr lang="en-US" sz="2400" dirty="0" smtClean="0"/>
-          </a:p>
-          <a:p>
-            <a:pPr>
-              <a:buNone/>
-            </a:pPr>
             <a:r>
               <a:rPr lang="en-US" sz="2400" dirty="0" smtClean="0"/>
-              <a:t>Taking the u</a:t>
-            </a:r>
-            <a:r>
-              <a:rPr lang="en-US" sz="2400" baseline="-25000" dirty="0" smtClean="0"/>
-              <a:t>2</a:t>
-            </a:r>
-            <a:r>
-              <a:rPr lang="en-US" sz="2400" dirty="0" smtClean="0"/>
-              <a:t> element means transport the matrix, or “corner turn”</a:t>
-            </a:r>
-            <a:endParaRPr lang="en-US" sz="2400" dirty="0"/>
+              <a:t>.</a:t>
+            </a:r>
           </a:p>
         </p:txBody>
       </p:sp>
@@ -25700,31 +25770,19 @@
           <a:bodyPr/>
           <a:lstStyle/>
           <a:p>
-            <a:pPr marL="609600" indent="-609600" eaLnBrk="1" hangingPunct="1">
+            <a:pPr marL="0" indent="0" eaLnBrk="1" hangingPunct="1">
               <a:buNone/>
             </a:pPr>
             <a:r>
-              <a:rPr lang="en-US" b="1" dirty="0" smtClean="0">
-                <a:solidFill>
-                  <a:schemeClr val="tx2"/>
-                </a:solidFill>
-              </a:rPr>
-              <a:t>A vary large DFT of size </a:t>
-            </a:r>
-            <a:r>
-              <a:rPr lang="en-US" b="1" i="1" dirty="0" smtClean="0">
-                <a:solidFill>
-                  <a:schemeClr val="tx2"/>
-                </a:solidFill>
-              </a:rPr>
+              <a:rPr lang="en-US" b="1" dirty="0" smtClean="0"/>
+              <a:t>A very large DFT of size </a:t>
+            </a:r>
+            <a:r>
+              <a:rPr lang="en-US" b="1" i="1" dirty="0" smtClean="0"/>
               <a:t>N=N1*N2</a:t>
             </a:r>
             <a:r>
-              <a:rPr lang="en-US" b="1" dirty="0" smtClean="0">
-                <a:solidFill>
-                  <a:schemeClr val="tx2"/>
-                </a:solidFill>
-              </a:rPr>
+              <a:rPr lang="en-US" b="1" dirty="0" smtClean="0"/>
               <a:t> can be computed in the following steps:</a:t>
             </a:r>
           </a:p>
@@ -25762,7 +25820,7 @@
             </a:pPr>
             <a:r>
               <a:rPr lang="en-US" dirty="0" smtClean="0"/>
-              <a:t>Multiply Global twiddle factors</a:t>
+              <a:t>Multiply global twiddle factors</a:t>
             </a:r>
           </a:p>
           <a:p>
@@ -25899,11 +25957,19 @@
             <a:pPr lvl="1" eaLnBrk="1" hangingPunct="1"/>
             <a:r>
               <a:rPr lang="en-US" sz="2400" dirty="0" smtClean="0"/>
-              <a:t>Each core implements matrix transpose and computes </a:t>
+              <a:t>Each core implements matrix transpose and computes the </a:t>
             </a:r>
             <a:r>
               <a:rPr lang="en-US" sz="2400" b="1" dirty="0" smtClean="0"/>
-              <a:t>N2/numCores FFTs and multiplying twiddle factor</a:t>
+              <a:t>N2/</a:t>
+            </a:r>
+            <a:r>
+              <a:rPr lang="en-US" sz="2400" b="1" dirty="0" err="1" smtClean="0"/>
+              <a:t>numCores</a:t>
+            </a:r>
+            <a:r>
+              <a:rPr lang="en-US" sz="2400" b="1" dirty="0" smtClean="0"/>
+              <a:t> FFTs and multiplying twiddle factor</a:t>
             </a:r>
             <a:r>
               <a:rPr lang="en-US" sz="2400" dirty="0" smtClean="0"/>
@@ -25929,7 +25995,7 @@
             <a:pPr lvl="1" eaLnBrk="1" hangingPunct="1"/>
             <a:r>
               <a:rPr lang="en-US" sz="2400" dirty="0" smtClean="0"/>
-              <a:t>N1 FFTs of N2 size are distributed across all the cores</a:t>
+              <a:t>N1 FFTs of N2 size are distributed across all the cores.</a:t>
             </a:r>
           </a:p>
           <a:p>
@@ -26054,7 +26120,21 @@
             <a:pPr lvl="1" eaLnBrk="1" hangingPunct="1"/>
             <a:r>
               <a:rPr lang="en-US" dirty="0" smtClean="0"/>
-              <a:t> Input buffer, output buffer, working buffer</a:t>
+              <a:t>Input buffer</a:t>
+            </a:r>
+          </a:p>
+          <a:p>
+            <a:pPr lvl="1" eaLnBrk="1" hangingPunct="1"/>
+            <a:r>
+              <a:rPr lang="en-US" dirty="0" smtClean="0"/>
+              <a:t>Output buffer</a:t>
+            </a:r>
+          </a:p>
+          <a:p>
+            <a:pPr lvl="1" eaLnBrk="1" hangingPunct="1"/>
+            <a:r>
+              <a:rPr lang="en-US" dirty="0" smtClean="0"/>
+              <a:t>Working buffer</a:t>
             </a:r>
           </a:p>
           <a:p>
@@ -26068,7 +26148,7 @@
             <a:pPr lvl="1" eaLnBrk="1" hangingPunct="1"/>
             <a:r>
               <a:rPr lang="en-US" dirty="0" smtClean="0"/>
-              <a:t>Two ping-pong buffers, each buffer is the size of 16 FFT input/output</a:t>
+              <a:t>Two ping-pong buffers; Each buffer is the size of 16 FFT input/output</a:t>
             </a:r>
           </a:p>
           <a:p>
@@ -26082,7 +26162,7 @@
             <a:pPr lvl="1" eaLnBrk="1" hangingPunct="1"/>
             <a:r>
               <a:rPr lang="en-US" dirty="0" smtClean="0"/>
-              <a:t>Buffers for twiddle factors</a:t>
+              <a:t>Buffers for twiddle factors:</a:t>
             </a:r>
           </a:p>
           <a:p>
@@ -26167,7 +26247,7 @@
           </p:nvPr>
         </p:nvGraphicFramePr>
         <p:xfrm>
-          <a:off x="782638" y="1828800"/>
+          <a:off x="782638" y="1738996"/>
           <a:ext cx="1481137" cy="685800"/>
         </p:xfrm>
         <a:graphic>
@@ -26189,7 +26269,7 @@
           </p:nvPr>
         </p:nvGraphicFramePr>
         <p:xfrm>
-          <a:off x="2895600" y="2003425"/>
+          <a:off x="2895600" y="1913621"/>
           <a:ext cx="2362200" cy="411163"/>
         </p:xfrm>
         <a:graphic>
@@ -26211,7 +26291,7 @@
           </p:nvPr>
         </p:nvGraphicFramePr>
         <p:xfrm>
-          <a:off x="5791200" y="2001838"/>
+          <a:off x="5791200" y="1912034"/>
           <a:ext cx="2286000" cy="415925"/>
         </p:xfrm>
         <a:graphic>
@@ -26232,7 +26312,7 @@
         </p:nvSpPr>
         <p:spPr bwMode="auto">
           <a:xfrm>
-            <a:off x="152400" y="1219200"/>
+            <a:off x="217712" y="1055920"/>
             <a:ext cx="8915400" cy="533400"/>
           </a:xfrm>
           <a:prstGeom prst="rect">
@@ -26259,8 +26339,9 @@
               <a:defRPr/>
             </a:pPr>
             <a:r>
-              <a:rPr lang="en-US" sz="3200" dirty="0">
-                <a:latin typeface="+mn-lt"/>
+              <a:rPr lang="en-US" sz="2800" b="0" dirty="0">
+                <a:latin typeface="Calibri" pitchFamily="34" charset="0"/>
+                <a:cs typeface="Calibri" pitchFamily="34" charset="0"/>
               </a:rPr>
               <a:t>Global Twiddle Factors:</a:t>
             </a:r>
@@ -26278,7 +26359,7 @@
         <p:spPr bwMode="auto">
           <a:xfrm>
             <a:off x="228600" y="2667000"/>
-            <a:ext cx="8686800" cy="1676400"/>
+            <a:ext cx="8686800" cy="1317171"/>
           </a:xfrm>
           <a:prstGeom prst="rect">
             <a:avLst/>
@@ -26304,11 +26385,29 @@
               <a:defRPr/>
             </a:pPr>
             <a:r>
-              <a:rPr lang="en-US" sz="3200" dirty="0">
-                <a:latin typeface="+mn-lt"/>
+              <a:rPr lang="en-US" sz="2800" b="0" dirty="0">
+                <a:latin typeface="Calibri" pitchFamily="34" charset="0"/>
+                <a:cs typeface="Calibri" pitchFamily="34" charset="0"/>
               </a:rPr>
-              <a:t>Total of N1*N2 global twiddle factors are required.</a:t>
-            </a:r>
+              <a:t>Total of N1*N2 global twiddle factors are required</a:t>
+            </a:r>
+            <a:r>
+              <a:rPr lang="en-US" sz="2800" b="0" dirty="0" smtClean="0">
+                <a:latin typeface="Calibri" pitchFamily="34" charset="0"/>
+                <a:cs typeface="Calibri" pitchFamily="34" charset="0"/>
+              </a:rPr>
+              <a:t>.</a:t>
+            </a:r>
+            <a:br>
+              <a:rPr lang="en-US" sz="2800" b="0" dirty="0" smtClean="0">
+                <a:latin typeface="Calibri" pitchFamily="34" charset="0"/>
+                <a:cs typeface="Calibri" pitchFamily="34" charset="0"/>
+              </a:rPr>
+            </a:br>
+            <a:endParaRPr lang="en-US" sz="1000" b="0" dirty="0">
+              <a:latin typeface="Calibri" pitchFamily="34" charset="0"/>
+              <a:cs typeface="Calibri" pitchFamily="34" charset="0"/>
+            </a:endParaRPr>
           </a:p>
           <a:p>
             <a:pPr marL="342900" indent="-342900" eaLnBrk="1" hangingPunct="1">
@@ -26320,8 +26419,9 @@
               <a:defRPr/>
             </a:pPr>
             <a:r>
-              <a:rPr lang="en-US" sz="3200" dirty="0">
-                <a:latin typeface="+mn-lt"/>
+              <a:rPr lang="en-US" sz="2800" b="0" dirty="0">
+                <a:latin typeface="Calibri" pitchFamily="34" charset="0"/>
+                <a:cs typeface="Calibri" pitchFamily="34" charset="0"/>
               </a:rPr>
               <a:t>N1 are actually pre-computed and saved.</a:t>
             </a:r>
@@ -26338,7 +26438,7 @@
         </p:nvSpPr>
         <p:spPr bwMode="auto">
           <a:xfrm>
-            <a:off x="304800" y="5562600"/>
+            <a:off x="304800" y="5260532"/>
             <a:ext cx="8686800" cy="685800"/>
           </a:xfrm>
           <a:prstGeom prst="rect">
@@ -26365,8 +26465,9 @@
               <a:defRPr/>
             </a:pPr>
             <a:r>
-              <a:rPr lang="en-US" sz="3200" dirty="0">
-                <a:latin typeface="+mn-lt"/>
+              <a:rPr lang="en-US" sz="3200" b="0" dirty="0">
+                <a:latin typeface="Calibri" pitchFamily="34" charset="0"/>
+                <a:cs typeface="Calibri" pitchFamily="34" charset="0"/>
               </a:rPr>
               <a:t>The rest are computed during run time.</a:t>
             </a:r>
@@ -26382,7 +26483,7 @@
           <p:nvPr/>
         </p:nvGraphicFramePr>
         <p:xfrm>
-          <a:off x="1873250" y="4495800"/>
+          <a:off x="1873250" y="3989632"/>
           <a:ext cx="1968500" cy="1066800"/>
         </p:xfrm>
         <a:graphic>
@@ -26402,7 +26503,7 @@
           <p:nvPr/>
         </p:nvGraphicFramePr>
         <p:xfrm>
-          <a:off x="4572000" y="4800600"/>
+          <a:off x="4572000" y="4294432"/>
           <a:ext cx="2362200" cy="457200"/>
         </p:xfrm>
         <a:graphic>
@@ -26500,7 +26601,7 @@
             </a:pPr>
             <a:r>
               <a:rPr lang="en-US" dirty="0" smtClean="0"/>
-              <a:t>Each core has dedicated in/out DMA channels</a:t>
+              <a:t>Each core has dedicated in/out DMA channels.</a:t>
             </a:r>
           </a:p>
           <a:p>
@@ -26511,7 +26612,7 @@
             </a:pPr>
             <a:r>
               <a:rPr lang="en-US" dirty="0" smtClean="0"/>
-              <a:t>Each core configures and triggers its own DMA channels for input/output</a:t>
+              <a:t>Each core configures and triggers its own DMA channels for input/output.</a:t>
             </a:r>
           </a:p>
           <a:p>
@@ -26533,7 +26634,7 @@
             </a:pPr>
             <a:r>
               <a:rPr lang="en-US" dirty="0" smtClean="0"/>
-              <a:t>For each block on every core</a:t>
+              <a:t>For each block on every core:</a:t>
             </a:r>
           </a:p>
           <a:p>
@@ -26544,7 +26645,7 @@
             </a:pPr>
             <a:r>
               <a:rPr lang="en-US" dirty="0" smtClean="0"/>
-              <a:t>DMA transfer 8 lines of FFT input</a:t>
+              <a:t>DMA transfers 8 lines of FFT input</a:t>
             </a:r>
           </a:p>
           <a:p>
@@ -26672,7 +26773,7 @@
             <a:pPr lvl="1" eaLnBrk="1" hangingPunct="1"/>
             <a:r>
               <a:rPr lang="en-US" dirty="0" smtClean="0"/>
-              <a:t>DMA bring samples from DDR to L2 SRAM</a:t>
+              <a:t>DMA brings samples from DDR to L2 SRAM</a:t>
             </a:r>
           </a:p>
           <a:p>
@@ -26767,7 +26868,7 @@
             <a:pPr eaLnBrk="1" hangingPunct="1"/>
             <a:r>
               <a:rPr lang="en-US" dirty="0" smtClean="0"/>
-              <a:t>FFT: single precision floating point FFT from c66x DSPLIB</a:t>
+              <a:t>FFT: single-precision, floating-point FFT from c66x DSPLIB</a:t>
             </a:r>
           </a:p>
           <a:p>
@@ -26851,7 +26952,7 @@
         <p:spPr>
           <a:xfrm>
             <a:off x="333375" y="924792"/>
-            <a:ext cx="8467725" cy="5455226"/>
+            <a:ext cx="8810625" cy="5455226"/>
           </a:xfrm>
         </p:spPr>
         <p:txBody>
@@ -26860,33 +26961,33 @@
           <a:p>
             <a:r>
               <a:rPr lang="en-US" dirty="0" smtClean="0"/>
-              <a:t>Increase of data rate </a:t>
+              <a:t>Increased data rate </a:t>
             </a:r>
           </a:p>
           <a:p>
             <a:pPr lvl="1"/>
             <a:r>
               <a:rPr lang="en-US" dirty="0" smtClean="0"/>
-              <a:t>Think about Ethernet, from 10Mbps to 10Gbps</a:t>
+              <a:t>For example, Ethernet; From 10Mbps to 10Gbps</a:t>
             </a:r>
           </a:p>
           <a:p>
             <a:r>
               <a:rPr lang="en-US" dirty="0" smtClean="0"/>
-              <a:t>Increase in algorithm complexity </a:t>
+              <a:t>Increased algorithm complexity </a:t>
             </a:r>
           </a:p>
           <a:p>
             <a:pPr lvl="1"/>
             <a:r>
               <a:rPr lang="en-US" dirty="0" smtClean="0"/>
-              <a:t>Think about typical face recognition, finger prints</a:t>
+              <a:t>For example, biometrics (facial recognition, fingerprints, etc.)</a:t>
             </a:r>
           </a:p>
           <a:p>
             <a:r>
               <a:rPr lang="en-US" dirty="0" smtClean="0"/>
-              <a:t>Increase in development cost</a:t>
+              <a:t>Increased development cost</a:t>
             </a:r>
           </a:p>
           <a:p>
@@ -26906,28 +27007,35 @@
             <a:pPr lvl="1"/>
             <a:r>
               <a:rPr lang="en-US" dirty="0" smtClean="0"/>
-              <a:t>Fast peripherals part of the device</a:t>
+              <a:t>Fast peripherals incorporated into the device</a:t>
             </a:r>
           </a:p>
           <a:p>
             <a:pPr lvl="1"/>
             <a:r>
               <a:rPr lang="en-US" dirty="0" smtClean="0"/>
-              <a:t>High performances, fixed point and floating point processing power. Paralell data movement.</a:t>
+              <a:t>High-performance, fixed- and floating-point processing power</a:t>
             </a:r>
           </a:p>
           <a:p>
             <a:pPr lvl="1"/>
             <a:r>
               <a:rPr lang="en-US" dirty="0" smtClean="0"/>
-              <a:t>Off the shelf devices</a:t>
+              <a:t>Parallel data movement</a:t>
             </a:r>
           </a:p>
           <a:p>
             <a:pPr lvl="1"/>
             <a:r>
               <a:rPr lang="en-US" dirty="0" smtClean="0"/>
-              <a:t>Elaborate set of  software tools </a:t>
+              <a:t>Off-the-shelf devices</a:t>
+            </a:r>
+          </a:p>
+          <a:p>
+            <a:pPr lvl="1"/>
+            <a:r>
+              <a:rPr lang="en-US" dirty="0" smtClean="0"/>
+              <a:t>Elaborate set of software development tools </a:t>
             </a:r>
           </a:p>
           <a:p>
@@ -27198,11 +27306,14 @@
               <a:buChar char="•"/>
             </a:pPr>
             <a:r>
-              <a:rPr lang="en-US" altLang="zh-CN" sz="2400" b="0" dirty="0">
+              <a:rPr lang="en-US" altLang="zh-CN" sz="2400" b="0" dirty="0" smtClean="0">
                 <a:ea typeface="SimSun" charset="-122"/>
               </a:rPr>
-              <a:t>Network gateway, speech/voice processing</a:t>
-            </a:r>
+              <a:t>Voice processing in network gateways: </a:t>
+            </a:r>
+            <a:endParaRPr lang="en-US" altLang="zh-CN" sz="2400" b="0" dirty="0">
+              <a:ea typeface="SimSun" charset="-122"/>
+            </a:endParaRPr>
           </a:p>
           <a:p>
             <a:pPr marL="800100" lvl="1" indent="-342900" eaLnBrk="0" hangingPunct="0">
@@ -27246,13 +27357,24 @@
               <a:rPr lang="en-US" altLang="zh-CN" sz="2400" b="0" dirty="0">
                 <a:ea typeface="SimSun" charset="-122"/>
               </a:rPr>
-              <a:t>Large, complex, floating point </a:t>
+              <a:t>Large, complex, </a:t>
             </a:r>
             <a:r>
               <a:rPr lang="en-US" altLang="zh-CN" sz="2400" b="0" dirty="0" smtClean="0">
                 <a:ea typeface="SimSun" charset="-122"/>
               </a:rPr>
-              <a:t>FFT (Radar applications and others)</a:t>
+              <a:t>floating-point FFT</a:t>
+            </a:r>
+            <a:br>
+              <a:rPr lang="en-US" altLang="zh-CN" sz="2400" b="0" dirty="0" smtClean="0">
+                <a:ea typeface="SimSun" charset="-122"/>
+              </a:rPr>
+            </a:br>
+            <a:r>
+              <a:rPr lang="en-US" altLang="zh-CN" sz="2400" b="0" dirty="0" smtClean="0">
+                <a:ea typeface="SimSun" charset="-122"/>
+              </a:rPr>
+              <a:t>(Radar applications and others)</a:t>
             </a:r>
             <a:endParaRPr lang="en-US" altLang="zh-CN" sz="2400" b="0" dirty="0">
               <a:ea typeface="SimSun" charset="-122"/>
@@ -27306,7 +27428,7 @@
               <a:rPr lang="en-US" altLang="zh-CN" sz="2400" b="0" dirty="0" smtClean="0">
                 <a:ea typeface="SimSun" charset="-122"/>
               </a:rPr>
-              <a:t>LTE, WiMAX, other wireless physical layers </a:t>
+              <a:t>LTE, WiMAX, and other wireless physical layers </a:t>
             </a:r>
           </a:p>
           <a:p>
@@ -27321,22 +27443,7 @@
               <a:rPr lang="en-US" altLang="zh-CN" sz="2400" b="0" dirty="0" smtClean="0">
                 <a:ea typeface="SimSun" charset="-122"/>
               </a:rPr>
-              <a:t>Scientific processing (Oil explorations)</a:t>
-            </a:r>
-          </a:p>
-          <a:p>
-            <a:pPr marL="800100" lvl="1" indent="-342900" eaLnBrk="0" hangingPunct="0">
-              <a:spcBef>
-                <a:spcPct val="20000"/>
-              </a:spcBef>
-              <a:buFontTx/>
-              <a:buChar char="•"/>
-            </a:pPr>
-            <a:r>
-              <a:rPr lang="en-US" altLang="zh-CN" sz="2400" b="0" dirty="0" smtClean="0">
-                <a:ea typeface="SimSun" charset="-122"/>
-              </a:rPr>
-              <a:t>Large complex matrix manipulations</a:t>
+              <a:t>Scientific processing of large, complex matrix manipulations (e.g., oil exploration)</a:t>
             </a:r>
           </a:p>
           <a:p>
@@ -27351,7 +27458,7 @@
               <a:rPr lang="en-US" altLang="zh-CN" sz="2400" b="0" dirty="0" smtClean="0">
                 <a:ea typeface="SimSun" charset="-122"/>
               </a:rPr>
-              <a:t>Your applications</a:t>
+              <a:t>What are your applications?</a:t>
             </a:r>
           </a:p>
           <a:p>
@@ -27457,7 +27564,7 @@
                   <a:schemeClr val="tx2"/>
                 </a:solidFill>
               </a:rPr>
-              <a:t>Master Slave Model</a:t>
+              <a:t>Master-Slave Model (1/2)</a:t>
             </a:r>
             <a:r>
               <a:rPr lang="en-US" dirty="0" smtClean="0"/>
@@ -27498,19 +27605,19 @@
           <a:p>
             <a:r>
               <a:rPr lang="en-US" dirty="0" smtClean="0"/>
-              <a:t>Master responsible for execution scheduling and data availability</a:t>
+              <a:t>Master is responsible for execution, scheduling, and data availability.</a:t>
             </a:r>
           </a:p>
           <a:p>
             <a:r>
               <a:rPr lang="en-US" dirty="0" smtClean="0"/>
-              <a:t>Required fast and cheap (in terms of CPU resources) messages and data exchange between cores</a:t>
+              <a:t>Requires fast and cheap (in terms of CPU resources) messages and data exchange between cores</a:t>
             </a:r>
           </a:p>
           <a:p>
             <a:r>
               <a:rPr lang="en-US" dirty="0" smtClean="0"/>
-              <a:t>Typical applications consists of many small independent threads</a:t>
+              <a:t>Typical applications consist of many small independent threads.</a:t>
             </a:r>
           </a:p>
           <a:p>
@@ -27586,7 +27693,7 @@
                   <a:schemeClr val="tx2"/>
                 </a:solidFill>
               </a:rPr>
-              <a:t>Master Slave Model (2)</a:t>
+              <a:t>Master-Slave Model (2/2)</a:t>
             </a:r>
             <a:r>
               <a:rPr lang="en-US" dirty="0" smtClean="0"/>
@@ -27611,8 +27718,8 @@
         </p:nvSpPr>
         <p:spPr>
           <a:xfrm>
-            <a:off x="364547" y="3616036"/>
-            <a:ext cx="8467725" cy="2743200"/>
+            <a:off x="364547" y="4141349"/>
+            <a:ext cx="8467725" cy="2278916"/>
           </a:xfrm>
         </p:spPr>
         <p:txBody>
@@ -27642,7 +27749,7 @@
             <a:pPr lvl="1"/>
             <a:r>
               <a:rPr lang="en-US" dirty="0" smtClean="0"/>
-              <a:t>JPEG 2000 – multiple frames</a:t>
+              <a:t>JPEG 2000; multiple frames</a:t>
             </a:r>
           </a:p>
           <a:p>
@@ -27651,10 +27758,6 @@
               <a:rPr lang="en-US" dirty="0" smtClean="0"/>
               <a:t>VLFFT</a:t>
             </a:r>
-          </a:p>
-          <a:p>
-            <a:pPr lvl="1"/>
-            <a:endParaRPr lang="en-US" dirty="0" smtClean="0"/>
           </a:p>
         </p:txBody>
       </p:sp>
@@ -27668,8 +27771,8 @@
         </p:nvGrpSpPr>
         <p:grpSpPr bwMode="auto">
           <a:xfrm>
-            <a:off x="2462647" y="1686213"/>
-            <a:ext cx="2987098" cy="1794741"/>
+            <a:off x="2441660" y="1371606"/>
+            <a:ext cx="4143982" cy="2733465"/>
             <a:chOff x="3509" y="658"/>
             <a:chExt cx="1593" cy="912"/>
           </a:xfrm>
@@ -28184,7 +28287,7 @@
                   <a:schemeClr val="tx2"/>
                 </a:solidFill>
               </a:rPr>
-              <a:t> Data Flow Model</a:t>
+              <a:t> Data Flow Model (1/2)</a:t>
             </a:r>
             <a:endParaRPr lang="en-US" dirty="0" smtClean="0"/>
           </a:p>
@@ -28212,33 +28315,47 @@
           <a:p>
             <a:r>
               <a:rPr lang="en-US" dirty="0" smtClean="0"/>
-              <a:t>Distributed Control and execution</a:t>
+              <a:t>Distributed control and execution</a:t>
             </a:r>
           </a:p>
           <a:p>
             <a:r>
               <a:rPr lang="en-US" dirty="0" smtClean="0"/>
-              <a:t>The algorithm is partitioned into multiple block, each block is processed by a core, and the output of one core is the input to the next core</a:t>
+              <a:t>The algorithm is partitioned into multiple blocks.</a:t>
             </a:r>
           </a:p>
           <a:p>
             <a:pPr lvl="1"/>
             <a:r>
               <a:rPr lang="en-US" dirty="0" smtClean="0"/>
-              <a:t>Exchange data and messages between any cores</a:t>
-            </a:r>
-          </a:p>
-          <a:p>
+              <a:t>Each block is processed by a core.</a:t>
+            </a:r>
+          </a:p>
+          <a:p>
+            <a:pPr lvl="1"/>
             <a:r>
               <a:rPr lang="en-US" dirty="0" smtClean="0"/>
-              <a:t>Big challenge – partition blocks to optimize performances</a:t>
+              <a:t>The output of one core is the input to the next core.</a:t>
             </a:r>
           </a:p>
           <a:p>
             <a:pPr lvl="1"/>
             <a:r>
               <a:rPr lang="en-US" dirty="0" smtClean="0"/>
-              <a:t>Required loose link between cores (queue system)</a:t>
+              <a:t>Data and messages are exchanged between all cores</a:t>
+            </a:r>
+          </a:p>
+          <a:p>
+            <a:r>
+              <a:rPr lang="en-US" dirty="0" smtClean="0"/>
+              <a:t>Challenge: How should blocks be partitioned to optimize performance?</a:t>
+            </a:r>
+          </a:p>
+          <a:p>
+            <a:pPr lvl="1"/>
+            <a:r>
+              <a:rPr lang="en-US" dirty="0" smtClean="0"/>
+              <a:t>Requires a loose link between cores (queue system)</a:t>
             </a:r>
           </a:p>
           <a:p>

--- a/trunk/slides/KeyStone Multicore Design.pptx
+++ b/trunk/slides/KeyStone Multicore Design.pptx
@@ -7,10 +7,10 @@
     <p:sldMasterId id="2147484224" r:id="rId3"/>
   </p:sldMasterIdLst>
   <p:notesMasterIdLst>
-    <p:notesMasterId r:id="rId55"/>
+    <p:notesMasterId r:id="rId53"/>
   </p:notesMasterIdLst>
   <p:handoutMasterIdLst>
-    <p:handoutMasterId r:id="rId56"/>
+    <p:handoutMasterId r:id="rId54"/>
   </p:handoutMasterIdLst>
   <p:sldIdLst>
     <p:sldId id="693" r:id="rId4"/>
@@ -33,42 +33,40 @@
     <p:sldId id="707" r:id="rId21"/>
     <p:sldId id="743" r:id="rId22"/>
     <p:sldId id="744" r:id="rId23"/>
-    <p:sldId id="745" r:id="rId24"/>
-    <p:sldId id="703" r:id="rId25"/>
-    <p:sldId id="662" r:id="rId26"/>
-    <p:sldId id="694" r:id="rId27"/>
-    <p:sldId id="686" r:id="rId28"/>
-    <p:sldId id="742" r:id="rId29"/>
-    <p:sldId id="741" r:id="rId30"/>
-    <p:sldId id="687" r:id="rId31"/>
-    <p:sldId id="688" r:id="rId32"/>
-    <p:sldId id="689" r:id="rId33"/>
-    <p:sldId id="690" r:id="rId34"/>
-    <p:sldId id="691" r:id="rId35"/>
-    <p:sldId id="692" r:id="rId36"/>
-    <p:sldId id="710" r:id="rId37"/>
-    <p:sldId id="720" r:id="rId38"/>
-    <p:sldId id="721" r:id="rId39"/>
-    <p:sldId id="722" r:id="rId40"/>
-    <p:sldId id="728" r:id="rId41"/>
-    <p:sldId id="731" r:id="rId42"/>
-    <p:sldId id="732" r:id="rId43"/>
-    <p:sldId id="734" r:id="rId44"/>
-    <p:sldId id="735" r:id="rId45"/>
-    <p:sldId id="723" r:id="rId46"/>
-    <p:sldId id="724" r:id="rId47"/>
-    <p:sldId id="725" r:id="rId48"/>
-    <p:sldId id="726" r:id="rId49"/>
-    <p:sldId id="714" r:id="rId50"/>
-    <p:sldId id="716" r:id="rId51"/>
-    <p:sldId id="717" r:id="rId52"/>
-    <p:sldId id="718" r:id="rId53"/>
-    <p:sldId id="719" r:id="rId54"/>
+    <p:sldId id="703" r:id="rId24"/>
+    <p:sldId id="662" r:id="rId25"/>
+    <p:sldId id="694" r:id="rId26"/>
+    <p:sldId id="686" r:id="rId27"/>
+    <p:sldId id="742" r:id="rId28"/>
+    <p:sldId id="741" r:id="rId29"/>
+    <p:sldId id="687" r:id="rId30"/>
+    <p:sldId id="688" r:id="rId31"/>
+    <p:sldId id="689" r:id="rId32"/>
+    <p:sldId id="690" r:id="rId33"/>
+    <p:sldId id="691" r:id="rId34"/>
+    <p:sldId id="692" r:id="rId35"/>
+    <p:sldId id="710" r:id="rId36"/>
+    <p:sldId id="720" r:id="rId37"/>
+    <p:sldId id="722" r:id="rId38"/>
+    <p:sldId id="728" r:id="rId39"/>
+    <p:sldId id="731" r:id="rId40"/>
+    <p:sldId id="732" r:id="rId41"/>
+    <p:sldId id="734" r:id="rId42"/>
+    <p:sldId id="735" r:id="rId43"/>
+    <p:sldId id="723" r:id="rId44"/>
+    <p:sldId id="724" r:id="rId45"/>
+    <p:sldId id="725" r:id="rId46"/>
+    <p:sldId id="726" r:id="rId47"/>
+    <p:sldId id="714" r:id="rId48"/>
+    <p:sldId id="716" r:id="rId49"/>
+    <p:sldId id="717" r:id="rId50"/>
+    <p:sldId id="718" r:id="rId51"/>
+    <p:sldId id="719" r:id="rId52"/>
   </p:sldIdLst>
   <p:sldSz cx="9144000" cy="6858000" type="screen4x3"/>
   <p:notesSz cx="7010400" cy="9296400"/>
   <p:custDataLst>
-    <p:tags r:id="rId57"/>
+    <p:tags r:id="rId55"/>
   </p:custDataLst>
   <p:defaultTextStyle>
     <a:defPPr>
@@ -2145,19 +2143,21 @@
       </p:grpSpPr>
       <p:sp>
         <p:nvSpPr>
-          <p:cNvPr id="2" name="Slide Image Placeholder 1"/>
-          <p:cNvSpPr>
-            <a:spLocks noGrp="1" noRot="1" noChangeAspect="1"/>
+          <p:cNvPr id="44033" name="Slide Image Placeholder 1"/>
+          <p:cNvSpPr>
+            <a:spLocks noGrp="1" noRot="1" noChangeAspect="1" noTextEdit="1"/>
           </p:cNvSpPr>
           <p:nvPr>
             <p:ph type="sldImg"/>
           </p:nvPr>
         </p:nvSpPr>
-        <p:spPr/>
-      </p:sp>
-      <p:sp>
-        <p:nvSpPr>
-          <p:cNvPr id="3" name="Notes Placeholder 2"/>
+        <p:spPr>
+          <a:ln/>
+        </p:spPr>
+      </p:sp>
+      <p:sp>
+        <p:nvSpPr>
+          <p:cNvPr id="44034" name="Notes Placeholder 2"/>
           <p:cNvSpPr>
             <a:spLocks noGrp="1"/>
           </p:cNvSpPr>
@@ -2165,43 +2165,41 @@
             <p:ph type="body" idx="1"/>
           </p:nvPr>
         </p:nvSpPr>
-        <p:spPr/>
-        <p:txBody>
-          <a:bodyPr>
-            <a:normAutofit/>
-          </a:bodyPr>
-          <a:lstStyle/>
-          <a:p>
-            <a:endParaRPr lang="en-US" dirty="0"/>
-          </a:p>
-        </p:txBody>
-      </p:sp>
-      <p:sp>
-        <p:nvSpPr>
-          <p:cNvPr id="4" name="Slide Number Placeholder 3"/>
-          <p:cNvSpPr>
-            <a:spLocks noGrp="1"/>
-          </p:cNvSpPr>
-          <p:nvPr>
-            <p:ph type="sldNum" sz="quarter" idx="10"/>
-          </p:nvPr>
-        </p:nvSpPr>
-        <p:spPr/>
+        <p:spPr>
+          <a:noFill/>
+          <a:ln/>
+        </p:spPr>
         <p:txBody>
           <a:bodyPr/>
           <a:lstStyle/>
           <a:p>
-            <a:pPr>
-              <a:defRPr/>
-            </a:pPr>
-            <a:fld id="{AADD6CCA-78B7-498B-B599-3F471BD712C6}" type="slidenum">
+            <a:endParaRPr lang="en-US" dirty="0" smtClean="0"/>
+          </a:p>
+        </p:txBody>
+      </p:sp>
+      <p:sp>
+        <p:nvSpPr>
+          <p:cNvPr id="44035" name="Slide Number Placeholder 3"/>
+          <p:cNvSpPr>
+            <a:spLocks noGrp="1"/>
+          </p:cNvSpPr>
+          <p:nvPr>
+            <p:ph type="sldNum" sz="quarter" idx="5"/>
+          </p:nvPr>
+        </p:nvSpPr>
+        <p:spPr>
+          <a:noFill/>
+        </p:spPr>
+        <p:txBody>
+          <a:bodyPr/>
+          <a:lstStyle/>
+          <a:p>
+            <a:fld id="{2168E797-3F41-4703-84AD-791D675ECE2B}" type="slidenum">
               <a:rPr lang="en-US" smtClean="0"/>
-              <a:pPr>
-                <a:defRPr/>
-              </a:pPr>
+              <a:pPr/>
               <a:t>22</a:t>
             </a:fld>
-            <a:endParaRPr lang="en-US" dirty="0"/>
+            <a:endParaRPr lang="en-US" dirty="0" smtClean="0"/>
           </a:p>
         </p:txBody>
       </p:sp>
@@ -2232,21 +2230,19 @@
       </p:grpSpPr>
       <p:sp>
         <p:nvSpPr>
-          <p:cNvPr id="44033" name="Slide Image Placeholder 1"/>
-          <p:cNvSpPr>
-            <a:spLocks noGrp="1" noRot="1" noChangeAspect="1" noTextEdit="1"/>
+          <p:cNvPr id="2" name="Slide Image Placeholder 1"/>
+          <p:cNvSpPr>
+            <a:spLocks noGrp="1" noRot="1" noChangeAspect="1"/>
           </p:cNvSpPr>
           <p:nvPr>
             <p:ph type="sldImg"/>
           </p:nvPr>
         </p:nvSpPr>
-        <p:spPr>
-          <a:ln/>
-        </p:spPr>
-      </p:sp>
-      <p:sp>
-        <p:nvSpPr>
-          <p:cNvPr id="44034" name="Notes Placeholder 2"/>
+        <p:spPr/>
+      </p:sp>
+      <p:sp>
+        <p:nvSpPr>
+          <p:cNvPr id="3" name="Notes Placeholder 2"/>
           <p:cNvSpPr>
             <a:spLocks noGrp="1"/>
           </p:cNvSpPr>
@@ -2254,41 +2250,43 @@
             <p:ph type="body" idx="1"/>
           </p:nvPr>
         </p:nvSpPr>
-        <p:spPr>
-          <a:noFill/>
-          <a:ln/>
-        </p:spPr>
+        <p:spPr/>
+        <p:txBody>
+          <a:bodyPr>
+            <a:normAutofit/>
+          </a:bodyPr>
+          <a:lstStyle/>
+          <a:p>
+            <a:endParaRPr lang="en-US" dirty="0"/>
+          </a:p>
+        </p:txBody>
+      </p:sp>
+      <p:sp>
+        <p:nvSpPr>
+          <p:cNvPr id="4" name="Slide Number Placeholder 3"/>
+          <p:cNvSpPr>
+            <a:spLocks noGrp="1"/>
+          </p:cNvSpPr>
+          <p:nvPr>
+            <p:ph type="sldNum" sz="quarter" idx="10"/>
+          </p:nvPr>
+        </p:nvSpPr>
+        <p:spPr/>
         <p:txBody>
           <a:bodyPr/>
           <a:lstStyle/>
           <a:p>
-            <a:endParaRPr lang="en-US" dirty="0" smtClean="0"/>
-          </a:p>
-        </p:txBody>
-      </p:sp>
-      <p:sp>
-        <p:nvSpPr>
-          <p:cNvPr id="44035" name="Slide Number Placeholder 3"/>
-          <p:cNvSpPr>
-            <a:spLocks noGrp="1"/>
-          </p:cNvSpPr>
-          <p:nvPr>
-            <p:ph type="sldNum" sz="quarter" idx="5"/>
-          </p:nvPr>
-        </p:nvSpPr>
-        <p:spPr>
-          <a:noFill/>
-        </p:spPr>
-        <p:txBody>
-          <a:bodyPr/>
-          <a:lstStyle/>
-          <a:p>
-            <a:fld id="{2168E797-3F41-4703-84AD-791D675ECE2B}" type="slidenum">
+            <a:pPr>
+              <a:defRPr/>
+            </a:pPr>
+            <a:fld id="{AADD6CCA-78B7-498B-B599-3F471BD712C6}" type="slidenum">
               <a:rPr lang="en-US" smtClean="0"/>
-              <a:pPr/>
+              <a:pPr>
+                <a:defRPr/>
+              </a:pPr>
               <a:t>23</a:t>
             </a:fld>
-            <a:endParaRPr lang="en-US" dirty="0" smtClean="0"/>
+            <a:endParaRPr lang="en-US" dirty="0"/>
           </a:p>
         </p:txBody>
       </p:sp>
@@ -2406,63 +2404,46 @@
       </p:grpSpPr>
       <p:sp>
         <p:nvSpPr>
-          <p:cNvPr id="2" name="Slide Image Placeholder 1"/>
-          <p:cNvSpPr>
-            <a:spLocks noGrp="1" noRot="1" noChangeAspect="1"/>
+          <p:cNvPr id="72706" name="Rectangle 2"/>
+          <p:cNvSpPr>
+            <a:spLocks noGrp="1" noRot="1" noChangeAspect="1" noChangeArrowheads="1" noTextEdit="1"/>
           </p:cNvSpPr>
           <p:nvPr>
             <p:ph type="sldImg"/>
           </p:nvPr>
         </p:nvSpPr>
-        <p:spPr/>
-      </p:sp>
-      <p:sp>
-        <p:nvSpPr>
-          <p:cNvPr id="3" name="Notes Placeholder 2"/>
-          <p:cNvSpPr>
-            <a:spLocks noGrp="1"/>
+        <p:spPr>
+          <a:ln/>
+        </p:spPr>
+      </p:sp>
+      <p:sp>
+        <p:nvSpPr>
+          <p:cNvPr id="72707" name="Rectangle 3"/>
+          <p:cNvSpPr>
+            <a:spLocks noGrp="1" noChangeArrowheads="1"/>
           </p:cNvSpPr>
           <p:nvPr>
             <p:ph type="body" idx="1"/>
           </p:nvPr>
         </p:nvSpPr>
-        <p:spPr/>
-        <p:txBody>
-          <a:bodyPr>
-            <a:normAutofit/>
-          </a:bodyPr>
-          <a:lstStyle/>
-          <a:p>
-            <a:endParaRPr lang="en-US" dirty="0"/>
-          </a:p>
-        </p:txBody>
-      </p:sp>
-      <p:sp>
-        <p:nvSpPr>
-          <p:cNvPr id="4" name="Slide Number Placeholder 3"/>
-          <p:cNvSpPr>
-            <a:spLocks noGrp="1"/>
-          </p:cNvSpPr>
-          <p:nvPr>
-            <p:ph type="sldNum" sz="quarter" idx="10"/>
-          </p:nvPr>
-        </p:nvSpPr>
-        <p:spPr/>
+        <p:spPr>
+          <a:noFill/>
+          <a:ln/>
+        </p:spPr>
         <p:txBody>
           <a:bodyPr/>
           <a:lstStyle/>
           <a:p>
-            <a:pPr>
-              <a:defRPr/>
-            </a:pPr>
-            <a:fld id="{AADD6CCA-78B7-498B-B599-3F471BD712C6}" type="slidenum">
-              <a:rPr lang="en-US" smtClean="0"/>
-              <a:pPr>
-                <a:defRPr/>
-              </a:pPr>
-              <a:t>25</a:t>
-            </a:fld>
-            <a:endParaRPr lang="en-US" dirty="0"/>
+            <a:r>
+              <a:rPr lang="en-US" dirty="0" smtClean="0"/>
+              <a:t>Entropy decoder – decodes each frame independently</a:t>
+            </a:r>
+          </a:p>
+          <a:p>
+            <a:r>
+              <a:rPr lang="en-US" dirty="0" smtClean="0"/>
+              <a:t>Motion estimation – varies algorithm, but there are often interdependencies</a:t>
+            </a:r>
           </a:p>
         </p:txBody>
       </p:sp>
@@ -2493,46 +2474,63 @@
       </p:grpSpPr>
       <p:sp>
         <p:nvSpPr>
-          <p:cNvPr id="72706" name="Rectangle 2"/>
-          <p:cNvSpPr>
-            <a:spLocks noGrp="1" noRot="1" noChangeAspect="1" noChangeArrowheads="1" noTextEdit="1"/>
+          <p:cNvPr id="2" name="Slide Image Placeholder 1"/>
+          <p:cNvSpPr>
+            <a:spLocks noGrp="1" noRot="1" noChangeAspect="1"/>
           </p:cNvSpPr>
           <p:nvPr>
             <p:ph type="sldImg"/>
           </p:nvPr>
         </p:nvSpPr>
-        <p:spPr>
-          <a:ln/>
-        </p:spPr>
-      </p:sp>
-      <p:sp>
-        <p:nvSpPr>
-          <p:cNvPr id="72707" name="Rectangle 3"/>
-          <p:cNvSpPr>
-            <a:spLocks noGrp="1" noChangeArrowheads="1"/>
+        <p:spPr/>
+      </p:sp>
+      <p:sp>
+        <p:nvSpPr>
+          <p:cNvPr id="3" name="Notes Placeholder 2"/>
+          <p:cNvSpPr>
+            <a:spLocks noGrp="1"/>
           </p:cNvSpPr>
           <p:nvPr>
             <p:ph type="body" idx="1"/>
           </p:nvPr>
         </p:nvSpPr>
-        <p:spPr>
-          <a:noFill/>
-          <a:ln/>
-        </p:spPr>
+        <p:spPr/>
+        <p:txBody>
+          <a:bodyPr>
+            <a:normAutofit/>
+          </a:bodyPr>
+          <a:lstStyle/>
+          <a:p>
+            <a:endParaRPr lang="en-US" dirty="0"/>
+          </a:p>
+        </p:txBody>
+      </p:sp>
+      <p:sp>
+        <p:nvSpPr>
+          <p:cNvPr id="4" name="Slide Number Placeholder 3"/>
+          <p:cNvSpPr>
+            <a:spLocks noGrp="1"/>
+          </p:cNvSpPr>
+          <p:nvPr>
+            <p:ph type="sldNum" sz="quarter" idx="10"/>
+          </p:nvPr>
+        </p:nvSpPr>
+        <p:spPr/>
         <p:txBody>
           <a:bodyPr/>
           <a:lstStyle/>
           <a:p>
-            <a:r>
-              <a:rPr lang="en-US" dirty="0" smtClean="0"/>
-              <a:t>Entropy decoder – decodes each frame independently</a:t>
-            </a:r>
-          </a:p>
-          <a:p>
-            <a:r>
-              <a:rPr lang="en-US" dirty="0" smtClean="0"/>
-              <a:t>Motion estimation – varies algorithm, but there are often interdependencies</a:t>
-            </a:r>
+            <a:pPr>
+              <a:defRPr/>
+            </a:pPr>
+            <a:fld id="{AADD6CCA-78B7-498B-B599-3F471BD712C6}" type="slidenum">
+              <a:rPr lang="en-US" smtClean="0"/>
+              <a:pPr>
+                <a:defRPr/>
+              </a:pPr>
+              <a:t>26</a:t>
+            </a:fld>
+            <a:endParaRPr lang="en-US" dirty="0"/>
           </a:p>
         </p:txBody>
       </p:sp>
@@ -3172,19 +3170,21 @@
       </p:grpSpPr>
       <p:sp>
         <p:nvSpPr>
-          <p:cNvPr id="2" name="Slide Image Placeholder 1"/>
-          <p:cNvSpPr>
-            <a:spLocks noGrp="1" noRot="1" noChangeAspect="1"/>
+          <p:cNvPr id="44033" name="Slide Image Placeholder 1"/>
+          <p:cNvSpPr>
+            <a:spLocks noGrp="1" noRot="1" noChangeAspect="1" noTextEdit="1"/>
           </p:cNvSpPr>
           <p:nvPr>
             <p:ph type="sldImg"/>
           </p:nvPr>
         </p:nvSpPr>
-        <p:spPr/>
-      </p:sp>
-      <p:sp>
-        <p:nvSpPr>
-          <p:cNvPr id="3" name="Notes Placeholder 2"/>
+        <p:spPr>
+          <a:ln/>
+        </p:spPr>
+      </p:sp>
+      <p:sp>
+        <p:nvSpPr>
+          <p:cNvPr id="44034" name="Notes Placeholder 2"/>
           <p:cNvSpPr>
             <a:spLocks noGrp="1"/>
           </p:cNvSpPr>
@@ -3192,43 +3192,41 @@
             <p:ph type="body" idx="1"/>
           </p:nvPr>
         </p:nvSpPr>
-        <p:spPr/>
-        <p:txBody>
-          <a:bodyPr>
-            <a:normAutofit/>
-          </a:bodyPr>
-          <a:lstStyle/>
-          <a:p>
-            <a:endParaRPr lang="en-US" dirty="0"/>
-          </a:p>
-        </p:txBody>
-      </p:sp>
-      <p:sp>
-        <p:nvSpPr>
-          <p:cNvPr id="4" name="Slide Number Placeholder 3"/>
-          <p:cNvSpPr>
-            <a:spLocks noGrp="1"/>
-          </p:cNvSpPr>
-          <p:nvPr>
-            <p:ph type="sldNum" sz="quarter" idx="10"/>
-          </p:nvPr>
-        </p:nvSpPr>
-        <p:spPr/>
+        <p:spPr>
+          <a:noFill/>
+          <a:ln/>
+        </p:spPr>
         <p:txBody>
           <a:bodyPr/>
           <a:lstStyle/>
           <a:p>
-            <a:pPr>
-              <a:defRPr/>
-            </a:pPr>
-            <a:fld id="{AADD6CCA-78B7-498B-B599-3F471BD712C6}" type="slidenum">
+            <a:endParaRPr lang="en-US" dirty="0" smtClean="0"/>
+          </a:p>
+        </p:txBody>
+      </p:sp>
+      <p:sp>
+        <p:nvSpPr>
+          <p:cNvPr id="44035" name="Slide Number Placeholder 3"/>
+          <p:cNvSpPr>
+            <a:spLocks noGrp="1"/>
+          </p:cNvSpPr>
+          <p:nvPr>
+            <p:ph type="sldNum" sz="quarter" idx="5"/>
+          </p:nvPr>
+        </p:nvSpPr>
+        <p:spPr>
+          <a:noFill/>
+        </p:spPr>
+        <p:txBody>
+          <a:bodyPr/>
+          <a:lstStyle/>
+          <a:p>
+            <a:fld id="{2168E797-3F41-4703-84AD-791D675ECE2B}" type="slidenum">
               <a:rPr lang="en-US" smtClean="0"/>
-              <a:pPr>
-                <a:defRPr/>
-              </a:pPr>
+              <a:pPr/>
               <a:t>33</a:t>
             </a:fld>
-            <a:endParaRPr lang="en-US" dirty="0"/>
+            <a:endParaRPr lang="en-US" dirty="0" smtClean="0"/>
           </a:p>
         </p:txBody>
       </p:sp>
@@ -3259,21 +3257,19 @@
       </p:grpSpPr>
       <p:sp>
         <p:nvSpPr>
-          <p:cNvPr id="44033" name="Slide Image Placeholder 1"/>
-          <p:cNvSpPr>
-            <a:spLocks noGrp="1" noRot="1" noChangeAspect="1" noTextEdit="1"/>
+          <p:cNvPr id="2" name="Slide Image Placeholder 1"/>
+          <p:cNvSpPr>
+            <a:spLocks noGrp="1" noRot="1" noChangeAspect="1"/>
           </p:cNvSpPr>
           <p:nvPr>
             <p:ph type="sldImg"/>
           </p:nvPr>
         </p:nvSpPr>
-        <p:spPr>
-          <a:ln/>
-        </p:spPr>
-      </p:sp>
-      <p:sp>
-        <p:nvSpPr>
-          <p:cNvPr id="44034" name="Notes Placeholder 2"/>
+        <p:spPr/>
+      </p:sp>
+      <p:sp>
+        <p:nvSpPr>
+          <p:cNvPr id="3" name="Notes Placeholder 2"/>
           <p:cNvSpPr>
             <a:spLocks noGrp="1"/>
           </p:cNvSpPr>
@@ -3281,41 +3277,38 @@
             <p:ph type="body" idx="1"/>
           </p:nvPr>
         </p:nvSpPr>
-        <p:spPr>
-          <a:noFill/>
-          <a:ln/>
-        </p:spPr>
+        <p:spPr/>
+        <p:txBody>
+          <a:bodyPr>
+            <a:normAutofit/>
+          </a:bodyPr>
+          <a:lstStyle/>
+          <a:p>
+            <a:endParaRPr lang="en-US" dirty="0"/>
+          </a:p>
+        </p:txBody>
+      </p:sp>
+      <p:sp>
+        <p:nvSpPr>
+          <p:cNvPr id="4" name="Slide Number Placeholder 3"/>
+          <p:cNvSpPr>
+            <a:spLocks noGrp="1"/>
+          </p:cNvSpPr>
+          <p:nvPr>
+            <p:ph type="sldNum" sz="quarter" idx="10"/>
+          </p:nvPr>
+        </p:nvSpPr>
+        <p:spPr/>
         <p:txBody>
           <a:bodyPr/>
           <a:lstStyle/>
           <a:p>
-            <a:endParaRPr lang="en-US" dirty="0" smtClean="0"/>
-          </a:p>
-        </p:txBody>
-      </p:sp>
-      <p:sp>
-        <p:nvSpPr>
-          <p:cNvPr id="44035" name="Slide Number Placeholder 3"/>
-          <p:cNvSpPr>
-            <a:spLocks noGrp="1"/>
-          </p:cNvSpPr>
-          <p:nvPr>
-            <p:ph type="sldNum" sz="quarter" idx="5"/>
-          </p:nvPr>
-        </p:nvSpPr>
-        <p:spPr>
-          <a:noFill/>
-        </p:spPr>
-        <p:txBody>
-          <a:bodyPr/>
-          <a:lstStyle/>
-          <a:p>
-            <a:fld id="{2168E797-3F41-4703-84AD-791D675ECE2B}" type="slidenum">
+            <a:fld id="{EB2010C2-4C08-4395-86F9-5F2109F05CD1}" type="slidenum">
               <a:rPr lang="en-US" smtClean="0"/>
               <a:pPr/>
               <a:t>34</a:t>
             </a:fld>
-            <a:endParaRPr lang="en-US" dirty="0" smtClean="0"/>
+            <a:endParaRPr lang="en-US" dirty="0"/>
           </a:p>
         </p:txBody>
       </p:sp>
@@ -4718,170 +4711,6 @@
                 <a:defRPr/>
               </a:pPr>
               <a:t>5</a:t>
-            </a:fld>
-            <a:endParaRPr lang="en-US" dirty="0"/>
-          </a:p>
-        </p:txBody>
-      </p:sp>
-    </p:spTree>
-  </p:cSld>
-  <p:clrMapOvr>
-    <a:masterClrMapping/>
-  </p:clrMapOvr>
-</p:notes>
-</file>
-
-<file path=ppt/notesSlides/notesSlide50.xml><?xml version="1.0" encoding="utf-8"?>
-<p:notes xmlns:a="http://schemas.openxmlformats.org/drawingml/2006/main" xmlns:r="http://schemas.openxmlformats.org/officeDocument/2006/relationships" xmlns:p="http://schemas.openxmlformats.org/presentationml/2006/main">
-  <p:cSld>
-    <p:spTree>
-      <p:nvGrpSpPr>
-        <p:cNvPr id="1" name=""/>
-        <p:cNvGrpSpPr/>
-        <p:nvPr/>
-      </p:nvGrpSpPr>
-      <p:grpSpPr>
-        <a:xfrm>
-          <a:off x="0" y="0"/>
-          <a:ext cx="0" cy="0"/>
-          <a:chOff x="0" y="0"/>
-          <a:chExt cx="0" cy="0"/>
-        </a:xfrm>
-      </p:grpSpPr>
-      <p:sp>
-        <p:nvSpPr>
-          <p:cNvPr id="2" name="Slide Image Placeholder 1"/>
-          <p:cNvSpPr>
-            <a:spLocks noGrp="1" noRot="1" noChangeAspect="1"/>
-          </p:cNvSpPr>
-          <p:nvPr>
-            <p:ph type="sldImg"/>
-          </p:nvPr>
-        </p:nvSpPr>
-        <p:spPr/>
-      </p:sp>
-      <p:sp>
-        <p:nvSpPr>
-          <p:cNvPr id="3" name="Notes Placeholder 2"/>
-          <p:cNvSpPr>
-            <a:spLocks noGrp="1"/>
-          </p:cNvSpPr>
-          <p:nvPr>
-            <p:ph type="body" idx="1"/>
-          </p:nvPr>
-        </p:nvSpPr>
-        <p:spPr/>
-        <p:txBody>
-          <a:bodyPr>
-            <a:normAutofit/>
-          </a:bodyPr>
-          <a:lstStyle/>
-          <a:p>
-            <a:endParaRPr lang="en-US" dirty="0"/>
-          </a:p>
-        </p:txBody>
-      </p:sp>
-      <p:sp>
-        <p:nvSpPr>
-          <p:cNvPr id="4" name="Slide Number Placeholder 3"/>
-          <p:cNvSpPr>
-            <a:spLocks noGrp="1"/>
-          </p:cNvSpPr>
-          <p:nvPr>
-            <p:ph type="sldNum" sz="quarter" idx="10"/>
-          </p:nvPr>
-        </p:nvSpPr>
-        <p:spPr/>
-        <p:txBody>
-          <a:bodyPr/>
-          <a:lstStyle/>
-          <a:p>
-            <a:fld id="{EB2010C2-4C08-4395-86F9-5F2109F05CD1}" type="slidenum">
-              <a:rPr lang="en-US" smtClean="0"/>
-              <a:pPr/>
-              <a:t>50</a:t>
-            </a:fld>
-            <a:endParaRPr lang="en-US" dirty="0"/>
-          </a:p>
-        </p:txBody>
-      </p:sp>
-    </p:spTree>
-  </p:cSld>
-  <p:clrMapOvr>
-    <a:masterClrMapping/>
-  </p:clrMapOvr>
-</p:notes>
-</file>
-
-<file path=ppt/notesSlides/notesSlide51.xml><?xml version="1.0" encoding="utf-8"?>
-<p:notes xmlns:a="http://schemas.openxmlformats.org/drawingml/2006/main" xmlns:r="http://schemas.openxmlformats.org/officeDocument/2006/relationships" xmlns:p="http://schemas.openxmlformats.org/presentationml/2006/main">
-  <p:cSld>
-    <p:spTree>
-      <p:nvGrpSpPr>
-        <p:cNvPr id="1" name=""/>
-        <p:cNvGrpSpPr/>
-        <p:nvPr/>
-      </p:nvGrpSpPr>
-      <p:grpSpPr>
-        <a:xfrm>
-          <a:off x="0" y="0"/>
-          <a:ext cx="0" cy="0"/>
-          <a:chOff x="0" y="0"/>
-          <a:chExt cx="0" cy="0"/>
-        </a:xfrm>
-      </p:grpSpPr>
-      <p:sp>
-        <p:nvSpPr>
-          <p:cNvPr id="2" name="Slide Image Placeholder 1"/>
-          <p:cNvSpPr>
-            <a:spLocks noGrp="1" noRot="1" noChangeAspect="1"/>
-          </p:cNvSpPr>
-          <p:nvPr>
-            <p:ph type="sldImg"/>
-          </p:nvPr>
-        </p:nvSpPr>
-        <p:spPr/>
-      </p:sp>
-      <p:sp>
-        <p:nvSpPr>
-          <p:cNvPr id="3" name="Notes Placeholder 2"/>
-          <p:cNvSpPr>
-            <a:spLocks noGrp="1"/>
-          </p:cNvSpPr>
-          <p:nvPr>
-            <p:ph type="body" idx="1"/>
-          </p:nvPr>
-        </p:nvSpPr>
-        <p:spPr/>
-        <p:txBody>
-          <a:bodyPr>
-            <a:normAutofit/>
-          </a:bodyPr>
-          <a:lstStyle/>
-          <a:p>
-            <a:endParaRPr lang="en-US" dirty="0"/>
-          </a:p>
-        </p:txBody>
-      </p:sp>
-      <p:sp>
-        <p:nvSpPr>
-          <p:cNvPr id="4" name="Slide Number Placeholder 3"/>
-          <p:cNvSpPr>
-            <a:spLocks noGrp="1"/>
-          </p:cNvSpPr>
-          <p:nvPr>
-            <p:ph type="sldNum" sz="quarter" idx="10"/>
-          </p:nvPr>
-        </p:nvSpPr>
-        <p:spPr/>
-        <p:txBody>
-          <a:bodyPr/>
-          <a:lstStyle/>
-          <a:p>
-            <a:fld id="{EB2010C2-4C08-4395-86F9-5F2109F05CD1}" type="slidenum">
-              <a:rPr lang="en-US" smtClean="0"/>
-              <a:pPr/>
-              <a:t>51</a:t>
             </a:fld>
             <a:endParaRPr lang="en-US" dirty="0"/>
           </a:p>
@@ -7488,7 +7317,7 @@
               <a:pPr>
                 <a:defRPr/>
               </a:pPr>
-              <a:t>4/25/2013</a:t>
+              <a:t>5/8/2013</a:t>
             </a:fld>
             <a:endParaRPr lang="en-US" dirty="0"/>
           </a:p>
@@ -7680,7 +7509,7 @@
               <a:pPr>
                 <a:defRPr/>
               </a:pPr>
-              <a:t>4/25/2013</a:t>
+              <a:t>5/8/2013</a:t>
             </a:fld>
             <a:endParaRPr lang="en-US" dirty="0"/>
           </a:p>
@@ -7948,7 +7777,7 @@
               <a:pPr>
                 <a:defRPr/>
               </a:pPr>
-              <a:t>4/25/2013</a:t>
+              <a:t>5/8/2013</a:t>
             </a:fld>
             <a:endParaRPr lang="en-US" dirty="0"/>
           </a:p>
@@ -8258,7 +8087,7 @@
               <a:pPr>
                 <a:defRPr/>
               </a:pPr>
-              <a:t>4/25/2013</a:t>
+              <a:t>5/8/2013</a:t>
             </a:fld>
             <a:endParaRPr lang="en-US" dirty="0"/>
           </a:p>
@@ -8917,7 +8746,7 @@
               <a:pPr>
                 <a:defRPr/>
               </a:pPr>
-              <a:t>4/25/2013</a:t>
+              <a:t>5/8/2013</a:t>
             </a:fld>
             <a:endParaRPr lang="en-US" dirty="0"/>
           </a:p>
@@ -9057,7 +8886,7 @@
               <a:pPr>
                 <a:defRPr/>
               </a:pPr>
-              <a:t>4/25/2013</a:t>
+              <a:t>5/8/2013</a:t>
             </a:fld>
             <a:endParaRPr lang="en-US" dirty="0"/>
           </a:p>
@@ -9174,7 +9003,7 @@
               <a:pPr>
                 <a:defRPr/>
               </a:pPr>
-              <a:t>4/25/2013</a:t>
+              <a:t>5/8/2013</a:t>
             </a:fld>
             <a:endParaRPr lang="en-US" dirty="0"/>
           </a:p>
@@ -9473,7 +9302,7 @@
               <a:pPr>
                 <a:defRPr/>
               </a:pPr>
-              <a:t>4/25/2013</a:t>
+              <a:t>5/8/2013</a:t>
             </a:fld>
             <a:endParaRPr lang="en-US" dirty="0"/>
           </a:p>
@@ -9751,7 +9580,7 @@
               <a:pPr>
                 <a:defRPr/>
               </a:pPr>
-              <a:t>4/25/2013</a:t>
+              <a:t>5/8/2013</a:t>
             </a:fld>
             <a:endParaRPr lang="en-US" dirty="0"/>
           </a:p>
@@ -9943,7 +9772,7 @@
               <a:pPr>
                 <a:defRPr/>
               </a:pPr>
-              <a:t>4/25/2013</a:t>
+              <a:t>5/8/2013</a:t>
             </a:fld>
             <a:endParaRPr lang="en-US" dirty="0"/>
           </a:p>
@@ -10145,7 +9974,7 @@
               <a:pPr>
                 <a:defRPr/>
               </a:pPr>
-              <a:t>4/25/2013</a:t>
+              <a:t>5/8/2013</a:t>
             </a:fld>
             <a:endParaRPr lang="en-US" dirty="0"/>
           </a:p>
@@ -12853,7 +12682,7 @@
               <a:pPr>
                 <a:defRPr/>
               </a:pPr>
-              <a:t>4/25/2013</a:t>
+              <a:t>5/8/2013</a:t>
             </a:fld>
             <a:endParaRPr lang="en-US" dirty="0"/>
           </a:p>
@@ -14160,7 +13989,7 @@
               <a:defRPr/>
             </a:pPr>
             <a:r>
-              <a:rPr kumimoji="0" lang="en-US" sz="2800" b="0" i="0" u="none" strike="noStrike" kern="0" cap="none" spc="0" normalizeH="0" baseline="0" noProof="0" smtClean="0">
+              <a:rPr kumimoji="0" lang="en-US" sz="2800" b="0" i="0" u="none" strike="noStrike" kern="0" cap="none" spc="0" normalizeH="0" baseline="0" noProof="0" dirty="0" smtClean="0">
                 <a:ln>
                   <a:noFill/>
                 </a:ln>
@@ -14176,20 +14005,6 @@
               </a:rPr>
               <a:t>Multicore Applications</a:t>
             </a:r>
-            <a:endParaRPr kumimoji="0" lang="en-US" sz="2800" b="0" i="0" u="none" strike="noStrike" kern="0" cap="none" spc="0" normalizeH="0" baseline="0" noProof="0" dirty="0" smtClean="0">
-              <a:ln>
-                <a:noFill/>
-              </a:ln>
-              <a:solidFill>
-                <a:schemeClr val="tx1"/>
-              </a:solidFill>
-              <a:effectLst/>
-              <a:uLnTx/>
-              <a:uFillTx/>
-              <a:latin typeface="Calibri" pitchFamily="34" charset="0"/>
-              <a:ea typeface="+mn-ea"/>
-              <a:cs typeface="Calibri" pitchFamily="34" charset="0"/>
-            </a:endParaRPr>
           </a:p>
         </p:txBody>
       </p:sp>
@@ -14303,22 +14118,36 @@
             <a:pPr lvl="1"/>
             <a:r>
               <a:rPr lang="en-US" dirty="0" smtClean="0"/>
-              <a:t>Video decoder</a:t>
-            </a:r>
+              <a:t>Video </a:t>
+            </a:r>
+            <a:r>
+              <a:rPr lang="en-US" dirty="0" smtClean="0"/>
+              <a:t>decoder, transcoder</a:t>
+            </a:r>
+            <a:endParaRPr lang="en-US" dirty="0" smtClean="0"/>
           </a:p>
           <a:p>
             <a:pPr lvl="1"/>
             <a:r>
               <a:rPr lang="en-US" dirty="0" smtClean="0"/>
-              <a:t>Video transcoder</a:t>
+              <a:t>LTE </a:t>
+            </a:r>
+            <a:r>
+              <a:rPr lang="en-US" dirty="0" smtClean="0"/>
+              <a:t>physical </a:t>
+            </a:r>
+            <a:r>
+              <a:rPr lang="en-US" dirty="0" smtClean="0"/>
+              <a:t>layer</a:t>
             </a:r>
           </a:p>
           <a:p>
             <a:pPr lvl="1"/>
             <a:r>
               <a:rPr lang="en-US" dirty="0" smtClean="0"/>
-              <a:t>LTE physical layer</a:t>
-            </a:r>
+              <a:t>CAT Scan processing</a:t>
+            </a:r>
+            <a:endParaRPr lang="en-US" dirty="0" smtClean="0"/>
           </a:p>
         </p:txBody>
       </p:sp>
@@ -14637,15 +14466,7 @@
             </a:pPr>
             <a:r>
               <a:rPr lang="en-US" sz="2400" dirty="0" smtClean="0"/>
-              <a:t>An application is a set of algorithms. In order to partition an application into multiple cores, the system architect needs </a:t>
-            </a:r>
-            <a:r>
-              <a:rPr lang="en-US" sz="2400" smtClean="0"/>
-              <a:t>to consider </a:t>
-            </a:r>
-            <a:r>
-              <a:rPr lang="en-US" sz="2400" dirty="0" smtClean="0"/>
-              <a:t>the following questions:</a:t>
+              <a:t>An application is a set of algorithms. In order to partition an application into multiple cores, the system architect needs to consider the following questions:</a:t>
             </a:r>
           </a:p>
           <a:p>
@@ -15347,8 +15168,9 @@
           <a:p>
             <a:r>
               <a:rPr lang="en-US" dirty="0" smtClean="0"/>
-              <a:t>C66x: Powerful Core</a:t>
-            </a:r>
+              <a:t>Powerful Cores</a:t>
+            </a:r>
+            <a:endParaRPr lang="en-US" dirty="0" smtClean="0"/>
           </a:p>
         </p:txBody>
       </p:sp>
@@ -15365,7 +15187,7 @@
         <p:spPr>
           <a:xfrm>
             <a:off x="302202" y="1693718"/>
-            <a:ext cx="8467725" cy="2753591"/>
+            <a:ext cx="8467725" cy="4509655"/>
           </a:xfrm>
         </p:spPr>
         <p:txBody>
@@ -15379,15 +15201,7 @@
             </a:pPr>
             <a:r>
               <a:rPr lang="en-US" dirty="0" smtClean="0"/>
-              <a:t>8 functional units of the C66x </a:t>
-            </a:r>
-            <a:r>
-              <a:rPr lang="en-US" dirty="0" err="1" smtClean="0"/>
-              <a:t>CorePac</a:t>
-            </a:r>
-            <a:r>
-              <a:rPr lang="en-US" dirty="0" smtClean="0"/>
-              <a:t> provide:</a:t>
+              <a:t>8 functional units of the C66x CorePac provide:</a:t>
             </a:r>
           </a:p>
           <a:p>
@@ -15444,6 +15258,84 @@
               <a:rPr lang="en-US" dirty="0" smtClean="0"/>
               <a:t>Fast L2 memory </a:t>
             </a:r>
+            <a:endParaRPr lang="en-US" dirty="0" smtClean="0"/>
+          </a:p>
+          <a:p>
+            <a:pPr>
+              <a:lnSpc>
+                <a:spcPct val="80000"/>
+              </a:lnSpc>
+            </a:pPr>
+            <a:r>
+              <a:rPr lang="en-US" dirty="0" smtClean="0"/>
+              <a:t>ARM Core provides</a:t>
+            </a:r>
+          </a:p>
+          <a:p>
+            <a:pPr lvl="1">
+              <a:lnSpc>
+                <a:spcPct val="80000"/>
+              </a:lnSpc>
+            </a:pPr>
+            <a:r>
+              <a:rPr lang="en-US" dirty="0" smtClean="0"/>
+              <a:t>Fixed- and Floating-point native instructions</a:t>
+            </a:r>
+          </a:p>
+          <a:p>
+            <a:pPr lvl="1">
+              <a:lnSpc>
+                <a:spcPct val="80000"/>
+              </a:lnSpc>
+            </a:pPr>
+            <a:r>
+              <a:rPr lang="en-US" dirty="0" smtClean="0"/>
+              <a:t>Many SIMD instructions </a:t>
+            </a:r>
+          </a:p>
+          <a:p>
+            <a:pPr lvl="1">
+              <a:lnSpc>
+                <a:spcPct val="80000"/>
+              </a:lnSpc>
+            </a:pPr>
+            <a:r>
+              <a:rPr lang="en-US" dirty="0" smtClean="0"/>
+              <a:t>Fast </a:t>
+            </a:r>
+            <a:r>
+              <a:rPr lang="en-US" dirty="0" smtClean="0"/>
+              <a:t>(0 wait state) </a:t>
+            </a:r>
+            <a:r>
+              <a:rPr lang="en-US" dirty="0" smtClean="0"/>
+              <a:t>private L1 cache memory for each A15</a:t>
+            </a:r>
+            <a:endParaRPr lang="en-US" dirty="0" smtClean="0"/>
+          </a:p>
+          <a:p>
+            <a:pPr lvl="1">
+              <a:lnSpc>
+                <a:spcPct val="80000"/>
+              </a:lnSpc>
+            </a:pPr>
+            <a:r>
+              <a:rPr lang="en-US" dirty="0" smtClean="0"/>
+              <a:t>Fast </a:t>
+            </a:r>
+            <a:r>
+              <a:rPr lang="en-US" dirty="0" smtClean="0"/>
+              <a:t>shared coherent L2 cache memory</a:t>
+            </a:r>
+            <a:endParaRPr lang="en-US" dirty="0" smtClean="0"/>
+          </a:p>
+          <a:p>
+            <a:pPr lvl="1">
+              <a:lnSpc>
+                <a:spcPct val="80000"/>
+              </a:lnSpc>
+            </a:pPr>
+            <a:endParaRPr lang="en-US" dirty="0" smtClean="0"/>
           </a:p>
         </p:txBody>
       </p:sp>
@@ -15543,20 +15435,8 @@
               </a:lnSpc>
             </a:pPr>
             <a:r>
-              <a:rPr lang="en-US" dirty="0" err="1" smtClean="0"/>
-              <a:t>KeyStone</a:t>
-            </a:r>
-            <a:r>
               <a:rPr lang="en-US" dirty="0" smtClean="0"/>
-              <a:t> </a:t>
-            </a:r>
-            <a:r>
-              <a:rPr lang="en-US" dirty="0" err="1" smtClean="0"/>
-              <a:t>SoC</a:t>
-            </a:r>
-            <a:r>
-              <a:rPr lang="en-US" dirty="0" smtClean="0"/>
-              <a:t> devices include very fast and large external DDR interface(s).</a:t>
+              <a:t>KeyStone SoC devices include very fast and large external DDR interface(s).</a:t>
             </a:r>
           </a:p>
           <a:p>
@@ -15567,8 +15447,17 @@
             </a:pPr>
             <a:r>
               <a:rPr lang="en-US" dirty="0" smtClean="0"/>
-              <a:t>32- to 36-bit address translation enables access of up to 10GB of DDR.</a:t>
-            </a:r>
+              <a:t>DSP Core provides 32- </a:t>
+            </a:r>
+            <a:r>
+              <a:rPr lang="en-US" dirty="0" smtClean="0"/>
+              <a:t>to 36-bit address translation enables access of up to 10GB of DDR</a:t>
+            </a:r>
+            <a:r>
+              <a:rPr lang="en-US" dirty="0" smtClean="0"/>
+              <a:t>. ARM core uses MMU to translate 32 bits logical address  into 40 bits physical address</a:t>
+            </a:r>
+            <a:endParaRPr lang="en-US" dirty="0" smtClean="0"/>
           </a:p>
           <a:p>
             <a:pPr lvl="1">
@@ -15633,19 +15522,13 @@
             </a:pPr>
             <a:r>
               <a:rPr lang="en-US" dirty="0" smtClean="0"/>
-              <a:t>IPC registers</a:t>
-            </a:r>
-          </a:p>
-          <a:p>
-            <a:pPr lvl="1">
-              <a:lnSpc>
-                <a:spcPct val="80000"/>
-              </a:lnSpc>
-            </a:pPr>
+              <a:t>IPC </a:t>
+            </a:r>
             <a:r>
               <a:rPr lang="en-US" dirty="0" smtClean="0"/>
-              <a:t>Semaphore blocks</a:t>
-            </a:r>
+              <a:t>registers, semaphore block </a:t>
+            </a:r>
+            <a:endParaRPr lang="en-US" dirty="0" smtClean="0"/>
           </a:p>
           <a:p>
             <a:pPr>
@@ -15730,7 +15613,7 @@
         <p:spPr>
           <a:xfrm>
             <a:off x="333375" y="1371600"/>
-            <a:ext cx="8467725" cy="4748645"/>
+            <a:ext cx="8467725" cy="4873336"/>
           </a:xfrm>
         </p:spPr>
         <p:txBody>
@@ -15747,12 +15630,12 @@
               <a:t>Each </a:t>
             </a:r>
             <a:r>
-              <a:rPr lang="en-US" dirty="0" err="1" smtClean="0"/>
-              <a:t>CorePac</a:t>
-            </a:r>
-            <a:r>
               <a:rPr lang="en-US" dirty="0" smtClean="0"/>
-              <a:t> has a dedicated port into the MSMC.</a:t>
+              <a:t>DSP CorePac </a:t>
+            </a:r>
+            <a:r>
+              <a:rPr lang="en-US" dirty="0" smtClean="0"/>
+              <a:t>has a dedicated port into the MSMC.</a:t>
             </a:r>
           </a:p>
           <a:p>
@@ -15774,8 +15657,24 @@
             </a:pPr>
             <a:r>
               <a:rPr lang="en-US" dirty="0" smtClean="0"/>
-              <a:t>Shared L2 has multiple banks of memory that support concurrent multiple access.</a:t>
-            </a:r>
+              <a:t>Shared L2 has multiple banks of memory that support concurrent multiple access</a:t>
+            </a:r>
+            <a:r>
+              <a:rPr lang="en-US" dirty="0" smtClean="0"/>
+              <a:t>.</a:t>
+            </a:r>
+          </a:p>
+          <a:p>
+            <a:pPr>
+              <a:lnSpc>
+                <a:spcPct val="80000"/>
+              </a:lnSpc>
+            </a:pPr>
+            <a:r>
+              <a:rPr lang="en-US" dirty="0" smtClean="0"/>
+              <a:t>ARM core uses AMBA bus to connect directly to the MSMC, provide coherency and efficiency</a:t>
+            </a:r>
+            <a:endParaRPr lang="en-US" dirty="0" smtClean="0"/>
           </a:p>
           <a:p>
             <a:pPr>
@@ -15880,8 +15779,8 @@
         </p:nvSpPr>
         <p:spPr>
           <a:xfrm>
-            <a:off x="333375" y="1745673"/>
-            <a:ext cx="8467725" cy="4582391"/>
+            <a:off x="302202" y="1267691"/>
+            <a:ext cx="8467725" cy="4842164"/>
           </a:xfrm>
         </p:spPr>
         <p:txBody>
@@ -15895,15 +15794,7 @@
             </a:pPr>
             <a:r>
               <a:rPr lang="en-US" dirty="0" smtClean="0"/>
-              <a:t>MCSDK is a complete set of software libraries and utilities developed for KeyStone </a:t>
-            </a:r>
-            <a:r>
-              <a:rPr lang="en-US" dirty="0" err="1" smtClean="0"/>
-              <a:t>SoC</a:t>
-            </a:r>
-            <a:r>
-              <a:rPr lang="en-US" dirty="0" smtClean="0"/>
-              <a:t> devices.</a:t>
+              <a:t>MCSDK is a complete set of software libraries and utilities developed for KeyStone SoC devices.</a:t>
             </a:r>
           </a:p>
           <a:p>
@@ -15914,8 +15805,9 @@
             </a:pPr>
             <a:r>
               <a:rPr lang="en-US" dirty="0" smtClean="0"/>
-              <a:t>A full set of LLDs is supplemented by CSL utilities to provide software access to all device peripherals and coprocessors.</a:t>
-            </a:r>
+              <a:t>ARM linux operating system brings the richness of open source Linux utility. Linux kernel supports device control and communications</a:t>
+            </a:r>
+            <a:endParaRPr lang="en-US" dirty="0" smtClean="0"/>
           </a:p>
           <a:p>
             <a:pPr>
@@ -15925,49 +15817,28 @@
             </a:pPr>
             <a:r>
               <a:rPr lang="en-US" dirty="0" smtClean="0"/>
-              <a:t>In particular, </a:t>
-            </a:r>
-            <a:r>
-              <a:rPr lang="en-US" dirty="0" err="1" smtClean="0"/>
-              <a:t>KeyStone</a:t>
+              <a:t>A </a:t>
             </a:r>
             <a:r>
               <a:rPr lang="en-US" dirty="0" smtClean="0"/>
-              <a:t> provides a set of software utilities that facilitate messages and communications between cores:</a:t>
-            </a:r>
-          </a:p>
-          <a:p>
-            <a:pPr lvl="1">
+              <a:t>full set of LLDs is supplemented by CSL utilities to provide software access to all device peripherals and coprocessors.</a:t>
+            </a:r>
+          </a:p>
+          <a:p>
+            <a:pPr>
               <a:lnSpc>
                 <a:spcPct val="80000"/>
               </a:lnSpc>
             </a:pPr>
             <a:r>
-              <a:rPr lang="en-US" sz="2800" dirty="0" smtClean="0"/>
-              <a:t>IPC (Inter-Processor Communication)</a:t>
-            </a:r>
-          </a:p>
-          <a:p>
-            <a:pPr lvl="1">
-              <a:lnSpc>
-                <a:spcPct val="80000"/>
-              </a:lnSpc>
-            </a:pPr>
-            <a:r>
-              <a:rPr lang="en-US" sz="2800" dirty="0" smtClean="0"/>
-              <a:t>LLD for the Multicore Navigator (CPPI and QMSS)</a:t>
-            </a:r>
-          </a:p>
-          <a:p>
-            <a:pPr lvl="1">
-              <a:lnSpc>
-                <a:spcPct val="80000"/>
-              </a:lnSpc>
-            </a:pPr>
-            <a:r>
-              <a:rPr lang="en-US" sz="2800" dirty="0" smtClean="0"/>
-              <a:t>LLD for EDMA</a:t>
-            </a:r>
+              <a:rPr lang="en-US" dirty="0" smtClean="0"/>
+              <a:t>In particular, KeyStone provides a set of software utilities that facilitate messages and communications between </a:t>
+            </a:r>
+            <a:r>
+              <a:rPr lang="en-US" dirty="0" smtClean="0"/>
+              <a:t>cores such as IPC and msgCom for communication, Linux drivers on ARM and LLD on the DSP for easy control of IP and peripherals</a:t>
+            </a:r>
+            <a:endParaRPr lang="en-US" dirty="0" smtClean="0"/>
           </a:p>
           <a:p>
             <a:pPr>
@@ -16092,12 +15963,8 @@
               <a:defRPr/>
             </a:pPr>
             <a:r>
-              <a:rPr lang="en-US" dirty="0" err="1" smtClean="0"/>
-              <a:t>OpenMP</a:t>
-            </a:r>
-            <a:r>
               <a:rPr lang="en-US" dirty="0" smtClean="0"/>
-              <a:t>; Part of the compiler release</a:t>
+              <a:t>OpenMP; Part of the compiler release</a:t>
             </a:r>
           </a:p>
           <a:p>
@@ -16140,12 +16007,8 @@
               <a:defRPr/>
             </a:pPr>
             <a:r>
-              <a:rPr lang="en-US" dirty="0" err="1" smtClean="0"/>
-              <a:t>OpenCL</a:t>
-            </a:r>
-            <a:r>
               <a:rPr lang="en-US" dirty="0" smtClean="0"/>
-              <a:t>; Plans to support in future releases</a:t>
+              <a:t>OpenCL; Plans to support in future releases</a:t>
             </a:r>
           </a:p>
           <a:p>
@@ -16275,15 +16138,7 @@
           <a:p>
             <a:r>
               <a:rPr lang="en-US" sz="2000" dirty="0" smtClean="0"/>
-              <a:t>Explain the importance of </a:t>
-            </a:r>
-            <a:r>
-              <a:rPr lang="en-US" sz="2000" dirty="0" err="1" smtClean="0"/>
-              <a:t>multicore</a:t>
-            </a:r>
-            <a:r>
-              <a:rPr lang="en-US" sz="2000" dirty="0" smtClean="0"/>
-              <a:t> parallel processing in both current and future applications.</a:t>
+              <a:t>Explain the importance of multicore parallel processing in both current and future applications.</a:t>
             </a:r>
           </a:p>
           <a:p>
@@ -16301,23 +16156,7 @@
           <a:p>
             <a:r>
               <a:rPr lang="en-US" sz="2000" dirty="0" smtClean="0"/>
-              <a:t>Identify the special features of </a:t>
-            </a:r>
-            <a:r>
-              <a:rPr lang="en-US" sz="2000" dirty="0" err="1" smtClean="0"/>
-              <a:t>KeyStone</a:t>
-            </a:r>
-            <a:r>
-              <a:rPr lang="en-US" sz="2000" dirty="0" smtClean="0"/>
-              <a:t> </a:t>
-            </a:r>
-            <a:r>
-              <a:rPr lang="en-US" sz="2000" dirty="0" err="1" smtClean="0"/>
-              <a:t>SoC</a:t>
-            </a:r>
-            <a:r>
-              <a:rPr lang="en-US" sz="2000" dirty="0" smtClean="0"/>
-              <a:t> devices that facilitate parallel processing.</a:t>
+              <a:t>Identify the special features of KeyStone SoC devices that facilitate parallel processing.</a:t>
             </a:r>
           </a:p>
           <a:p>
@@ -16330,14 +16169,11 @@
             <a:pPr lvl="1"/>
             <a:r>
               <a:rPr lang="en-US" sz="2000" dirty="0" smtClean="0"/>
-              <a:t>Build and run the MCSDK Video demo.</a:t>
-            </a:r>
-          </a:p>
-          <a:p>
-            <a:pPr lvl="1"/>
+              <a:t>Analyze </a:t>
+            </a:r>
             <a:r>
               <a:rPr lang="en-US" sz="2000" dirty="0" smtClean="0"/>
-              <a:t>Analyze the TI H264 implementation.</a:t>
+              <a:t>the TI H264 implementation.</a:t>
             </a:r>
           </a:p>
           <a:p>
@@ -16350,23 +16186,28 @@
             <a:pPr lvl="1"/>
             <a:r>
               <a:rPr lang="en-US" sz="2000" dirty="0" smtClean="0"/>
-              <a:t>Build, run, and analyze the TI Very Large FFT (VLFFT) implementation.</a:t>
-            </a:r>
+              <a:t>Build, run, and analyze the TI Very Large FFT (VLFFT) implementation</a:t>
+            </a:r>
+            <a:endParaRPr lang="en-US" sz="2000" dirty="0" smtClean="0"/>
+          </a:p>
+          <a:p>
+            <a:r>
+              <a:rPr lang="en-US" sz="2000" dirty="0" smtClean="0"/>
+              <a:t>Build ARM-DSP KeyStone II typical application</a:t>
+            </a:r>
+            <a:endParaRPr lang="en-US" sz="2000" dirty="0" smtClean="0"/>
           </a:p>
           <a:p>
             <a:pPr lvl="1"/>
             <a:r>
               <a:rPr lang="en-US" sz="2000" dirty="0" smtClean="0"/>
-              <a:t>Build and run </a:t>
-            </a:r>
-            <a:r>
-              <a:rPr lang="en-US" sz="2000" dirty="0" err="1" smtClean="0"/>
-              <a:t>OpenMP</a:t>
+              <a:t>A</a:t>
             </a:r>
             <a:r>
               <a:rPr lang="en-US" sz="2000" dirty="0" smtClean="0"/>
-              <a:t> solution to the VLFFT challenge.</a:t>
-            </a:r>
+              <a:t>nalyze a possible CAT Scan processing system</a:t>
+            </a:r>
+            <a:endParaRPr lang="en-US" sz="2000" dirty="0" smtClean="0"/>
           </a:p>
           <a:p>
             <a:pPr>
@@ -16433,13 +16274,10 @@
               <a:t>Software Support: </a:t>
             </a:r>
             <a:r>
-              <a:rPr lang="en-US" dirty="0" err="1" smtClean="0"/>
+              <a:rPr lang="en-US" dirty="0" smtClean="0"/>
               <a:t>OpenMP</a:t>
             </a:r>
-            <a:r>
-              <a:rPr lang="en-US" dirty="0" smtClean="0"/>
-              <a:t> (1/2)</a:t>
-            </a:r>
+            <a:endParaRPr lang="en-US" dirty="0" smtClean="0"/>
           </a:p>
         </p:txBody>
       </p:sp>
@@ -16658,14 +16496,19 @@
             <p:ph type="title"/>
           </p:nvPr>
         </p:nvSpPr>
-        <p:spPr/>
+        <p:spPr>
+          <a:xfrm>
+            <a:off x="342900" y="322118"/>
+            <a:ext cx="8458200" cy="657225"/>
+          </a:xfrm>
+        </p:spPr>
         <p:txBody>
           <a:bodyPr/>
           <a:lstStyle/>
           <a:p>
             <a:r>
               <a:rPr lang="en-US" dirty="0" smtClean="0"/>
-              <a:t>Software Support: OpenMP (2/2) </a:t>
+              <a:t>Examples of Partition Methods</a:t>
             </a:r>
           </a:p>
         </p:txBody>
@@ -16682,1089 +16525,97 @@
         </p:nvSpPr>
         <p:spPr>
           <a:xfrm>
-            <a:off x="271030" y="1006235"/>
-            <a:ext cx="8467725" cy="2406424"/>
+            <a:off x="333375" y="2369127"/>
+            <a:ext cx="8467725" cy="3013364"/>
           </a:xfrm>
         </p:spPr>
         <p:txBody>
           <a:bodyPr/>
           <a:lstStyle/>
           <a:p>
-            <a:pPr lvl="0"/>
-            <a:r>
-              <a:rPr lang="en-US" sz="2400" dirty="0" smtClean="0"/>
-              <a:t>Create Teams of Threads</a:t>
-            </a:r>
-          </a:p>
-          <a:p>
-            <a:pPr lvl="1"/>
+            <a:pPr>
+              <a:lnSpc>
+                <a:spcPct val="80000"/>
+              </a:lnSpc>
+            </a:pPr>
+            <a:r>
+              <a:rPr lang="en-US" b="1" dirty="0" smtClean="0">
+                <a:solidFill>
+                  <a:schemeClr val="tx2"/>
+                </a:solidFill>
+              </a:rPr>
+              <a:t>Function-driven Partition</a:t>
+            </a:r>
+          </a:p>
+          <a:p>
+            <a:pPr lvl="1">
+              <a:lnSpc>
+                <a:spcPct val="80000"/>
+              </a:lnSpc>
+            </a:pPr>
             <a:r>
               <a:rPr lang="en-US" sz="2000" dirty="0" smtClean="0"/>
-              <a:t>Fork-Join Model</a:t>
-            </a:r>
-          </a:p>
-          <a:p>
-            <a:pPr lvl="1"/>
+              <a:t>H264 encoder – Example 1 </a:t>
+            </a:r>
+          </a:p>
+          <a:p>
+            <a:pPr>
+              <a:lnSpc>
+                <a:spcPct val="80000"/>
+              </a:lnSpc>
+            </a:pPr>
+            <a:r>
+              <a:rPr lang="en-US" b="1" dirty="0" smtClean="0">
+                <a:solidFill>
+                  <a:schemeClr val="tx2"/>
+                </a:solidFill>
+              </a:rPr>
+              <a:t>Data-driven Partition</a:t>
+            </a:r>
+          </a:p>
+          <a:p>
+            <a:pPr marL="690563" lvl="1" indent="-288925">
+              <a:lnSpc>
+                <a:spcPct val="80000"/>
+              </a:lnSpc>
+            </a:pPr>
             <a:r>
               <a:rPr lang="en-US" sz="2000" dirty="0" smtClean="0"/>
-              <a:t>Execute code in a parallel region</a:t>
-            </a:r>
-          </a:p>
-          <a:p>
-            <a:pPr lvl="1"/>
+              <a:t>Very Large FFT   - Example 2 </a:t>
+            </a:r>
+            <a:endParaRPr lang="en-US" sz="2000" dirty="0" smtClean="0"/>
+          </a:p>
+          <a:p>
+            <a:pPr>
+              <a:lnSpc>
+                <a:spcPct val="80000"/>
+              </a:lnSpc>
+            </a:pPr>
+            <a:r>
+              <a:rPr lang="en-US" b="1" dirty="0" smtClean="0">
+                <a:solidFill>
+                  <a:schemeClr val="tx2"/>
+                </a:solidFill>
+              </a:rPr>
+              <a:t>ARM – DSP partition</a:t>
+            </a:r>
+            <a:endParaRPr lang="en-US" b="1" dirty="0" smtClean="0">
+              <a:solidFill>
+                <a:schemeClr val="tx2"/>
+              </a:solidFill>
+            </a:endParaRPr>
+          </a:p>
+          <a:p>
+            <a:pPr marL="690563" lvl="1" indent="-288925">
+              <a:lnSpc>
+                <a:spcPct val="80000"/>
+              </a:lnSpc>
+            </a:pPr>
             <a:r>
               <a:rPr lang="en-US" sz="2000" dirty="0" smtClean="0"/>
-              <a:t>Implemented by using compiler directive #pragma omp parallel</a:t>
-            </a:r>
-          </a:p>
-          <a:p>
-            <a:pPr lvl="1"/>
-            <a:r>
-              <a:rPr lang="en-US" sz="2000" dirty="0" smtClean="0"/>
-              <a:t>Nesting ‘parallel’ directives is possible, allowing multilevel parallelism</a:t>
-            </a:r>
-          </a:p>
-          <a:p>
-            <a:endParaRPr lang="en-US" dirty="0" smtClean="0"/>
-          </a:p>
-          <a:p>
-            <a:endParaRPr lang="en-US" dirty="0" smtClean="0"/>
-          </a:p>
-        </p:txBody>
-      </p:sp>
-      <p:sp>
-        <p:nvSpPr>
-          <p:cNvPr id="28" name="Rounded Rectangle 27"/>
-          <p:cNvSpPr/>
-          <p:nvPr/>
-        </p:nvSpPr>
-        <p:spPr bwMode="auto">
-          <a:xfrm>
-            <a:off x="3629252" y="4257076"/>
-            <a:ext cx="2468769" cy="495409"/>
-          </a:xfrm>
-          <a:prstGeom prst="roundRect">
-            <a:avLst/>
-          </a:prstGeom>
-          <a:solidFill>
-            <a:schemeClr val="accent1">
-              <a:lumMod val="75000"/>
-            </a:schemeClr>
-          </a:solidFill>
-          <a:ln w="9525" cap="flat" cmpd="sng" algn="ctr">
-            <a:solidFill>
-              <a:schemeClr val="tx1"/>
-            </a:solidFill>
-            <a:prstDash val="solid"/>
-            <a:round/>
-            <a:headEnd type="none" w="med" len="med"/>
-            <a:tailEnd type="none" w="med" len="med"/>
-          </a:ln>
-          <a:effectLst/>
-          <a:extLst/>
-        </p:spPr>
-        <p:txBody>
-          <a:bodyPr vert="horz" wrap="none" lIns="91440" tIns="45720" rIns="91440" bIns="45720" numCol="1" rtlCol="0" anchor="ctr" anchorCtr="0" compatLnSpc="1">
-            <a:prstTxWarp prst="textNoShape">
-              <a:avLst/>
-            </a:prstTxWarp>
-          </a:bodyPr>
-          <a:lstStyle/>
-          <a:p>
-            <a:pPr marL="0" marR="0" indent="0" algn="ctr" defTabSz="914400" rtl="0" eaLnBrk="1" fontAlgn="base" latinLnBrk="0" hangingPunct="1">
-              <a:lnSpc>
-                <a:spcPct val="100000"/>
-              </a:lnSpc>
-              <a:spcBef>
-                <a:spcPct val="0"/>
-              </a:spcBef>
-              <a:spcAft>
-                <a:spcPct val="0"/>
-              </a:spcAft>
-              <a:buClrTx/>
-              <a:buSzTx/>
-              <a:buFontTx/>
-              <a:buNone/>
-              <a:tabLst/>
-            </a:pPr>
-            <a:r>
-              <a:rPr kumimoji="0" lang="en-US" sz="1400" b="1" i="0" u="none" strike="noStrike" cap="none" normalizeH="0" baseline="0" dirty="0" smtClean="0">
-                <a:ln>
-                  <a:noFill/>
-                </a:ln>
-                <a:solidFill>
-                  <a:schemeClr val="accent2"/>
-                </a:solidFill>
-                <a:effectLst/>
-                <a:latin typeface="+mn-lt"/>
-                <a:ea typeface="ＭＳ Ｐゴシック" charset="0"/>
-              </a:rPr>
-              <a:t>Fork</a:t>
-            </a:r>
-            <a:endParaRPr kumimoji="0" lang="en-US" sz="1400" b="1" i="0" u="none" strike="noStrike" cap="none" normalizeH="0" baseline="0" dirty="0">
-              <a:ln>
-                <a:noFill/>
-              </a:ln>
-              <a:solidFill>
-                <a:schemeClr val="accent2"/>
-              </a:solidFill>
-              <a:effectLst/>
-              <a:latin typeface="+mn-lt"/>
-              <a:ea typeface="ＭＳ Ｐゴシック" charset="0"/>
-            </a:endParaRPr>
-          </a:p>
-        </p:txBody>
-      </p:sp>
-      <p:cxnSp>
-        <p:nvCxnSpPr>
-          <p:cNvPr id="29" name="Straight Arrow Connector 28"/>
-          <p:cNvCxnSpPr/>
-          <p:nvPr/>
-        </p:nvCxnSpPr>
-        <p:spPr bwMode="auto">
-          <a:xfrm>
-            <a:off x="3851092" y="4750599"/>
-            <a:ext cx="0" cy="528487"/>
-          </a:xfrm>
-          <a:prstGeom prst="straightConnector1">
-            <a:avLst/>
-          </a:prstGeom>
-          <a:solidFill>
-            <a:srgbClr val="99CCFF"/>
-          </a:solidFill>
-          <a:ln w="38100" cap="flat" cmpd="sng" algn="ctr">
-            <a:solidFill>
-              <a:srgbClr val="008000"/>
-            </a:solidFill>
-            <a:prstDash val="solid"/>
-            <a:round/>
-            <a:headEnd type="none" w="med" len="med"/>
-            <a:tailEnd type="triangle" w="lg" len="med"/>
-          </a:ln>
-          <a:effectLst/>
-          <a:extLst>
-            <a:ext uri="{AF507438-7753-43e0-B8FC-AC1667EBCBE1}">
-              <a14:hiddenEffects xmlns="" xmlns:a14="http://schemas.microsoft.com/office/drawing/2010/main">
-                <a:effectLst>
-                  <a:outerShdw blurRad="63500" dist="35921" dir="2700000" algn="ctr" rotWithShape="0">
-                    <a:schemeClr val="bg2"/>
-                  </a:outerShdw>
-                </a:effectLst>
-              </a14:hiddenEffects>
-            </a:ext>
-          </a:extLst>
-        </p:spPr>
-      </p:cxnSp>
-      <p:sp>
-        <p:nvSpPr>
-          <p:cNvPr id="30" name="Rounded Rectangle 29"/>
-          <p:cNvSpPr/>
-          <p:nvPr/>
-        </p:nvSpPr>
-        <p:spPr bwMode="auto">
-          <a:xfrm>
-            <a:off x="3624375" y="5284375"/>
-            <a:ext cx="2473646" cy="495409"/>
-          </a:xfrm>
-          <a:prstGeom prst="roundRect">
-            <a:avLst/>
-          </a:prstGeom>
-          <a:solidFill>
-            <a:schemeClr val="accent1">
-              <a:lumMod val="75000"/>
-            </a:schemeClr>
-          </a:solidFill>
-          <a:ln w="9525" cap="flat" cmpd="sng" algn="ctr">
-            <a:solidFill>
-              <a:schemeClr val="tx1"/>
-            </a:solidFill>
-            <a:prstDash val="solid"/>
-            <a:round/>
-            <a:headEnd type="none" w="med" len="med"/>
-            <a:tailEnd type="none" w="med" len="med"/>
-          </a:ln>
-          <a:effectLst/>
-          <a:extLst/>
-        </p:spPr>
-        <p:txBody>
-          <a:bodyPr vert="horz" wrap="none" lIns="91440" tIns="45720" rIns="91440" bIns="45720" numCol="1" rtlCol="0" anchor="ctr" anchorCtr="0" compatLnSpc="1">
-            <a:prstTxWarp prst="textNoShape">
-              <a:avLst/>
-            </a:prstTxWarp>
-          </a:bodyPr>
-          <a:lstStyle/>
-          <a:p>
-            <a:pPr marL="0" marR="0" indent="0" algn="ctr" defTabSz="914400" rtl="0" eaLnBrk="1" fontAlgn="base" latinLnBrk="0" hangingPunct="1">
-              <a:lnSpc>
-                <a:spcPct val="100000"/>
-              </a:lnSpc>
-              <a:spcBef>
-                <a:spcPct val="0"/>
-              </a:spcBef>
-              <a:spcAft>
-                <a:spcPct val="0"/>
-              </a:spcAft>
-              <a:buClrTx/>
-              <a:buSzTx/>
-              <a:buFontTx/>
-              <a:buNone/>
-              <a:tabLst/>
-            </a:pPr>
-            <a:r>
-              <a:rPr kumimoji="0" lang="en-US" sz="1400" b="1" i="0" u="none" strike="noStrike" cap="none" normalizeH="0" baseline="0" dirty="0" smtClean="0">
-                <a:ln>
-                  <a:noFill/>
-                </a:ln>
-                <a:solidFill>
-                  <a:srgbClr val="FFFFFF"/>
-                </a:solidFill>
-                <a:effectLst/>
-                <a:latin typeface="+mn-lt"/>
-                <a:ea typeface="ＭＳ Ｐゴシック" charset="0"/>
-              </a:rPr>
-              <a:t>Join</a:t>
-            </a:r>
-            <a:endParaRPr kumimoji="0" lang="en-US" sz="1400" b="1" i="0" u="none" strike="noStrike" cap="none" normalizeH="0" baseline="0" dirty="0">
-              <a:ln>
-                <a:noFill/>
-              </a:ln>
-              <a:solidFill>
-                <a:srgbClr val="FFFFFF"/>
-              </a:solidFill>
-              <a:effectLst/>
-              <a:latin typeface="+mn-lt"/>
-              <a:ea typeface="ＭＳ Ｐゴシック" charset="0"/>
-            </a:endParaRPr>
-          </a:p>
-        </p:txBody>
-      </p:sp>
-      <p:cxnSp>
-        <p:nvCxnSpPr>
-          <p:cNvPr id="31" name="Straight Arrow Connector 30"/>
-          <p:cNvCxnSpPr/>
-          <p:nvPr/>
-        </p:nvCxnSpPr>
-        <p:spPr bwMode="auto">
-          <a:xfrm>
-            <a:off x="4539856" y="4754644"/>
-            <a:ext cx="0" cy="524442"/>
-          </a:xfrm>
-          <a:prstGeom prst="straightConnector1">
-            <a:avLst/>
-          </a:prstGeom>
-          <a:solidFill>
-            <a:srgbClr val="99CCFF"/>
-          </a:solidFill>
-          <a:ln w="38100" cap="flat" cmpd="sng" algn="ctr">
-            <a:solidFill>
-              <a:srgbClr val="000090"/>
-            </a:solidFill>
-            <a:prstDash val="solid"/>
-            <a:round/>
-            <a:headEnd type="none" w="med" len="med"/>
-            <a:tailEnd type="triangle" w="lg" len="med"/>
-          </a:ln>
-          <a:effectLst/>
-          <a:extLst>
-            <a:ext uri="{AF507438-7753-43e0-B8FC-AC1667EBCBE1}">
-              <a14:hiddenEffects xmlns="" xmlns:a14="http://schemas.microsoft.com/office/drawing/2010/main">
-                <a:effectLst>
-                  <a:outerShdw blurRad="63500" dist="35921" dir="2700000" algn="ctr" rotWithShape="0">
-                    <a:schemeClr val="bg2"/>
-                  </a:outerShdw>
-                </a:effectLst>
-              </a14:hiddenEffects>
-            </a:ext>
-          </a:extLst>
-        </p:spPr>
-      </p:cxnSp>
-      <p:cxnSp>
-        <p:nvCxnSpPr>
-          <p:cNvPr id="32" name="Straight Arrow Connector 31"/>
-          <p:cNvCxnSpPr/>
-          <p:nvPr/>
-        </p:nvCxnSpPr>
-        <p:spPr bwMode="auto">
-          <a:xfrm>
-            <a:off x="4849285" y="3785757"/>
-            <a:ext cx="19296" cy="471319"/>
-          </a:xfrm>
-          <a:prstGeom prst="straightConnector1">
-            <a:avLst/>
-          </a:prstGeom>
-          <a:solidFill>
-            <a:srgbClr val="99CCFF"/>
-          </a:solidFill>
-          <a:ln w="38100" cap="flat" cmpd="sng" algn="ctr">
-            <a:solidFill>
-              <a:srgbClr val="008000"/>
-            </a:solidFill>
-            <a:prstDash val="solid"/>
-            <a:round/>
-            <a:headEnd type="none" w="med" len="med"/>
-            <a:tailEnd type="triangle" w="lg" len="med"/>
-          </a:ln>
-          <a:effectLst/>
-          <a:extLst>
-            <a:ext uri="{AF507438-7753-43e0-B8FC-AC1667EBCBE1}">
-              <a14:hiddenEffects xmlns="" xmlns:a14="http://schemas.microsoft.com/office/drawing/2010/main">
-                <a:effectLst>
-                  <a:outerShdw blurRad="63500" dist="35921" dir="2700000" algn="ctr" rotWithShape="0">
-                    <a:schemeClr val="bg2"/>
-                  </a:outerShdw>
-                </a:effectLst>
-              </a14:hiddenEffects>
-            </a:ext>
-          </a:extLst>
-        </p:spPr>
-      </p:cxnSp>
-      <p:cxnSp>
-        <p:nvCxnSpPr>
-          <p:cNvPr id="33" name="Straight Arrow Connector 32"/>
-          <p:cNvCxnSpPr/>
-          <p:nvPr/>
-        </p:nvCxnSpPr>
-        <p:spPr bwMode="auto">
-          <a:xfrm>
-            <a:off x="4849285" y="5779785"/>
-            <a:ext cx="0" cy="441096"/>
-          </a:xfrm>
-          <a:prstGeom prst="straightConnector1">
-            <a:avLst/>
-          </a:prstGeom>
-          <a:solidFill>
-            <a:srgbClr val="99CCFF"/>
-          </a:solidFill>
-          <a:ln w="38100" cap="flat" cmpd="sng" algn="ctr">
-            <a:solidFill>
-              <a:srgbClr val="008000"/>
-            </a:solidFill>
-            <a:prstDash val="solid"/>
-            <a:round/>
-            <a:headEnd type="none" w="med" len="med"/>
-            <a:tailEnd type="triangle" w="lg" len="med"/>
-          </a:ln>
-          <a:effectLst/>
-          <a:extLst>
-            <a:ext uri="{AF507438-7753-43e0-B8FC-AC1667EBCBE1}">
-              <a14:hiddenEffects xmlns="" xmlns:a14="http://schemas.microsoft.com/office/drawing/2010/main">
-                <a:effectLst>
-                  <a:outerShdw blurRad="63500" dist="35921" dir="2700000" algn="ctr" rotWithShape="0">
-                    <a:schemeClr val="bg2"/>
-                  </a:outerShdw>
-                </a:effectLst>
-              </a14:hiddenEffects>
-            </a:ext>
-          </a:extLst>
-        </p:spPr>
-      </p:cxnSp>
-      <p:sp>
-        <p:nvSpPr>
-          <p:cNvPr id="34" name="TextBox 33"/>
-          <p:cNvSpPr txBox="1"/>
-          <p:nvPr/>
-        </p:nvSpPr>
-        <p:spPr>
-          <a:xfrm>
-            <a:off x="6495118" y="3775133"/>
-            <a:ext cx="1407757" cy="307777"/>
-          </a:xfrm>
-          <a:prstGeom prst="rect">
-            <a:avLst/>
-          </a:prstGeom>
-          <a:noFill/>
-        </p:spPr>
-        <p:txBody>
-          <a:bodyPr wrap="none" rtlCol="0">
-            <a:spAutoFit/>
-          </a:bodyPr>
-          <a:lstStyle/>
-          <a:p>
-            <a:pPr algn="ctr"/>
-            <a:r>
-              <a:rPr lang="en-US" sz="1400" i="1" dirty="0" smtClean="0">
-                <a:solidFill>
-                  <a:srgbClr val="008000"/>
-                </a:solidFill>
-                <a:latin typeface="+mn-lt"/>
-              </a:rPr>
-              <a:t>Master Thread</a:t>
-            </a:r>
-            <a:endParaRPr lang="en-US" sz="1400" i="1" dirty="0">
-              <a:solidFill>
-                <a:srgbClr val="008000"/>
-              </a:solidFill>
-              <a:latin typeface="+mn-lt"/>
-            </a:endParaRPr>
-          </a:p>
-        </p:txBody>
-      </p:sp>
-      <p:sp>
-        <p:nvSpPr>
-          <p:cNvPr id="35" name="TextBox 34"/>
-          <p:cNvSpPr txBox="1"/>
-          <p:nvPr/>
-        </p:nvSpPr>
-        <p:spPr>
-          <a:xfrm>
-            <a:off x="5910069" y="4744019"/>
-            <a:ext cx="2575366" cy="524442"/>
-          </a:xfrm>
-          <a:prstGeom prst="rect">
-            <a:avLst/>
-          </a:prstGeom>
-          <a:noFill/>
-        </p:spPr>
-        <p:txBody>
-          <a:bodyPr wrap="square" rtlCol="0">
-            <a:spAutoFit/>
-          </a:bodyPr>
-          <a:lstStyle/>
-          <a:p>
-            <a:pPr algn="ctr"/>
-            <a:r>
-              <a:rPr lang="en-US" sz="1400" i="1" dirty="0" smtClean="0">
-                <a:solidFill>
-                  <a:srgbClr val="0000FF"/>
-                </a:solidFill>
-                <a:latin typeface="+mn-lt"/>
-              </a:rPr>
-              <a:t>Team of Threads</a:t>
-            </a:r>
-            <a:br>
-              <a:rPr lang="en-US" sz="1400" i="1" dirty="0" smtClean="0">
-                <a:solidFill>
-                  <a:srgbClr val="0000FF"/>
-                </a:solidFill>
-                <a:latin typeface="+mn-lt"/>
-              </a:rPr>
-            </a:br>
-            <a:r>
-              <a:rPr lang="en-US" sz="1400" i="1" dirty="0" smtClean="0">
-                <a:solidFill>
-                  <a:srgbClr val="0000FF"/>
-                </a:solidFill>
-                <a:latin typeface="+mn-lt"/>
-              </a:rPr>
-              <a:t>(created automatically)</a:t>
-            </a:r>
-            <a:endParaRPr lang="en-US" sz="1400" dirty="0">
-              <a:solidFill>
-                <a:srgbClr val="0000FF"/>
-              </a:solidFill>
-              <a:latin typeface="+mn-lt"/>
-            </a:endParaRPr>
-          </a:p>
-        </p:txBody>
-      </p:sp>
-      <p:sp>
-        <p:nvSpPr>
-          <p:cNvPr id="36" name="TextBox 35"/>
-          <p:cNvSpPr txBox="1"/>
-          <p:nvPr/>
-        </p:nvSpPr>
-        <p:spPr>
-          <a:xfrm>
-            <a:off x="6416462" y="5816664"/>
-            <a:ext cx="1407758" cy="307777"/>
-          </a:xfrm>
-          <a:prstGeom prst="rect">
-            <a:avLst/>
-          </a:prstGeom>
-          <a:noFill/>
-        </p:spPr>
-        <p:txBody>
-          <a:bodyPr wrap="none" rtlCol="0">
-            <a:spAutoFit/>
-          </a:bodyPr>
-          <a:lstStyle/>
-          <a:p>
-            <a:r>
-              <a:rPr lang="en-US" sz="1400" i="1" dirty="0" smtClean="0">
-                <a:solidFill>
-                  <a:srgbClr val="008000"/>
-                </a:solidFill>
-                <a:latin typeface="+mn-lt"/>
-              </a:rPr>
-              <a:t>Master Thread</a:t>
-            </a:r>
-            <a:endParaRPr lang="en-US" sz="1400" i="1" dirty="0">
-              <a:solidFill>
-                <a:srgbClr val="008000"/>
-              </a:solidFill>
-              <a:latin typeface="+mn-lt"/>
-            </a:endParaRPr>
-          </a:p>
-        </p:txBody>
-      </p:sp>
-      <p:sp>
-        <p:nvSpPr>
-          <p:cNvPr id="37" name="TextBox 36"/>
-          <p:cNvSpPr txBox="1"/>
-          <p:nvPr/>
-        </p:nvSpPr>
-        <p:spPr>
-          <a:xfrm>
-            <a:off x="1106988" y="3779088"/>
-            <a:ext cx="1744388" cy="523220"/>
-          </a:xfrm>
-          <a:prstGeom prst="rect">
-            <a:avLst/>
-          </a:prstGeom>
-          <a:noFill/>
-          <a:ln w="12700" cmpd="sng">
-            <a:noFill/>
-          </a:ln>
-        </p:spPr>
-        <p:txBody>
-          <a:bodyPr wrap="none" rtlCol="0">
-            <a:spAutoFit/>
-          </a:bodyPr>
-          <a:lstStyle/>
-          <a:p>
-            <a:r>
-              <a:rPr lang="en-US" sz="1400" dirty="0" smtClean="0">
-                <a:latin typeface="+mn-lt"/>
-              </a:rPr>
-              <a:t>Sequential Region</a:t>
-            </a:r>
-            <a:br>
-              <a:rPr lang="en-US" sz="1400" dirty="0" smtClean="0">
-                <a:latin typeface="+mn-lt"/>
-              </a:rPr>
-            </a:br>
-            <a:endParaRPr lang="en-US" sz="1400" dirty="0">
-              <a:latin typeface="+mn-lt"/>
-            </a:endParaRPr>
-          </a:p>
-        </p:txBody>
-      </p:sp>
-      <p:sp>
-        <p:nvSpPr>
-          <p:cNvPr id="38" name="TextBox 37"/>
-          <p:cNvSpPr txBox="1"/>
-          <p:nvPr/>
-        </p:nvSpPr>
-        <p:spPr>
-          <a:xfrm>
-            <a:off x="906786" y="4267701"/>
-            <a:ext cx="2036135" cy="307777"/>
-          </a:xfrm>
-          <a:prstGeom prst="rect">
-            <a:avLst/>
-          </a:prstGeom>
-          <a:noFill/>
-          <a:ln w="12700" cmpd="sng">
-            <a:noFill/>
-          </a:ln>
-        </p:spPr>
-        <p:txBody>
-          <a:bodyPr wrap="none" rtlCol="0">
-            <a:spAutoFit/>
-          </a:bodyPr>
-          <a:lstStyle/>
-          <a:p>
-            <a:r>
-              <a:rPr lang="en-US" sz="1400" dirty="0" smtClean="0">
-                <a:latin typeface="+mn-lt"/>
-              </a:rPr>
-              <a:t>Parallel Region Starts</a:t>
-            </a:r>
-            <a:endParaRPr lang="en-US" sz="1400" dirty="0">
-              <a:latin typeface="+mn-lt"/>
-            </a:endParaRPr>
-          </a:p>
-        </p:txBody>
-      </p:sp>
-      <p:sp>
-        <p:nvSpPr>
-          <p:cNvPr id="39" name="TextBox 38"/>
-          <p:cNvSpPr txBox="1"/>
-          <p:nvPr/>
-        </p:nvSpPr>
-        <p:spPr>
-          <a:xfrm>
-            <a:off x="4329282" y="3834742"/>
-            <a:ext cx="522900" cy="307777"/>
-          </a:xfrm>
-          <a:prstGeom prst="rect">
-            <a:avLst/>
-          </a:prstGeom>
-          <a:noFill/>
-        </p:spPr>
-        <p:txBody>
-          <a:bodyPr wrap="none" rtlCol="0">
-            <a:spAutoFit/>
-          </a:bodyPr>
-          <a:lstStyle/>
-          <a:p>
-            <a:r>
-              <a:rPr lang="en-US" sz="1400" dirty="0" smtClean="0">
-                <a:solidFill>
-                  <a:srgbClr val="008000"/>
-                </a:solidFill>
-                <a:latin typeface="+mn-lt"/>
-              </a:rPr>
-              <a:t>ID:0</a:t>
-            </a:r>
-            <a:endParaRPr lang="en-US" sz="1400" i="1" dirty="0">
-              <a:solidFill>
-                <a:srgbClr val="008000"/>
-              </a:solidFill>
-              <a:latin typeface="+mn-lt"/>
-            </a:endParaRPr>
-          </a:p>
-        </p:txBody>
-      </p:sp>
-      <p:sp>
-        <p:nvSpPr>
-          <p:cNvPr id="40" name="TextBox 39"/>
-          <p:cNvSpPr txBox="1"/>
-          <p:nvPr/>
-        </p:nvSpPr>
-        <p:spPr>
-          <a:xfrm>
-            <a:off x="3335736" y="4803722"/>
-            <a:ext cx="522900" cy="307777"/>
-          </a:xfrm>
-          <a:prstGeom prst="rect">
-            <a:avLst/>
-          </a:prstGeom>
-          <a:noFill/>
-        </p:spPr>
-        <p:txBody>
-          <a:bodyPr wrap="none" rtlCol="0">
-            <a:spAutoFit/>
-          </a:bodyPr>
-          <a:lstStyle/>
-          <a:p>
-            <a:r>
-              <a:rPr lang="en-US" sz="1400" dirty="0" smtClean="0">
-                <a:solidFill>
-                  <a:srgbClr val="008000"/>
-                </a:solidFill>
-                <a:latin typeface="+mn-lt"/>
-              </a:rPr>
-              <a:t>ID:0</a:t>
-            </a:r>
-            <a:endParaRPr lang="en-US" sz="1400" i="1" dirty="0">
-              <a:solidFill>
-                <a:srgbClr val="008000"/>
-              </a:solidFill>
-              <a:latin typeface="+mn-lt"/>
-            </a:endParaRPr>
-          </a:p>
-        </p:txBody>
-      </p:sp>
-      <p:sp>
-        <p:nvSpPr>
-          <p:cNvPr id="41" name="TextBox 40"/>
-          <p:cNvSpPr txBox="1"/>
-          <p:nvPr/>
-        </p:nvSpPr>
-        <p:spPr>
-          <a:xfrm>
-            <a:off x="4039514" y="4798912"/>
-            <a:ext cx="522900" cy="307777"/>
-          </a:xfrm>
-          <a:prstGeom prst="rect">
-            <a:avLst/>
-          </a:prstGeom>
-          <a:noFill/>
-        </p:spPr>
-        <p:txBody>
-          <a:bodyPr wrap="none" rtlCol="0">
-            <a:spAutoFit/>
-          </a:bodyPr>
-          <a:lstStyle/>
-          <a:p>
-            <a:r>
-              <a:rPr lang="en-US" sz="1400" dirty="0" smtClean="0">
-                <a:solidFill>
-                  <a:srgbClr val="0000FF"/>
-                </a:solidFill>
-                <a:latin typeface="+mn-lt"/>
-              </a:rPr>
-              <a:t>ID:1</a:t>
-            </a:r>
-            <a:endParaRPr lang="en-US" sz="1400" i="1" dirty="0">
-              <a:solidFill>
-                <a:srgbClr val="0000FF"/>
-              </a:solidFill>
-              <a:latin typeface="+mn-lt"/>
-            </a:endParaRPr>
-          </a:p>
-        </p:txBody>
-      </p:sp>
-      <p:cxnSp>
-        <p:nvCxnSpPr>
-          <p:cNvPr id="42" name="Straight Arrow Connector 41"/>
-          <p:cNvCxnSpPr/>
-          <p:nvPr/>
-        </p:nvCxnSpPr>
-        <p:spPr bwMode="auto">
-          <a:xfrm>
-            <a:off x="5234128" y="4761341"/>
-            <a:ext cx="0" cy="517746"/>
-          </a:xfrm>
-          <a:prstGeom prst="straightConnector1">
-            <a:avLst/>
-          </a:prstGeom>
-          <a:solidFill>
-            <a:srgbClr val="99CCFF"/>
-          </a:solidFill>
-          <a:ln w="38100" cap="flat" cmpd="sng" algn="ctr">
-            <a:solidFill>
-              <a:srgbClr val="000090"/>
-            </a:solidFill>
-            <a:prstDash val="solid"/>
-            <a:round/>
-            <a:headEnd type="none" w="med" len="med"/>
-            <a:tailEnd type="triangle" w="lg" len="med"/>
-          </a:ln>
-          <a:effectLst/>
-          <a:extLst>
-            <a:ext uri="{AF507438-7753-43e0-B8FC-AC1667EBCBE1}">
-              <a14:hiddenEffects xmlns="" xmlns:a14="http://schemas.microsoft.com/office/drawing/2010/main">
-                <a:effectLst>
-                  <a:outerShdw blurRad="63500" dist="35921" dir="2700000" algn="ctr" rotWithShape="0">
-                    <a:schemeClr val="bg2"/>
-                  </a:outerShdw>
-                </a:effectLst>
-              </a14:hiddenEffects>
-            </a:ext>
-          </a:extLst>
-        </p:spPr>
-      </p:cxnSp>
-      <p:sp>
-        <p:nvSpPr>
-          <p:cNvPr id="43" name="TextBox 42"/>
-          <p:cNvSpPr txBox="1"/>
-          <p:nvPr/>
-        </p:nvSpPr>
-        <p:spPr>
-          <a:xfrm>
-            <a:off x="4733787" y="4805609"/>
-            <a:ext cx="522900" cy="307777"/>
-          </a:xfrm>
-          <a:prstGeom prst="rect">
-            <a:avLst/>
-          </a:prstGeom>
-          <a:noFill/>
-        </p:spPr>
-        <p:txBody>
-          <a:bodyPr wrap="none" rtlCol="0">
-            <a:spAutoFit/>
-          </a:bodyPr>
-          <a:lstStyle/>
-          <a:p>
-            <a:r>
-              <a:rPr lang="en-US" sz="1400" dirty="0" smtClean="0">
-                <a:solidFill>
-                  <a:srgbClr val="0000FF"/>
-                </a:solidFill>
-                <a:latin typeface="+mn-lt"/>
-              </a:rPr>
-              <a:t>ID:2</a:t>
-            </a:r>
-            <a:endParaRPr lang="en-US" sz="1400" i="1" dirty="0">
-              <a:solidFill>
-                <a:srgbClr val="0000FF"/>
-              </a:solidFill>
-              <a:latin typeface="+mn-lt"/>
-            </a:endParaRPr>
-          </a:p>
-        </p:txBody>
-      </p:sp>
-      <p:cxnSp>
-        <p:nvCxnSpPr>
-          <p:cNvPr id="44" name="Straight Arrow Connector 43"/>
-          <p:cNvCxnSpPr/>
-          <p:nvPr/>
-        </p:nvCxnSpPr>
-        <p:spPr bwMode="auto">
-          <a:xfrm>
-            <a:off x="5895476" y="4748829"/>
-            <a:ext cx="0" cy="517746"/>
-          </a:xfrm>
-          <a:prstGeom prst="straightConnector1">
-            <a:avLst/>
-          </a:prstGeom>
-          <a:solidFill>
-            <a:srgbClr val="99CCFF"/>
-          </a:solidFill>
-          <a:ln w="38100" cap="flat" cmpd="sng" algn="ctr">
-            <a:solidFill>
-              <a:srgbClr val="000090"/>
-            </a:solidFill>
-            <a:prstDash val="solid"/>
-            <a:round/>
-            <a:headEnd type="none" w="med" len="med"/>
-            <a:tailEnd type="triangle" w="lg" len="med"/>
-          </a:ln>
-          <a:effectLst/>
-          <a:extLst>
-            <a:ext uri="{AF507438-7753-43e0-B8FC-AC1667EBCBE1}">
-              <a14:hiddenEffects xmlns="" xmlns:a14="http://schemas.microsoft.com/office/drawing/2010/main">
-                <a:effectLst>
-                  <a:outerShdw blurRad="63500" dist="35921" dir="2700000" algn="ctr" rotWithShape="0">
-                    <a:schemeClr val="bg2"/>
-                  </a:outerShdw>
-                </a:effectLst>
-              </a14:hiddenEffects>
-            </a:ext>
-          </a:extLst>
-        </p:spPr>
-      </p:cxnSp>
-      <p:sp>
-        <p:nvSpPr>
-          <p:cNvPr id="45" name="TextBox 44"/>
-          <p:cNvSpPr txBox="1"/>
-          <p:nvPr/>
-        </p:nvSpPr>
-        <p:spPr>
-          <a:xfrm>
-            <a:off x="5395135" y="4793098"/>
-            <a:ext cx="522900" cy="307777"/>
-          </a:xfrm>
-          <a:prstGeom prst="rect">
-            <a:avLst/>
-          </a:prstGeom>
-          <a:noFill/>
-        </p:spPr>
-        <p:txBody>
-          <a:bodyPr wrap="none" rtlCol="0">
-            <a:spAutoFit/>
-          </a:bodyPr>
-          <a:lstStyle/>
-          <a:p>
-            <a:r>
-              <a:rPr lang="en-US" sz="1400" dirty="0" smtClean="0">
-                <a:solidFill>
-                  <a:srgbClr val="0000FF"/>
-                </a:solidFill>
-                <a:latin typeface="+mn-lt"/>
-              </a:rPr>
-              <a:t>ID:3</a:t>
-            </a:r>
-            <a:endParaRPr lang="en-US" sz="1400" i="1" dirty="0">
-              <a:solidFill>
-                <a:srgbClr val="0000FF"/>
-              </a:solidFill>
-              <a:latin typeface="+mn-lt"/>
-            </a:endParaRPr>
-          </a:p>
-        </p:txBody>
-      </p:sp>
-      <p:sp>
-        <p:nvSpPr>
-          <p:cNvPr id="46" name="TextBox 45"/>
-          <p:cNvSpPr txBox="1"/>
-          <p:nvPr/>
-        </p:nvSpPr>
-        <p:spPr>
-          <a:xfrm>
-            <a:off x="1165254" y="4710906"/>
-            <a:ext cx="1645002" cy="523220"/>
-          </a:xfrm>
-          <a:prstGeom prst="rect">
-            <a:avLst/>
-          </a:prstGeom>
-          <a:noFill/>
-          <a:ln w="12700" cmpd="sng">
-            <a:noFill/>
-          </a:ln>
-        </p:spPr>
-        <p:txBody>
-          <a:bodyPr wrap="none" rtlCol="0">
-            <a:spAutoFit/>
-          </a:bodyPr>
-          <a:lstStyle/>
-          <a:p>
-            <a:pPr algn="ctr"/>
-            <a:r>
-              <a:rPr lang="en-US" sz="1400" i="1" dirty="0" smtClean="0">
-                <a:latin typeface="+mn-lt"/>
-              </a:rPr>
-              <a:t>Threads execute </a:t>
-            </a:r>
-            <a:br>
-              <a:rPr lang="en-US" sz="1400" i="1" dirty="0" smtClean="0">
-                <a:latin typeface="+mn-lt"/>
-              </a:rPr>
-            </a:br>
-            <a:r>
-              <a:rPr lang="en-US" sz="1400" i="1" dirty="0" smtClean="0">
-                <a:latin typeface="+mn-lt"/>
-              </a:rPr>
-              <a:t>simultaneously</a:t>
-            </a:r>
-            <a:endParaRPr lang="en-US" sz="1400" i="1" dirty="0">
-              <a:latin typeface="+mn-lt"/>
-            </a:endParaRPr>
-          </a:p>
-        </p:txBody>
-      </p:sp>
-      <p:sp>
-        <p:nvSpPr>
-          <p:cNvPr id="47" name="TextBox 46"/>
-          <p:cNvSpPr txBox="1"/>
-          <p:nvPr/>
-        </p:nvSpPr>
-        <p:spPr>
-          <a:xfrm>
-            <a:off x="706583" y="5301596"/>
-            <a:ext cx="2758695" cy="524442"/>
-          </a:xfrm>
-          <a:prstGeom prst="rect">
-            <a:avLst/>
-          </a:prstGeom>
-          <a:noFill/>
-          <a:ln w="12700" cmpd="sng">
-            <a:noFill/>
-          </a:ln>
-        </p:spPr>
-        <p:txBody>
-          <a:bodyPr wrap="square" rtlCol="0">
-            <a:spAutoFit/>
-          </a:bodyPr>
-          <a:lstStyle/>
-          <a:p>
-            <a:pPr algn="ctr"/>
-            <a:r>
-              <a:rPr lang="en-US" sz="1400" dirty="0" smtClean="0">
-                <a:latin typeface="+mn-lt"/>
-              </a:rPr>
-              <a:t>Parallel Region Ends</a:t>
-            </a:r>
-            <a:r>
-              <a:rPr lang="en-US" sz="1400" i="1" dirty="0" smtClean="0">
-                <a:latin typeface="+mn-lt"/>
-              </a:rPr>
-              <a:t/>
-            </a:r>
-            <a:br>
-              <a:rPr lang="en-US" sz="1400" i="1" dirty="0" smtClean="0">
-                <a:latin typeface="+mn-lt"/>
-              </a:rPr>
-            </a:br>
-            <a:r>
-              <a:rPr lang="en-US" sz="1400" i="1" dirty="0" smtClean="0">
-                <a:latin typeface="+mn-lt"/>
-              </a:rPr>
-              <a:t>Wait till all threads terminate</a:t>
-            </a:r>
-            <a:endParaRPr lang="en-US" sz="1400" i="1" dirty="0">
-              <a:latin typeface="+mn-lt"/>
-            </a:endParaRPr>
-          </a:p>
-        </p:txBody>
-      </p:sp>
-      <p:sp>
-        <p:nvSpPr>
-          <p:cNvPr id="48" name="TextBox 47"/>
-          <p:cNvSpPr txBox="1"/>
-          <p:nvPr/>
-        </p:nvSpPr>
-        <p:spPr>
-          <a:xfrm>
-            <a:off x="1106988" y="5966505"/>
-            <a:ext cx="1744388" cy="307777"/>
-          </a:xfrm>
-          <a:prstGeom prst="rect">
-            <a:avLst/>
-          </a:prstGeom>
-          <a:noFill/>
-          <a:ln w="12700" cmpd="sng">
-            <a:noFill/>
-          </a:ln>
-        </p:spPr>
-        <p:txBody>
-          <a:bodyPr wrap="none" rtlCol="0">
-            <a:spAutoFit/>
-          </a:bodyPr>
-          <a:lstStyle/>
-          <a:p>
-            <a:r>
-              <a:rPr lang="en-US" sz="1400" dirty="0" smtClean="0">
-                <a:latin typeface="+mn-lt"/>
-              </a:rPr>
-              <a:t>Sequential Region</a:t>
-            </a:r>
-            <a:endParaRPr lang="en-US" sz="1400" dirty="0">
-              <a:latin typeface="+mn-lt"/>
-            </a:endParaRPr>
-          </a:p>
-        </p:txBody>
-      </p:sp>
-      <p:sp>
-        <p:nvSpPr>
-          <p:cNvPr id="49" name="Rounded Rectangle 48"/>
-          <p:cNvSpPr/>
-          <p:nvPr/>
-        </p:nvSpPr>
-        <p:spPr bwMode="auto">
-          <a:xfrm>
-            <a:off x="706583" y="3607208"/>
-            <a:ext cx="7622315" cy="2762419"/>
-          </a:xfrm>
-          <a:prstGeom prst="roundRect">
-            <a:avLst/>
-          </a:prstGeom>
-          <a:solidFill>
-            <a:srgbClr val="99CCFF">
-              <a:alpha val="15000"/>
-            </a:srgbClr>
-          </a:solidFill>
-          <a:ln w="9525" cap="flat" cmpd="sng" algn="ctr">
-            <a:solidFill>
-              <a:schemeClr val="tx1">
-                <a:alpha val="21000"/>
-              </a:schemeClr>
-            </a:solidFill>
-            <a:prstDash val="solid"/>
-            <a:round/>
-            <a:headEnd type="none" w="med" len="med"/>
-            <a:tailEnd type="none" w="med" len="med"/>
-          </a:ln>
-          <a:effectLst/>
-          <a:extLst/>
-        </p:spPr>
-        <p:txBody>
-          <a:bodyPr vert="horz" wrap="none" lIns="91440" tIns="45720" rIns="91440" bIns="45720" numCol="1" rtlCol="0" anchor="ctr" anchorCtr="0" compatLnSpc="1">
-            <a:prstTxWarp prst="textNoShape">
-              <a:avLst/>
-            </a:prstTxWarp>
-          </a:bodyPr>
-          <a:lstStyle/>
-          <a:p>
-            <a:pPr marL="0" marR="0" indent="0" algn="ctr" defTabSz="914400" rtl="0" eaLnBrk="1" fontAlgn="base" latinLnBrk="0" hangingPunct="1">
-              <a:lnSpc>
-                <a:spcPct val="100000"/>
-              </a:lnSpc>
-              <a:spcBef>
-                <a:spcPct val="0"/>
-              </a:spcBef>
-              <a:spcAft>
-                <a:spcPct val="0"/>
-              </a:spcAft>
-              <a:buClrTx/>
-              <a:buSzTx/>
-              <a:buFontTx/>
-              <a:buNone/>
-              <a:tabLst/>
-            </a:pPr>
-            <a:endParaRPr kumimoji="0" lang="en-US" sz="1400" b="0" i="0" u="none" strike="noStrike" cap="none" normalizeH="0" baseline="0" dirty="0">
-              <a:ln>
-                <a:noFill/>
-              </a:ln>
-              <a:solidFill>
-                <a:schemeClr val="tx1"/>
-              </a:solidFill>
-              <a:effectLst/>
-              <a:latin typeface="+mn-lt"/>
-              <a:ea typeface="ＭＳ Ｐゴシック" charset="0"/>
-            </a:endParaRPr>
+              <a:t>CAT Scan application</a:t>
+            </a:r>
+            <a:endParaRPr lang="en-US" sz="2000" dirty="0" smtClean="0"/>
           </a:p>
         </p:txBody>
       </p:sp>
@@ -17773,7 +16624,6 @@
   <p:clrMapOvr>
     <a:masterClrMapping/>
   </p:clrMapOvr>
-  <p:transition advClick="0"/>
   <p:timing>
     <p:tnLst>
       <p:par>
@@ -17803,9 +16653,9 @@
       </p:grpSpPr>
       <p:sp>
         <p:nvSpPr>
-          <p:cNvPr id="39937" name="Rectangle 2"/>
-          <p:cNvSpPr>
-            <a:spLocks noGrp="1" noChangeArrowheads="1"/>
+          <p:cNvPr id="43009" name="Title 1"/>
+          <p:cNvSpPr>
+            <a:spLocks noGrp="1"/>
           </p:cNvSpPr>
           <p:nvPr>
             <p:ph type="title"/>
@@ -17813,8 +16663,8 @@
         </p:nvSpPr>
         <p:spPr>
           <a:xfrm>
-            <a:off x="342900" y="322118"/>
-            <a:ext cx="8458200" cy="657225"/>
+            <a:off x="530082" y="623455"/>
+            <a:ext cx="8115155" cy="4125190"/>
           </a:xfrm>
         </p:spPr>
         <p:txBody>
@@ -17822,82 +16672,174 @@
           <a:lstStyle/>
           <a:p>
             <a:r>
-              <a:rPr lang="en-US" dirty="0" smtClean="0"/>
-              <a:t>Examples of Partition Methods</a:t>
-            </a:r>
-          </a:p>
-        </p:txBody>
-      </p:sp>
-      <p:sp>
-        <p:nvSpPr>
-          <p:cNvPr id="23554" name="Rectangle 3"/>
-          <p:cNvSpPr>
-            <a:spLocks noGrp="1" noChangeArrowheads="1"/>
-          </p:cNvSpPr>
-          <p:nvPr>
-            <p:ph type="body" idx="1"/>
-          </p:nvPr>
-        </p:nvSpPr>
-        <p:spPr>
-          <a:xfrm>
-            <a:off x="333375" y="2369127"/>
-            <a:ext cx="8467725" cy="3013364"/>
-          </a:xfrm>
-        </p:spPr>
-        <p:txBody>
-          <a:bodyPr/>
-          <a:lstStyle/>
-          <a:p>
-            <a:pPr>
-              <a:lnSpc>
-                <a:spcPct val="80000"/>
-              </a:lnSpc>
-            </a:pPr>
-            <a:r>
-              <a:rPr lang="en-US" b="1" dirty="0" smtClean="0">
+              <a:rPr lang="en-US" sz="3200" dirty="0" smtClean="0">
                 <a:solidFill>
                   <a:schemeClr val="tx2"/>
                 </a:solidFill>
               </a:rPr>
-              <a:t>Function-driven Partition</a:t>
-            </a:r>
-          </a:p>
-          <a:p>
-            <a:pPr lvl="1">
-              <a:lnSpc>
-                <a:spcPct val="80000"/>
-              </a:lnSpc>
-            </a:pPr>
-            <a:r>
-              <a:rPr lang="en-US" sz="2000" dirty="0" smtClean="0"/>
-              <a:t>H264 encoder – Example 1 </a:t>
-            </a:r>
-          </a:p>
-          <a:p>
-            <a:pPr>
-              <a:lnSpc>
-                <a:spcPct val="80000"/>
-              </a:lnSpc>
-            </a:pPr>
-            <a:r>
-              <a:rPr lang="en-US" b="1" dirty="0" smtClean="0">
+              <a:t>Example 1: </a:t>
+            </a:r>
+            <a:r>
+              <a:rPr lang="en-US" sz="2800" dirty="0" smtClean="0">
                 <a:solidFill>
                   <a:schemeClr val="tx2"/>
                 </a:solidFill>
               </a:rPr>
-              <a:t>Data-driven Partition</a:t>
-            </a:r>
-          </a:p>
-          <a:p>
-            <a:pPr marL="690563" lvl="1" indent="-288925">
-              <a:lnSpc>
-                <a:spcPct val="80000"/>
-              </a:lnSpc>
-            </a:pPr>
-            <a:r>
-              <a:rPr lang="en-US" sz="2000" dirty="0" smtClean="0"/>
-              <a:t>Very Large FFT   - Example 2 </a:t>
-            </a:r>
+              <a:t/>
+            </a:r>
+            <a:br>
+              <a:rPr lang="en-US" sz="2800" dirty="0" smtClean="0">
+                <a:solidFill>
+                  <a:schemeClr val="tx2"/>
+                </a:solidFill>
+              </a:rPr>
+            </a:br>
+            <a:r>
+              <a:rPr lang="en-US" sz="2800" dirty="0" smtClean="0">
+                <a:solidFill>
+                  <a:schemeClr val="tx2"/>
+                </a:solidFill>
+              </a:rPr>
+              <a:t/>
+            </a:r>
+            <a:br>
+              <a:rPr lang="en-US" sz="2800" dirty="0" smtClean="0">
+                <a:solidFill>
+                  <a:schemeClr val="tx2"/>
+                </a:solidFill>
+              </a:rPr>
+            </a:br>
+            <a:r>
+              <a:rPr lang="en-US" altLang="zh-CN" sz="2800" dirty="0" smtClean="0">
+                <a:solidFill>
+                  <a:schemeClr val="tx2"/>
+                </a:solidFill>
+                <a:ea typeface="SimSun" charset="-122"/>
+              </a:rPr>
+              <a:t>High Def 1080i60 Video H264 Encoder</a:t>
+            </a:r>
+            <a:br>
+              <a:rPr lang="en-US" altLang="zh-CN" sz="2800" dirty="0" smtClean="0">
+                <a:solidFill>
+                  <a:schemeClr val="tx2"/>
+                </a:solidFill>
+                <a:ea typeface="SimSun" charset="-122"/>
+              </a:rPr>
+            </a:br>
+            <a:r>
+              <a:rPr lang="en-US" altLang="zh-CN" sz="2800" dirty="0" smtClean="0">
+                <a:solidFill>
+                  <a:schemeClr val="tx2"/>
+                </a:solidFill>
+                <a:ea typeface="SimSun" charset="-122"/>
+              </a:rPr>
+              <a:t/>
+            </a:r>
+            <a:br>
+              <a:rPr lang="en-US" altLang="zh-CN" sz="2800" dirty="0" smtClean="0">
+                <a:solidFill>
+                  <a:schemeClr val="tx2"/>
+                </a:solidFill>
+                <a:ea typeface="SimSun" charset="-122"/>
+              </a:rPr>
+            </a:br>
+            <a:r>
+              <a:rPr lang="en-US" altLang="zh-CN" sz="2800" dirty="0" smtClean="0">
+                <a:solidFill>
+                  <a:schemeClr val="tx2"/>
+                </a:solidFill>
+                <a:ea typeface="SimSun" charset="-122"/>
+              </a:rPr>
+              <a:t/>
+            </a:r>
+            <a:br>
+              <a:rPr lang="en-US" altLang="zh-CN" sz="2800" dirty="0" smtClean="0">
+                <a:solidFill>
+                  <a:schemeClr val="tx2"/>
+                </a:solidFill>
+                <a:ea typeface="SimSun" charset="-122"/>
+              </a:rPr>
+            </a:br>
+            <a:r>
+              <a:rPr lang="en-US" altLang="zh-CN" sz="2800" dirty="0" smtClean="0">
+                <a:ea typeface="SimSun" charset="-122"/>
+              </a:rPr>
+              <a:t>Data Flow Model</a:t>
+            </a:r>
+            <a:br>
+              <a:rPr lang="en-US" altLang="zh-CN" sz="2800" dirty="0" smtClean="0">
+                <a:ea typeface="SimSun" charset="-122"/>
+              </a:rPr>
+            </a:br>
+            <a:r>
+              <a:rPr lang="en-US" altLang="zh-CN" sz="2800" dirty="0" smtClean="0">
+                <a:ea typeface="SimSun" charset="-122"/>
+              </a:rPr>
+              <a:t>Function-driven Partition </a:t>
+            </a:r>
+            <a:r>
+              <a:rPr lang="en-US" altLang="zh-CN" sz="2800" dirty="0" smtClean="0">
+                <a:solidFill>
+                  <a:schemeClr val="tx2"/>
+                </a:solidFill>
+                <a:ea typeface="SimSun" charset="-122"/>
+              </a:rPr>
+              <a:t/>
+            </a:r>
+            <a:br>
+              <a:rPr lang="en-US" altLang="zh-CN" sz="2800" dirty="0" smtClean="0">
+                <a:solidFill>
+                  <a:schemeClr val="tx2"/>
+                </a:solidFill>
+                <a:ea typeface="SimSun" charset="-122"/>
+              </a:rPr>
+            </a:br>
+            <a:endParaRPr lang="en-US" sz="2800" dirty="0" smtClean="0">
+              <a:solidFill>
+                <a:schemeClr val="tx2"/>
+              </a:solidFill>
+            </a:endParaRPr>
+          </a:p>
+        </p:txBody>
+      </p:sp>
+      <p:sp>
+        <p:nvSpPr>
+          <p:cNvPr id="43010" name="Content Placeholder 2"/>
+          <p:cNvSpPr>
+            <a:spLocks/>
+          </p:cNvSpPr>
+          <p:nvPr/>
+        </p:nvSpPr>
+        <p:spPr bwMode="auto">
+          <a:xfrm>
+            <a:off x="276225" y="811213"/>
+            <a:ext cx="8523288" cy="4887912"/>
+          </a:xfrm>
+          <a:prstGeom prst="rect">
+            <a:avLst/>
+          </a:prstGeom>
+          <a:noFill/>
+          <a:ln w="9525">
+            <a:noFill/>
+            <a:miter lim="800000"/>
+            <a:headEnd/>
+            <a:tailEnd/>
+          </a:ln>
+        </p:spPr>
+        <p:txBody>
+          <a:bodyPr/>
+          <a:lstStyle/>
+          <a:p>
+            <a:pPr marL="342900" indent="-342900" eaLnBrk="0" hangingPunct="0">
+              <a:spcBef>
+                <a:spcPct val="20000"/>
+              </a:spcBef>
+              <a:buFontTx/>
+              <a:buChar char="•"/>
+            </a:pPr>
+            <a:endParaRPr lang="en-US" altLang="zh-CN" sz="2400" b="0" dirty="0">
+              <a:ea typeface="SimSun" charset="-122"/>
+            </a:endParaRPr>
           </a:p>
         </p:txBody>
       </p:sp>
@@ -17935,230 +16877,6 @@
       </p:grpSpPr>
       <p:sp>
         <p:nvSpPr>
-          <p:cNvPr id="43009" name="Title 1"/>
-          <p:cNvSpPr>
-            <a:spLocks noGrp="1"/>
-          </p:cNvSpPr>
-          <p:nvPr>
-            <p:ph type="title"/>
-          </p:nvPr>
-        </p:nvSpPr>
-        <p:spPr>
-          <a:xfrm>
-            <a:off x="530082" y="623455"/>
-            <a:ext cx="8115155" cy="4125190"/>
-          </a:xfrm>
-        </p:spPr>
-        <p:txBody>
-          <a:bodyPr/>
-          <a:lstStyle/>
-          <a:p>
-            <a:r>
-              <a:rPr lang="en-US" sz="3200" dirty="0" smtClean="0">
-                <a:solidFill>
-                  <a:schemeClr val="tx2"/>
-                </a:solidFill>
-              </a:rPr>
-              <a:t>Example 1: </a:t>
-            </a:r>
-            <a:r>
-              <a:rPr lang="en-US" sz="2800" dirty="0" smtClean="0">
-                <a:solidFill>
-                  <a:schemeClr val="tx2"/>
-                </a:solidFill>
-              </a:rPr>
-              <a:t/>
-            </a:r>
-            <a:br>
-              <a:rPr lang="en-US" sz="2800" dirty="0" smtClean="0">
-                <a:solidFill>
-                  <a:schemeClr val="tx2"/>
-                </a:solidFill>
-              </a:rPr>
-            </a:br>
-            <a:r>
-              <a:rPr lang="en-US" sz="2800" dirty="0" smtClean="0">
-                <a:solidFill>
-                  <a:schemeClr val="tx2"/>
-                </a:solidFill>
-              </a:rPr>
-              <a:t/>
-            </a:r>
-            <a:br>
-              <a:rPr lang="en-US" sz="2800" dirty="0" smtClean="0">
-                <a:solidFill>
-                  <a:schemeClr val="tx2"/>
-                </a:solidFill>
-              </a:rPr>
-            </a:br>
-            <a:r>
-              <a:rPr lang="en-US" altLang="zh-CN" sz="2800" dirty="0" smtClean="0">
-                <a:solidFill>
-                  <a:schemeClr val="tx2"/>
-                </a:solidFill>
-                <a:ea typeface="SimSun" charset="-122"/>
-              </a:rPr>
-              <a:t>High Def 1080i60 Video H264 Encoder</a:t>
-            </a:r>
-            <a:br>
-              <a:rPr lang="en-US" altLang="zh-CN" sz="2800" dirty="0" smtClean="0">
-                <a:solidFill>
-                  <a:schemeClr val="tx2"/>
-                </a:solidFill>
-                <a:ea typeface="SimSun" charset="-122"/>
-              </a:rPr>
-            </a:br>
-            <a:r>
-              <a:rPr lang="en-US" altLang="zh-CN" sz="2800" dirty="0" smtClean="0">
-                <a:solidFill>
-                  <a:schemeClr val="tx2"/>
-                </a:solidFill>
-                <a:ea typeface="SimSun" charset="-122"/>
-              </a:rPr>
-              <a:t/>
-            </a:r>
-            <a:br>
-              <a:rPr lang="en-US" altLang="zh-CN" sz="2800" dirty="0" smtClean="0">
-                <a:solidFill>
-                  <a:schemeClr val="tx2"/>
-                </a:solidFill>
-                <a:ea typeface="SimSun" charset="-122"/>
-              </a:rPr>
-            </a:br>
-            <a:r>
-              <a:rPr lang="en-US" altLang="zh-CN" sz="2800" dirty="0" smtClean="0">
-                <a:solidFill>
-                  <a:schemeClr val="tx2"/>
-                </a:solidFill>
-                <a:ea typeface="SimSun" charset="-122"/>
-              </a:rPr>
-              <a:t/>
-            </a:r>
-            <a:br>
-              <a:rPr lang="en-US" altLang="zh-CN" sz="2800" dirty="0" smtClean="0">
-                <a:solidFill>
-                  <a:schemeClr val="tx2"/>
-                </a:solidFill>
-                <a:ea typeface="SimSun" charset="-122"/>
-              </a:rPr>
-            </a:br>
-            <a:r>
-              <a:rPr lang="en-US" altLang="zh-CN" sz="2800" dirty="0" smtClean="0">
-                <a:ea typeface="SimSun" charset="-122"/>
-              </a:rPr>
-              <a:t>Data Flow Model</a:t>
-            </a:r>
-            <a:br>
-              <a:rPr lang="en-US" altLang="zh-CN" sz="2800" dirty="0" smtClean="0">
-                <a:ea typeface="SimSun" charset="-122"/>
-              </a:rPr>
-            </a:br>
-            <a:r>
-              <a:rPr lang="en-US" altLang="zh-CN" sz="2800" dirty="0" smtClean="0">
-                <a:ea typeface="SimSun" charset="-122"/>
-              </a:rPr>
-              <a:t>Function-driven Partition </a:t>
-            </a:r>
-            <a:r>
-              <a:rPr lang="en-US" altLang="zh-CN" sz="2800" dirty="0" smtClean="0">
-                <a:solidFill>
-                  <a:schemeClr val="tx2"/>
-                </a:solidFill>
-                <a:ea typeface="SimSun" charset="-122"/>
-              </a:rPr>
-              <a:t/>
-            </a:r>
-            <a:br>
-              <a:rPr lang="en-US" altLang="zh-CN" sz="2800" dirty="0" smtClean="0">
-                <a:solidFill>
-                  <a:schemeClr val="tx2"/>
-                </a:solidFill>
-                <a:ea typeface="SimSun" charset="-122"/>
-              </a:rPr>
-            </a:br>
-            <a:endParaRPr lang="en-US" sz="2800" dirty="0" smtClean="0">
-              <a:solidFill>
-                <a:schemeClr val="tx2"/>
-              </a:solidFill>
-            </a:endParaRPr>
-          </a:p>
-        </p:txBody>
-      </p:sp>
-      <p:sp>
-        <p:nvSpPr>
-          <p:cNvPr id="43010" name="Content Placeholder 2"/>
-          <p:cNvSpPr>
-            <a:spLocks/>
-          </p:cNvSpPr>
-          <p:nvPr/>
-        </p:nvSpPr>
-        <p:spPr bwMode="auto">
-          <a:xfrm>
-            <a:off x="276225" y="811213"/>
-            <a:ext cx="8523288" cy="4887912"/>
-          </a:xfrm>
-          <a:prstGeom prst="rect">
-            <a:avLst/>
-          </a:prstGeom>
-          <a:noFill/>
-          <a:ln w="9525">
-            <a:noFill/>
-            <a:miter lim="800000"/>
-            <a:headEnd/>
-            <a:tailEnd/>
-          </a:ln>
-        </p:spPr>
-        <p:txBody>
-          <a:bodyPr/>
-          <a:lstStyle/>
-          <a:p>
-            <a:pPr marL="342900" indent="-342900" eaLnBrk="0" hangingPunct="0">
-              <a:spcBef>
-                <a:spcPct val="20000"/>
-              </a:spcBef>
-              <a:buFontTx/>
-              <a:buChar char="•"/>
-            </a:pPr>
-            <a:endParaRPr lang="en-US" altLang="zh-CN" sz="2400" b="0" dirty="0">
-              <a:ea typeface="SimSun" charset="-122"/>
-            </a:endParaRPr>
-          </a:p>
-        </p:txBody>
-      </p:sp>
-    </p:spTree>
-  </p:cSld>
-  <p:clrMapOvr>
-    <a:masterClrMapping/>
-  </p:clrMapOvr>
-  <p:timing>
-    <p:tnLst>
-      <p:par>
-        <p:cTn id="1" dur="indefinite" restart="never" nodeType="tmRoot"/>
-      </p:par>
-    </p:tnLst>
-  </p:timing>
-</p:sld>
-</file>
-
-<file path=ppt/slides/slide24.xml><?xml version="1.0" encoding="utf-8"?>
-<p:sld xmlns:a="http://schemas.openxmlformats.org/drawingml/2006/main" xmlns:r="http://schemas.openxmlformats.org/officeDocument/2006/relationships" xmlns:p="http://schemas.openxmlformats.org/presentationml/2006/main">
-  <p:cSld>
-    <p:spTree>
-      <p:nvGrpSpPr>
-        <p:cNvPr id="1" name=""/>
-        <p:cNvGrpSpPr/>
-        <p:nvPr/>
-      </p:nvGrpSpPr>
-      <p:grpSpPr>
-        <a:xfrm>
-          <a:off x="0" y="0"/>
-          <a:ext cx="0" cy="0"/>
-          <a:chOff x="0" y="0"/>
-          <a:chExt cx="0" cy="0"/>
-        </a:xfrm>
-      </p:grpSpPr>
-      <p:sp>
-        <p:nvSpPr>
           <p:cNvPr id="45057" name="Rectangle 2"/>
           <p:cNvSpPr>
             <a:spLocks noGrp="1" noChangeArrowheads="1"/>
@@ -18348,37 +17066,7 @@
                 <a:uFillTx/>
                 <a:latin typeface="+mn-lt"/>
               </a:rPr>
-              <a:t>Video compression is done on </a:t>
-            </a:r>
-            <a:r>
-              <a:rPr kumimoji="0" lang="en-US" sz="2400" b="0" i="0" u="none" strike="noStrike" kern="0" cap="none" spc="0" normalizeH="0" baseline="0" noProof="0" dirty="0" err="1" smtClean="0">
-                <a:ln>
-                  <a:noFill/>
-                </a:ln>
-                <a:solidFill>
-                  <a:schemeClr val="tx1"/>
-                </a:solidFill>
-                <a:effectLst/>
-                <a:uLnTx/>
-                <a:uFillTx/>
-                <a:latin typeface="+mn-lt"/>
-              </a:rPr>
-              <a:t>macroblocks</a:t>
-            </a:r>
-            <a:r>
-              <a:rPr kumimoji="0" lang="en-US" sz="2400" b="0" i="0" u="none" strike="noStrike" kern="0" cap="none" spc="0" normalizeH="0" baseline="0" noProof="0" dirty="0" smtClean="0">
-                <a:ln>
-                  <a:noFill/>
-                </a:ln>
-                <a:solidFill>
-                  <a:schemeClr val="tx1"/>
-                </a:solidFill>
-                <a:effectLst/>
-                <a:uLnTx/>
-                <a:uFillTx/>
-                <a:latin typeface="+mn-lt"/>
-              </a:rPr>
-              <a:t> (16x16 pixels).</a:t>
+              <a:t>Video compression is done on macroblocks (16x16 pixels).</a:t>
             </a:r>
           </a:p>
           <a:p>
@@ -18509,7 +17197,7 @@
 </p:sld>
 </file>
 
-<file path=ppt/slides/slide25.xml><?xml version="1.0" encoding="utf-8"?>
+<file path=ppt/slides/slide24.xml><?xml version="1.0" encoding="utf-8"?>
 <p:sld xmlns:a="http://schemas.openxmlformats.org/drawingml/2006/main" xmlns:r="http://schemas.openxmlformats.org/officeDocument/2006/relationships" xmlns:p="http://schemas.openxmlformats.org/presentationml/2006/main">
   <p:cSld>
     <p:spTree>
@@ -18575,15 +17263,7 @@
           <a:p>
             <a:r>
               <a:rPr lang="en-US" sz="2000" dirty="0" smtClean="0"/>
-              <a:t>Pre-processing cannot work on frame (N) before frame (N-1) is done, but there is no dependency between </a:t>
-            </a:r>
-            <a:r>
-              <a:rPr lang="en-US" sz="2000" dirty="0" err="1" smtClean="0"/>
-              <a:t>macroblock</a:t>
-            </a:r>
-            <a:r>
-              <a:rPr lang="en-US" sz="2000" dirty="0" smtClean="0"/>
-              <a:t>, That is, multiple cores can divide the input data for the preprocessing.</a:t>
+              <a:t>Pre-processing cannot work on frame (N) before frame (N-1) is done, but there is no dependency between macroblock, That is, multiple cores can divide the input data for the preprocessing.</a:t>
             </a:r>
           </a:p>
           <a:p>
@@ -18650,7 +17330,7 @@
 </p:sld>
 </file>
 
-<file path=ppt/slides/slide26.xml><?xml version="1.0" encoding="utf-8"?>
+<file path=ppt/slides/slide25.xml><?xml version="1.0" encoding="utf-8"?>
 <p:sld xmlns:a="http://schemas.openxmlformats.org/drawingml/2006/main" xmlns:r="http://schemas.openxmlformats.org/officeDocument/2006/relationships" xmlns:p="http://schemas.openxmlformats.org/presentationml/2006/main">
   <p:cSld>
     <p:spTree>
@@ -22303,6 +20983,161 @@
 </p:sld>
 </file>
 
+<file path=ppt/slides/slide26.xml><?xml version="1.0" encoding="utf-8"?>
+<p:sld xmlns:a="http://schemas.openxmlformats.org/drawingml/2006/main" xmlns:r="http://schemas.openxmlformats.org/officeDocument/2006/relationships" xmlns:p="http://schemas.openxmlformats.org/presentationml/2006/main">
+  <p:cSld>
+    <p:spTree>
+      <p:nvGrpSpPr>
+        <p:cNvPr id="1" name=""/>
+        <p:cNvGrpSpPr/>
+        <p:nvPr/>
+      </p:nvGrpSpPr>
+      <p:grpSpPr>
+        <a:xfrm>
+          <a:off x="0" y="0"/>
+          <a:ext cx="0" cy="0"/>
+          <a:chOff x="0" y="0"/>
+          <a:chExt cx="0" cy="0"/>
+        </a:xfrm>
+      </p:grpSpPr>
+      <p:sp>
+        <p:nvSpPr>
+          <p:cNvPr id="49153" name="Rectangle 2"/>
+          <p:cNvSpPr>
+            <a:spLocks noGrp="1" noChangeArrowheads="1"/>
+          </p:cNvSpPr>
+          <p:nvPr>
+            <p:ph type="title"/>
+          </p:nvPr>
+        </p:nvSpPr>
+        <p:spPr>
+          <a:xfrm>
+            <a:off x="139959" y="0"/>
+            <a:ext cx="8826759" cy="657225"/>
+          </a:xfrm>
+        </p:spPr>
+        <p:txBody>
+          <a:bodyPr/>
+          <a:lstStyle/>
+          <a:p>
+            <a:r>
+              <a:rPr lang="en-US" sz="3000" dirty="0" smtClean="0"/>
+              <a:t>How Many Channels Can One C6678 Process?</a:t>
+            </a:r>
+          </a:p>
+        </p:txBody>
+      </p:sp>
+      <p:sp>
+        <p:nvSpPr>
+          <p:cNvPr id="49154" name="Rectangle 2339"/>
+          <p:cNvSpPr>
+            <a:spLocks noGrp="1" noChangeArrowheads="1"/>
+          </p:cNvSpPr>
+          <p:nvPr>
+            <p:ph type="body" idx="1"/>
+          </p:nvPr>
+        </p:nvSpPr>
+        <p:spPr>
+          <a:xfrm>
+            <a:off x="333375" y="887413"/>
+            <a:ext cx="8467725" cy="5233987"/>
+          </a:xfrm>
+        </p:spPr>
+        <p:txBody>
+          <a:bodyPr/>
+          <a:lstStyle/>
+          <a:p>
+            <a:r>
+              <a:rPr lang="en-US" dirty="0" smtClean="0"/>
+              <a:t>Looks like two channels;</a:t>
+            </a:r>
+            <a:br>
+              <a:rPr lang="en-US" dirty="0" smtClean="0"/>
+            </a:br>
+            <a:r>
+              <a:rPr lang="en-US" dirty="0" smtClean="0"/>
+              <a:t>Each one uses four cores.</a:t>
+            </a:r>
+          </a:p>
+          <a:p>
+            <a:pPr lvl="1"/>
+            <a:r>
+              <a:rPr lang="en-US" dirty="0" smtClean="0"/>
+              <a:t>Two cores for pre-processing</a:t>
+            </a:r>
+          </a:p>
+          <a:p>
+            <a:pPr lvl="1"/>
+            <a:r>
+              <a:rPr lang="en-US" dirty="0" smtClean="0"/>
+              <a:t>One core for main processing</a:t>
+            </a:r>
+          </a:p>
+          <a:p>
+            <a:pPr lvl="1"/>
+            <a:r>
+              <a:rPr lang="en-US" dirty="0" smtClean="0"/>
+              <a:t>One core for post-processing</a:t>
+            </a:r>
+          </a:p>
+          <a:p>
+            <a:r>
+              <a:rPr lang="en-US" dirty="0" smtClean="0"/>
+              <a:t>What other resources are needed?</a:t>
+            </a:r>
+          </a:p>
+          <a:p>
+            <a:pPr lvl="1"/>
+            <a:r>
+              <a:rPr lang="en-US" dirty="0" smtClean="0"/>
+              <a:t>Streaming data in and out of the system</a:t>
+            </a:r>
+          </a:p>
+          <a:p>
+            <a:pPr lvl="1"/>
+            <a:r>
+              <a:rPr lang="en-US" dirty="0" smtClean="0"/>
+              <a:t>Store and load data to and from DDR</a:t>
+            </a:r>
+          </a:p>
+          <a:p>
+            <a:pPr lvl="1"/>
+            <a:r>
+              <a:rPr lang="en-US" dirty="0" smtClean="0"/>
+              <a:t>Internal bus bandwidth</a:t>
+            </a:r>
+          </a:p>
+          <a:p>
+            <a:pPr lvl="1"/>
+            <a:r>
+              <a:rPr lang="en-US" dirty="0" smtClean="0"/>
+              <a:t>DMA availability</a:t>
+            </a:r>
+          </a:p>
+          <a:p>
+            <a:pPr lvl="1"/>
+            <a:r>
+              <a:rPr lang="en-US" dirty="0" smtClean="0"/>
+              <a:t>Synchronization between cores, especially when trying to minimize delay</a:t>
+            </a:r>
+          </a:p>
+        </p:txBody>
+      </p:sp>
+    </p:spTree>
+  </p:cSld>
+  <p:clrMapOvr>
+    <a:masterClrMapping/>
+  </p:clrMapOvr>
+  <p:timing>
+    <p:tnLst>
+      <p:par>
+        <p:cTn id="1" dur="indefinite" restart="never" nodeType="tmRoot"/>
+      </p:par>
+    </p:tnLst>
+  </p:timing>
+</p:sld>
+</file>
+
 <file path=ppt/slides/slide27.xml><?xml version="1.0" encoding="utf-8"?>
 <p:sld xmlns:a="http://schemas.openxmlformats.org/drawingml/2006/main" xmlns:r="http://schemas.openxmlformats.org/officeDocument/2006/relationships" xmlns:p="http://schemas.openxmlformats.org/presentationml/2006/main">
   <p:cSld>
@@ -22322,7 +21157,7 @@
       </p:grpSpPr>
       <p:sp>
         <p:nvSpPr>
-          <p:cNvPr id="49153" name="Rectangle 2"/>
+          <p:cNvPr id="50177" name="Rectangle 2"/>
           <p:cNvSpPr>
             <a:spLocks noGrp="1" noChangeArrowheads="1"/>
           </p:cNvSpPr>
@@ -22330,26 +21165,21 @@
             <p:ph type="title"/>
           </p:nvPr>
         </p:nvSpPr>
-        <p:spPr>
-          <a:xfrm>
-            <a:off x="139959" y="0"/>
-            <a:ext cx="8826759" cy="657225"/>
-          </a:xfrm>
-        </p:spPr>
+        <p:spPr/>
         <p:txBody>
           <a:bodyPr/>
           <a:lstStyle/>
           <a:p>
             <a:r>
-              <a:rPr lang="en-US" sz="3000" dirty="0" smtClean="0"/>
-              <a:t>How Many Channels Can One C6678 Process?</a:t>
-            </a:r>
-          </a:p>
-        </p:txBody>
-      </p:sp>
-      <p:sp>
-        <p:nvSpPr>
-          <p:cNvPr id="49154" name="Rectangle 2339"/>
+              <a:rPr lang="en-US" sz="3200" dirty="0" smtClean="0"/>
+              <a:t>What are the System Input Requirements?</a:t>
+            </a:r>
+          </a:p>
+        </p:txBody>
+      </p:sp>
+      <p:sp>
+        <p:nvSpPr>
+          <p:cNvPr id="50178" name="Rectangle 2339"/>
           <p:cNvSpPr>
             <a:spLocks noGrp="1" noChangeArrowheads="1"/>
           </p:cNvSpPr>
@@ -22369,76 +21199,68 @@
           <a:p>
             <a:r>
               <a:rPr lang="en-US" dirty="0" smtClean="0"/>
-              <a:t>Looks like two channels;</a:t>
+              <a:t>Stream data in and out of the system:</a:t>
+            </a:r>
+          </a:p>
+          <a:p>
+            <a:pPr lvl="1"/>
+            <a:r>
+              <a:rPr lang="en-US" sz="2000" dirty="0" smtClean="0"/>
+              <a:t>Raw data: 1920 * 1080 * 1.5  = 3,110,400 bytes per frame</a:t>
             </a:r>
             <a:br>
+              <a:rPr lang="en-US" sz="2000" dirty="0" smtClean="0"/>
+            </a:br>
+            <a:r>
+              <a:rPr lang="en-US" sz="2000" dirty="0" smtClean="0"/>
+              <a:t>= 24.883200 bits per frame (~25M bits per frame)</a:t>
+            </a:r>
+          </a:p>
+          <a:p>
+            <a:pPr lvl="1"/>
+            <a:r>
+              <a:rPr lang="en-US" sz="2000" dirty="0" smtClean="0"/>
+              <a:t>At 30 frames per second, the input is 750 Mbps</a:t>
+            </a:r>
+          </a:p>
+          <a:p>
+            <a:pPr lvl="1"/>
+            <a:r>
+              <a:rPr lang="en-US" sz="2000" dirty="0" smtClean="0"/>
+              <a:t>NOTE: The order of raw data for a frame is Y component first, followed by U and V.</a:t>
+            </a:r>
+          </a:p>
+          <a:p>
+            <a:r>
               <a:rPr lang="en-US" dirty="0" smtClean="0"/>
-            </a:br>
+              <a:t>750 Mbps input requires one of the following:</a:t>
+            </a:r>
+          </a:p>
+          <a:p>
+            <a:pPr lvl="1"/>
+            <a:r>
+              <a:rPr lang="en-US" sz="2000" dirty="0" smtClean="0"/>
+              <a:t>One SRIO lane (5 Gbps raw; Approximately 3.5 Gbps of payload), </a:t>
+            </a:r>
+          </a:p>
+          <a:p>
+            <a:pPr lvl="1"/>
+            <a:r>
+              <a:rPr lang="en-US" sz="2000" dirty="0" smtClean="0"/>
+              <a:t>One PCIe lane (5 Gbps raw)</a:t>
+            </a:r>
+          </a:p>
+          <a:p>
+            <a:pPr lvl="1"/>
+            <a:r>
+              <a:rPr lang="en-US" sz="2000" dirty="0" smtClean="0"/>
+              <a:t>NOTE: KeyStone devices provide four SRIO lanes and two PCIe lanes</a:t>
+            </a:r>
+          </a:p>
+          <a:p>
             <a:r>
               <a:rPr lang="en-US" dirty="0" smtClean="0"/>
-              <a:t>Each one uses four cores.</a:t>
-            </a:r>
-          </a:p>
-          <a:p>
-            <a:pPr lvl="1"/>
-            <a:r>
-              <a:rPr lang="en-US" dirty="0" smtClean="0"/>
-              <a:t>Two cores for pre-processing</a:t>
-            </a:r>
-          </a:p>
-          <a:p>
-            <a:pPr lvl="1"/>
-            <a:r>
-              <a:rPr lang="en-US" dirty="0" smtClean="0"/>
-              <a:t>One core for main processing</a:t>
-            </a:r>
-          </a:p>
-          <a:p>
-            <a:pPr lvl="1"/>
-            <a:r>
-              <a:rPr lang="en-US" dirty="0" smtClean="0"/>
-              <a:t>One core for post-processing</a:t>
-            </a:r>
-          </a:p>
-          <a:p>
-            <a:r>
-              <a:rPr lang="en-US" dirty="0" smtClean="0"/>
-              <a:t>What other resources are needed?</a:t>
-            </a:r>
-          </a:p>
-          <a:p>
-            <a:pPr lvl="1"/>
-            <a:r>
-              <a:rPr lang="en-US" dirty="0" smtClean="0"/>
-              <a:t>Streaming data in and out of the system</a:t>
-            </a:r>
-          </a:p>
-          <a:p>
-            <a:pPr lvl="1"/>
-            <a:r>
-              <a:rPr lang="en-US" dirty="0" smtClean="0"/>
-              <a:t>Store and load data to and from DDR</a:t>
-            </a:r>
-          </a:p>
-          <a:p>
-            <a:pPr lvl="1"/>
-            <a:r>
-              <a:rPr lang="en-US" dirty="0" smtClean="0"/>
-              <a:t>Internal bus bandwidth</a:t>
-            </a:r>
-          </a:p>
-          <a:p>
-            <a:pPr lvl="1"/>
-            <a:r>
-              <a:rPr lang="en-US" dirty="0" smtClean="0"/>
-              <a:t>DMA availability</a:t>
-            </a:r>
-          </a:p>
-          <a:p>
-            <a:pPr lvl="1"/>
-            <a:r>
-              <a:rPr lang="en-US" dirty="0" smtClean="0"/>
-              <a:t>Synchronization between cores, especially when trying to minimize delay</a:t>
+              <a:t>Compressed data (e.g., 10 to 20 Mbps) can use SGMII (10M/100M/1G) or SRIO or PCIe.</a:t>
             </a:r>
           </a:p>
         </p:txBody>
@@ -22477,7 +21299,7 @@
       </p:grpSpPr>
       <p:sp>
         <p:nvSpPr>
-          <p:cNvPr id="50177" name="Rectangle 2"/>
+          <p:cNvPr id="51201" name="Rectangle 2"/>
           <p:cNvSpPr>
             <a:spLocks noGrp="1" noChangeArrowheads="1"/>
           </p:cNvSpPr>
@@ -22491,15 +21313,15 @@
           <a:lstStyle/>
           <a:p>
             <a:r>
-              <a:rPr lang="en-US" sz="3200" dirty="0" smtClean="0"/>
-              <a:t>What are the System Input Requirements?</a:t>
-            </a:r>
-          </a:p>
-        </p:txBody>
-      </p:sp>
-      <p:sp>
-        <p:nvSpPr>
-          <p:cNvPr id="50178" name="Rectangle 2339"/>
+              <a:rPr lang="en-US" dirty="0" smtClean="0"/>
+              <a:t>How Many Accesses to the DDR?</a:t>
+            </a:r>
+          </a:p>
+        </p:txBody>
+      </p:sp>
+      <p:sp>
+        <p:nvSpPr>
+          <p:cNvPr id="51202" name="Rectangle 2339"/>
           <p:cNvSpPr>
             <a:spLocks noGrp="1" noChangeArrowheads="1"/>
           </p:cNvSpPr>
@@ -22510,85 +21332,48 @@
         <p:spPr>
           <a:xfrm>
             <a:off x="333375" y="887413"/>
-            <a:ext cx="8467725" cy="5233987"/>
+            <a:ext cx="8467725" cy="5492750"/>
           </a:xfrm>
         </p:spPr>
         <p:txBody>
           <a:bodyPr/>
           <a:lstStyle/>
           <a:p>
-            <a:r>
-              <a:rPr lang="en-US" dirty="0" smtClean="0"/>
-              <a:t>Stream data in and out of the system:</a:t>
-            </a:r>
-          </a:p>
-          <a:p>
-            <a:pPr lvl="1"/>
-            <a:r>
-              <a:rPr lang="en-US" sz="2000" dirty="0" smtClean="0"/>
-              <a:t>Raw data: 1920 * 1080 * 1.5  = 3,110,400 bytes per frame</a:t>
-            </a:r>
-            <a:br>
-              <a:rPr lang="en-US" sz="2000" dirty="0" smtClean="0"/>
-            </a:br>
-            <a:r>
-              <a:rPr lang="en-US" sz="2000" dirty="0" smtClean="0"/>
-              <a:t>= 24.883200 bits per frame (~25M bits per frame)</a:t>
-            </a:r>
-          </a:p>
-          <a:p>
-            <a:pPr lvl="1"/>
-            <a:r>
-              <a:rPr lang="en-US" sz="2000" dirty="0" smtClean="0"/>
-              <a:t>At 30 frames per second, the input is 750 Mbps</a:t>
-            </a:r>
-          </a:p>
-          <a:p>
-            <a:pPr lvl="1"/>
-            <a:r>
-              <a:rPr lang="en-US" sz="2000" dirty="0" smtClean="0"/>
-              <a:t>NOTE: The order of raw data for a frame is Y component first, followed by U and V.</a:t>
-            </a:r>
-          </a:p>
-          <a:p>
-            <a:r>
-              <a:rPr lang="en-US" dirty="0" smtClean="0"/>
-              <a:t>750 Mbps input requires one of the following:</a:t>
-            </a:r>
-          </a:p>
-          <a:p>
-            <a:pPr lvl="1"/>
-            <a:r>
-              <a:rPr lang="en-US" sz="2000" dirty="0" smtClean="0"/>
-              <a:t>One SRIO lane (5 </a:t>
-            </a:r>
-            <a:r>
-              <a:rPr lang="en-US" sz="2000" dirty="0" err="1" smtClean="0"/>
-              <a:t>Gbps</a:t>
-            </a:r>
-            <a:r>
-              <a:rPr lang="en-US" sz="2000" dirty="0" smtClean="0"/>
-              <a:t> raw; Approximately 3.5 Gbps of payload), </a:t>
-            </a:r>
-          </a:p>
-          <a:p>
-            <a:pPr lvl="1"/>
-            <a:r>
-              <a:rPr lang="en-US" sz="2000" dirty="0" smtClean="0"/>
-              <a:t>One PCIe lane (5 Gbps raw)</a:t>
-            </a:r>
-          </a:p>
-          <a:p>
-            <a:pPr lvl="1"/>
-            <a:r>
-              <a:rPr lang="en-US" sz="2000" dirty="0" smtClean="0"/>
-              <a:t>NOTE: KeyStone devices provide four SRIO lanes and two PCIe lanes</a:t>
-            </a:r>
-          </a:p>
-          <a:p>
-            <a:r>
-              <a:rPr lang="en-US" dirty="0" smtClean="0"/>
-              <a:t>Compressed data (e.g., 10 to 20 Mbps) can use SGMII (10M/100M/1G) or SRIO or PCIe.</a:t>
+            <a:pPr>
+              <a:lnSpc>
+                <a:spcPct val="80000"/>
+              </a:lnSpc>
+            </a:pPr>
+            <a:r>
+              <a:rPr lang="en-US" sz="2400" dirty="0" smtClean="0"/>
+              <a:t>For purposes of this example, only consider frame-size accesses.</a:t>
+            </a:r>
+          </a:p>
+          <a:p>
+            <a:pPr>
+              <a:lnSpc>
+                <a:spcPct val="80000"/>
+              </a:lnSpc>
+            </a:pPr>
+            <a:r>
+              <a:rPr lang="en-US" sz="2400" dirty="0" smtClean="0"/>
+              <a:t>All other accesses are negligible.</a:t>
+            </a:r>
+            <a:endParaRPr lang="en-US" dirty="0" smtClean="0"/>
+          </a:p>
+          <a:p>
+            <a:pPr>
+              <a:lnSpc>
+                <a:spcPct val="80000"/>
+              </a:lnSpc>
+            </a:pPr>
+            <a:r>
+              <a:rPr lang="en-US" sz="2400" dirty="0" smtClean="0"/>
+              <a:t>Requirements for processing a single frame: </a:t>
+            </a:r>
+            <a:r>
+              <a:rPr lang="en-US" sz="2400" b="1" dirty="0" smtClean="0"/>
+              <a:t>Total DDR access for a single frame is less than 32 MB.</a:t>
             </a:r>
           </a:p>
         </p:txBody>
@@ -22627,7 +21412,7 @@
       </p:grpSpPr>
       <p:sp>
         <p:nvSpPr>
-          <p:cNvPr id="51201" name="Rectangle 2"/>
+          <p:cNvPr id="52225" name="Rectangle 2"/>
           <p:cNvSpPr>
             <a:spLocks noGrp="1" noChangeArrowheads="1"/>
           </p:cNvSpPr>
@@ -22641,15 +21426,15 @@
           <a:lstStyle/>
           <a:p>
             <a:r>
-              <a:rPr lang="en-US" dirty="0" smtClean="0"/>
-              <a:t>How Many Accesses to the DDR?</a:t>
-            </a:r>
-          </a:p>
-        </p:txBody>
-      </p:sp>
-      <p:sp>
-        <p:nvSpPr>
-          <p:cNvPr id="51202" name="Rectangle 2339"/>
+              <a:rPr lang="en-US" sz="3200" dirty="0" smtClean="0"/>
+              <a:t>How Does This Access Avoid Contention?</a:t>
+            </a:r>
+          </a:p>
+        </p:txBody>
+      </p:sp>
+      <p:sp>
+        <p:nvSpPr>
+          <p:cNvPr id="52226" name="Rectangle 2339"/>
           <p:cNvSpPr>
             <a:spLocks noGrp="1" noChangeArrowheads="1"/>
           </p:cNvSpPr>
@@ -22667,42 +21452,40 @@
           <a:bodyPr/>
           <a:lstStyle/>
           <a:p>
-            <a:pPr>
-              <a:lnSpc>
-                <a:spcPct val="80000"/>
-              </a:lnSpc>
-            </a:pPr>
-            <a:r>
-              <a:rPr lang="en-US" sz="2400" dirty="0" smtClean="0"/>
-              <a:t>For purposes of this example, only consider frame-size accesses.</a:t>
-            </a:r>
-          </a:p>
-          <a:p>
-            <a:pPr>
-              <a:lnSpc>
-                <a:spcPct val="80000"/>
-              </a:lnSpc>
-            </a:pPr>
-            <a:r>
-              <a:rPr lang="en-US" sz="2400" dirty="0" smtClean="0"/>
-              <a:t>All other accesses are negligible.</a:t>
-            </a:r>
-            <a:endParaRPr lang="en-US" dirty="0" smtClean="0"/>
-          </a:p>
-          <a:p>
-            <a:pPr>
-              <a:lnSpc>
-                <a:spcPct val="80000"/>
-              </a:lnSpc>
-            </a:pPr>
-            <a:r>
-              <a:rPr lang="en-US" sz="2400" dirty="0" smtClean="0"/>
-              <a:t>Requirements for processing a single frame: </a:t>
-            </a:r>
             <a:r>
               <a:rPr lang="en-US" sz="2400" b="1" dirty="0" smtClean="0"/>
               <a:t>Total DDR access for a single frame is less than 32 MB.</a:t>
             </a:r>
+            <a:endParaRPr lang="en-US" sz="2400" dirty="0" smtClean="0"/>
+          </a:p>
+          <a:p>
+            <a:r>
+              <a:rPr lang="en-US" sz="2400" dirty="0" smtClean="0"/>
+              <a:t>The total DDR access for 30 frames per second (60 fields) is less than 32 * 30 = 960 MBps. </a:t>
+            </a:r>
+          </a:p>
+          <a:p>
+            <a:r>
+              <a:rPr lang="en-US" sz="2400" dirty="0" smtClean="0"/>
+              <a:t>The DDR3 raw bandwidth is more than 10 GBps (1333 MHz clock and 64 bits). 10% utilization reduces contention possibilities.</a:t>
+            </a:r>
+          </a:p>
+          <a:p>
+            <a:r>
+              <a:rPr lang="en-US" sz="2400" dirty="0" smtClean="0"/>
+              <a:t>DDR3 DMA uses TeraNet with clock/3 and 128 bits.</a:t>
+            </a:r>
+            <a:br>
+              <a:rPr lang="en-US" sz="2400" dirty="0" smtClean="0"/>
+            </a:br>
+            <a:r>
+              <a:rPr lang="en-US" sz="2400" dirty="0" smtClean="0"/>
+              <a:t>TeraNet bandwidth is 400 MHz * 16B = 6.4 GBps.  </a:t>
+            </a:r>
+          </a:p>
+          <a:p>
+            <a:pPr lvl="1"/>
+            <a:endParaRPr lang="en-US" dirty="0" smtClean="0"/>
           </a:p>
         </p:txBody>
       </p:sp>
@@ -22903,7 +21686,7 @@
       </p:grpSpPr>
       <p:sp>
         <p:nvSpPr>
-          <p:cNvPr id="52225" name="Rectangle 2"/>
+          <p:cNvPr id="53249" name="Rectangle 2"/>
           <p:cNvSpPr>
             <a:spLocks noGrp="1" noChangeArrowheads="1"/>
           </p:cNvSpPr>
@@ -22911,21 +21694,26 @@
             <p:ph type="title"/>
           </p:nvPr>
         </p:nvSpPr>
-        <p:spPr/>
+        <p:spPr>
+          <a:xfrm>
+            <a:off x="195943" y="18662"/>
+            <a:ext cx="8742784" cy="657225"/>
+          </a:xfrm>
+        </p:spPr>
         <p:txBody>
           <a:bodyPr/>
           <a:lstStyle/>
           <a:p>
             <a:r>
-              <a:rPr lang="en-US" sz="3200" dirty="0" smtClean="0"/>
-              <a:t>How Does This Access Avoid Contention?</a:t>
-            </a:r>
-          </a:p>
-        </p:txBody>
-      </p:sp>
-      <p:sp>
-        <p:nvSpPr>
-          <p:cNvPr id="52226" name="Rectangle 2339"/>
+              <a:rPr lang="en-US" dirty="0" smtClean="0"/>
+              <a:t>KeyStone SoC Architecture Resources </a:t>
+            </a:r>
+          </a:p>
+        </p:txBody>
+      </p:sp>
+      <p:sp>
+        <p:nvSpPr>
+          <p:cNvPr id="53250" name="Rectangle 2339"/>
           <p:cNvSpPr>
             <a:spLocks noGrp="1" noChangeArrowheads="1"/>
           </p:cNvSpPr>
@@ -22943,40 +21731,70 @@
           <a:bodyPr/>
           <a:lstStyle/>
           <a:p>
-            <a:r>
-              <a:rPr lang="en-US" sz="2400" b="1" dirty="0" smtClean="0"/>
-              <a:t>Total DDR access for a single frame is less than 32 MB.</a:t>
-            </a:r>
-            <a:endParaRPr lang="en-US" sz="2400" dirty="0" smtClean="0"/>
-          </a:p>
-          <a:p>
-            <a:r>
-              <a:rPr lang="en-US" sz="2400" dirty="0" smtClean="0"/>
-              <a:t>The total DDR access for 30 frames per second (60 fields) is less than 32 * 30 = 960 MBps. </a:t>
-            </a:r>
-          </a:p>
-          <a:p>
-            <a:r>
-              <a:rPr lang="en-US" sz="2400" dirty="0" smtClean="0"/>
-              <a:t>The DDR3 raw bandwidth is more than 10 GBps (1333 MHz clock and 64 bits). 10% utilization reduces contention possibilities.</a:t>
-            </a:r>
-          </a:p>
-          <a:p>
-            <a:r>
-              <a:rPr lang="en-US" sz="2400" dirty="0" smtClean="0"/>
-              <a:t>DDR3 DMA uses TeraNet with clock/3 and 128 bits.</a:t>
-            </a:r>
-            <a:br>
-              <a:rPr lang="en-US" sz="2400" dirty="0" smtClean="0"/>
-            </a:br>
-            <a:r>
-              <a:rPr lang="en-US" sz="2400" dirty="0" smtClean="0"/>
-              <a:t>TeraNet bandwidth is 400 MHz * 16B = 6.4 GBps.  </a:t>
-            </a:r>
-          </a:p>
-          <a:p>
-            <a:pPr lvl="1"/>
-            <a:endParaRPr lang="en-US" dirty="0" smtClean="0"/>
+            <a:pPr>
+              <a:lnSpc>
+                <a:spcPct val="90000"/>
+              </a:lnSpc>
+            </a:pPr>
+            <a:r>
+              <a:rPr lang="en-US" dirty="0" smtClean="0"/>
+              <a:t>10 EDMA transfer controllers with 144 EDMA channels and 1152 PaRAM (parameter blocks):</a:t>
+            </a:r>
+          </a:p>
+          <a:p>
+            <a:pPr lvl="1">
+              <a:lnSpc>
+                <a:spcPct val="90000"/>
+              </a:lnSpc>
+            </a:pPr>
+            <a:r>
+              <a:rPr lang="en-US" dirty="0" smtClean="0"/>
+              <a:t>The EDMA scheme must be designed by the user.</a:t>
+            </a:r>
+          </a:p>
+          <a:p>
+            <a:pPr lvl="1">
+              <a:lnSpc>
+                <a:spcPct val="90000"/>
+              </a:lnSpc>
+            </a:pPr>
+            <a:r>
+              <a:rPr lang="en-US" dirty="0" smtClean="0"/>
+              <a:t>The LLD provides easy EDMA usage.</a:t>
+            </a:r>
+          </a:p>
+          <a:p>
+            <a:pPr>
+              <a:lnSpc>
+                <a:spcPct val="90000"/>
+              </a:lnSpc>
+            </a:pPr>
+            <a:r>
+              <a:rPr lang="en-US" dirty="0" smtClean="0"/>
+              <a:t>In addition, Multicore Navigator has its own PKTDMA for each master.</a:t>
+            </a:r>
+          </a:p>
+          <a:p>
+            <a:pPr>
+              <a:lnSpc>
+                <a:spcPct val="90000"/>
+              </a:lnSpc>
+            </a:pPr>
+            <a:r>
+              <a:rPr lang="en-US" dirty="0" smtClean="0"/>
+              <a:t>Data in and out of the system (SRIO or SGMII) is done using the Multicore Navigator or another master DMA (e.g., PCIe).</a:t>
+            </a:r>
+          </a:p>
+          <a:p>
+            <a:pPr>
+              <a:lnSpc>
+                <a:spcPct val="90000"/>
+              </a:lnSpc>
+            </a:pPr>
+            <a:r>
+              <a:rPr lang="en-US" dirty="0" smtClean="0"/>
+              <a:t>All synchronization and data movement is done using IPC.</a:t>
+            </a:r>
           </a:p>
         </p:txBody>
       </p:sp>
@@ -23014,7 +21832,7 @@
       </p:grpSpPr>
       <p:sp>
         <p:nvSpPr>
-          <p:cNvPr id="53249" name="Rectangle 2"/>
+          <p:cNvPr id="54273" name="Rectangle 2"/>
           <p:cNvSpPr>
             <a:spLocks noGrp="1" noChangeArrowheads="1"/>
           </p:cNvSpPr>
@@ -23022,26 +21840,21 @@
             <p:ph type="title"/>
           </p:nvPr>
         </p:nvSpPr>
-        <p:spPr>
-          <a:xfrm>
-            <a:off x="195943" y="18662"/>
-            <a:ext cx="8742784" cy="657225"/>
-          </a:xfrm>
-        </p:spPr>
+        <p:spPr/>
         <p:txBody>
           <a:bodyPr/>
           <a:lstStyle/>
           <a:p>
             <a:r>
               <a:rPr lang="en-US" dirty="0" smtClean="0"/>
-              <a:t>KeyStone SoC Architecture Resources </a:t>
-            </a:r>
-          </a:p>
-        </p:txBody>
-      </p:sp>
-      <p:sp>
-        <p:nvSpPr>
-          <p:cNvPr id="53250" name="Rectangle 2339"/>
+              <a:t>Conclusion</a:t>
+            </a:r>
+          </a:p>
+        </p:txBody>
+      </p:sp>
+      <p:sp>
+        <p:nvSpPr>
+          <p:cNvPr id="54274" name="Rectangle 2339"/>
           <p:cNvSpPr>
             <a:spLocks noGrp="1" noChangeArrowheads="1"/>
           </p:cNvSpPr>
@@ -23059,70 +21872,38 @@
           <a:bodyPr/>
           <a:lstStyle/>
           <a:p>
-            <a:pPr>
-              <a:lnSpc>
-                <a:spcPct val="90000"/>
-              </a:lnSpc>
-            </a:pPr>
-            <a:r>
-              <a:rPr lang="en-US" dirty="0" smtClean="0"/>
-              <a:t>10 EDMA transfer controllers with 144 EDMA channels and 1152 PaRAM (parameter blocks):</a:t>
-            </a:r>
-          </a:p>
-          <a:p>
-            <a:pPr lvl="1">
-              <a:lnSpc>
-                <a:spcPct val="90000"/>
-              </a:lnSpc>
-            </a:pPr>
-            <a:r>
-              <a:rPr lang="en-US" dirty="0" smtClean="0"/>
-              <a:t>The EDMA scheme must be designed by the user.</a:t>
-            </a:r>
-          </a:p>
-          <a:p>
-            <a:pPr lvl="1">
-              <a:lnSpc>
-                <a:spcPct val="90000"/>
-              </a:lnSpc>
-            </a:pPr>
-            <a:r>
-              <a:rPr lang="en-US" dirty="0" smtClean="0"/>
-              <a:t>The LLD provides easy EDMA usage.</a:t>
-            </a:r>
-          </a:p>
-          <a:p>
-            <a:pPr>
-              <a:lnSpc>
-                <a:spcPct val="90000"/>
-              </a:lnSpc>
-            </a:pPr>
-            <a:r>
-              <a:rPr lang="en-US" dirty="0" smtClean="0"/>
-              <a:t>In addition, Multicore Navigator has its own PKTDMA for each master.</a:t>
-            </a:r>
-          </a:p>
-          <a:p>
-            <a:pPr>
-              <a:lnSpc>
-                <a:spcPct val="90000"/>
-              </a:lnSpc>
-            </a:pPr>
-            <a:r>
-              <a:rPr lang="en-US" dirty="0" smtClean="0"/>
-              <a:t>Data in and out of the system (SRIO or SGMII) is done using the Multicore Navigator or another master DMA (e.g., PCIe).</a:t>
-            </a:r>
-          </a:p>
-          <a:p>
-            <a:pPr>
-              <a:lnSpc>
-                <a:spcPct val="90000"/>
-              </a:lnSpc>
-            </a:pPr>
-            <a:r>
-              <a:rPr lang="en-US" dirty="0" smtClean="0"/>
-              <a:t>All synchronization and data movement is done using IPC.</a:t>
-            </a:r>
+            <a:r>
+              <a:rPr lang="en-US" dirty="0" smtClean="0">
+                <a:solidFill>
+                  <a:srgbClr val="FF0000"/>
+                </a:solidFill>
+              </a:rPr>
+              <a:t>Two H264 high-quality 1080i encoders can be processed on a single </a:t>
+            </a:r>
+            <a:r>
+              <a:rPr lang="en-US" b="1" dirty="0" smtClean="0">
+                <a:solidFill>
+                  <a:srgbClr val="FF0000"/>
+                </a:solidFill>
+              </a:rPr>
+              <a:t>TMS320C6678</a:t>
+            </a:r>
+            <a:r>
+              <a:rPr lang="en-US" b="1" dirty="0" smtClean="0"/>
+              <a:t> </a:t>
+            </a:r>
+            <a:endParaRPr lang="en-US" dirty="0" smtClean="0">
+              <a:solidFill>
+                <a:srgbClr val="FF0000"/>
+              </a:solidFill>
+            </a:endParaRPr>
+          </a:p>
+          <a:p>
+            <a:endParaRPr lang="en-US" dirty="0" smtClean="0">
+              <a:solidFill>
+                <a:srgbClr val="FF0000"/>
+              </a:solidFill>
+            </a:endParaRPr>
           </a:p>
         </p:txBody>
       </p:sp>
@@ -23142,115 +21923,6 @@
 </file>
 
 <file path=ppt/slides/slide32.xml><?xml version="1.0" encoding="utf-8"?>
-<p:sld xmlns:a="http://schemas.openxmlformats.org/drawingml/2006/main" xmlns:r="http://schemas.openxmlformats.org/officeDocument/2006/relationships" xmlns:p="http://schemas.openxmlformats.org/presentationml/2006/main">
-  <p:cSld>
-    <p:spTree>
-      <p:nvGrpSpPr>
-        <p:cNvPr id="1" name=""/>
-        <p:cNvGrpSpPr/>
-        <p:nvPr/>
-      </p:nvGrpSpPr>
-      <p:grpSpPr>
-        <a:xfrm>
-          <a:off x="0" y="0"/>
-          <a:ext cx="0" cy="0"/>
-          <a:chOff x="0" y="0"/>
-          <a:chExt cx="0" cy="0"/>
-        </a:xfrm>
-      </p:grpSpPr>
-      <p:sp>
-        <p:nvSpPr>
-          <p:cNvPr id="54273" name="Rectangle 2"/>
-          <p:cNvSpPr>
-            <a:spLocks noGrp="1" noChangeArrowheads="1"/>
-          </p:cNvSpPr>
-          <p:nvPr>
-            <p:ph type="title"/>
-          </p:nvPr>
-        </p:nvSpPr>
-        <p:spPr/>
-        <p:txBody>
-          <a:bodyPr/>
-          <a:lstStyle/>
-          <a:p>
-            <a:r>
-              <a:rPr lang="en-US" dirty="0" smtClean="0"/>
-              <a:t>Conclusion</a:t>
-            </a:r>
-          </a:p>
-        </p:txBody>
-      </p:sp>
-      <p:sp>
-        <p:nvSpPr>
-          <p:cNvPr id="54274" name="Rectangle 2339"/>
-          <p:cNvSpPr>
-            <a:spLocks noGrp="1" noChangeArrowheads="1"/>
-          </p:cNvSpPr>
-          <p:nvPr>
-            <p:ph type="body" idx="1"/>
-          </p:nvPr>
-        </p:nvSpPr>
-        <p:spPr>
-          <a:xfrm>
-            <a:off x="333375" y="887413"/>
-            <a:ext cx="8467725" cy="5492750"/>
-          </a:xfrm>
-        </p:spPr>
-        <p:txBody>
-          <a:bodyPr/>
-          <a:lstStyle/>
-          <a:p>
-            <a:r>
-              <a:rPr lang="en-US" dirty="0" smtClean="0">
-                <a:solidFill>
-                  <a:srgbClr val="FF0000"/>
-                </a:solidFill>
-              </a:rPr>
-              <a:t>Two H264 high-quality 1080i encoders can be processed on a single </a:t>
-            </a:r>
-            <a:r>
-              <a:rPr lang="en-US" b="1" dirty="0" smtClean="0">
-                <a:solidFill>
-                  <a:srgbClr val="FF0000"/>
-                </a:solidFill>
-              </a:rPr>
-              <a:t>TMS320C6678</a:t>
-            </a:r>
-            <a:r>
-              <a:rPr lang="en-US" b="1" dirty="0" smtClean="0"/>
-              <a:t> </a:t>
-            </a:r>
-            <a:endParaRPr lang="en-US" dirty="0" smtClean="0">
-              <a:solidFill>
-                <a:srgbClr val="FF0000"/>
-              </a:solidFill>
-            </a:endParaRPr>
-          </a:p>
-          <a:p>
-            <a:endParaRPr lang="en-US" dirty="0" smtClean="0">
-              <a:solidFill>
-                <a:srgbClr val="FF0000"/>
-              </a:solidFill>
-            </a:endParaRPr>
-          </a:p>
-        </p:txBody>
-      </p:sp>
-    </p:spTree>
-  </p:cSld>
-  <p:clrMapOvr>
-    <a:masterClrMapping/>
-  </p:clrMapOvr>
-  <p:timing>
-    <p:tnLst>
-      <p:par>
-        <p:cTn id="1" dur="indefinite" restart="never" nodeType="tmRoot"/>
-      </p:par>
-    </p:tnLst>
-  </p:timing>
-</p:sld>
-</file>
-
-<file path=ppt/slides/slide33.xml><?xml version="1.0" encoding="utf-8"?>
 <p:sld xmlns:a="http://schemas.openxmlformats.org/drawingml/2006/main" xmlns:r="http://schemas.openxmlformats.org/officeDocument/2006/relationships" xmlns:p="http://schemas.openxmlformats.org/presentationml/2006/main">
   <p:cSld>
     <p:spTree>
@@ -23324,6 +21996,239 @@
 </p:sld>
 </file>
 
+<file path=ppt/slides/slide33.xml><?xml version="1.0" encoding="utf-8"?>
+<p:sld xmlns:a="http://schemas.openxmlformats.org/drawingml/2006/main" xmlns:r="http://schemas.openxmlformats.org/officeDocument/2006/relationships" xmlns:p="http://schemas.openxmlformats.org/presentationml/2006/main">
+  <p:cSld>
+    <p:spTree>
+      <p:nvGrpSpPr>
+        <p:cNvPr id="1" name=""/>
+        <p:cNvGrpSpPr/>
+        <p:nvPr/>
+      </p:nvGrpSpPr>
+      <p:grpSpPr>
+        <a:xfrm>
+          <a:off x="0" y="0"/>
+          <a:ext cx="0" cy="0"/>
+          <a:chOff x="0" y="0"/>
+          <a:chExt cx="0" cy="0"/>
+        </a:xfrm>
+      </p:grpSpPr>
+      <p:sp>
+        <p:nvSpPr>
+          <p:cNvPr id="43009" name="Title 1"/>
+          <p:cNvSpPr>
+            <a:spLocks noGrp="1"/>
+          </p:cNvSpPr>
+          <p:nvPr>
+            <p:ph type="title"/>
+          </p:nvPr>
+        </p:nvSpPr>
+        <p:spPr>
+          <a:xfrm>
+            <a:off x="530082" y="623455"/>
+            <a:ext cx="8115155" cy="4125190"/>
+          </a:xfrm>
+        </p:spPr>
+        <p:txBody>
+          <a:bodyPr/>
+          <a:lstStyle/>
+          <a:p>
+            <a:r>
+              <a:rPr lang="en-US" sz="3200" dirty="0" smtClean="0">
+                <a:solidFill>
+                  <a:schemeClr val="tx2"/>
+                </a:solidFill>
+              </a:rPr>
+              <a:t>Example 2: </a:t>
+            </a:r>
+            <a:r>
+              <a:rPr lang="en-US" sz="2800" dirty="0" smtClean="0">
+                <a:solidFill>
+                  <a:schemeClr val="tx2"/>
+                </a:solidFill>
+              </a:rPr>
+              <a:t/>
+            </a:r>
+            <a:br>
+              <a:rPr lang="en-US" sz="2800" dirty="0" smtClean="0">
+                <a:solidFill>
+                  <a:schemeClr val="tx2"/>
+                </a:solidFill>
+              </a:rPr>
+            </a:br>
+            <a:r>
+              <a:rPr lang="en-US" sz="2800" dirty="0" smtClean="0">
+                <a:solidFill>
+                  <a:schemeClr val="tx2"/>
+                </a:solidFill>
+              </a:rPr>
+              <a:t/>
+            </a:r>
+            <a:br>
+              <a:rPr lang="en-US" sz="2800" dirty="0" smtClean="0">
+                <a:solidFill>
+                  <a:schemeClr val="tx2"/>
+                </a:solidFill>
+              </a:rPr>
+            </a:br>
+            <a:r>
+              <a:rPr lang="en-US" sz="2800" dirty="0" smtClean="0">
+                <a:solidFill>
+                  <a:schemeClr val="tx2"/>
+                </a:solidFill>
+                <a:ea typeface="SimSun" charset="-122"/>
+              </a:rPr>
+              <a:t>Very Large FFT (VLFFT) – 1M Floating point</a:t>
+            </a:r>
+            <a:r>
+              <a:rPr lang="en-US" altLang="zh-CN" sz="2800" dirty="0" smtClean="0">
+                <a:solidFill>
+                  <a:schemeClr val="tx2"/>
+                </a:solidFill>
+                <a:ea typeface="SimSun" charset="-122"/>
+              </a:rPr>
+              <a:t/>
+            </a:r>
+            <a:br>
+              <a:rPr lang="en-US" altLang="zh-CN" sz="2800" dirty="0" smtClean="0">
+                <a:solidFill>
+                  <a:schemeClr val="tx2"/>
+                </a:solidFill>
+                <a:ea typeface="SimSun" charset="-122"/>
+              </a:rPr>
+            </a:br>
+            <a:r>
+              <a:rPr lang="en-US" altLang="zh-CN" sz="2800" dirty="0" smtClean="0">
+                <a:solidFill>
+                  <a:schemeClr val="tx2"/>
+                </a:solidFill>
+                <a:ea typeface="SimSun" charset="-122"/>
+              </a:rPr>
+              <a:t/>
+            </a:r>
+            <a:br>
+              <a:rPr lang="en-US" altLang="zh-CN" sz="2800" dirty="0" smtClean="0">
+                <a:solidFill>
+                  <a:schemeClr val="tx2"/>
+                </a:solidFill>
+                <a:ea typeface="SimSun" charset="-122"/>
+              </a:rPr>
+            </a:br>
+            <a:r>
+              <a:rPr lang="en-US" altLang="zh-CN" sz="2800" dirty="0" smtClean="0">
+                <a:solidFill>
+                  <a:schemeClr val="tx2"/>
+                </a:solidFill>
+                <a:ea typeface="SimSun" charset="-122"/>
+              </a:rPr>
+              <a:t/>
+            </a:r>
+            <a:br>
+              <a:rPr lang="en-US" altLang="zh-CN" sz="2800" dirty="0" smtClean="0">
+                <a:solidFill>
+                  <a:schemeClr val="tx2"/>
+                </a:solidFill>
+                <a:ea typeface="SimSun" charset="-122"/>
+              </a:rPr>
+            </a:br>
+            <a:r>
+              <a:rPr lang="en-US" altLang="zh-CN" sz="2800" dirty="0" smtClean="0">
+                <a:ea typeface="SimSun" charset="-122"/>
+              </a:rPr>
+              <a:t>Master/Slave Model</a:t>
+            </a:r>
+            <a:br>
+              <a:rPr lang="en-US" altLang="zh-CN" sz="2800" dirty="0" smtClean="0">
+                <a:ea typeface="SimSun" charset="-122"/>
+              </a:rPr>
+            </a:br>
+            <a:r>
+              <a:rPr lang="en-US" altLang="zh-CN" sz="2800" dirty="0" smtClean="0">
+                <a:ea typeface="SimSun" charset="-122"/>
+              </a:rPr>
+              <a:t>Data-driven Partition </a:t>
+            </a:r>
+            <a:r>
+              <a:rPr lang="en-US" altLang="zh-CN" sz="2800" dirty="0" smtClean="0">
+                <a:solidFill>
+                  <a:schemeClr val="tx2"/>
+                </a:solidFill>
+                <a:ea typeface="SimSun" charset="-122"/>
+              </a:rPr>
+              <a:t/>
+            </a:r>
+            <a:br>
+              <a:rPr lang="en-US" altLang="zh-CN" sz="2800" dirty="0" smtClean="0">
+                <a:solidFill>
+                  <a:schemeClr val="tx2"/>
+                </a:solidFill>
+                <a:ea typeface="SimSun" charset="-122"/>
+              </a:rPr>
+            </a:br>
+            <a:endParaRPr lang="en-US" sz="2800" dirty="0" smtClean="0">
+              <a:solidFill>
+                <a:schemeClr val="tx2"/>
+              </a:solidFill>
+            </a:endParaRPr>
+          </a:p>
+        </p:txBody>
+      </p:sp>
+      <p:sp>
+        <p:nvSpPr>
+          <p:cNvPr id="43010" name="Content Placeholder 2"/>
+          <p:cNvSpPr>
+            <a:spLocks/>
+          </p:cNvSpPr>
+          <p:nvPr/>
+        </p:nvSpPr>
+        <p:spPr bwMode="auto">
+          <a:xfrm>
+            <a:off x="276225" y="811213"/>
+            <a:ext cx="8523288" cy="4887912"/>
+          </a:xfrm>
+          <a:prstGeom prst="rect">
+            <a:avLst/>
+          </a:prstGeom>
+          <a:noFill/>
+          <a:ln w="9525">
+            <a:noFill/>
+            <a:miter lim="800000"/>
+            <a:headEnd/>
+            <a:tailEnd/>
+          </a:ln>
+        </p:spPr>
+        <p:txBody>
+          <a:bodyPr/>
+          <a:lstStyle/>
+          <a:p>
+            <a:pPr marL="342900" indent="-342900" eaLnBrk="0" hangingPunct="0">
+              <a:spcBef>
+                <a:spcPct val="20000"/>
+              </a:spcBef>
+              <a:buFontTx/>
+              <a:buChar char="•"/>
+            </a:pPr>
+            <a:endParaRPr lang="en-US" altLang="zh-CN" sz="2400" b="0" dirty="0">
+              <a:ea typeface="SimSun" charset="-122"/>
+            </a:endParaRPr>
+          </a:p>
+        </p:txBody>
+      </p:sp>
+    </p:spTree>
+  </p:cSld>
+  <p:clrMapOvr>
+    <a:masterClrMapping/>
+  </p:clrMapOvr>
+  <p:timing>
+    <p:tnLst>
+      <p:par>
+        <p:cTn id="1" dur="indefinite" restart="never" nodeType="tmRoot"/>
+      </p:par>
+    </p:tnLst>
+  </p:timing>
+</p:sld>
+</file>
+
 <file path=ppt/slides/slide34.xml><?xml version="1.0" encoding="utf-8"?>
 <p:sld xmlns:a="http://schemas.openxmlformats.org/drawingml/2006/main" xmlns:r="http://schemas.openxmlformats.org/officeDocument/2006/relationships" xmlns:p="http://schemas.openxmlformats.org/presentationml/2006/main">
   <p:cSld>
@@ -23343,202 +22248,142 @@
       </p:grpSpPr>
       <p:sp>
         <p:nvSpPr>
-          <p:cNvPr id="43009" name="Title 1"/>
-          <p:cNvSpPr>
-            <a:spLocks noGrp="1"/>
+          <p:cNvPr id="10242" name="Rectangle 2"/>
+          <p:cNvSpPr>
+            <a:spLocks noGrp="1" noChangeArrowheads="1"/>
           </p:cNvSpPr>
           <p:nvPr>
             <p:ph type="title"/>
+          </p:nvPr>
+        </p:nvSpPr>
+        <p:spPr/>
+        <p:txBody>
+          <a:bodyPr/>
+          <a:lstStyle/>
+          <a:p>
+            <a:pPr eaLnBrk="1" hangingPunct="1"/>
+            <a:r>
+              <a:rPr lang="en-US" dirty="0" smtClean="0"/>
+              <a:t>Outline</a:t>
+            </a:r>
+          </a:p>
+        </p:txBody>
+      </p:sp>
+      <p:sp>
+        <p:nvSpPr>
+          <p:cNvPr id="10243" name="Rectangle 3"/>
+          <p:cNvSpPr>
+            <a:spLocks noGrp="1" noChangeArrowheads="1"/>
+          </p:cNvSpPr>
+          <p:nvPr>
+            <p:ph idx="1"/>
           </p:nvPr>
         </p:nvSpPr>
         <p:spPr>
           <a:xfrm>
-            <a:off x="530082" y="623455"/>
-            <a:ext cx="8115155" cy="4125190"/>
+            <a:off x="333375" y="1185863"/>
+            <a:ext cx="8467725" cy="5131810"/>
           </a:xfrm>
         </p:spPr>
         <p:txBody>
           <a:bodyPr/>
           <a:lstStyle/>
           <a:p>
-            <a:r>
-              <a:rPr lang="en-US" sz="3200" dirty="0" smtClean="0">
+            <a:pPr eaLnBrk="1" hangingPunct="1"/>
+            <a:r>
+              <a:rPr lang="en-US" dirty="0" smtClean="0"/>
+              <a:t>Basic Algorithm for Parallelizing DFT</a:t>
+            </a:r>
+          </a:p>
+          <a:p>
+            <a:pPr eaLnBrk="1" hangingPunct="1"/>
+            <a:r>
+              <a:rPr lang="en-US" dirty="0" smtClean="0"/>
+              <a:t>Multicore Implementation of DFT</a:t>
+            </a:r>
+          </a:p>
+          <a:p>
+            <a:pPr eaLnBrk="1" hangingPunct="1"/>
+            <a:r>
+              <a:rPr lang="en-US" dirty="0" smtClean="0"/>
+              <a:t>Review Benchmark Performance</a:t>
+            </a:r>
+          </a:p>
+          <a:p>
+            <a:pPr eaLnBrk="1" hangingPunct="1"/>
+            <a:endParaRPr lang="en-US" dirty="0" smtClean="0"/>
+          </a:p>
+          <a:p>
+            <a:pPr algn="ctr" eaLnBrk="1" hangingPunct="1">
+              <a:buNone/>
+            </a:pPr>
+            <a:r>
+              <a:rPr lang="en-US" dirty="0" smtClean="0"/>
+              <a:t>Algorithm is based on a published paper:</a:t>
+            </a:r>
+          </a:p>
+          <a:p>
+            <a:pPr eaLnBrk="1" hangingPunct="1">
+              <a:buNone/>
+            </a:pPr>
+            <a:r>
+              <a:rPr lang="en-US" dirty="0" smtClean="0">
                 <a:solidFill>
-                  <a:schemeClr val="tx2"/>
+                  <a:schemeClr val="bg1"/>
                 </a:solidFill>
+                <a:cs typeface="Calibri" pitchFamily="34" charset="0"/>
               </a:rPr>
-              <a:t>Example 2: </a:t>
-            </a:r>
-            <a:r>
-              <a:rPr lang="en-US" sz="2800" dirty="0" smtClean="0">
+              <a:t>Very Large Fast DFT (VL FFT)</a:t>
+            </a:r>
+            <a:br>
+              <a:rPr lang="en-US" dirty="0" smtClean="0">
                 <a:solidFill>
-                  <a:schemeClr val="tx2"/>
+                  <a:schemeClr val="bg1"/>
                 </a:solidFill>
-              </a:rPr>
-              <a:t/>
-            </a:r>
-            <a:br>
-              <a:rPr lang="en-US" sz="2800" dirty="0" smtClean="0">
-                <a:solidFill>
-                  <a:schemeClr val="tx2"/>
-                </a:solidFill>
+                <a:cs typeface="Calibri" pitchFamily="34" charset="0"/>
               </a:rPr>
             </a:br>
             <a:r>
-              <a:rPr lang="en-US" sz="2800" dirty="0" smtClean="0">
-                <a:solidFill>
-                  <a:schemeClr val="tx2"/>
-                </a:solidFill>
+              <a:rPr lang="en-US" sz="2000" dirty="0" smtClean="0">
+                <a:cs typeface="Calibri" pitchFamily="34" charset="0"/>
               </a:rPr>
-              <a:t/>
+              <a:t>Implement </a:t>
+            </a:r>
+            <a:r>
+              <a:rPr lang="en-US" sz="2000" dirty="0" smtClean="0"/>
+              <a:t>High-Performance Parallel FFT Algorithms for the HITACHI SR8000</a:t>
             </a:r>
             <a:br>
-              <a:rPr lang="en-US" sz="2800" dirty="0" smtClean="0">
-                <a:solidFill>
-                  <a:schemeClr val="tx2"/>
-                </a:solidFill>
-              </a:rPr>
+              <a:rPr lang="en-US" sz="2000" dirty="0" smtClean="0"/>
             </a:br>
             <a:r>
-              <a:rPr lang="en-US" sz="2800" dirty="0" smtClean="0">
-                <a:solidFill>
-                  <a:schemeClr val="tx2"/>
-                </a:solidFill>
-                <a:ea typeface="SimSun" charset="-122"/>
-              </a:rPr>
-              <a:t>Very Large FFT (VLFFT) – 1M Floating point</a:t>
-            </a:r>
-            <a:r>
-              <a:rPr lang="en-US" altLang="zh-CN" sz="2800" dirty="0" smtClean="0">
-                <a:solidFill>
-                  <a:schemeClr val="tx2"/>
-                </a:solidFill>
-                <a:ea typeface="SimSun" charset="-122"/>
-              </a:rPr>
-              <a:t/>
+              <a:rPr lang="en-US" sz="2000" dirty="0" smtClean="0"/>
+              <a:t>Daisuke Takahashi</a:t>
             </a:r>
             <a:br>
-              <a:rPr lang="en-US" altLang="zh-CN" sz="2800" dirty="0" smtClean="0">
-                <a:solidFill>
-                  <a:schemeClr val="tx2"/>
-                </a:solidFill>
-                <a:ea typeface="SimSun" charset="-122"/>
-              </a:rPr>
+              <a:rPr lang="en-US" sz="2000" dirty="0" smtClean="0"/>
             </a:br>
             <a:r>
-              <a:rPr lang="en-US" altLang="zh-CN" sz="2800" dirty="0" smtClean="0">
-                <a:solidFill>
-                  <a:schemeClr val="tx2"/>
-                </a:solidFill>
-                <a:ea typeface="SimSun" charset="-122"/>
-              </a:rPr>
-              <a:t/>
-            </a:r>
-            <a:br>
-              <a:rPr lang="en-US" altLang="zh-CN" sz="2800" dirty="0" smtClean="0">
-                <a:solidFill>
-                  <a:schemeClr val="tx2"/>
-                </a:solidFill>
-                <a:ea typeface="SimSun" charset="-122"/>
-              </a:rPr>
-            </a:br>
-            <a:r>
-              <a:rPr lang="en-US" altLang="zh-CN" sz="2800" dirty="0" smtClean="0">
-                <a:solidFill>
-                  <a:schemeClr val="tx2"/>
-                </a:solidFill>
-                <a:ea typeface="SimSun" charset="-122"/>
-              </a:rPr>
-              <a:t/>
-            </a:r>
-            <a:br>
-              <a:rPr lang="en-US" altLang="zh-CN" sz="2800" dirty="0" smtClean="0">
-                <a:solidFill>
-                  <a:schemeClr val="tx2"/>
-                </a:solidFill>
-                <a:ea typeface="SimSun" charset="-122"/>
-              </a:rPr>
-            </a:br>
-            <a:r>
-              <a:rPr lang="en-US" altLang="zh-CN" sz="2800" dirty="0" smtClean="0">
-                <a:ea typeface="SimSun" charset="-122"/>
-              </a:rPr>
-              <a:t>Master/Slave Model</a:t>
-            </a:r>
-            <a:br>
-              <a:rPr lang="en-US" altLang="zh-CN" sz="2800" dirty="0" smtClean="0">
-                <a:ea typeface="SimSun" charset="-122"/>
-              </a:rPr>
-            </a:br>
-            <a:r>
-              <a:rPr lang="en-US" altLang="zh-CN" sz="2800" dirty="0" smtClean="0">
-                <a:ea typeface="SimSun" charset="-122"/>
-              </a:rPr>
-              <a:t>Data-driven Partition </a:t>
-            </a:r>
-            <a:r>
-              <a:rPr lang="en-US" altLang="zh-CN" sz="2800" dirty="0" smtClean="0">
-                <a:solidFill>
-                  <a:schemeClr val="tx2"/>
-                </a:solidFill>
-                <a:ea typeface="SimSun" charset="-122"/>
-              </a:rPr>
-              <a:t/>
-            </a:r>
-            <a:br>
-              <a:rPr lang="en-US" altLang="zh-CN" sz="2800" dirty="0" smtClean="0">
-                <a:solidFill>
-                  <a:schemeClr val="tx2"/>
-                </a:solidFill>
-                <a:ea typeface="SimSun" charset="-122"/>
-              </a:rPr>
-            </a:br>
-            <a:endParaRPr lang="en-US" sz="2800" dirty="0" smtClean="0">
-              <a:solidFill>
-                <a:schemeClr val="tx2"/>
-              </a:solidFill>
-            </a:endParaRPr>
-          </a:p>
-        </p:txBody>
-      </p:sp>
-      <p:sp>
-        <p:nvSpPr>
-          <p:cNvPr id="43010" name="Content Placeholder 2"/>
-          <p:cNvSpPr>
-            <a:spLocks/>
-          </p:cNvSpPr>
-          <p:nvPr/>
-        </p:nvSpPr>
-        <p:spPr bwMode="auto">
-          <a:xfrm>
-            <a:off x="276225" y="811213"/>
-            <a:ext cx="8523288" cy="4887912"/>
-          </a:xfrm>
-          <a:prstGeom prst="rect">
-            <a:avLst/>
-          </a:prstGeom>
-          <a:noFill/>
-          <a:ln w="9525">
-            <a:noFill/>
-            <a:miter lim="800000"/>
-            <a:headEnd/>
-            <a:tailEnd/>
-          </a:ln>
-        </p:spPr>
-        <p:txBody>
-          <a:bodyPr/>
-          <a:lstStyle/>
-          <a:p>
-            <a:pPr marL="342900" indent="-342900" eaLnBrk="0" hangingPunct="0">
-              <a:spcBef>
-                <a:spcPct val="20000"/>
-              </a:spcBef>
-              <a:buFontTx/>
-              <a:buChar char="•"/>
-            </a:pPr>
-            <a:endParaRPr lang="en-US" altLang="zh-CN" sz="2400" b="0" dirty="0">
-              <a:ea typeface="SimSun" charset="-122"/>
-            </a:endParaRPr>
+              <a:rPr lang="en-US" sz="2000" dirty="0" smtClean="0"/>
+              <a:t>Information Technology Center, University of Tokyo  2-11-16 Yayoi, Bunkyo-ku, Tokyo 113-8658, Japan</a:t>
+            </a:r>
+          </a:p>
+          <a:p>
+            <a:pPr eaLnBrk="1" hangingPunct="1">
+              <a:buNone/>
+            </a:pPr>
+            <a:r>
+              <a:rPr lang="en-US" sz="2000" dirty="0" smtClean="0"/>
+              <a:t>	</a:t>
+            </a:r>
+          </a:p>
+          <a:p>
+            <a:pPr eaLnBrk="1" hangingPunct="1"/>
+            <a:endParaRPr lang="en-US" dirty="0" smtClean="0"/>
+          </a:p>
+          <a:p>
+            <a:pPr eaLnBrk="1" hangingPunct="1"/>
+            <a:endParaRPr lang="en-US" dirty="0" smtClean="0"/>
           </a:p>
         </p:txBody>
       </p:sp>
@@ -23547,13 +22392,6 @@
   <p:clrMapOvr>
     <a:masterClrMapping/>
   </p:clrMapOvr>
-  <p:timing>
-    <p:tnLst>
-      <p:par>
-        <p:cTn id="1" dur="indefinite" restart="never" nodeType="tmRoot"/>
-      </p:par>
-    </p:tnLst>
-  </p:timing>
 </p:sld>
 </file>
 
@@ -23576,7 +22414,7 @@
       </p:grpSpPr>
       <p:sp>
         <p:nvSpPr>
-          <p:cNvPr id="10242" name="Rectangle 2"/>
+          <p:cNvPr id="1027" name="Rectangle 2"/>
           <p:cNvSpPr>
             <a:spLocks noGrp="1" noChangeArrowheads="1"/>
           </p:cNvSpPr>
@@ -23592,14 +22430,14 @@
             <a:pPr eaLnBrk="1" hangingPunct="1"/>
             <a:r>
               <a:rPr lang="en-US" dirty="0" smtClean="0"/>
-              <a:t>Outline</a:t>
-            </a:r>
-          </a:p>
-        </p:txBody>
-      </p:sp>
-      <p:sp>
-        <p:nvSpPr>
-          <p:cNvPr id="10243" name="Rectangle 3"/>
+              <a:t>Algorithm for Very Large DFT </a:t>
+            </a:r>
+          </a:p>
+        </p:txBody>
+      </p:sp>
+      <p:sp>
+        <p:nvSpPr>
+          <p:cNvPr id="1028" name="Rectangle 3"/>
           <p:cNvSpPr>
             <a:spLocks noGrp="1" noChangeArrowheads="1"/>
           </p:cNvSpPr>
@@ -23609,109 +22447,149 @@
         </p:nvSpPr>
         <p:spPr>
           <a:xfrm>
-            <a:off x="333375" y="1185863"/>
-            <a:ext cx="8467725" cy="5131810"/>
+            <a:off x="457200" y="1600200"/>
+            <a:ext cx="8229600" cy="990600"/>
           </a:xfrm>
         </p:spPr>
         <p:txBody>
           <a:bodyPr/>
           <a:lstStyle/>
           <a:p>
-            <a:pPr eaLnBrk="1" hangingPunct="1"/>
+            <a:pPr marL="0" indent="0" eaLnBrk="1" hangingPunct="1">
+              <a:lnSpc>
+                <a:spcPct val="90000"/>
+              </a:lnSpc>
+              <a:buNone/>
+            </a:pPr>
             <a:r>
               <a:rPr lang="en-US" dirty="0" smtClean="0"/>
-              <a:t>Basic Algorithm for Parallelizing DFT</a:t>
-            </a:r>
-          </a:p>
-          <a:p>
-            <a:pPr eaLnBrk="1" hangingPunct="1"/>
-            <a:r>
-              <a:rPr lang="en-US" dirty="0" smtClean="0"/>
-              <a:t>Multicore Implementation of DFT</a:t>
-            </a:r>
-          </a:p>
-          <a:p>
-            <a:pPr eaLnBrk="1" hangingPunct="1"/>
-            <a:r>
-              <a:rPr lang="en-US" dirty="0" smtClean="0"/>
-              <a:t>Review Benchmark Performance</a:t>
-            </a:r>
-          </a:p>
-          <a:p>
-            <a:pPr eaLnBrk="1" hangingPunct="1"/>
-            <a:endParaRPr lang="en-US" dirty="0" smtClean="0"/>
-          </a:p>
-          <a:p>
-            <a:pPr algn="ctr" eaLnBrk="1" hangingPunct="1">
-              <a:buNone/>
-            </a:pPr>
-            <a:r>
-              <a:rPr lang="en-US" dirty="0" smtClean="0"/>
-              <a:t>Algorithm is based on a published paper:</a:t>
-            </a:r>
-          </a:p>
-          <a:p>
-            <a:pPr eaLnBrk="1" hangingPunct="1">
-              <a:buNone/>
-            </a:pPr>
-            <a:r>
-              <a:rPr lang="en-US" dirty="0" smtClean="0">
-                <a:solidFill>
-                  <a:schemeClr val="bg1"/>
-                </a:solidFill>
+              <a:t>A generic Discrete Fourier Transform (DFT) is shown below.</a:t>
+            </a:r>
+          </a:p>
+        </p:txBody>
+      </p:sp>
+      <p:sp>
+        <p:nvSpPr>
+          <p:cNvPr id="1029" name="Rectangle 5"/>
+          <p:cNvSpPr>
+            <a:spLocks noChangeArrowheads="1"/>
+          </p:cNvSpPr>
+          <p:nvPr/>
+        </p:nvSpPr>
+        <p:spPr bwMode="auto">
+          <a:xfrm>
+            <a:off x="0" y="0"/>
+            <a:ext cx="9144000" cy="0"/>
+          </a:xfrm>
+          <a:prstGeom prst="rect">
+            <a:avLst/>
+          </a:prstGeom>
+          <a:noFill/>
+          <a:ln w="9525">
+            <a:noFill/>
+            <a:miter lim="800000"/>
+            <a:headEnd/>
+            <a:tailEnd/>
+          </a:ln>
+        </p:spPr>
+        <p:txBody>
+          <a:bodyPr wrap="none" anchor="ctr">
+            <a:spAutoFit/>
+          </a:bodyPr>
+          <a:lstStyle/>
+          <a:p>
+            <a:endParaRPr lang="en-US" dirty="0"/>
+          </a:p>
+        </p:txBody>
+      </p:sp>
+      <p:graphicFrame>
+        <p:nvGraphicFramePr>
+          <p:cNvPr id="1026" name="Object 4"/>
+          <p:cNvGraphicFramePr>
+            <a:graphicFrameLocks noChangeAspect="1"/>
+          </p:cNvGraphicFramePr>
+          <p:nvPr/>
+        </p:nvGraphicFramePr>
+        <p:xfrm>
+          <a:off x="1447800" y="3048000"/>
+          <a:ext cx="6477000" cy="1219200"/>
+        </p:xfrm>
+        <a:graphic>
+          <a:graphicData uri="http://schemas.openxmlformats.org/presentationml/2006/ole">
+            <p:oleObj spid="_x0000_s73730" name="Equation" r:id="rId4" imgW="2413000" imgH="457200" progId="Equation.3">
+              <p:embed/>
+            </p:oleObj>
+          </a:graphicData>
+        </a:graphic>
+      </p:graphicFrame>
+      <p:sp>
+        <p:nvSpPr>
+          <p:cNvPr id="1030" name="Rectangle 6"/>
+          <p:cNvSpPr>
+            <a:spLocks noChangeArrowheads="1"/>
+          </p:cNvSpPr>
+          <p:nvPr/>
+        </p:nvSpPr>
+        <p:spPr bwMode="auto">
+          <a:xfrm>
+            <a:off x="533400" y="4724400"/>
+            <a:ext cx="8229600" cy="990600"/>
+          </a:xfrm>
+          <a:prstGeom prst="rect">
+            <a:avLst/>
+          </a:prstGeom>
+          <a:noFill/>
+          <a:ln w="9525">
+            <a:noFill/>
+            <a:miter lim="800000"/>
+            <a:headEnd/>
+            <a:tailEnd/>
+          </a:ln>
+        </p:spPr>
+        <p:txBody>
+          <a:bodyPr/>
+          <a:lstStyle/>
+          <a:p>
+            <a:pPr marL="342900" indent="-342900" eaLnBrk="1" hangingPunct="1">
+              <a:lnSpc>
+                <a:spcPct val="90000"/>
+              </a:lnSpc>
+              <a:spcBef>
+                <a:spcPct val="20000"/>
+              </a:spcBef>
+            </a:pPr>
+            <a:r>
+              <a:rPr lang="en-US" altLang="ja-JP" sz="2800" b="0" dirty="0" smtClean="0">
+                <a:latin typeface="Calibri" pitchFamily="34" charset="0"/>
                 <a:cs typeface="Calibri" pitchFamily="34" charset="0"/>
               </a:rPr>
-              <a:t>Very Large Fast DFT (VL FFT)</a:t>
-            </a:r>
-            <a:br>
-              <a:rPr lang="en-US" dirty="0" smtClean="0">
-                <a:solidFill>
-                  <a:schemeClr val="bg1"/>
-                </a:solidFill>
+              <a:t>Where </a:t>
+            </a:r>
+            <a:r>
+              <a:rPr lang="en-US" altLang="ja-JP" sz="2800" b="0" i="1" dirty="0">
+                <a:latin typeface="Calibri" pitchFamily="34" charset="0"/>
                 <a:cs typeface="Calibri" pitchFamily="34" charset="0"/>
               </a:rPr>
-            </a:br>
-            <a:r>
-              <a:rPr lang="en-US" sz="2000" dirty="0" smtClean="0">
+              <a:t>N</a:t>
+            </a:r>
+            <a:r>
+              <a:rPr lang="en-US" altLang="ja-JP" sz="2800" b="0" dirty="0">
+                <a:latin typeface="Calibri" pitchFamily="34" charset="0"/>
                 <a:cs typeface="Calibri" pitchFamily="34" charset="0"/>
               </a:rPr>
-              <a:t>Implement </a:t>
-            </a:r>
-            <a:r>
-              <a:rPr lang="en-US" sz="2000" dirty="0" smtClean="0"/>
-              <a:t>High-Performance Parallel FFT Algorithms for the HITACHI SR8000</a:t>
-            </a:r>
-            <a:br>
-              <a:rPr lang="en-US" sz="2000" dirty="0" smtClean="0"/>
-            </a:br>
-            <a:r>
-              <a:rPr lang="en-US" sz="2000" dirty="0" smtClean="0"/>
-              <a:t>Daisuke Takahashi</a:t>
-            </a:r>
-            <a:br>
-              <a:rPr lang="en-US" sz="2000" dirty="0" smtClean="0"/>
-            </a:br>
-            <a:r>
-              <a:rPr lang="en-US" sz="2000" dirty="0" smtClean="0"/>
-              <a:t>Information Technology Center, University of Tokyo  2-11-16 Yayoi, Bunkyo-ku, Tokyo 113-8658, Japan</a:t>
-            </a:r>
-          </a:p>
-          <a:p>
-            <a:pPr eaLnBrk="1" hangingPunct="1">
-              <a:buNone/>
-            </a:pPr>
-            <a:r>
-              <a:rPr lang="en-US" sz="2000" dirty="0" smtClean="0"/>
-              <a:t>	</a:t>
-            </a:r>
-          </a:p>
-          <a:p>
-            <a:pPr eaLnBrk="1" hangingPunct="1"/>
-            <a:endParaRPr lang="en-US" dirty="0" smtClean="0"/>
-          </a:p>
-          <a:p>
-            <a:pPr eaLnBrk="1" hangingPunct="1"/>
-            <a:endParaRPr lang="en-US" dirty="0" smtClean="0"/>
+              <a:t> is the total size of </a:t>
+            </a:r>
+            <a:r>
+              <a:rPr lang="en-US" altLang="ja-JP" sz="2800" b="0" dirty="0" smtClean="0">
+                <a:latin typeface="Calibri" pitchFamily="34" charset="0"/>
+                <a:cs typeface="Calibri" pitchFamily="34" charset="0"/>
+              </a:rPr>
+              <a:t>DFT.</a:t>
+            </a:r>
+            <a:endParaRPr lang="en-US" sz="2800" b="0" dirty="0">
+              <a:latin typeface="Calibri" pitchFamily="34" charset="0"/>
+              <a:cs typeface="Calibri" pitchFamily="34" charset="0"/>
+            </a:endParaRPr>
           </a:p>
         </p:txBody>
       </p:sp>
@@ -23742,328 +22620,6 @@
       </p:grpSpPr>
       <p:sp>
         <p:nvSpPr>
-          <p:cNvPr id="11266" name="Rectangle 2"/>
-          <p:cNvSpPr>
-            <a:spLocks noGrp="1" noChangeArrowheads="1"/>
-          </p:cNvSpPr>
-          <p:nvPr>
-            <p:ph type="title"/>
-          </p:nvPr>
-        </p:nvSpPr>
-        <p:spPr>
-          <a:xfrm>
-            <a:off x="311727" y="727364"/>
-            <a:ext cx="8458200" cy="657225"/>
-          </a:xfrm>
-        </p:spPr>
-        <p:txBody>
-          <a:bodyPr/>
-          <a:lstStyle/>
-          <a:p>
-            <a:pPr eaLnBrk="1" hangingPunct="1"/>
-            <a:r>
-              <a:rPr lang="en-US" dirty="0" smtClean="0"/>
-              <a:t>TI  VLFFT Software </a:t>
-            </a:r>
-          </a:p>
-        </p:txBody>
-      </p:sp>
-      <p:sp>
-        <p:nvSpPr>
-          <p:cNvPr id="11267" name="Rectangle 3"/>
-          <p:cNvSpPr>
-            <a:spLocks noGrp="1" noChangeArrowheads="1"/>
-          </p:cNvSpPr>
-          <p:nvPr>
-            <p:ph idx="1"/>
-          </p:nvPr>
-        </p:nvSpPr>
-        <p:spPr>
-          <a:xfrm>
-            <a:off x="228600" y="1600200"/>
-            <a:ext cx="8686800" cy="4525963"/>
-          </a:xfrm>
-        </p:spPr>
-        <p:txBody>
-          <a:bodyPr/>
-          <a:lstStyle/>
-          <a:p>
-            <a:pPr eaLnBrk="1" hangingPunct="1"/>
-            <a:r>
-              <a:rPr lang="en-US" b="1" dirty="0" smtClean="0"/>
-              <a:t>Goal:</a:t>
-            </a:r>
-          </a:p>
-          <a:p>
-            <a:pPr lvl="1" eaLnBrk="1" hangingPunct="1"/>
-            <a:r>
-              <a:rPr lang="en-US" dirty="0" smtClean="0"/>
-              <a:t>To implement very large floating point fast DFT on TI KeyStone multicore devices.</a:t>
-            </a:r>
-          </a:p>
-          <a:p>
-            <a:pPr eaLnBrk="1" hangingPunct="1"/>
-            <a:r>
-              <a:rPr lang="en-US" b="1" dirty="0" smtClean="0"/>
-              <a:t>Requirements:</a:t>
-            </a:r>
-          </a:p>
-          <a:p>
-            <a:pPr lvl="1" eaLnBrk="1" hangingPunct="1"/>
-            <a:r>
-              <a:rPr lang="en-US" dirty="0" smtClean="0"/>
-              <a:t>FFT sizes: 4K – 1M samples</a:t>
-            </a:r>
-          </a:p>
-          <a:p>
-            <a:pPr lvl="1" eaLnBrk="1" hangingPunct="1"/>
-            <a:r>
-              <a:rPr lang="en-US" dirty="0" smtClean="0"/>
-              <a:t>Configurable to run on different number of cores: 1, 2, 4, 8</a:t>
-            </a:r>
-          </a:p>
-          <a:p>
-            <a:pPr lvl="1" eaLnBrk="1" hangingPunct="1">
-              <a:buFontTx/>
-              <a:buNone/>
-            </a:pPr>
-            <a:endParaRPr lang="en-US" dirty="0" smtClean="0"/>
-          </a:p>
-        </p:txBody>
-      </p:sp>
-    </p:spTree>
-  </p:cSld>
-  <p:clrMapOvr>
-    <a:masterClrMapping/>
-  </p:clrMapOvr>
-</p:sld>
-</file>
-
-<file path=ppt/slides/slide37.xml><?xml version="1.0" encoding="utf-8"?>
-<p:sld xmlns:a="http://schemas.openxmlformats.org/drawingml/2006/main" xmlns:r="http://schemas.openxmlformats.org/officeDocument/2006/relationships" xmlns:p="http://schemas.openxmlformats.org/presentationml/2006/main">
-  <p:cSld>
-    <p:spTree>
-      <p:nvGrpSpPr>
-        <p:cNvPr id="1" name=""/>
-        <p:cNvGrpSpPr/>
-        <p:nvPr/>
-      </p:nvGrpSpPr>
-      <p:grpSpPr>
-        <a:xfrm>
-          <a:off x="0" y="0"/>
-          <a:ext cx="0" cy="0"/>
-          <a:chOff x="0" y="0"/>
-          <a:chExt cx="0" cy="0"/>
-        </a:xfrm>
-      </p:grpSpPr>
-      <p:sp>
-        <p:nvSpPr>
-          <p:cNvPr id="1027" name="Rectangle 2"/>
-          <p:cNvSpPr>
-            <a:spLocks noGrp="1" noChangeArrowheads="1"/>
-          </p:cNvSpPr>
-          <p:nvPr>
-            <p:ph type="title"/>
-          </p:nvPr>
-        </p:nvSpPr>
-        <p:spPr/>
-        <p:txBody>
-          <a:bodyPr/>
-          <a:lstStyle/>
-          <a:p>
-            <a:pPr eaLnBrk="1" hangingPunct="1"/>
-            <a:r>
-              <a:rPr lang="en-US" dirty="0" smtClean="0"/>
-              <a:t>Algorithm for Very Large DFT </a:t>
-            </a:r>
-          </a:p>
-        </p:txBody>
-      </p:sp>
-      <p:sp>
-        <p:nvSpPr>
-          <p:cNvPr id="1028" name="Rectangle 3"/>
-          <p:cNvSpPr>
-            <a:spLocks noGrp="1" noChangeArrowheads="1"/>
-          </p:cNvSpPr>
-          <p:nvPr>
-            <p:ph idx="1"/>
-          </p:nvPr>
-        </p:nvSpPr>
-        <p:spPr>
-          <a:xfrm>
-            <a:off x="457200" y="1600200"/>
-            <a:ext cx="8229600" cy="990600"/>
-          </a:xfrm>
-        </p:spPr>
-        <p:txBody>
-          <a:bodyPr/>
-          <a:lstStyle/>
-          <a:p>
-            <a:pPr marL="0" indent="0" eaLnBrk="1" hangingPunct="1">
-              <a:lnSpc>
-                <a:spcPct val="90000"/>
-              </a:lnSpc>
-              <a:buNone/>
-            </a:pPr>
-            <a:r>
-              <a:rPr lang="en-US" dirty="0" smtClean="0"/>
-              <a:t>A generic Discrete Fourier Transform (DFT) is shown below.</a:t>
-            </a:r>
-          </a:p>
-        </p:txBody>
-      </p:sp>
-      <p:sp>
-        <p:nvSpPr>
-          <p:cNvPr id="1029" name="Rectangle 5"/>
-          <p:cNvSpPr>
-            <a:spLocks noChangeArrowheads="1"/>
-          </p:cNvSpPr>
-          <p:nvPr/>
-        </p:nvSpPr>
-        <p:spPr bwMode="auto">
-          <a:xfrm>
-            <a:off x="0" y="0"/>
-            <a:ext cx="9144000" cy="0"/>
-          </a:xfrm>
-          <a:prstGeom prst="rect">
-            <a:avLst/>
-          </a:prstGeom>
-          <a:noFill/>
-          <a:ln w="9525">
-            <a:noFill/>
-            <a:miter lim="800000"/>
-            <a:headEnd/>
-            <a:tailEnd/>
-          </a:ln>
-        </p:spPr>
-        <p:txBody>
-          <a:bodyPr wrap="none" anchor="ctr">
-            <a:spAutoFit/>
-          </a:bodyPr>
-          <a:lstStyle/>
-          <a:p>
-            <a:endParaRPr lang="en-US" dirty="0"/>
-          </a:p>
-        </p:txBody>
-      </p:sp>
-      <p:graphicFrame>
-        <p:nvGraphicFramePr>
-          <p:cNvPr id="1026" name="Object 4"/>
-          <p:cNvGraphicFramePr>
-            <a:graphicFrameLocks noChangeAspect="1"/>
-          </p:cNvGraphicFramePr>
-          <p:nvPr/>
-        </p:nvGraphicFramePr>
-        <p:xfrm>
-          <a:off x="1447800" y="3048000"/>
-          <a:ext cx="6477000" cy="1219200"/>
-        </p:xfrm>
-        <a:graphic>
-          <a:graphicData uri="http://schemas.openxmlformats.org/presentationml/2006/ole">
-            <p:oleObj spid="_x0000_s73730" name="Equation" r:id="rId4" imgW="2413000" imgH="457200" progId="Equation.3">
-              <p:embed/>
-            </p:oleObj>
-          </a:graphicData>
-        </a:graphic>
-      </p:graphicFrame>
-      <p:sp>
-        <p:nvSpPr>
-          <p:cNvPr id="1030" name="Rectangle 6"/>
-          <p:cNvSpPr>
-            <a:spLocks noChangeArrowheads="1"/>
-          </p:cNvSpPr>
-          <p:nvPr/>
-        </p:nvSpPr>
-        <p:spPr bwMode="auto">
-          <a:xfrm>
-            <a:off x="533400" y="4724400"/>
-            <a:ext cx="8229600" cy="990600"/>
-          </a:xfrm>
-          <a:prstGeom prst="rect">
-            <a:avLst/>
-          </a:prstGeom>
-          <a:noFill/>
-          <a:ln w="9525">
-            <a:noFill/>
-            <a:miter lim="800000"/>
-            <a:headEnd/>
-            <a:tailEnd/>
-          </a:ln>
-        </p:spPr>
-        <p:txBody>
-          <a:bodyPr/>
-          <a:lstStyle/>
-          <a:p>
-            <a:pPr marL="342900" indent="-342900" eaLnBrk="1" hangingPunct="1">
-              <a:lnSpc>
-                <a:spcPct val="90000"/>
-              </a:lnSpc>
-              <a:spcBef>
-                <a:spcPct val="20000"/>
-              </a:spcBef>
-            </a:pPr>
-            <a:r>
-              <a:rPr lang="en-US" altLang="ja-JP" sz="2800" b="0" dirty="0" smtClean="0">
-                <a:latin typeface="Calibri" pitchFamily="34" charset="0"/>
-                <a:cs typeface="Calibri" pitchFamily="34" charset="0"/>
-              </a:rPr>
-              <a:t>Where </a:t>
-            </a:r>
-            <a:r>
-              <a:rPr lang="en-US" altLang="ja-JP" sz="2800" b="0" i="1" dirty="0">
-                <a:latin typeface="Calibri" pitchFamily="34" charset="0"/>
-                <a:cs typeface="Calibri" pitchFamily="34" charset="0"/>
-              </a:rPr>
-              <a:t>N</a:t>
-            </a:r>
-            <a:r>
-              <a:rPr lang="en-US" altLang="ja-JP" sz="2800" b="0" dirty="0">
-                <a:latin typeface="Calibri" pitchFamily="34" charset="0"/>
-                <a:cs typeface="Calibri" pitchFamily="34" charset="0"/>
-              </a:rPr>
-              <a:t> is the total size of </a:t>
-            </a:r>
-            <a:r>
-              <a:rPr lang="en-US" altLang="ja-JP" sz="2800" b="0" dirty="0" smtClean="0">
-                <a:latin typeface="Calibri" pitchFamily="34" charset="0"/>
-                <a:cs typeface="Calibri" pitchFamily="34" charset="0"/>
-              </a:rPr>
-              <a:t>DFT.</a:t>
-            </a:r>
-            <a:endParaRPr lang="en-US" sz="2800" b="0" dirty="0">
-              <a:latin typeface="Calibri" pitchFamily="34" charset="0"/>
-              <a:cs typeface="Calibri" pitchFamily="34" charset="0"/>
-            </a:endParaRPr>
-          </a:p>
-        </p:txBody>
-      </p:sp>
-    </p:spTree>
-  </p:cSld>
-  <p:clrMapOvr>
-    <a:masterClrMapping/>
-  </p:clrMapOvr>
-</p:sld>
-</file>
-
-<file path=ppt/slides/slide38.xml><?xml version="1.0" encoding="utf-8"?>
-<p:sld xmlns:a="http://schemas.openxmlformats.org/drawingml/2006/main" xmlns:r="http://schemas.openxmlformats.org/officeDocument/2006/relationships" xmlns:p="http://schemas.openxmlformats.org/presentationml/2006/main">
-  <p:cSld>
-    <p:spTree>
-      <p:nvGrpSpPr>
-        <p:cNvPr id="1" name=""/>
-        <p:cNvGrpSpPr/>
-        <p:nvPr/>
-      </p:nvGrpSpPr>
-      <p:grpSpPr>
-        <a:xfrm>
-          <a:off x="0" y="0"/>
-          <a:ext cx="0" cy="0"/>
-          <a:chOff x="0" y="0"/>
-          <a:chExt cx="0" cy="0"/>
-        </a:xfrm>
-      </p:grpSpPr>
-      <p:sp>
-        <p:nvSpPr>
           <p:cNvPr id="1027" name="Rectangle 2"/>
           <p:cNvSpPr>
             <a:spLocks noGrp="1" noChangeArrowheads="1"/>
@@ -24269,7 +22825,15 @@
             </a:pPr>
             <a:r>
               <a:rPr lang="en-US" dirty="0" smtClean="0"/>
-              <a:t>It is easy to show that:</a:t>
+              <a:t>It is easy </a:t>
+            </a:r>
+            <a:r>
+              <a:rPr lang="en-US" dirty="0" smtClean="0"/>
+              <a:t> (just substitution) to </a:t>
+            </a:r>
+            <a:r>
+              <a:rPr lang="en-US" dirty="0" smtClean="0"/>
+              <a:t>show that:</a:t>
             </a:r>
           </a:p>
           <a:p>
@@ -24357,7 +22921,7 @@
 </p:sld>
 </file>
 
-<file path=ppt/slides/slide39.xml><?xml version="1.0" encoding="utf-8"?>
+<file path=ppt/slides/slide37.xml><?xml version="1.0" encoding="utf-8"?>
 <p:sld xmlns:a="http://schemas.openxmlformats.org/drawingml/2006/main" xmlns:r="http://schemas.openxmlformats.org/officeDocument/2006/relationships" xmlns:p="http://schemas.openxmlformats.org/presentationml/2006/main">
   <p:cSld>
     <p:spTree>
@@ -24624,284 +23188,7 @@
 </p:sld>
 </file>
 
-<file path=ppt/slides/slide4.xml><?xml version="1.0" encoding="utf-8"?>
-<p:sld xmlns:a="http://schemas.openxmlformats.org/drawingml/2006/main" xmlns:r="http://schemas.openxmlformats.org/officeDocument/2006/relationships" xmlns:p="http://schemas.openxmlformats.org/presentationml/2006/main">
-  <p:cSld>
-    <p:spTree>
-      <p:nvGrpSpPr>
-        <p:cNvPr id="1" name=""/>
-        <p:cNvGrpSpPr/>
-        <p:nvPr/>
-      </p:nvGrpSpPr>
-      <p:grpSpPr>
-        <a:xfrm>
-          <a:off x="0" y="0"/>
-          <a:ext cx="0" cy="0"/>
-          <a:chOff x="0" y="0"/>
-          <a:chExt cx="0" cy="0"/>
-        </a:xfrm>
-      </p:grpSpPr>
-      <p:sp>
-        <p:nvSpPr>
-          <p:cNvPr id="34817" name="Title 1"/>
-          <p:cNvSpPr>
-            <a:spLocks noGrp="1"/>
-          </p:cNvSpPr>
-          <p:nvPr>
-            <p:ph type="title"/>
-          </p:nvPr>
-        </p:nvSpPr>
-        <p:spPr>
-          <a:xfrm>
-            <a:off x="138979" y="290945"/>
-            <a:ext cx="8821737" cy="935182"/>
-          </a:xfrm>
-        </p:spPr>
-        <p:txBody>
-          <a:bodyPr/>
-          <a:lstStyle/>
-          <a:p>
-            <a:r>
-              <a:rPr lang="en-US" sz="2800" dirty="0" smtClean="0"/>
-              <a:t>Multicore: The Forefront of Computing Technology </a:t>
-            </a:r>
-          </a:p>
-        </p:txBody>
-      </p:sp>
-      <p:sp>
-        <p:nvSpPr>
-          <p:cNvPr id="34818" name="Content Placeholder 2"/>
-          <p:cNvSpPr>
-            <a:spLocks/>
-          </p:cNvSpPr>
-          <p:nvPr/>
-        </p:nvSpPr>
-        <p:spPr bwMode="auto">
-          <a:xfrm>
-            <a:off x="305409" y="1341787"/>
-            <a:ext cx="8523288" cy="4757467"/>
-          </a:xfrm>
-          <a:prstGeom prst="rect">
-            <a:avLst/>
-          </a:prstGeom>
-          <a:noFill/>
-          <a:ln w="9525">
-            <a:noFill/>
-            <a:miter lim="800000"/>
-            <a:headEnd/>
-            <a:tailEnd/>
-          </a:ln>
-        </p:spPr>
-        <p:txBody>
-          <a:bodyPr/>
-          <a:lstStyle/>
-          <a:p>
-            <a:pPr marL="342900" indent="-342900" eaLnBrk="0" hangingPunct="0">
-              <a:spcBef>
-                <a:spcPct val="20000"/>
-              </a:spcBef>
-              <a:buFont typeface="Wingdings" pitchFamily="2" charset="2"/>
-              <a:buChar char="§"/>
-            </a:pPr>
-            <a:r>
-              <a:rPr lang="en-US" sz="2000" i="1" dirty="0" smtClean="0"/>
-              <a:t>Moore’s Law: </a:t>
-            </a:r>
-            <a:r>
-              <a:rPr lang="en-US" sz="2000" b="0" i="1" dirty="0" smtClean="0"/>
-              <a:t>The number of transistors on a device doubles every two years.</a:t>
-            </a:r>
-          </a:p>
-          <a:p>
-            <a:pPr marL="342900" indent="-342900" eaLnBrk="0" hangingPunct="0">
-              <a:spcBef>
-                <a:spcPct val="20000"/>
-              </a:spcBef>
-              <a:buFont typeface="Wingdings" pitchFamily="2" charset="2"/>
-              <a:buChar char="§"/>
-            </a:pPr>
-            <a:r>
-              <a:rPr lang="en-US" sz="2000" i="1" dirty="0" smtClean="0"/>
-              <a:t>Traditional interpretation: </a:t>
-            </a:r>
-            <a:r>
-              <a:rPr lang="en-US" sz="2000" b="0" i="1" dirty="0" smtClean="0"/>
-              <a:t>Double the performance (smaller processes, higher frequency, VLIW)</a:t>
-            </a:r>
-          </a:p>
-          <a:p>
-            <a:pPr marL="342900" indent="-342900" eaLnBrk="0" hangingPunct="0">
-              <a:spcBef>
-                <a:spcPct val="20000"/>
-              </a:spcBef>
-              <a:buFont typeface="Wingdings" pitchFamily="2" charset="2"/>
-              <a:buChar char="§"/>
-            </a:pPr>
-            <a:r>
-              <a:rPr lang="en-US" sz="2000" i="1" dirty="0" smtClean="0"/>
-              <a:t>Multicore supports Moore’s Law by adding multiple core performance to a device.</a:t>
-            </a:r>
-          </a:p>
-          <a:p>
-            <a:pPr marL="342900" indent="-342900" eaLnBrk="0" hangingPunct="0">
-              <a:spcBef>
-                <a:spcPct val="20000"/>
-              </a:spcBef>
-              <a:buFont typeface="Wingdings" pitchFamily="2" charset="2"/>
-              <a:buChar char="§"/>
-            </a:pPr>
-            <a:r>
-              <a:rPr lang="en-US" sz="2000" i="1" dirty="0" smtClean="0"/>
-              <a:t>The criteria: </a:t>
-            </a:r>
-            <a:r>
-              <a:rPr lang="en-US" sz="2000" b="0" i="1" dirty="0" smtClean="0"/>
-              <a:t>Number of watts per cycle</a:t>
-            </a:r>
-          </a:p>
-          <a:p>
-            <a:pPr marL="342900" indent="-342900" eaLnBrk="0" hangingPunct="0">
-              <a:spcBef>
-                <a:spcPct val="20000"/>
-              </a:spcBef>
-              <a:buFont typeface="Wingdings" pitchFamily="2" charset="2"/>
-              <a:buChar char="§"/>
-            </a:pPr>
-            <a:r>
-              <a:rPr lang="en-US" sz="2000" i="1" dirty="0" smtClean="0"/>
-              <a:t>The challenge: </a:t>
-            </a:r>
-            <a:r>
-              <a:rPr lang="en-US" sz="2000" b="0" i="1" dirty="0" smtClean="0"/>
-              <a:t>How to effectively use multiple core devices?</a:t>
-            </a:r>
-          </a:p>
-          <a:p>
-            <a:pPr marL="342900" indent="-342900" algn="ctr" eaLnBrk="0" hangingPunct="0">
-              <a:spcBef>
-                <a:spcPct val="20000"/>
-              </a:spcBef>
-            </a:pPr>
-            <a:endParaRPr lang="en-US" sz="2000" i="1" dirty="0" smtClean="0"/>
-          </a:p>
-          <a:p>
-            <a:pPr marL="342900" indent="-342900" algn="ctr" eaLnBrk="0" hangingPunct="0">
-              <a:spcBef>
-                <a:spcPct val="20000"/>
-              </a:spcBef>
-            </a:pPr>
-            <a:r>
-              <a:rPr lang="en-US" sz="2000" i="1" dirty="0" smtClean="0"/>
-              <a:t>“We’re not going to have faster processors. Instead, making software run faster in the future will mean using parallel programming techniques. This will be a huge shift.” </a:t>
-            </a:r>
-            <a:br>
-              <a:rPr lang="en-US" sz="2000" i="1" dirty="0" smtClean="0"/>
-            </a:br>
-            <a:r>
-              <a:rPr lang="en-US" sz="2000" b="0" i="1" dirty="0" smtClean="0"/>
-              <a:t>-- Katherine Yelick, Lawrence Berkeley National Laboratory</a:t>
-            </a:r>
-            <a:br>
-              <a:rPr lang="en-US" sz="2000" b="0" i="1" dirty="0" smtClean="0"/>
-            </a:br>
-            <a:r>
-              <a:rPr lang="en-US" sz="2000" b="0" i="1" dirty="0" smtClean="0"/>
-              <a:t>from </a:t>
-            </a:r>
-            <a:r>
-              <a:rPr lang="en-US" sz="2000" b="0" i="1" dirty="0" smtClean="0">
-                <a:hlinkClick r:id="rId3"/>
-              </a:rPr>
-              <a:t>The </a:t>
-            </a:r>
-            <a:r>
-              <a:rPr lang="en-US" altLang="zh-CN" sz="2000" b="0" i="1" dirty="0" smtClean="0">
-                <a:ea typeface="SimSun" charset="-122"/>
-                <a:hlinkClick r:id="rId3"/>
-              </a:rPr>
-              <a:t>Economist: Parallel Bars</a:t>
-            </a:r>
-            <a:r>
-              <a:rPr lang="en-US" altLang="zh-CN" sz="2000" b="0" i="1" dirty="0" smtClean="0">
-                <a:ea typeface="SimSun" charset="-122"/>
-              </a:rPr>
-              <a:t/>
-            </a:r>
-            <a:br>
-              <a:rPr lang="en-US" altLang="zh-CN" sz="2000" b="0" i="1" dirty="0" smtClean="0">
-                <a:ea typeface="SimSun" charset="-122"/>
-              </a:rPr>
-            </a:br>
-            <a:endParaRPr lang="en-US" altLang="zh-CN" sz="2400" b="0" dirty="0" smtClean="0">
-              <a:ea typeface="SimSun" charset="-122"/>
-            </a:endParaRPr>
-          </a:p>
-          <a:p>
-            <a:pPr marL="342900" indent="-342900" eaLnBrk="0" hangingPunct="0">
-              <a:spcBef>
-                <a:spcPct val="20000"/>
-              </a:spcBef>
-              <a:buFontTx/>
-              <a:buChar char="•"/>
-            </a:pPr>
-            <a:endParaRPr lang="en-US" altLang="zh-CN" sz="2000" b="0" dirty="0">
-              <a:ea typeface="SimSun" charset="-122"/>
-            </a:endParaRPr>
-          </a:p>
-          <a:p>
-            <a:pPr marL="342900" indent="-342900" eaLnBrk="0" hangingPunct="0">
-              <a:spcBef>
-                <a:spcPct val="20000"/>
-              </a:spcBef>
-              <a:buFontTx/>
-              <a:buChar char="•"/>
-            </a:pPr>
-            <a:endParaRPr lang="en-US" altLang="zh-CN" sz="2000" dirty="0">
-              <a:ea typeface="SimSun" charset="-122"/>
-            </a:endParaRPr>
-          </a:p>
-          <a:p>
-            <a:pPr marL="800100" lvl="1" indent="-342900" eaLnBrk="0" hangingPunct="0">
-              <a:spcBef>
-                <a:spcPct val="20000"/>
-              </a:spcBef>
-              <a:buFontTx/>
-              <a:buChar char="•"/>
-            </a:pPr>
-            <a:endParaRPr lang="en-US" altLang="zh-CN" sz="2000" dirty="0">
-              <a:ea typeface="SimSun" charset="-122"/>
-            </a:endParaRPr>
-          </a:p>
-          <a:p>
-            <a:pPr marL="800100" lvl="1" indent="-342900" eaLnBrk="0" hangingPunct="0">
-              <a:spcBef>
-                <a:spcPct val="20000"/>
-              </a:spcBef>
-              <a:buFontTx/>
-              <a:buChar char="•"/>
-            </a:pPr>
-            <a:endParaRPr lang="en-US" altLang="zh-CN" sz="2400" dirty="0">
-              <a:ea typeface="SimSun" charset="-122"/>
-            </a:endParaRPr>
-          </a:p>
-        </p:txBody>
-      </p:sp>
-    </p:spTree>
-  </p:cSld>
-  <p:clrMapOvr>
-    <a:masterClrMapping/>
-  </p:clrMapOvr>
-  <p:timing>
-    <p:tnLst>
-      <p:par>
-        <p:cTn id="1" dur="indefinite" restart="never" nodeType="tmRoot"/>
-      </p:par>
-    </p:tnLst>
-  </p:timing>
-</p:sld>
-</file>
-
-<file path=ppt/slides/slide40.xml><?xml version="1.0" encoding="utf-8"?>
+<file path=ppt/slides/slide38.xml><?xml version="1.0" encoding="utf-8"?>
 <p:sld xmlns:a="http://schemas.openxmlformats.org/drawingml/2006/main" xmlns:r="http://schemas.openxmlformats.org/officeDocument/2006/relationships" xmlns:p="http://schemas.openxmlformats.org/presentationml/2006/main">
   <p:cSld>
     <p:spTree>
@@ -25120,7 +23407,7 @@
           <p:nvPr/>
         </p:nvGraphicFramePr>
         <p:xfrm>
-          <a:off x="398752" y="3560619"/>
+          <a:off x="357188" y="3612573"/>
           <a:ext cx="2752725" cy="2408238"/>
         </p:xfrm>
         <a:graphic>
@@ -25199,7 +23486,7 @@
 </p:sld>
 </file>
 
-<file path=ppt/slides/slide41.xml><?xml version="1.0" encoding="utf-8"?>
+<file path=ppt/slides/slide39.xml><?xml version="1.0" encoding="utf-8"?>
 <p:sld xmlns:a="http://schemas.openxmlformats.org/drawingml/2006/main" xmlns:r="http://schemas.openxmlformats.org/officeDocument/2006/relationships" xmlns:p="http://schemas.openxmlformats.org/presentationml/2006/main">
   <p:cSld>
     <p:spTree>
@@ -25287,7 +23574,7 @@
           <p:nvPr/>
         </p:nvGraphicFramePr>
         <p:xfrm>
-          <a:off x="560388" y="3194050"/>
+          <a:off x="498043" y="4326659"/>
           <a:ext cx="4178300" cy="1933575"/>
         </p:xfrm>
         <a:graphic>
@@ -25307,7 +23594,7 @@
           <p:nvPr/>
         </p:nvGraphicFramePr>
         <p:xfrm>
-          <a:off x="4648778" y="3317732"/>
+          <a:off x="4586433" y="4450341"/>
           <a:ext cx="2220913" cy="1590675"/>
         </p:xfrm>
         <a:graphic>
@@ -25327,7 +23614,7 @@
           <p:nvPr/>
         </p:nvGraphicFramePr>
         <p:xfrm>
-          <a:off x="6879215" y="3263468"/>
+          <a:off x="6816870" y="4396077"/>
           <a:ext cx="1890712" cy="1539875"/>
         </p:xfrm>
         <a:graphic>
@@ -25388,7 +23675,39 @@
             </a:r>
             <a:r>
               <a:rPr lang="en-US" sz="2400" dirty="0" smtClean="0"/>
-              <a:t>.  Let’s write it as FFT</a:t>
+              <a:t>. </a:t>
+            </a:r>
+            <a:r>
+              <a:rPr lang="en-US" sz="2400" dirty="0" smtClean="0"/>
+              <a:t>(sum on k</a:t>
+            </a:r>
+            <a:r>
+              <a:rPr lang="en-US" sz="2400" baseline="-25000" dirty="0" smtClean="0"/>
+              <a:t>1</a:t>
+            </a:r>
+            <a:r>
+              <a:rPr lang="en-US" sz="2400" dirty="0" smtClean="0"/>
+              <a:t>, N</a:t>
+            </a:r>
+            <a:r>
+              <a:rPr lang="en-US" sz="2400" baseline="-25000" dirty="0" smtClean="0"/>
+              <a:t>2</a:t>
+            </a:r>
+            <a:r>
+              <a:rPr lang="en-US" sz="2400" dirty="0" smtClean="0"/>
+              <a:t> is a parameter and u</a:t>
+            </a:r>
+            <a:r>
+              <a:rPr lang="en-US" sz="2400" baseline="-25000" dirty="0" smtClean="0"/>
+              <a:t>2</a:t>
+            </a:r>
+            <a:r>
+              <a:rPr lang="en-US" sz="2400" dirty="0" smtClean="0"/>
+              <a:t> is the output value).  </a:t>
+            </a:r>
+            <a:r>
+              <a:rPr lang="en-US" sz="2400" dirty="0" smtClean="0"/>
+              <a:t>Let’s write it as FFT</a:t>
             </a:r>
             <a:r>
               <a:rPr lang="en-US" sz="2400" baseline="-25000" dirty="0" smtClean="0"/>
@@ -25435,6 +23754,46 @@
           </a:p>
         </p:txBody>
       </p:sp>
+      <p:graphicFrame>
+        <p:nvGraphicFramePr>
+          <p:cNvPr id="126988" name="Object 12"/>
+          <p:cNvGraphicFramePr>
+            <a:graphicFrameLocks noChangeAspect="1"/>
+          </p:cNvGraphicFramePr>
+          <p:nvPr/>
+        </p:nvGraphicFramePr>
+        <p:xfrm>
+          <a:off x="200397" y="2680855"/>
+          <a:ext cx="3511636" cy="1745671"/>
+        </p:xfrm>
+        <a:graphic>
+          <a:graphicData uri="http://schemas.openxmlformats.org/presentationml/2006/ole">
+            <p:oleObj spid="_x0000_s126988" name="Equation" r:id="rId7" imgW="812520" imgH="965160" progId="Equation.3">
+              <p:embed/>
+            </p:oleObj>
+          </a:graphicData>
+        </a:graphic>
+      </p:graphicFrame>
+      <p:graphicFrame>
+        <p:nvGraphicFramePr>
+          <p:cNvPr id="126989" name="Object 13"/>
+          <p:cNvGraphicFramePr>
+            <a:graphicFrameLocks noChangeAspect="1"/>
+          </p:cNvGraphicFramePr>
+          <p:nvPr/>
+        </p:nvGraphicFramePr>
+        <p:xfrm>
+          <a:off x="3359439" y="2815935"/>
+          <a:ext cx="3158136" cy="1506683"/>
+        </p:xfrm>
+        <a:graphic>
+          <a:graphicData uri="http://schemas.openxmlformats.org/presentationml/2006/ole">
+            <p:oleObj spid="_x0000_s126989" name="Equation" r:id="rId8" imgW="787320" imgH="787320" progId="Equation.3">
+              <p:embed/>
+            </p:oleObj>
+          </a:graphicData>
+        </a:graphic>
+      </p:graphicFrame>
     </p:spTree>
   </p:cSld>
   <p:clrMapOvr>
@@ -25443,7 +23802,245 @@
 </p:sld>
 </file>
 
-<file path=ppt/slides/slide42.xml><?xml version="1.0" encoding="utf-8"?>
+<file path=ppt/slides/slide4.xml><?xml version="1.0" encoding="utf-8"?>
+<p:sld xmlns:a="http://schemas.openxmlformats.org/drawingml/2006/main" xmlns:r="http://schemas.openxmlformats.org/officeDocument/2006/relationships" xmlns:p="http://schemas.openxmlformats.org/presentationml/2006/main">
+  <p:cSld>
+    <p:spTree>
+      <p:nvGrpSpPr>
+        <p:cNvPr id="1" name=""/>
+        <p:cNvGrpSpPr/>
+        <p:nvPr/>
+      </p:nvGrpSpPr>
+      <p:grpSpPr>
+        <a:xfrm>
+          <a:off x="0" y="0"/>
+          <a:ext cx="0" cy="0"/>
+          <a:chOff x="0" y="0"/>
+          <a:chExt cx="0" cy="0"/>
+        </a:xfrm>
+      </p:grpSpPr>
+      <p:sp>
+        <p:nvSpPr>
+          <p:cNvPr id="34817" name="Title 1"/>
+          <p:cNvSpPr>
+            <a:spLocks noGrp="1"/>
+          </p:cNvSpPr>
+          <p:nvPr>
+            <p:ph type="title"/>
+          </p:nvPr>
+        </p:nvSpPr>
+        <p:spPr>
+          <a:xfrm>
+            <a:off x="138979" y="290945"/>
+            <a:ext cx="8821737" cy="935182"/>
+          </a:xfrm>
+        </p:spPr>
+        <p:txBody>
+          <a:bodyPr/>
+          <a:lstStyle/>
+          <a:p>
+            <a:r>
+              <a:rPr lang="en-US" sz="2800" dirty="0" smtClean="0"/>
+              <a:t>Multicore: The Forefront of Computing Technology </a:t>
+            </a:r>
+          </a:p>
+        </p:txBody>
+      </p:sp>
+      <p:sp>
+        <p:nvSpPr>
+          <p:cNvPr id="34818" name="Content Placeholder 2"/>
+          <p:cNvSpPr>
+            <a:spLocks/>
+          </p:cNvSpPr>
+          <p:nvPr/>
+        </p:nvSpPr>
+        <p:spPr bwMode="auto">
+          <a:xfrm>
+            <a:off x="305409" y="1341787"/>
+            <a:ext cx="8523288" cy="4757467"/>
+          </a:xfrm>
+          <a:prstGeom prst="rect">
+            <a:avLst/>
+          </a:prstGeom>
+          <a:noFill/>
+          <a:ln w="9525">
+            <a:noFill/>
+            <a:miter lim="800000"/>
+            <a:headEnd/>
+            <a:tailEnd/>
+          </a:ln>
+        </p:spPr>
+        <p:txBody>
+          <a:bodyPr/>
+          <a:lstStyle/>
+          <a:p>
+            <a:pPr marL="342900" indent="-342900" eaLnBrk="0" hangingPunct="0">
+              <a:spcBef>
+                <a:spcPct val="20000"/>
+              </a:spcBef>
+              <a:buFont typeface="Wingdings" pitchFamily="2" charset="2"/>
+              <a:buChar char="§"/>
+            </a:pPr>
+            <a:r>
+              <a:rPr lang="en-US" sz="2000" i="1" dirty="0" smtClean="0"/>
+              <a:t>Multicore </a:t>
+            </a:r>
+            <a:r>
+              <a:rPr lang="en-US" sz="2000" i="1" dirty="0" smtClean="0"/>
+              <a:t>supports Moore’s Law by adding multiple core performance to a device.</a:t>
+            </a:r>
+          </a:p>
+          <a:p>
+            <a:pPr marL="342900" indent="-342900" eaLnBrk="0" hangingPunct="0">
+              <a:spcBef>
+                <a:spcPct val="20000"/>
+              </a:spcBef>
+              <a:buFont typeface="Wingdings" pitchFamily="2" charset="2"/>
+              <a:buChar char="§"/>
+            </a:pPr>
+            <a:r>
+              <a:rPr lang="en-US" sz="2000" i="1" dirty="0" smtClean="0"/>
+              <a:t>Quality</a:t>
+            </a:r>
+            <a:r>
+              <a:rPr lang="en-US" sz="2000" i="1" dirty="0" smtClean="0"/>
+              <a:t> </a:t>
+            </a:r>
+            <a:r>
+              <a:rPr lang="en-US" sz="2000" i="1" dirty="0" smtClean="0"/>
+              <a:t>criteria: </a:t>
+            </a:r>
+            <a:r>
+              <a:rPr lang="en-US" sz="2000" b="0" i="1" dirty="0" smtClean="0"/>
+              <a:t>Number of watts per cycle</a:t>
+            </a:r>
+          </a:p>
+          <a:p>
+            <a:pPr marL="342900" indent="-342900" algn="ctr" eaLnBrk="0" hangingPunct="0">
+              <a:spcBef>
+                <a:spcPct val="20000"/>
+              </a:spcBef>
+            </a:pPr>
+            <a:endParaRPr lang="en-US" sz="2000" i="1" dirty="0" smtClean="0"/>
+          </a:p>
+          <a:p>
+            <a:pPr marL="342900" indent="-342900" algn="ctr" eaLnBrk="0" hangingPunct="0">
+              <a:spcBef>
+                <a:spcPct val="20000"/>
+              </a:spcBef>
+            </a:pPr>
+            <a:r>
+              <a:rPr lang="en-US" sz="2000" i="1" dirty="0" smtClean="0"/>
+              <a:t>“We’re not going to have faster processors. Instead, making software run faster in the future will mean using parallel programming techniques. This will be a huge shift.” </a:t>
+            </a:r>
+            <a:br>
+              <a:rPr lang="en-US" sz="2000" i="1" dirty="0" smtClean="0"/>
+            </a:br>
+            <a:r>
+              <a:rPr lang="en-US" sz="2000" b="0" i="1" dirty="0" smtClean="0"/>
+              <a:t>-- Katherine Yelick, Lawrence Berkeley National Laboratory</a:t>
+            </a:r>
+            <a:br>
+              <a:rPr lang="en-US" sz="2000" b="0" i="1" dirty="0" smtClean="0"/>
+            </a:br>
+            <a:r>
+              <a:rPr lang="en-US" sz="2000" b="0" i="1" dirty="0" smtClean="0"/>
+              <a:t>from </a:t>
+            </a:r>
+            <a:r>
+              <a:rPr lang="en-US" sz="2000" b="0" i="1" dirty="0" smtClean="0">
+                <a:hlinkClick r:id="rId3"/>
+              </a:rPr>
+              <a:t>The </a:t>
+            </a:r>
+            <a:r>
+              <a:rPr lang="en-US" altLang="zh-CN" sz="2000" b="0" i="1" dirty="0" smtClean="0">
+                <a:ea typeface="SimSun" charset="-122"/>
+                <a:hlinkClick r:id="rId3"/>
+              </a:rPr>
+              <a:t>Economist: Parallel Bars</a:t>
+            </a:r>
+            <a:r>
+              <a:rPr lang="en-US" altLang="zh-CN" sz="2000" b="0" i="1" dirty="0" smtClean="0">
+                <a:ea typeface="SimSun" charset="-122"/>
+              </a:rPr>
+              <a:t/>
+            </a:r>
+            <a:br>
+              <a:rPr lang="en-US" altLang="zh-CN" sz="2000" b="0" i="1" dirty="0" smtClean="0">
+                <a:ea typeface="SimSun" charset="-122"/>
+              </a:rPr>
+            </a:br>
+            <a:endParaRPr lang="en-US" altLang="zh-CN" sz="2400" b="0" dirty="0" smtClean="0">
+              <a:ea typeface="SimSun" charset="-122"/>
+            </a:endParaRPr>
+          </a:p>
+          <a:p>
+            <a:pPr marL="342900" indent="-342900" eaLnBrk="0" hangingPunct="0">
+              <a:spcBef>
+                <a:spcPct val="20000"/>
+              </a:spcBef>
+              <a:buFontTx/>
+              <a:buChar char="•"/>
+            </a:pPr>
+            <a:endParaRPr lang="en-US" altLang="zh-CN" sz="2000" b="0" dirty="0">
+              <a:ea typeface="SimSun" charset="-122"/>
+            </a:endParaRPr>
+          </a:p>
+          <a:p>
+            <a:pPr marL="342900" indent="-342900" eaLnBrk="0" hangingPunct="0">
+              <a:spcBef>
+                <a:spcPct val="20000"/>
+              </a:spcBef>
+              <a:buFontTx/>
+              <a:buChar char="•"/>
+            </a:pPr>
+            <a:endParaRPr lang="en-US" altLang="zh-CN" sz="2000" dirty="0">
+              <a:ea typeface="SimSun" charset="-122"/>
+            </a:endParaRPr>
+          </a:p>
+          <a:p>
+            <a:pPr marL="800100" lvl="1" indent="-342900" eaLnBrk="0" hangingPunct="0">
+              <a:spcBef>
+                <a:spcPct val="20000"/>
+              </a:spcBef>
+              <a:buFontTx/>
+              <a:buChar char="•"/>
+            </a:pPr>
+            <a:endParaRPr lang="en-US" altLang="zh-CN" sz="2000" dirty="0">
+              <a:ea typeface="SimSun" charset="-122"/>
+            </a:endParaRPr>
+          </a:p>
+          <a:p>
+            <a:pPr marL="800100" lvl="1" indent="-342900" eaLnBrk="0" hangingPunct="0">
+              <a:spcBef>
+                <a:spcPct val="20000"/>
+              </a:spcBef>
+              <a:buFontTx/>
+              <a:buChar char="•"/>
+            </a:pPr>
+            <a:endParaRPr lang="en-US" altLang="zh-CN" sz="2400" dirty="0">
+              <a:ea typeface="SimSun" charset="-122"/>
+            </a:endParaRPr>
+          </a:p>
+        </p:txBody>
+      </p:sp>
+    </p:spTree>
+  </p:cSld>
+  <p:clrMapOvr>
+    <a:masterClrMapping/>
+  </p:clrMapOvr>
+  <p:timing>
+    <p:tnLst>
+      <p:par>
+        <p:cTn id="1" dur="indefinite" restart="never" nodeType="tmRoot"/>
+      </p:par>
+    </p:tnLst>
+  </p:timing>
+</p:sld>
+</file>
+
+<file path=ppt/slides/slide40.xml><?xml version="1.0" encoding="utf-8"?>
 <p:sld xmlns:a="http://schemas.openxmlformats.org/drawingml/2006/main" xmlns:r="http://schemas.openxmlformats.org/officeDocument/2006/relationships" xmlns:p="http://schemas.openxmlformats.org/presentationml/2006/main">
   <p:cSld>
     <p:spTree>
@@ -25705,6 +24302,338 @@
 </p:sld>
 </file>
 
+<file path=ppt/slides/slide41.xml><?xml version="1.0" encoding="utf-8"?>
+<p:sld xmlns:a="http://schemas.openxmlformats.org/drawingml/2006/main" xmlns:r="http://schemas.openxmlformats.org/officeDocument/2006/relationships" xmlns:p="http://schemas.openxmlformats.org/presentationml/2006/main">
+  <p:cSld>
+    <p:spTree>
+      <p:nvGrpSpPr>
+        <p:cNvPr id="1" name=""/>
+        <p:cNvGrpSpPr/>
+        <p:nvPr/>
+      </p:nvGrpSpPr>
+      <p:grpSpPr>
+        <a:xfrm>
+          <a:off x="0" y="0"/>
+          <a:ext cx="0" cy="0"/>
+          <a:chOff x="0" y="0"/>
+          <a:chExt cx="0" cy="0"/>
+        </a:xfrm>
+      </p:grpSpPr>
+      <p:sp>
+        <p:nvSpPr>
+          <p:cNvPr id="12290" name="Rectangle 2"/>
+          <p:cNvSpPr>
+            <a:spLocks noGrp="1" noChangeArrowheads="1"/>
+          </p:cNvSpPr>
+          <p:nvPr>
+            <p:ph type="title"/>
+          </p:nvPr>
+        </p:nvSpPr>
+        <p:spPr>
+          <a:xfrm>
+            <a:off x="290946" y="561109"/>
+            <a:ext cx="8458200" cy="657225"/>
+          </a:xfrm>
+        </p:spPr>
+        <p:txBody>
+          <a:bodyPr/>
+          <a:lstStyle/>
+          <a:p>
+            <a:pPr eaLnBrk="1" hangingPunct="1"/>
+            <a:r>
+              <a:rPr lang="en-US" b="1" dirty="0" smtClean="0"/>
+              <a:t>Algorithm for Very Large DFT</a:t>
+            </a:r>
+          </a:p>
+        </p:txBody>
+      </p:sp>
+      <p:sp>
+        <p:nvSpPr>
+          <p:cNvPr id="12291" name="Rectangle 3"/>
+          <p:cNvSpPr>
+            <a:spLocks noGrp="1" noChangeArrowheads="1"/>
+          </p:cNvSpPr>
+          <p:nvPr>
+            <p:ph idx="1"/>
+          </p:nvPr>
+        </p:nvSpPr>
+        <p:spPr>
+          <a:xfrm>
+            <a:off x="304800" y="1600200"/>
+            <a:ext cx="8686800" cy="4953000"/>
+          </a:xfrm>
+        </p:spPr>
+        <p:txBody>
+          <a:bodyPr/>
+          <a:lstStyle/>
+          <a:p>
+            <a:pPr marL="0" indent="0" eaLnBrk="1" hangingPunct="1">
+              <a:buNone/>
+            </a:pPr>
+            <a:r>
+              <a:rPr lang="en-US" b="1" dirty="0" smtClean="0"/>
+              <a:t>A very large DFT of size </a:t>
+            </a:r>
+            <a:r>
+              <a:rPr lang="en-US" b="1" i="1" dirty="0" smtClean="0"/>
+              <a:t>N=N1*N2</a:t>
+            </a:r>
+            <a:r>
+              <a:rPr lang="en-US" b="1" dirty="0" smtClean="0"/>
+              <a:t> can be computed in the following steps:</a:t>
+            </a:r>
+          </a:p>
+          <a:p>
+            <a:pPr marL="609600" indent="-609600" eaLnBrk="1" hangingPunct="1">
+              <a:buFontTx/>
+              <a:buNone/>
+            </a:pPr>
+            <a:endParaRPr lang="en-US" sz="800" b="1" dirty="0" smtClean="0"/>
+          </a:p>
+          <a:p>
+            <a:pPr marL="990600" lvl="1" indent="-533400" eaLnBrk="1" hangingPunct="1">
+              <a:buFontTx/>
+              <a:buAutoNum type="arabicParenR"/>
+            </a:pPr>
+            <a:r>
+              <a:rPr lang="en-US" dirty="0" smtClean="0"/>
+              <a:t>Formulate input into N1xN2 matrix</a:t>
+            </a:r>
+          </a:p>
+          <a:p>
+            <a:pPr marL="990600" lvl="1" indent="-533400" eaLnBrk="1" hangingPunct="1">
+              <a:buFontTx/>
+              <a:buAutoNum type="arabicParenR"/>
+            </a:pPr>
+            <a:r>
+              <a:rPr lang="en-US" dirty="0" smtClean="0"/>
+              <a:t>Compute N2 FFTs size N1</a:t>
+            </a:r>
+          </a:p>
+          <a:p>
+            <a:pPr marL="990600" lvl="1" indent="-533400" eaLnBrk="1" hangingPunct="1">
+              <a:buFontTx/>
+              <a:buAutoNum type="arabicParenR"/>
+            </a:pPr>
+            <a:r>
+              <a:rPr lang="en-US" dirty="0" smtClean="0"/>
+              <a:t>Multiply global twiddle factors</a:t>
+            </a:r>
+          </a:p>
+          <a:p>
+            <a:pPr marL="990600" lvl="1" indent="-533400" eaLnBrk="1" hangingPunct="1">
+              <a:buFontTx/>
+              <a:buAutoNum type="arabicParenR"/>
+            </a:pPr>
+            <a:r>
+              <a:rPr lang="en-US" dirty="0" smtClean="0"/>
+              <a:t>Matrix transpose: N2xN1 -&gt; N1xN2</a:t>
+            </a:r>
+          </a:p>
+          <a:p>
+            <a:pPr marL="990600" lvl="1" indent="-533400" eaLnBrk="1" hangingPunct="1">
+              <a:buFontTx/>
+              <a:buAutoNum type="arabicParenR"/>
+            </a:pPr>
+            <a:r>
+              <a:rPr lang="en-US" dirty="0" smtClean="0"/>
+              <a:t>Compute N1 FFTs. Each is N2 size.</a:t>
+            </a:r>
+          </a:p>
+        </p:txBody>
+      </p:sp>
+    </p:spTree>
+  </p:cSld>
+  <p:clrMapOvr>
+    <a:masterClrMapping/>
+  </p:clrMapOvr>
+  <p:timing>
+    <p:tnLst>
+      <p:par>
+        <p:cTn id="1" dur="indefinite" restart="never" nodeType="tmRoot"/>
+      </p:par>
+    </p:tnLst>
+  </p:timing>
+</p:sld>
+</file>
+
+<file path=ppt/slides/slide42.xml><?xml version="1.0" encoding="utf-8"?>
+<p:sld xmlns:a="http://schemas.openxmlformats.org/drawingml/2006/main" xmlns:r="http://schemas.openxmlformats.org/officeDocument/2006/relationships" xmlns:p="http://schemas.openxmlformats.org/presentationml/2006/main">
+  <p:cSld>
+    <p:spTree>
+      <p:nvGrpSpPr>
+        <p:cNvPr id="1" name=""/>
+        <p:cNvGrpSpPr/>
+        <p:nvPr/>
+      </p:nvGrpSpPr>
+      <p:grpSpPr>
+        <a:xfrm>
+          <a:off x="0" y="0"/>
+          <a:ext cx="0" cy="0"/>
+          <a:chOff x="0" y="0"/>
+          <a:chExt cx="0" cy="0"/>
+        </a:xfrm>
+      </p:grpSpPr>
+      <p:sp>
+        <p:nvSpPr>
+          <p:cNvPr id="13314" name="Rectangle 2"/>
+          <p:cNvSpPr>
+            <a:spLocks noGrp="1" noChangeArrowheads="1"/>
+          </p:cNvSpPr>
+          <p:nvPr>
+            <p:ph type="title"/>
+          </p:nvPr>
+        </p:nvSpPr>
+        <p:spPr>
+          <a:xfrm>
+            <a:off x="342900" y="0"/>
+            <a:ext cx="8458200" cy="1475509"/>
+          </a:xfrm>
+        </p:spPr>
+        <p:txBody>
+          <a:bodyPr/>
+          <a:lstStyle/>
+          <a:p>
+            <a:pPr eaLnBrk="1" hangingPunct="1"/>
+            <a:r>
+              <a:rPr lang="en-US" sz="4000" dirty="0" smtClean="0"/>
+              <a:t>Implementing VLFFT on Multiple Cores</a:t>
+            </a:r>
+          </a:p>
+        </p:txBody>
+      </p:sp>
+      <p:sp>
+        <p:nvSpPr>
+          <p:cNvPr id="13315" name="Rectangle 3"/>
+          <p:cNvSpPr>
+            <a:spLocks noGrp="1" noChangeArrowheads="1"/>
+          </p:cNvSpPr>
+          <p:nvPr>
+            <p:ph idx="1"/>
+          </p:nvPr>
+        </p:nvSpPr>
+        <p:spPr>
+          <a:xfrm>
+            <a:off x="152400" y="1600200"/>
+            <a:ext cx="8839200" cy="4525963"/>
+          </a:xfrm>
+        </p:spPr>
+        <p:txBody>
+          <a:bodyPr/>
+          <a:lstStyle/>
+          <a:p>
+            <a:pPr eaLnBrk="1" hangingPunct="1"/>
+            <a:r>
+              <a:rPr lang="en-US" sz="2800" dirty="0" smtClean="0"/>
+              <a:t>Two iterations of computations</a:t>
+            </a:r>
+          </a:p>
+          <a:p>
+            <a:pPr eaLnBrk="1" hangingPunct="1"/>
+            <a:r>
+              <a:rPr lang="en-US" sz="2800" dirty="0" smtClean="0"/>
+              <a:t>1</a:t>
+            </a:r>
+            <a:r>
+              <a:rPr lang="en-US" sz="2800" baseline="30000" dirty="0" smtClean="0"/>
+              <a:t>st</a:t>
+            </a:r>
+            <a:r>
+              <a:rPr lang="en-US" sz="2800" dirty="0" smtClean="0"/>
+              <a:t> iteration</a:t>
+            </a:r>
+          </a:p>
+          <a:p>
+            <a:pPr lvl="1" eaLnBrk="1" hangingPunct="1"/>
+            <a:r>
+              <a:rPr lang="en-US" sz="2400" dirty="0" smtClean="0"/>
+              <a:t>N2 FFTs are distributed across all the cores.</a:t>
+            </a:r>
+          </a:p>
+          <a:p>
+            <a:pPr lvl="1" eaLnBrk="1" hangingPunct="1"/>
+            <a:r>
+              <a:rPr lang="en-US" sz="2400" dirty="0" smtClean="0"/>
+              <a:t>Each core implements matrix transpose and computes the </a:t>
+            </a:r>
+            <a:r>
+              <a:rPr lang="en-US" sz="2400" b="1" dirty="0" smtClean="0"/>
+              <a:t>N2/numCores FFTs and multiplying twiddle factor</a:t>
+            </a:r>
+            <a:r>
+              <a:rPr lang="en-US" sz="2400" dirty="0" smtClean="0"/>
+              <a:t>.</a:t>
+            </a:r>
+          </a:p>
+          <a:p>
+            <a:pPr eaLnBrk="1" hangingPunct="1"/>
+            <a:r>
+              <a:rPr lang="en-US" sz="2800" dirty="0" smtClean="0"/>
+              <a:t>2</a:t>
+            </a:r>
+            <a:r>
+              <a:rPr lang="en-US" sz="2800" baseline="30000" dirty="0" smtClean="0"/>
+              <a:t>nd</a:t>
+            </a:r>
+            <a:r>
+              <a:rPr lang="en-US" sz="2800" dirty="0" smtClean="0"/>
+              <a:t> iteration</a:t>
+            </a:r>
+          </a:p>
+          <a:p>
+            <a:pPr lvl="1" eaLnBrk="1" hangingPunct="1"/>
+            <a:r>
+              <a:rPr lang="en-US" sz="2400" dirty="0" smtClean="0"/>
+              <a:t>N1 FFTs of N2 size are distributed across all the cores.</a:t>
+            </a:r>
+          </a:p>
+          <a:p>
+            <a:pPr lvl="1" eaLnBrk="1" hangingPunct="1"/>
+            <a:r>
+              <a:rPr lang="en-US" sz="2400" dirty="0" smtClean="0"/>
+              <a:t>Each core computes </a:t>
+            </a:r>
+            <a:r>
+              <a:rPr lang="en-US" sz="2400" b="1" dirty="0" smtClean="0"/>
+              <a:t>N1/numCores FFTs and </a:t>
+            </a:r>
+            <a:r>
+              <a:rPr lang="en-US" sz="2400" dirty="0" smtClean="0"/>
+              <a:t>implements</a:t>
+            </a:r>
+            <a:r>
+              <a:rPr lang="en-US" sz="2400" b="1" dirty="0" smtClean="0"/>
+              <a:t> matrix transpose before and after FFT computation</a:t>
+            </a:r>
+            <a:r>
+              <a:rPr lang="en-US" sz="2400" dirty="0" smtClean="0"/>
+              <a:t>.</a:t>
+            </a:r>
+          </a:p>
+          <a:p>
+            <a:pPr lvl="1" eaLnBrk="1" hangingPunct="1">
+              <a:buFontTx/>
+              <a:buNone/>
+            </a:pPr>
+            <a:endParaRPr lang="en-US" sz="2400" dirty="0" smtClean="0"/>
+          </a:p>
+        </p:txBody>
+      </p:sp>
+    </p:spTree>
+  </p:cSld>
+  <p:clrMapOvr>
+    <a:masterClrMapping/>
+  </p:clrMapOvr>
+  <p:timing>
+    <p:tnLst>
+      <p:par>
+        <p:cTn id="1" dur="indefinite" restart="never" nodeType="tmRoot"/>
+      </p:par>
+    </p:tnLst>
+  </p:timing>
+</p:sld>
+</file>
+
 <file path=ppt/slides/slide43.xml><?xml version="1.0" encoding="utf-8"?>
 <p:sld xmlns:a="http://schemas.openxmlformats.org/drawingml/2006/main" xmlns:r="http://schemas.openxmlformats.org/officeDocument/2006/relationships" xmlns:p="http://schemas.openxmlformats.org/presentationml/2006/main">
   <p:cSld>
@@ -25724,7 +24653,7 @@
       </p:grpSpPr>
       <p:sp>
         <p:nvSpPr>
-          <p:cNvPr id="12290" name="Rectangle 2"/>
+          <p:cNvPr id="14338" name="Rectangle 2"/>
           <p:cNvSpPr>
             <a:spLocks noGrp="1" noChangeArrowheads="1"/>
           </p:cNvSpPr>
@@ -25734,8 +24663,8 @@
         </p:nvSpPr>
         <p:spPr>
           <a:xfrm>
-            <a:off x="290946" y="561109"/>
-            <a:ext cx="8458200" cy="657225"/>
+            <a:off x="457200" y="274638"/>
+            <a:ext cx="8229600" cy="715962"/>
           </a:xfrm>
         </p:spPr>
         <p:txBody>
@@ -25744,15 +24673,15 @@
           <a:p>
             <a:pPr eaLnBrk="1" hangingPunct="1"/>
             <a:r>
-              <a:rPr lang="en-US" b="1" dirty="0" smtClean="0"/>
-              <a:t>Algorithm for Very Large DFT</a:t>
-            </a:r>
-          </a:p>
-        </p:txBody>
-      </p:sp>
-      <p:sp>
-        <p:nvSpPr>
-          <p:cNvPr id="12291" name="Rectangle 3"/>
+              <a:rPr lang="en-US" sz="4000" b="1" dirty="0" smtClean="0"/>
+              <a:t>Data Buffers</a:t>
+            </a:r>
+          </a:p>
+        </p:txBody>
+      </p:sp>
+      <p:sp>
+        <p:nvSpPr>
+          <p:cNvPr id="14339" name="Rectangle 3"/>
           <p:cNvSpPr>
             <a:spLocks noGrp="1" noChangeArrowheads="1"/>
           </p:cNvSpPr>
@@ -25762,85 +24691,81 @@
         </p:nvSpPr>
         <p:spPr>
           <a:xfrm>
-            <a:off x="304800" y="1600200"/>
-            <a:ext cx="8686800" cy="4953000"/>
+            <a:off x="152400" y="1219200"/>
+            <a:ext cx="8915400" cy="4906963"/>
           </a:xfrm>
         </p:spPr>
         <p:txBody>
           <a:bodyPr/>
           <a:lstStyle/>
           <a:p>
-            <a:pPr marL="0" indent="0" eaLnBrk="1" hangingPunct="1">
-              <a:buNone/>
-            </a:pPr>
+            <a:pPr eaLnBrk="1" hangingPunct="1"/>
             <a:r>
               <a:rPr lang="en-US" b="1" dirty="0" smtClean="0"/>
-              <a:t>A very large DFT of size </a:t>
-            </a:r>
-            <a:r>
-              <a:rPr lang="en-US" b="1" i="1" dirty="0" smtClean="0"/>
-              <a:t>N=N1*N2</a:t>
-            </a:r>
+              <a:t>DDR3: Three float complex arrays of size N</a:t>
+            </a:r>
+          </a:p>
+          <a:p>
+            <a:pPr lvl="1" eaLnBrk="1" hangingPunct="1"/>
+            <a:r>
+              <a:rPr lang="en-US" dirty="0" smtClean="0"/>
+              <a:t>Input buffer</a:t>
+            </a:r>
+          </a:p>
+          <a:p>
+            <a:pPr lvl="1" eaLnBrk="1" hangingPunct="1"/>
+            <a:r>
+              <a:rPr lang="en-US" dirty="0" smtClean="0"/>
+              <a:t>Output buffer</a:t>
+            </a:r>
+          </a:p>
+          <a:p>
+            <a:pPr lvl="1" eaLnBrk="1" hangingPunct="1"/>
+            <a:r>
+              <a:rPr lang="en-US" dirty="0" smtClean="0"/>
+              <a:t>Working buffer</a:t>
+            </a:r>
+          </a:p>
+          <a:p>
+            <a:pPr eaLnBrk="1" hangingPunct="1"/>
             <a:r>
               <a:rPr lang="en-US" b="1" dirty="0" smtClean="0"/>
-              <a:t> can be computed in the following steps:</a:t>
-            </a:r>
-          </a:p>
-          <a:p>
-            <a:pPr marL="609600" indent="-609600" eaLnBrk="1" hangingPunct="1">
-              <a:buFontTx/>
-              <a:buNone/>
-            </a:pPr>
-            <a:endParaRPr lang="en-US" sz="800" b="1" dirty="0" smtClean="0"/>
-          </a:p>
-          <a:p>
-            <a:pPr marL="990600" lvl="1" indent="-533400" eaLnBrk="1" hangingPunct="1">
-              <a:buFontTx/>
-              <a:buAutoNum type="arabicParenR"/>
-            </a:pPr>
+              <a:t>L2 SRAM: </a:t>
+            </a:r>
+          </a:p>
+          <a:p>
+            <a:pPr lvl="1" eaLnBrk="1" hangingPunct="1"/>
             <a:r>
               <a:rPr lang="en-US" dirty="0" smtClean="0"/>
-              <a:t>Formulate input into N1xN2 matrix</a:t>
-            </a:r>
-          </a:p>
-          <a:p>
-            <a:pPr marL="990600" lvl="1" indent="-533400" eaLnBrk="1" hangingPunct="1">
-              <a:buFontTx/>
-              <a:buAutoNum type="arabicParenR"/>
-            </a:pPr>
+              <a:t>Two ping-pong buffers; Each buffer is the size of 16 FFT input/output</a:t>
+            </a:r>
+          </a:p>
+          <a:p>
+            <a:pPr lvl="1" eaLnBrk="1" hangingPunct="1"/>
             <a:r>
               <a:rPr lang="en-US" dirty="0" smtClean="0"/>
-              <a:t>Compute N2 FFTs size N1</a:t>
-            </a:r>
-          </a:p>
-          <a:p>
-            <a:pPr marL="990600" lvl="1" indent="-533400" eaLnBrk="1" hangingPunct="1">
-              <a:buFontTx/>
-              <a:buAutoNum type="arabicParenR"/>
-            </a:pPr>
+              <a:t>Some working buffer</a:t>
+            </a:r>
+          </a:p>
+          <a:p>
+            <a:pPr lvl="1" eaLnBrk="1" hangingPunct="1"/>
             <a:r>
               <a:rPr lang="en-US" dirty="0" smtClean="0"/>
-              <a:t>Multiply global twiddle factors</a:t>
-            </a:r>
-          </a:p>
-          <a:p>
-            <a:pPr marL="990600" lvl="1" indent="-533400" eaLnBrk="1" hangingPunct="1">
-              <a:buFontTx/>
-              <a:buAutoNum type="arabicParenR"/>
-            </a:pPr>
+              <a:t>Buffers for twiddle factors:</a:t>
+            </a:r>
+          </a:p>
+          <a:p>
+            <a:pPr lvl="2" eaLnBrk="1" hangingPunct="1"/>
             <a:r>
               <a:rPr lang="en-US" dirty="0" smtClean="0"/>
-              <a:t>Matrix transpose: N2xN1 -&gt; N1xN2</a:t>
-            </a:r>
-          </a:p>
-          <a:p>
-            <a:pPr marL="990600" lvl="1" indent="-533400" eaLnBrk="1" hangingPunct="1">
-              <a:buFontTx/>
-              <a:buAutoNum type="arabicParenR"/>
-            </a:pPr>
+              <a:t>Twiddle factors for N1 and N2 FFT</a:t>
+            </a:r>
+          </a:p>
+          <a:p>
+            <a:pPr lvl="2" eaLnBrk="1" hangingPunct="1"/>
             <a:r>
               <a:rPr lang="en-US" dirty="0" smtClean="0"/>
-              <a:t>Compute N1 FFTs. Each is N2 size.</a:t>
+              <a:t>N2 global twiddle factors</a:t>
             </a:r>
           </a:p>
         </p:txBody>
@@ -25879,342 +24804,6 @@
       </p:grpSpPr>
       <p:sp>
         <p:nvSpPr>
-          <p:cNvPr id="13314" name="Rectangle 2"/>
-          <p:cNvSpPr>
-            <a:spLocks noGrp="1" noChangeArrowheads="1"/>
-          </p:cNvSpPr>
-          <p:nvPr>
-            <p:ph type="title"/>
-          </p:nvPr>
-        </p:nvSpPr>
-        <p:spPr>
-          <a:xfrm>
-            <a:off x="342900" y="0"/>
-            <a:ext cx="8458200" cy="1475509"/>
-          </a:xfrm>
-        </p:spPr>
-        <p:txBody>
-          <a:bodyPr/>
-          <a:lstStyle/>
-          <a:p>
-            <a:pPr eaLnBrk="1" hangingPunct="1"/>
-            <a:r>
-              <a:rPr lang="en-US" sz="4000" dirty="0" smtClean="0"/>
-              <a:t>Implementing VLFFT on Multiple Cores</a:t>
-            </a:r>
-          </a:p>
-        </p:txBody>
-      </p:sp>
-      <p:sp>
-        <p:nvSpPr>
-          <p:cNvPr id="13315" name="Rectangle 3"/>
-          <p:cNvSpPr>
-            <a:spLocks noGrp="1" noChangeArrowheads="1"/>
-          </p:cNvSpPr>
-          <p:nvPr>
-            <p:ph idx="1"/>
-          </p:nvPr>
-        </p:nvSpPr>
-        <p:spPr>
-          <a:xfrm>
-            <a:off x="152400" y="1600200"/>
-            <a:ext cx="8839200" cy="4525963"/>
-          </a:xfrm>
-        </p:spPr>
-        <p:txBody>
-          <a:bodyPr/>
-          <a:lstStyle/>
-          <a:p>
-            <a:pPr eaLnBrk="1" hangingPunct="1"/>
-            <a:r>
-              <a:rPr lang="en-US" sz="2800" dirty="0" smtClean="0"/>
-              <a:t>Two iterations of computations</a:t>
-            </a:r>
-          </a:p>
-          <a:p>
-            <a:pPr eaLnBrk="1" hangingPunct="1"/>
-            <a:r>
-              <a:rPr lang="en-US" sz="2800" dirty="0" smtClean="0"/>
-              <a:t>1</a:t>
-            </a:r>
-            <a:r>
-              <a:rPr lang="en-US" sz="2800" baseline="30000" dirty="0" smtClean="0"/>
-              <a:t>st</a:t>
-            </a:r>
-            <a:r>
-              <a:rPr lang="en-US" sz="2800" dirty="0" smtClean="0"/>
-              <a:t> iteration</a:t>
-            </a:r>
-          </a:p>
-          <a:p>
-            <a:pPr lvl="1" eaLnBrk="1" hangingPunct="1"/>
-            <a:r>
-              <a:rPr lang="en-US" sz="2400" dirty="0" smtClean="0"/>
-              <a:t>N2 FFTs are distributed across all the cores.</a:t>
-            </a:r>
-          </a:p>
-          <a:p>
-            <a:pPr lvl="1" eaLnBrk="1" hangingPunct="1"/>
-            <a:r>
-              <a:rPr lang="en-US" sz="2400" dirty="0" smtClean="0"/>
-              <a:t>Each core implements matrix transpose and computes the </a:t>
-            </a:r>
-            <a:r>
-              <a:rPr lang="en-US" sz="2400" b="1" dirty="0" smtClean="0"/>
-              <a:t>N2/</a:t>
-            </a:r>
-            <a:r>
-              <a:rPr lang="en-US" sz="2400" b="1" dirty="0" err="1" smtClean="0"/>
-              <a:t>numCores</a:t>
-            </a:r>
-            <a:r>
-              <a:rPr lang="en-US" sz="2400" b="1" dirty="0" smtClean="0"/>
-              <a:t> FFTs and multiplying twiddle factor</a:t>
-            </a:r>
-            <a:r>
-              <a:rPr lang="en-US" sz="2400" dirty="0" smtClean="0"/>
-              <a:t>.</a:t>
-            </a:r>
-          </a:p>
-          <a:p>
-            <a:pPr eaLnBrk="1" hangingPunct="1"/>
-            <a:r>
-              <a:rPr lang="en-US" sz="2800" dirty="0" smtClean="0"/>
-              <a:t>2</a:t>
-            </a:r>
-            <a:r>
-              <a:rPr lang="en-US" sz="2800" baseline="30000" dirty="0" smtClean="0"/>
-              <a:t>nd</a:t>
-            </a:r>
-            <a:r>
-              <a:rPr lang="en-US" sz="2800" dirty="0" smtClean="0"/>
-              <a:t> iteration</a:t>
-            </a:r>
-          </a:p>
-          <a:p>
-            <a:pPr lvl="1" eaLnBrk="1" hangingPunct="1"/>
-            <a:r>
-              <a:rPr lang="en-US" sz="2400" dirty="0" smtClean="0"/>
-              <a:t>N1 FFTs of N2 size are distributed across all the cores.</a:t>
-            </a:r>
-          </a:p>
-          <a:p>
-            <a:pPr lvl="1" eaLnBrk="1" hangingPunct="1"/>
-            <a:r>
-              <a:rPr lang="en-US" sz="2400" dirty="0" smtClean="0"/>
-              <a:t>Each core computes </a:t>
-            </a:r>
-            <a:r>
-              <a:rPr lang="en-US" sz="2400" b="1" dirty="0" smtClean="0"/>
-              <a:t>N1/numCores FFTs and </a:t>
-            </a:r>
-            <a:r>
-              <a:rPr lang="en-US" sz="2400" dirty="0" smtClean="0"/>
-              <a:t>implements</a:t>
-            </a:r>
-            <a:r>
-              <a:rPr lang="en-US" sz="2400" b="1" dirty="0" smtClean="0"/>
-              <a:t> matrix transpose before and after FFT computation</a:t>
-            </a:r>
-            <a:r>
-              <a:rPr lang="en-US" sz="2400" dirty="0" smtClean="0"/>
-              <a:t>.</a:t>
-            </a:r>
-          </a:p>
-          <a:p>
-            <a:pPr lvl="1" eaLnBrk="1" hangingPunct="1">
-              <a:buFontTx/>
-              <a:buNone/>
-            </a:pPr>
-            <a:endParaRPr lang="en-US" sz="2400" dirty="0" smtClean="0"/>
-          </a:p>
-        </p:txBody>
-      </p:sp>
-    </p:spTree>
-  </p:cSld>
-  <p:clrMapOvr>
-    <a:masterClrMapping/>
-  </p:clrMapOvr>
-  <p:timing>
-    <p:tnLst>
-      <p:par>
-        <p:cTn id="1" dur="indefinite" restart="never" nodeType="tmRoot"/>
-      </p:par>
-    </p:tnLst>
-  </p:timing>
-</p:sld>
-</file>
-
-<file path=ppt/slides/slide45.xml><?xml version="1.0" encoding="utf-8"?>
-<p:sld xmlns:a="http://schemas.openxmlformats.org/drawingml/2006/main" xmlns:r="http://schemas.openxmlformats.org/officeDocument/2006/relationships" xmlns:p="http://schemas.openxmlformats.org/presentationml/2006/main">
-  <p:cSld>
-    <p:spTree>
-      <p:nvGrpSpPr>
-        <p:cNvPr id="1" name=""/>
-        <p:cNvGrpSpPr/>
-        <p:nvPr/>
-      </p:nvGrpSpPr>
-      <p:grpSpPr>
-        <a:xfrm>
-          <a:off x="0" y="0"/>
-          <a:ext cx="0" cy="0"/>
-          <a:chOff x="0" y="0"/>
-          <a:chExt cx="0" cy="0"/>
-        </a:xfrm>
-      </p:grpSpPr>
-      <p:sp>
-        <p:nvSpPr>
-          <p:cNvPr id="14338" name="Rectangle 2"/>
-          <p:cNvSpPr>
-            <a:spLocks noGrp="1" noChangeArrowheads="1"/>
-          </p:cNvSpPr>
-          <p:nvPr>
-            <p:ph type="title"/>
-          </p:nvPr>
-        </p:nvSpPr>
-        <p:spPr>
-          <a:xfrm>
-            <a:off x="457200" y="274638"/>
-            <a:ext cx="8229600" cy="715962"/>
-          </a:xfrm>
-        </p:spPr>
-        <p:txBody>
-          <a:bodyPr/>
-          <a:lstStyle/>
-          <a:p>
-            <a:pPr eaLnBrk="1" hangingPunct="1"/>
-            <a:r>
-              <a:rPr lang="en-US" sz="4000" b="1" dirty="0" smtClean="0"/>
-              <a:t>Data Buffers</a:t>
-            </a:r>
-          </a:p>
-        </p:txBody>
-      </p:sp>
-      <p:sp>
-        <p:nvSpPr>
-          <p:cNvPr id="14339" name="Rectangle 3"/>
-          <p:cNvSpPr>
-            <a:spLocks noGrp="1" noChangeArrowheads="1"/>
-          </p:cNvSpPr>
-          <p:nvPr>
-            <p:ph idx="1"/>
-          </p:nvPr>
-        </p:nvSpPr>
-        <p:spPr>
-          <a:xfrm>
-            <a:off x="152400" y="1219200"/>
-            <a:ext cx="8915400" cy="4906963"/>
-          </a:xfrm>
-        </p:spPr>
-        <p:txBody>
-          <a:bodyPr/>
-          <a:lstStyle/>
-          <a:p>
-            <a:pPr eaLnBrk="1" hangingPunct="1"/>
-            <a:r>
-              <a:rPr lang="en-US" b="1" dirty="0" smtClean="0"/>
-              <a:t>DDR3: Three float complex arrays of size N</a:t>
-            </a:r>
-          </a:p>
-          <a:p>
-            <a:pPr lvl="1" eaLnBrk="1" hangingPunct="1"/>
-            <a:r>
-              <a:rPr lang="en-US" dirty="0" smtClean="0"/>
-              <a:t>Input buffer</a:t>
-            </a:r>
-          </a:p>
-          <a:p>
-            <a:pPr lvl="1" eaLnBrk="1" hangingPunct="1"/>
-            <a:r>
-              <a:rPr lang="en-US" dirty="0" smtClean="0"/>
-              <a:t>Output buffer</a:t>
-            </a:r>
-          </a:p>
-          <a:p>
-            <a:pPr lvl="1" eaLnBrk="1" hangingPunct="1"/>
-            <a:r>
-              <a:rPr lang="en-US" dirty="0" smtClean="0"/>
-              <a:t>Working buffer</a:t>
-            </a:r>
-          </a:p>
-          <a:p>
-            <a:pPr eaLnBrk="1" hangingPunct="1"/>
-            <a:r>
-              <a:rPr lang="en-US" b="1" dirty="0" smtClean="0"/>
-              <a:t>L2 SRAM: </a:t>
-            </a:r>
-          </a:p>
-          <a:p>
-            <a:pPr lvl="1" eaLnBrk="1" hangingPunct="1"/>
-            <a:r>
-              <a:rPr lang="en-US" dirty="0" smtClean="0"/>
-              <a:t>Two ping-pong buffers; Each buffer is the size of 16 FFT input/output</a:t>
-            </a:r>
-          </a:p>
-          <a:p>
-            <a:pPr lvl="1" eaLnBrk="1" hangingPunct="1"/>
-            <a:r>
-              <a:rPr lang="en-US" dirty="0" smtClean="0"/>
-              <a:t>Some working buffer</a:t>
-            </a:r>
-          </a:p>
-          <a:p>
-            <a:pPr lvl="1" eaLnBrk="1" hangingPunct="1"/>
-            <a:r>
-              <a:rPr lang="en-US" dirty="0" smtClean="0"/>
-              <a:t>Buffers for twiddle factors:</a:t>
-            </a:r>
-          </a:p>
-          <a:p>
-            <a:pPr lvl="2" eaLnBrk="1" hangingPunct="1"/>
-            <a:r>
-              <a:rPr lang="en-US" dirty="0" smtClean="0"/>
-              <a:t>Twiddle factors for N1 and N2 FFT</a:t>
-            </a:r>
-          </a:p>
-          <a:p>
-            <a:pPr lvl="2" eaLnBrk="1" hangingPunct="1"/>
-            <a:r>
-              <a:rPr lang="en-US" dirty="0" smtClean="0"/>
-              <a:t>N2 global twiddle factors</a:t>
-            </a:r>
-          </a:p>
-        </p:txBody>
-      </p:sp>
-    </p:spTree>
-  </p:cSld>
-  <p:clrMapOvr>
-    <a:masterClrMapping/>
-  </p:clrMapOvr>
-  <p:timing>
-    <p:tnLst>
-      <p:par>
-        <p:cTn id="1" dur="indefinite" restart="never" nodeType="tmRoot"/>
-      </p:par>
-    </p:tnLst>
-  </p:timing>
-</p:sld>
-</file>
-
-<file path=ppt/slides/slide46.xml><?xml version="1.0" encoding="utf-8"?>
-<p:sld xmlns:a="http://schemas.openxmlformats.org/drawingml/2006/main" xmlns:r="http://schemas.openxmlformats.org/officeDocument/2006/relationships" xmlns:p="http://schemas.openxmlformats.org/presentationml/2006/main">
-  <p:cSld>
-    <p:spTree>
-      <p:nvGrpSpPr>
-        <p:cNvPr id="1" name=""/>
-        <p:cNvGrpSpPr/>
-        <p:nvPr/>
-      </p:nvGrpSpPr>
-      <p:grpSpPr>
-        <a:xfrm>
-          <a:off x="0" y="0"/>
-          <a:ext cx="0" cy="0"/>
-          <a:chOff x="0" y="0"/>
-          <a:chExt cx="0" cy="0"/>
-        </a:xfrm>
-      </p:grpSpPr>
-      <p:sp>
-        <p:nvSpPr>
           <p:cNvPr id="4103" name="Rectangle 2"/>
           <p:cNvSpPr>
             <a:spLocks noGrp="1" noChangeArrowheads="1"/>
@@ -26423,7 +25012,21 @@
                 <a:latin typeface="Calibri" pitchFamily="34" charset="0"/>
                 <a:cs typeface="Calibri" pitchFamily="34" charset="0"/>
               </a:rPr>
-              <a:t>N1 are actually pre-computed and saved.</a:t>
+              <a:t>N1 </a:t>
+            </a:r>
+            <a:r>
+              <a:rPr lang="en-US" sz="2800" b="0" dirty="0" smtClean="0">
+                <a:latin typeface="Calibri" pitchFamily="34" charset="0"/>
+                <a:cs typeface="Calibri" pitchFamily="34" charset="0"/>
+              </a:rPr>
+              <a:t>(N2 is N2&gt;N1) are </a:t>
+            </a:r>
+            <a:r>
+              <a:rPr lang="en-US" sz="2800" b="0" dirty="0">
+                <a:latin typeface="Calibri" pitchFamily="34" charset="0"/>
+                <a:cs typeface="Calibri" pitchFamily="34" charset="0"/>
+              </a:rPr>
+              <a:t>actually pre-computed and saved.</a:t>
             </a:r>
           </a:p>
         </p:txBody>
@@ -26529,6 +25132,277 @@
 </p:sld>
 </file>
 
+<file path=ppt/slides/slide45.xml><?xml version="1.0" encoding="utf-8"?>
+<p:sld xmlns:a="http://schemas.openxmlformats.org/drawingml/2006/main" xmlns:r="http://schemas.openxmlformats.org/officeDocument/2006/relationships" xmlns:p="http://schemas.openxmlformats.org/presentationml/2006/main">
+  <p:cSld>
+    <p:spTree>
+      <p:nvGrpSpPr>
+        <p:cNvPr id="1" name=""/>
+        <p:cNvGrpSpPr/>
+        <p:nvPr/>
+      </p:nvGrpSpPr>
+      <p:grpSpPr>
+        <a:xfrm>
+          <a:off x="0" y="0"/>
+          <a:ext cx="0" cy="0"/>
+          <a:chOff x="0" y="0"/>
+          <a:chExt cx="0" cy="0"/>
+        </a:xfrm>
+      </p:grpSpPr>
+      <p:sp>
+        <p:nvSpPr>
+          <p:cNvPr id="15362" name="Rectangle 2"/>
+          <p:cNvSpPr>
+            <a:spLocks noGrp="1" noChangeArrowheads="1"/>
+          </p:cNvSpPr>
+          <p:nvPr>
+            <p:ph type="title"/>
+          </p:nvPr>
+        </p:nvSpPr>
+        <p:spPr>
+          <a:xfrm>
+            <a:off x="457200" y="274638"/>
+            <a:ext cx="8229600" cy="792162"/>
+          </a:xfrm>
+        </p:spPr>
+        <p:txBody>
+          <a:bodyPr/>
+          <a:lstStyle/>
+          <a:p>
+            <a:pPr eaLnBrk="1" hangingPunct="1"/>
+            <a:r>
+              <a:rPr lang="en-US" dirty="0" smtClean="0"/>
+              <a:t>DMA Scheme</a:t>
+            </a:r>
+          </a:p>
+        </p:txBody>
+      </p:sp>
+      <p:sp>
+        <p:nvSpPr>
+          <p:cNvPr id="15363" name="Rectangle 3"/>
+          <p:cNvSpPr>
+            <a:spLocks noGrp="1" noChangeArrowheads="1"/>
+          </p:cNvSpPr>
+          <p:nvPr>
+            <p:ph idx="1"/>
+          </p:nvPr>
+        </p:nvSpPr>
+        <p:spPr>
+          <a:xfrm>
+            <a:off x="228600" y="1295400"/>
+            <a:ext cx="8686800" cy="5105400"/>
+          </a:xfrm>
+        </p:spPr>
+        <p:txBody>
+          <a:bodyPr/>
+          <a:lstStyle/>
+          <a:p>
+            <a:pPr eaLnBrk="1" hangingPunct="1">
+              <a:lnSpc>
+                <a:spcPct val="90000"/>
+              </a:lnSpc>
+            </a:pPr>
+            <a:r>
+              <a:rPr lang="en-US" dirty="0" smtClean="0"/>
+              <a:t>Each core has dedicated in/out DMA channels.</a:t>
+            </a:r>
+          </a:p>
+          <a:p>
+            <a:pPr eaLnBrk="1" hangingPunct="1">
+              <a:lnSpc>
+                <a:spcPct val="90000"/>
+              </a:lnSpc>
+            </a:pPr>
+            <a:r>
+              <a:rPr lang="en-US" dirty="0" smtClean="0"/>
+              <a:t>Each core configures and triggers its own DMA channels for input/output.</a:t>
+            </a:r>
+          </a:p>
+          <a:p>
+            <a:pPr eaLnBrk="1" hangingPunct="1">
+              <a:lnSpc>
+                <a:spcPct val="90000"/>
+              </a:lnSpc>
+            </a:pPr>
+            <a:r>
+              <a:rPr lang="en-US" dirty="0" smtClean="0"/>
+              <a:t>On each core, the processing is divided into blocks of 8 FFT each.</a:t>
+            </a:r>
+          </a:p>
+          <a:p>
+            <a:pPr eaLnBrk="1" hangingPunct="1">
+              <a:lnSpc>
+                <a:spcPct val="90000"/>
+              </a:lnSpc>
+            </a:pPr>
+            <a:r>
+              <a:rPr lang="en-US" dirty="0" smtClean="0"/>
+              <a:t>For each block on every core:</a:t>
+            </a:r>
+          </a:p>
+          <a:p>
+            <a:pPr lvl="1" eaLnBrk="1" hangingPunct="1">
+              <a:lnSpc>
+                <a:spcPct val="90000"/>
+              </a:lnSpc>
+            </a:pPr>
+            <a:r>
+              <a:rPr lang="en-US" dirty="0" smtClean="0"/>
+              <a:t>DMA transfers 8 lines of FFT input</a:t>
+            </a:r>
+          </a:p>
+          <a:p>
+            <a:pPr lvl="1" eaLnBrk="1" hangingPunct="1">
+              <a:lnSpc>
+                <a:spcPct val="90000"/>
+              </a:lnSpc>
+            </a:pPr>
+            <a:r>
+              <a:rPr lang="en-US" dirty="0" smtClean="0"/>
+              <a:t>DSP computes FFT/transpose</a:t>
+            </a:r>
+          </a:p>
+          <a:p>
+            <a:pPr lvl="1" eaLnBrk="1" hangingPunct="1">
+              <a:lnSpc>
+                <a:spcPct val="90000"/>
+              </a:lnSpc>
+            </a:pPr>
+            <a:r>
+              <a:rPr lang="en-US" dirty="0" smtClean="0"/>
+              <a:t>DMA transfers 8 lines of FFT output</a:t>
+            </a:r>
+          </a:p>
+        </p:txBody>
+      </p:sp>
+    </p:spTree>
+  </p:cSld>
+  <p:clrMapOvr>
+    <a:masterClrMapping/>
+  </p:clrMapOvr>
+</p:sld>
+</file>
+
+<file path=ppt/slides/slide46.xml><?xml version="1.0" encoding="utf-8"?>
+<p:sld xmlns:a="http://schemas.openxmlformats.org/drawingml/2006/main" xmlns:r="http://schemas.openxmlformats.org/officeDocument/2006/relationships" xmlns:p="http://schemas.openxmlformats.org/presentationml/2006/main">
+  <p:cSld>
+    <p:spTree>
+      <p:nvGrpSpPr>
+        <p:cNvPr id="1" name=""/>
+        <p:cNvGrpSpPr/>
+        <p:nvPr/>
+      </p:nvGrpSpPr>
+      <p:grpSpPr>
+        <a:xfrm>
+          <a:off x="0" y="0"/>
+          <a:ext cx="0" cy="0"/>
+          <a:chOff x="0" y="0"/>
+          <a:chExt cx="0" cy="0"/>
+        </a:xfrm>
+      </p:grpSpPr>
+      <p:sp>
+        <p:nvSpPr>
+          <p:cNvPr id="17410" name="Rectangle 2"/>
+          <p:cNvSpPr>
+            <a:spLocks noGrp="1" noChangeArrowheads="1"/>
+          </p:cNvSpPr>
+          <p:nvPr>
+            <p:ph type="title"/>
+          </p:nvPr>
+        </p:nvSpPr>
+        <p:spPr/>
+        <p:txBody>
+          <a:bodyPr/>
+          <a:lstStyle/>
+          <a:p>
+            <a:pPr eaLnBrk="1" hangingPunct="1"/>
+            <a:r>
+              <a:rPr lang="en-US" dirty="0" smtClean="0"/>
+              <a:t>Matrix Transpose</a:t>
+            </a:r>
+          </a:p>
+        </p:txBody>
+      </p:sp>
+      <p:sp>
+        <p:nvSpPr>
+          <p:cNvPr id="17411" name="Rectangle 3"/>
+          <p:cNvSpPr>
+            <a:spLocks noGrp="1" noChangeArrowheads="1"/>
+          </p:cNvSpPr>
+          <p:nvPr>
+            <p:ph idx="1"/>
+          </p:nvPr>
+        </p:nvSpPr>
+        <p:spPr/>
+        <p:txBody>
+          <a:bodyPr/>
+          <a:lstStyle/>
+          <a:p>
+            <a:pPr eaLnBrk="1" hangingPunct="1"/>
+            <a:r>
+              <a:rPr lang="en-US" dirty="0" smtClean="0"/>
+              <a:t>The transpose is required for the following matrixes from each core:</a:t>
+            </a:r>
+          </a:p>
+          <a:p>
+            <a:pPr lvl="1" eaLnBrk="1" hangingPunct="1"/>
+            <a:r>
+              <a:rPr lang="en-US" dirty="0" smtClean="0"/>
+              <a:t>N1x8 -&gt; 8xN1</a:t>
+            </a:r>
+          </a:p>
+          <a:p>
+            <a:pPr lvl="1" eaLnBrk="1" hangingPunct="1"/>
+            <a:r>
+              <a:rPr lang="en-US" dirty="0" smtClean="0"/>
+              <a:t>N2x8 -&gt; 8xN2</a:t>
+            </a:r>
+          </a:p>
+          <a:p>
+            <a:pPr lvl="1" eaLnBrk="1" hangingPunct="1"/>
+            <a:r>
+              <a:rPr lang="en-US" dirty="0" smtClean="0"/>
+              <a:t>8xN2 -&gt; N2x8</a:t>
+            </a:r>
+          </a:p>
+          <a:p>
+            <a:pPr eaLnBrk="1" hangingPunct="1"/>
+            <a:r>
+              <a:rPr lang="en-US" dirty="0" smtClean="0"/>
+              <a:t>DSP computes matrix transpose from L2 SRAM</a:t>
+            </a:r>
+          </a:p>
+          <a:p>
+            <a:pPr lvl="1" eaLnBrk="1" hangingPunct="1"/>
+            <a:r>
+              <a:rPr lang="en-US" dirty="0" smtClean="0"/>
+              <a:t>DMA brings samples from DDR to L2 SRAM</a:t>
+            </a:r>
+          </a:p>
+          <a:p>
+            <a:pPr lvl="1" eaLnBrk="1" hangingPunct="1"/>
+            <a:r>
+              <a:rPr lang="en-US" dirty="0" smtClean="0"/>
+              <a:t>DSP implements transpose for matrixes in L2 SRAM</a:t>
+            </a:r>
+          </a:p>
+          <a:p>
+            <a:pPr lvl="1" eaLnBrk="1" hangingPunct="1"/>
+            <a:r>
+              <a:rPr lang="en-US" dirty="0" smtClean="0"/>
+              <a:t>32K L1 Cache</a:t>
+            </a:r>
+          </a:p>
+        </p:txBody>
+      </p:sp>
+    </p:spTree>
+  </p:cSld>
+  <p:clrMapOvr>
+    <a:masterClrMapping/>
+  </p:clrMapOvr>
+</p:sld>
+</file>
+
 <file path=ppt/slides/slide47.xml><?xml version="1.0" encoding="utf-8"?>
 <p:sld xmlns:a="http://schemas.openxmlformats.org/drawingml/2006/main" xmlns:r="http://schemas.openxmlformats.org/officeDocument/2006/relationships" xmlns:p="http://schemas.openxmlformats.org/presentationml/2006/main">
   <p:cSld>
@@ -26548,7 +25422,7 @@
       </p:grpSpPr>
       <p:sp>
         <p:nvSpPr>
-          <p:cNvPr id="15362" name="Rectangle 2"/>
+          <p:cNvPr id="18434" name="Rectangle 2"/>
           <p:cNvSpPr>
             <a:spLocks noGrp="1" noChangeArrowheads="1"/>
           </p:cNvSpPr>
@@ -26569,14 +25443,14 @@
             <a:pPr eaLnBrk="1" hangingPunct="1"/>
             <a:r>
               <a:rPr lang="en-US" dirty="0" smtClean="0"/>
-              <a:t>DMA Scheme</a:t>
-            </a:r>
-          </a:p>
-        </p:txBody>
-      </p:sp>
-      <p:sp>
-        <p:nvSpPr>
-          <p:cNvPr id="15363" name="Rectangle 3"/>
+              <a:t>Major Kernels</a:t>
+            </a:r>
+          </a:p>
+        </p:txBody>
+      </p:sp>
+      <p:sp>
+        <p:nvSpPr>
+          <p:cNvPr id="18435" name="Rectangle 3"/>
           <p:cNvSpPr>
             <a:spLocks noGrp="1" noChangeArrowheads="1"/>
           </p:cNvSpPr>
@@ -26587,87 +25461,31 @@
         <p:spPr>
           <a:xfrm>
             <a:off x="228600" y="1295400"/>
-            <a:ext cx="8686800" cy="5105400"/>
+            <a:ext cx="8686800" cy="4830763"/>
           </a:xfrm>
         </p:spPr>
         <p:txBody>
           <a:bodyPr/>
           <a:lstStyle/>
           <a:p>
-            <a:pPr eaLnBrk="1" hangingPunct="1">
-              <a:lnSpc>
-                <a:spcPct val="90000"/>
-              </a:lnSpc>
-            </a:pPr>
+            <a:pPr eaLnBrk="1" hangingPunct="1"/>
             <a:r>
               <a:rPr lang="en-US" dirty="0" smtClean="0"/>
-              <a:t>Each core has dedicated in/out DMA channels.</a:t>
-            </a:r>
-          </a:p>
-          <a:p>
-            <a:pPr eaLnBrk="1" hangingPunct="1">
-              <a:lnSpc>
-                <a:spcPct val="90000"/>
-              </a:lnSpc>
-            </a:pPr>
+              <a:t>FFT: single-precision, floating-point FFT from c66x DSPLIB</a:t>
+            </a:r>
+          </a:p>
+          <a:p>
+            <a:pPr eaLnBrk="1" hangingPunct="1"/>
             <a:r>
               <a:rPr lang="en-US" dirty="0" smtClean="0"/>
-              <a:t>Each core configures and triggers its own DMA channels for input/output.</a:t>
-            </a:r>
-          </a:p>
-          <a:p>
-            <a:pPr eaLnBrk="1" hangingPunct="1">
-              <a:lnSpc>
-                <a:spcPct val="90000"/>
-              </a:lnSpc>
-            </a:pPr>
+              <a:t>Global twiddle factor compute and multiplication: 1 cycle per complex sample</a:t>
+            </a:r>
+          </a:p>
+          <a:p>
+            <a:pPr eaLnBrk="1" hangingPunct="1"/>
             <a:r>
               <a:rPr lang="en-US" dirty="0" smtClean="0"/>
-              <a:t>On each core, the processing is divided into blocks of 8 FFT each.</a:t>
-            </a:r>
-          </a:p>
-          <a:p>
-            <a:pPr eaLnBrk="1" hangingPunct="1">
-              <a:lnSpc>
-                <a:spcPct val="90000"/>
-              </a:lnSpc>
-            </a:pPr>
-            <a:r>
-              <a:rPr lang="en-US" dirty="0" smtClean="0"/>
-              <a:t>For each block on every core:</a:t>
-            </a:r>
-          </a:p>
-          <a:p>
-            <a:pPr lvl="1" eaLnBrk="1" hangingPunct="1">
-              <a:lnSpc>
-                <a:spcPct val="90000"/>
-              </a:lnSpc>
-            </a:pPr>
-            <a:r>
-              <a:rPr lang="en-US" dirty="0" smtClean="0"/>
-              <a:t>DMA transfers 8 lines of FFT input</a:t>
-            </a:r>
-          </a:p>
-          <a:p>
-            <a:pPr lvl="1" eaLnBrk="1" hangingPunct="1">
-              <a:lnSpc>
-                <a:spcPct val="90000"/>
-              </a:lnSpc>
-            </a:pPr>
-            <a:r>
-              <a:rPr lang="en-US" dirty="0" smtClean="0"/>
-              <a:t>DSP computes FFT/transpose</a:t>
-            </a:r>
-          </a:p>
-          <a:p>
-            <a:pPr lvl="1" eaLnBrk="1" hangingPunct="1">
-              <a:lnSpc>
-                <a:spcPct val="90000"/>
-              </a:lnSpc>
-            </a:pPr>
-            <a:r>
-              <a:rPr lang="en-US" dirty="0" smtClean="0"/>
-              <a:t>DMA transfers 8 lines of FFT output</a:t>
+              <a:t>Transpose: 1 cycle per complex sample</a:t>
             </a:r>
           </a:p>
         </p:txBody>
@@ -26699,7 +25517,7 @@
       </p:grpSpPr>
       <p:sp>
         <p:nvSpPr>
-          <p:cNvPr id="17410" name="Rectangle 2"/>
+          <p:cNvPr id="19458" name="Rectangle 2"/>
           <p:cNvSpPr>
             <a:spLocks noGrp="1" noChangeArrowheads="1"/>
           </p:cNvSpPr>
@@ -26715,14 +25533,14 @@
             <a:pPr eaLnBrk="1" hangingPunct="1"/>
             <a:r>
               <a:rPr lang="en-US" dirty="0" smtClean="0"/>
-              <a:t>Matrix Transpose</a:t>
-            </a:r>
-          </a:p>
-        </p:txBody>
-      </p:sp>
-      <p:sp>
-        <p:nvSpPr>
-          <p:cNvPr id="17411" name="Rectangle 3"/>
+              <a:t>Major Software Tools</a:t>
+            </a:r>
+          </a:p>
+        </p:txBody>
+      </p:sp>
+      <p:sp>
+        <p:nvSpPr>
+          <p:cNvPr id="19459" name="Rectangle 3"/>
           <p:cNvSpPr>
             <a:spLocks noGrp="1" noChangeArrowheads="1"/>
           </p:cNvSpPr>
@@ -26738,56 +25556,21 @@
             <a:pPr eaLnBrk="1" hangingPunct="1"/>
             <a:r>
               <a:rPr lang="en-US" dirty="0" smtClean="0"/>
-              <a:t>The transpose is required for the following matrixes from each core:</a:t>
-            </a:r>
-          </a:p>
-          <a:p>
-            <a:pPr lvl="1" eaLnBrk="1" hangingPunct="1"/>
+              <a:t>SYS BIOS 6</a:t>
+            </a:r>
+          </a:p>
+          <a:p>
+            <a:pPr eaLnBrk="1" hangingPunct="1"/>
             <a:r>
               <a:rPr lang="en-US" dirty="0" smtClean="0"/>
-              <a:t>N1x8 -&gt; 8xN1</a:t>
-            </a:r>
-          </a:p>
-          <a:p>
-            <a:pPr lvl="1" eaLnBrk="1" hangingPunct="1"/>
+              <a:t>CSL for EDMA configuration</a:t>
+            </a:r>
+          </a:p>
+          <a:p>
+            <a:pPr eaLnBrk="1" hangingPunct="1"/>
             <a:r>
               <a:rPr lang="en-US" dirty="0" smtClean="0"/>
-              <a:t>N2x8 -&gt; 8xN2</a:t>
-            </a:r>
-          </a:p>
-          <a:p>
-            <a:pPr lvl="1" eaLnBrk="1" hangingPunct="1"/>
-            <a:r>
-              <a:rPr lang="en-US" dirty="0" smtClean="0"/>
-              <a:t>8xN2 -&gt; N2x8</a:t>
-            </a:r>
-          </a:p>
-          <a:p>
-            <a:pPr eaLnBrk="1" hangingPunct="1"/>
-            <a:r>
-              <a:rPr lang="en-US" dirty="0" smtClean="0"/>
-              <a:t>DSP computes matrix transpose from L2 SRAM</a:t>
-            </a:r>
-          </a:p>
-          <a:p>
-            <a:pPr lvl="1" eaLnBrk="1" hangingPunct="1"/>
-            <a:r>
-              <a:rPr lang="en-US" dirty="0" smtClean="0"/>
-              <a:t>DMA brings samples from DDR to L2 SRAM</a:t>
-            </a:r>
-          </a:p>
-          <a:p>
-            <a:pPr lvl="1" eaLnBrk="1" hangingPunct="1"/>
-            <a:r>
-              <a:rPr lang="en-US" dirty="0" smtClean="0"/>
-              <a:t>DSP implements transpose for matrixes in L2 SRAM</a:t>
-            </a:r>
-          </a:p>
-          <a:p>
-            <a:pPr lvl="1" eaLnBrk="1" hangingPunct="1"/>
-            <a:r>
-              <a:rPr lang="en-US" dirty="0" smtClean="0"/>
-              <a:t>32K L1 Cache</a:t>
+              <a:t>IPC for inter-processor communication </a:t>
             </a:r>
           </a:p>
         </p:txBody>
@@ -26819,7 +25602,7 @@
       </p:grpSpPr>
       <p:sp>
         <p:nvSpPr>
-          <p:cNvPr id="18434" name="Rectangle 2"/>
+          <p:cNvPr id="20482" name="Rectangle 2"/>
           <p:cNvSpPr>
             <a:spLocks noGrp="1" noChangeArrowheads="1"/>
           </p:cNvSpPr>
@@ -26827,12 +25610,7 @@
             <p:ph type="title"/>
           </p:nvPr>
         </p:nvSpPr>
-        <p:spPr>
-          <a:xfrm>
-            <a:off x="457200" y="274638"/>
-            <a:ext cx="8229600" cy="792162"/>
-          </a:xfrm>
-        </p:spPr>
+        <p:spPr/>
         <p:txBody>
           <a:bodyPr/>
           <a:lstStyle/>
@@ -26840,14 +25618,14 @@
             <a:pPr eaLnBrk="1" hangingPunct="1"/>
             <a:r>
               <a:rPr lang="en-US" dirty="0" smtClean="0"/>
-              <a:t>Major Kernels</a:t>
-            </a:r>
-          </a:p>
-        </p:txBody>
-      </p:sp>
-      <p:sp>
-        <p:nvSpPr>
-          <p:cNvPr id="18435" name="Rectangle 3"/>
+              <a:t>Conclusion</a:t>
+            </a:r>
+          </a:p>
+        </p:txBody>
+      </p:sp>
+      <p:sp>
+        <p:nvSpPr>
+          <p:cNvPr id="20483" name="Rectangle 3"/>
           <p:cNvSpPr>
             <a:spLocks noGrp="1" noChangeArrowheads="1"/>
           </p:cNvSpPr>
@@ -26855,12 +25633,7 @@
             <p:ph idx="1"/>
           </p:nvPr>
         </p:nvSpPr>
-        <p:spPr>
-          <a:xfrm>
-            <a:off x="228600" y="1295400"/>
-            <a:ext cx="8686800" cy="4830763"/>
-          </a:xfrm>
-        </p:spPr>
+        <p:spPr/>
         <p:txBody>
           <a:bodyPr/>
           <a:lstStyle/>
@@ -26868,22 +25641,14 @@
             <a:pPr eaLnBrk="1" hangingPunct="1"/>
             <a:r>
               <a:rPr lang="en-US" dirty="0" smtClean="0"/>
-              <a:t>FFT: single-precision, floating-point FFT from c66x DSPLIB</a:t>
-            </a:r>
-          </a:p>
-          <a:p>
-            <a:pPr eaLnBrk="1" hangingPunct="1"/>
-            <a:r>
-              <a:rPr lang="en-US" dirty="0" smtClean="0"/>
-              <a:t>Global twiddle factor compute and multiplication: 1 cycle per complex sample</a:t>
-            </a:r>
-          </a:p>
-          <a:p>
-            <a:pPr eaLnBrk="1" hangingPunct="1"/>
-            <a:r>
-              <a:rPr lang="en-US" dirty="0" smtClean="0"/>
-              <a:t>Transpose: 1 cycle per complex sample</a:t>
-            </a:r>
+              <a:t>After the demo …</a:t>
+            </a:r>
+          </a:p>
+          <a:p>
+            <a:pPr eaLnBrk="1" hangingPunct="1">
+              <a:buNone/>
+            </a:pPr>
+            <a:endParaRPr lang="en-US" dirty="0" smtClean="0"/>
           </a:p>
         </p:txBody>
       </p:sp>
@@ -27064,168 +25829,6 @@
 </p:sld>
 </file>
 
-<file path=ppt/slides/slide50.xml><?xml version="1.0" encoding="utf-8"?>
-<p:sld xmlns:a="http://schemas.openxmlformats.org/drawingml/2006/main" xmlns:r="http://schemas.openxmlformats.org/officeDocument/2006/relationships" xmlns:p="http://schemas.openxmlformats.org/presentationml/2006/main">
-  <p:cSld>
-    <p:spTree>
-      <p:nvGrpSpPr>
-        <p:cNvPr id="1" name=""/>
-        <p:cNvGrpSpPr/>
-        <p:nvPr/>
-      </p:nvGrpSpPr>
-      <p:grpSpPr>
-        <a:xfrm>
-          <a:off x="0" y="0"/>
-          <a:ext cx="0" cy="0"/>
-          <a:chOff x="0" y="0"/>
-          <a:chExt cx="0" cy="0"/>
-        </a:xfrm>
-      </p:grpSpPr>
-      <p:sp>
-        <p:nvSpPr>
-          <p:cNvPr id="19458" name="Rectangle 2"/>
-          <p:cNvSpPr>
-            <a:spLocks noGrp="1" noChangeArrowheads="1"/>
-          </p:cNvSpPr>
-          <p:nvPr>
-            <p:ph type="title"/>
-          </p:nvPr>
-        </p:nvSpPr>
-        <p:spPr/>
-        <p:txBody>
-          <a:bodyPr/>
-          <a:lstStyle/>
-          <a:p>
-            <a:pPr eaLnBrk="1" hangingPunct="1"/>
-            <a:r>
-              <a:rPr lang="en-US" dirty="0" smtClean="0"/>
-              <a:t>Major Software Tools</a:t>
-            </a:r>
-          </a:p>
-        </p:txBody>
-      </p:sp>
-      <p:sp>
-        <p:nvSpPr>
-          <p:cNvPr id="19459" name="Rectangle 3"/>
-          <p:cNvSpPr>
-            <a:spLocks noGrp="1" noChangeArrowheads="1"/>
-          </p:cNvSpPr>
-          <p:nvPr>
-            <p:ph idx="1"/>
-          </p:nvPr>
-        </p:nvSpPr>
-        <p:spPr/>
-        <p:txBody>
-          <a:bodyPr/>
-          <a:lstStyle/>
-          <a:p>
-            <a:pPr eaLnBrk="1" hangingPunct="1"/>
-            <a:r>
-              <a:rPr lang="en-US" dirty="0" smtClean="0"/>
-              <a:t>SYS BIOS 6</a:t>
-            </a:r>
-          </a:p>
-          <a:p>
-            <a:pPr eaLnBrk="1" hangingPunct="1"/>
-            <a:r>
-              <a:rPr lang="en-US" dirty="0" smtClean="0"/>
-              <a:t>CSL for EDMA configuration</a:t>
-            </a:r>
-          </a:p>
-          <a:p>
-            <a:pPr eaLnBrk="1" hangingPunct="1"/>
-            <a:r>
-              <a:rPr lang="en-US" dirty="0" smtClean="0"/>
-              <a:t>IPC for inter-processor communication </a:t>
-            </a:r>
-          </a:p>
-        </p:txBody>
-      </p:sp>
-    </p:spTree>
-  </p:cSld>
-  <p:clrMapOvr>
-    <a:masterClrMapping/>
-  </p:clrMapOvr>
-</p:sld>
-</file>
-
-<file path=ppt/slides/slide51.xml><?xml version="1.0" encoding="utf-8"?>
-<p:sld xmlns:a="http://schemas.openxmlformats.org/drawingml/2006/main" xmlns:r="http://schemas.openxmlformats.org/officeDocument/2006/relationships" xmlns:p="http://schemas.openxmlformats.org/presentationml/2006/main">
-  <p:cSld>
-    <p:spTree>
-      <p:nvGrpSpPr>
-        <p:cNvPr id="1" name=""/>
-        <p:cNvGrpSpPr/>
-        <p:nvPr/>
-      </p:nvGrpSpPr>
-      <p:grpSpPr>
-        <a:xfrm>
-          <a:off x="0" y="0"/>
-          <a:ext cx="0" cy="0"/>
-          <a:chOff x="0" y="0"/>
-          <a:chExt cx="0" cy="0"/>
-        </a:xfrm>
-      </p:grpSpPr>
-      <p:sp>
-        <p:nvSpPr>
-          <p:cNvPr id="20482" name="Rectangle 2"/>
-          <p:cNvSpPr>
-            <a:spLocks noGrp="1" noChangeArrowheads="1"/>
-          </p:cNvSpPr>
-          <p:nvPr>
-            <p:ph type="title"/>
-          </p:nvPr>
-        </p:nvSpPr>
-        <p:spPr/>
-        <p:txBody>
-          <a:bodyPr/>
-          <a:lstStyle/>
-          <a:p>
-            <a:pPr eaLnBrk="1" hangingPunct="1"/>
-            <a:r>
-              <a:rPr lang="en-US" dirty="0" smtClean="0"/>
-              <a:t>Conclusion</a:t>
-            </a:r>
-          </a:p>
-        </p:txBody>
-      </p:sp>
-      <p:sp>
-        <p:nvSpPr>
-          <p:cNvPr id="20483" name="Rectangle 3"/>
-          <p:cNvSpPr>
-            <a:spLocks noGrp="1" noChangeArrowheads="1"/>
-          </p:cNvSpPr>
-          <p:nvPr>
-            <p:ph idx="1"/>
-          </p:nvPr>
-        </p:nvSpPr>
-        <p:spPr/>
-        <p:txBody>
-          <a:bodyPr/>
-          <a:lstStyle/>
-          <a:p>
-            <a:pPr eaLnBrk="1" hangingPunct="1"/>
-            <a:r>
-              <a:rPr lang="en-US" dirty="0" smtClean="0"/>
-              <a:t>After the demo …</a:t>
-            </a:r>
-          </a:p>
-          <a:p>
-            <a:pPr eaLnBrk="1" hangingPunct="1">
-              <a:buNone/>
-            </a:pPr>
-            <a:endParaRPr lang="en-US" dirty="0" smtClean="0"/>
-          </a:p>
-        </p:txBody>
-      </p:sp>
-    </p:spTree>
-  </p:cSld>
-  <p:clrMapOvr>
-    <a:masterClrMapping/>
-  </p:clrMapOvr>
-</p:sld>
-</file>
-
 <file path=ppt/slides/slide6.xml><?xml version="1.0" encoding="utf-8"?>
 <p:sld xmlns:a="http://schemas.openxmlformats.org/drawingml/2006/main" xmlns:r="http://schemas.openxmlformats.org/officeDocument/2006/relationships" xmlns:p="http://schemas.openxmlformats.org/presentationml/2006/main">
   <p:cSld>
@@ -27454,21 +26057,6 @@
               <a:buFontTx/>
               <a:buChar char="•"/>
             </a:pPr>
-            <a:r>
-              <a:rPr lang="en-US" altLang="zh-CN" sz="2400" b="0" dirty="0" smtClean="0">
-                <a:ea typeface="SimSun" charset="-122"/>
-              </a:rPr>
-              <a:t>What are your applications?</a:t>
-            </a:r>
-          </a:p>
-          <a:p>
-            <a:pPr marL="342900" indent="-342900" eaLnBrk="0" hangingPunct="0">
-              <a:spcBef>
-                <a:spcPct val="20000"/>
-              </a:spcBef>
-              <a:buFontTx/>
-              <a:buChar char="•"/>
-            </a:pPr>
             <a:endParaRPr lang="en-US" altLang="zh-CN" sz="2000" b="0" dirty="0">
               <a:ea typeface="SimSun" charset="-122"/>
             </a:endParaRPr>
@@ -27490,8 +26078,6 @@
               <a:spcBef>
                 <a:spcPct val="20000"/>
               </a:spcBef>
-              <a:buFontTx/>
-              <a:buChar char="•"/>
             </a:pPr>
             <a:endParaRPr lang="en-US" altLang="zh-CN" sz="2400" b="0" dirty="0">
               <a:ea typeface="SimSun" charset="-122"/>
@@ -27617,8 +26203,19 @@
           <a:p>
             <a:r>
               <a:rPr lang="en-US" dirty="0" smtClean="0"/>
-              <a:t>Typical applications consist of many small independent threads.</a:t>
-            </a:r>
+              <a:t>Typical applications consist of many small independent threads</a:t>
+            </a:r>
+            <a:r>
+              <a:rPr lang="en-US" dirty="0" smtClean="0"/>
+              <a:t>.</a:t>
+            </a:r>
+          </a:p>
+          <a:p>
+            <a:r>
+              <a:rPr lang="en-US" dirty="0" smtClean="0"/>
+              <a:t>Note, for KeyStone II, the ARM core can be the master core and DSP cores be the slaves</a:t>
+            </a:r>
+            <a:endParaRPr lang="en-US" dirty="0" smtClean="0"/>
           </a:p>
           <a:p>
             <a:pPr lvl="1">

--- a/trunk/slides/KeyStone Multicore Design.pptx
+++ b/trunk/slides/KeyStone Multicore Design.pptx
@@ -7717,6 +7717,54 @@
           <a:chExt cx="0" cy="0"/>
         </a:xfrm>
       </p:grpSpPr>
+      <p:sp>
+        <p:nvSpPr>
+          <p:cNvPr id="2" name="Rectangle 6"/>
+          <p:cNvSpPr>
+            <a:spLocks noGrp="1" noChangeArrowheads="1"/>
+          </p:cNvSpPr>
+          <p:nvPr>
+            <p:ph type="sldNum" sz="quarter" idx="4"/>
+          </p:nvPr>
+        </p:nvSpPr>
+        <p:spPr bwMode="auto">
+          <a:xfrm>
+            <a:off x="6642100" y="6049963"/>
+            <a:ext cx="2133600" cy="206375"/>
+          </a:xfrm>
+          <a:prstGeom prst="rect">
+            <a:avLst/>
+          </a:prstGeom>
+          <a:noFill/>
+          <a:ln w="9525">
+            <a:noFill/>
+            <a:miter lim="800000"/>
+            <a:headEnd/>
+            <a:tailEnd/>
+          </a:ln>
+          <a:effectLst/>
+        </p:spPr>
+        <p:txBody>
+          <a:bodyPr vert="horz" wrap="square" lIns="91440" tIns="45720" rIns="91440" bIns="45720" numCol="1" anchor="t" anchorCtr="0" compatLnSpc="1">
+            <a:prstTxWarp prst="textNoShape">
+              <a:avLst/>
+            </a:prstTxWarp>
+          </a:bodyPr>
+          <a:lstStyle>
+            <a:lvl1pPr algn="r">
+              <a:defRPr sz="800"/>
+            </a:lvl1pPr>
+          </a:lstStyle>
+          <a:p>
+            <a:fld id="{3144B24B-BAB1-431A-82C6-36E096187F50}" type="slidenum">
+              <a:rPr lang="en-US"/>
+              <a:pPr/>
+              <a:t>‹#›</a:t>
+            </a:fld>
+            <a:endParaRPr lang="en-US" dirty="0"/>
+          </a:p>
+        </p:txBody>
+      </p:sp>
     </p:spTree>
   </p:cSld>
   <p:clrMapOvr>
@@ -7945,6 +7993,54 @@
           </a:p>
         </p:txBody>
       </p:sp>
+      <p:sp>
+        <p:nvSpPr>
+          <p:cNvPr id="5" name="Rectangle 6"/>
+          <p:cNvSpPr>
+            <a:spLocks noGrp="1" noChangeArrowheads="1"/>
+          </p:cNvSpPr>
+          <p:nvPr>
+            <p:ph type="sldNum" sz="quarter" idx="4"/>
+          </p:nvPr>
+        </p:nvSpPr>
+        <p:spPr bwMode="auto">
+          <a:xfrm>
+            <a:off x="6642100" y="6066897"/>
+            <a:ext cx="2133600" cy="206375"/>
+          </a:xfrm>
+          <a:prstGeom prst="rect">
+            <a:avLst/>
+          </a:prstGeom>
+          <a:noFill/>
+          <a:ln w="9525">
+            <a:noFill/>
+            <a:miter lim="800000"/>
+            <a:headEnd/>
+            <a:tailEnd/>
+          </a:ln>
+          <a:effectLst/>
+        </p:spPr>
+        <p:txBody>
+          <a:bodyPr vert="horz" wrap="square" lIns="91440" tIns="45720" rIns="91440" bIns="45720" numCol="1" anchor="t" anchorCtr="0" compatLnSpc="1">
+            <a:prstTxWarp prst="textNoShape">
+              <a:avLst/>
+            </a:prstTxWarp>
+          </a:bodyPr>
+          <a:lstStyle>
+            <a:lvl1pPr algn="r">
+              <a:defRPr sz="800"/>
+            </a:lvl1pPr>
+          </a:lstStyle>
+          <a:p>
+            <a:fld id="{3144B24B-BAB1-431A-82C6-36E096187F50}" type="slidenum">
+              <a:rPr lang="en-US"/>
+              <a:pPr/>
+              <a:t>‹#›</a:t>
+            </a:fld>
+            <a:endParaRPr lang="en-US" dirty="0"/>
+          </a:p>
+        </p:txBody>
+      </p:sp>
     </p:spTree>
   </p:cSld>
   <p:clrMapOvr>
@@ -8548,6 +8644,54 @@
               <a:t>Fifth level</a:t>
             </a:r>
             <a:endParaRPr lang="en-US"/>
+          </a:p>
+        </p:txBody>
+      </p:sp>
+      <p:sp>
+        <p:nvSpPr>
+          <p:cNvPr id="5" name="Rectangle 6"/>
+          <p:cNvSpPr>
+            <a:spLocks noGrp="1" noChangeArrowheads="1"/>
+          </p:cNvSpPr>
+          <p:nvPr>
+            <p:ph type="sldNum" sz="quarter" idx="4"/>
+          </p:nvPr>
+        </p:nvSpPr>
+        <p:spPr bwMode="auto">
+          <a:xfrm>
+            <a:off x="6642100" y="6049963"/>
+            <a:ext cx="2133600" cy="206375"/>
+          </a:xfrm>
+          <a:prstGeom prst="rect">
+            <a:avLst/>
+          </a:prstGeom>
+          <a:noFill/>
+          <a:ln w="9525">
+            <a:noFill/>
+            <a:miter lim="800000"/>
+            <a:headEnd/>
+            <a:tailEnd/>
+          </a:ln>
+          <a:effectLst/>
+        </p:spPr>
+        <p:txBody>
+          <a:bodyPr vert="horz" wrap="square" lIns="91440" tIns="45720" rIns="91440" bIns="45720" numCol="1" anchor="t" anchorCtr="0" compatLnSpc="1">
+            <a:prstTxWarp prst="textNoShape">
+              <a:avLst/>
+            </a:prstTxWarp>
+          </a:bodyPr>
+          <a:lstStyle>
+            <a:lvl1pPr algn="r">
+              <a:defRPr sz="800"/>
+            </a:lvl1pPr>
+          </a:lstStyle>
+          <a:p>
+            <a:fld id="{3144B24B-BAB1-431A-82C6-36E096187F50}" type="slidenum">
+              <a:rPr lang="en-US"/>
+              <a:pPr/>
+              <a:t>‹#›</a:t>
+            </a:fld>
+            <a:endParaRPr lang="en-US" dirty="0"/>
           </a:p>
         </p:txBody>
       </p:sp>
@@ -9051,6 +9195,7 @@
     <p:sldLayoutId id="2147484380" r:id="rId9"/>
     <p:sldLayoutId id="2147484381" r:id="rId10"/>
   </p:sldLayoutIdLst>
+  <p:hf hdr="0" ftr="0" dt="0"/>
   <p:txStyles>
     <p:titleStyle>
       <a:lvl1pPr algn="ctr" rtl="0" eaLnBrk="0" fontAlgn="base" hangingPunct="0">
@@ -9493,13 +9638,8 @@
           <a:p>
             <a:r>
               <a:rPr lang="en-US" dirty="0" smtClean="0"/>
-              <a:t>Literature Number: </a:t>
-            </a:r>
-            <a:r>
-              <a:rPr lang="en-US" dirty="0" smtClean="0"/>
-              <a:t>SPRP811</a:t>
-            </a:r>
-            <a:endParaRPr lang="en-US" dirty="0" smtClean="0"/>
+              <a:t>Literature Number: SPRP811</a:t>
+            </a:r>
           </a:p>
         </p:txBody>
       </p:sp>
@@ -9623,6 +9763,35 @@
               <a:buNone/>
             </a:pPr>
             <a:endParaRPr lang="en-US" dirty="0" smtClean="0"/>
+          </a:p>
+        </p:txBody>
+      </p:sp>
+      <p:sp>
+        <p:nvSpPr>
+          <p:cNvPr id="4" name="Slide Number Placeholder 3"/>
+          <p:cNvSpPr>
+            <a:spLocks noGrp="1"/>
+          </p:cNvSpPr>
+          <p:nvPr>
+            <p:ph type="sldNum" sz="quarter" idx="12"/>
+          </p:nvPr>
+        </p:nvSpPr>
+        <p:spPr/>
+        <p:txBody>
+          <a:bodyPr/>
+          <a:lstStyle/>
+          <a:p>
+            <a:pPr>
+              <a:defRPr/>
+            </a:pPr>
+            <a:fld id="{BE84A4F1-46A7-4759-8C8C-E84B818DD936}" type="slidenum">
+              <a:rPr lang="en-US" smtClean="0"/>
+              <a:pPr>
+                <a:defRPr/>
+              </a:pPr>
+              <a:t>10</a:t>
+            </a:fld>
+            <a:endParaRPr lang="en-US" dirty="0"/>
           </a:p>
         </p:txBody>
       </p:sp>
@@ -10212,6 +10381,35 @@
           </p:txBody>
         </p:sp>
       </p:grpSp>
+      <p:sp>
+        <p:nvSpPr>
+          <p:cNvPr id="17" name="Slide Number Placeholder 16"/>
+          <p:cNvSpPr>
+            <a:spLocks noGrp="1"/>
+          </p:cNvSpPr>
+          <p:nvPr>
+            <p:ph type="sldNum" sz="quarter" idx="12"/>
+          </p:nvPr>
+        </p:nvSpPr>
+        <p:spPr/>
+        <p:txBody>
+          <a:bodyPr/>
+          <a:lstStyle/>
+          <a:p>
+            <a:pPr>
+              <a:defRPr/>
+            </a:pPr>
+            <a:fld id="{BE84A4F1-46A7-4759-8C8C-E84B818DD936}" type="slidenum">
+              <a:rPr lang="en-US" smtClean="0"/>
+              <a:pPr>
+                <a:defRPr/>
+              </a:pPr>
+              <a:t>11</a:t>
+            </a:fld>
+            <a:endParaRPr lang="en-US" dirty="0"/>
+          </a:p>
+        </p:txBody>
+      </p:sp>
     </p:spTree>
   </p:cSld>
   <p:clrMapOvr>
@@ -10360,6 +10558,35 @@
           </a:p>
         </p:txBody>
       </p:sp>
+      <p:sp>
+        <p:nvSpPr>
+          <p:cNvPr id="4" name="Slide Number Placeholder 3"/>
+          <p:cNvSpPr>
+            <a:spLocks noGrp="1"/>
+          </p:cNvSpPr>
+          <p:nvPr>
+            <p:ph type="sldNum" sz="quarter" idx="12"/>
+          </p:nvPr>
+        </p:nvSpPr>
+        <p:spPr/>
+        <p:txBody>
+          <a:bodyPr/>
+          <a:lstStyle/>
+          <a:p>
+            <a:pPr>
+              <a:defRPr/>
+            </a:pPr>
+            <a:fld id="{BE84A4F1-46A7-4759-8C8C-E84B818DD936}" type="slidenum">
+              <a:rPr lang="en-US" smtClean="0"/>
+              <a:pPr>
+                <a:defRPr/>
+              </a:pPr>
+              <a:t>12</a:t>
+            </a:fld>
+            <a:endParaRPr lang="en-US" dirty="0"/>
+          </a:p>
+        </p:txBody>
+      </p:sp>
     </p:spTree>
   </p:cSld>
   <p:clrMapOvr>
@@ -10717,6 +10944,35 @@
           </a:p>
         </p:txBody>
       </p:sp>
+      <p:sp>
+        <p:nvSpPr>
+          <p:cNvPr id="10" name="Slide Number Placeholder 9"/>
+          <p:cNvSpPr>
+            <a:spLocks noGrp="1"/>
+          </p:cNvSpPr>
+          <p:nvPr>
+            <p:ph type="sldNum" sz="quarter" idx="12"/>
+          </p:nvPr>
+        </p:nvSpPr>
+        <p:spPr/>
+        <p:txBody>
+          <a:bodyPr/>
+          <a:lstStyle/>
+          <a:p>
+            <a:pPr>
+              <a:defRPr/>
+            </a:pPr>
+            <a:fld id="{BE84A4F1-46A7-4759-8C8C-E84B818DD936}" type="slidenum">
+              <a:rPr lang="en-US" smtClean="0"/>
+              <a:pPr>
+                <a:defRPr/>
+              </a:pPr>
+              <a:t>13</a:t>
+            </a:fld>
+            <a:endParaRPr lang="en-US" dirty="0"/>
+          </a:p>
+        </p:txBody>
+      </p:sp>
     </p:spTree>
   </p:cSld>
   <p:clrMapOvr>
@@ -10768,7 +11024,6 @@
               <a:rPr lang="en-US" dirty="0" smtClean="0"/>
               <a:t>Partitioning</a:t>
             </a:r>
-            <a:endParaRPr lang="en-US" dirty="0" smtClean="0"/>
           </a:p>
         </p:txBody>
       </p:sp>
@@ -10998,6 +11253,35 @@
               </a:lnSpc>
             </a:pPr>
             <a:endParaRPr lang="en-US" sz="2400" dirty="0" smtClean="0"/>
+          </a:p>
+        </p:txBody>
+      </p:sp>
+      <p:sp>
+        <p:nvSpPr>
+          <p:cNvPr id="4" name="Slide Number Placeholder 3"/>
+          <p:cNvSpPr>
+            <a:spLocks noGrp="1"/>
+          </p:cNvSpPr>
+          <p:nvPr>
+            <p:ph type="sldNum" sz="quarter" idx="12"/>
+          </p:nvPr>
+        </p:nvSpPr>
+        <p:spPr/>
+        <p:txBody>
+          <a:bodyPr/>
+          <a:lstStyle/>
+          <a:p>
+            <a:pPr>
+              <a:defRPr/>
+            </a:pPr>
+            <a:fld id="{BE84A4F1-46A7-4759-8C8C-E84B818DD936}" type="slidenum">
+              <a:rPr lang="en-US" smtClean="0"/>
+              <a:pPr>
+                <a:defRPr/>
+              </a:pPr>
+              <a:t>15</a:t>
+            </a:fld>
+            <a:endParaRPr lang="en-US" dirty="0"/>
           </a:p>
         </p:txBody>
       </p:sp>
@@ -11202,6 +11486,35 @@
           </a:p>
         </p:txBody>
       </p:sp>
+      <p:sp>
+        <p:nvSpPr>
+          <p:cNvPr id="4" name="Slide Number Placeholder 3"/>
+          <p:cNvSpPr>
+            <a:spLocks noGrp="1"/>
+          </p:cNvSpPr>
+          <p:nvPr>
+            <p:ph type="sldNum" sz="quarter" idx="12"/>
+          </p:nvPr>
+        </p:nvSpPr>
+        <p:spPr/>
+        <p:txBody>
+          <a:bodyPr/>
+          <a:lstStyle/>
+          <a:p>
+            <a:pPr>
+              <a:defRPr/>
+            </a:pPr>
+            <a:fld id="{BE84A4F1-46A7-4759-8C8C-E84B818DD936}" type="slidenum">
+              <a:rPr lang="en-US" smtClean="0"/>
+              <a:pPr>
+                <a:defRPr/>
+              </a:pPr>
+              <a:t>16</a:t>
+            </a:fld>
+            <a:endParaRPr lang="en-US" dirty="0"/>
+          </a:p>
+        </p:txBody>
+      </p:sp>
     </p:spTree>
   </p:cSld>
   <p:clrMapOvr>
@@ -11397,6 +11710,35 @@
           </a:p>
         </p:txBody>
       </p:sp>
+      <p:sp>
+        <p:nvSpPr>
+          <p:cNvPr id="4" name="Slide Number Placeholder 3"/>
+          <p:cNvSpPr>
+            <a:spLocks noGrp="1"/>
+          </p:cNvSpPr>
+          <p:nvPr>
+            <p:ph type="sldNum" sz="quarter" idx="12"/>
+          </p:nvPr>
+        </p:nvSpPr>
+        <p:spPr/>
+        <p:txBody>
+          <a:bodyPr/>
+          <a:lstStyle/>
+          <a:p>
+            <a:pPr>
+              <a:defRPr/>
+            </a:pPr>
+            <a:fld id="{BE84A4F1-46A7-4759-8C8C-E84B818DD936}" type="slidenum">
+              <a:rPr lang="en-US" smtClean="0"/>
+              <a:pPr>
+                <a:defRPr/>
+              </a:pPr>
+              <a:t>18</a:t>
+            </a:fld>
+            <a:endParaRPr lang="en-US" dirty="0"/>
+          </a:p>
+        </p:txBody>
+      </p:sp>
     </p:spTree>
   </p:cSld>
   <p:clrMapOvr>
@@ -11527,7 +11869,15 @@
             </a:pPr>
             <a:r>
               <a:rPr lang="en-US" dirty="0" smtClean="0"/>
-              <a:t>100/1000G Ethernet</a:t>
+              <a:t>10/100/1000 </a:t>
+            </a:r>
+            <a:r>
+              <a:rPr lang="en-US" dirty="0" err="1" smtClean="0"/>
+              <a:t>Mpbs</a:t>
+            </a:r>
+            <a:r>
+              <a:rPr lang="en-US" dirty="0" smtClean="0"/>
+              <a:t> Ethernet</a:t>
             </a:r>
           </a:p>
           <a:p>
@@ -11584,6 +11934,35 @@
               <a:rPr lang="en-US" dirty="0" smtClean="0"/>
               <a:t>TSIP</a:t>
             </a:r>
+          </a:p>
+        </p:txBody>
+      </p:sp>
+      <p:sp>
+        <p:nvSpPr>
+          <p:cNvPr id="4" name="Slide Number Placeholder 3"/>
+          <p:cNvSpPr>
+            <a:spLocks noGrp="1"/>
+          </p:cNvSpPr>
+          <p:nvPr>
+            <p:ph type="sldNum" sz="quarter" idx="12"/>
+          </p:nvPr>
+        </p:nvSpPr>
+        <p:spPr/>
+        <p:txBody>
+          <a:bodyPr/>
+          <a:lstStyle/>
+          <a:p>
+            <a:pPr>
+              <a:defRPr/>
+            </a:pPr>
+            <a:fld id="{BE84A4F1-46A7-4759-8C8C-E84B818DD936}" type="slidenum">
+              <a:rPr lang="en-US" smtClean="0"/>
+              <a:pPr>
+                <a:defRPr/>
+              </a:pPr>
+              <a:t>19</a:t>
+            </a:fld>
+            <a:endParaRPr lang="en-US" dirty="0"/>
           </a:p>
         </p:txBody>
       </p:sp>
@@ -11745,6 +12124,35 @@
           </a:p>
         </p:txBody>
       </p:sp>
+      <p:sp>
+        <p:nvSpPr>
+          <p:cNvPr id="4" name="Slide Number Placeholder 3"/>
+          <p:cNvSpPr>
+            <a:spLocks noGrp="1"/>
+          </p:cNvSpPr>
+          <p:nvPr>
+            <p:ph type="sldNum" sz="quarter" idx="12"/>
+          </p:nvPr>
+        </p:nvSpPr>
+        <p:spPr/>
+        <p:txBody>
+          <a:bodyPr/>
+          <a:lstStyle/>
+          <a:p>
+            <a:pPr>
+              <a:defRPr/>
+            </a:pPr>
+            <a:fld id="{BE84A4F1-46A7-4759-8C8C-E84B818DD936}" type="slidenum">
+              <a:rPr lang="en-US" smtClean="0"/>
+              <a:pPr>
+                <a:defRPr/>
+              </a:pPr>
+              <a:t>2</a:t>
+            </a:fld>
+            <a:endParaRPr lang="en-US" dirty="0"/>
+          </a:p>
+        </p:txBody>
+      </p:sp>
     </p:spTree>
   </p:cSld>
   <p:clrMapOvr>
@@ -11954,6 +12362,35 @@
           </a:p>
         </p:txBody>
       </p:sp>
+      <p:sp>
+        <p:nvSpPr>
+          <p:cNvPr id="4" name="Slide Number Placeholder 3"/>
+          <p:cNvSpPr>
+            <a:spLocks noGrp="1"/>
+          </p:cNvSpPr>
+          <p:nvPr>
+            <p:ph type="sldNum" sz="quarter" idx="12"/>
+          </p:nvPr>
+        </p:nvSpPr>
+        <p:spPr/>
+        <p:txBody>
+          <a:bodyPr/>
+          <a:lstStyle/>
+          <a:p>
+            <a:pPr>
+              <a:defRPr/>
+            </a:pPr>
+            <a:fld id="{BE84A4F1-46A7-4759-8C8C-E84B818DD936}" type="slidenum">
+              <a:rPr lang="en-US" smtClean="0"/>
+              <a:pPr>
+                <a:defRPr/>
+              </a:pPr>
+              <a:t>20</a:t>
+            </a:fld>
+            <a:endParaRPr lang="en-US" dirty="0"/>
+          </a:p>
+        </p:txBody>
+      </p:sp>
     </p:spTree>
   </p:cSld>
   <p:clrMapOvr>
@@ -12142,6 +12579,35 @@
           </a:p>
         </p:txBody>
       </p:sp>
+      <p:sp>
+        <p:nvSpPr>
+          <p:cNvPr id="4" name="Slide Number Placeholder 3"/>
+          <p:cNvSpPr>
+            <a:spLocks noGrp="1"/>
+          </p:cNvSpPr>
+          <p:nvPr>
+            <p:ph type="sldNum" sz="quarter" idx="12"/>
+          </p:nvPr>
+        </p:nvSpPr>
+        <p:spPr/>
+        <p:txBody>
+          <a:bodyPr/>
+          <a:lstStyle/>
+          <a:p>
+            <a:pPr>
+              <a:defRPr/>
+            </a:pPr>
+            <a:fld id="{BE84A4F1-46A7-4759-8C8C-E84B818DD936}" type="slidenum">
+              <a:rPr lang="en-US" smtClean="0"/>
+              <a:pPr>
+                <a:defRPr/>
+              </a:pPr>
+              <a:t>21</a:t>
+            </a:fld>
+            <a:endParaRPr lang="en-US" dirty="0"/>
+          </a:p>
+        </p:txBody>
+      </p:sp>
     </p:spTree>
   </p:cSld>
   <p:clrMapOvr>
@@ -12296,6 +12762,35 @@
           </a:p>
         </p:txBody>
       </p:sp>
+      <p:sp>
+        <p:nvSpPr>
+          <p:cNvPr id="4" name="Slide Number Placeholder 3"/>
+          <p:cNvSpPr>
+            <a:spLocks noGrp="1"/>
+          </p:cNvSpPr>
+          <p:nvPr>
+            <p:ph type="sldNum" sz="quarter" idx="12"/>
+          </p:nvPr>
+        </p:nvSpPr>
+        <p:spPr/>
+        <p:txBody>
+          <a:bodyPr/>
+          <a:lstStyle/>
+          <a:p>
+            <a:pPr>
+              <a:defRPr/>
+            </a:pPr>
+            <a:fld id="{BE84A4F1-46A7-4759-8C8C-E84B818DD936}" type="slidenum">
+              <a:rPr lang="en-US" smtClean="0"/>
+              <a:pPr>
+                <a:defRPr/>
+              </a:pPr>
+              <a:t>22</a:t>
+            </a:fld>
+            <a:endParaRPr lang="en-US" dirty="0"/>
+          </a:p>
+        </p:txBody>
+      </p:sp>
     </p:spTree>
   </p:cSld>
   <p:clrMapOvr>
@@ -12345,13 +12840,8 @@
           <a:p>
             <a:r>
               <a:rPr lang="en-US" dirty="0" smtClean="0"/>
-              <a:t>Multicore </a:t>
-            </a:r>
-            <a:r>
-              <a:rPr lang="en-US" dirty="0" smtClean="0"/>
-              <a:t>Software</a:t>
-            </a:r>
-            <a:endParaRPr lang="en-US" dirty="0" smtClean="0"/>
+              <a:t>Multicore Software</a:t>
+            </a:r>
           </a:p>
         </p:txBody>
       </p:sp>
@@ -12503,6 +12993,35 @@
               </a:lnSpc>
             </a:pPr>
             <a:endParaRPr lang="en-US" dirty="0" smtClean="0"/>
+          </a:p>
+        </p:txBody>
+      </p:sp>
+      <p:sp>
+        <p:nvSpPr>
+          <p:cNvPr id="4" name="Slide Number Placeholder 3"/>
+          <p:cNvSpPr>
+            <a:spLocks noGrp="1"/>
+          </p:cNvSpPr>
+          <p:nvPr>
+            <p:ph type="sldNum" sz="quarter" idx="12"/>
+          </p:nvPr>
+        </p:nvSpPr>
+        <p:spPr/>
+        <p:txBody>
+          <a:bodyPr/>
+          <a:lstStyle/>
+          <a:p>
+            <a:pPr>
+              <a:defRPr/>
+            </a:pPr>
+            <a:fld id="{BE84A4F1-46A7-4759-8C8C-E84B818DD936}" type="slidenum">
+              <a:rPr lang="en-US" smtClean="0"/>
+              <a:pPr>
+                <a:defRPr/>
+              </a:pPr>
+              <a:t>24</a:t>
+            </a:fld>
+            <a:endParaRPr lang="en-US" dirty="0"/>
           </a:p>
         </p:txBody>
       </p:sp>
@@ -12704,6 +13223,35 @@
           </a:p>
         </p:txBody>
       </p:sp>
+      <p:sp>
+        <p:nvSpPr>
+          <p:cNvPr id="4" name="Slide Number Placeholder 3"/>
+          <p:cNvSpPr>
+            <a:spLocks noGrp="1"/>
+          </p:cNvSpPr>
+          <p:nvPr>
+            <p:ph type="sldNum" sz="quarter" idx="12"/>
+          </p:nvPr>
+        </p:nvSpPr>
+        <p:spPr/>
+        <p:txBody>
+          <a:bodyPr/>
+          <a:lstStyle/>
+          <a:p>
+            <a:pPr>
+              <a:defRPr/>
+            </a:pPr>
+            <a:fld id="{BE84A4F1-46A7-4759-8C8C-E84B818DD936}" type="slidenum">
+              <a:rPr lang="en-US" smtClean="0"/>
+              <a:pPr>
+                <a:defRPr/>
+              </a:pPr>
+              <a:t>25</a:t>
+            </a:fld>
+            <a:endParaRPr lang="en-US" dirty="0"/>
+          </a:p>
+        </p:txBody>
+      </p:sp>
     </p:spTree>
   </p:cSld>
   <p:clrMapOvr>
@@ -12936,6 +13484,35 @@
           </a:p>
         </p:txBody>
       </p:sp>
+      <p:sp>
+        <p:nvSpPr>
+          <p:cNvPr id="4" name="Slide Number Placeholder 3"/>
+          <p:cNvSpPr>
+            <a:spLocks noGrp="1"/>
+          </p:cNvSpPr>
+          <p:nvPr>
+            <p:ph type="sldNum" sz="quarter" idx="12"/>
+          </p:nvPr>
+        </p:nvSpPr>
+        <p:spPr/>
+        <p:txBody>
+          <a:bodyPr/>
+          <a:lstStyle/>
+          <a:p>
+            <a:pPr>
+              <a:defRPr/>
+            </a:pPr>
+            <a:fld id="{BE84A4F1-46A7-4759-8C8C-E84B818DD936}" type="slidenum">
+              <a:rPr lang="en-US" smtClean="0"/>
+              <a:pPr>
+                <a:defRPr/>
+              </a:pPr>
+              <a:t>26</a:t>
+            </a:fld>
+            <a:endParaRPr lang="en-US" dirty="0"/>
+          </a:p>
+        </p:txBody>
+      </p:sp>
     </p:spTree>
   </p:cSld>
   <p:clrMapOvr>
@@ -12985,13 +13562,8 @@
           <a:p>
             <a:r>
               <a:rPr lang="en-US" dirty="0" smtClean="0"/>
-              <a:t>Multicore </a:t>
-            </a:r>
-            <a:r>
-              <a:rPr lang="en-US" dirty="0" smtClean="0"/>
-              <a:t>Partitioning Examples</a:t>
-            </a:r>
-            <a:endParaRPr lang="en-US" dirty="0" smtClean="0"/>
+              <a:t>Multicore Partitioning Examples</a:t>
+            </a:r>
           </a:p>
         </p:txBody>
       </p:sp>
@@ -13070,7 +13642,6 @@
               <a:rPr lang="en-US" dirty="0" smtClean="0"/>
               <a:t>Partitioning Method Examples</a:t>
             </a:r>
-            <a:endParaRPr lang="en-US" dirty="0" smtClean="0"/>
           </a:p>
         </p:txBody>
       </p:sp>
@@ -13101,11 +13672,7 @@
             </a:pPr>
             <a:r>
               <a:rPr lang="en-US" b="1" dirty="0" smtClean="0"/>
-              <a:t>Function-driven </a:t>
-            </a:r>
-            <a:r>
-              <a:rPr lang="en-US" b="1" dirty="0" smtClean="0"/>
-              <a:t>Partition</a:t>
+              <a:t>Function-driven Partition</a:t>
             </a:r>
           </a:p>
           <a:p>
@@ -13116,13 +13683,8 @@
             </a:pPr>
             <a:r>
               <a:rPr lang="en-US" sz="2000" dirty="0" smtClean="0"/>
-              <a:t>H264 </a:t>
-            </a:r>
-            <a:r>
-              <a:rPr lang="en-US" sz="2000" dirty="0" smtClean="0"/>
-              <a:t>encoder</a:t>
-            </a:r>
-            <a:endParaRPr lang="en-US" sz="2000" dirty="0" smtClean="0"/>
+              <a:t>H264 encoder</a:t>
+            </a:r>
           </a:p>
           <a:p>
             <a:pPr>
@@ -13143,13 +13705,8 @@
             </a:pPr>
             <a:r>
               <a:rPr lang="en-US" sz="2000" dirty="0" smtClean="0"/>
-              <a:t>Very Large </a:t>
-            </a:r>
-            <a:r>
-              <a:rPr lang="en-US" sz="2000" dirty="0" smtClean="0"/>
-              <a:t>FFT</a:t>
-            </a:r>
-            <a:endParaRPr lang="en-US" sz="2000" dirty="0" smtClean="0"/>
+              <a:t>Very Large FFT</a:t>
+            </a:r>
           </a:p>
           <a:p>
             <a:pPr>
@@ -13172,6 +13729,35 @@
               <a:rPr lang="en-US" sz="2000" dirty="0" smtClean="0"/>
               <a:t>CAT Scan application</a:t>
             </a:r>
+          </a:p>
+        </p:txBody>
+      </p:sp>
+      <p:sp>
+        <p:nvSpPr>
+          <p:cNvPr id="4" name="Slide Number Placeholder 3"/>
+          <p:cNvSpPr>
+            <a:spLocks noGrp="1"/>
+          </p:cNvSpPr>
+          <p:nvPr>
+            <p:ph type="sldNum" sz="quarter" idx="12"/>
+          </p:nvPr>
+        </p:nvSpPr>
+        <p:spPr/>
+        <p:txBody>
+          <a:bodyPr/>
+          <a:lstStyle/>
+          <a:p>
+            <a:pPr>
+              <a:defRPr/>
+            </a:pPr>
+            <a:fld id="{BE84A4F1-46A7-4759-8C8C-E84B818DD936}" type="slidenum">
+              <a:rPr lang="en-US" smtClean="0"/>
+              <a:pPr>
+                <a:defRPr/>
+              </a:pPr>
+              <a:t>28</a:t>
+            </a:fld>
+            <a:endParaRPr lang="en-US" dirty="0"/>
           </a:p>
         </p:txBody>
       </p:sp>
@@ -13226,7 +13812,6 @@
               <a:rPr lang="en-US" dirty="0" smtClean="0"/>
               <a:t>Multicore Partitioning Examples</a:t>
             </a:r>
-            <a:endParaRPr lang="en-US" dirty="0" smtClean="0"/>
           </a:p>
         </p:txBody>
       </p:sp>
@@ -13253,25 +13838,13 @@
           <a:p>
             <a:r>
               <a:rPr lang="en-US" dirty="0" smtClean="0"/>
-              <a:t>Data </a:t>
-            </a:r>
+              <a:t>Data Flow Model</a:t>
+            </a:r>
+          </a:p>
+          <a:p>
             <a:r>
               <a:rPr lang="en-US" dirty="0" smtClean="0"/>
-              <a:t>Flow </a:t>
-            </a:r>
-            <a:r>
-              <a:rPr lang="en-US" dirty="0" smtClean="0"/>
-              <a:t>Model</a:t>
-            </a:r>
-          </a:p>
-          <a:p>
-            <a:r>
-              <a:rPr lang="en-US" dirty="0" smtClean="0"/>
-              <a:t>Function-driven </a:t>
-            </a:r>
-            <a:r>
-              <a:rPr lang="en-US" dirty="0" smtClean="0"/>
-              <a:t>Partition </a:t>
+              <a:t>Function-driven Partition </a:t>
             </a:r>
             <a:endParaRPr lang="en-US" dirty="0"/>
           </a:p>
@@ -13329,7 +13902,6 @@
               <a:rPr lang="en-US" dirty="0" smtClean="0"/>
               <a:t>Agenda</a:t>
             </a:r>
-            <a:endParaRPr lang="en-US" dirty="0" smtClean="0"/>
           </a:p>
         </p:txBody>
       </p:sp>
@@ -13387,6 +13959,35 @@
           </a:p>
           <a:p>
             <a:endParaRPr lang="en-US" sz="2000" dirty="0" smtClean="0"/>
+          </a:p>
+        </p:txBody>
+      </p:sp>
+      <p:sp>
+        <p:nvSpPr>
+          <p:cNvPr id="4" name="Slide Number Placeholder 3"/>
+          <p:cNvSpPr>
+            <a:spLocks noGrp="1"/>
+          </p:cNvSpPr>
+          <p:nvPr>
+            <p:ph type="sldNum" sz="quarter" idx="12"/>
+          </p:nvPr>
+        </p:nvSpPr>
+        <p:spPr/>
+        <p:txBody>
+          <a:bodyPr/>
+          <a:lstStyle/>
+          <a:p>
+            <a:pPr>
+              <a:defRPr/>
+            </a:pPr>
+            <a:fld id="{BE84A4F1-46A7-4759-8C8C-E84B818DD936}" type="slidenum">
+              <a:rPr lang="en-US" smtClean="0"/>
+              <a:pPr>
+                <a:defRPr/>
+              </a:pPr>
+              <a:t>3</a:t>
+            </a:fld>
+            <a:endParaRPr lang="en-US" dirty="0"/>
           </a:p>
         </p:txBody>
       </p:sp>
@@ -13729,6 +14330,35 @@
           </a:ln>
         </p:spPr>
       </p:pic>
+      <p:sp>
+        <p:nvSpPr>
+          <p:cNvPr id="5" name="Slide Number Placeholder 4"/>
+          <p:cNvSpPr>
+            <a:spLocks noGrp="1"/>
+          </p:cNvSpPr>
+          <p:nvPr>
+            <p:ph type="sldNum" sz="quarter" idx="12"/>
+          </p:nvPr>
+        </p:nvSpPr>
+        <p:spPr/>
+        <p:txBody>
+          <a:bodyPr/>
+          <a:lstStyle/>
+          <a:p>
+            <a:pPr>
+              <a:defRPr/>
+            </a:pPr>
+            <a:fld id="{BE84A4F1-46A7-4759-8C8C-E84B818DD936}" type="slidenum">
+              <a:rPr lang="en-US" smtClean="0"/>
+              <a:pPr>
+                <a:defRPr/>
+              </a:pPr>
+              <a:t>30</a:t>
+            </a:fld>
+            <a:endParaRPr lang="en-US" dirty="0"/>
+          </a:p>
+        </p:txBody>
+      </p:sp>
     </p:spTree>
   </p:cSld>
   <p:clrMapOvr>
@@ -13862,6 +14492,35 @@
           </a:ln>
         </p:spPr>
       </p:pic>
+      <p:sp>
+        <p:nvSpPr>
+          <p:cNvPr id="5" name="Slide Number Placeholder 4"/>
+          <p:cNvSpPr>
+            <a:spLocks noGrp="1"/>
+          </p:cNvSpPr>
+          <p:nvPr>
+            <p:ph type="sldNum" sz="quarter" idx="12"/>
+          </p:nvPr>
+        </p:nvSpPr>
+        <p:spPr/>
+        <p:txBody>
+          <a:bodyPr/>
+          <a:lstStyle/>
+          <a:p>
+            <a:pPr>
+              <a:defRPr/>
+            </a:pPr>
+            <a:fld id="{BE84A4F1-46A7-4759-8C8C-E84B818DD936}" type="slidenum">
+              <a:rPr lang="en-US" smtClean="0"/>
+              <a:pPr>
+                <a:defRPr/>
+              </a:pPr>
+              <a:t>31</a:t>
+            </a:fld>
+            <a:endParaRPr lang="en-US" dirty="0"/>
+          </a:p>
+        </p:txBody>
+      </p:sp>
     </p:spTree>
   </p:cSld>
   <p:clrMapOvr>
@@ -17522,6 +18181,35 @@
           </a:ln>
         </p:spPr>
       </p:pic>
+      <p:sp>
+        <p:nvSpPr>
+          <p:cNvPr id="7" name="Slide Number Placeholder 6"/>
+          <p:cNvSpPr>
+            <a:spLocks noGrp="1"/>
+          </p:cNvSpPr>
+          <p:nvPr>
+            <p:ph type="sldNum" sz="quarter" idx="12"/>
+          </p:nvPr>
+        </p:nvSpPr>
+        <p:spPr/>
+        <p:txBody>
+          <a:bodyPr/>
+          <a:lstStyle/>
+          <a:p>
+            <a:pPr>
+              <a:defRPr/>
+            </a:pPr>
+            <a:fld id="{BE84A4F1-46A7-4759-8C8C-E84B818DD936}" type="slidenum">
+              <a:rPr lang="en-US" smtClean="0"/>
+              <a:pPr>
+                <a:defRPr/>
+              </a:pPr>
+              <a:t>32</a:t>
+            </a:fld>
+            <a:endParaRPr lang="en-US" dirty="0"/>
+          </a:p>
+        </p:txBody>
+      </p:sp>
     </p:spTree>
   </p:cSld>
   <p:clrMapOvr>
@@ -17667,6 +18355,35 @@
               <a:rPr lang="en-US" dirty="0" smtClean="0"/>
               <a:t>Synchronization between cores, especially when trying to minimize delay</a:t>
             </a:r>
+          </a:p>
+        </p:txBody>
+      </p:sp>
+      <p:sp>
+        <p:nvSpPr>
+          <p:cNvPr id="4" name="Slide Number Placeholder 3"/>
+          <p:cNvSpPr>
+            <a:spLocks noGrp="1"/>
+          </p:cNvSpPr>
+          <p:nvPr>
+            <p:ph type="sldNum" sz="quarter" idx="12"/>
+          </p:nvPr>
+        </p:nvSpPr>
+        <p:spPr/>
+        <p:txBody>
+          <a:bodyPr/>
+          <a:lstStyle/>
+          <a:p>
+            <a:pPr>
+              <a:defRPr/>
+            </a:pPr>
+            <a:fld id="{BE84A4F1-46A7-4759-8C8C-E84B818DD936}" type="slidenum">
+              <a:rPr lang="en-US" smtClean="0"/>
+              <a:pPr>
+                <a:defRPr/>
+              </a:pPr>
+              <a:t>33</a:t>
+            </a:fld>
+            <a:endParaRPr lang="en-US" dirty="0"/>
           </a:p>
         </p:txBody>
       </p:sp>
@@ -17812,6 +18529,35 @@
           </a:p>
         </p:txBody>
       </p:sp>
+      <p:sp>
+        <p:nvSpPr>
+          <p:cNvPr id="4" name="Slide Number Placeholder 3"/>
+          <p:cNvSpPr>
+            <a:spLocks noGrp="1"/>
+          </p:cNvSpPr>
+          <p:nvPr>
+            <p:ph type="sldNum" sz="quarter" idx="12"/>
+          </p:nvPr>
+        </p:nvSpPr>
+        <p:spPr/>
+        <p:txBody>
+          <a:bodyPr/>
+          <a:lstStyle/>
+          <a:p>
+            <a:pPr>
+              <a:defRPr/>
+            </a:pPr>
+            <a:fld id="{BE84A4F1-46A7-4759-8C8C-E84B818DD936}" type="slidenum">
+              <a:rPr lang="en-US" smtClean="0"/>
+              <a:pPr>
+                <a:defRPr/>
+              </a:pPr>
+              <a:t>34</a:t>
+            </a:fld>
+            <a:endParaRPr lang="en-US" dirty="0"/>
+          </a:p>
+        </p:txBody>
+      </p:sp>
     </p:spTree>
   </p:cSld>
   <p:clrMapOvr>
@@ -17925,6 +18671,35 @@
           </a:p>
         </p:txBody>
       </p:sp>
+      <p:sp>
+        <p:nvSpPr>
+          <p:cNvPr id="4" name="Slide Number Placeholder 3"/>
+          <p:cNvSpPr>
+            <a:spLocks noGrp="1"/>
+          </p:cNvSpPr>
+          <p:nvPr>
+            <p:ph type="sldNum" sz="quarter" idx="12"/>
+          </p:nvPr>
+        </p:nvSpPr>
+        <p:spPr/>
+        <p:txBody>
+          <a:bodyPr/>
+          <a:lstStyle/>
+          <a:p>
+            <a:pPr>
+              <a:defRPr/>
+            </a:pPr>
+            <a:fld id="{BE84A4F1-46A7-4759-8C8C-E84B818DD936}" type="slidenum">
+              <a:rPr lang="en-US" smtClean="0"/>
+              <a:pPr>
+                <a:defRPr/>
+              </a:pPr>
+              <a:t>35</a:t>
+            </a:fld>
+            <a:endParaRPr lang="en-US" dirty="0"/>
+          </a:p>
+        </p:txBody>
+      </p:sp>
     </p:spTree>
   </p:cSld>
   <p:clrMapOvr>
@@ -18036,6 +18811,35 @@
           </a:p>
         </p:txBody>
       </p:sp>
+      <p:sp>
+        <p:nvSpPr>
+          <p:cNvPr id="4" name="Slide Number Placeholder 3"/>
+          <p:cNvSpPr>
+            <a:spLocks noGrp="1"/>
+          </p:cNvSpPr>
+          <p:nvPr>
+            <p:ph type="sldNum" sz="quarter" idx="12"/>
+          </p:nvPr>
+        </p:nvSpPr>
+        <p:spPr/>
+        <p:txBody>
+          <a:bodyPr/>
+          <a:lstStyle/>
+          <a:p>
+            <a:pPr>
+              <a:defRPr/>
+            </a:pPr>
+            <a:fld id="{BE84A4F1-46A7-4759-8C8C-E84B818DD936}" type="slidenum">
+              <a:rPr lang="en-US" smtClean="0"/>
+              <a:pPr>
+                <a:defRPr/>
+              </a:pPr>
+              <a:t>36</a:t>
+            </a:fld>
+            <a:endParaRPr lang="en-US" dirty="0"/>
+          </a:p>
+        </p:txBody>
+      </p:sp>
     </p:spTree>
   </p:cSld>
   <p:clrMapOvr>
@@ -18182,6 +18986,35 @@
           </a:p>
         </p:txBody>
       </p:sp>
+      <p:sp>
+        <p:nvSpPr>
+          <p:cNvPr id="4" name="Slide Number Placeholder 3"/>
+          <p:cNvSpPr>
+            <a:spLocks noGrp="1"/>
+          </p:cNvSpPr>
+          <p:nvPr>
+            <p:ph type="sldNum" sz="quarter" idx="12"/>
+          </p:nvPr>
+        </p:nvSpPr>
+        <p:spPr/>
+        <p:txBody>
+          <a:bodyPr/>
+          <a:lstStyle/>
+          <a:p>
+            <a:pPr>
+              <a:defRPr/>
+            </a:pPr>
+            <a:fld id="{BE84A4F1-46A7-4759-8C8C-E84B818DD936}" type="slidenum">
+              <a:rPr lang="en-US" smtClean="0"/>
+              <a:pPr>
+                <a:defRPr/>
+              </a:pPr>
+              <a:t>37</a:t>
+            </a:fld>
+            <a:endParaRPr lang="en-US" dirty="0"/>
+          </a:p>
+        </p:txBody>
+      </p:sp>
     </p:spTree>
   </p:cSld>
   <p:clrMapOvr>
@@ -18271,6 +19104,35 @@
           </a:p>
         </p:txBody>
       </p:sp>
+      <p:sp>
+        <p:nvSpPr>
+          <p:cNvPr id="4" name="Slide Number Placeholder 3"/>
+          <p:cNvSpPr>
+            <a:spLocks noGrp="1"/>
+          </p:cNvSpPr>
+          <p:nvPr>
+            <p:ph type="sldNum" sz="quarter" idx="12"/>
+          </p:nvPr>
+        </p:nvSpPr>
+        <p:spPr/>
+        <p:txBody>
+          <a:bodyPr/>
+          <a:lstStyle/>
+          <a:p>
+            <a:pPr>
+              <a:defRPr/>
+            </a:pPr>
+            <a:fld id="{BE84A4F1-46A7-4759-8C8C-E84B818DD936}" type="slidenum">
+              <a:rPr lang="en-US" smtClean="0"/>
+              <a:pPr>
+                <a:defRPr/>
+              </a:pPr>
+              <a:t>38</a:t>
+            </a:fld>
+            <a:endParaRPr lang="en-US" dirty="0"/>
+          </a:p>
+        </p:txBody>
+      </p:sp>
     </p:spTree>
   </p:cSld>
   <p:clrMapOvr>
@@ -18339,12 +19201,41 @@
         </p:xfrm>
         <a:graphic>
           <a:graphicData uri="http://schemas.openxmlformats.org/presentationml/2006/ole">
-            <p:oleObj spid="_x0000_s2050" name="Visio" r:id="rId4" imgW="9655632" imgH="4762230" progId="Visio.Drawing.11">
+            <p:oleObj spid="_x0000_s2050" name="Visio" r:id="rId4" imgW="9655632" imgH="4762230" progId="">
               <p:embed/>
             </p:oleObj>
           </a:graphicData>
         </a:graphic>
       </p:graphicFrame>
+      <p:sp>
+        <p:nvSpPr>
+          <p:cNvPr id="5" name="Slide Number Placeholder 4"/>
+          <p:cNvSpPr>
+            <a:spLocks noGrp="1"/>
+          </p:cNvSpPr>
+          <p:nvPr>
+            <p:ph type="sldNum" sz="quarter" idx="12"/>
+          </p:nvPr>
+        </p:nvSpPr>
+        <p:spPr/>
+        <p:txBody>
+          <a:bodyPr/>
+          <a:lstStyle/>
+          <a:p>
+            <a:pPr>
+              <a:defRPr/>
+            </a:pPr>
+            <a:fld id="{BE84A4F1-46A7-4759-8C8C-E84B818DD936}" type="slidenum">
+              <a:rPr lang="en-US" smtClean="0"/>
+              <a:pPr>
+                <a:defRPr/>
+              </a:pPr>
+              <a:t>39</a:t>
+            </a:fld>
+            <a:endParaRPr lang="en-US" dirty="0"/>
+          </a:p>
+        </p:txBody>
+      </p:sp>
     </p:spTree>
   </p:cSld>
   <p:clrMapOvr>
@@ -18469,7 +19360,6 @@
               <a:rPr lang="en-US" dirty="0" smtClean="0"/>
               <a:t>Multicore Partitioning Examples</a:t>
             </a:r>
-            <a:endParaRPr lang="en-US" dirty="0" smtClean="0"/>
           </a:p>
         </p:txBody>
       </p:sp>
@@ -18490,19 +19380,7 @@
           <a:p>
             <a:r>
               <a:rPr lang="en-US" dirty="0" smtClean="0"/>
-              <a:t>Example 2: </a:t>
-            </a:r>
-            <a:r>
-              <a:rPr lang="en-US" dirty="0" smtClean="0"/>
-              <a:t>Very </a:t>
-            </a:r>
-            <a:r>
-              <a:rPr lang="en-US" dirty="0" smtClean="0"/>
-              <a:t>Large FFT (VLFFT) – 1M Floating P</a:t>
-            </a:r>
-            <a:r>
-              <a:rPr lang="en-US" dirty="0" smtClean="0"/>
-              <a:t>oint</a:t>
+              <a:t>Example 2: Very Large FFT (VLFFT) – 1M Floating Point</a:t>
             </a:r>
           </a:p>
           <a:p>
@@ -18514,11 +19392,7 @@
           <a:p>
             <a:r>
               <a:rPr lang="en-US" dirty="0" smtClean="0"/>
-              <a:t>Data-driven </a:t>
-            </a:r>
-            <a:r>
-              <a:rPr lang="en-US" dirty="0" smtClean="0"/>
-              <a:t>Partition </a:t>
+              <a:t>Data-driven Partition </a:t>
             </a:r>
             <a:endParaRPr lang="en-US" dirty="0"/>
           </a:p>
@@ -18637,16 +19511,7 @@
                 </a:solidFill>
                 <a:cs typeface="Calibri" pitchFamily="34" charset="0"/>
               </a:rPr>
-              <a:t>Very Large Fast DFT (VL </a:t>
-            </a:r>
-            <a:r>
-              <a:rPr lang="en-US" dirty="0" smtClean="0">
-                <a:solidFill>
-                  <a:schemeClr val="bg1"/>
-                </a:solidFill>
-                <a:cs typeface="Calibri" pitchFamily="34" charset="0"/>
-              </a:rPr>
-              <a:t>FFT)</a:t>
+              <a:t>Very Large Fast DFT (VL FFT)</a:t>
             </a:r>
           </a:p>
           <a:p>
@@ -18659,40 +19524,22 @@
             </a:r>
             <a:r>
               <a:rPr lang="en-US" sz="2000" dirty="0" smtClean="0"/>
-              <a:t>High-Performance Parallel FFT Algorithms for the HITACHI </a:t>
-            </a:r>
+              <a:t>High-Performance Parallel FFT Algorithms for the HITACHI SR8000</a:t>
+            </a:r>
+          </a:p>
+          <a:p>
+            <a:pPr eaLnBrk="1" hangingPunct="1"/>
             <a:r>
               <a:rPr lang="en-US" sz="2000" dirty="0" smtClean="0"/>
-              <a:t>SR8000</a:t>
-            </a:r>
-            <a:endParaRPr lang="en-US" sz="2000" dirty="0" smtClean="0"/>
+              <a:t>Daisuke Takahashi, Information Technology Center, University of Tokyo</a:t>
+            </a:r>
           </a:p>
           <a:p>
             <a:pPr eaLnBrk="1" hangingPunct="1"/>
             <a:r>
               <a:rPr lang="en-US" sz="2000" dirty="0" smtClean="0"/>
-              <a:t>Daisuke Takahashi, Information </a:t>
-            </a:r>
-            <a:r>
-              <a:rPr lang="en-US" sz="2000" dirty="0" smtClean="0"/>
-              <a:t>Technology Center, University of </a:t>
-            </a:r>
-            <a:r>
-              <a:rPr lang="en-US" sz="2000" dirty="0" smtClean="0"/>
-              <a:t>Tokyo</a:t>
-            </a:r>
-          </a:p>
-          <a:p>
-            <a:pPr eaLnBrk="1" hangingPunct="1"/>
-            <a:r>
-              <a:rPr lang="en-US" sz="2000" dirty="0" smtClean="0"/>
-              <a:t>Published in: High </a:t>
-            </a:r>
-            <a:r>
-              <a:rPr lang="en-US" sz="2000" dirty="0" smtClean="0"/>
-              <a:t>Performance Computing in the Asia-Pacific Region, 2000. Proceedings. The Fourth International Conference/Exhibition on  (Volume:1 )</a:t>
-            </a:r>
-            <a:endParaRPr lang="en-US" sz="2000" dirty="0" smtClean="0"/>
+              <a:t>Published in: High Performance Computing in the Asia-Pacific Region, 2000. Proceedings. The Fourth International Conference/Exhibition on  (Volume:1 )</a:t>
+            </a:r>
           </a:p>
           <a:p>
             <a:pPr eaLnBrk="1" hangingPunct="1">
@@ -18710,6 +19557,35 @@
           <a:p>
             <a:pPr eaLnBrk="1" hangingPunct="1"/>
             <a:endParaRPr lang="en-US" dirty="0" smtClean="0"/>
+          </a:p>
+        </p:txBody>
+      </p:sp>
+      <p:sp>
+        <p:nvSpPr>
+          <p:cNvPr id="4" name="Slide Number Placeholder 3"/>
+          <p:cNvSpPr>
+            <a:spLocks noGrp="1"/>
+          </p:cNvSpPr>
+          <p:nvPr>
+            <p:ph type="sldNum" sz="quarter" idx="12"/>
+          </p:nvPr>
+        </p:nvSpPr>
+        <p:spPr/>
+        <p:txBody>
+          <a:bodyPr/>
+          <a:lstStyle/>
+          <a:p>
+            <a:pPr>
+              <a:defRPr/>
+            </a:pPr>
+            <a:fld id="{BE84A4F1-46A7-4759-8C8C-E84B818DD936}" type="slidenum">
+              <a:rPr lang="en-US" smtClean="0"/>
+              <a:pPr>
+                <a:defRPr/>
+              </a:pPr>
+              <a:t>41</a:t>
+            </a:fld>
+            <a:endParaRPr lang="en-US" dirty="0"/>
           </a:p>
         </p:txBody>
       </p:sp>
@@ -18919,6 +19795,35 @@
           </a:p>
         </p:txBody>
       </p:sp>
+      <p:sp>
+        <p:nvSpPr>
+          <p:cNvPr id="7" name="Slide Number Placeholder 6"/>
+          <p:cNvSpPr>
+            <a:spLocks noGrp="1"/>
+          </p:cNvSpPr>
+          <p:nvPr>
+            <p:ph type="sldNum" sz="quarter" idx="12"/>
+          </p:nvPr>
+        </p:nvSpPr>
+        <p:spPr/>
+        <p:txBody>
+          <a:bodyPr/>
+          <a:lstStyle/>
+          <a:p>
+            <a:pPr>
+              <a:defRPr/>
+            </a:pPr>
+            <a:fld id="{BE84A4F1-46A7-4759-8C8C-E84B818DD936}" type="slidenum">
+              <a:rPr lang="en-US" smtClean="0"/>
+              <a:pPr>
+                <a:defRPr/>
+              </a:pPr>
+              <a:t>42</a:t>
+            </a:fld>
+            <a:endParaRPr lang="en-US" dirty="0"/>
+          </a:p>
+        </p:txBody>
+      </p:sp>
     </p:spTree>
   </p:cSld>
   <p:clrMapOvr>
@@ -19231,6 +20136,35 @@
           </a:graphicData>
         </a:graphic>
       </p:graphicFrame>
+      <p:sp>
+        <p:nvSpPr>
+          <p:cNvPr id="6" name="Slide Number Placeholder 5"/>
+          <p:cNvSpPr>
+            <a:spLocks noGrp="1"/>
+          </p:cNvSpPr>
+          <p:nvPr>
+            <p:ph type="sldNum" sz="quarter" idx="12"/>
+          </p:nvPr>
+        </p:nvSpPr>
+        <p:spPr/>
+        <p:txBody>
+          <a:bodyPr/>
+          <a:lstStyle/>
+          <a:p>
+            <a:pPr>
+              <a:defRPr/>
+            </a:pPr>
+            <a:fld id="{BE84A4F1-46A7-4759-8C8C-E84B818DD936}" type="slidenum">
+              <a:rPr lang="en-US" smtClean="0"/>
+              <a:pPr>
+                <a:defRPr/>
+              </a:pPr>
+              <a:t>43</a:t>
+            </a:fld>
+            <a:endParaRPr lang="en-US" dirty="0"/>
+          </a:p>
+        </p:txBody>
+      </p:sp>
     </p:spTree>
   </p:cSld>
   <p:clrMapOvr>
@@ -19498,6 +20432,35 @@
           </a:graphicData>
         </a:graphic>
       </p:graphicFrame>
+      <p:sp>
+        <p:nvSpPr>
+          <p:cNvPr id="6" name="Slide Number Placeholder 5"/>
+          <p:cNvSpPr>
+            <a:spLocks noGrp="1"/>
+          </p:cNvSpPr>
+          <p:nvPr>
+            <p:ph type="sldNum" sz="quarter" idx="12"/>
+          </p:nvPr>
+        </p:nvSpPr>
+        <p:spPr/>
+        <p:txBody>
+          <a:bodyPr/>
+          <a:lstStyle/>
+          <a:p>
+            <a:pPr>
+              <a:defRPr/>
+            </a:pPr>
+            <a:fld id="{BE84A4F1-46A7-4759-8C8C-E84B818DD936}" type="slidenum">
+              <a:rPr lang="en-US" smtClean="0"/>
+              <a:pPr>
+                <a:defRPr/>
+              </a:pPr>
+              <a:t>44</a:t>
+            </a:fld>
+            <a:endParaRPr lang="en-US" dirty="0"/>
+          </a:p>
+        </p:txBody>
+      </p:sp>
     </p:spTree>
   </p:cSld>
   <p:clrMapOvr>
@@ -19796,6 +20759,35 @@
           </a:graphicData>
         </a:graphic>
       </p:graphicFrame>
+      <p:sp>
+        <p:nvSpPr>
+          <p:cNvPr id="13" name="Slide Number Placeholder 12"/>
+          <p:cNvSpPr>
+            <a:spLocks noGrp="1"/>
+          </p:cNvSpPr>
+          <p:nvPr>
+            <p:ph type="sldNum" sz="quarter" idx="12"/>
+          </p:nvPr>
+        </p:nvSpPr>
+        <p:spPr/>
+        <p:txBody>
+          <a:bodyPr/>
+          <a:lstStyle/>
+          <a:p>
+            <a:pPr>
+              <a:defRPr/>
+            </a:pPr>
+            <a:fld id="{BE84A4F1-46A7-4759-8C8C-E84B818DD936}" type="slidenum">
+              <a:rPr lang="en-US" smtClean="0"/>
+              <a:pPr>
+                <a:defRPr/>
+              </a:pPr>
+              <a:t>45</a:t>
+            </a:fld>
+            <a:endParaRPr lang="en-US" dirty="0"/>
+          </a:p>
+        </p:txBody>
+      </p:sp>
     </p:spTree>
   </p:cSld>
   <p:clrMapOvr>
@@ -20104,6 +21096,35 @@
           </a:graphicData>
         </a:graphic>
       </p:graphicFrame>
+      <p:sp>
+        <p:nvSpPr>
+          <p:cNvPr id="10" name="Slide Number Placeholder 9"/>
+          <p:cNvSpPr>
+            <a:spLocks noGrp="1"/>
+          </p:cNvSpPr>
+          <p:nvPr>
+            <p:ph type="sldNum" sz="quarter" idx="12"/>
+          </p:nvPr>
+        </p:nvSpPr>
+        <p:spPr/>
+        <p:txBody>
+          <a:bodyPr/>
+          <a:lstStyle/>
+          <a:p>
+            <a:pPr>
+              <a:defRPr/>
+            </a:pPr>
+            <a:fld id="{BE84A4F1-46A7-4759-8C8C-E84B818DD936}" type="slidenum">
+              <a:rPr lang="en-US" smtClean="0"/>
+              <a:pPr>
+                <a:defRPr/>
+              </a:pPr>
+              <a:t>46</a:t>
+            </a:fld>
+            <a:endParaRPr lang="en-US" dirty="0"/>
+          </a:p>
+        </p:txBody>
+      </p:sp>
     </p:spTree>
   </p:cSld>
   <p:clrMapOvr>
@@ -20366,6 +21387,35 @@
           </a:p>
         </p:txBody>
       </p:sp>
+      <p:sp>
+        <p:nvSpPr>
+          <p:cNvPr id="7" name="Slide Number Placeholder 6"/>
+          <p:cNvSpPr>
+            <a:spLocks noGrp="1"/>
+          </p:cNvSpPr>
+          <p:nvPr>
+            <p:ph type="sldNum" sz="quarter" idx="12"/>
+          </p:nvPr>
+        </p:nvSpPr>
+        <p:spPr/>
+        <p:txBody>
+          <a:bodyPr/>
+          <a:lstStyle/>
+          <a:p>
+            <a:pPr>
+              <a:defRPr/>
+            </a:pPr>
+            <a:fld id="{BE84A4F1-46A7-4759-8C8C-E84B818DD936}" type="slidenum">
+              <a:rPr lang="en-US" smtClean="0"/>
+              <a:pPr>
+                <a:defRPr/>
+              </a:pPr>
+              <a:t>47</a:t>
+            </a:fld>
+            <a:endParaRPr lang="en-US" dirty="0"/>
+          </a:p>
+        </p:txBody>
+      </p:sp>
     </p:spTree>
   </p:cSld>
   <p:clrMapOvr>
@@ -20511,6 +21561,35 @@
               <a:rPr lang="en-US" dirty="0" smtClean="0"/>
               <a:t>Compute N1 FFTs. Each is N2 size.</a:t>
             </a:r>
+          </a:p>
+        </p:txBody>
+      </p:sp>
+      <p:sp>
+        <p:nvSpPr>
+          <p:cNvPr id="4" name="Slide Number Placeholder 3"/>
+          <p:cNvSpPr>
+            <a:spLocks noGrp="1"/>
+          </p:cNvSpPr>
+          <p:nvPr>
+            <p:ph type="sldNum" sz="quarter" idx="12"/>
+          </p:nvPr>
+        </p:nvSpPr>
+        <p:spPr/>
+        <p:txBody>
+          <a:bodyPr/>
+          <a:lstStyle/>
+          <a:p>
+            <a:pPr>
+              <a:defRPr/>
+            </a:pPr>
+            <a:fld id="{BE84A4F1-46A7-4759-8C8C-E84B818DD936}" type="slidenum">
+              <a:rPr lang="en-US" smtClean="0"/>
+              <a:pPr>
+                <a:defRPr/>
+              </a:pPr>
+              <a:t>48</a:t>
+            </a:fld>
+            <a:endParaRPr lang="en-US" dirty="0"/>
           </a:p>
         </p:txBody>
       </p:sp>
@@ -20691,6 +21770,35 @@
           </a:p>
         </p:txBody>
       </p:sp>
+      <p:sp>
+        <p:nvSpPr>
+          <p:cNvPr id="4" name="Slide Number Placeholder 3"/>
+          <p:cNvSpPr>
+            <a:spLocks noGrp="1"/>
+          </p:cNvSpPr>
+          <p:nvPr>
+            <p:ph type="sldNum" sz="quarter" idx="12"/>
+          </p:nvPr>
+        </p:nvSpPr>
+        <p:spPr/>
+        <p:txBody>
+          <a:bodyPr/>
+          <a:lstStyle/>
+          <a:p>
+            <a:pPr>
+              <a:defRPr/>
+            </a:pPr>
+            <a:fld id="{BE84A4F1-46A7-4759-8C8C-E84B818DD936}" type="slidenum">
+              <a:rPr lang="en-US" smtClean="0"/>
+              <a:pPr>
+                <a:defRPr/>
+              </a:pPr>
+              <a:t>49</a:t>
+            </a:fld>
+            <a:endParaRPr lang="en-US" dirty="0"/>
+          </a:p>
+        </p:txBody>
+      </p:sp>
     </p:spTree>
   </p:cSld>
   <p:clrMapOvr>
@@ -20850,6 +21958,35 @@
               </a:solidFill>
               <a:latin typeface="Calibri" pitchFamily="34" charset="0"/>
             </a:endParaRPr>
+          </a:p>
+        </p:txBody>
+      </p:sp>
+      <p:sp>
+        <p:nvSpPr>
+          <p:cNvPr id="4" name="Slide Number Placeholder 3"/>
+          <p:cNvSpPr>
+            <a:spLocks noGrp="1"/>
+          </p:cNvSpPr>
+          <p:nvPr>
+            <p:ph type="sldNum" sz="quarter" idx="12"/>
+          </p:nvPr>
+        </p:nvSpPr>
+        <p:spPr/>
+        <p:txBody>
+          <a:bodyPr/>
+          <a:lstStyle/>
+          <a:p>
+            <a:pPr>
+              <a:defRPr/>
+            </a:pPr>
+            <a:fld id="{C839B8DC-59A4-4126-A6DA-521F0371D5DB}" type="slidenum">
+              <a:rPr lang="en-US" smtClean="0"/>
+              <a:pPr>
+                <a:defRPr/>
+              </a:pPr>
+              <a:t>5</a:t>
+            </a:fld>
+            <a:endParaRPr lang="en-US" dirty="0"/>
           </a:p>
         </p:txBody>
       </p:sp>
@@ -21002,6 +22139,35 @@
               <a:rPr lang="en-US" dirty="0" smtClean="0"/>
               <a:t>N2 global twiddle factors</a:t>
             </a:r>
+          </a:p>
+        </p:txBody>
+      </p:sp>
+      <p:sp>
+        <p:nvSpPr>
+          <p:cNvPr id="4" name="Slide Number Placeholder 3"/>
+          <p:cNvSpPr>
+            <a:spLocks noGrp="1"/>
+          </p:cNvSpPr>
+          <p:nvPr>
+            <p:ph type="sldNum" sz="quarter" idx="12"/>
+          </p:nvPr>
+        </p:nvSpPr>
+        <p:spPr/>
+        <p:txBody>
+          <a:bodyPr/>
+          <a:lstStyle/>
+          <a:p>
+            <a:pPr>
+              <a:defRPr/>
+            </a:pPr>
+            <a:fld id="{BE84A4F1-46A7-4759-8C8C-E84B818DD936}" type="slidenum">
+              <a:rPr lang="en-US" smtClean="0"/>
+              <a:pPr>
+                <a:defRPr/>
+              </a:pPr>
+              <a:t>50</a:t>
+            </a:fld>
+            <a:endParaRPr lang="en-US" dirty="0"/>
           </a:p>
         </p:txBody>
       </p:sp>
@@ -21352,6 +22518,35 @@
           </a:graphicData>
         </a:graphic>
       </p:graphicFrame>
+      <p:sp>
+        <p:nvSpPr>
+          <p:cNvPr id="11" name="Slide Number Placeholder 10"/>
+          <p:cNvSpPr>
+            <a:spLocks noGrp="1"/>
+          </p:cNvSpPr>
+          <p:nvPr>
+            <p:ph type="sldNum" sz="quarter" idx="12"/>
+          </p:nvPr>
+        </p:nvSpPr>
+        <p:spPr/>
+        <p:txBody>
+          <a:bodyPr/>
+          <a:lstStyle/>
+          <a:p>
+            <a:pPr>
+              <a:defRPr/>
+            </a:pPr>
+            <a:fld id="{360C2C7B-56C3-456D-A602-8F272609B3FF}" type="slidenum">
+              <a:rPr lang="en-US" smtClean="0"/>
+              <a:pPr>
+                <a:defRPr/>
+              </a:pPr>
+              <a:t>51</a:t>
+            </a:fld>
+            <a:endParaRPr lang="en-US" dirty="0"/>
+          </a:p>
+        </p:txBody>
+      </p:sp>
     </p:spTree>
   </p:cSld>
   <p:clrMapOvr>
@@ -21510,6 +22705,35 @@
           </a:p>
         </p:txBody>
       </p:sp>
+      <p:sp>
+        <p:nvSpPr>
+          <p:cNvPr id="4" name="Slide Number Placeholder 3"/>
+          <p:cNvSpPr>
+            <a:spLocks noGrp="1"/>
+          </p:cNvSpPr>
+          <p:nvPr>
+            <p:ph type="sldNum" sz="quarter" idx="12"/>
+          </p:nvPr>
+        </p:nvSpPr>
+        <p:spPr/>
+        <p:txBody>
+          <a:bodyPr/>
+          <a:lstStyle/>
+          <a:p>
+            <a:pPr>
+              <a:defRPr/>
+            </a:pPr>
+            <a:fld id="{BE84A4F1-46A7-4759-8C8C-E84B818DD936}" type="slidenum">
+              <a:rPr lang="en-US" smtClean="0"/>
+              <a:pPr>
+                <a:defRPr/>
+              </a:pPr>
+              <a:t>52</a:t>
+            </a:fld>
+            <a:endParaRPr lang="en-US" dirty="0"/>
+          </a:p>
+        </p:txBody>
+      </p:sp>
     </p:spTree>
   </p:cSld>
   <p:clrMapOvr>
@@ -21630,6 +22854,35 @@
           </a:p>
         </p:txBody>
       </p:sp>
+      <p:sp>
+        <p:nvSpPr>
+          <p:cNvPr id="4" name="Slide Number Placeholder 3"/>
+          <p:cNvSpPr>
+            <a:spLocks noGrp="1"/>
+          </p:cNvSpPr>
+          <p:nvPr>
+            <p:ph type="sldNum" sz="quarter" idx="12"/>
+          </p:nvPr>
+        </p:nvSpPr>
+        <p:spPr/>
+        <p:txBody>
+          <a:bodyPr/>
+          <a:lstStyle/>
+          <a:p>
+            <a:pPr>
+              <a:defRPr/>
+            </a:pPr>
+            <a:fld id="{BE84A4F1-46A7-4759-8C8C-E84B818DD936}" type="slidenum">
+              <a:rPr lang="en-US" smtClean="0"/>
+              <a:pPr>
+                <a:defRPr/>
+              </a:pPr>
+              <a:t>53</a:t>
+            </a:fld>
+            <a:endParaRPr lang="en-US" dirty="0"/>
+          </a:p>
+        </p:txBody>
+      </p:sp>
     </p:spTree>
   </p:cSld>
   <p:clrMapOvr>
@@ -21725,6 +22978,35 @@
           </a:p>
         </p:txBody>
       </p:sp>
+      <p:sp>
+        <p:nvSpPr>
+          <p:cNvPr id="4" name="Slide Number Placeholder 3"/>
+          <p:cNvSpPr>
+            <a:spLocks noGrp="1"/>
+          </p:cNvSpPr>
+          <p:nvPr>
+            <p:ph type="sldNum" sz="quarter" idx="12"/>
+          </p:nvPr>
+        </p:nvSpPr>
+        <p:spPr/>
+        <p:txBody>
+          <a:bodyPr/>
+          <a:lstStyle/>
+          <a:p>
+            <a:pPr>
+              <a:defRPr/>
+            </a:pPr>
+            <a:fld id="{BE84A4F1-46A7-4759-8C8C-E84B818DD936}" type="slidenum">
+              <a:rPr lang="en-US" smtClean="0"/>
+              <a:pPr>
+                <a:defRPr/>
+              </a:pPr>
+              <a:t>54</a:t>
+            </a:fld>
+            <a:endParaRPr lang="en-US" dirty="0"/>
+          </a:p>
+        </p:txBody>
+      </p:sp>
     </p:spTree>
   </p:cSld>
   <p:clrMapOvr>
@@ -21810,6 +23092,35 @@
           </a:p>
         </p:txBody>
       </p:sp>
+      <p:sp>
+        <p:nvSpPr>
+          <p:cNvPr id="4" name="Slide Number Placeholder 3"/>
+          <p:cNvSpPr>
+            <a:spLocks noGrp="1"/>
+          </p:cNvSpPr>
+          <p:nvPr>
+            <p:ph type="sldNum" sz="quarter" idx="12"/>
+          </p:nvPr>
+        </p:nvSpPr>
+        <p:spPr/>
+        <p:txBody>
+          <a:bodyPr/>
+          <a:lstStyle/>
+          <a:p>
+            <a:pPr>
+              <a:defRPr/>
+            </a:pPr>
+            <a:fld id="{BE84A4F1-46A7-4759-8C8C-E84B818DD936}" type="slidenum">
+              <a:rPr lang="en-US" smtClean="0"/>
+              <a:pPr>
+                <a:defRPr/>
+              </a:pPr>
+              <a:t>55</a:t>
+            </a:fld>
+            <a:endParaRPr lang="en-US" dirty="0"/>
+          </a:p>
+        </p:txBody>
+      </p:sp>
     </p:spTree>
   </p:cSld>
   <p:clrMapOvr>
@@ -21887,6 +23198,35 @@
           </a:p>
         </p:txBody>
       </p:sp>
+      <p:sp>
+        <p:nvSpPr>
+          <p:cNvPr id="4" name="Slide Number Placeholder 3"/>
+          <p:cNvSpPr>
+            <a:spLocks noGrp="1"/>
+          </p:cNvSpPr>
+          <p:nvPr>
+            <p:ph type="sldNum" sz="quarter" idx="12"/>
+          </p:nvPr>
+        </p:nvSpPr>
+        <p:spPr/>
+        <p:txBody>
+          <a:bodyPr/>
+          <a:lstStyle/>
+          <a:p>
+            <a:pPr>
+              <a:defRPr/>
+            </a:pPr>
+            <a:fld id="{BE84A4F1-46A7-4759-8C8C-E84B818DD936}" type="slidenum">
+              <a:rPr lang="en-US" smtClean="0"/>
+              <a:pPr>
+                <a:defRPr/>
+              </a:pPr>
+              <a:t>56</a:t>
+            </a:fld>
+            <a:endParaRPr lang="en-US" dirty="0"/>
+          </a:p>
+        </p:txBody>
+      </p:sp>
     </p:spTree>
   </p:cSld>
   <p:clrMapOvr>
@@ -21931,7 +23271,6 @@
               <a:rPr lang="en-US" dirty="0" smtClean="0"/>
               <a:t>Multicore Partitioning Examples</a:t>
             </a:r>
-            <a:endParaRPr lang="en-US" dirty="0" smtClean="0"/>
           </a:p>
         </p:txBody>
       </p:sp>
@@ -21952,27 +23291,14 @@
           <a:p>
             <a:r>
               <a:rPr lang="en-US" dirty="0" smtClean="0"/>
-              <a:t>Example </a:t>
-            </a:r>
+              <a:t>Example 3: ARM – DSP partition</a:t>
+            </a:r>
+          </a:p>
+          <a:p>
             <a:r>
               <a:rPr lang="en-US" dirty="0" smtClean="0"/>
-              <a:t>3</a:t>
-            </a:r>
-            <a:r>
-              <a:rPr lang="en-US" dirty="0" smtClean="0"/>
-              <a:t>: ARM – DSP partition</a:t>
-            </a:r>
-          </a:p>
-          <a:p>
-            <a:r>
-              <a:rPr lang="en-US" dirty="0" smtClean="0"/>
-              <a:t>CAT Scan </a:t>
-            </a:r>
-            <a:r>
-              <a:rPr lang="en-US" dirty="0" smtClean="0"/>
-              <a:t>application</a:t>
-            </a:r>
-            <a:endParaRPr lang="en-US" dirty="0" smtClean="0"/>
+              <a:t>CAT Scan application</a:t>
+            </a:r>
           </a:p>
         </p:txBody>
       </p:sp>
@@ -22022,15 +23348,7 @@
             <a:pPr eaLnBrk="1" hangingPunct="1"/>
             <a:r>
               <a:rPr lang="en-US" dirty="0" smtClean="0"/>
-              <a:t>CT </a:t>
-            </a:r>
-            <a:r>
-              <a:rPr lang="en-US" dirty="0" smtClean="0"/>
-              <a:t>Scan </a:t>
-            </a:r>
-            <a:r>
-              <a:rPr lang="en-US" dirty="0" smtClean="0"/>
-              <a:t>Machine</a:t>
+              <a:t>CT Scan Machine</a:t>
             </a:r>
           </a:p>
         </p:txBody>
@@ -22058,31 +23376,7 @@
             <a:pPr eaLnBrk="1" hangingPunct="1"/>
             <a:r>
               <a:rPr lang="en-US" sz="2400" dirty="0" smtClean="0"/>
-              <a:t>X-Ray source </a:t>
-            </a:r>
-            <a:r>
-              <a:rPr lang="en-US" sz="2400" dirty="0" smtClean="0"/>
-              <a:t>rotates </a:t>
-            </a:r>
-            <a:r>
-              <a:rPr lang="en-US" sz="2400" dirty="0" smtClean="0"/>
-              <a:t>around the  </a:t>
-            </a:r>
-            <a:r>
-              <a:rPr lang="en-US" sz="2400" dirty="0" smtClean="0"/>
-              <a:t>body while a </a:t>
-            </a:r>
-            <a:r>
-              <a:rPr lang="en-US" sz="2400" dirty="0" smtClean="0"/>
-              <a:t>set of detectors (1D, 2D) </a:t>
-            </a:r>
-            <a:r>
-              <a:rPr lang="en-US" sz="2400" dirty="0" smtClean="0"/>
-              <a:t>collects </a:t>
-            </a:r>
-            <a:r>
-              <a:rPr lang="en-US" sz="2400" dirty="0" smtClean="0"/>
-              <a:t>values</a:t>
+              <a:t>X-Ray source rotates around the  body while a set of detectors (1D, 2D) collects values</a:t>
             </a:r>
           </a:p>
           <a:p>
@@ -22096,47 +23390,22 @@
             <a:pPr lvl="1" eaLnBrk="1" hangingPunct="1"/>
             <a:r>
               <a:rPr lang="en-US" sz="2000" dirty="0" smtClean="0"/>
-              <a:t>Minimize exposure </a:t>
-            </a:r>
+              <a:t>Minimize exposure to X-Ray</a:t>
+            </a:r>
+          </a:p>
+          <a:p>
+            <a:pPr lvl="1" eaLnBrk="1" hangingPunct="1"/>
             <a:r>
               <a:rPr lang="en-US" sz="2000" dirty="0" smtClean="0"/>
-              <a:t>to </a:t>
-            </a:r>
-            <a:r>
-              <a:rPr lang="en-US" sz="2000" dirty="0" smtClean="0"/>
-              <a:t>X-Ray</a:t>
-            </a:r>
-          </a:p>
-          <a:p>
-            <a:pPr lvl="1" eaLnBrk="1" hangingPunct="1"/>
-            <a:r>
-              <a:rPr lang="en-US" sz="2000" dirty="0" smtClean="0"/>
-              <a:t>Obtain quality </a:t>
-            </a:r>
-            <a:r>
-              <a:rPr lang="en-US" sz="2000" dirty="0" smtClean="0"/>
-              <a:t>view of </a:t>
-            </a:r>
-            <a:r>
-              <a:rPr lang="en-US" sz="2000" dirty="0" smtClean="0"/>
-              <a:t>internal </a:t>
-            </a:r>
-            <a:r>
-              <a:rPr lang="en-US" sz="2000" dirty="0" smtClean="0"/>
-              <a:t>anatomy</a:t>
+              <a:t>Obtain quality view of internal anatomy</a:t>
             </a:r>
           </a:p>
           <a:p>
             <a:pPr eaLnBrk="1" hangingPunct="1"/>
             <a:r>
               <a:rPr lang="en-US" sz="2400" dirty="0" smtClean="0"/>
-              <a:t>Technician monitors in real-time the quality of the </a:t>
-            </a:r>
-            <a:r>
-              <a:rPr lang="en-US" sz="2400" dirty="0" smtClean="0"/>
-              <a:t>imaging</a:t>
-            </a:r>
-            <a:endParaRPr lang="en-US" sz="2400" dirty="0" smtClean="0"/>
+              <a:t>Technician monitors in real-time the quality of the imaging</a:t>
+            </a:r>
           </a:p>
         </p:txBody>
       </p:sp>
@@ -22172,6 +23441,30 @@
           </a:ln>
         </p:spPr>
       </p:pic>
+      <p:sp>
+        <p:nvSpPr>
+          <p:cNvPr id="5" name="Slide Number Placeholder 4"/>
+          <p:cNvSpPr>
+            <a:spLocks noGrp="1"/>
+          </p:cNvSpPr>
+          <p:nvPr>
+            <p:ph type="sldNum" sz="quarter" idx="4"/>
+          </p:nvPr>
+        </p:nvSpPr>
+        <p:spPr/>
+        <p:txBody>
+          <a:bodyPr/>
+          <a:lstStyle/>
+          <a:p>
+            <a:fld id="{3144B24B-BAB1-431A-82C6-36E096187F50}" type="slidenum">
+              <a:rPr lang="en-US" smtClean="0"/>
+              <a:pPr/>
+              <a:t>58</a:t>
+            </a:fld>
+            <a:endParaRPr lang="en-US" dirty="0"/>
+          </a:p>
+        </p:txBody>
+      </p:sp>
     </p:spTree>
   </p:cSld>
   <p:clrMapOvr>
@@ -22223,15 +23516,7 @@
           <a:p>
             <a:r>
               <a:rPr lang="en-US" sz="3600" dirty="0" smtClean="0"/>
-              <a:t>Computerized </a:t>
-            </a:r>
-            <a:r>
-              <a:rPr lang="en-US" sz="3600" dirty="0" smtClean="0"/>
-              <a:t>Tomography: </a:t>
-            </a:r>
-            <a:r>
-              <a:rPr lang="en-US" sz="3600" dirty="0" smtClean="0"/>
-              <a:t>Trauma case</a:t>
+              <a:t>Computerized Tomography: Trauma case</a:t>
             </a:r>
             <a:endParaRPr lang="en-US" sz="3600" dirty="0"/>
           </a:p>
@@ -22261,77 +23546,19 @@
                   <a:schemeClr val="tx1"/>
                 </a:solidFill>
               </a:rPr>
-              <a:t>Scanning hundreds slices to </a:t>
-            </a:r>
+              <a:t>Scanning hundreds slices to determine if there is internal damage. Each slice takes about a second.</a:t>
+            </a:r>
+          </a:p>
+          <a:p>
+            <a:pPr algn="l"/>
             <a:r>
               <a:rPr lang="en-US" sz="2800" dirty="0" smtClean="0">
                 <a:solidFill>
                   <a:schemeClr val="tx1"/>
                 </a:solidFill>
               </a:rPr>
-              <a:t>determine if there </a:t>
-            </a:r>
-            <a:r>
-              <a:rPr lang="en-US" sz="2800" dirty="0" smtClean="0">
-                <a:solidFill>
-                  <a:schemeClr val="tx1"/>
-                </a:solidFill>
-              </a:rPr>
-              <a:t>is internal damage. Each slice takes about a </a:t>
-            </a:r>
-            <a:r>
-              <a:rPr lang="en-US" sz="2800" dirty="0" smtClean="0">
-                <a:solidFill>
-                  <a:schemeClr val="tx1"/>
-                </a:solidFill>
-              </a:rPr>
-              <a:t>second.</a:t>
-            </a:r>
-            <a:endParaRPr lang="en-US" sz="2800" dirty="0" smtClean="0">
-              <a:solidFill>
-                <a:schemeClr val="tx1"/>
-              </a:solidFill>
-            </a:endParaRPr>
-          </a:p>
-          <a:p>
-            <a:pPr algn="l"/>
-            <a:r>
-              <a:rPr lang="en-US" sz="2800" dirty="0" smtClean="0">
-                <a:solidFill>
-                  <a:schemeClr val="tx1"/>
-                </a:solidFill>
-              </a:rPr>
-              <a:t>At the same time, a physician sits in </a:t>
-            </a:r>
-            <a:r>
-              <a:rPr lang="en-US" sz="2800" dirty="0" smtClean="0">
-                <a:solidFill>
-                  <a:schemeClr val="tx1"/>
-                </a:solidFill>
-              </a:rPr>
-              <a:t>front </a:t>
-            </a:r>
-            <a:r>
-              <a:rPr lang="en-US" sz="2800" dirty="0" smtClean="0">
-                <a:solidFill>
-                  <a:schemeClr val="tx1"/>
-                </a:solidFill>
-              </a:rPr>
-              <a:t>of the display and has the ability to manipulate the </a:t>
-            </a:r>
-            <a:r>
-              <a:rPr lang="en-US" sz="2800" dirty="0" smtClean="0">
-                <a:solidFill>
-                  <a:schemeClr val="tx1"/>
-                </a:solidFill>
-              </a:rPr>
-              <a:t>images:</a:t>
-            </a:r>
-            <a:endParaRPr lang="en-US" sz="2800" dirty="0" smtClean="0">
-              <a:solidFill>
-                <a:schemeClr val="tx1"/>
-              </a:solidFill>
-            </a:endParaRPr>
+              <a:t>At the same time, a physician sits in front of the display and has the ability to manipulate the images:</a:t>
+            </a:r>
           </a:p>
           <a:p>
             <a:pPr lvl="1"/>
@@ -22341,26 +23568,14 @@
                   <a:schemeClr val="tx1"/>
                 </a:solidFill>
               </a:rPr>
-              <a:t>Rotate </a:t>
-            </a:r>
-            <a:r>
-              <a:rPr lang="en-US" sz="2400" dirty="0" smtClean="0">
-                <a:solidFill>
-                  <a:schemeClr val="tx1"/>
-                </a:solidFill>
-              </a:rPr>
-              <a:t>the images</a:t>
+              <a:t>Rotate the images</a:t>
             </a:r>
           </a:p>
           <a:p>
             <a:pPr lvl="1"/>
             <a:r>
               <a:rPr lang="en-US" sz="2400" dirty="0" smtClean="0"/>
-              <a:t>Color </a:t>
-            </a:r>
-            <a:r>
-              <a:rPr lang="en-US" sz="2400" dirty="0" smtClean="0"/>
-              <a:t>certain values</a:t>
+              <a:t>Color certain values</a:t>
             </a:r>
           </a:p>
           <a:p>
@@ -22386,15 +23601,7 @@
                   <a:schemeClr val="tx1"/>
                 </a:solidFill>
               </a:rPr>
-              <a:t>ther </a:t>
-            </a:r>
-            <a:r>
-              <a:rPr lang="en-US" sz="2400" dirty="0" smtClean="0">
-                <a:solidFill>
-                  <a:schemeClr val="tx1"/>
-                </a:solidFill>
-              </a:rPr>
-              <a:t>image processing algorithms</a:t>
+              <a:t>ther image processing algorithms</a:t>
             </a:r>
           </a:p>
           <a:p>
@@ -22409,6 +23616,35 @@
               </a:rPr>
               <a:t>	</a:t>
             </a:r>
+          </a:p>
+        </p:txBody>
+      </p:sp>
+      <p:sp>
+        <p:nvSpPr>
+          <p:cNvPr id="4" name="Slide Number Placeholder 3"/>
+          <p:cNvSpPr>
+            <a:spLocks noGrp="1"/>
+          </p:cNvSpPr>
+          <p:nvPr>
+            <p:ph type="sldNum" sz="quarter" idx="12"/>
+          </p:nvPr>
+        </p:nvSpPr>
+        <p:spPr/>
+        <p:txBody>
+          <a:bodyPr/>
+          <a:lstStyle/>
+          <a:p>
+            <a:pPr>
+              <a:defRPr/>
+            </a:pPr>
+            <a:fld id="{BE84A4F1-46A7-4759-8C8C-E84B818DD936}" type="slidenum">
+              <a:rPr lang="en-US" smtClean="0"/>
+              <a:pPr>
+                <a:defRPr/>
+              </a:pPr>
+              <a:t>59</a:t>
+            </a:fld>
+            <a:endParaRPr lang="en-US" dirty="0"/>
           </a:p>
         </p:txBody>
       </p:sp>
@@ -22628,6 +23864,35 @@
             <a:endParaRPr lang="en-US" altLang="zh-CN" sz="2400" dirty="0">
               <a:ea typeface="SimSun" charset="-122"/>
             </a:endParaRPr>
+          </a:p>
+        </p:txBody>
+      </p:sp>
+      <p:sp>
+        <p:nvSpPr>
+          <p:cNvPr id="4" name="Slide Number Placeholder 3"/>
+          <p:cNvSpPr>
+            <a:spLocks noGrp="1"/>
+          </p:cNvSpPr>
+          <p:nvPr>
+            <p:ph type="sldNum" sz="quarter" idx="12"/>
+          </p:nvPr>
+        </p:nvSpPr>
+        <p:spPr/>
+        <p:txBody>
+          <a:bodyPr/>
+          <a:lstStyle/>
+          <a:p>
+            <a:pPr>
+              <a:defRPr/>
+            </a:pPr>
+            <a:fld id="{BE84A4F1-46A7-4759-8C8C-E84B818DD936}" type="slidenum">
+              <a:rPr lang="en-US" smtClean="0"/>
+              <a:pPr>
+                <a:defRPr/>
+              </a:pPr>
+              <a:t>6</a:t>
+            </a:fld>
+            <a:endParaRPr lang="en-US" dirty="0"/>
           </a:p>
         </p:txBody>
       </p:sp>
@@ -22681,13 +23946,8 @@
             <a:pPr eaLnBrk="1" hangingPunct="1"/>
             <a:r>
               <a:rPr lang="en-US" dirty="0" smtClean="0"/>
-              <a:t>CT Algorithm </a:t>
-            </a:r>
-            <a:r>
-              <a:rPr lang="en-US" dirty="0" smtClean="0"/>
-              <a:t>Overview</a:t>
-            </a:r>
-            <a:endParaRPr lang="en-US" dirty="0" smtClean="0"/>
+              <a:t>CT Algorithm Overview</a:t>
+            </a:r>
           </a:p>
         </p:txBody>
       </p:sp>
@@ -22722,59 +23982,28 @@
             </a:r>
             <a:r>
               <a:rPr lang="en-US" sz="2800" dirty="0" smtClean="0"/>
-              <a:t>-rays </a:t>
-            </a:r>
+              <a:t>-rays and a set of detectors.</a:t>
+            </a:r>
+          </a:p>
+          <a:p>
+            <a:pPr eaLnBrk="1" hangingPunct="1"/>
             <a:r>
               <a:rPr lang="en-US" sz="2800" dirty="0" smtClean="0"/>
-              <a:t>and a set of </a:t>
-            </a:r>
+              <a:t>Each detector detects the absorption of the line integral between the source and the detector.</a:t>
+            </a:r>
+          </a:p>
+          <a:p>
+            <a:pPr eaLnBrk="1" hangingPunct="1"/>
             <a:r>
               <a:rPr lang="en-US" sz="2800" dirty="0" smtClean="0"/>
-              <a:t>detectors.</a:t>
-            </a:r>
-            <a:endParaRPr lang="en-US" sz="2800" dirty="0" smtClean="0"/>
+              <a:t>The source rotates around the body and the detectors collect N sets of data.</a:t>
+            </a:r>
           </a:p>
           <a:p>
             <a:pPr eaLnBrk="1" hangingPunct="1"/>
             <a:r>
               <a:rPr lang="en-US" sz="2800" dirty="0" smtClean="0"/>
-              <a:t>Each detector detects the absorption of the line integral between the source and the </a:t>
-            </a:r>
-            <a:r>
-              <a:rPr lang="en-US" sz="2800" dirty="0" smtClean="0"/>
-              <a:t>detector.</a:t>
-            </a:r>
-            <a:endParaRPr lang="en-US" sz="2800" dirty="0" smtClean="0"/>
-          </a:p>
-          <a:p>
-            <a:pPr eaLnBrk="1" hangingPunct="1"/>
-            <a:r>
-              <a:rPr lang="en-US" sz="2800" dirty="0" smtClean="0"/>
-              <a:t>The source rotates around the body and the detectors collect N sets of </a:t>
-            </a:r>
-            <a:r>
-              <a:rPr lang="en-US" sz="2800" dirty="0" smtClean="0"/>
-              <a:t>data.</a:t>
-            </a:r>
-            <a:endParaRPr lang="en-US" sz="2800" dirty="0" smtClean="0"/>
-          </a:p>
-          <a:p>
-            <a:pPr eaLnBrk="1" hangingPunct="1"/>
-            <a:r>
-              <a:rPr lang="en-US" sz="2800" dirty="0" smtClean="0"/>
-              <a:t>The next slide </a:t>
-            </a:r>
-            <a:r>
-              <a:rPr lang="en-US" sz="2800" dirty="0" smtClean="0"/>
-              <a:t>demonstrates </a:t>
-            </a:r>
-            <a:r>
-              <a:rPr lang="en-US" sz="2800" dirty="0" smtClean="0"/>
-              <a:t>the </a:t>
-            </a:r>
-            <a:r>
-              <a:rPr lang="en-US" sz="2800" dirty="0" smtClean="0"/>
-              <a:t>geometry</a:t>
+              <a:t>The next slide demonstrates the geometry</a:t>
             </a:r>
             <a:br>
               <a:rPr lang="en-US" sz="2800" dirty="0" smtClean="0"/>
@@ -22784,6 +24013,30 @@
           <a:p>
             <a:pPr eaLnBrk="1" hangingPunct="1"/>
             <a:endParaRPr lang="en-US" sz="2800" dirty="0" smtClean="0"/>
+          </a:p>
+        </p:txBody>
+      </p:sp>
+      <p:sp>
+        <p:nvSpPr>
+          <p:cNvPr id="4" name="Slide Number Placeholder 3"/>
+          <p:cNvSpPr>
+            <a:spLocks noGrp="1"/>
+          </p:cNvSpPr>
+          <p:nvPr>
+            <p:ph type="sldNum" sz="quarter" idx="4"/>
+          </p:nvPr>
+        </p:nvSpPr>
+        <p:spPr/>
+        <p:txBody>
+          <a:bodyPr/>
+          <a:lstStyle/>
+          <a:p>
+            <a:fld id="{3144B24B-BAB1-431A-82C6-36E096187F50}" type="slidenum">
+              <a:rPr lang="en-US" smtClean="0"/>
+              <a:pPr/>
+              <a:t>60</a:t>
+            </a:fld>
+            <a:endParaRPr lang="en-US" dirty="0"/>
           </a:p>
         </p:txBody>
       </p:sp>
@@ -22837,13 +24090,8 @@
             <a:pPr eaLnBrk="1" hangingPunct="1"/>
             <a:r>
               <a:rPr lang="en-US" dirty="0" smtClean="0"/>
-              <a:t>CT </a:t>
-            </a:r>
-            <a:r>
-              <a:rPr lang="en-US" dirty="0" smtClean="0"/>
-              <a:t>Algorithm Geometry</a:t>
-            </a:r>
-            <a:endParaRPr lang="en-US" dirty="0" smtClean="0"/>
+              <a:t>CT Algorithm Geometry</a:t>
+            </a:r>
           </a:p>
         </p:txBody>
       </p:sp>
@@ -22913,6 +24161,30 @@
           </a:p>
         </p:txBody>
       </p:sp>
+      <p:sp>
+        <p:nvSpPr>
+          <p:cNvPr id="5" name="Slide Number Placeholder 4"/>
+          <p:cNvSpPr>
+            <a:spLocks noGrp="1"/>
+          </p:cNvSpPr>
+          <p:nvPr>
+            <p:ph type="sldNum" sz="quarter" idx="4"/>
+          </p:nvPr>
+        </p:nvSpPr>
+        <p:spPr/>
+        <p:txBody>
+          <a:bodyPr/>
+          <a:lstStyle/>
+          <a:p>
+            <a:fld id="{3144B24B-BAB1-431A-82C6-36E096187F50}" type="slidenum">
+              <a:rPr lang="en-US" smtClean="0"/>
+              <a:pPr/>
+              <a:t>61</a:t>
+            </a:fld>
+            <a:endParaRPr lang="en-US" dirty="0"/>
+          </a:p>
+        </p:txBody>
+      </p:sp>
     </p:spTree>
   </p:cSld>
   <p:clrMapOvr>
@@ -22963,13 +24235,8 @@
             <a:pPr eaLnBrk="1" hangingPunct="1"/>
             <a:r>
               <a:rPr lang="en-US" dirty="0" smtClean="0"/>
-              <a:t>CT </a:t>
-            </a:r>
-            <a:r>
-              <a:rPr lang="en-US" dirty="0" smtClean="0"/>
-              <a:t>Algorithm Partitions</a:t>
-            </a:r>
-            <a:endParaRPr lang="en-US" dirty="0" smtClean="0"/>
+              <a:t>CT Algorithm Partitions</a:t>
+            </a:r>
           </a:p>
         </p:txBody>
       </p:sp>
@@ -23006,11 +24273,7 @@
             </a:r>
             <a:r>
               <a:rPr lang="en-US" sz="2800" dirty="0" smtClean="0"/>
-              <a:t> </a:t>
-            </a:r>
-            <a:r>
-              <a:rPr lang="en-US" sz="2800" dirty="0" smtClean="0"/>
-              <a:t>parts:</a:t>
+              <a:t> parts:</a:t>
             </a:r>
           </a:p>
           <a:p>
@@ -23022,7 +24285,6 @@
               <a:rPr lang="en-US" dirty="0" smtClean="0"/>
               <a:t>Pre-processing</a:t>
             </a:r>
-            <a:endParaRPr lang="en-US" dirty="0" smtClean="0"/>
           </a:p>
           <a:p>
             <a:pPr marL="914400" lvl="1" indent="-457200" eaLnBrk="1" hangingPunct="1">
@@ -23053,6 +24315,30 @@
               <a:rPr lang="en-US" dirty="0" smtClean="0"/>
               <a:t>3D processing</a:t>
             </a:r>
+          </a:p>
+        </p:txBody>
+      </p:sp>
+      <p:sp>
+        <p:nvSpPr>
+          <p:cNvPr id="4" name="Slide Number Placeholder 3"/>
+          <p:cNvSpPr>
+            <a:spLocks noGrp="1"/>
+          </p:cNvSpPr>
+          <p:nvPr>
+            <p:ph type="sldNum" sz="quarter" idx="4"/>
+          </p:nvPr>
+        </p:nvSpPr>
+        <p:spPr/>
+        <p:txBody>
+          <a:bodyPr/>
+          <a:lstStyle/>
+          <a:p>
+            <a:fld id="{3144B24B-BAB1-431A-82C6-36E096187F50}" type="slidenum">
+              <a:rPr lang="en-US" smtClean="0"/>
+              <a:pPr/>
+              <a:t>62</a:t>
+            </a:fld>
+            <a:endParaRPr lang="en-US" dirty="0"/>
           </a:p>
         </p:txBody>
       </p:sp>
@@ -23108,7 +24394,6 @@
               <a:rPr lang="en-US" dirty="0" smtClean="0"/>
               <a:t>CT Pre-processing</a:t>
             </a:r>
-            <a:endParaRPr lang="en-US" dirty="0" smtClean="0"/>
           </a:p>
         </p:txBody>
       </p:sp>
@@ -23135,51 +24420,26 @@
             <a:pPr eaLnBrk="1" hangingPunct="1"/>
             <a:r>
               <a:rPr lang="en-US" sz="2800" dirty="0" smtClean="0"/>
-              <a:t>Performed </a:t>
-            </a:r>
+              <a:t>Performed on each individual set of data collected from all detectors in single angle</a:t>
+            </a:r>
+          </a:p>
+          <a:p>
+            <a:pPr eaLnBrk="1" hangingPunct="1"/>
             <a:r>
               <a:rPr lang="en-US" sz="2800" dirty="0" smtClean="0"/>
-              <a:t>on each individual set of data collected from all detectors in single angle</a:t>
+              <a:t>Converts from absorption values to real values</a:t>
             </a:r>
           </a:p>
           <a:p>
             <a:pPr eaLnBrk="1" hangingPunct="1"/>
             <a:r>
               <a:rPr lang="en-US" sz="2800" dirty="0" smtClean="0"/>
-              <a:t>Converts </a:t>
-            </a:r>
-            <a:r>
-              <a:rPr lang="en-US" sz="2800" dirty="0" smtClean="0"/>
-              <a:t>from absorption values to real values</a:t>
-            </a:r>
-          </a:p>
-          <a:p>
-            <a:pPr eaLnBrk="1" hangingPunct="1"/>
-            <a:r>
-              <a:rPr lang="en-US" sz="2800" dirty="0" smtClean="0"/>
-              <a:t>Compensates </a:t>
-            </a:r>
-            <a:r>
-              <a:rPr lang="en-US" sz="2800" dirty="0" smtClean="0"/>
-              <a:t>on the variance in the geometry and </a:t>
-            </a:r>
-            <a:r>
-              <a:rPr lang="en-US" sz="2800" dirty="0" smtClean="0"/>
-              <a:t>detectors; </a:t>
+              <a:t>Compensates on the variance in the geometry and detectors; </a:t>
             </a:r>
             <a:r>
               <a:rPr lang="en-US" dirty="0" smtClean="0"/>
-              <a:t>Dead </a:t>
-            </a:r>
-            <a:r>
-              <a:rPr lang="en-US" dirty="0" smtClean="0"/>
-              <a:t>detectors are </a:t>
-            </a:r>
-            <a:r>
-              <a:rPr lang="en-US" dirty="0" smtClean="0"/>
-              <a:t>interpolated.</a:t>
-            </a:r>
-            <a:endParaRPr lang="en-US" dirty="0" smtClean="0"/>
+              <a:t>Dead detectors are interpolated.</a:t>
+            </a:r>
           </a:p>
           <a:p>
             <a:pPr eaLnBrk="1" hangingPunct="1"/>
@@ -23192,16 +24452,32 @@
             <a:pPr eaLnBrk="1" hangingPunct="1"/>
             <a:r>
               <a:rPr lang="en-US" sz="2800" dirty="0" smtClean="0"/>
-              <a:t>Other </a:t>
-            </a:r>
-            <a:r>
-              <a:rPr lang="en-US" sz="2800" dirty="0" smtClean="0"/>
-              <a:t>vector </a:t>
-            </a:r>
-            <a:r>
-              <a:rPr lang="en-US" sz="2800" dirty="0" smtClean="0"/>
-              <a:t>filtering operation (secret sauce) </a:t>
-            </a:r>
+              <a:t>Other vector filtering operation (secret sauce) </a:t>
+            </a:r>
+          </a:p>
+        </p:txBody>
+      </p:sp>
+      <p:sp>
+        <p:nvSpPr>
+          <p:cNvPr id="4" name="Slide Number Placeholder 3"/>
+          <p:cNvSpPr>
+            <a:spLocks noGrp="1"/>
+          </p:cNvSpPr>
+          <p:nvPr>
+            <p:ph type="sldNum" sz="quarter" idx="4"/>
+          </p:nvPr>
+        </p:nvSpPr>
+        <p:spPr/>
+        <p:txBody>
+          <a:bodyPr/>
+          <a:lstStyle/>
+          <a:p>
+            <a:fld id="{3144B24B-BAB1-431A-82C6-36E096187F50}" type="slidenum">
+              <a:rPr lang="en-US" smtClean="0"/>
+              <a:pPr/>
+              <a:t>63</a:t>
+            </a:fld>
+            <a:endParaRPr lang="en-US" dirty="0"/>
           </a:p>
         </p:txBody>
       </p:sp>
@@ -23255,11 +24531,7 @@
             <a:pPr eaLnBrk="1" hangingPunct="1"/>
             <a:r>
               <a:rPr lang="en-US" dirty="0" smtClean="0"/>
-              <a:t>CT Back </a:t>
-            </a:r>
-            <a:r>
-              <a:rPr lang="en-US" dirty="0" smtClean="0"/>
-              <a:t>Projector</a:t>
+              <a:t>CT Back Projector</a:t>
             </a:r>
           </a:p>
         </p:txBody>
@@ -23287,34 +24559,14 @@
             <a:pPr eaLnBrk="1" hangingPunct="1"/>
             <a:r>
               <a:rPr lang="en-US" sz="2800" dirty="0" smtClean="0"/>
-              <a:t>For each </a:t>
-            </a:r>
+              <a:t>For each pixel, accumulates the contributions of all the lines that passed through the pixel</a:t>
+            </a:r>
+          </a:p>
+          <a:p>
+            <a:pPr eaLnBrk="1" hangingPunct="1"/>
             <a:r>
               <a:rPr lang="en-US" sz="2800" dirty="0" smtClean="0"/>
-              <a:t>pixel, accumulates </a:t>
-            </a:r>
-            <a:r>
-              <a:rPr lang="en-US" sz="2800" dirty="0" smtClean="0"/>
-              <a:t>the contributions of all the lines that passed through the pixel</a:t>
-            </a:r>
-          </a:p>
-          <a:p>
-            <a:pPr eaLnBrk="1" hangingPunct="1"/>
-            <a:r>
-              <a:rPr lang="en-US" sz="2800" dirty="0" smtClean="0"/>
-              <a:t>Involves </a:t>
-            </a:r>
-            <a:r>
-              <a:rPr lang="en-US" sz="2800" dirty="0" smtClean="0"/>
-              <a:t>interpolation between two </a:t>
-            </a:r>
-            <a:r>
-              <a:rPr lang="en-US" sz="2800" dirty="0" smtClean="0"/>
-              <a:t>rays … </a:t>
-            </a:r>
-            <a:r>
-              <a:rPr lang="en-US" sz="2800" dirty="0" smtClean="0"/>
-              <a:t>and adding to a value</a:t>
+              <a:t>Involves interpolation between two rays … and adding to a value</a:t>
             </a:r>
           </a:p>
           <a:p>
@@ -23337,12 +24589,36 @@
         </p:xfrm>
         <a:graphic>
           <a:graphicData uri="http://schemas.openxmlformats.org/presentationml/2006/ole">
-            <p:oleObj spid="_x0000_s150530" name="Visio" r:id="rId4" imgW="6111105" imgH="5196696" progId="Visio.Drawing.11">
+            <p:oleObj spid="_x0000_s150530" name="Visio" r:id="rId4" imgW="6111105" imgH="5196696" progId="">
               <p:embed/>
             </p:oleObj>
           </a:graphicData>
         </a:graphic>
       </p:graphicFrame>
+      <p:sp>
+        <p:nvSpPr>
+          <p:cNvPr id="5" name="Slide Number Placeholder 4"/>
+          <p:cNvSpPr>
+            <a:spLocks noGrp="1"/>
+          </p:cNvSpPr>
+          <p:nvPr>
+            <p:ph type="sldNum" sz="quarter" idx="4"/>
+          </p:nvPr>
+        </p:nvSpPr>
+        <p:spPr/>
+        <p:txBody>
+          <a:bodyPr/>
+          <a:lstStyle/>
+          <a:p>
+            <a:fld id="{3144B24B-BAB1-431A-82C6-36E096187F50}" type="slidenum">
+              <a:rPr lang="en-US" smtClean="0"/>
+              <a:pPr/>
+              <a:t>64</a:t>
+            </a:fld>
+            <a:endParaRPr lang="en-US" dirty="0"/>
+          </a:p>
+        </p:txBody>
+      </p:sp>
     </p:spTree>
   </p:cSld>
   <p:clrMapOvr>
@@ -23473,6 +24749,30 @@
           </a:p>
         </p:txBody>
       </p:sp>
+      <p:sp>
+        <p:nvSpPr>
+          <p:cNvPr id="4" name="Slide Number Placeholder 3"/>
+          <p:cNvSpPr>
+            <a:spLocks noGrp="1"/>
+          </p:cNvSpPr>
+          <p:nvPr>
+            <p:ph type="sldNum" sz="quarter" idx="4"/>
+          </p:nvPr>
+        </p:nvSpPr>
+        <p:spPr/>
+        <p:txBody>
+          <a:bodyPr/>
+          <a:lstStyle/>
+          <a:p>
+            <a:fld id="{3144B24B-BAB1-431A-82C6-36E096187F50}" type="slidenum">
+              <a:rPr lang="en-US" smtClean="0"/>
+              <a:pPr/>
+              <a:t>65</a:t>
+            </a:fld>
+            <a:endParaRPr lang="en-US" dirty="0"/>
+          </a:p>
+        </p:txBody>
+      </p:sp>
     </p:spTree>
   </p:cSld>
   <p:clrMapOvr>
@@ -23561,6 +24861,30 @@
           </a:p>
         </p:txBody>
       </p:sp>
+      <p:sp>
+        <p:nvSpPr>
+          <p:cNvPr id="4" name="Slide Number Placeholder 3"/>
+          <p:cNvSpPr>
+            <a:spLocks noGrp="1"/>
+          </p:cNvSpPr>
+          <p:nvPr>
+            <p:ph type="sldNum" sz="quarter" idx="4"/>
+          </p:nvPr>
+        </p:nvSpPr>
+        <p:spPr/>
+        <p:txBody>
+          <a:bodyPr/>
+          <a:lstStyle/>
+          <a:p>
+            <a:fld id="{3144B24B-BAB1-431A-82C6-36E096187F50}" type="slidenum">
+              <a:rPr lang="en-US" smtClean="0"/>
+              <a:pPr/>
+              <a:t>66</a:t>
+            </a:fld>
+            <a:endParaRPr lang="en-US" dirty="0"/>
+          </a:p>
+        </p:txBody>
+      </p:sp>
     </p:spTree>
   </p:cSld>
   <p:clrMapOvr>
@@ -23677,6 +25001,30 @@
           </a:p>
         </p:txBody>
       </p:sp>
+      <p:sp>
+        <p:nvSpPr>
+          <p:cNvPr id="4" name="Slide Number Placeholder 3"/>
+          <p:cNvSpPr>
+            <a:spLocks noGrp="1"/>
+          </p:cNvSpPr>
+          <p:nvPr>
+            <p:ph type="sldNum" sz="quarter" idx="4"/>
+          </p:nvPr>
+        </p:nvSpPr>
+        <p:spPr/>
+        <p:txBody>
+          <a:bodyPr/>
+          <a:lstStyle/>
+          <a:p>
+            <a:fld id="{3144B24B-BAB1-431A-82C6-36E096187F50}" type="slidenum">
+              <a:rPr lang="en-US" smtClean="0"/>
+              <a:pPr/>
+              <a:t>67</a:t>
+            </a:fld>
+            <a:endParaRPr lang="en-US" dirty="0"/>
+          </a:p>
+        </p:txBody>
+      </p:sp>
     </p:spTree>
   </p:cSld>
   <p:clrMapOvr>
@@ -23732,13 +25080,8 @@
             <a:pPr eaLnBrk="1" hangingPunct="1"/>
             <a:r>
               <a:rPr lang="en-US" sz="3600" dirty="0" smtClean="0"/>
-              <a:t>Memory and IO </a:t>
-            </a:r>
-            <a:r>
-              <a:rPr lang="en-US" sz="3600" dirty="0" smtClean="0"/>
-              <a:t>Considerations</a:t>
-            </a:r>
-            <a:endParaRPr lang="en-US" sz="3600" dirty="0" smtClean="0"/>
+              <a:t>Memory and IO Considerations</a:t>
+            </a:r>
           </a:p>
         </p:txBody>
       </p:sp>
@@ -23765,41 +25108,21 @@
             <a:pPr eaLnBrk="1" hangingPunct="1"/>
             <a:r>
               <a:rPr lang="en-US" sz="2800" dirty="0" smtClean="0"/>
-              <a:t>Input data per </a:t>
-            </a:r>
+              <a:t>Input data per second: 800 * 360 * 2 = 562.5 K Bytes</a:t>
+            </a:r>
+          </a:p>
+          <a:p>
+            <a:pPr eaLnBrk="1" hangingPunct="1"/>
             <a:r>
               <a:rPr lang="en-US" sz="2800" dirty="0" smtClean="0"/>
-              <a:t>second: </a:t>
-            </a:r>
+              <a:t>Total input data (562.5K x 360) = ~ 198MB</a:t>
+            </a:r>
+          </a:p>
+          <a:p>
+            <a:pPr eaLnBrk="1" hangingPunct="1"/>
             <a:r>
               <a:rPr lang="en-US" sz="2800" dirty="0" smtClean="0"/>
-              <a:t>800 * 360 * 2 = 562.5 K Bytes</a:t>
-            </a:r>
-          </a:p>
-          <a:p>
-            <a:pPr eaLnBrk="1" hangingPunct="1"/>
-            <a:r>
-              <a:rPr lang="en-US" sz="2800" dirty="0" smtClean="0"/>
-              <a:t>Total input data (562.5K x 360) </a:t>
-            </a:r>
-            <a:r>
-              <a:rPr lang="en-US" sz="2800" dirty="0" smtClean="0"/>
-              <a:t>= ~ </a:t>
-            </a:r>
-            <a:r>
-              <a:rPr lang="en-US" sz="2800" dirty="0" smtClean="0"/>
-              <a:t>198MB</a:t>
-            </a:r>
-          </a:p>
-          <a:p>
-            <a:pPr eaLnBrk="1" hangingPunct="1"/>
-            <a:r>
-              <a:rPr lang="en-US" sz="2800" dirty="0" smtClean="0"/>
-              <a:t>Image memory </a:t>
-            </a:r>
-            <a:r>
-              <a:rPr lang="en-US" sz="2800" dirty="0" smtClean="0"/>
-              <a:t>holds:</a:t>
+              <a:t>Image memory holds:</a:t>
             </a:r>
           </a:p>
           <a:p>
@@ -23827,26 +25150,14 @@
             <a:pPr eaLnBrk="1" hangingPunct="1"/>
             <a:r>
               <a:rPr lang="en-US" sz="2800" dirty="0" smtClean="0"/>
-              <a:t>Pre-process </a:t>
-            </a:r>
-            <a:r>
-              <a:rPr lang="en-US" sz="2800" dirty="0" smtClean="0"/>
-              <a:t>single vector</a:t>
+              <a:t>Pre-process single vector</a:t>
             </a:r>
           </a:p>
           <a:p>
             <a:pPr lvl="1" eaLnBrk="1" hangingPunct="1"/>
             <a:r>
               <a:rPr lang="en-US" sz="2200" dirty="0" smtClean="0"/>
-              <a:t>I</a:t>
-            </a:r>
-            <a:r>
-              <a:rPr lang="en-US" sz="2200" dirty="0" smtClean="0"/>
-              <a:t>nput </a:t>
-            </a:r>
-            <a:r>
-              <a:rPr lang="en-US" sz="2200" dirty="0" smtClean="0"/>
-              <a:t>size (single vector) 800 samples by 2 bytes –less than 2KB</a:t>
+              <a:t>Input size (single vector) 800 samples by 2 bytes –less than 2KB</a:t>
             </a:r>
           </a:p>
           <a:p>
@@ -23860,15 +25171,7 @@
             <a:pPr lvl="1" eaLnBrk="1" hangingPunct="1"/>
             <a:r>
               <a:rPr lang="en-US" sz="2200" dirty="0" smtClean="0"/>
-              <a:t>Output size (real) 2047 </a:t>
-            </a:r>
-            <a:r>
-              <a:rPr lang="en-US" sz="2200" dirty="0" smtClean="0"/>
-              <a:t>x 4 </a:t>
-            </a:r>
-            <a:r>
-              <a:rPr lang="en-US" sz="2200" dirty="0" smtClean="0"/>
-              <a:t>= 8KB</a:t>
+              <a:t>Output size (real) 2047 x 4 = 8KB</a:t>
             </a:r>
           </a:p>
           <a:p>
@@ -23883,6 +25186,30 @@
               <a:buNone/>
             </a:pPr>
             <a:endParaRPr lang="en-US" sz="2400" dirty="0" smtClean="0"/>
+          </a:p>
+        </p:txBody>
+      </p:sp>
+      <p:sp>
+        <p:nvSpPr>
+          <p:cNvPr id="4" name="Slide Number Placeholder 3"/>
+          <p:cNvSpPr>
+            <a:spLocks noGrp="1"/>
+          </p:cNvSpPr>
+          <p:nvPr>
+            <p:ph type="sldNum" sz="quarter" idx="4"/>
+          </p:nvPr>
+        </p:nvSpPr>
+        <p:spPr/>
+        <p:txBody>
+          <a:bodyPr/>
+          <a:lstStyle/>
+          <a:p>
+            <a:fld id="{3144B24B-BAB1-431A-82C6-36E096187F50}" type="slidenum">
+              <a:rPr lang="en-US" smtClean="0"/>
+              <a:pPr/>
+              <a:t>68</a:t>
+            </a:fld>
+            <a:endParaRPr lang="en-US" dirty="0"/>
           </a:p>
         </p:txBody>
       </p:sp>
@@ -23941,15 +25268,7 @@
             <a:pPr eaLnBrk="1" hangingPunct="1"/>
             <a:r>
               <a:rPr lang="en-US" dirty="0" smtClean="0"/>
-              <a:t>Memory and IO </a:t>
-            </a:r>
-            <a:r>
-              <a:rPr lang="en-US" dirty="0" smtClean="0"/>
-              <a:t>Considerations</a:t>
-            </a:r>
-            <a:r>
-              <a:rPr lang="en-US" dirty="0" smtClean="0"/>
-              <a:t/>
+              <a:t>Memory and IO Considerations</a:t>
             </a:r>
             <a:br>
               <a:rPr lang="en-US" dirty="0" smtClean="0"/>
@@ -23984,15 +25303,7 @@
             <a:pPr eaLnBrk="1" hangingPunct="1"/>
             <a:r>
               <a:rPr lang="en-US" sz="2800" dirty="0" smtClean="0"/>
-              <a:t>Back </a:t>
-            </a:r>
-            <a:r>
-              <a:rPr lang="en-US" sz="2800" dirty="0" smtClean="0"/>
-              <a:t>projector </a:t>
-            </a:r>
-            <a:r>
-              <a:rPr lang="en-US" sz="2800" dirty="0" smtClean="0"/>
-              <a:t>processing </a:t>
+              <a:t>Back projector processing </a:t>
             </a:r>
             <a:endParaRPr lang="en-US" sz="2400" dirty="0" smtClean="0"/>
           </a:p>
@@ -24016,6 +25327,30 @@
               <a:rPr lang="en-US" sz="2400" dirty="0" smtClean="0"/>
               <a:t>400 images, 400M</a:t>
             </a:r>
+          </a:p>
+        </p:txBody>
+      </p:sp>
+      <p:sp>
+        <p:nvSpPr>
+          <p:cNvPr id="4" name="Slide Number Placeholder 3"/>
+          <p:cNvSpPr>
+            <a:spLocks noGrp="1"/>
+          </p:cNvSpPr>
+          <p:nvPr>
+            <p:ph type="sldNum" sz="quarter" idx="4"/>
+          </p:nvPr>
+        </p:nvSpPr>
+        <p:spPr/>
+        <p:txBody>
+          <a:bodyPr/>
+          <a:lstStyle/>
+          <a:p>
+            <a:fld id="{3144B24B-BAB1-431A-82C6-36E096187F50}" type="slidenum">
+              <a:rPr lang="en-US" smtClean="0"/>
+              <a:pPr/>
+              <a:t>69</a:t>
+            </a:fld>
+            <a:endParaRPr lang="en-US" dirty="0"/>
           </a:p>
         </p:txBody>
       </p:sp>
@@ -24188,6 +25523,35 @@
           </a:p>
         </p:txBody>
       </p:sp>
+      <p:sp>
+        <p:nvSpPr>
+          <p:cNvPr id="4" name="Slide Number Placeholder 3"/>
+          <p:cNvSpPr>
+            <a:spLocks noGrp="1"/>
+          </p:cNvSpPr>
+          <p:nvPr>
+            <p:ph type="sldNum" sz="quarter" idx="12"/>
+          </p:nvPr>
+        </p:nvSpPr>
+        <p:spPr/>
+        <p:txBody>
+          <a:bodyPr/>
+          <a:lstStyle/>
+          <a:p>
+            <a:pPr>
+              <a:defRPr/>
+            </a:pPr>
+            <a:fld id="{BE84A4F1-46A7-4759-8C8C-E84B818DD936}" type="slidenum">
+              <a:rPr lang="en-US" smtClean="0"/>
+              <a:pPr>
+                <a:defRPr/>
+              </a:pPr>
+              <a:t>7</a:t>
+            </a:fld>
+            <a:endParaRPr lang="en-US" dirty="0"/>
+          </a:p>
+        </p:txBody>
+      </p:sp>
     </p:spTree>
   </p:cSld>
   <p:clrMapOvr>
@@ -24243,13 +25607,8 @@
             <a:pPr eaLnBrk="1" hangingPunct="1"/>
             <a:r>
               <a:rPr lang="en-US" sz="3600" dirty="0" smtClean="0"/>
-              <a:t>System </a:t>
-            </a:r>
-            <a:r>
-              <a:rPr lang="en-US" sz="3600" dirty="0" smtClean="0"/>
-              <a:t>Considerations</a:t>
-            </a:r>
-            <a:endParaRPr lang="en-US" sz="3600" dirty="0" smtClean="0"/>
+              <a:t>System Considerations</a:t>
+            </a:r>
           </a:p>
         </p:txBody>
       </p:sp>
@@ -24276,116 +25635,57 @@
             <a:pPr eaLnBrk="1" hangingPunct="1"/>
             <a:r>
               <a:rPr lang="en-US" sz="2400" dirty="0" smtClean="0"/>
-              <a:t>When scanning starts, images are processed </a:t>
-            </a:r>
+              <a:t>When scanning starts, images are processed at the rate of one image per second.</a:t>
+            </a:r>
+          </a:p>
+          <a:p>
+            <a:pPr eaLnBrk="1" hangingPunct="1"/>
             <a:r>
               <a:rPr lang="en-US" sz="2400" dirty="0" smtClean="0"/>
-              <a:t>at</a:t>
-            </a:r>
+              <a:t>The operator verifies that all settings and configuration are correct by viewing one image at a time and adjusting the image settings</a:t>
+            </a:r>
+          </a:p>
+          <a:p>
+            <a:pPr eaLnBrk="1" hangingPunct="1"/>
             <a:r>
               <a:rPr lang="en-US" sz="2400" dirty="0" smtClean="0"/>
-              <a:t> </a:t>
-            </a:r>
+              <a:t>The operator looks at images slower than one per second and needs flexibility in setting image parameters and configurations. The same is true for 3D manipulations</a:t>
+            </a:r>
+          </a:p>
+          <a:p>
+            <a:pPr eaLnBrk="1" hangingPunct="1"/>
             <a:r>
               <a:rPr lang="en-US" sz="2400" dirty="0" smtClean="0"/>
-              <a:t>the rate of one image per </a:t>
-            </a:r>
-            <a:r>
-              <a:rPr lang="en-US" sz="2400" dirty="0" smtClean="0"/>
-              <a:t>second.</a:t>
-            </a:r>
-            <a:endParaRPr lang="en-US" sz="2400" dirty="0" smtClean="0"/>
-          </a:p>
-          <a:p>
-            <a:pPr eaLnBrk="1" hangingPunct="1"/>
-            <a:r>
-              <a:rPr lang="en-US" sz="2400" dirty="0" smtClean="0"/>
-              <a:t>The </a:t>
-            </a:r>
-            <a:r>
-              <a:rPr lang="en-US" sz="2400" dirty="0" smtClean="0"/>
-              <a:t>operator verifies </a:t>
-            </a:r>
-            <a:r>
-              <a:rPr lang="en-US" sz="2400" dirty="0" smtClean="0"/>
-              <a:t>that all </a:t>
-            </a:r>
-            <a:r>
-              <a:rPr lang="en-US" sz="2400" dirty="0" smtClean="0"/>
-              <a:t>settings and configuration are </a:t>
-            </a:r>
-            <a:r>
-              <a:rPr lang="en-US" sz="2400" dirty="0" smtClean="0"/>
-              <a:t>correct </a:t>
-            </a:r>
-            <a:r>
-              <a:rPr lang="en-US" sz="2400" dirty="0" smtClean="0"/>
-              <a:t>by viewing one image </a:t>
-            </a:r>
-            <a:r>
-              <a:rPr lang="en-US" sz="2400" dirty="0" smtClean="0"/>
-              <a:t>at a time and </a:t>
-            </a:r>
-            <a:r>
-              <a:rPr lang="en-US" sz="2400" dirty="0" smtClean="0"/>
-              <a:t>adjusting the </a:t>
-            </a:r>
-            <a:r>
-              <a:rPr lang="en-US" sz="2400" dirty="0" smtClean="0"/>
-              <a:t>image </a:t>
-            </a:r>
-            <a:r>
-              <a:rPr lang="en-US" sz="2400" dirty="0" smtClean="0"/>
-              <a:t>settings</a:t>
-            </a:r>
-            <a:endParaRPr lang="en-US" sz="2400" dirty="0" smtClean="0"/>
-          </a:p>
-          <a:p>
-            <a:pPr eaLnBrk="1" hangingPunct="1"/>
-            <a:r>
-              <a:rPr lang="en-US" sz="2400" dirty="0" smtClean="0"/>
-              <a:t>The operator looks at images slower than one per second and needs flexibility in setting image parameters and </a:t>
-            </a:r>
-            <a:r>
-              <a:rPr lang="en-US" sz="2400" dirty="0" smtClean="0"/>
-              <a:t>configurations. The same </a:t>
-            </a:r>
-            <a:r>
-              <a:rPr lang="en-US" sz="2400" dirty="0" smtClean="0"/>
-              <a:t>is true for 3D manipulations</a:t>
-            </a:r>
-          </a:p>
-          <a:p>
-            <a:pPr eaLnBrk="1" hangingPunct="1"/>
-            <a:r>
-              <a:rPr lang="en-US" sz="2400" dirty="0" smtClean="0"/>
-              <a:t>The operator does not have to look at all the images. </a:t>
-            </a:r>
-            <a:r>
-              <a:rPr lang="en-US" sz="2400" dirty="0" smtClean="0"/>
-              <a:t>The </a:t>
-            </a:r>
-            <a:r>
-              <a:rPr lang="en-US" sz="2400" dirty="0" smtClean="0"/>
-              <a:t>image reconstruction rate is 1 per </a:t>
-            </a:r>
-            <a:r>
-              <a:rPr lang="en-US" sz="2400" dirty="0" smtClean="0"/>
-              <a:t>second. The </a:t>
-            </a:r>
-            <a:r>
-              <a:rPr lang="en-US" sz="2400" dirty="0" smtClean="0"/>
-              <a:t>image display rate (or 3D display) is much </a:t>
-            </a:r>
-            <a:r>
-              <a:rPr lang="en-US" sz="2400" dirty="0" smtClean="0"/>
-              <a:t>slower.</a:t>
-            </a:r>
-            <a:endParaRPr lang="en-US" sz="2400" dirty="0" smtClean="0"/>
+              <a:t>The operator does not have to look at all the images. The image reconstruction rate is 1 per second. The image display rate (or 3D display) is much slower.</a:t>
+            </a:r>
           </a:p>
           <a:p>
             <a:pPr eaLnBrk="1" hangingPunct="1"/>
             <a:endParaRPr lang="en-US" sz="2400" dirty="0" smtClean="0"/>
+          </a:p>
+        </p:txBody>
+      </p:sp>
+      <p:sp>
+        <p:nvSpPr>
+          <p:cNvPr id="4" name="Slide Number Placeholder 3"/>
+          <p:cNvSpPr>
+            <a:spLocks noGrp="1"/>
+          </p:cNvSpPr>
+          <p:nvPr>
+            <p:ph type="sldNum" sz="quarter" idx="4"/>
+          </p:nvPr>
+        </p:nvSpPr>
+        <p:spPr/>
+        <p:txBody>
+          <a:bodyPr/>
+          <a:lstStyle/>
+          <a:p>
+            <a:fld id="{3144B24B-BAB1-431A-82C6-36E096187F50}" type="slidenum">
+              <a:rPr lang="en-US" smtClean="0"/>
+              <a:pPr/>
+              <a:t>70</a:t>
+            </a:fld>
+            <a:endParaRPr lang="en-US" dirty="0"/>
           </a:p>
         </p:txBody>
       </p:sp>
@@ -24444,13 +25744,8 @@
             <a:pPr eaLnBrk="1" hangingPunct="1"/>
             <a:r>
               <a:rPr lang="en-US" sz="3600" dirty="0" smtClean="0"/>
-              <a:t>ARM - DSP </a:t>
-            </a:r>
-            <a:r>
-              <a:rPr lang="en-US" sz="3600" dirty="0" smtClean="0"/>
-              <a:t>Considerations</a:t>
-            </a:r>
-            <a:endParaRPr lang="en-US" sz="3600" dirty="0" smtClean="0"/>
+              <a:t>ARM - DSP Considerations</a:t>
+            </a:r>
           </a:p>
         </p:txBody>
       </p:sp>
@@ -24477,85 +25772,57 @@
             <a:pPr eaLnBrk="1" hangingPunct="1"/>
             <a:r>
               <a:rPr lang="en-US" sz="2400" dirty="0" smtClean="0"/>
-              <a:t>The ARM NEON </a:t>
-            </a:r>
+              <a:t>The ARM NEON and the FPU are optimized for vector/matrix bytes or half word operations.  Linux has many image processing libraries and 3D emulation libraries available. </a:t>
+            </a:r>
+          </a:p>
+          <a:p>
+            <a:pPr eaLnBrk="1" hangingPunct="1"/>
             <a:r>
               <a:rPr lang="en-US" sz="2400" dirty="0" smtClean="0"/>
-              <a:t>and </a:t>
-            </a:r>
+              <a:t>Intuitively, it looks like the ARM core will do all the image processing and the 3D processing.</a:t>
+            </a:r>
+          </a:p>
+          <a:p>
+            <a:pPr eaLnBrk="1" hangingPunct="1"/>
             <a:r>
               <a:rPr lang="en-US" sz="2400" dirty="0" smtClean="0"/>
-              <a:t>the FPU are optimized for vector/matrix bytes or half word operations.  Linux has many image processing libraries and 3D emulation libraries </a:t>
-            </a:r>
+              <a:t>DSP cores are very good in filtering, FFT, convolution and the like. The back projector algorithm can be easily implemented in DSP code.</a:t>
+            </a:r>
+          </a:p>
+          <a:p>
+            <a:pPr eaLnBrk="1" hangingPunct="1"/>
             <a:r>
               <a:rPr lang="en-US" sz="2400" dirty="0" smtClean="0"/>
-              <a:t>available. </a:t>
-            </a:r>
-            <a:endParaRPr lang="en-US" sz="2400" dirty="0" smtClean="0"/>
-          </a:p>
-          <a:p>
-            <a:pPr eaLnBrk="1" hangingPunct="1"/>
-            <a:r>
-              <a:rPr lang="en-US" sz="2400" dirty="0" smtClean="0"/>
-              <a:t>Intuitively, it </a:t>
-            </a:r>
-            <a:r>
-              <a:rPr lang="en-US" sz="2400" dirty="0" smtClean="0"/>
-              <a:t>looks like the ARM core will do all the image processing and the 3D </a:t>
-            </a:r>
-            <a:r>
-              <a:rPr lang="en-US" sz="2400" dirty="0" smtClean="0"/>
-              <a:t>processing.</a:t>
-            </a:r>
-            <a:endParaRPr lang="en-US" sz="2400" dirty="0" smtClean="0"/>
-          </a:p>
-          <a:p>
-            <a:pPr eaLnBrk="1" hangingPunct="1"/>
-            <a:r>
-              <a:rPr lang="en-US" sz="2400" dirty="0" smtClean="0"/>
-              <a:t>DSP cores are very good in filtering, FFT, convolution and </a:t>
-            </a:r>
-            <a:r>
-              <a:rPr lang="en-US" sz="2400" dirty="0" smtClean="0"/>
-              <a:t>the </a:t>
-            </a:r>
-            <a:r>
-              <a:rPr lang="en-US" sz="2400" dirty="0" smtClean="0"/>
-              <a:t>like. The back projector algorithm can be easily </a:t>
-            </a:r>
-            <a:r>
-              <a:rPr lang="en-US" sz="2400" dirty="0" smtClean="0"/>
-              <a:t>implemented in </a:t>
-            </a:r>
-            <a:r>
-              <a:rPr lang="en-US" sz="2400" dirty="0" smtClean="0"/>
-              <a:t>DSP </a:t>
-            </a:r>
-            <a:r>
-              <a:rPr lang="en-US" sz="2400" dirty="0" smtClean="0"/>
-              <a:t>code.</a:t>
-            </a:r>
-            <a:endParaRPr lang="en-US" sz="2400" dirty="0" smtClean="0"/>
-          </a:p>
-          <a:p>
-            <a:pPr eaLnBrk="1" hangingPunct="1"/>
-            <a:r>
-              <a:rPr lang="en-US" sz="2400" dirty="0" smtClean="0"/>
-              <a:t>Intuitively, </a:t>
-            </a:r>
-            <a:r>
-              <a:rPr lang="en-US" sz="2400" dirty="0" smtClean="0"/>
-              <a:t>it looks like the 8 DSP cores will do the preprocessing and the back projection </a:t>
-            </a:r>
-            <a:r>
-              <a:rPr lang="en-US" sz="2400" dirty="0" smtClean="0"/>
-              <a:t>operation.</a:t>
-            </a:r>
-            <a:endParaRPr lang="en-US" sz="2400" dirty="0" smtClean="0"/>
+              <a:t>Intuitively, it looks like the 8 DSP cores will do the preprocessing and the back projection operation.</a:t>
+            </a:r>
           </a:p>
           <a:p>
             <a:pPr eaLnBrk="1" hangingPunct="1"/>
             <a:endParaRPr lang="en-US" sz="2400" dirty="0" smtClean="0"/>
+          </a:p>
+        </p:txBody>
+      </p:sp>
+      <p:sp>
+        <p:nvSpPr>
+          <p:cNvPr id="4" name="Slide Number Placeholder 3"/>
+          <p:cNvSpPr>
+            <a:spLocks noGrp="1"/>
+          </p:cNvSpPr>
+          <p:nvPr>
+            <p:ph type="sldNum" sz="quarter" idx="4"/>
+          </p:nvPr>
+        </p:nvSpPr>
+        <p:spPr/>
+        <p:txBody>
+          <a:bodyPr/>
+          <a:lstStyle/>
+          <a:p>
+            <a:fld id="{3144B24B-BAB1-431A-82C6-36E096187F50}" type="slidenum">
+              <a:rPr lang="en-US" smtClean="0"/>
+              <a:pPr/>
+              <a:t>71</a:t>
+            </a:fld>
+            <a:endParaRPr lang="en-US" dirty="0"/>
           </a:p>
         </p:txBody>
       </p:sp>
@@ -24609,11 +25876,7 @@
             <a:pPr eaLnBrk="1" hangingPunct="1"/>
             <a:r>
               <a:rPr lang="en-US" dirty="0" smtClean="0"/>
-              <a:t>“My System” </a:t>
-            </a:r>
-            <a:r>
-              <a:rPr lang="en-US" dirty="0" smtClean="0"/>
-              <a:t>Architecture</a:t>
+              <a:t>“My System” Architecture</a:t>
             </a:r>
           </a:p>
         </p:txBody>
@@ -24632,12 +25895,36 @@
         </p:xfrm>
         <a:graphic>
           <a:graphicData uri="http://schemas.openxmlformats.org/presentationml/2006/ole">
-            <p:oleObj spid="_x0000_s151554" name="Visio" r:id="rId4" imgW="8899081" imgH="4625260" progId="Visio.Drawing.11">
+            <p:oleObj spid="_x0000_s151554" name="Visio" r:id="rId4" imgW="8899081" imgH="4625260" progId="">
               <p:embed/>
             </p:oleObj>
           </a:graphicData>
         </a:graphic>
       </p:graphicFrame>
+      <p:sp>
+        <p:nvSpPr>
+          <p:cNvPr id="4" name="Slide Number Placeholder 3"/>
+          <p:cNvSpPr>
+            <a:spLocks noGrp="1"/>
+          </p:cNvSpPr>
+          <p:nvPr>
+            <p:ph type="sldNum" sz="quarter" idx="4"/>
+          </p:nvPr>
+        </p:nvSpPr>
+        <p:spPr/>
+        <p:txBody>
+          <a:bodyPr/>
+          <a:lstStyle/>
+          <a:p>
+            <a:fld id="{3144B24B-BAB1-431A-82C6-36E096187F50}" type="slidenum">
+              <a:rPr lang="en-US" smtClean="0"/>
+              <a:pPr/>
+              <a:t>72</a:t>
+            </a:fld>
+            <a:endParaRPr lang="en-US" dirty="0"/>
+          </a:p>
+        </p:txBody>
+      </p:sp>
     </p:spTree>
   </p:cSld>
   <p:clrMapOvr>
@@ -24721,15 +26008,7 @@
             <a:pPr eaLnBrk="1" hangingPunct="1"/>
             <a:r>
               <a:rPr lang="en-US" sz="2400" dirty="0" smtClean="0"/>
-              <a:t>In my system, the DSPs build the images </a:t>
-            </a:r>
-            <a:r>
-              <a:rPr lang="en-US" sz="2400" dirty="0" smtClean="0"/>
-              <a:t>in </a:t>
-            </a:r>
-            <a:r>
-              <a:rPr lang="en-US" sz="2400" dirty="0" smtClean="0"/>
-              <a:t>shared memory</a:t>
+              <a:t>In my system, the DSPs build the images in shared memory</a:t>
             </a:r>
           </a:p>
           <a:p>
@@ -24779,6 +26058,30 @@
               <a:buNone/>
             </a:pPr>
             <a:endParaRPr lang="en-US" sz="2400" dirty="0" smtClean="0"/>
+          </a:p>
+        </p:txBody>
+      </p:sp>
+      <p:sp>
+        <p:nvSpPr>
+          <p:cNvPr id="4" name="Slide Number Placeholder 3"/>
+          <p:cNvSpPr>
+            <a:spLocks noGrp="1"/>
+          </p:cNvSpPr>
+          <p:nvPr>
+            <p:ph type="sldNum" sz="quarter" idx="4"/>
+          </p:nvPr>
+        </p:nvSpPr>
+        <p:spPr/>
+        <p:txBody>
+          <a:bodyPr/>
+          <a:lstStyle/>
+          <a:p>
+            <a:fld id="{3144B24B-BAB1-431A-82C6-36E096187F50}" type="slidenum">
+              <a:rPr lang="en-US" smtClean="0"/>
+              <a:pPr/>
+              <a:t>73</a:t>
+            </a:fld>
+            <a:endParaRPr lang="en-US" dirty="0"/>
           </a:p>
         </p:txBody>
       </p:sp>
@@ -24837,11 +26140,7 @@
             <a:pPr eaLnBrk="1" hangingPunct="1"/>
             <a:r>
               <a:rPr lang="en-US" sz="3600" dirty="0" smtClean="0"/>
-              <a:t>Partition </a:t>
-            </a:r>
-            <a:r>
-              <a:rPr lang="en-US" sz="3600" dirty="0" smtClean="0"/>
-              <a:t>Considerations:</a:t>
+              <a:t>Partition Considerations:</a:t>
             </a:r>
             <a:br>
               <a:rPr lang="en-US" sz="3600" dirty="0" smtClean="0"/>
@@ -24850,7 +26149,6 @@
               <a:rPr lang="en-US" sz="3600" dirty="0" smtClean="0"/>
               <a:t>Image Processing</a:t>
             </a:r>
-            <a:endParaRPr lang="en-US" sz="3600" dirty="0" smtClean="0"/>
           </a:p>
         </p:txBody>
       </p:sp>
@@ -24905,43 +26203,46 @@
             <a:pPr lvl="1" eaLnBrk="1" hangingPunct="1"/>
             <a:r>
               <a:rPr lang="en-US" sz="2000" dirty="0" smtClean="0"/>
-              <a:t>Each </a:t>
-            </a:r>
+              <a:t>Each A15 processes part of an image</a:t>
+            </a:r>
+          </a:p>
+          <a:p>
+            <a:pPr lvl="1" eaLnBrk="1" hangingPunct="1"/>
             <a:r>
               <a:rPr lang="en-US" sz="2000" dirty="0" smtClean="0"/>
-              <a:t>A15 </a:t>
-            </a:r>
-            <a:r>
-              <a:rPr lang="en-US" sz="2000" dirty="0" smtClean="0"/>
-              <a:t>processes part of an image</a:t>
-            </a:r>
-          </a:p>
-          <a:p>
-            <a:pPr lvl="1" eaLnBrk="1" hangingPunct="1"/>
-            <a:r>
-              <a:rPr lang="en-US" sz="2000" dirty="0" smtClean="0"/>
-              <a:t>Each </a:t>
-            </a:r>
-            <a:r>
-              <a:rPr lang="en-US" sz="2000" dirty="0" smtClean="0"/>
-              <a:t>A15 </a:t>
-            </a:r>
-            <a:r>
-              <a:rPr lang="en-US" sz="2000" dirty="0" smtClean="0"/>
-              <a:t>processes a different algorithm</a:t>
+              <a:t>Each A15 processes a different algorithm</a:t>
             </a:r>
           </a:p>
           <a:p>
             <a:pPr eaLnBrk="1" hangingPunct="1"/>
             <a:r>
               <a:rPr lang="en-US" sz="2400" dirty="0" smtClean="0"/>
-              <a:t>3D processing partition depends on the </a:t>
-            </a:r>
-            <a:r>
-              <a:rPr lang="en-US" sz="2400" dirty="0" smtClean="0"/>
-              <a:t>algorithm.</a:t>
-            </a:r>
-            <a:endParaRPr lang="en-US" sz="2400" dirty="0" smtClean="0"/>
+              <a:t>3D processing partition depends on the algorithm.</a:t>
+            </a:r>
+          </a:p>
+        </p:txBody>
+      </p:sp>
+      <p:sp>
+        <p:nvSpPr>
+          <p:cNvPr id="4" name="Slide Number Placeholder 3"/>
+          <p:cNvSpPr>
+            <a:spLocks noGrp="1"/>
+          </p:cNvSpPr>
+          <p:nvPr>
+            <p:ph type="sldNum" sz="quarter" idx="4"/>
+          </p:nvPr>
+        </p:nvSpPr>
+        <p:spPr/>
+        <p:txBody>
+          <a:bodyPr/>
+          <a:lstStyle/>
+          <a:p>
+            <a:fld id="{3144B24B-BAB1-431A-82C6-36E096187F50}" type="slidenum">
+              <a:rPr lang="en-US" smtClean="0"/>
+              <a:pPr/>
+              <a:t>74</a:t>
+            </a:fld>
+            <a:endParaRPr lang="en-US" dirty="0"/>
           </a:p>
         </p:txBody>
       </p:sp>
@@ -25000,36 +26301,15 @@
             <a:pPr eaLnBrk="1" hangingPunct="1"/>
             <a:r>
               <a:rPr lang="en-US" sz="3600" dirty="0" smtClean="0"/>
-              <a:t>Image </a:t>
-            </a:r>
-            <a:r>
-              <a:rPr lang="en-US" sz="3600" dirty="0" smtClean="0"/>
-              <a:t>Processing:</a:t>
+              <a:t>Image Processing:</a:t>
             </a:r>
             <a:br>
               <a:rPr lang="en-US" sz="3600" dirty="0" smtClean="0"/>
             </a:br>
             <a:r>
               <a:rPr lang="en-US" sz="3600" dirty="0" smtClean="0"/>
-              <a:t>Each </a:t>
-            </a:r>
-            <a:r>
-              <a:rPr lang="en-US" sz="3600" dirty="0" smtClean="0"/>
-              <a:t>A15 </a:t>
-            </a:r>
-            <a:r>
-              <a:rPr lang="en-US" sz="3600" dirty="0" smtClean="0"/>
-              <a:t>Processes </a:t>
-            </a:r>
-            <a:r>
-              <a:rPr lang="en-US" sz="3600" dirty="0" smtClean="0"/>
-              <a:t>a </a:t>
-            </a:r>
-            <a:r>
-              <a:rPr lang="en-US" sz="3600" dirty="0" smtClean="0"/>
-              <a:t>Different Image</a:t>
-            </a:r>
-            <a:endParaRPr lang="en-US" sz="3600" dirty="0" smtClean="0"/>
+              <a:t>Each A15 Processes a Different Image</a:t>
+            </a:r>
           </a:p>
         </p:txBody>
       </p:sp>
@@ -25056,33 +26336,15 @@
             <a:pPr eaLnBrk="1" hangingPunct="1"/>
             <a:r>
               <a:rPr lang="en-US" sz="2000" dirty="0" smtClean="0"/>
-              <a:t>A15 supports write-through for L1 and L2 </a:t>
-            </a:r>
+              <a:t>A15 supports write-through for L1 and L2 cache.</a:t>
+            </a:r>
+          </a:p>
+          <a:p>
+            <a:pPr eaLnBrk="1" hangingPunct="1"/>
             <a:r>
               <a:rPr lang="en-US" sz="2000" dirty="0" smtClean="0"/>
-              <a:t>cache.</a:t>
-            </a:r>
-            <a:endParaRPr lang="en-US" sz="2000" dirty="0" smtClean="0"/>
-          </a:p>
-          <a:p>
-            <a:pPr eaLnBrk="1" hangingPunct="1"/>
-            <a:r>
-              <a:rPr lang="en-US" sz="2000" dirty="0" smtClean="0"/>
-              <a:t>If the algorithm can work in-place (or does not need intermediate results), each A15 can process a different </a:t>
-            </a:r>
-            <a:r>
-              <a:rPr lang="en-US" sz="2000" dirty="0" smtClean="0"/>
-              <a:t>image; Each </a:t>
-            </a:r>
-            <a:r>
-              <a:rPr lang="en-US" sz="2000" dirty="0" smtClean="0"/>
-              <a:t>image is </a:t>
-            </a:r>
-            <a:r>
-              <a:rPr lang="en-US" sz="2000" dirty="0" smtClean="0"/>
-              <a:t>1MB.</a:t>
-            </a:r>
-            <a:endParaRPr lang="en-US" sz="2000" dirty="0" smtClean="0"/>
+              <a:t>If the algorithm can work in-place (or does not need intermediate results), each A15 can process a different image; Each image is 1MB.</a:t>
+            </a:r>
           </a:p>
           <a:p>
             <a:pPr eaLnBrk="1" hangingPunct="1"/>
@@ -25095,17 +26357,8 @@
             <a:pPr eaLnBrk="1" hangingPunct="1"/>
             <a:r>
               <a:rPr lang="en-US" sz="2000" dirty="0" smtClean="0"/>
-              <a:t>Disadvantage: Longer delay; Inefficient </a:t>
-            </a:r>
-            <a:r>
-              <a:rPr lang="en-US" sz="2000" dirty="0" smtClean="0"/>
-              <a:t>if intermediate results are needed (for the not-in-place case</a:t>
-            </a:r>
-            <a:r>
-              <a:rPr lang="en-US" sz="2000" dirty="0" smtClean="0"/>
-              <a:t>).</a:t>
-            </a:r>
-            <a:endParaRPr lang="en-US" sz="2000" dirty="0" smtClean="0"/>
+              <a:t>Disadvantage: Longer delay; Inefficient if intermediate results are needed (for the not-in-place case).</a:t>
+            </a:r>
           </a:p>
         </p:txBody>
       </p:sp>
@@ -25123,12 +26376,36 @@
         </p:xfrm>
         <a:graphic>
           <a:graphicData uri="http://schemas.openxmlformats.org/presentationml/2006/ole">
-            <p:oleObj spid="_x0000_s152578" name="Visio" r:id="rId4" imgW="7368416" imgH="5951977" progId="Visio.Drawing.11">
+            <p:oleObj spid="_x0000_s152578" name="Visio" r:id="rId4" imgW="7368416" imgH="5951977" progId="">
               <p:embed/>
             </p:oleObj>
           </a:graphicData>
         </a:graphic>
       </p:graphicFrame>
+      <p:sp>
+        <p:nvSpPr>
+          <p:cNvPr id="5" name="Slide Number Placeholder 4"/>
+          <p:cNvSpPr>
+            <a:spLocks noGrp="1"/>
+          </p:cNvSpPr>
+          <p:nvPr>
+            <p:ph type="sldNum" sz="quarter" idx="4"/>
+          </p:nvPr>
+        </p:nvSpPr>
+        <p:spPr/>
+        <p:txBody>
+          <a:bodyPr/>
+          <a:lstStyle/>
+          <a:p>
+            <a:fld id="{3144B24B-BAB1-431A-82C6-36E096187F50}" type="slidenum">
+              <a:rPr lang="en-US" smtClean="0"/>
+              <a:pPr/>
+              <a:t>75</a:t>
+            </a:fld>
+            <a:endParaRPr lang="en-US" dirty="0"/>
+          </a:p>
+        </p:txBody>
+      </p:sp>
     </p:spTree>
   </p:cSld>
   <p:clrMapOvr>
@@ -25184,44 +26461,15 @@
             <a:pPr eaLnBrk="1" hangingPunct="1"/>
             <a:r>
               <a:rPr lang="en-US" sz="3600" dirty="0" smtClean="0"/>
-              <a:t>Image </a:t>
-            </a:r>
-            <a:r>
-              <a:rPr lang="en-US" sz="3600" dirty="0" smtClean="0"/>
-              <a:t>Processing:</a:t>
+              <a:t>Image Processing:</a:t>
             </a:r>
             <a:br>
               <a:rPr lang="en-US" sz="3600" dirty="0" smtClean="0"/>
             </a:br>
             <a:r>
               <a:rPr lang="en-US" sz="3600" dirty="0" smtClean="0"/>
-              <a:t>Each </a:t>
-            </a:r>
-            <a:r>
-              <a:rPr lang="en-US" sz="3600" dirty="0" smtClean="0"/>
-              <a:t>A15 </a:t>
-            </a:r>
-            <a:r>
-              <a:rPr lang="en-US" sz="3600" dirty="0" smtClean="0"/>
-              <a:t>Processes </a:t>
-            </a:r>
-            <a:r>
-              <a:rPr lang="en-US" sz="3600" dirty="0" smtClean="0"/>
-              <a:t>a </a:t>
-            </a:r>
-            <a:r>
-              <a:rPr lang="en-US" sz="3600" dirty="0" smtClean="0"/>
-              <a:t>Part </a:t>
-            </a:r>
-            <a:r>
-              <a:rPr lang="en-US" sz="3600" dirty="0" smtClean="0"/>
-              <a:t>of the </a:t>
-            </a:r>
-            <a:r>
-              <a:rPr lang="en-US" sz="3600" dirty="0" smtClean="0"/>
-              <a:t>Image</a:t>
-            </a:r>
-            <a:endParaRPr lang="en-US" sz="3600" dirty="0" smtClean="0"/>
+              <a:t>Each A15 Processes a Part of the Image</a:t>
+            </a:r>
           </a:p>
         </p:txBody>
       </p:sp>
@@ -25248,69 +26496,29 @@
             <a:pPr eaLnBrk="1" hangingPunct="1"/>
             <a:r>
               <a:rPr lang="en-US" sz="2000" dirty="0" smtClean="0"/>
-              <a:t>The cache size supports double buffering and working </a:t>
-            </a:r>
+              <a:t>The cache size supports double buffering and working area.</a:t>
+            </a:r>
+          </a:p>
+          <a:p>
+            <a:pPr eaLnBrk="1" hangingPunct="1"/>
             <a:r>
               <a:rPr lang="en-US" sz="2000" dirty="0" smtClean="0"/>
-              <a:t>area.</a:t>
-            </a:r>
-            <a:endParaRPr lang="en-US" sz="2000" dirty="0" smtClean="0"/>
+              <a:t>Intermediate results can be maintained in cache, output written to a non-cacheable area. </a:t>
+            </a:r>
           </a:p>
           <a:p>
             <a:pPr eaLnBrk="1" hangingPunct="1"/>
             <a:r>
               <a:rPr lang="en-US" sz="2000" dirty="0" smtClean="0"/>
-              <a:t>Intermediate results can be maintained in cache, output written to a </a:t>
-            </a:r>
+              <a:t>Advantage: All data and scratch buffers can fit in the cache;  Efficient processing, small delay.</a:t>
+            </a:r>
+          </a:p>
+          <a:p>
+            <a:pPr eaLnBrk="1" hangingPunct="1"/>
             <a:r>
               <a:rPr lang="en-US" sz="2000" dirty="0" smtClean="0"/>
-              <a:t>non-cacheable area. </a:t>
-            </a:r>
-            <a:endParaRPr lang="en-US" sz="2000" dirty="0" smtClean="0"/>
-          </a:p>
-          <a:p>
-            <a:pPr eaLnBrk="1" hangingPunct="1"/>
-            <a:r>
-              <a:rPr lang="en-US" sz="2000" dirty="0" smtClean="0"/>
-              <a:t>Advantage: </a:t>
-            </a:r>
-            <a:r>
-              <a:rPr lang="en-US" sz="2000" dirty="0" smtClean="0"/>
-              <a:t>All </a:t>
-            </a:r>
-            <a:r>
-              <a:rPr lang="en-US" sz="2000" dirty="0" smtClean="0"/>
-              <a:t>data and scratch buffers can fit in the </a:t>
-            </a:r>
-            <a:r>
-              <a:rPr lang="en-US" sz="2000" dirty="0" smtClean="0"/>
-              <a:t>cache;  Efficient </a:t>
-            </a:r>
-            <a:r>
-              <a:rPr lang="en-US" sz="2000" dirty="0" smtClean="0"/>
-              <a:t>processing, small </a:t>
-            </a:r>
-            <a:r>
-              <a:rPr lang="en-US" sz="2000" dirty="0" smtClean="0"/>
-              <a:t>delay.</a:t>
-            </a:r>
-            <a:endParaRPr lang="en-US" sz="2000" dirty="0" smtClean="0"/>
-          </a:p>
-          <a:p>
-            <a:pPr eaLnBrk="1" hangingPunct="1"/>
-            <a:r>
-              <a:rPr lang="en-US" sz="2000" dirty="0" smtClean="0"/>
-              <a:t>Disadvantage: Need </a:t>
-            </a:r>
-            <a:r>
-              <a:rPr lang="en-US" sz="2000" dirty="0" smtClean="0"/>
-              <a:t>to pay attention to the boundaries between processing zones of each </a:t>
-            </a:r>
-            <a:r>
-              <a:rPr lang="en-US" sz="2000" dirty="0" smtClean="0"/>
-              <a:t>A15.</a:t>
-            </a:r>
-            <a:endParaRPr lang="en-US" sz="2000" dirty="0" smtClean="0"/>
+              <a:t>Disadvantage: Need to pay attention to the boundaries between processing zones of each A15.</a:t>
+            </a:r>
           </a:p>
         </p:txBody>
       </p:sp>
@@ -25328,12 +26536,36 @@
         </p:xfrm>
         <a:graphic>
           <a:graphicData uri="http://schemas.openxmlformats.org/presentationml/2006/ole">
-            <p:oleObj spid="_x0000_s153602" name="Visio" r:id="rId4" imgW="3965552" imgH="5269149" progId="Visio.Drawing.11">
+            <p:oleObj spid="_x0000_s153602" name="Visio" r:id="rId4" imgW="3965552" imgH="5269149" progId="">
               <p:embed/>
             </p:oleObj>
           </a:graphicData>
         </a:graphic>
       </p:graphicFrame>
+      <p:sp>
+        <p:nvSpPr>
+          <p:cNvPr id="6" name="Slide Number Placeholder 5"/>
+          <p:cNvSpPr>
+            <a:spLocks noGrp="1"/>
+          </p:cNvSpPr>
+          <p:nvPr>
+            <p:ph type="sldNum" sz="quarter" idx="4"/>
+          </p:nvPr>
+        </p:nvSpPr>
+        <p:spPr/>
+        <p:txBody>
+          <a:bodyPr/>
+          <a:lstStyle/>
+          <a:p>
+            <a:fld id="{3144B24B-BAB1-431A-82C6-36E096187F50}" type="slidenum">
+              <a:rPr lang="en-US" smtClean="0"/>
+              <a:pPr/>
+              <a:t>76</a:t>
+            </a:fld>
+            <a:endParaRPr lang="en-US" dirty="0"/>
+          </a:p>
+        </p:txBody>
+      </p:sp>
     </p:spTree>
   </p:cSld>
   <p:clrMapOvr>
@@ -25389,44 +26621,15 @@
             <a:pPr eaLnBrk="1" hangingPunct="1"/>
             <a:r>
               <a:rPr lang="en-US" sz="3600" dirty="0" smtClean="0"/>
-              <a:t>Image </a:t>
-            </a:r>
-            <a:r>
-              <a:rPr lang="en-US" sz="3600" dirty="0" smtClean="0"/>
-              <a:t>Processing:</a:t>
+              <a:t>Image Processing:</a:t>
             </a:r>
             <a:br>
               <a:rPr lang="en-US" sz="3600" dirty="0" smtClean="0"/>
             </a:br>
             <a:r>
               <a:rPr lang="en-US" sz="3600" dirty="0" smtClean="0"/>
-              <a:t>Each </a:t>
-            </a:r>
-            <a:r>
-              <a:rPr lang="en-US" sz="3600" dirty="0" smtClean="0"/>
-              <a:t>A15 </a:t>
-            </a:r>
-            <a:r>
-              <a:rPr lang="en-US" sz="3600" dirty="0" smtClean="0"/>
-              <a:t>Processes </a:t>
-            </a:r>
-            <a:r>
-              <a:rPr lang="en-US" sz="3600" dirty="0" smtClean="0"/>
-              <a:t>a </a:t>
-            </a:r>
-            <a:r>
-              <a:rPr lang="en-US" sz="3600" dirty="0" smtClean="0"/>
-              <a:t>Part </a:t>
-            </a:r>
-            <a:r>
-              <a:rPr lang="en-US" sz="3600" dirty="0" smtClean="0"/>
-              <a:t>of the </a:t>
-            </a:r>
-            <a:r>
-              <a:rPr lang="en-US" sz="3600" dirty="0" smtClean="0"/>
-              <a:t>Algorithm</a:t>
-            </a:r>
-            <a:endParaRPr lang="en-US" sz="3600" dirty="0" smtClean="0"/>
+              <a:t>Each A15 Processes a Part of the Algorithm</a:t>
+            </a:r>
           </a:p>
         </p:txBody>
       </p:sp>
@@ -25453,27 +26656,7 @@
             <a:pPr eaLnBrk="1" hangingPunct="1"/>
             <a:r>
               <a:rPr lang="en-US" sz="2000" dirty="0" smtClean="0"/>
-              <a:t>Pipeline </a:t>
-            </a:r>
-            <a:r>
-              <a:rPr lang="en-US" sz="2000" dirty="0" smtClean="0"/>
-              <a:t>the </a:t>
-            </a:r>
-            <a:r>
-              <a:rPr lang="en-US" sz="2000" dirty="0" smtClean="0"/>
-              <a:t>processing; Four </a:t>
-            </a:r>
-            <a:r>
-              <a:rPr lang="en-US" sz="2000" dirty="0" smtClean="0"/>
-              <a:t>images in the </a:t>
-            </a:r>
-            <a:r>
-              <a:rPr lang="en-US" sz="2000" dirty="0" smtClean="0"/>
-              <a:t>pipeline: Requires </a:t>
-            </a:r>
-            <a:r>
-              <a:rPr lang="en-US" sz="2000" dirty="0" smtClean="0"/>
-              <a:t>buffers</a:t>
+              <a:t>Pipeline the processing; Four images in the pipeline: Requires buffers</a:t>
             </a:r>
           </a:p>
           <a:p>
@@ -25487,17 +26670,8 @@
             <a:pPr eaLnBrk="1" hangingPunct="1"/>
             <a:r>
               <a:rPr lang="en-US" sz="2000" dirty="0" smtClean="0"/>
-              <a:t>Disadvantage: </a:t>
-            </a:r>
-            <a:r>
-              <a:rPr lang="en-US" sz="2000" dirty="0" smtClean="0"/>
-              <a:t>Complex algorithm, difficult to balance between A15, not efficient if memory does not fit inside the </a:t>
-            </a:r>
-            <a:r>
-              <a:rPr lang="en-US" sz="2000" dirty="0" smtClean="0"/>
-              <a:t>cache.</a:t>
-            </a:r>
-            <a:endParaRPr lang="en-US" sz="2000" dirty="0" smtClean="0"/>
+              <a:t>Disadvantage: Complex algorithm, difficult to balance between A15, not efficient if memory does not fit inside the cache.</a:t>
+            </a:r>
           </a:p>
         </p:txBody>
       </p:sp>
@@ -25515,12 +26689,36 @@
         </p:xfrm>
         <a:graphic>
           <a:graphicData uri="http://schemas.openxmlformats.org/presentationml/2006/ole">
-            <p:oleObj spid="_x0000_s154626" name="Visio" r:id="rId4" imgW="8397082" imgH="3253632" progId="Visio.Drawing.11">
+            <p:oleObj spid="_x0000_s154626" name="Visio" r:id="rId4" imgW="8397082" imgH="3253632" progId="">
               <p:embed/>
             </p:oleObj>
           </a:graphicData>
         </a:graphic>
       </p:graphicFrame>
+      <p:sp>
+        <p:nvSpPr>
+          <p:cNvPr id="5" name="Slide Number Placeholder 4"/>
+          <p:cNvSpPr>
+            <a:spLocks noGrp="1"/>
+          </p:cNvSpPr>
+          <p:nvPr>
+            <p:ph type="sldNum" sz="quarter" idx="4"/>
+          </p:nvPr>
+        </p:nvSpPr>
+        <p:spPr/>
+        <p:txBody>
+          <a:bodyPr/>
+          <a:lstStyle/>
+          <a:p>
+            <a:fld id="{3144B24B-BAB1-431A-82C6-36E096187F50}" type="slidenum">
+              <a:rPr lang="en-US" smtClean="0"/>
+              <a:pPr/>
+              <a:t>77</a:t>
+            </a:fld>
+            <a:endParaRPr lang="en-US" dirty="0"/>
+          </a:p>
+        </p:txBody>
+      </p:sp>
     </p:spTree>
   </p:cSld>
   <p:clrMapOvr>
@@ -25578,7 +26776,6 @@
               <a:rPr lang="en-US" sz="3600" dirty="0" smtClean="0"/>
               <a:t>Conclusion</a:t>
             </a:r>
-            <a:endParaRPr lang="en-US" sz="3600" dirty="0" smtClean="0"/>
           </a:p>
         </p:txBody>
       </p:sp>
@@ -25605,12 +26802,32 @@
             <a:pPr eaLnBrk="1" hangingPunct="1"/>
             <a:r>
               <a:rPr lang="en-US" sz="2400" dirty="0" smtClean="0"/>
-              <a:t>The </a:t>
-            </a:r>
-            <a:r>
-              <a:rPr lang="en-US" sz="2400" dirty="0" smtClean="0"/>
-              <a:t>second case (each A15 processes quarter of the image) is the preferred model</a:t>
-            </a:r>
+              <a:t>The second case (each A15 processes quarter of the image) is the preferred model</a:t>
+            </a:r>
+          </a:p>
+        </p:txBody>
+      </p:sp>
+      <p:sp>
+        <p:nvSpPr>
+          <p:cNvPr id="4" name="Slide Number Placeholder 3"/>
+          <p:cNvSpPr>
+            <a:spLocks noGrp="1"/>
+          </p:cNvSpPr>
+          <p:nvPr>
+            <p:ph type="sldNum" sz="quarter" idx="4"/>
+          </p:nvPr>
+        </p:nvSpPr>
+        <p:spPr/>
+        <p:txBody>
+          <a:bodyPr/>
+          <a:lstStyle/>
+          <a:p>
+            <a:fld id="{3144B24B-BAB1-431A-82C6-36E096187F50}" type="slidenum">
+              <a:rPr lang="en-US" smtClean="0"/>
+              <a:pPr/>
+              <a:t>78</a:t>
+            </a:fld>
+            <a:endParaRPr lang="en-US" dirty="0"/>
           </a:p>
         </p:txBody>
       </p:sp>
@@ -25669,13 +26886,8 @@
             <a:pPr eaLnBrk="1" hangingPunct="1"/>
             <a:r>
               <a:rPr lang="en-US" sz="3600" dirty="0" smtClean="0"/>
-              <a:t>DSP Cores </a:t>
-            </a:r>
-            <a:r>
-              <a:rPr lang="en-US" sz="3600" dirty="0" smtClean="0"/>
-              <a:t>Partition</a:t>
-            </a:r>
-            <a:endParaRPr lang="en-US" sz="3600" dirty="0" smtClean="0"/>
+              <a:t>DSP Cores Partition</a:t>
+            </a:r>
           </a:p>
         </p:txBody>
       </p:sp>
@@ -25702,90 +26914,28 @@
             <a:pPr eaLnBrk="1" hangingPunct="1"/>
             <a:r>
               <a:rPr lang="en-US" sz="2400" dirty="0" smtClean="0"/>
-              <a:t>There are 360 vectors (each slice). The </a:t>
-            </a:r>
+              <a:t>There are 360 vectors (each slice). The complete preprocessing of each vector is done by a single DSP core</a:t>
+            </a:r>
+          </a:p>
+          <a:p>
+            <a:pPr eaLnBrk="1" hangingPunct="1"/>
             <a:r>
               <a:rPr lang="en-US" sz="2400" dirty="0" smtClean="0"/>
-              <a:t>complete </a:t>
-            </a:r>
+              <a:t>There is no reason to divide preprocessing of a single vector between multiple DSPs.</a:t>
+            </a:r>
+          </a:p>
+          <a:p>
+            <a:pPr eaLnBrk="1" hangingPunct="1"/>
             <a:r>
               <a:rPr lang="en-US" sz="2400" dirty="0" smtClean="0"/>
-              <a:t>preprocessing of each vector is done by a single DSP core</a:t>
-            </a:r>
-          </a:p>
-          <a:p>
-            <a:pPr eaLnBrk="1" hangingPunct="1"/>
-            <a:r>
-              <a:rPr lang="en-US" sz="2400" dirty="0" smtClean="0"/>
-              <a:t>There is no </a:t>
-            </a:r>
-            <a:r>
-              <a:rPr lang="en-US" sz="2400" dirty="0" smtClean="0"/>
-              <a:t>reason to divide preprocessing of a single vector between multiple </a:t>
-            </a:r>
-            <a:r>
-              <a:rPr lang="en-US" sz="2400" dirty="0" smtClean="0"/>
-              <a:t>DSPs.</a:t>
-            </a:r>
-            <a:endParaRPr lang="en-US" sz="2400" dirty="0" smtClean="0"/>
-          </a:p>
-          <a:p>
-            <a:pPr eaLnBrk="1" hangingPunct="1"/>
-            <a:r>
-              <a:rPr lang="en-US" sz="2400" dirty="0" smtClean="0"/>
-              <a:t>Partition </a:t>
-            </a:r>
-            <a:r>
-              <a:rPr lang="en-US" sz="2400" dirty="0" smtClean="0"/>
-              <a:t>pre-processing </a:t>
-            </a:r>
-            <a:r>
-              <a:rPr lang="en-US" sz="2400" dirty="0" smtClean="0"/>
-              <a:t>and </a:t>
-            </a:r>
-            <a:r>
-              <a:rPr lang="en-US" sz="2400" dirty="0" smtClean="0"/>
-              <a:t>back projector options:</a:t>
-            </a:r>
-            <a:endParaRPr lang="en-US" sz="2400" dirty="0" smtClean="0"/>
+              <a:t>Partition pre-processing and back projector options:</a:t>
+            </a:r>
           </a:p>
           <a:p>
             <a:pPr lvl="1" eaLnBrk="1" hangingPunct="1"/>
             <a:r>
               <a:rPr lang="en-US" sz="2000" dirty="0" smtClean="0"/>
-              <a:t>Some DSPs do </a:t>
-            </a:r>
-            <a:r>
-              <a:rPr lang="en-US" sz="2000" dirty="0" smtClean="0"/>
-              <a:t>pre-processing </a:t>
-            </a:r>
-            <a:r>
-              <a:rPr lang="en-US" sz="2000" dirty="0" smtClean="0"/>
-              <a:t>and some </a:t>
-            </a:r>
-            <a:r>
-              <a:rPr lang="en-US" sz="2000" dirty="0" smtClean="0"/>
-              <a:t>do back </a:t>
-            </a:r>
-            <a:r>
-              <a:rPr lang="en-US" sz="2000" dirty="0" smtClean="0"/>
-              <a:t>projector </a:t>
-            </a:r>
-            <a:r>
-              <a:rPr lang="en-US" sz="2000" dirty="0" smtClean="0"/>
-              <a:t>(Functional </a:t>
-            </a:r>
-            <a:r>
-              <a:rPr lang="en-US" sz="2000" dirty="0" smtClean="0"/>
-              <a:t>P</a:t>
-            </a:r>
-            <a:r>
-              <a:rPr lang="en-US" sz="2000" dirty="0" smtClean="0"/>
-              <a:t>artition</a:t>
-            </a:r>
-            <a:r>
-              <a:rPr lang="en-US" sz="2000" dirty="0" smtClean="0"/>
-              <a:t>)</a:t>
+              <a:t>Some DSPs do pre-processing and some do back projector (Functional Partition)</a:t>
             </a:r>
           </a:p>
           <a:p>
@@ -25794,6 +26944,30 @@
               <a:rPr lang="en-US" sz="2000" dirty="0" smtClean="0"/>
               <a:t>All DSPs do both preprocessing and back projector (Data Partition)</a:t>
             </a:r>
+          </a:p>
+        </p:txBody>
+      </p:sp>
+      <p:sp>
+        <p:nvSpPr>
+          <p:cNvPr id="4" name="Slide Number Placeholder 3"/>
+          <p:cNvSpPr>
+            <a:spLocks noGrp="1"/>
+          </p:cNvSpPr>
+          <p:nvPr>
+            <p:ph type="sldNum" sz="quarter" idx="4"/>
+          </p:nvPr>
+        </p:nvSpPr>
+        <p:spPr/>
+        <p:txBody>
+          <a:bodyPr/>
+          <a:lstStyle/>
+          <a:p>
+            <a:fld id="{3144B24B-BAB1-431A-82C6-36E096187F50}" type="slidenum">
+              <a:rPr lang="en-US" smtClean="0"/>
+              <a:pPr/>
+              <a:t>79</a:t>
+            </a:fld>
+            <a:endParaRPr lang="en-US" dirty="0"/>
           </a:p>
         </p:txBody>
       </p:sp>
@@ -26070,6 +27244,35 @@
           </a:p>
         </p:txBody>
       </p:sp>
+      <p:sp>
+        <p:nvSpPr>
+          <p:cNvPr id="4" name="Slide Number Placeholder 3"/>
+          <p:cNvSpPr>
+            <a:spLocks noGrp="1"/>
+          </p:cNvSpPr>
+          <p:nvPr>
+            <p:ph type="sldNum" sz="quarter" idx="12"/>
+          </p:nvPr>
+        </p:nvSpPr>
+        <p:spPr/>
+        <p:txBody>
+          <a:bodyPr/>
+          <a:lstStyle/>
+          <a:p>
+            <a:pPr>
+              <a:defRPr/>
+            </a:pPr>
+            <a:fld id="{BE84A4F1-46A7-4759-8C8C-E84B818DD936}" type="slidenum">
+              <a:rPr lang="en-US" smtClean="0"/>
+              <a:pPr>
+                <a:defRPr/>
+              </a:pPr>
+              <a:t>8</a:t>
+            </a:fld>
+            <a:endParaRPr lang="en-US" dirty="0"/>
+          </a:p>
+        </p:txBody>
+      </p:sp>
     </p:spTree>
   </p:cSld>
   <p:clrMapOvr>
@@ -26154,15 +27357,7 @@
             <a:pPr eaLnBrk="1" hangingPunct="1"/>
             <a:r>
               <a:rPr lang="en-US" sz="2400" dirty="0" smtClean="0"/>
-              <a:t>N DSPs do </a:t>
-            </a:r>
-            <a:r>
-              <a:rPr lang="en-US" sz="2400" dirty="0" smtClean="0"/>
-              <a:t>preprocessing; </a:t>
-            </a:r>
-            <a:r>
-              <a:rPr lang="en-US" sz="2400" dirty="0" smtClean="0"/>
-              <a:t>8-N back projector</a:t>
+              <a:t>N DSPs do preprocessing; 8-N back projector</a:t>
             </a:r>
           </a:p>
           <a:p>
@@ -26176,21 +27371,8 @@
             <a:pPr eaLnBrk="1" hangingPunct="1"/>
             <a:r>
               <a:rPr lang="en-US" sz="2400" dirty="0" smtClean="0"/>
-              <a:t>Vectors are moved from the </a:t>
-            </a:r>
-            <a:r>
-              <a:rPr lang="en-US" sz="2400" dirty="0" smtClean="0"/>
-              <a:t>pre-processing </a:t>
-            </a:r>
-            <a:r>
-              <a:rPr lang="en-US" sz="2400" dirty="0" smtClean="0"/>
-              <a:t>DSPs to the back projector DSP using shared memory or </a:t>
-            </a:r>
-            <a:r>
-              <a:rPr lang="en-US" sz="2400" dirty="0" smtClean="0"/>
-              <a:t>Multicore Navigator.</a:t>
-            </a:r>
-            <a:endParaRPr lang="en-US" sz="2400" dirty="0" smtClean="0"/>
+              <a:t>Vectors are moved from the pre-processing DSPs to the back projector DSP using shared memory or Multicore Navigator.</a:t>
+            </a:r>
           </a:p>
           <a:p>
             <a:pPr eaLnBrk="1" hangingPunct="1"/>
@@ -26212,12 +27394,36 @@
         </p:xfrm>
         <a:graphic>
           <a:graphicData uri="http://schemas.openxmlformats.org/presentationml/2006/ole">
-            <p:oleObj spid="_x0000_s155650" name="Visio" r:id="rId4" imgW="6311248" imgH="2058523" progId="Visio.Drawing.11">
+            <p:oleObj spid="_x0000_s155650" name="Visio" r:id="rId4" imgW="6311248" imgH="2058523" progId="">
               <p:embed/>
             </p:oleObj>
           </a:graphicData>
         </a:graphic>
       </p:graphicFrame>
+      <p:sp>
+        <p:nvSpPr>
+          <p:cNvPr id="5" name="Slide Number Placeholder 4"/>
+          <p:cNvSpPr>
+            <a:spLocks noGrp="1"/>
+          </p:cNvSpPr>
+          <p:nvPr>
+            <p:ph type="sldNum" sz="quarter" idx="4"/>
+          </p:nvPr>
+        </p:nvSpPr>
+        <p:spPr/>
+        <p:txBody>
+          <a:bodyPr/>
+          <a:lstStyle/>
+          <a:p>
+            <a:fld id="{3144B24B-BAB1-431A-82C6-36E096187F50}" type="slidenum">
+              <a:rPr lang="en-US" smtClean="0"/>
+              <a:pPr/>
+              <a:t>80</a:t>
+            </a:fld>
+            <a:endParaRPr lang="en-US" dirty="0"/>
+          </a:p>
+        </p:txBody>
+      </p:sp>
     </p:spTree>
   </p:cSld>
   <p:clrMapOvr>
@@ -26273,11 +27479,7 @@
             <a:pPr eaLnBrk="1" hangingPunct="1"/>
             <a:r>
               <a:rPr lang="en-US" sz="3600" dirty="0" smtClean="0"/>
-              <a:t>Input </a:t>
-            </a:r>
-            <a:r>
-              <a:rPr lang="en-US" sz="3600" dirty="0" smtClean="0"/>
-              <a:t>Vector Functional Partition:</a:t>
+              <a:t>Input Vector Functional Partition:</a:t>
             </a:r>
             <a:br>
               <a:rPr lang="en-US" sz="3600" dirty="0" smtClean="0"/>
@@ -26286,7 +27488,6 @@
               <a:rPr lang="en-US" sz="3600" dirty="0" smtClean="0"/>
               <a:t>Complete Image</a:t>
             </a:r>
-            <a:endParaRPr lang="en-US" sz="3600" dirty="0" smtClean="0"/>
           </a:p>
         </p:txBody>
       </p:sp>
@@ -26315,53 +27516,22 @@
             </a:pPr>
             <a:r>
               <a:rPr lang="en-US" sz="2000" dirty="0" smtClean="0"/>
-              <a:t>Each DSP sums a complete </a:t>
-            </a:r>
-            <a:r>
-              <a:rPr lang="en-US" sz="2000" dirty="0" smtClean="0"/>
-              <a:t>image:</a:t>
-            </a:r>
-            <a:endParaRPr lang="en-US" sz="2000" dirty="0" smtClean="0"/>
+              <a:t>Each DSP sums a complete image:</a:t>
+            </a:r>
           </a:p>
           <a:p>
             <a:pPr eaLnBrk="1" hangingPunct="1"/>
             <a:r>
               <a:rPr lang="en-US" sz="1800" dirty="0" smtClean="0"/>
-              <a:t>Vectors are divided between </a:t>
-            </a:r>
+              <a:t>Vectors are divided between DSPs.</a:t>
+            </a:r>
+          </a:p>
+          <a:p>
+            <a:pPr eaLnBrk="1" hangingPunct="1"/>
             <a:r>
               <a:rPr lang="en-US" sz="1800" dirty="0" smtClean="0"/>
-              <a:t>DSPs.</a:t>
-            </a:r>
-            <a:endParaRPr lang="en-US" sz="1800" dirty="0" smtClean="0"/>
-          </a:p>
-          <a:p>
-            <a:pPr eaLnBrk="1" hangingPunct="1"/>
-            <a:r>
-              <a:rPr lang="en-US" sz="1800" dirty="0" smtClean="0"/>
-              <a:t>Because of race conditions, each DSP has a local (private) image. At the </a:t>
-            </a:r>
-            <a:r>
-              <a:rPr lang="en-US" sz="1800" dirty="0" smtClean="0"/>
-              <a:t>end, </a:t>
-            </a:r>
-            <a:r>
-              <a:rPr lang="en-US" sz="1800" dirty="0" smtClean="0"/>
-              <a:t>one DSP (or ARM) </a:t>
-            </a:r>
-            <a:r>
-              <a:rPr lang="en-US" sz="1800" dirty="0" smtClean="0"/>
-              <a:t>combines </a:t>
-            </a:r>
-            <a:r>
-              <a:rPr lang="en-US" sz="1800" dirty="0" smtClean="0"/>
-              <a:t>together all the local images. Private image resides outside of the </a:t>
-            </a:r>
-            <a:r>
-              <a:rPr lang="en-US" sz="1800" dirty="0" smtClean="0"/>
-              <a:t>core.</a:t>
-            </a:r>
-            <a:endParaRPr lang="en-US" sz="1800" dirty="0" smtClean="0"/>
+              <a:t>Because of race conditions, each DSP has a local (private) image. At the end, one DSP (or ARM) combines together all the local images. Private image resides outside of the core.</a:t>
+            </a:r>
           </a:p>
           <a:p>
             <a:pPr eaLnBrk="1" hangingPunct="1"/>
@@ -26390,12 +27560,36 @@
         </p:xfrm>
         <a:graphic>
           <a:graphicData uri="http://schemas.openxmlformats.org/presentationml/2006/ole">
-            <p:oleObj spid="_x0000_s156674" name="Visio" r:id="rId4" imgW="6882546" imgH="3373773" progId="Visio.Drawing.11">
+            <p:oleObj spid="_x0000_s156674" name="Visio" r:id="rId4" imgW="6882546" imgH="3373773" progId="">
               <p:embed/>
             </p:oleObj>
           </a:graphicData>
         </a:graphic>
       </p:graphicFrame>
+      <p:sp>
+        <p:nvSpPr>
+          <p:cNvPr id="5" name="Slide Number Placeholder 4"/>
+          <p:cNvSpPr>
+            <a:spLocks noGrp="1"/>
+          </p:cNvSpPr>
+          <p:nvPr>
+            <p:ph type="sldNum" sz="quarter" idx="4"/>
+          </p:nvPr>
+        </p:nvSpPr>
+        <p:spPr/>
+        <p:txBody>
+          <a:bodyPr/>
+          <a:lstStyle/>
+          <a:p>
+            <a:fld id="{3144B24B-BAB1-431A-82C6-36E096187F50}" type="slidenum">
+              <a:rPr lang="en-US" smtClean="0"/>
+              <a:pPr/>
+              <a:t>81</a:t>
+            </a:fld>
+            <a:endParaRPr lang="en-US" dirty="0"/>
+          </a:p>
+        </p:txBody>
+      </p:sp>
     </p:spTree>
   </p:cSld>
   <p:clrMapOvr>
@@ -26451,11 +27645,7 @@
             <a:pPr eaLnBrk="1" hangingPunct="1"/>
             <a:r>
               <a:rPr lang="en-US" sz="3600" dirty="0" smtClean="0"/>
-              <a:t>Input </a:t>
-            </a:r>
-            <a:r>
-              <a:rPr lang="en-US" sz="3600" dirty="0" smtClean="0"/>
-              <a:t>Vector Functional Partition:</a:t>
+              <a:t>Input Vector Functional Partition:</a:t>
             </a:r>
             <a:br>
               <a:rPr lang="en-US" sz="3600" dirty="0" smtClean="0"/>
@@ -26464,7 +27654,6 @@
               <a:rPr lang="en-US" sz="3600" dirty="0" smtClean="0"/>
               <a:t>Partial Image</a:t>
             </a:r>
-            <a:endParaRPr lang="en-US" sz="3600" dirty="0" smtClean="0"/>
           </a:p>
         </p:txBody>
       </p:sp>
@@ -26493,13 +27682,8 @@
             </a:pPr>
             <a:r>
               <a:rPr lang="en-US" sz="2000" dirty="0" smtClean="0"/>
-              <a:t>Each DSP sums </a:t>
-            </a:r>
-            <a:r>
-              <a:rPr lang="en-US" sz="2000" dirty="0" smtClean="0"/>
-              <a:t>partial image:</a:t>
-            </a:r>
-            <a:endParaRPr lang="en-US" sz="2000" dirty="0" smtClean="0"/>
+              <a:t>Each DSP sums partial image:</a:t>
+            </a:r>
           </a:p>
           <a:p>
             <a:pPr eaLnBrk="1" hangingPunct="1"/>
@@ -26512,26 +27696,14 @@
             <a:pPr eaLnBrk="1" hangingPunct="1"/>
             <a:r>
               <a:rPr lang="en-US" sz="2000" dirty="0" smtClean="0"/>
-              <a:t>Depends on the number of </a:t>
-            </a:r>
+              <a:t>Depends on the number of cores; Partial image can fit inside L2</a:t>
+            </a:r>
+          </a:p>
+          <a:p>
+            <a:pPr eaLnBrk="1" hangingPunct="1"/>
             <a:r>
               <a:rPr lang="en-US" sz="2000" dirty="0" smtClean="0"/>
-              <a:t>cores; Partial </a:t>
-            </a:r>
-            <a:r>
-              <a:rPr lang="en-US" sz="2000" dirty="0" smtClean="0"/>
-              <a:t>image can fit inside L2</a:t>
-            </a:r>
-          </a:p>
-          <a:p>
-            <a:pPr eaLnBrk="1" hangingPunct="1"/>
-            <a:r>
-              <a:rPr lang="en-US" sz="2000" dirty="0" smtClean="0"/>
-              <a:t>Merged </a:t>
-            </a:r>
-            <a:r>
-              <a:rPr lang="en-US" sz="2000" dirty="0" smtClean="0"/>
-              <a:t>together into shared memory (DDR) at the end of the partial build</a:t>
+              <a:t>Merged together into shared memory (DDR) at the end of the partial build</a:t>
             </a:r>
           </a:p>
           <a:p>
@@ -26554,12 +27726,36 @@
         </p:xfrm>
         <a:graphic>
           <a:graphicData uri="http://schemas.openxmlformats.org/presentationml/2006/ole">
-            <p:oleObj spid="_x0000_s157698" name="Visio" r:id="rId4" imgW="5468301" imgH="4679545" progId="Visio.Drawing.11">
+            <p:oleObj spid="_x0000_s157698" name="Visio" r:id="rId4" imgW="5468301" imgH="4679545" progId="">
               <p:embed/>
             </p:oleObj>
           </a:graphicData>
         </a:graphic>
       </p:graphicFrame>
+      <p:sp>
+        <p:nvSpPr>
+          <p:cNvPr id="6" name="Slide Number Placeholder 5"/>
+          <p:cNvSpPr>
+            <a:spLocks noGrp="1"/>
+          </p:cNvSpPr>
+          <p:nvPr>
+            <p:ph type="sldNum" sz="quarter" idx="4"/>
+          </p:nvPr>
+        </p:nvSpPr>
+        <p:spPr/>
+        <p:txBody>
+          <a:bodyPr/>
+          <a:lstStyle/>
+          <a:p>
+            <a:fld id="{3144B24B-BAB1-431A-82C6-36E096187F50}" type="slidenum">
+              <a:rPr lang="en-US" smtClean="0"/>
+              <a:pPr/>
+              <a:t>82</a:t>
+            </a:fld>
+            <a:endParaRPr lang="en-US" dirty="0"/>
+          </a:p>
+        </p:txBody>
+      </p:sp>
     </p:spTree>
   </p:cSld>
   <p:clrMapOvr>
@@ -26617,7 +27813,6 @@
               <a:rPr lang="en-US" sz="3600" dirty="0" smtClean="0"/>
               <a:t>Data Partition</a:t>
             </a:r>
-            <a:endParaRPr lang="en-US" sz="3600" dirty="0" smtClean="0"/>
           </a:p>
         </p:txBody>
       </p:sp>
@@ -26651,11 +27846,7 @@
             <a:pPr eaLnBrk="1" hangingPunct="1"/>
             <a:r>
               <a:rPr lang="en-US" sz="2400" dirty="0" smtClean="0"/>
-              <a:t>Just </a:t>
-            </a:r>
-            <a:r>
-              <a:rPr lang="en-US" sz="2400" dirty="0" smtClean="0"/>
-              <a:t>like the previous case, there are two options, either each DSP builds part of the image or all DSP build partial image and then all partial images are combined into the final image</a:t>
+              <a:t>Just like the previous case, there are two options, either each DSP builds part of the image or all DSP build partial image and then all partial images are combined into the final image</a:t>
             </a:r>
             <a:endParaRPr lang="en-US" sz="1600" dirty="0" smtClean="0"/>
           </a:p>
@@ -26675,12 +27866,36 @@
         </p:xfrm>
         <a:graphic>
           <a:graphicData uri="http://schemas.openxmlformats.org/presentationml/2006/ole">
-            <p:oleObj spid="_x0000_s158722" name="Visio" r:id="rId4" imgW="6100952" imgH="2339232" progId="Visio.Drawing.11">
+            <p:oleObj spid="_x0000_s158722" name="Visio" r:id="rId4" imgW="6100952" imgH="2339232" progId="">
               <p:embed/>
             </p:oleObj>
           </a:graphicData>
         </a:graphic>
       </p:graphicFrame>
+      <p:sp>
+        <p:nvSpPr>
+          <p:cNvPr id="6" name="Slide Number Placeholder 5"/>
+          <p:cNvSpPr>
+            <a:spLocks noGrp="1"/>
+          </p:cNvSpPr>
+          <p:nvPr>
+            <p:ph type="sldNum" sz="quarter" idx="4"/>
+          </p:nvPr>
+        </p:nvSpPr>
+        <p:spPr/>
+        <p:txBody>
+          <a:bodyPr/>
+          <a:lstStyle/>
+          <a:p>
+            <a:fld id="{3144B24B-BAB1-431A-82C6-36E096187F50}" type="slidenum">
+              <a:rPr lang="en-US" smtClean="0"/>
+              <a:pPr/>
+              <a:t>83</a:t>
+            </a:fld>
+            <a:endParaRPr lang="en-US" dirty="0"/>
+          </a:p>
+        </p:txBody>
+      </p:sp>
     </p:spTree>
   </p:cSld>
   <p:clrMapOvr>
@@ -26736,11 +27951,7 @@
             <a:pPr eaLnBrk="1" hangingPunct="1"/>
             <a:r>
               <a:rPr lang="en-US" sz="3600" dirty="0" smtClean="0"/>
-              <a:t>Input </a:t>
-            </a:r>
-            <a:r>
-              <a:rPr lang="en-US" sz="3600" dirty="0" smtClean="0"/>
-              <a:t>Vector Data Partition:</a:t>
+              <a:t>Input Vector Data Partition:</a:t>
             </a:r>
             <a:br>
               <a:rPr lang="en-US" sz="3600" dirty="0" smtClean="0"/>
@@ -26778,65 +27989,29 @@
             </a:pPr>
             <a:r>
               <a:rPr lang="en-US" sz="2000" dirty="0" smtClean="0"/>
-              <a:t>Each DSP sums a complete </a:t>
-            </a:r>
-            <a:r>
-              <a:rPr lang="en-US" sz="2000" dirty="0" smtClean="0"/>
-              <a:t>image:</a:t>
-            </a:r>
-            <a:endParaRPr lang="en-US" sz="2000" dirty="0" smtClean="0"/>
+              <a:t>Each DSP sums a complete image:</a:t>
+            </a:r>
           </a:p>
           <a:p>
             <a:pPr lvl="1" eaLnBrk="1" hangingPunct="1"/>
             <a:r>
               <a:rPr lang="en-US" sz="1600" dirty="0" smtClean="0"/>
-              <a:t>Raw vectors are divided between </a:t>
-            </a:r>
+              <a:t>Raw vectors are divided between DSPs.</a:t>
+            </a:r>
+          </a:p>
+          <a:p>
+            <a:pPr lvl="1" eaLnBrk="1" hangingPunct="1"/>
             <a:r>
               <a:rPr lang="en-US" sz="1600" dirty="0" smtClean="0"/>
-              <a:t>DSPs.</a:t>
-            </a:r>
-            <a:endParaRPr lang="en-US" sz="1600" dirty="0" smtClean="0"/>
+              <a:t>Because of race conditions, each DSP has a local (private) image. At the end, one DSP (or ARM) combines together all the local images. Private image resides outside of the core.</a:t>
+            </a:r>
           </a:p>
           <a:p>
             <a:pPr lvl="1" eaLnBrk="1" hangingPunct="1"/>
             <a:r>
               <a:rPr lang="en-US" sz="1600" dirty="0" smtClean="0"/>
-              <a:t>Because of race conditions, each DSP has a local (private) image. At the </a:t>
-            </a:r>
-            <a:r>
-              <a:rPr lang="en-US" sz="1600" dirty="0" smtClean="0"/>
-              <a:t>end, </a:t>
-            </a:r>
-            <a:r>
-              <a:rPr lang="en-US" sz="1600" dirty="0" smtClean="0"/>
-              <a:t>one DSP (or ARM) </a:t>
-            </a:r>
-            <a:r>
-              <a:rPr lang="en-US" sz="1600" dirty="0" smtClean="0"/>
-              <a:t>combines </a:t>
-            </a:r>
-            <a:r>
-              <a:rPr lang="en-US" sz="1600" dirty="0" smtClean="0"/>
-              <a:t>together all the local images. Private image resides outside of the </a:t>
-            </a:r>
-            <a:r>
-              <a:rPr lang="en-US" sz="1600" dirty="0" smtClean="0"/>
-              <a:t>core.</a:t>
-            </a:r>
-            <a:endParaRPr lang="en-US" sz="1600" dirty="0" smtClean="0"/>
-          </a:p>
-          <a:p>
-            <a:pPr lvl="1" eaLnBrk="1" hangingPunct="1"/>
-            <a:r>
-              <a:rPr lang="en-US" sz="1600" dirty="0" smtClean="0"/>
-              <a:t>Does not require broadcasting of raw vector </a:t>
-            </a:r>
-            <a:r>
-              <a:rPr lang="en-US" sz="1600" dirty="0" smtClean="0"/>
-              <a:t>values.</a:t>
-            </a:r>
-            <a:endParaRPr lang="en-US" sz="1600" dirty="0" smtClean="0"/>
+              <a:t>Does not require broadcasting of raw vector values.</a:t>
+            </a:r>
           </a:p>
           <a:p>
             <a:pPr lvl="1" eaLnBrk="1" hangingPunct="1"/>
@@ -26858,12 +28033,36 @@
         </p:xfrm>
         <a:graphic>
           <a:graphicData uri="http://schemas.openxmlformats.org/presentationml/2006/ole">
-            <p:oleObj spid="_x0000_s159746" name="Visio" r:id="rId4" imgW="6882546" imgH="3373773" progId="Visio.Drawing.11">
+            <p:oleObj spid="_x0000_s159746" name="Visio" r:id="rId4" imgW="6882546" imgH="3373773" progId="">
               <p:embed/>
             </p:oleObj>
           </a:graphicData>
         </a:graphic>
       </p:graphicFrame>
+      <p:sp>
+        <p:nvSpPr>
+          <p:cNvPr id="5" name="Slide Number Placeholder 4"/>
+          <p:cNvSpPr>
+            <a:spLocks noGrp="1"/>
+          </p:cNvSpPr>
+          <p:nvPr>
+            <p:ph type="sldNum" sz="quarter" idx="4"/>
+          </p:nvPr>
+        </p:nvSpPr>
+        <p:spPr/>
+        <p:txBody>
+          <a:bodyPr/>
+          <a:lstStyle/>
+          <a:p>
+            <a:fld id="{3144B24B-BAB1-431A-82C6-36E096187F50}" type="slidenum">
+              <a:rPr lang="en-US" smtClean="0"/>
+              <a:pPr/>
+              <a:t>84</a:t>
+            </a:fld>
+            <a:endParaRPr lang="en-US" dirty="0"/>
+          </a:p>
+        </p:txBody>
+      </p:sp>
     </p:spTree>
   </p:cSld>
   <p:clrMapOvr>
@@ -26919,11 +28118,7 @@
             <a:pPr eaLnBrk="1" hangingPunct="1"/>
             <a:r>
               <a:rPr lang="en-US" sz="3600" dirty="0" smtClean="0"/>
-              <a:t>Input </a:t>
-            </a:r>
-            <a:r>
-              <a:rPr lang="en-US" sz="3600" dirty="0" smtClean="0"/>
-              <a:t>Vector Data Partition:</a:t>
+              <a:t>Input Vector Data Partition:</a:t>
             </a:r>
             <a:br>
               <a:rPr lang="en-US" sz="3600" dirty="0" smtClean="0"/>
@@ -26961,61 +28156,29 @@
             </a:pPr>
             <a:r>
               <a:rPr lang="en-US" sz="2000" dirty="0" smtClean="0"/>
-              <a:t>Each DSP sums </a:t>
-            </a:r>
+              <a:t>Each DSP sums a partial image:</a:t>
+            </a:r>
+          </a:p>
+          <a:p>
+            <a:pPr eaLnBrk="1" hangingPunct="1"/>
             <a:r>
               <a:rPr lang="en-US" sz="2000" dirty="0" smtClean="0"/>
-              <a:t>a partial image:</a:t>
-            </a:r>
-            <a:endParaRPr lang="en-US" sz="2000" dirty="0" smtClean="0"/>
+              <a:t>Raw vectors are broadcast to all DSPs.</a:t>
+            </a:r>
           </a:p>
           <a:p>
             <a:pPr eaLnBrk="1" hangingPunct="1"/>
             <a:r>
               <a:rPr lang="en-US" sz="2000" dirty="0" smtClean="0"/>
-              <a:t>Raw vectors are broadcast to all </a:t>
-            </a:r>
+              <a:t>Depends on the number of cores; Partial image can fit inside L2 in addition to the filter coefficients. </a:t>
+            </a:r>
+          </a:p>
+          <a:p>
+            <a:pPr eaLnBrk="1" hangingPunct="1"/>
             <a:r>
               <a:rPr lang="en-US" sz="2000" dirty="0" smtClean="0"/>
-              <a:t>DSPs.</a:t>
-            </a:r>
-            <a:endParaRPr lang="en-US" sz="2000" dirty="0" smtClean="0"/>
-          </a:p>
-          <a:p>
-            <a:pPr eaLnBrk="1" hangingPunct="1"/>
-            <a:r>
-              <a:rPr lang="en-US" sz="2000" dirty="0" smtClean="0"/>
-              <a:t>Depends on the number of </a:t>
-            </a:r>
-            <a:r>
-              <a:rPr lang="en-US" sz="2000" dirty="0" smtClean="0"/>
-              <a:t>cores; Partial </a:t>
-            </a:r>
-            <a:r>
-              <a:rPr lang="en-US" sz="2000" dirty="0" smtClean="0"/>
-              <a:t>image can fit inside L2 in addition to the filter </a:t>
-            </a:r>
-            <a:r>
-              <a:rPr lang="en-US" sz="2000" dirty="0" smtClean="0"/>
-              <a:t>coefficients. </a:t>
-            </a:r>
-            <a:endParaRPr lang="en-US" sz="2000" dirty="0" smtClean="0"/>
-          </a:p>
-          <a:p>
-            <a:pPr eaLnBrk="1" hangingPunct="1"/>
-            <a:r>
-              <a:rPr lang="en-US" sz="2000" dirty="0" smtClean="0"/>
-              <a:t>Merged </a:t>
-            </a:r>
-            <a:r>
-              <a:rPr lang="en-US" sz="2000" dirty="0" smtClean="0"/>
-              <a:t>together into shared memory (DDR) at the end of the partial </a:t>
-            </a:r>
-            <a:r>
-              <a:rPr lang="en-US" sz="2000" dirty="0" smtClean="0"/>
-              <a:t>build.</a:t>
-            </a:r>
-            <a:endParaRPr lang="en-US" sz="2000" dirty="0" smtClean="0"/>
+              <a:t>Merged together into shared memory (DDR) at the end of the partial build.</a:t>
+            </a:r>
           </a:p>
           <a:p>
             <a:pPr lvl="1" eaLnBrk="1" hangingPunct="1"/>
@@ -27037,12 +28200,36 @@
         </p:xfrm>
         <a:graphic>
           <a:graphicData uri="http://schemas.openxmlformats.org/presentationml/2006/ole">
-            <p:oleObj spid="_x0000_s160770" name="Visio" r:id="rId4" imgW="5468301" imgH="4679545" progId="Visio.Drawing.11">
+            <p:oleObj spid="_x0000_s160770" name="Visio" r:id="rId4" imgW="5468301" imgH="4679545" progId="">
               <p:embed/>
             </p:oleObj>
           </a:graphicData>
         </a:graphic>
       </p:graphicFrame>
+      <p:sp>
+        <p:nvSpPr>
+          <p:cNvPr id="6" name="Slide Number Placeholder 5"/>
+          <p:cNvSpPr>
+            <a:spLocks noGrp="1"/>
+          </p:cNvSpPr>
+          <p:nvPr>
+            <p:ph type="sldNum" sz="quarter" idx="4"/>
+          </p:nvPr>
+        </p:nvSpPr>
+        <p:spPr/>
+        <p:txBody>
+          <a:bodyPr/>
+          <a:lstStyle/>
+          <a:p>
+            <a:fld id="{3144B24B-BAB1-431A-82C6-36E096187F50}" type="slidenum">
+              <a:rPr lang="en-US" smtClean="0"/>
+              <a:pPr/>
+              <a:t>85</a:t>
+            </a:fld>
+            <a:endParaRPr lang="en-US" dirty="0"/>
+          </a:p>
+        </p:txBody>
+      </p:sp>
     </p:spTree>
   </p:cSld>
   <p:clrMapOvr>
@@ -27100,7 +28287,6 @@
               <a:rPr lang="en-US" sz="3600" dirty="0" smtClean="0"/>
               <a:t>Conclusion</a:t>
             </a:r>
-            <a:endParaRPr lang="en-US" sz="3600" dirty="0" smtClean="0"/>
           </a:p>
         </p:txBody>
       </p:sp>
@@ -27134,17 +28320,8 @@
             <a:pPr eaLnBrk="1" hangingPunct="1"/>
             <a:r>
               <a:rPr lang="en-US" sz="2400" dirty="0" smtClean="0"/>
-              <a:t>Suggest benchmarking </a:t>
-            </a:r>
-            <a:r>
-              <a:rPr lang="en-US" sz="2400" dirty="0" smtClean="0"/>
-              <a:t>all (or subset) of the possibilities and choose the best one for a specific </a:t>
-            </a:r>
-            <a:r>
-              <a:rPr lang="en-US" sz="2400" dirty="0" smtClean="0"/>
-              <a:t>problem.</a:t>
-            </a:r>
-            <a:endParaRPr lang="en-US" sz="2400" dirty="0" smtClean="0"/>
+              <a:t>Suggest benchmarking all (or subset) of the possibilities and choose the best one for a specific problem.</a:t>
+            </a:r>
           </a:p>
           <a:p>
             <a:pPr eaLnBrk="1" hangingPunct="1"/>
@@ -27211,6 +28388,30 @@
               </a:effectLst>
               <a:latin typeface="Calibri"/>
             </a:endParaRPr>
+          </a:p>
+        </p:txBody>
+      </p:sp>
+      <p:sp>
+        <p:nvSpPr>
+          <p:cNvPr id="5" name="Slide Number Placeholder 4"/>
+          <p:cNvSpPr>
+            <a:spLocks noGrp="1"/>
+          </p:cNvSpPr>
+          <p:nvPr>
+            <p:ph type="sldNum" sz="quarter" idx="4"/>
+          </p:nvPr>
+        </p:nvSpPr>
+        <p:spPr/>
+        <p:txBody>
+          <a:bodyPr/>
+          <a:lstStyle/>
+          <a:p>
+            <a:fld id="{3144B24B-BAB1-431A-82C6-36E096187F50}" type="slidenum">
+              <a:rPr lang="en-US" smtClean="0"/>
+              <a:pPr/>
+              <a:t>86</a:t>
+            </a:fld>
+            <a:endParaRPr lang="en-US" dirty="0"/>
           </a:p>
         </p:txBody>
       </p:sp>
@@ -27265,7 +28466,6 @@
               <a:rPr lang="en-US" dirty="0" smtClean="0"/>
               <a:t>Parallel Processing</a:t>
             </a:r>
-            <a:endParaRPr lang="en-US" dirty="0" smtClean="0"/>
           </a:p>
         </p:txBody>
       </p:sp>

--- a/trunk/slides/KeyStone Multicore Design.pptx
+++ b/trunk/slides/KeyStone Multicore Design.pptx
@@ -5,10 +5,10 @@
     <p:sldMasterId id="2147483649" r:id="rId1"/>
   </p:sldMasterIdLst>
   <p:notesMasterIdLst>
-    <p:notesMasterId r:id="rId88"/>
+    <p:notesMasterId r:id="rId92"/>
   </p:notesMasterIdLst>
   <p:handoutMasterIdLst>
-    <p:handoutMasterId r:id="rId89"/>
+    <p:handoutMasterId r:id="rId93"/>
   </p:handoutMasterIdLst>
   <p:sldIdLst>
     <p:sldId id="782" r:id="rId2"/>
@@ -76,32 +76,36 @@
     <p:sldId id="758" r:id="rId64"/>
     <p:sldId id="759" r:id="rId65"/>
     <p:sldId id="760" r:id="rId66"/>
-    <p:sldId id="761" r:id="rId67"/>
-    <p:sldId id="762" r:id="rId68"/>
-    <p:sldId id="763" r:id="rId69"/>
-    <p:sldId id="764" r:id="rId70"/>
-    <p:sldId id="765" r:id="rId71"/>
-    <p:sldId id="766" r:id="rId72"/>
-    <p:sldId id="767" r:id="rId73"/>
-    <p:sldId id="768" r:id="rId74"/>
-    <p:sldId id="769" r:id="rId75"/>
-    <p:sldId id="770" r:id="rId76"/>
-    <p:sldId id="771" r:id="rId77"/>
-    <p:sldId id="772" r:id="rId78"/>
-    <p:sldId id="773" r:id="rId79"/>
-    <p:sldId id="774" r:id="rId80"/>
-    <p:sldId id="775" r:id="rId81"/>
-    <p:sldId id="776" r:id="rId82"/>
-    <p:sldId id="777" r:id="rId83"/>
-    <p:sldId id="778" r:id="rId84"/>
-    <p:sldId id="779" r:id="rId85"/>
-    <p:sldId id="780" r:id="rId86"/>
-    <p:sldId id="781" r:id="rId87"/>
+    <p:sldId id="762" r:id="rId67"/>
+    <p:sldId id="763" r:id="rId68"/>
+    <p:sldId id="793" r:id="rId69"/>
+    <p:sldId id="794" r:id="rId70"/>
+    <p:sldId id="764" r:id="rId71"/>
+    <p:sldId id="765" r:id="rId72"/>
+    <p:sldId id="766" r:id="rId73"/>
+    <p:sldId id="767" r:id="rId74"/>
+    <p:sldId id="768" r:id="rId75"/>
+    <p:sldId id="769" r:id="rId76"/>
+    <p:sldId id="770" r:id="rId77"/>
+    <p:sldId id="771" r:id="rId78"/>
+    <p:sldId id="772" r:id="rId79"/>
+    <p:sldId id="773" r:id="rId80"/>
+    <p:sldId id="774" r:id="rId81"/>
+    <p:sldId id="795" r:id="rId82"/>
+    <p:sldId id="775" r:id="rId83"/>
+    <p:sldId id="796" r:id="rId84"/>
+    <p:sldId id="776" r:id="rId85"/>
+    <p:sldId id="777" r:id="rId86"/>
+    <p:sldId id="797" r:id="rId87"/>
+    <p:sldId id="778" r:id="rId88"/>
+    <p:sldId id="779" r:id="rId89"/>
+    <p:sldId id="780" r:id="rId90"/>
+    <p:sldId id="781" r:id="rId91"/>
   </p:sldIdLst>
   <p:sldSz cx="9144000" cy="6858000" type="screen4x3"/>
   <p:notesSz cx="7010400" cy="9296400"/>
   <p:custDataLst>
-    <p:tags r:id="rId90"/>
+    <p:tags r:id="rId94"/>
   </p:custDataLst>
   <p:defaultTextStyle>
     <a:defPPr>
@@ -6352,6 +6356,246 @@
 </file>
 
 <file path=ppt/notesSlides/notesSlide75.xml><?xml version="1.0" encoding="utf-8"?>
+<p:notes xmlns:a="http://schemas.openxmlformats.org/drawingml/2006/main" xmlns:r="http://schemas.openxmlformats.org/officeDocument/2006/relationships" xmlns:p="http://schemas.openxmlformats.org/presentationml/2006/main">
+  <p:cSld>
+    <p:spTree>
+      <p:nvGrpSpPr>
+        <p:cNvPr id="1" name=""/>
+        <p:cNvGrpSpPr/>
+        <p:nvPr/>
+      </p:nvGrpSpPr>
+      <p:grpSpPr>
+        <a:xfrm>
+          <a:off x="0" y="0"/>
+          <a:ext cx="0" cy="0"/>
+          <a:chOff x="0" y="0"/>
+          <a:chExt cx="0" cy="0"/>
+        </a:xfrm>
+      </p:grpSpPr>
+      <p:sp>
+        <p:nvSpPr>
+          <p:cNvPr id="87042" name="Rectangle 2"/>
+          <p:cNvSpPr>
+            <a:spLocks noGrp="1" noRot="1" noChangeAspect="1" noChangeArrowheads="1" noTextEdit="1"/>
+          </p:cNvSpPr>
+          <p:nvPr>
+            <p:ph type="sldImg"/>
+          </p:nvPr>
+        </p:nvSpPr>
+        <p:spPr>
+          <a:ln/>
+        </p:spPr>
+      </p:sp>
+      <p:sp>
+        <p:nvSpPr>
+          <p:cNvPr id="87043" name="Rectangle 3"/>
+          <p:cNvSpPr>
+            <a:spLocks noGrp="1" noChangeArrowheads="1"/>
+          </p:cNvSpPr>
+          <p:nvPr>
+            <p:ph type="body" idx="1"/>
+          </p:nvPr>
+        </p:nvSpPr>
+        <p:spPr>
+          <a:noFill/>
+        </p:spPr>
+        <p:txBody>
+          <a:bodyPr/>
+          <a:lstStyle/>
+          <a:p>
+            <a:endParaRPr lang="en-US" dirty="0" smtClean="0"/>
+          </a:p>
+        </p:txBody>
+      </p:sp>
+    </p:spTree>
+  </p:cSld>
+  <p:clrMapOvr>
+    <a:masterClrMapping/>
+  </p:clrMapOvr>
+</p:notes>
+</file>
+
+<file path=ppt/notesSlides/notesSlide76.xml><?xml version="1.0" encoding="utf-8"?>
+<p:notes xmlns:a="http://schemas.openxmlformats.org/drawingml/2006/main" xmlns:r="http://schemas.openxmlformats.org/officeDocument/2006/relationships" xmlns:p="http://schemas.openxmlformats.org/presentationml/2006/main">
+  <p:cSld>
+    <p:spTree>
+      <p:nvGrpSpPr>
+        <p:cNvPr id="1" name=""/>
+        <p:cNvGrpSpPr/>
+        <p:nvPr/>
+      </p:nvGrpSpPr>
+      <p:grpSpPr>
+        <a:xfrm>
+          <a:off x="0" y="0"/>
+          <a:ext cx="0" cy="0"/>
+          <a:chOff x="0" y="0"/>
+          <a:chExt cx="0" cy="0"/>
+        </a:xfrm>
+      </p:grpSpPr>
+      <p:sp>
+        <p:nvSpPr>
+          <p:cNvPr id="87042" name="Rectangle 2"/>
+          <p:cNvSpPr>
+            <a:spLocks noGrp="1" noRot="1" noChangeAspect="1" noChangeArrowheads="1" noTextEdit="1"/>
+          </p:cNvSpPr>
+          <p:nvPr>
+            <p:ph type="sldImg"/>
+          </p:nvPr>
+        </p:nvSpPr>
+        <p:spPr>
+          <a:ln/>
+        </p:spPr>
+      </p:sp>
+      <p:sp>
+        <p:nvSpPr>
+          <p:cNvPr id="87043" name="Rectangle 3"/>
+          <p:cNvSpPr>
+            <a:spLocks noGrp="1" noChangeArrowheads="1"/>
+          </p:cNvSpPr>
+          <p:nvPr>
+            <p:ph type="body" idx="1"/>
+          </p:nvPr>
+        </p:nvSpPr>
+        <p:spPr>
+          <a:noFill/>
+        </p:spPr>
+        <p:txBody>
+          <a:bodyPr/>
+          <a:lstStyle/>
+          <a:p>
+            <a:endParaRPr lang="en-US" dirty="0" smtClean="0"/>
+          </a:p>
+        </p:txBody>
+      </p:sp>
+    </p:spTree>
+  </p:cSld>
+  <p:clrMapOvr>
+    <a:masterClrMapping/>
+  </p:clrMapOvr>
+</p:notes>
+</file>
+
+<file path=ppt/notesSlides/notesSlide77.xml><?xml version="1.0" encoding="utf-8"?>
+<p:notes xmlns:a="http://schemas.openxmlformats.org/drawingml/2006/main" xmlns:r="http://schemas.openxmlformats.org/officeDocument/2006/relationships" xmlns:p="http://schemas.openxmlformats.org/presentationml/2006/main">
+  <p:cSld>
+    <p:spTree>
+      <p:nvGrpSpPr>
+        <p:cNvPr id="1" name=""/>
+        <p:cNvGrpSpPr/>
+        <p:nvPr/>
+      </p:nvGrpSpPr>
+      <p:grpSpPr>
+        <a:xfrm>
+          <a:off x="0" y="0"/>
+          <a:ext cx="0" cy="0"/>
+          <a:chOff x="0" y="0"/>
+          <a:chExt cx="0" cy="0"/>
+        </a:xfrm>
+      </p:grpSpPr>
+      <p:sp>
+        <p:nvSpPr>
+          <p:cNvPr id="87042" name="Rectangle 2"/>
+          <p:cNvSpPr>
+            <a:spLocks noGrp="1" noRot="1" noChangeAspect="1" noChangeArrowheads="1" noTextEdit="1"/>
+          </p:cNvSpPr>
+          <p:nvPr>
+            <p:ph type="sldImg"/>
+          </p:nvPr>
+        </p:nvSpPr>
+        <p:spPr>
+          <a:ln/>
+        </p:spPr>
+      </p:sp>
+      <p:sp>
+        <p:nvSpPr>
+          <p:cNvPr id="87043" name="Rectangle 3"/>
+          <p:cNvSpPr>
+            <a:spLocks noGrp="1" noChangeArrowheads="1"/>
+          </p:cNvSpPr>
+          <p:nvPr>
+            <p:ph type="body" idx="1"/>
+          </p:nvPr>
+        </p:nvSpPr>
+        <p:spPr>
+          <a:noFill/>
+        </p:spPr>
+        <p:txBody>
+          <a:bodyPr/>
+          <a:lstStyle/>
+          <a:p>
+            <a:endParaRPr lang="en-US" dirty="0" smtClean="0"/>
+          </a:p>
+        </p:txBody>
+      </p:sp>
+    </p:spTree>
+  </p:cSld>
+  <p:clrMapOvr>
+    <a:masterClrMapping/>
+  </p:clrMapOvr>
+</p:notes>
+</file>
+
+<file path=ppt/notesSlides/notesSlide78.xml><?xml version="1.0" encoding="utf-8"?>
+<p:notes xmlns:a="http://schemas.openxmlformats.org/drawingml/2006/main" xmlns:r="http://schemas.openxmlformats.org/officeDocument/2006/relationships" xmlns:p="http://schemas.openxmlformats.org/presentationml/2006/main">
+  <p:cSld>
+    <p:spTree>
+      <p:nvGrpSpPr>
+        <p:cNvPr id="1" name=""/>
+        <p:cNvGrpSpPr/>
+        <p:nvPr/>
+      </p:nvGrpSpPr>
+      <p:grpSpPr>
+        <a:xfrm>
+          <a:off x="0" y="0"/>
+          <a:ext cx="0" cy="0"/>
+          <a:chOff x="0" y="0"/>
+          <a:chExt cx="0" cy="0"/>
+        </a:xfrm>
+      </p:grpSpPr>
+      <p:sp>
+        <p:nvSpPr>
+          <p:cNvPr id="87042" name="Rectangle 2"/>
+          <p:cNvSpPr>
+            <a:spLocks noGrp="1" noRot="1" noChangeAspect="1" noChangeArrowheads="1" noTextEdit="1"/>
+          </p:cNvSpPr>
+          <p:nvPr>
+            <p:ph type="sldImg"/>
+          </p:nvPr>
+        </p:nvSpPr>
+        <p:spPr>
+          <a:ln/>
+        </p:spPr>
+      </p:sp>
+      <p:sp>
+        <p:nvSpPr>
+          <p:cNvPr id="87043" name="Rectangle 3"/>
+          <p:cNvSpPr>
+            <a:spLocks noGrp="1" noChangeArrowheads="1"/>
+          </p:cNvSpPr>
+          <p:nvPr>
+            <p:ph type="body" idx="1"/>
+          </p:nvPr>
+        </p:nvSpPr>
+        <p:spPr>
+          <a:noFill/>
+        </p:spPr>
+        <p:txBody>
+          <a:bodyPr/>
+          <a:lstStyle/>
+          <a:p>
+            <a:endParaRPr lang="en-US" dirty="0" smtClean="0"/>
+          </a:p>
+        </p:txBody>
+      </p:sp>
+    </p:spTree>
+  </p:cSld>
+  <p:clrMapOvr>
+    <a:masterClrMapping/>
+  </p:clrMapOvr>
+</p:notes>
+</file>
+
+<file path=ppt/notesSlides/notesSlide79.xml><?xml version="1.0" encoding="utf-8"?>
 <p:notes xmlns:a="http://schemas.openxmlformats.org/drawingml/2006/main" xmlns:r="http://schemas.openxmlformats.org/officeDocument/2006/relationships" xmlns:p="http://schemas.openxmlformats.org/presentationml/2006/main">
   <p:cSld>
     <p:spTree>
@@ -19201,7 +19445,7 @@
         </p:xfrm>
         <a:graphic>
           <a:graphicData uri="http://schemas.openxmlformats.org/presentationml/2006/ole">
-            <p:oleObj spid="_x0000_s2050" name="Visio" r:id="rId4" imgW="9655632" imgH="4762230" progId="">
+            <p:oleObj spid="_x0000_s2050" name="Visio" r:id="rId4" imgW="9655632" imgH="4762230" progId="Visio.Drawing.11">
               <p:embed/>
             </p:oleObj>
           </a:graphicData>
@@ -24303,18 +24547,13 @@
             </a:pPr>
             <a:r>
               <a:rPr lang="en-US" dirty="0" smtClean="0"/>
-              <a:t>Post processing</a:t>
-            </a:r>
-          </a:p>
-          <a:p>
-            <a:pPr marL="914400" lvl="1" indent="-457200" eaLnBrk="1" hangingPunct="1">
-              <a:buFont typeface="+mj-lt"/>
-              <a:buAutoNum type="arabicPeriod"/>
-            </a:pPr>
+              <a:t>Post </a:t>
+            </a:r>
             <a:r>
               <a:rPr lang="en-US" dirty="0" smtClean="0"/>
-              <a:t>3D processing</a:t>
-            </a:r>
+              <a:t>processing</a:t>
+            </a:r>
+            <a:endParaRPr lang="en-US" dirty="0" smtClean="0"/>
           </a:p>
         </p:txBody>
       </p:sp>
@@ -24589,7 +24828,7 @@
         </p:xfrm>
         <a:graphic>
           <a:graphicData uri="http://schemas.openxmlformats.org/presentationml/2006/ole">
-            <p:oleObj spid="_x0000_s150530" name="Visio" r:id="rId4" imgW="6111105" imgH="5196696" progId="">
+            <p:oleObj spid="_x0000_s150530" name="Visio" r:id="rId4" imgW="6111105" imgH="5196696" progId="Visio.Drawing.11">
               <p:embed/>
             </p:oleObj>
           </a:graphicData>
@@ -24817,8 +25056,8 @@
         </p:nvSpPr>
         <p:spPr>
           <a:xfrm>
-            <a:off x="231775" y="142874"/>
-            <a:ext cx="8458200" cy="1228725"/>
+            <a:off x="228600" y="457200"/>
+            <a:ext cx="8458200" cy="847726"/>
           </a:xfrm>
         </p:spPr>
         <p:txBody>
@@ -24827,8 +25066,8 @@
           <a:p>
             <a:pPr eaLnBrk="1" hangingPunct="1"/>
             <a:r>
-              <a:rPr lang="en-US" dirty="0" smtClean="0"/>
-              <a:t>3-D processing</a:t>
+              <a:rPr lang="en-US" sz="3600" dirty="0" smtClean="0"/>
+              <a:t>“My System”</a:t>
             </a:r>
           </a:p>
         </p:txBody>
@@ -24846,7 +25085,7 @@
         <p:spPr>
           <a:xfrm>
             <a:off x="381000" y="1676400"/>
-            <a:ext cx="8505825" cy="3657600"/>
+            <a:ext cx="8505825" cy="2819400"/>
           </a:xfrm>
         </p:spPr>
         <p:txBody>
@@ -24856,7 +25095,48 @@
             <a:pPr eaLnBrk="1" hangingPunct="1"/>
             <a:r>
               <a:rPr lang="en-US" sz="2800" dirty="0" smtClean="0"/>
-              <a:t>Using multiple slices to build 3D model </a:t>
+              <a:t>800 detectors in a vector</a:t>
+            </a:r>
+          </a:p>
+          <a:p>
+            <a:pPr eaLnBrk="1" hangingPunct="1"/>
+            <a:r>
+              <a:rPr lang="en-US" sz="2800" dirty="0" smtClean="0"/>
+              <a:t>360 </a:t>
+            </a:r>
+            <a:r>
+              <a:rPr lang="en-US" sz="2800" dirty="0" smtClean="0"/>
+              <a:t>vectors per </a:t>
+            </a:r>
+            <a:r>
+              <a:rPr lang="en-US" sz="2800" dirty="0" smtClean="0"/>
+              <a:t>slice</a:t>
+            </a:r>
+          </a:p>
+          <a:p>
+            <a:pPr lvl="1" eaLnBrk="1" hangingPunct="1"/>
+            <a:r>
+              <a:rPr lang="en-US" dirty="0" smtClean="0"/>
+              <a:t>Scan time – 1 second per </a:t>
+            </a:r>
+            <a:r>
+              <a:rPr lang="en-US" dirty="0" smtClean="0"/>
+              <a:t>slice</a:t>
+            </a:r>
+            <a:endParaRPr lang="en-US" sz="2800" dirty="0" smtClean="0"/>
+          </a:p>
+          <a:p>
+            <a:pPr eaLnBrk="1" hangingPunct="1"/>
+            <a:r>
+              <a:rPr lang="en-US" sz="2800" dirty="0" smtClean="0"/>
+              <a:t>Image size 512x512 pixels</a:t>
+            </a:r>
+          </a:p>
+          <a:p>
+            <a:pPr eaLnBrk="1" hangingPunct="1"/>
+            <a:r>
+              <a:rPr lang="en-US" sz="2800" dirty="0" smtClean="0"/>
+              <a:t>400 slices per scan</a:t>
             </a:r>
           </a:p>
         </p:txBody>
@@ -24885,6 +25165,38 @@
           </a:p>
         </p:txBody>
       </p:sp>
+      <p:pic>
+        <p:nvPicPr>
+          <p:cNvPr id="184322" name="Picture 2"/>
+          <p:cNvPicPr>
+            <a:picLocks noChangeAspect="1" noChangeArrowheads="1"/>
+          </p:cNvPicPr>
+          <p:nvPr/>
+        </p:nvPicPr>
+        <p:blipFill>
+          <a:blip r:embed="rId3" cstate="print"/>
+          <a:srcRect/>
+          <a:stretch>
+            <a:fillRect/>
+          </a:stretch>
+        </p:blipFill>
+        <p:spPr bwMode="auto">
+          <a:xfrm>
+            <a:off x="5264880" y="591194"/>
+            <a:ext cx="3705225" cy="3228975"/>
+          </a:xfrm>
+          <a:prstGeom prst="rect">
+            <a:avLst/>
+          </a:prstGeom>
+          <a:noFill/>
+          <a:ln w="9525">
+            <a:noFill/>
+            <a:miter lim="800000"/>
+            <a:headEnd/>
+            <a:tailEnd/>
+          </a:ln>
+        </p:spPr>
+      </p:pic>
     </p:spTree>
   </p:cSld>
   <p:clrMapOvr>
@@ -24929,8 +25241,8 @@
         </p:nvSpPr>
         <p:spPr>
           <a:xfrm>
-            <a:off x="228600" y="457200"/>
-            <a:ext cx="8458200" cy="847726"/>
+            <a:off x="231775" y="142875"/>
+            <a:ext cx="8458200" cy="923925"/>
           </a:xfrm>
         </p:spPr>
         <p:txBody>
@@ -24940,7 +25252,7 @@
             <a:pPr eaLnBrk="1" hangingPunct="1"/>
             <a:r>
               <a:rPr lang="en-US" sz="3600" dirty="0" smtClean="0"/>
-              <a:t>“My System”</a:t>
+              <a:t>Memory and IO Considerations</a:t>
             </a:r>
           </a:p>
         </p:txBody>
@@ -24957,8 +25269,8 @@
         </p:nvSpPr>
         <p:spPr>
           <a:xfrm>
-            <a:off x="381000" y="1676400"/>
-            <a:ext cx="8505825" cy="2819400"/>
+            <a:off x="381000" y="2001794"/>
+            <a:ext cx="8505825" cy="4322805"/>
           </a:xfrm>
         </p:spPr>
         <p:txBody>
@@ -24968,36 +25280,61 @@
             <a:pPr eaLnBrk="1" hangingPunct="1"/>
             <a:r>
               <a:rPr lang="en-US" sz="2800" dirty="0" smtClean="0"/>
-              <a:t>800 detectors in a vector</a:t>
-            </a:r>
+              <a:t>Input data per second: 800 * 360 * 2 = 562.5 K </a:t>
+            </a:r>
+            <a:r>
+              <a:rPr lang="en-US" sz="2800" dirty="0" smtClean="0"/>
+              <a:t>Bytes</a:t>
+            </a:r>
+          </a:p>
+          <a:p>
+            <a:pPr lvl="1" eaLnBrk="1" hangingPunct="1"/>
+            <a:r>
+              <a:rPr lang="en-US" sz="2400" dirty="0" smtClean="0"/>
+              <a:t>800 detectors,  2 bytes (16 bit A2D) each detector, 360 measurements in a slice (in a second)</a:t>
+            </a:r>
+            <a:endParaRPr lang="en-US" sz="2400" dirty="0" smtClean="0"/>
           </a:p>
           <a:p>
             <a:pPr eaLnBrk="1" hangingPunct="1"/>
             <a:r>
               <a:rPr lang="en-US" sz="2800" dirty="0" smtClean="0"/>
-              <a:t>Scan time – 1 second per slice</a:t>
-            </a:r>
-          </a:p>
-          <a:p>
-            <a:pPr eaLnBrk="1" hangingPunct="1"/>
+              <a:t>Total input data (562.5K x </a:t>
+            </a:r>
+            <a:r>
+              <a:rPr lang="en-US" dirty="0" smtClean="0"/>
+              <a:t>40</a:t>
+            </a:r>
             <a:r>
               <a:rPr lang="en-US" sz="2800" dirty="0" smtClean="0"/>
-              <a:t>360 vectors per slice</a:t>
-            </a:r>
-          </a:p>
-          <a:p>
-            <a:pPr eaLnBrk="1" hangingPunct="1"/>
+              <a:t>0</a:t>
+            </a:r>
             <a:r>
               <a:rPr lang="en-US" sz="2800" dirty="0" smtClean="0"/>
-              <a:t>Image size 512x512 pixels</a:t>
-            </a:r>
-          </a:p>
-          <a:p>
-            <a:pPr eaLnBrk="1" hangingPunct="1"/>
+              <a:t>) = ~ </a:t>
+            </a:r>
+            <a:r>
+              <a:rPr lang="en-US" dirty="0" smtClean="0"/>
+              <a:t>225</a:t>
+            </a:r>
             <a:r>
               <a:rPr lang="en-US" sz="2800" dirty="0" smtClean="0"/>
-              <a:t>400 slices per scan</a:t>
-            </a:r>
+              <a:t>MB</a:t>
+            </a:r>
+          </a:p>
+          <a:p>
+            <a:pPr lvl="1" eaLnBrk="1" hangingPunct="1"/>
+            <a:r>
+              <a:rPr lang="en-US" sz="2400" dirty="0" smtClean="0"/>
+              <a:t>562.5K each slice, and there are 400 slices</a:t>
+            </a:r>
+            <a:endParaRPr lang="en-US" sz="2400" dirty="0" smtClean="0"/>
+          </a:p>
+          <a:p>
+            <a:pPr lvl="1" eaLnBrk="1" hangingPunct="1">
+              <a:buNone/>
+            </a:pPr>
+            <a:endParaRPr lang="en-US" sz="2400" dirty="0" smtClean="0"/>
           </a:p>
         </p:txBody>
       </p:sp>
@@ -25108,29 +25445,33 @@
             <a:pPr eaLnBrk="1" hangingPunct="1"/>
             <a:r>
               <a:rPr lang="en-US" sz="2800" dirty="0" smtClean="0"/>
-              <a:t>Input data per second: 800 * 360 * 2 = 562.5 K Bytes</a:t>
-            </a:r>
-          </a:p>
-          <a:p>
-            <a:pPr eaLnBrk="1" hangingPunct="1"/>
+              <a:t>Image </a:t>
+            </a:r>
             <a:r>
               <a:rPr lang="en-US" sz="2800" dirty="0" smtClean="0"/>
-              <a:t>Total input data (562.5K x 360) = ~ 198MB</a:t>
-            </a:r>
-          </a:p>
-          <a:p>
-            <a:pPr eaLnBrk="1" hangingPunct="1"/>
+              <a:t>memory </a:t>
+            </a:r>
+            <a:r>
+              <a:rPr lang="en-US" dirty="0" smtClean="0"/>
+              <a:t>size for a complete scan</a:t>
+            </a:r>
             <a:r>
               <a:rPr lang="en-US" sz="2800" dirty="0" smtClean="0"/>
-              <a:t>Image memory holds:</a:t>
-            </a:r>
+              <a:t>:</a:t>
+            </a:r>
+            <a:endParaRPr lang="en-US" sz="2800" dirty="0" smtClean="0"/>
           </a:p>
           <a:p>
             <a:pPr lvl="1" eaLnBrk="1" hangingPunct="1"/>
             <a:r>
               <a:rPr lang="en-US" sz="2200" dirty="0" smtClean="0"/>
-              <a:t>400 slices</a:t>
-            </a:r>
+              <a:t>400 </a:t>
+            </a:r>
+            <a:r>
+              <a:rPr lang="en-US" sz="2200" dirty="0" smtClean="0"/>
+              <a:t>slices, 4 bytes (floating point) per pixel, 512x512 pixels</a:t>
+            </a:r>
+            <a:endParaRPr lang="en-US" sz="2200" dirty="0" smtClean="0"/>
           </a:p>
           <a:p>
             <a:pPr lvl="1" eaLnBrk="1" hangingPunct="1"/>
@@ -25144,41 +25485,6 @@
             <a:r>
               <a:rPr lang="en-US" sz="2200" dirty="0" smtClean="0"/>
               <a:t>512 x 512 x 4 x 400 = 400MB </a:t>
-            </a:r>
-          </a:p>
-          <a:p>
-            <a:pPr eaLnBrk="1" hangingPunct="1"/>
-            <a:r>
-              <a:rPr lang="en-US" sz="2800" dirty="0" smtClean="0"/>
-              <a:t>Pre-process single vector</a:t>
-            </a:r>
-          </a:p>
-          <a:p>
-            <a:pPr lvl="1" eaLnBrk="1" hangingPunct="1"/>
-            <a:r>
-              <a:rPr lang="en-US" sz="2200" dirty="0" smtClean="0"/>
-              <a:t>Input size (single vector) 800 samples by 2 bytes –less than 2KB</a:t>
-            </a:r>
-          </a:p>
-          <a:p>
-            <a:pPr lvl="1" eaLnBrk="1" hangingPunct="1"/>
-            <a:r>
-              <a:rPr lang="en-US" sz="2200" dirty="0" smtClean="0"/>
-              <a:t>Largest intermediate size (interpolated to 2048, complex floating point) 2048*4*2 = 16KB</a:t>
-            </a:r>
-          </a:p>
-          <a:p>
-            <a:pPr lvl="1" eaLnBrk="1" hangingPunct="1"/>
-            <a:r>
-              <a:rPr lang="en-US" sz="2200" dirty="0" smtClean="0"/>
-              <a:t>Output size (real) 2047 x 4 = 8KB</a:t>
-            </a:r>
-          </a:p>
-          <a:p>
-            <a:pPr lvl="1" eaLnBrk="1" hangingPunct="1"/>
-            <a:r>
-              <a:rPr lang="en-US" sz="2200" dirty="0" smtClean="0"/>
-              <a:t>Filters coefficients, convolution coefficients etc –&gt; 16KB</a:t>
             </a:r>
           </a:p>
           <a:p>
@@ -25257,8 +25563,8 @@
         </p:nvSpPr>
         <p:spPr>
           <a:xfrm>
-            <a:off x="231775" y="142874"/>
-            <a:ext cx="8458200" cy="1228725"/>
+            <a:off x="231775" y="142875"/>
+            <a:ext cx="8458200" cy="923925"/>
           </a:xfrm>
         </p:spPr>
         <p:txBody>
@@ -25267,16 +25573,10 @@
           <a:p>
             <a:pPr eaLnBrk="1" hangingPunct="1"/>
             <a:r>
-              <a:rPr lang="en-US" dirty="0" smtClean="0"/>
-              <a:t>Memory and IO Considerations</a:t>
-            </a:r>
-            <a:br>
-              <a:rPr lang="en-US" dirty="0" smtClean="0"/>
-            </a:br>
-            <a:r>
-              <a:rPr lang="en-US" dirty="0" smtClean="0"/>
-              <a:t>“My System”</a:t>
-            </a:r>
+              <a:rPr lang="en-US" sz="3600" dirty="0" smtClean="0"/>
+              <a:t>Pre-Processing Considerations</a:t>
+            </a:r>
+            <a:endParaRPr lang="en-US" sz="3600" dirty="0" smtClean="0"/>
           </a:p>
         </p:txBody>
       </p:sp>
@@ -25292,8 +25592,8 @@
         </p:nvSpPr>
         <p:spPr>
           <a:xfrm>
-            <a:off x="381000" y="1371600"/>
-            <a:ext cx="8505825" cy="4800600"/>
+            <a:off x="381000" y="1066800"/>
+            <a:ext cx="8505825" cy="5257800"/>
           </a:xfrm>
         </p:spPr>
         <p:txBody>
@@ -25303,30 +25603,46 @@
             <a:pPr eaLnBrk="1" hangingPunct="1"/>
             <a:r>
               <a:rPr lang="en-US" sz="2800" dirty="0" smtClean="0"/>
-              <a:t>Back projector processing </a:t>
-            </a:r>
+              <a:t>Pre-process </a:t>
+            </a:r>
+            <a:r>
+              <a:rPr lang="en-US" sz="2800" dirty="0" smtClean="0"/>
+              <a:t>single vector</a:t>
+            </a:r>
+          </a:p>
+          <a:p>
+            <a:pPr lvl="1" eaLnBrk="1" hangingPunct="1"/>
+            <a:r>
+              <a:rPr lang="en-US" sz="2200" dirty="0" smtClean="0"/>
+              <a:t>Input size (single vector) 800 samples by 2 bytes –less than 2KB</a:t>
+            </a:r>
+          </a:p>
+          <a:p>
+            <a:pPr lvl="1" eaLnBrk="1" hangingPunct="1"/>
+            <a:r>
+              <a:rPr lang="en-US" sz="2200" dirty="0" smtClean="0"/>
+              <a:t>Largest intermediate size (interpolated to 2048, complex floating point) 2048*4*2 = 16KB</a:t>
+            </a:r>
+          </a:p>
+          <a:p>
+            <a:pPr lvl="1" eaLnBrk="1" hangingPunct="1"/>
+            <a:r>
+              <a:rPr lang="en-US" sz="2200" dirty="0" smtClean="0"/>
+              <a:t>Output size (real) 2047 x 4 = 8KB</a:t>
+            </a:r>
+          </a:p>
+          <a:p>
+            <a:pPr lvl="1" eaLnBrk="1" hangingPunct="1"/>
+            <a:r>
+              <a:rPr lang="en-US" sz="2200" dirty="0" smtClean="0"/>
+              <a:t>Filters coefficients, convolution coefficients etc –&gt; 16KB</a:t>
+            </a:r>
+          </a:p>
+          <a:p>
+            <a:pPr lvl="1" eaLnBrk="1" hangingPunct="1">
+              <a:buNone/>
+            </a:pPr>
             <a:endParaRPr lang="en-US" sz="2400" dirty="0" smtClean="0"/>
-          </a:p>
-          <a:p>
-            <a:pPr lvl="1" eaLnBrk="1" hangingPunct="1"/>
-            <a:r>
-              <a:rPr lang="en-US" sz="2400" dirty="0" smtClean="0"/>
-              <a:t>Image size 512x512x4 = 1M</a:t>
-            </a:r>
-          </a:p>
-          <a:p>
-            <a:pPr eaLnBrk="1" hangingPunct="1"/>
-            <a:r>
-              <a:rPr lang="en-US" sz="2800" dirty="0" smtClean="0"/>
-              <a:t>Post processing and 3D processing</a:t>
-            </a:r>
-          </a:p>
-          <a:p>
-            <a:pPr lvl="1" eaLnBrk="1" hangingPunct="1"/>
-            <a:r>
-              <a:rPr lang="en-US" sz="2400" dirty="0" smtClean="0"/>
-              <a:t>400 images, 400M</a:t>
-            </a:r>
           </a:p>
         </p:txBody>
       </p:sp>
@@ -25606,9 +25922,17 @@
           <a:p>
             <a:pPr eaLnBrk="1" hangingPunct="1"/>
             <a:r>
-              <a:rPr lang="en-US" sz="3600" dirty="0" smtClean="0"/>
-              <a:t>System Considerations</a:t>
-            </a:r>
+              <a:rPr lang="en-US" dirty="0" smtClean="0"/>
+              <a:t>Image Memory Considerations</a:t>
+            </a:r>
+            <a:r>
+              <a:rPr lang="en-US" dirty="0" smtClean="0"/>
+              <a:t/>
+            </a:r>
+            <a:br>
+              <a:rPr lang="en-US" dirty="0" smtClean="0"/>
+            </a:br>
+            <a:endParaRPr lang="en-US" dirty="0" smtClean="0"/>
           </a:p>
         </p:txBody>
       </p:sp>
@@ -25634,34 +25958,36 @@
           <a:p>
             <a:pPr eaLnBrk="1" hangingPunct="1"/>
             <a:r>
+              <a:rPr lang="en-US" sz="2800" dirty="0" smtClean="0"/>
+              <a:t>Back projector processing </a:t>
+            </a:r>
+            <a:endParaRPr lang="en-US" sz="2400" dirty="0" smtClean="0"/>
+          </a:p>
+          <a:p>
+            <a:pPr lvl="1" eaLnBrk="1" hangingPunct="1"/>
+            <a:r>
               <a:rPr lang="en-US" sz="2400" dirty="0" smtClean="0"/>
-              <a:t>When scanning starts, images are processed at the rate of one image per second.</a:t>
+              <a:t>Image size 512x512x4 = 1M</a:t>
             </a:r>
           </a:p>
           <a:p>
             <a:pPr eaLnBrk="1" hangingPunct="1"/>
             <a:r>
+              <a:rPr lang="en-US" sz="2800" dirty="0" smtClean="0"/>
+              <a:t>Post </a:t>
+            </a:r>
+            <a:r>
+              <a:rPr lang="en-US" sz="2800" dirty="0" smtClean="0"/>
+              <a:t>processing</a:t>
+            </a:r>
+            <a:endParaRPr lang="en-US" sz="2800" dirty="0" smtClean="0"/>
+          </a:p>
+          <a:p>
+            <a:pPr lvl="1" eaLnBrk="1" hangingPunct="1"/>
+            <a:r>
               <a:rPr lang="en-US" sz="2400" dirty="0" smtClean="0"/>
-              <a:t>The operator verifies that all settings and configuration are correct by viewing one image at a time and adjusting the image settings</a:t>
-            </a:r>
-          </a:p>
-          <a:p>
-            <a:pPr eaLnBrk="1" hangingPunct="1"/>
-            <a:r>
-              <a:rPr lang="en-US" sz="2400" dirty="0" smtClean="0"/>
-              <a:t>The operator looks at images slower than one per second and needs flexibility in setting image parameters and configurations. The same is true for 3D manipulations</a:t>
-            </a:r>
-          </a:p>
-          <a:p>
-            <a:pPr eaLnBrk="1" hangingPunct="1"/>
-            <a:r>
-              <a:rPr lang="en-US" sz="2400" dirty="0" smtClean="0"/>
-              <a:t>The operator does not have to look at all the images. The image reconstruction rate is 1 per second. The image display rate (or 3D display) is much slower.</a:t>
-            </a:r>
-          </a:p>
-          <a:p>
-            <a:pPr eaLnBrk="1" hangingPunct="1"/>
-            <a:endParaRPr lang="en-US" sz="2400" dirty="0" smtClean="0"/>
+              <a:t>400 images, 400M</a:t>
+            </a:r>
           </a:p>
         </p:txBody>
       </p:sp>
@@ -25744,7 +26070,7 @@
             <a:pPr eaLnBrk="1" hangingPunct="1"/>
             <a:r>
               <a:rPr lang="en-US" sz="3600" dirty="0" smtClean="0"/>
-              <a:t>ARM - DSP Considerations</a:t>
+              <a:t>System Considerations</a:t>
             </a:r>
           </a:p>
         </p:txBody>
@@ -25772,28 +26098,41 @@
             <a:pPr eaLnBrk="1" hangingPunct="1"/>
             <a:r>
               <a:rPr lang="en-US" sz="2400" dirty="0" smtClean="0"/>
-              <a:t>The ARM NEON and the FPU are optimized for vector/matrix bytes or half word operations.  Linux has many image processing libraries and 3D emulation libraries available. </a:t>
-            </a:r>
+              <a:t>When scanning starts, images are processed at the rate of one image per second</a:t>
+            </a:r>
+            <a:r>
+              <a:rPr lang="en-US" sz="2400" dirty="0" smtClean="0"/>
+              <a:t>.  (360 measurements in a slice)</a:t>
+            </a:r>
+            <a:endParaRPr lang="en-US" sz="2400" dirty="0" smtClean="0"/>
           </a:p>
           <a:p>
             <a:pPr eaLnBrk="1" hangingPunct="1"/>
             <a:r>
               <a:rPr lang="en-US" sz="2400" dirty="0" smtClean="0"/>
-              <a:t>Intuitively, it looks like the ARM core will do all the image processing and the 3D processing.</a:t>
+              <a:t>The operator verifies that all settings and configuration are correct by viewing one image at a time and adjusting the image settings</a:t>
             </a:r>
           </a:p>
           <a:p>
             <a:pPr eaLnBrk="1" hangingPunct="1"/>
             <a:r>
               <a:rPr lang="en-US" sz="2400" dirty="0" smtClean="0"/>
-              <a:t>DSP cores are very good in filtering, FFT, convolution and the like. The back projector algorithm can be easily implemented in DSP code.</a:t>
+              <a:t>The operator looks at images slower than one per second and needs flexibility in setting image parameters and configurations. </a:t>
             </a:r>
           </a:p>
           <a:p>
             <a:pPr eaLnBrk="1" hangingPunct="1"/>
             <a:r>
               <a:rPr lang="en-US" sz="2400" dirty="0" smtClean="0"/>
-              <a:t>Intuitively, it looks like the 8 DSP cores will do the preprocessing and the back projection operation.</a:t>
+              <a:t>The operator does not have to look at all the images. The image reconstruction rate is 1 per second. The image display rate </a:t>
+            </a:r>
+            <a:r>
+              <a:rPr lang="en-US" sz="2400" dirty="0" smtClean="0"/>
+              <a:t>is </a:t>
+            </a:r>
+            <a:r>
+              <a:rPr lang="en-US" sz="2400" dirty="0" smtClean="0"/>
+              <a:t>much slower.</a:t>
             </a:r>
           </a:p>
           <a:p>
@@ -25868,39 +26207,82 @@
             <p:ph type="title"/>
           </p:nvPr>
         </p:nvSpPr>
-        <p:spPr/>
+        <p:spPr>
+          <a:xfrm>
+            <a:off x="231775" y="142874"/>
+            <a:ext cx="8458200" cy="1228725"/>
+          </a:xfrm>
+        </p:spPr>
         <p:txBody>
           <a:bodyPr/>
           <a:lstStyle/>
           <a:p>
             <a:pPr eaLnBrk="1" hangingPunct="1"/>
             <a:r>
-              <a:rPr lang="en-US" dirty="0" smtClean="0"/>
-              <a:t>“My System” Architecture</a:t>
-            </a:r>
-          </a:p>
-        </p:txBody>
-      </p:sp>
-      <p:graphicFrame>
-        <p:nvGraphicFramePr>
-          <p:cNvPr id="5" name="Object 4"/>
-          <p:cNvGraphicFramePr>
-            <a:graphicFrameLocks noChangeAspect="1"/>
-          </p:cNvGraphicFramePr>
-          <p:nvPr/>
-        </p:nvGraphicFramePr>
-        <p:xfrm>
-          <a:off x="609600" y="1371600"/>
-          <a:ext cx="7954963" cy="4134991"/>
-        </p:xfrm>
-        <a:graphic>
-          <a:graphicData uri="http://schemas.openxmlformats.org/presentationml/2006/ole">
-            <p:oleObj spid="_x0000_s151554" name="Visio" r:id="rId4" imgW="8899081" imgH="4625260" progId="">
-              <p:embed/>
-            </p:oleObj>
-          </a:graphicData>
-        </a:graphic>
-      </p:graphicFrame>
+              <a:rPr lang="en-US" sz="3600" dirty="0" smtClean="0"/>
+              <a:t>ARM - DSP Considerations</a:t>
+            </a:r>
+          </a:p>
+        </p:txBody>
+      </p:sp>
+      <p:sp>
+        <p:nvSpPr>
+          <p:cNvPr id="7171" name="Text Placeholder 2"/>
+          <p:cNvSpPr>
+            <a:spLocks noGrp="1"/>
+          </p:cNvSpPr>
+          <p:nvPr>
+            <p:ph type="body" sz="half" idx="1"/>
+          </p:nvPr>
+        </p:nvSpPr>
+        <p:spPr>
+          <a:xfrm>
+            <a:off x="381000" y="1371600"/>
+            <a:ext cx="8505825" cy="4800600"/>
+          </a:xfrm>
+        </p:spPr>
+        <p:txBody>
+          <a:bodyPr/>
+          <a:lstStyle/>
+          <a:p>
+            <a:pPr eaLnBrk="1" hangingPunct="1"/>
+            <a:r>
+              <a:rPr lang="en-US" sz="2400" dirty="0" smtClean="0"/>
+              <a:t>The ARM NEON and the FPU are optimized for vector/matrix bytes or half word operations.  Linux has many image processing libraries and 3D emulation libraries available. </a:t>
+            </a:r>
+          </a:p>
+          <a:p>
+            <a:pPr eaLnBrk="1" hangingPunct="1"/>
+            <a:r>
+              <a:rPr lang="en-US" sz="2400" dirty="0" smtClean="0"/>
+              <a:t>Intuitively, it looks like the ARM core will do all the image </a:t>
+            </a:r>
+            <a:r>
+              <a:rPr lang="en-US" sz="2400" dirty="0" smtClean="0"/>
+              <a:t>processing.</a:t>
+            </a:r>
+            <a:endParaRPr lang="en-US" sz="2400" dirty="0" smtClean="0"/>
+          </a:p>
+          <a:p>
+            <a:pPr eaLnBrk="1" hangingPunct="1"/>
+            <a:r>
+              <a:rPr lang="en-US" sz="2400" dirty="0" smtClean="0"/>
+              <a:t>DSP cores are very good in filtering, FFT, convolution and the like. The back projector algorithm can be easily implemented in DSP code.</a:t>
+            </a:r>
+          </a:p>
+          <a:p>
+            <a:pPr eaLnBrk="1" hangingPunct="1"/>
+            <a:r>
+              <a:rPr lang="en-US" sz="2400" dirty="0" smtClean="0"/>
+              <a:t>Intuitively, it looks like the 8 DSP cores will do the preprocessing and the back projection operation.</a:t>
+            </a:r>
+          </a:p>
+          <a:p>
+            <a:pPr eaLnBrk="1" hangingPunct="1"/>
+            <a:endParaRPr lang="en-US" sz="2400" dirty="0" smtClean="0"/>
+          </a:p>
+        </p:txBody>
+      </p:sp>
       <p:sp>
         <p:nvSpPr>
           <p:cNvPr id="4" name="Slide Number Placeholder 3"/>
@@ -25967,100 +26349,39 @@
             <p:ph type="title"/>
           </p:nvPr>
         </p:nvSpPr>
-        <p:spPr>
-          <a:xfrm>
-            <a:off x="231775" y="142874"/>
-            <a:ext cx="8458200" cy="1228725"/>
-          </a:xfrm>
-        </p:spPr>
+        <p:spPr/>
         <p:txBody>
           <a:bodyPr/>
           <a:lstStyle/>
           <a:p>
             <a:pPr eaLnBrk="1" hangingPunct="1"/>
             <a:r>
-              <a:rPr lang="en-US" sz="3600" dirty="0" smtClean="0"/>
-              <a:t>Building and Moving the Image</a:t>
-            </a:r>
-          </a:p>
-        </p:txBody>
-      </p:sp>
-      <p:sp>
-        <p:nvSpPr>
-          <p:cNvPr id="7171" name="Text Placeholder 2"/>
-          <p:cNvSpPr>
-            <a:spLocks noGrp="1"/>
-          </p:cNvSpPr>
-          <p:nvPr>
-            <p:ph type="body" sz="half" idx="1"/>
-          </p:nvPr>
-        </p:nvSpPr>
-        <p:spPr>
-          <a:xfrm>
-            <a:off x="381000" y="1371600"/>
-            <a:ext cx="8505825" cy="4800600"/>
-          </a:xfrm>
-        </p:spPr>
-        <p:txBody>
-          <a:bodyPr/>
-          <a:lstStyle/>
-          <a:p>
-            <a:pPr eaLnBrk="1" hangingPunct="1"/>
-            <a:r>
-              <a:rPr lang="en-US" sz="2400" dirty="0" smtClean="0"/>
-              <a:t>In my system, the DSPs build the images in shared memory</a:t>
-            </a:r>
-          </a:p>
-          <a:p>
-            <a:pPr lvl="1" eaLnBrk="1" hangingPunct="1"/>
-            <a:r>
-              <a:rPr lang="en-US" sz="2000" dirty="0" smtClean="0"/>
-              <a:t>Unless shared by multiple DSPs (details later), L2 is too small for a complete image (1MB), and MSMC memory is large enough (up to 6MB) and closer to the DSP cores (than the DDR)</a:t>
-            </a:r>
-          </a:p>
-          <a:p>
-            <a:pPr eaLnBrk="1" hangingPunct="1"/>
-            <a:r>
-              <a:rPr lang="en-US" sz="2400" dirty="0" smtClean="0"/>
-              <a:t>Moving a complete back-projector image to DDR can be done in multiple ways:</a:t>
-            </a:r>
-          </a:p>
-          <a:p>
-            <a:pPr lvl="1" eaLnBrk="1" hangingPunct="1"/>
-            <a:r>
-              <a:rPr lang="en-US" sz="2000" dirty="0" smtClean="0"/>
-              <a:t>One or more DSP cores </a:t>
-            </a:r>
-          </a:p>
-          <a:p>
-            <a:pPr lvl="1" eaLnBrk="1" hangingPunct="1"/>
-            <a:r>
-              <a:rPr lang="en-US" sz="2000" dirty="0" smtClean="0"/>
-              <a:t>EDMA  (in ping-pong buffer setting)</a:t>
-            </a:r>
-          </a:p>
-          <a:p>
-            <a:pPr lvl="1" eaLnBrk="1" hangingPunct="1"/>
-            <a:r>
-              <a:rPr lang="en-US" sz="2000" dirty="0" smtClean="0"/>
-              <a:t>ARM core can read directly from the MSMC memory and write the processed image to DDR (again, in ping-pong setting)</a:t>
-            </a:r>
-          </a:p>
-          <a:p>
-            <a:pPr eaLnBrk="1" hangingPunct="1"/>
-            <a:r>
-              <a:rPr lang="en-US" sz="2400" dirty="0" smtClean="0"/>
-              <a:t>Regardless of the method, communication between DSP and ARM is essential</a:t>
-            </a:r>
-          </a:p>
-          <a:p>
-            <a:pPr eaLnBrk="1" hangingPunct="1">
-              <a:buNone/>
-            </a:pPr>
-            <a:endParaRPr lang="en-US" sz="2400" dirty="0" smtClean="0"/>
-          </a:p>
-        </p:txBody>
-      </p:sp>
+              <a:rPr lang="en-US" dirty="0" smtClean="0"/>
+              <a:t>“My System” Architecture</a:t>
+            </a:r>
+          </a:p>
+        </p:txBody>
+      </p:sp>
+      <p:graphicFrame>
+        <p:nvGraphicFramePr>
+          <p:cNvPr id="5" name="Object 4"/>
+          <p:cNvGraphicFramePr>
+            <a:graphicFrameLocks noChangeAspect="1"/>
+          </p:cNvGraphicFramePr>
+          <p:nvPr/>
+        </p:nvGraphicFramePr>
+        <p:xfrm>
+          <a:off x="609600" y="1371600"/>
+          <a:ext cx="7954963" cy="4134991"/>
+        </p:xfrm>
+        <a:graphic>
+          <a:graphicData uri="http://schemas.openxmlformats.org/presentationml/2006/ole">
+            <p:oleObj spid="_x0000_s151554" name="Visio" r:id="rId4" imgW="8899081" imgH="4625260" progId="Visio.Drawing.11">
+              <p:embed/>
+            </p:oleObj>
+          </a:graphicData>
+        </a:graphic>
+      </p:graphicFrame>
       <p:sp>
         <p:nvSpPr>
           <p:cNvPr id="4" name="Slide Number Placeholder 3"/>
@@ -26140,14 +26461,7 @@
             <a:pPr eaLnBrk="1" hangingPunct="1"/>
             <a:r>
               <a:rPr lang="en-US" sz="3600" dirty="0" smtClean="0"/>
-              <a:t>Partition Considerations:</a:t>
-            </a:r>
-            <a:br>
-              <a:rPr lang="en-US" sz="3600" dirty="0" smtClean="0"/>
-            </a:br>
-            <a:r>
-              <a:rPr lang="en-US" sz="3600" dirty="0" smtClean="0"/>
-              <a:t>Image Processing</a:t>
+              <a:t>Building and Moving the Image</a:t>
             </a:r>
           </a:p>
         </p:txBody>
@@ -26175,50 +26489,56 @@
             <a:pPr eaLnBrk="1" hangingPunct="1"/>
             <a:r>
               <a:rPr lang="en-US" sz="2400" dirty="0" smtClean="0"/>
-              <a:t>ARM core L2 cache is 4MB</a:t>
+              <a:t>In my system, the DSPs build the images in shared memory</a:t>
+            </a:r>
+          </a:p>
+          <a:p>
+            <a:pPr lvl="1" eaLnBrk="1" hangingPunct="1"/>
+            <a:r>
+              <a:rPr lang="en-US" sz="2000" dirty="0" smtClean="0"/>
+              <a:t>Unless shared by multiple DSPs (details later), L2 is too small for a complete image (1MB), and MSMC memory is large enough (up to 6MB) and closer to the DSP cores (than the DDR)</a:t>
             </a:r>
           </a:p>
           <a:p>
             <a:pPr eaLnBrk="1" hangingPunct="1"/>
             <a:r>
               <a:rPr lang="en-US" sz="2400" dirty="0" smtClean="0"/>
-              <a:t>Single image size is 1MB</a:t>
+              <a:t>Moving a complete back-projector image to DDR can be done in multiple ways:</a:t>
+            </a:r>
+          </a:p>
+          <a:p>
+            <a:pPr lvl="1" eaLnBrk="1" hangingPunct="1"/>
+            <a:r>
+              <a:rPr lang="en-US" sz="2000" dirty="0" smtClean="0"/>
+              <a:t>One or more DSP cores </a:t>
+            </a:r>
+          </a:p>
+          <a:p>
+            <a:pPr lvl="1" eaLnBrk="1" hangingPunct="1"/>
+            <a:r>
+              <a:rPr lang="en-US" sz="2000" dirty="0" smtClean="0"/>
+              <a:t>EDMA  (in ping-pong buffer setting)</a:t>
+            </a:r>
+          </a:p>
+          <a:p>
+            <a:pPr lvl="1" eaLnBrk="1" hangingPunct="1"/>
+            <a:r>
+              <a:rPr lang="en-US" sz="2000" dirty="0" smtClean="0"/>
+              <a:t>ARM core can read directly from the MSMC memory and write the processed image to DDR (again, in ping-pong setting)</a:t>
             </a:r>
           </a:p>
           <a:p>
             <a:pPr eaLnBrk="1" hangingPunct="1"/>
             <a:r>
               <a:rPr lang="en-US" sz="2400" dirty="0" smtClean="0"/>
-              <a:t>Image processing can be done in multiple ways:</a:t>
-            </a:r>
-          </a:p>
-          <a:p>
-            <a:pPr lvl="1" eaLnBrk="1" hangingPunct="1"/>
-            <a:r>
-              <a:rPr lang="en-US" sz="2000" dirty="0" smtClean="0"/>
-              <a:t>Each A15 processes an image</a:t>
-            </a:r>
-          </a:p>
-          <a:p>
-            <a:pPr lvl="1" eaLnBrk="1" hangingPunct="1"/>
-            <a:r>
-              <a:rPr lang="en-US" sz="2000" dirty="0" smtClean="0"/>
-              <a:t>Each A15 processes part of an image</a:t>
-            </a:r>
-          </a:p>
-          <a:p>
-            <a:pPr lvl="1" eaLnBrk="1" hangingPunct="1"/>
-            <a:r>
-              <a:rPr lang="en-US" sz="2000" dirty="0" smtClean="0"/>
-              <a:t>Each A15 processes a different algorithm</a:t>
-            </a:r>
-          </a:p>
-          <a:p>
-            <a:pPr eaLnBrk="1" hangingPunct="1"/>
-            <a:r>
-              <a:rPr lang="en-US" sz="2400" dirty="0" smtClean="0"/>
-              <a:t>3D processing partition depends on the algorithm.</a:t>
-            </a:r>
+              <a:t>Regardless of the method, communication between DSP and ARM is essential</a:t>
+            </a:r>
+          </a:p>
+          <a:p>
+            <a:pPr eaLnBrk="1" hangingPunct="1">
+              <a:buNone/>
+            </a:pPr>
+            <a:endParaRPr lang="en-US" sz="2400" dirty="0" smtClean="0"/>
           </a:p>
         </p:txBody>
       </p:sp>
@@ -26290,7 +26610,7 @@
         </p:nvSpPr>
         <p:spPr>
           <a:xfrm>
-            <a:off x="231775" y="-12242"/>
+            <a:off x="231775" y="142874"/>
             <a:ext cx="8458200" cy="1228725"/>
           </a:xfrm>
         </p:spPr>
@@ -26301,14 +26621,14 @@
             <a:pPr eaLnBrk="1" hangingPunct="1"/>
             <a:r>
               <a:rPr lang="en-US" sz="3600" dirty="0" smtClean="0"/>
-              <a:t>Image Processing:</a:t>
+              <a:t>Partition Considerations:</a:t>
             </a:r>
             <a:br>
               <a:rPr lang="en-US" sz="3600" dirty="0" smtClean="0"/>
             </a:br>
             <a:r>
               <a:rPr lang="en-US" sz="3600" dirty="0" smtClean="0"/>
-              <a:t>Each A15 Processes a Different Image</a:t>
+              <a:t>Image Processing</a:t>
             </a:r>
           </a:p>
         </p:txBody>
@@ -26325,8 +26645,8 @@
         </p:nvSpPr>
         <p:spPr>
           <a:xfrm>
-            <a:off x="212272" y="1143000"/>
-            <a:ext cx="3292928" cy="5176157"/>
+            <a:off x="381000" y="1371600"/>
+            <a:ext cx="8505825" cy="4800600"/>
           </a:xfrm>
         </p:spPr>
         <p:txBody>
@@ -26335,56 +26655,62 @@
           <a:p>
             <a:pPr eaLnBrk="1" hangingPunct="1"/>
             <a:r>
+              <a:rPr lang="en-US" sz="2400" dirty="0" smtClean="0"/>
+              <a:t>ARM core L2 cache is 4MB</a:t>
+            </a:r>
+          </a:p>
+          <a:p>
+            <a:pPr eaLnBrk="1" hangingPunct="1"/>
+            <a:r>
+              <a:rPr lang="en-US" sz="2400" dirty="0" smtClean="0"/>
+              <a:t>Single image size is 1MB</a:t>
+            </a:r>
+          </a:p>
+          <a:p>
+            <a:pPr eaLnBrk="1" hangingPunct="1"/>
+            <a:r>
+              <a:rPr lang="en-US" sz="2400" dirty="0" smtClean="0"/>
+              <a:t>Image processing can be done in multiple ways:</a:t>
+            </a:r>
+          </a:p>
+          <a:p>
+            <a:pPr lvl="1" eaLnBrk="1" hangingPunct="1"/>
+            <a:r>
               <a:rPr lang="en-US" sz="2000" dirty="0" smtClean="0"/>
-              <a:t>A15 supports write-through for L1 and L2 cache.</a:t>
+              <a:t>Each A15 processes an image</a:t>
+            </a:r>
+          </a:p>
+          <a:p>
+            <a:pPr lvl="1" eaLnBrk="1" hangingPunct="1"/>
+            <a:r>
+              <a:rPr lang="en-US" sz="2000" dirty="0" smtClean="0"/>
+              <a:t>Each A15 processes part of an image</a:t>
+            </a:r>
+          </a:p>
+          <a:p>
+            <a:pPr lvl="1" eaLnBrk="1" hangingPunct="1"/>
+            <a:r>
+              <a:rPr lang="en-US" sz="2000" dirty="0" smtClean="0"/>
+              <a:t>Each A15 processes a different </a:t>
+            </a:r>
+            <a:r>
+              <a:rPr lang="en-US" sz="2000" dirty="0" smtClean="0"/>
+              <a:t>algorithm</a:t>
             </a:r>
           </a:p>
           <a:p>
             <a:pPr eaLnBrk="1" hangingPunct="1"/>
             <a:r>
-              <a:rPr lang="en-US" sz="2000" dirty="0" smtClean="0"/>
-              <a:t>If the algorithm can work in-place (or does not need intermediate results), each A15 can process a different image; Each image is 1MB.</a:t>
-            </a:r>
-          </a:p>
-          <a:p>
-            <a:pPr eaLnBrk="1" hangingPunct="1"/>
-            <a:r>
-              <a:rPr lang="en-US" sz="2000" dirty="0" smtClean="0"/>
-              <a:t>Advantage: Same code, simple control</a:t>
-            </a:r>
-          </a:p>
-          <a:p>
-            <a:pPr eaLnBrk="1" hangingPunct="1"/>
-            <a:r>
-              <a:rPr lang="en-US" sz="2000" dirty="0" smtClean="0"/>
-              <a:t>Disadvantage: Longer delay; Inefficient if intermediate results are needed (for the not-in-place case).</a:t>
-            </a:r>
-          </a:p>
-        </p:txBody>
-      </p:sp>
-      <p:graphicFrame>
-        <p:nvGraphicFramePr>
-          <p:cNvPr id="38914" name="Object 2"/>
-          <p:cNvGraphicFramePr>
-            <a:graphicFrameLocks noChangeAspect="1"/>
-          </p:cNvGraphicFramePr>
-          <p:nvPr/>
-        </p:nvGraphicFramePr>
-        <p:xfrm>
-          <a:off x="3505200" y="1371600"/>
-          <a:ext cx="5475288" cy="4422775"/>
-        </p:xfrm>
-        <a:graphic>
-          <a:graphicData uri="http://schemas.openxmlformats.org/presentationml/2006/ole">
-            <p:oleObj spid="_x0000_s152578" name="Visio" r:id="rId4" imgW="7368416" imgH="5951977" progId="">
-              <p:embed/>
-            </p:oleObj>
-          </a:graphicData>
-        </a:graphic>
-      </p:graphicFrame>
-      <p:sp>
-        <p:nvSpPr>
-          <p:cNvPr id="5" name="Slide Number Placeholder 4"/>
+              <a:rPr lang="en-US" sz="2400" dirty="0" smtClean="0"/>
+              <a:t>Following slides will analyze each of the possible  way</a:t>
+            </a:r>
+            <a:endParaRPr lang="en-US" sz="2400" dirty="0" smtClean="0"/>
+          </a:p>
+        </p:txBody>
+      </p:sp>
+      <p:sp>
+        <p:nvSpPr>
+          <p:cNvPr id="4" name="Slide Number Placeholder 3"/>
           <p:cNvSpPr>
             <a:spLocks noGrp="1"/>
           </p:cNvSpPr>
@@ -26450,7 +26776,7 @@
         </p:nvSpPr>
         <p:spPr>
           <a:xfrm>
-            <a:off x="231775" y="142874"/>
+            <a:off x="231775" y="-12242"/>
             <a:ext cx="8458200" cy="1228725"/>
           </a:xfrm>
         </p:spPr>
@@ -26468,7 +26794,7 @@
             </a:br>
             <a:r>
               <a:rPr lang="en-US" sz="3600" dirty="0" smtClean="0"/>
-              <a:t>Each A15 Processes a Part of the Image</a:t>
+              <a:t>Each A15 Processes a Different Image</a:t>
             </a:r>
           </a:p>
         </p:txBody>
@@ -26485,8 +26811,8 @@
         </p:nvSpPr>
         <p:spPr>
           <a:xfrm>
-            <a:off x="457200" y="1752600"/>
-            <a:ext cx="4038600" cy="4267200"/>
+            <a:off x="212272" y="1143000"/>
+            <a:ext cx="3292928" cy="5176157"/>
           </a:xfrm>
         </p:spPr>
         <p:txBody>
@@ -26496,47 +26822,55 @@
             <a:pPr eaLnBrk="1" hangingPunct="1"/>
             <a:r>
               <a:rPr lang="en-US" sz="2000" dirty="0" smtClean="0"/>
-              <a:t>The cache size supports double buffering and working area.</a:t>
+              <a:t>A15 supports write-through for L1 and L2 cache.</a:t>
             </a:r>
           </a:p>
           <a:p>
             <a:pPr eaLnBrk="1" hangingPunct="1"/>
             <a:r>
               <a:rPr lang="en-US" sz="2000" dirty="0" smtClean="0"/>
-              <a:t>Intermediate results can be maintained in cache, output written to a non-cacheable area. </a:t>
+              <a:t>If the algorithm can work in-place (or does not need intermediate results), each A15 can process a different image; Each image is 1MB.</a:t>
             </a:r>
           </a:p>
           <a:p>
             <a:pPr eaLnBrk="1" hangingPunct="1"/>
             <a:r>
               <a:rPr lang="en-US" sz="2000" dirty="0" smtClean="0"/>
-              <a:t>Advantage: All data and scratch buffers can fit in the cache;  Efficient processing, small delay.</a:t>
+              <a:t>Advantage: Same code, simple control</a:t>
             </a:r>
           </a:p>
           <a:p>
             <a:pPr eaLnBrk="1" hangingPunct="1"/>
             <a:r>
               <a:rPr lang="en-US" sz="2000" dirty="0" smtClean="0"/>
-              <a:t>Disadvantage: Need to pay attention to the boundaries between processing zones of each A15.</a:t>
+              <a:t>Disadvantage: Longer delay; Inefficient if intermediate results are needed </a:t>
+            </a:r>
+            <a:r>
+              <a:rPr lang="en-US" sz="2000" dirty="0" smtClean="0"/>
+              <a:t>(or for </a:t>
+            </a:r>
+            <a:r>
+              <a:rPr lang="en-US" sz="2000" dirty="0" smtClean="0"/>
+              <a:t>the not-in-place case).</a:t>
             </a:r>
           </a:p>
         </p:txBody>
       </p:sp>
       <p:graphicFrame>
         <p:nvGraphicFramePr>
-          <p:cNvPr id="5" name="Object 4"/>
+          <p:cNvPr id="38914" name="Object 2"/>
           <p:cNvGraphicFramePr>
             <a:graphicFrameLocks noChangeAspect="1"/>
           </p:cNvGraphicFramePr>
           <p:nvPr/>
         </p:nvGraphicFramePr>
         <p:xfrm>
-          <a:off x="5105400" y="1524000"/>
-          <a:ext cx="3314700" cy="4630257"/>
+          <a:off x="3505200" y="1371600"/>
+          <a:ext cx="5475288" cy="4422775"/>
         </p:xfrm>
         <a:graphic>
           <a:graphicData uri="http://schemas.openxmlformats.org/presentationml/2006/ole">
-            <p:oleObj spid="_x0000_s153602" name="Visio" r:id="rId4" imgW="3965552" imgH="5269149" progId="">
+            <p:oleObj spid="_x0000_s152578" name="Visio" r:id="rId4" imgW="7368416" imgH="5951977" progId="Visio.Drawing.11">
               <p:embed/>
             </p:oleObj>
           </a:graphicData>
@@ -26544,7 +26878,7 @@
       </p:graphicFrame>
       <p:sp>
         <p:nvSpPr>
-          <p:cNvPr id="6" name="Slide Number Placeholder 5"/>
+          <p:cNvPr id="5" name="Slide Number Placeholder 4"/>
           <p:cNvSpPr>
             <a:spLocks noGrp="1"/>
           </p:cNvSpPr>
@@ -26628,7 +26962,7 @@
             </a:br>
             <a:r>
               <a:rPr lang="en-US" sz="3600" dirty="0" smtClean="0"/>
-              <a:t>Each A15 Processes a Part of the Algorithm</a:t>
+              <a:t>Each A15 Processes a Part of the Image</a:t>
             </a:r>
           </a:p>
         </p:txBody>
@@ -26645,8 +26979,8 @@
         </p:nvSpPr>
         <p:spPr>
           <a:xfrm>
-            <a:off x="381000" y="1371600"/>
-            <a:ext cx="8000999" cy="1608364"/>
+            <a:off x="457200" y="1752600"/>
+            <a:ext cx="4038600" cy="4267200"/>
           </a:xfrm>
         </p:spPr>
         <p:txBody>
@@ -26656,40 +26990,47 @@
             <a:pPr eaLnBrk="1" hangingPunct="1"/>
             <a:r>
               <a:rPr lang="en-US" sz="2000" dirty="0" smtClean="0"/>
-              <a:t>Pipeline the processing; Four images in the pipeline: Requires buffers</a:t>
+              <a:t>The cache size supports double buffering and working area.</a:t>
             </a:r>
           </a:p>
           <a:p>
             <a:pPr eaLnBrk="1" hangingPunct="1"/>
             <a:r>
               <a:rPr lang="en-US" sz="2000" dirty="0" smtClean="0"/>
-              <a:t>Advantage: Each A15 has a smaller program, can fit in the L1 P cache</a:t>
+              <a:t>Intermediate results can be maintained in cache, output written to a non-cacheable area. </a:t>
             </a:r>
           </a:p>
           <a:p>
             <a:pPr eaLnBrk="1" hangingPunct="1"/>
             <a:r>
               <a:rPr lang="en-US" sz="2000" dirty="0" smtClean="0"/>
-              <a:t>Disadvantage: Complex algorithm, difficult to balance between A15, not efficient if memory does not fit inside the cache.</a:t>
+              <a:t>Advantage: All data and scratch buffers can fit in the cache;  Efficient processing, small delay.</a:t>
+            </a:r>
+          </a:p>
+          <a:p>
+            <a:pPr eaLnBrk="1" hangingPunct="1"/>
+            <a:r>
+              <a:rPr lang="en-US" sz="2000" dirty="0" smtClean="0"/>
+              <a:t>Disadvantage: Need to pay attention to the boundaries between processing zones of each A15.</a:t>
             </a:r>
           </a:p>
         </p:txBody>
       </p:sp>
       <p:graphicFrame>
         <p:nvGraphicFramePr>
-          <p:cNvPr id="4" name="Object 3"/>
+          <p:cNvPr id="5" name="Object 4"/>
           <p:cNvGraphicFramePr>
             <a:graphicFrameLocks noChangeAspect="1"/>
           </p:cNvGraphicFramePr>
           <p:nvPr/>
         </p:nvGraphicFramePr>
         <p:xfrm>
-          <a:off x="533400" y="3124200"/>
-          <a:ext cx="7780338" cy="3013594"/>
+          <a:off x="5105400" y="1524000"/>
+          <a:ext cx="3314700" cy="4630257"/>
         </p:xfrm>
         <a:graphic>
           <a:graphicData uri="http://schemas.openxmlformats.org/presentationml/2006/ole">
-            <p:oleObj spid="_x0000_s154626" name="Visio" r:id="rId4" imgW="8397082" imgH="3253632" progId="">
+            <p:oleObj spid="_x0000_s153602" name="Visio" r:id="rId4" imgW="3965552" imgH="5269149" progId="Visio.Drawing.11">
               <p:embed/>
             </p:oleObj>
           </a:graphicData>
@@ -26697,7 +27038,7 @@
       </p:graphicFrame>
       <p:sp>
         <p:nvSpPr>
-          <p:cNvPr id="5" name="Slide Number Placeholder 4"/>
+          <p:cNvPr id="6" name="Slide Number Placeholder 5"/>
           <p:cNvSpPr>
             <a:spLocks noGrp="1"/>
           </p:cNvSpPr>
@@ -26774,7 +27115,14 @@
             <a:pPr eaLnBrk="1" hangingPunct="1"/>
             <a:r>
               <a:rPr lang="en-US" sz="3600" dirty="0" smtClean="0"/>
-              <a:t>Conclusion</a:t>
+              <a:t>Image Processing:</a:t>
+            </a:r>
+            <a:br>
+              <a:rPr lang="en-US" sz="3600" dirty="0" smtClean="0"/>
+            </a:br>
+            <a:r>
+              <a:rPr lang="en-US" sz="3600" dirty="0" smtClean="0"/>
+              <a:t>Each A15 Processes a Part of the Algorithm</a:t>
             </a:r>
           </a:p>
         </p:txBody>
@@ -26792,7 +27140,7 @@
         <p:spPr>
           <a:xfrm>
             <a:off x="381000" y="1371600"/>
-            <a:ext cx="8505825" cy="4800600"/>
+            <a:ext cx="8000999" cy="1608364"/>
           </a:xfrm>
         </p:spPr>
         <p:txBody>
@@ -26801,15 +27149,49 @@
           <a:p>
             <a:pPr eaLnBrk="1" hangingPunct="1"/>
             <a:r>
-              <a:rPr lang="en-US" sz="2400" dirty="0" smtClean="0"/>
-              <a:t>The second case (each A15 processes quarter of the image) is the preferred model</a:t>
-            </a:r>
-          </a:p>
-        </p:txBody>
-      </p:sp>
-      <p:sp>
-        <p:nvSpPr>
-          <p:cNvPr id="4" name="Slide Number Placeholder 3"/>
+              <a:rPr lang="en-US" sz="2000" dirty="0" smtClean="0"/>
+              <a:t>Pipeline the processing; Four images in the pipeline: Requires buffers</a:t>
+            </a:r>
+          </a:p>
+          <a:p>
+            <a:pPr eaLnBrk="1" hangingPunct="1"/>
+            <a:r>
+              <a:rPr lang="en-US" sz="2000" dirty="0" smtClean="0"/>
+              <a:t>Advantage: Each A15 has a smaller program, can fit in the L1 P cache</a:t>
+            </a:r>
+          </a:p>
+          <a:p>
+            <a:pPr eaLnBrk="1" hangingPunct="1"/>
+            <a:r>
+              <a:rPr lang="en-US" sz="2000" dirty="0" smtClean="0"/>
+              <a:t>Disadvantage: Complex algorithm, difficult to balance between A15, not efficient if memory does not fit inside the cache.</a:t>
+            </a:r>
+          </a:p>
+        </p:txBody>
+      </p:sp>
+      <p:graphicFrame>
+        <p:nvGraphicFramePr>
+          <p:cNvPr id="4" name="Object 3"/>
+          <p:cNvGraphicFramePr>
+            <a:graphicFrameLocks noChangeAspect="1"/>
+          </p:cNvGraphicFramePr>
+          <p:nvPr/>
+        </p:nvGraphicFramePr>
+        <p:xfrm>
+          <a:off x="533400" y="3124200"/>
+          <a:ext cx="7780338" cy="3013594"/>
+        </p:xfrm>
+        <a:graphic>
+          <a:graphicData uri="http://schemas.openxmlformats.org/presentationml/2006/ole">
+            <p:oleObj spid="_x0000_s154626" name="Visio" r:id="rId4" imgW="8397082" imgH="3253632" progId="Visio.Drawing.11">
+              <p:embed/>
+            </p:oleObj>
+          </a:graphicData>
+        </a:graphic>
+      </p:graphicFrame>
+      <p:sp>
+        <p:nvSpPr>
+          <p:cNvPr id="5" name="Slide Number Placeholder 4"/>
           <p:cNvSpPr>
             <a:spLocks noGrp="1"/>
           </p:cNvSpPr>
@@ -26886,7 +27268,7 @@
             <a:pPr eaLnBrk="1" hangingPunct="1"/>
             <a:r>
               <a:rPr lang="en-US" sz="3600" dirty="0" smtClean="0"/>
-              <a:t>DSP Cores Partition</a:t>
+              <a:t>Conclusion</a:t>
             </a:r>
           </a:p>
         </p:txBody>
@@ -26914,35 +27296,7 @@
             <a:pPr eaLnBrk="1" hangingPunct="1"/>
             <a:r>
               <a:rPr lang="en-US" sz="2400" dirty="0" smtClean="0"/>
-              <a:t>There are 360 vectors (each slice). The complete preprocessing of each vector is done by a single DSP core</a:t>
-            </a:r>
-          </a:p>
-          <a:p>
-            <a:pPr eaLnBrk="1" hangingPunct="1"/>
-            <a:r>
-              <a:rPr lang="en-US" sz="2400" dirty="0" smtClean="0"/>
-              <a:t>There is no reason to divide preprocessing of a single vector between multiple DSPs.</a:t>
-            </a:r>
-          </a:p>
-          <a:p>
-            <a:pPr eaLnBrk="1" hangingPunct="1"/>
-            <a:r>
-              <a:rPr lang="en-US" sz="2400" dirty="0" smtClean="0"/>
-              <a:t>Partition pre-processing and back projector options:</a:t>
-            </a:r>
-          </a:p>
-          <a:p>
-            <a:pPr lvl="1" eaLnBrk="1" hangingPunct="1"/>
-            <a:r>
-              <a:rPr lang="en-US" sz="2000" dirty="0" smtClean="0"/>
-              <a:t>Some DSPs do pre-processing and some do back projector (Functional Partition)</a:t>
-            </a:r>
-          </a:p>
-          <a:p>
-            <a:pPr lvl="1" eaLnBrk="1" hangingPunct="1"/>
-            <a:r>
-              <a:rPr lang="en-US" sz="2000" dirty="0" smtClean="0"/>
-              <a:t>All DSPs do both preprocessing and back projector (Data Partition)</a:t>
+              <a:t>The second case (each A15 processes quarter of the image) is the preferred model</a:t>
             </a:r>
           </a:p>
         </p:txBody>
@@ -27327,8 +27681,12 @@
           <a:p>
             <a:pPr eaLnBrk="1" hangingPunct="1"/>
             <a:r>
-              <a:rPr lang="en-US" dirty="0" smtClean="0"/>
-              <a:t>Functional Partition</a:t>
+              <a:rPr lang="en-US" sz="3600" dirty="0" smtClean="0"/>
+              <a:t>DSP Cores </a:t>
+            </a:r>
+            <a:r>
+              <a:rPr lang="en-US" sz="3600" dirty="0" smtClean="0"/>
+              <a:t>Partition -preprocessing</a:t>
             </a:r>
             <a:endParaRPr lang="en-US" sz="3600" dirty="0" smtClean="0"/>
           </a:p>
@@ -27346,8 +27704,8 @@
         </p:nvSpPr>
         <p:spPr>
           <a:xfrm>
-            <a:off x="381000" y="1371600"/>
-            <a:ext cx="8505825" cy="1981200"/>
+            <a:off x="381000" y="2026508"/>
+            <a:ext cx="8505825" cy="4145692"/>
           </a:xfrm>
         </p:spPr>
         <p:txBody>
@@ -27357,52 +27715,49 @@
             <a:pPr eaLnBrk="1" hangingPunct="1"/>
             <a:r>
               <a:rPr lang="en-US" sz="2400" dirty="0" smtClean="0"/>
-              <a:t>N DSPs do preprocessing; 8-N back projector</a:t>
+              <a:t>There are 360 vectors </a:t>
+            </a:r>
+            <a:r>
+              <a:rPr lang="en-US" sz="2400" dirty="0" smtClean="0"/>
+              <a:t>per slice. </a:t>
             </a:r>
           </a:p>
           <a:p>
             <a:pPr eaLnBrk="1" hangingPunct="1"/>
             <a:r>
               <a:rPr lang="en-US" sz="2400" dirty="0" smtClean="0"/>
-              <a:t>N is chosen to balance load (as much as possible)</a:t>
-            </a:r>
+              <a:t>Each vector pre-processing is independent of other vectors</a:t>
+            </a:r>
+            <a:endParaRPr lang="en-US" sz="2400" dirty="0" smtClean="0"/>
           </a:p>
           <a:p>
             <a:pPr eaLnBrk="1" hangingPunct="1"/>
             <a:r>
               <a:rPr lang="en-US" sz="2400" dirty="0" smtClean="0"/>
-              <a:t>Vectors are moved from the pre-processing DSPs to the back projector DSP using shared memory or Multicore Navigator.</a:t>
+              <a:t>Thus the </a:t>
+            </a:r>
+            <a:r>
+              <a:rPr lang="en-US" sz="2400" dirty="0" smtClean="0"/>
+              <a:t>complete preprocessing of each vector is done by a single DSP core</a:t>
             </a:r>
           </a:p>
           <a:p>
             <a:pPr eaLnBrk="1" hangingPunct="1"/>
-            <a:endParaRPr lang="en-US" sz="1600" dirty="0" smtClean="0"/>
-          </a:p>
-        </p:txBody>
-      </p:sp>
-      <p:graphicFrame>
-        <p:nvGraphicFramePr>
-          <p:cNvPr id="4" name="Object 3"/>
-          <p:cNvGraphicFramePr>
-            <a:graphicFrameLocks noChangeAspect="1"/>
-          </p:cNvGraphicFramePr>
-          <p:nvPr/>
-        </p:nvGraphicFramePr>
-        <p:xfrm>
-          <a:off x="990600" y="3733800"/>
-          <a:ext cx="6311900" cy="2058987"/>
-        </p:xfrm>
-        <a:graphic>
-          <a:graphicData uri="http://schemas.openxmlformats.org/presentationml/2006/ole">
-            <p:oleObj spid="_x0000_s155650" name="Visio" r:id="rId4" imgW="6311248" imgH="2058523" progId="">
-              <p:embed/>
-            </p:oleObj>
-          </a:graphicData>
-        </a:graphic>
-      </p:graphicFrame>
-      <p:sp>
-        <p:nvSpPr>
-          <p:cNvPr id="5" name="Slide Number Placeholder 4"/>
+            <a:r>
+              <a:rPr lang="en-US" sz="2400" dirty="0" smtClean="0"/>
+              <a:t>There is no reason to divide preprocessing of a single vector between multiple DSPs</a:t>
+            </a:r>
+            <a:r>
+              <a:rPr lang="en-US" sz="2400" dirty="0" smtClean="0"/>
+              <a:t>.</a:t>
+            </a:r>
+            <a:endParaRPr lang="en-US" sz="2400" dirty="0" smtClean="0"/>
+          </a:p>
+        </p:txBody>
+      </p:sp>
+      <p:sp>
+        <p:nvSpPr>
+          <p:cNvPr id="4" name="Slide Number Placeholder 3"/>
           <p:cNvSpPr>
             <a:spLocks noGrp="1"/>
           </p:cNvSpPr>
@@ -27469,7 +27824,7 @@
         <p:spPr>
           <a:xfrm>
             <a:off x="231775" y="142874"/>
-            <a:ext cx="8458200" cy="1032783"/>
+            <a:ext cx="8458200" cy="1228725"/>
           </a:xfrm>
         </p:spPr>
         <p:txBody>
@@ -27479,15 +27834,9 @@
             <a:pPr eaLnBrk="1" hangingPunct="1"/>
             <a:r>
               <a:rPr lang="en-US" sz="3600" dirty="0" smtClean="0"/>
-              <a:t>Input Vector Functional Partition:</a:t>
-            </a:r>
-            <a:br>
-              <a:rPr lang="en-US" sz="3600" dirty="0" smtClean="0"/>
-            </a:br>
-            <a:r>
-              <a:rPr lang="en-US" sz="3600" dirty="0" smtClean="0"/>
-              <a:t>Complete Image</a:t>
-            </a:r>
+              <a:t>Preprocessing and back projector</a:t>
+            </a:r>
+            <a:endParaRPr lang="en-US" sz="3600" dirty="0" smtClean="0"/>
           </a:p>
         </p:txBody>
       </p:sp>
@@ -27503,72 +27852,43 @@
         </p:nvSpPr>
         <p:spPr>
           <a:xfrm>
-            <a:off x="195944" y="1148448"/>
-            <a:ext cx="8776606" cy="1847840"/>
+            <a:off x="368644" y="2174789"/>
+            <a:ext cx="8505825" cy="3268362"/>
           </a:xfrm>
         </p:spPr>
         <p:txBody>
           <a:bodyPr/>
           <a:lstStyle/>
           <a:p>
-            <a:pPr eaLnBrk="1" hangingPunct="1">
-              <a:buNone/>
-            </a:pPr>
+            <a:pPr eaLnBrk="1" hangingPunct="1"/>
+            <a:r>
+              <a:rPr lang="en-US" sz="2400" dirty="0" smtClean="0"/>
+              <a:t>Partition </a:t>
+            </a:r>
+            <a:r>
+              <a:rPr lang="en-US" sz="2400" dirty="0" smtClean="0"/>
+              <a:t>pre-processing and back projector options:</a:t>
+            </a:r>
+          </a:p>
+          <a:p>
+            <a:pPr lvl="1" eaLnBrk="1" hangingPunct="1"/>
             <a:r>
               <a:rPr lang="en-US" sz="2000" dirty="0" smtClean="0"/>
-              <a:t>Each DSP sums a complete image:</a:t>
-            </a:r>
-          </a:p>
-          <a:p>
-            <a:pPr eaLnBrk="1" hangingPunct="1"/>
-            <a:r>
-              <a:rPr lang="en-US" sz="1800" dirty="0" smtClean="0"/>
-              <a:t>Vectors are divided between DSPs.</a:t>
-            </a:r>
-          </a:p>
-          <a:p>
-            <a:pPr eaLnBrk="1" hangingPunct="1"/>
-            <a:r>
-              <a:rPr lang="en-US" sz="1800" dirty="0" smtClean="0"/>
-              <a:t>Because of race conditions, each DSP has a local (private) image. At the end, one DSP (or ARM) combines together all the local images. Private image resides outside of the core.</a:t>
-            </a:r>
-          </a:p>
-          <a:p>
-            <a:pPr eaLnBrk="1" hangingPunct="1"/>
-            <a:r>
-              <a:rPr lang="en-US" sz="1800" dirty="0" smtClean="0"/>
-              <a:t>Does not require broadcasting of vector values</a:t>
+              <a:t>Some DSPs do pre-processing and some do back projector (Functional Partition)</a:t>
             </a:r>
           </a:p>
           <a:p>
             <a:pPr lvl="1" eaLnBrk="1" hangingPunct="1"/>
-            <a:endParaRPr lang="en-US" sz="1600" dirty="0" smtClean="0"/>
-          </a:p>
-        </p:txBody>
-      </p:sp>
-      <p:graphicFrame>
-        <p:nvGraphicFramePr>
-          <p:cNvPr id="4" name="Object 3"/>
-          <p:cNvGraphicFramePr>
-            <a:graphicFrameLocks noChangeAspect="1"/>
-          </p:cNvGraphicFramePr>
-          <p:nvPr/>
-        </p:nvGraphicFramePr>
-        <p:xfrm>
-          <a:off x="762000" y="2971800"/>
-          <a:ext cx="6881813" cy="3373437"/>
-        </p:xfrm>
-        <a:graphic>
-          <a:graphicData uri="http://schemas.openxmlformats.org/presentationml/2006/ole">
-            <p:oleObj spid="_x0000_s156674" name="Visio" r:id="rId4" imgW="6882546" imgH="3373773" progId="">
-              <p:embed/>
-            </p:oleObj>
-          </a:graphicData>
-        </a:graphic>
-      </p:graphicFrame>
-      <p:sp>
-        <p:nvSpPr>
-          <p:cNvPr id="5" name="Slide Number Placeholder 4"/>
+            <a:r>
+              <a:rPr lang="en-US" sz="2000" dirty="0" smtClean="0"/>
+              <a:t>All DSPs do both preprocessing and back projector (Data Partition)</a:t>
+            </a:r>
+          </a:p>
+        </p:txBody>
+      </p:sp>
+      <p:sp>
+        <p:nvSpPr>
+          <p:cNvPr id="4" name="Slide Number Placeholder 3"/>
           <p:cNvSpPr>
             <a:spLocks noGrp="1"/>
           </p:cNvSpPr>
@@ -27634,8 +27954,8 @@
         </p:nvSpPr>
         <p:spPr>
           <a:xfrm>
-            <a:off x="231775" y="142875"/>
-            <a:ext cx="8458200" cy="1065440"/>
+            <a:off x="231775" y="142874"/>
+            <a:ext cx="8458200" cy="1228725"/>
           </a:xfrm>
         </p:spPr>
         <p:txBody>
@@ -27644,16 +27964,10 @@
           <a:p>
             <a:pPr eaLnBrk="1" hangingPunct="1"/>
             <a:r>
-              <a:rPr lang="en-US" sz="3600" dirty="0" smtClean="0"/>
-              <a:t>Input Vector Functional Partition:</a:t>
-            </a:r>
-            <a:br>
-              <a:rPr lang="en-US" sz="3600" dirty="0" smtClean="0"/>
-            </a:br>
-            <a:r>
-              <a:rPr lang="en-US" sz="3600" dirty="0" smtClean="0"/>
-              <a:t>Partial Image</a:t>
-            </a:r>
+              <a:rPr lang="en-US" dirty="0" smtClean="0"/>
+              <a:t>Functional Partition</a:t>
+            </a:r>
+            <a:endParaRPr lang="en-US" sz="3600" dirty="0" smtClean="0"/>
           </a:p>
         </p:txBody>
       </p:sp>
@@ -27669,64 +27983,55 @@
         </p:nvSpPr>
         <p:spPr>
           <a:xfrm>
-            <a:off x="146956" y="1295400"/>
-            <a:ext cx="3731079" cy="4876800"/>
+            <a:off x="381000" y="1371600"/>
+            <a:ext cx="8505825" cy="1981200"/>
           </a:xfrm>
         </p:spPr>
         <p:txBody>
           <a:bodyPr/>
           <a:lstStyle/>
           <a:p>
-            <a:pPr eaLnBrk="1" hangingPunct="1">
-              <a:buNone/>
-            </a:pPr>
-            <a:r>
-              <a:rPr lang="en-US" sz="2000" dirty="0" smtClean="0"/>
-              <a:t>Each DSP sums partial image:</a:t>
-            </a:r>
-          </a:p>
-          <a:p>
             <a:pPr eaLnBrk="1" hangingPunct="1"/>
             <a:r>
-              <a:rPr lang="en-US" sz="2000" dirty="0" smtClean="0"/>
-              <a:t>Vectors are broadcast to all DSPs</a:t>
+              <a:rPr lang="en-US" sz="2400" dirty="0" smtClean="0"/>
+              <a:t>N DSPs do preprocessing; 8-N back projector</a:t>
             </a:r>
           </a:p>
           <a:p>
             <a:pPr eaLnBrk="1" hangingPunct="1"/>
             <a:r>
-              <a:rPr lang="en-US" sz="2000" dirty="0" smtClean="0"/>
-              <a:t>Depends on the number of cores; Partial image can fit inside L2</a:t>
+              <a:rPr lang="en-US" sz="2400" dirty="0" smtClean="0"/>
+              <a:t>N is chosen to balance load (as much as possible)</a:t>
             </a:r>
           </a:p>
           <a:p>
             <a:pPr eaLnBrk="1" hangingPunct="1"/>
             <a:r>
-              <a:rPr lang="en-US" sz="2000" dirty="0" smtClean="0"/>
-              <a:t>Merged together into shared memory (DDR) at the end of the partial build</a:t>
-            </a:r>
-          </a:p>
-          <a:p>
-            <a:pPr lvl="1" eaLnBrk="1" hangingPunct="1"/>
+              <a:rPr lang="en-US" sz="2400" dirty="0" smtClean="0"/>
+              <a:t>Vectors are moved from the pre-processing DSPs to the back projector DSP using shared memory or Multicore Navigator.</a:t>
+            </a:r>
+          </a:p>
+          <a:p>
+            <a:pPr eaLnBrk="1" hangingPunct="1"/>
             <a:endParaRPr lang="en-US" sz="1600" dirty="0" smtClean="0"/>
           </a:p>
         </p:txBody>
       </p:sp>
       <p:graphicFrame>
         <p:nvGraphicFramePr>
-          <p:cNvPr id="5" name="Object 4"/>
+          <p:cNvPr id="4" name="Object 3"/>
           <p:cNvGraphicFramePr>
             <a:graphicFrameLocks noChangeAspect="1"/>
           </p:cNvGraphicFramePr>
           <p:nvPr/>
         </p:nvGraphicFramePr>
         <p:xfrm>
-          <a:off x="3856260" y="1143619"/>
-          <a:ext cx="5172075" cy="4427201"/>
+          <a:off x="990600" y="3733800"/>
+          <a:ext cx="6311900" cy="2058987"/>
         </p:xfrm>
         <a:graphic>
           <a:graphicData uri="http://schemas.openxmlformats.org/presentationml/2006/ole">
-            <p:oleObj spid="_x0000_s157698" name="Visio" r:id="rId4" imgW="5468301" imgH="4679545" progId="">
+            <p:oleObj spid="_x0000_s155650" name="Visio" r:id="rId4" imgW="6311248" imgH="2058523" progId="Visio.Drawing.11">
               <p:embed/>
             </p:oleObj>
           </a:graphicData>
@@ -27734,7 +28039,7 @@
       </p:graphicFrame>
       <p:sp>
         <p:nvSpPr>
-          <p:cNvPr id="6" name="Slide Number Placeholder 5"/>
+          <p:cNvPr id="5" name="Slide Number Placeholder 4"/>
           <p:cNvSpPr>
             <a:spLocks noGrp="1"/>
           </p:cNvSpPr>
@@ -27798,10 +28103,33 @@
             <p:ph type="title"/>
           </p:nvPr>
         </p:nvSpPr>
+        <p:spPr/>
+        <p:txBody>
+          <a:bodyPr/>
+          <a:lstStyle/>
+          <a:p>
+            <a:pPr eaLnBrk="1" hangingPunct="1"/>
+            <a:r>
+              <a:rPr lang="en-US" dirty="0" smtClean="0"/>
+              <a:t>CT Back Projector</a:t>
+            </a:r>
+          </a:p>
+        </p:txBody>
+      </p:sp>
+      <p:sp>
+        <p:nvSpPr>
+          <p:cNvPr id="7171" name="Text Placeholder 2"/>
+          <p:cNvSpPr>
+            <a:spLocks noGrp="1"/>
+          </p:cNvSpPr>
+          <p:nvPr>
+            <p:ph type="body" sz="half" idx="1"/>
+          </p:nvPr>
+        </p:nvSpPr>
         <p:spPr>
           <a:xfrm>
-            <a:off x="231775" y="142874"/>
-            <a:ext cx="8458200" cy="1228725"/>
+            <a:off x="381000" y="1066800"/>
+            <a:ext cx="3200399" cy="4953000"/>
           </a:xfrm>
         </p:spPr>
         <p:txBody>
@@ -27810,63 +28138,32 @@
           <a:p>
             <a:pPr eaLnBrk="1" hangingPunct="1"/>
             <a:r>
-              <a:rPr lang="en-US" sz="3600" dirty="0" smtClean="0"/>
-              <a:t>Data Partition</a:t>
-            </a:r>
-          </a:p>
-        </p:txBody>
-      </p:sp>
-      <p:sp>
-        <p:nvSpPr>
-          <p:cNvPr id="7171" name="Text Placeholder 2"/>
-          <p:cNvSpPr>
-            <a:spLocks noGrp="1"/>
-          </p:cNvSpPr>
-          <p:nvPr>
-            <p:ph type="body" sz="half" idx="1"/>
-          </p:nvPr>
-        </p:nvSpPr>
-        <p:spPr>
-          <a:xfrm>
-            <a:off x="381000" y="1371600"/>
-            <a:ext cx="8505825" cy="1981200"/>
-          </a:xfrm>
-        </p:spPr>
-        <p:txBody>
-          <a:bodyPr/>
-          <a:lstStyle/>
-          <a:p>
-            <a:pPr eaLnBrk="1" hangingPunct="1"/>
-            <a:r>
-              <a:rPr lang="en-US" sz="2400" dirty="0" smtClean="0"/>
-              <a:t>All DSPs do preprocessing and back projector</a:t>
-            </a:r>
-          </a:p>
-          <a:p>
-            <a:pPr eaLnBrk="1" hangingPunct="1"/>
-            <a:r>
-              <a:rPr lang="en-US" sz="2400" dirty="0" smtClean="0"/>
-              <a:t>Just like the previous case, there are two options, either each DSP builds part of the image or all DSP build partial image and then all partial images are combined into the final image</a:t>
-            </a:r>
-            <a:endParaRPr lang="en-US" sz="1600" dirty="0" smtClean="0"/>
+              <a:rPr lang="en-US" sz="2800" dirty="0" smtClean="0"/>
+              <a:t>How to divide</a:t>
+            </a:r>
+            <a:r>
+              <a:rPr lang="en-US" dirty="0" smtClean="0"/>
+              <a:t> the back projector processing between DSP cores? </a:t>
+            </a:r>
+            <a:endParaRPr lang="en-US" sz="2800" dirty="0" smtClean="0"/>
           </a:p>
         </p:txBody>
       </p:sp>
       <p:graphicFrame>
         <p:nvGraphicFramePr>
-          <p:cNvPr id="5" name="Object 4"/>
+          <p:cNvPr id="4" name="Object 3"/>
           <p:cNvGraphicFramePr>
             <a:graphicFrameLocks noChangeAspect="1"/>
           </p:cNvGraphicFramePr>
           <p:nvPr/>
         </p:nvGraphicFramePr>
         <p:xfrm>
-          <a:off x="1537608" y="3325586"/>
-          <a:ext cx="6100763" cy="2339975"/>
+          <a:off x="3352800" y="1219200"/>
+          <a:ext cx="5654512" cy="4808538"/>
         </p:xfrm>
         <a:graphic>
           <a:graphicData uri="http://schemas.openxmlformats.org/presentationml/2006/ole">
-            <p:oleObj spid="_x0000_s158722" name="Visio" r:id="rId4" imgW="6100952" imgH="2339232" progId="">
+            <p:oleObj spid="_x0000_s218114" name="Visio" r:id="rId4" imgW="6111105" imgH="5196696" progId="Visio.Drawing.11">
               <p:embed/>
             </p:oleObj>
           </a:graphicData>
@@ -27874,7 +28171,7 @@
       </p:graphicFrame>
       <p:sp>
         <p:nvSpPr>
-          <p:cNvPr id="6" name="Slide Number Placeholder 5"/>
+          <p:cNvPr id="5" name="Slide Number Placeholder 4"/>
           <p:cNvSpPr>
             <a:spLocks noGrp="1"/>
           </p:cNvSpPr>
@@ -27940,8 +28237,8 @@
         </p:nvSpPr>
         <p:spPr>
           <a:xfrm>
-            <a:off x="231775" y="142875"/>
-            <a:ext cx="8458200" cy="1057276"/>
+            <a:off x="231775" y="142874"/>
+            <a:ext cx="8458200" cy="1032783"/>
           </a:xfrm>
         </p:spPr>
         <p:txBody>
@@ -27951,13 +28248,13 @@
             <a:pPr eaLnBrk="1" hangingPunct="1"/>
             <a:r>
               <a:rPr lang="en-US" sz="3600" dirty="0" smtClean="0"/>
-              <a:t>Input Vector Data Partition:</a:t>
+              <a:t>Case I -Functional Partition:</a:t>
             </a:r>
             <a:br>
               <a:rPr lang="en-US" sz="3600" dirty="0" smtClean="0"/>
             </a:br>
             <a:r>
-              <a:rPr lang="en-US" dirty="0" smtClean="0"/>
+              <a:rPr lang="en-US" sz="3600" dirty="0" smtClean="0"/>
               <a:t>Complete Image</a:t>
             </a:r>
             <a:endParaRPr lang="en-US" sz="3600" dirty="0" smtClean="0"/>
@@ -27976,8 +28273,8 @@
         </p:nvSpPr>
         <p:spPr>
           <a:xfrm>
-            <a:off x="381000" y="1172936"/>
-            <a:ext cx="8505825" cy="1676400"/>
+            <a:off x="195944" y="1148448"/>
+            <a:ext cx="8776606" cy="1847840"/>
           </a:xfrm>
         </p:spPr>
         <p:txBody>
@@ -27993,24 +28290,32 @@
             </a:r>
           </a:p>
           <a:p>
-            <a:pPr lvl="1" eaLnBrk="1" hangingPunct="1"/>
-            <a:r>
-              <a:rPr lang="en-US" sz="1600" dirty="0" smtClean="0"/>
-              <a:t>Raw vectors are divided between DSPs.</a:t>
-            </a:r>
-          </a:p>
-          <a:p>
-            <a:pPr lvl="1" eaLnBrk="1" hangingPunct="1"/>
-            <a:r>
-              <a:rPr lang="en-US" sz="1600" dirty="0" smtClean="0"/>
-              <a:t>Because of race conditions, each DSP has a local (private) image. At the end, one DSP (or ARM) combines together all the local images. Private image resides outside of the core.</a:t>
-            </a:r>
-          </a:p>
-          <a:p>
-            <a:pPr lvl="1" eaLnBrk="1" hangingPunct="1"/>
-            <a:r>
-              <a:rPr lang="en-US" sz="1600" dirty="0" smtClean="0"/>
-              <a:t>Does not require broadcasting of raw vector values.</a:t>
+            <a:pPr eaLnBrk="1" hangingPunct="1"/>
+            <a:r>
+              <a:rPr lang="en-US" sz="1800" dirty="0" smtClean="0"/>
+              <a:t>Vectors are divided between DSPs.</a:t>
+            </a:r>
+          </a:p>
+          <a:p>
+            <a:pPr eaLnBrk="1" hangingPunct="1"/>
+            <a:r>
+              <a:rPr lang="en-US" sz="1800" dirty="0" smtClean="0"/>
+              <a:t>Because of race conditions, </a:t>
+            </a:r>
+            <a:r>
+              <a:rPr lang="en-US" sz="1800" b="1" dirty="0" smtClean="0"/>
+              <a:t>each DSP has a local (private) image</a:t>
+            </a:r>
+            <a:r>
+              <a:rPr lang="en-US" sz="1800" dirty="0" smtClean="0"/>
+              <a:t>. At the end, one DSP (or ARM) combines together all the local images. Private image resides outside of the core.</a:t>
+            </a:r>
+          </a:p>
+          <a:p>
+            <a:pPr eaLnBrk="1" hangingPunct="1"/>
+            <a:r>
+              <a:rPr lang="en-US" sz="1800" dirty="0" smtClean="0"/>
+              <a:t>Does not require broadcasting of vector values</a:t>
             </a:r>
           </a:p>
           <a:p>
@@ -28028,12 +28333,12 @@
           <p:nvPr/>
         </p:nvGraphicFramePr>
         <p:xfrm>
-          <a:off x="1039576" y="2890160"/>
-          <a:ext cx="6881813" cy="3373437"/>
+          <a:off x="1235676" y="3203994"/>
+          <a:ext cx="6408137" cy="3141243"/>
         </p:xfrm>
         <a:graphic>
           <a:graphicData uri="http://schemas.openxmlformats.org/presentationml/2006/ole">
-            <p:oleObj spid="_x0000_s159746" name="Visio" r:id="rId4" imgW="6882546" imgH="3373773" progId="">
+            <p:oleObj spid="_x0000_s156674" name="Visio" r:id="rId4" imgW="6882546" imgH="3373773" progId="Visio.Drawing.11">
               <p:embed/>
             </p:oleObj>
           </a:graphicData>
@@ -28107,8 +28412,8 @@
         </p:nvSpPr>
         <p:spPr>
           <a:xfrm>
-            <a:off x="231775" y="142874"/>
-            <a:ext cx="8458200" cy="1228725"/>
+            <a:off x="231775" y="142875"/>
+            <a:ext cx="8458200" cy="1065440"/>
           </a:xfrm>
         </p:spPr>
         <p:txBody>
@@ -28118,16 +28423,19 @@
             <a:pPr eaLnBrk="1" hangingPunct="1"/>
             <a:r>
               <a:rPr lang="en-US" sz="3600" dirty="0" smtClean="0"/>
-              <a:t>Input Vector Data Partition:</a:t>
+              <a:t>Case II -Functional </a:t>
+            </a:r>
+            <a:r>
+              <a:rPr lang="en-US" sz="3600" dirty="0" smtClean="0"/>
+              <a:t>Partition:</a:t>
             </a:r>
             <a:br>
               <a:rPr lang="en-US" sz="3600" dirty="0" smtClean="0"/>
             </a:br>
             <a:r>
-              <a:rPr lang="en-US" dirty="0" smtClean="0"/>
+              <a:rPr lang="en-US" sz="3600" dirty="0" smtClean="0"/>
               <a:t>Partial Image</a:t>
             </a:r>
-            <a:endParaRPr lang="en-US" sz="3600" dirty="0" smtClean="0"/>
           </a:p>
         </p:txBody>
       </p:sp>
@@ -28143,8 +28451,8 @@
         </p:nvSpPr>
         <p:spPr>
           <a:xfrm>
-            <a:off x="155121" y="1401532"/>
-            <a:ext cx="3657600" cy="4876800"/>
+            <a:off x="146956" y="1295400"/>
+            <a:ext cx="3731079" cy="4876800"/>
           </a:xfrm>
         </p:spPr>
         <p:txBody>
@@ -28156,28 +28464,28 @@
             </a:pPr>
             <a:r>
               <a:rPr lang="en-US" sz="2000" dirty="0" smtClean="0"/>
-              <a:t>Each DSP sums a partial image:</a:t>
+              <a:t>Each DSP sums partial image:</a:t>
             </a:r>
           </a:p>
           <a:p>
             <a:pPr eaLnBrk="1" hangingPunct="1"/>
             <a:r>
               <a:rPr lang="en-US" sz="2000" dirty="0" smtClean="0"/>
-              <a:t>Raw vectors are broadcast to all DSPs.</a:t>
+              <a:t>Vectors are broadcast to all DSPs</a:t>
             </a:r>
           </a:p>
           <a:p>
             <a:pPr eaLnBrk="1" hangingPunct="1"/>
             <a:r>
               <a:rPr lang="en-US" sz="2000" dirty="0" smtClean="0"/>
-              <a:t>Depends on the number of cores; Partial image can fit inside L2 in addition to the filter coefficients. </a:t>
+              <a:t>Depends on the number of cores; Partial image can fit inside L2</a:t>
             </a:r>
           </a:p>
           <a:p>
             <a:pPr eaLnBrk="1" hangingPunct="1"/>
             <a:r>
               <a:rPr lang="en-US" sz="2000" dirty="0" smtClean="0"/>
-              <a:t>Merged together into shared memory (DDR) at the end of the partial build.</a:t>
+              <a:t>Merged together into shared memory (DDR) at the end of the partial build</a:t>
             </a:r>
           </a:p>
           <a:p>
@@ -28195,12 +28503,12 @@
           <p:nvPr/>
         </p:nvGraphicFramePr>
         <p:xfrm>
-          <a:off x="3815440" y="1380375"/>
+          <a:off x="3856260" y="1143619"/>
           <a:ext cx="5172075" cy="4427201"/>
         </p:xfrm>
         <a:graphic>
           <a:graphicData uri="http://schemas.openxmlformats.org/presentationml/2006/ole">
-            <p:oleObj spid="_x0000_s160770" name="Visio" r:id="rId4" imgW="5468301" imgH="4679545" progId="">
+            <p:oleObj spid="_x0000_s157698" name="Visio" r:id="rId4" imgW="5468301" imgH="4679545" progId="Visio.Drawing.11">
               <p:embed/>
             </p:oleObj>
           </a:graphicData>
@@ -28284,9 +28592,10 @@
           <a:p>
             <a:pPr eaLnBrk="1" hangingPunct="1"/>
             <a:r>
-              <a:rPr lang="en-US" sz="3600" dirty="0" smtClean="0"/>
-              <a:t>Conclusion</a:t>
-            </a:r>
+              <a:rPr lang="en-US" dirty="0" smtClean="0"/>
+              <a:t>Trade-off </a:t>
+            </a:r>
+            <a:endParaRPr lang="en-US" sz="3600" dirty="0" smtClean="0"/>
           </a:p>
         </p:txBody>
       </p:sp>
@@ -28302,8 +28611,8 @@
         </p:nvSpPr>
         <p:spPr>
           <a:xfrm>
-            <a:off x="381000" y="1371600"/>
-            <a:ext cx="8505825" cy="2209800"/>
+            <a:off x="381000" y="1853514"/>
+            <a:ext cx="8505825" cy="4318686"/>
           </a:xfrm>
         </p:spPr>
         <p:txBody>
@@ -28313,87 +28622,42 @@
             <a:pPr eaLnBrk="1" hangingPunct="1"/>
             <a:r>
               <a:rPr lang="en-US" sz="2400" dirty="0" smtClean="0"/>
-              <a:t>The optimal solution depends on the exact configuration of the system (number of detectors, number of rays, number of slices) and the algorithms that are used.</a:t>
+              <a:t>Trade-off between broadcasting all vectors and using private L2 to build the image, or not broadcasting L2 and have the image in  MSM memory or DDR</a:t>
             </a:r>
           </a:p>
           <a:p>
             <a:pPr eaLnBrk="1" hangingPunct="1"/>
             <a:r>
               <a:rPr lang="en-US" sz="2400" dirty="0" smtClean="0"/>
-              <a:t>Suggest benchmarking all (or subset) of the possibilities and choose the best one for a specific problem.</a:t>
+              <a:t>How does broadcasting works?</a:t>
+            </a:r>
+          </a:p>
+          <a:p>
+            <a:pPr lvl="1" eaLnBrk="1" hangingPunct="1"/>
+            <a:r>
+              <a:rPr lang="en-US" sz="2000" dirty="0" smtClean="0"/>
+              <a:t>Using shared memory scheme with semaphore</a:t>
+            </a:r>
+          </a:p>
+          <a:p>
+            <a:pPr lvl="1" eaLnBrk="1" hangingPunct="1"/>
+            <a:r>
+              <a:rPr lang="en-US" sz="2000" dirty="0" smtClean="0"/>
+              <a:t>Other ideas</a:t>
             </a:r>
           </a:p>
           <a:p>
             <a:pPr eaLnBrk="1" hangingPunct="1"/>
-            <a:endParaRPr lang="en-US" sz="2400" dirty="0" smtClean="0"/>
-          </a:p>
-        </p:txBody>
-      </p:sp>
-      <p:sp>
-        <p:nvSpPr>
-          <p:cNvPr id="4" name="TextBox 3"/>
-          <p:cNvSpPr txBox="1"/>
-          <p:nvPr/>
-        </p:nvSpPr>
-        <p:spPr>
-          <a:xfrm>
-            <a:off x="2571750" y="4191000"/>
-            <a:ext cx="4267200" cy="769441"/>
-          </a:xfrm>
-          <a:prstGeom prst="rect">
-            <a:avLst/>
-          </a:prstGeom>
-          <a:noFill/>
-        </p:spPr>
-        <p:txBody>
-          <a:bodyPr wrap="square" rtlCol="0">
-            <a:spAutoFit/>
-          </a:bodyPr>
-          <a:lstStyle/>
-          <a:p>
-            <a:pPr algn="ctr" fontAlgn="auto">
-              <a:spcBef>
-                <a:spcPts val="0"/>
-              </a:spcBef>
-              <a:spcAft>
-                <a:spcPts val="0"/>
-              </a:spcAft>
-            </a:pPr>
-            <a:r>
-              <a:rPr lang="en-US" sz="4400" dirty="0" smtClean="0">
-                <a:solidFill>
-                  <a:srgbClr val="FF0000"/>
-                </a:solidFill>
-                <a:effectLst>
-                  <a:outerShdw blurRad="38100" dist="38100" dir="2700000" algn="tl">
-                    <a:srgbClr val="000000">
-                      <a:alpha val="43137"/>
-                    </a:srgbClr>
-                  </a:outerShdw>
-                </a:effectLst>
-                <a:latin typeface="Calibri"/>
-              </a:rPr>
-              <a:t>Any Questions?</a:t>
-            </a:r>
-            <a:endParaRPr lang="en-US" sz="4400" dirty="0">
-              <a:solidFill>
-                <a:srgbClr val="FF0000"/>
-              </a:solidFill>
-              <a:effectLst>
-                <a:outerShdw blurRad="38100" dist="38100" dir="2700000" algn="tl">
-                  <a:srgbClr val="000000">
-                    <a:alpha val="43137"/>
-                  </a:srgbClr>
-                </a:outerShdw>
-              </a:effectLst>
-              <a:latin typeface="Calibri"/>
-            </a:endParaRPr>
-          </a:p>
-        </p:txBody>
-      </p:sp>
-      <p:sp>
-        <p:nvSpPr>
-          <p:cNvPr id="5" name="Slide Number Placeholder 4"/>
+            <a:r>
+              <a:rPr lang="en-US" sz="2400" dirty="0" smtClean="0"/>
+              <a:t>More discussion later</a:t>
+            </a:r>
+          </a:p>
+        </p:txBody>
+      </p:sp>
+      <p:sp>
+        <p:nvSpPr>
+          <p:cNvPr id="4" name="Slide Number Placeholder 3"/>
           <p:cNvSpPr>
             <a:spLocks noGrp="1"/>
           </p:cNvSpPr>
@@ -28410,6 +28674,480 @@
               <a:rPr lang="en-US" smtClean="0"/>
               <a:pPr/>
               <a:t>86</a:t>
+            </a:fld>
+            <a:endParaRPr lang="en-US" dirty="0"/>
+          </a:p>
+        </p:txBody>
+      </p:sp>
+    </p:spTree>
+  </p:cSld>
+  <p:clrMapOvr>
+    <a:masterClrMapping/>
+  </p:clrMapOvr>
+  <p:timing>
+    <p:tnLst>
+      <p:par>
+        <p:cTn id="1" dur="indefinite" restart="never" nodeType="tmRoot"/>
+      </p:par>
+    </p:tnLst>
+  </p:timing>
+</p:sld>
+</file>
+
+<file path=ppt/slides/slide87.xml><?xml version="1.0" encoding="utf-8"?>
+<p:sld xmlns:a="http://schemas.openxmlformats.org/drawingml/2006/main" xmlns:r="http://schemas.openxmlformats.org/officeDocument/2006/relationships" xmlns:p="http://schemas.openxmlformats.org/presentationml/2006/main">
+  <p:cSld>
+    <p:spTree>
+      <p:nvGrpSpPr>
+        <p:cNvPr id="1" name=""/>
+        <p:cNvGrpSpPr/>
+        <p:nvPr/>
+      </p:nvGrpSpPr>
+      <p:grpSpPr>
+        <a:xfrm>
+          <a:off x="0" y="0"/>
+          <a:ext cx="0" cy="0"/>
+          <a:chOff x="0" y="0"/>
+          <a:chExt cx="0" cy="0"/>
+        </a:xfrm>
+      </p:grpSpPr>
+      <p:sp>
+        <p:nvSpPr>
+          <p:cNvPr id="7170" name="Title 1"/>
+          <p:cNvSpPr>
+            <a:spLocks noGrp="1"/>
+          </p:cNvSpPr>
+          <p:nvPr>
+            <p:ph type="title"/>
+          </p:nvPr>
+        </p:nvSpPr>
+        <p:spPr>
+          <a:xfrm>
+            <a:off x="231775" y="142874"/>
+            <a:ext cx="8458200" cy="1228725"/>
+          </a:xfrm>
+        </p:spPr>
+        <p:txBody>
+          <a:bodyPr/>
+          <a:lstStyle/>
+          <a:p>
+            <a:pPr eaLnBrk="1" hangingPunct="1"/>
+            <a:r>
+              <a:rPr lang="en-US" sz="3600" dirty="0" smtClean="0"/>
+              <a:t>Data Partition</a:t>
+            </a:r>
+          </a:p>
+        </p:txBody>
+      </p:sp>
+      <p:sp>
+        <p:nvSpPr>
+          <p:cNvPr id="7171" name="Text Placeholder 2"/>
+          <p:cNvSpPr>
+            <a:spLocks noGrp="1"/>
+          </p:cNvSpPr>
+          <p:nvPr>
+            <p:ph type="body" sz="half" idx="1"/>
+          </p:nvPr>
+        </p:nvSpPr>
+        <p:spPr>
+          <a:xfrm>
+            <a:off x="381000" y="1371600"/>
+            <a:ext cx="8505825" cy="1981200"/>
+          </a:xfrm>
+        </p:spPr>
+        <p:txBody>
+          <a:bodyPr/>
+          <a:lstStyle/>
+          <a:p>
+            <a:pPr eaLnBrk="1" hangingPunct="1"/>
+            <a:r>
+              <a:rPr lang="en-US" sz="2400" dirty="0" smtClean="0"/>
+              <a:t>All DSPs do preprocessing and back projector</a:t>
+            </a:r>
+          </a:p>
+          <a:p>
+            <a:pPr eaLnBrk="1" hangingPunct="1"/>
+            <a:r>
+              <a:rPr lang="en-US" sz="2400" dirty="0" smtClean="0"/>
+              <a:t>Just like the previous case, there are two options, either each DSP builds part of the image or all DSP build partial image and then all partial images are combined into the final image</a:t>
+            </a:r>
+            <a:endParaRPr lang="en-US" sz="1600" dirty="0" smtClean="0"/>
+          </a:p>
+        </p:txBody>
+      </p:sp>
+      <p:graphicFrame>
+        <p:nvGraphicFramePr>
+          <p:cNvPr id="5" name="Object 4"/>
+          <p:cNvGraphicFramePr>
+            <a:graphicFrameLocks noChangeAspect="1"/>
+          </p:cNvGraphicFramePr>
+          <p:nvPr/>
+        </p:nvGraphicFramePr>
+        <p:xfrm>
+          <a:off x="1537608" y="3325586"/>
+          <a:ext cx="6100763" cy="2339975"/>
+        </p:xfrm>
+        <a:graphic>
+          <a:graphicData uri="http://schemas.openxmlformats.org/presentationml/2006/ole">
+            <p:oleObj spid="_x0000_s158722" name="Visio" r:id="rId4" imgW="6100952" imgH="2339232" progId="Visio.Drawing.11">
+              <p:embed/>
+            </p:oleObj>
+          </a:graphicData>
+        </a:graphic>
+      </p:graphicFrame>
+      <p:sp>
+        <p:nvSpPr>
+          <p:cNvPr id="6" name="Slide Number Placeholder 5"/>
+          <p:cNvSpPr>
+            <a:spLocks noGrp="1"/>
+          </p:cNvSpPr>
+          <p:nvPr>
+            <p:ph type="sldNum" sz="quarter" idx="4"/>
+          </p:nvPr>
+        </p:nvSpPr>
+        <p:spPr/>
+        <p:txBody>
+          <a:bodyPr/>
+          <a:lstStyle/>
+          <a:p>
+            <a:fld id="{3144B24B-BAB1-431A-82C6-36E096187F50}" type="slidenum">
+              <a:rPr lang="en-US" smtClean="0"/>
+              <a:pPr/>
+              <a:t>87</a:t>
+            </a:fld>
+            <a:endParaRPr lang="en-US" dirty="0"/>
+          </a:p>
+        </p:txBody>
+      </p:sp>
+    </p:spTree>
+  </p:cSld>
+  <p:clrMapOvr>
+    <a:masterClrMapping/>
+  </p:clrMapOvr>
+  <p:timing>
+    <p:tnLst>
+      <p:par>
+        <p:cTn id="1" dur="indefinite" restart="never" nodeType="tmRoot"/>
+      </p:par>
+    </p:tnLst>
+  </p:timing>
+</p:sld>
+</file>
+
+<file path=ppt/slides/slide88.xml><?xml version="1.0" encoding="utf-8"?>
+<p:sld xmlns:a="http://schemas.openxmlformats.org/drawingml/2006/main" xmlns:r="http://schemas.openxmlformats.org/officeDocument/2006/relationships" xmlns:p="http://schemas.openxmlformats.org/presentationml/2006/main">
+  <p:cSld>
+    <p:spTree>
+      <p:nvGrpSpPr>
+        <p:cNvPr id="1" name=""/>
+        <p:cNvGrpSpPr/>
+        <p:nvPr/>
+      </p:nvGrpSpPr>
+      <p:grpSpPr>
+        <a:xfrm>
+          <a:off x="0" y="0"/>
+          <a:ext cx="0" cy="0"/>
+          <a:chOff x="0" y="0"/>
+          <a:chExt cx="0" cy="0"/>
+        </a:xfrm>
+      </p:grpSpPr>
+      <p:sp>
+        <p:nvSpPr>
+          <p:cNvPr id="7170" name="Title 1"/>
+          <p:cNvSpPr>
+            <a:spLocks noGrp="1"/>
+          </p:cNvSpPr>
+          <p:nvPr>
+            <p:ph type="title"/>
+          </p:nvPr>
+        </p:nvSpPr>
+        <p:spPr>
+          <a:xfrm>
+            <a:off x="231775" y="142875"/>
+            <a:ext cx="8458200" cy="1057276"/>
+          </a:xfrm>
+        </p:spPr>
+        <p:txBody>
+          <a:bodyPr/>
+          <a:lstStyle/>
+          <a:p>
+            <a:pPr eaLnBrk="1" hangingPunct="1"/>
+            <a:r>
+              <a:rPr lang="en-US" sz="3600" dirty="0" smtClean="0"/>
+              <a:t>Input Vector Data Partition:</a:t>
+            </a:r>
+            <a:br>
+              <a:rPr lang="en-US" sz="3600" dirty="0" smtClean="0"/>
+            </a:br>
+            <a:r>
+              <a:rPr lang="en-US" dirty="0" smtClean="0"/>
+              <a:t>Complete Image</a:t>
+            </a:r>
+            <a:endParaRPr lang="en-US" sz="3600" dirty="0" smtClean="0"/>
+          </a:p>
+        </p:txBody>
+      </p:sp>
+      <p:sp>
+        <p:nvSpPr>
+          <p:cNvPr id="7171" name="Text Placeholder 2"/>
+          <p:cNvSpPr>
+            <a:spLocks noGrp="1"/>
+          </p:cNvSpPr>
+          <p:nvPr>
+            <p:ph type="body" sz="half" idx="1"/>
+          </p:nvPr>
+        </p:nvSpPr>
+        <p:spPr>
+          <a:xfrm>
+            <a:off x="381000" y="1172936"/>
+            <a:ext cx="8505825" cy="1676400"/>
+          </a:xfrm>
+        </p:spPr>
+        <p:txBody>
+          <a:bodyPr/>
+          <a:lstStyle/>
+          <a:p>
+            <a:pPr eaLnBrk="1" hangingPunct="1">
+              <a:buNone/>
+            </a:pPr>
+            <a:r>
+              <a:rPr lang="en-US" sz="2000" dirty="0" smtClean="0"/>
+              <a:t>Each DSP sums a complete image:</a:t>
+            </a:r>
+          </a:p>
+          <a:p>
+            <a:pPr lvl="1" eaLnBrk="1" hangingPunct="1"/>
+            <a:r>
+              <a:rPr lang="en-US" sz="1600" dirty="0" smtClean="0"/>
+              <a:t>Raw vectors are divided between DSPs.</a:t>
+            </a:r>
+          </a:p>
+          <a:p>
+            <a:pPr lvl="1" eaLnBrk="1" hangingPunct="1"/>
+            <a:r>
+              <a:rPr lang="en-US" sz="1600" dirty="0" smtClean="0"/>
+              <a:t>Because of race conditions, each DSP has a local (private) image. At the end, one DSP (or ARM) combines together all the local images. Private image resides outside of the core.</a:t>
+            </a:r>
+          </a:p>
+          <a:p>
+            <a:pPr lvl="1" eaLnBrk="1" hangingPunct="1"/>
+            <a:r>
+              <a:rPr lang="en-US" sz="1600" dirty="0" smtClean="0"/>
+              <a:t>Does not require broadcasting of raw vector values.</a:t>
+            </a:r>
+          </a:p>
+          <a:p>
+            <a:pPr lvl="1" eaLnBrk="1" hangingPunct="1"/>
+            <a:endParaRPr lang="en-US" sz="1600" dirty="0" smtClean="0"/>
+          </a:p>
+        </p:txBody>
+      </p:sp>
+      <p:graphicFrame>
+        <p:nvGraphicFramePr>
+          <p:cNvPr id="4" name="Object 3"/>
+          <p:cNvGraphicFramePr>
+            <a:graphicFrameLocks noChangeAspect="1"/>
+          </p:cNvGraphicFramePr>
+          <p:nvPr/>
+        </p:nvGraphicFramePr>
+        <p:xfrm>
+          <a:off x="1039576" y="2890160"/>
+          <a:ext cx="6881813" cy="3373437"/>
+        </p:xfrm>
+        <a:graphic>
+          <a:graphicData uri="http://schemas.openxmlformats.org/presentationml/2006/ole">
+            <p:oleObj spid="_x0000_s159746" name="Visio" r:id="rId4" imgW="6882546" imgH="3373773" progId="Visio.Drawing.11">
+              <p:embed/>
+            </p:oleObj>
+          </a:graphicData>
+        </a:graphic>
+      </p:graphicFrame>
+      <p:sp>
+        <p:nvSpPr>
+          <p:cNvPr id="5" name="Slide Number Placeholder 4"/>
+          <p:cNvSpPr>
+            <a:spLocks noGrp="1"/>
+          </p:cNvSpPr>
+          <p:nvPr>
+            <p:ph type="sldNum" sz="quarter" idx="4"/>
+          </p:nvPr>
+        </p:nvSpPr>
+        <p:spPr/>
+        <p:txBody>
+          <a:bodyPr/>
+          <a:lstStyle/>
+          <a:p>
+            <a:fld id="{3144B24B-BAB1-431A-82C6-36E096187F50}" type="slidenum">
+              <a:rPr lang="en-US" smtClean="0"/>
+              <a:pPr/>
+              <a:t>88</a:t>
+            </a:fld>
+            <a:endParaRPr lang="en-US" dirty="0"/>
+          </a:p>
+        </p:txBody>
+      </p:sp>
+    </p:spTree>
+  </p:cSld>
+  <p:clrMapOvr>
+    <a:masterClrMapping/>
+  </p:clrMapOvr>
+  <p:timing>
+    <p:tnLst>
+      <p:par>
+        <p:cTn id="1" dur="indefinite" restart="never" nodeType="tmRoot"/>
+      </p:par>
+    </p:tnLst>
+  </p:timing>
+</p:sld>
+</file>
+
+<file path=ppt/slides/slide89.xml><?xml version="1.0" encoding="utf-8"?>
+<p:sld xmlns:a="http://schemas.openxmlformats.org/drawingml/2006/main" xmlns:r="http://schemas.openxmlformats.org/officeDocument/2006/relationships" xmlns:p="http://schemas.openxmlformats.org/presentationml/2006/main">
+  <p:cSld>
+    <p:spTree>
+      <p:nvGrpSpPr>
+        <p:cNvPr id="1" name=""/>
+        <p:cNvGrpSpPr/>
+        <p:nvPr/>
+      </p:nvGrpSpPr>
+      <p:grpSpPr>
+        <a:xfrm>
+          <a:off x="0" y="0"/>
+          <a:ext cx="0" cy="0"/>
+          <a:chOff x="0" y="0"/>
+          <a:chExt cx="0" cy="0"/>
+        </a:xfrm>
+      </p:grpSpPr>
+      <p:sp>
+        <p:nvSpPr>
+          <p:cNvPr id="7170" name="Title 1"/>
+          <p:cNvSpPr>
+            <a:spLocks noGrp="1"/>
+          </p:cNvSpPr>
+          <p:nvPr>
+            <p:ph type="title"/>
+          </p:nvPr>
+        </p:nvSpPr>
+        <p:spPr>
+          <a:xfrm>
+            <a:off x="231775" y="142874"/>
+            <a:ext cx="8458200" cy="1228725"/>
+          </a:xfrm>
+        </p:spPr>
+        <p:txBody>
+          <a:bodyPr/>
+          <a:lstStyle/>
+          <a:p>
+            <a:pPr eaLnBrk="1" hangingPunct="1"/>
+            <a:r>
+              <a:rPr lang="en-US" sz="3600" dirty="0" smtClean="0"/>
+              <a:t>Input Vector Data Partition:</a:t>
+            </a:r>
+            <a:br>
+              <a:rPr lang="en-US" sz="3600" dirty="0" smtClean="0"/>
+            </a:br>
+            <a:r>
+              <a:rPr lang="en-US" dirty="0" smtClean="0"/>
+              <a:t>Partial Image</a:t>
+            </a:r>
+            <a:endParaRPr lang="en-US" sz="3600" dirty="0" smtClean="0"/>
+          </a:p>
+        </p:txBody>
+      </p:sp>
+      <p:sp>
+        <p:nvSpPr>
+          <p:cNvPr id="7171" name="Text Placeholder 2"/>
+          <p:cNvSpPr>
+            <a:spLocks noGrp="1"/>
+          </p:cNvSpPr>
+          <p:nvPr>
+            <p:ph type="body" sz="half" idx="1"/>
+          </p:nvPr>
+        </p:nvSpPr>
+        <p:spPr>
+          <a:xfrm>
+            <a:off x="155121" y="1401532"/>
+            <a:ext cx="3657600" cy="4876800"/>
+          </a:xfrm>
+        </p:spPr>
+        <p:txBody>
+          <a:bodyPr/>
+          <a:lstStyle/>
+          <a:p>
+            <a:pPr eaLnBrk="1" hangingPunct="1">
+              <a:buNone/>
+            </a:pPr>
+            <a:r>
+              <a:rPr lang="en-US" sz="2000" dirty="0" smtClean="0"/>
+              <a:t>Each DSP sums a partial image:</a:t>
+            </a:r>
+          </a:p>
+          <a:p>
+            <a:pPr eaLnBrk="1" hangingPunct="1"/>
+            <a:r>
+              <a:rPr lang="en-US" sz="2000" dirty="0" smtClean="0"/>
+              <a:t>Raw vectors are broadcast to all DSPs.</a:t>
+            </a:r>
+          </a:p>
+          <a:p>
+            <a:pPr eaLnBrk="1" hangingPunct="1"/>
+            <a:r>
+              <a:rPr lang="en-US" sz="2000" dirty="0" smtClean="0"/>
+              <a:t>Depends on the number of cores; Partial image can fit inside L2 in addition to the filter coefficients. </a:t>
+            </a:r>
+          </a:p>
+          <a:p>
+            <a:pPr eaLnBrk="1" hangingPunct="1"/>
+            <a:r>
+              <a:rPr lang="en-US" sz="2000" dirty="0" smtClean="0"/>
+              <a:t>Merged together into shared memory (DDR) at the end of the partial build.</a:t>
+            </a:r>
+          </a:p>
+          <a:p>
+            <a:pPr lvl="1" eaLnBrk="1" hangingPunct="1"/>
+            <a:endParaRPr lang="en-US" sz="1600" dirty="0" smtClean="0"/>
+          </a:p>
+        </p:txBody>
+      </p:sp>
+      <p:graphicFrame>
+        <p:nvGraphicFramePr>
+          <p:cNvPr id="5" name="Object 4"/>
+          <p:cNvGraphicFramePr>
+            <a:graphicFrameLocks noChangeAspect="1"/>
+          </p:cNvGraphicFramePr>
+          <p:nvPr/>
+        </p:nvGraphicFramePr>
+        <p:xfrm>
+          <a:off x="3815440" y="1380375"/>
+          <a:ext cx="5172075" cy="4427201"/>
+        </p:xfrm>
+        <a:graphic>
+          <a:graphicData uri="http://schemas.openxmlformats.org/presentationml/2006/ole">
+            <p:oleObj spid="_x0000_s160770" name="Visio" r:id="rId4" imgW="5468301" imgH="4679545" progId="Visio.Drawing.11">
+              <p:embed/>
+            </p:oleObj>
+          </a:graphicData>
+        </a:graphic>
+      </p:graphicFrame>
+      <p:sp>
+        <p:nvSpPr>
+          <p:cNvPr id="6" name="Slide Number Placeholder 5"/>
+          <p:cNvSpPr>
+            <a:spLocks noGrp="1"/>
+          </p:cNvSpPr>
+          <p:nvPr>
+            <p:ph type="sldNum" sz="quarter" idx="4"/>
+          </p:nvPr>
+        </p:nvSpPr>
+        <p:spPr/>
+        <p:txBody>
+          <a:bodyPr/>
+          <a:lstStyle/>
+          <a:p>
+            <a:fld id="{3144B24B-BAB1-431A-82C6-36E096187F50}" type="slidenum">
+              <a:rPr lang="en-US" smtClean="0"/>
+              <a:pPr/>
+              <a:t>89</a:t>
             </a:fld>
             <a:endParaRPr lang="en-US" dirty="0"/>
           </a:p>
@@ -28500,6 +29238,191 @@
   <p:transition spd="med">
     <p:fade/>
   </p:transition>
+</p:sld>
+</file>
+
+<file path=ppt/slides/slide90.xml><?xml version="1.0" encoding="utf-8"?>
+<p:sld xmlns:a="http://schemas.openxmlformats.org/drawingml/2006/main" xmlns:r="http://schemas.openxmlformats.org/officeDocument/2006/relationships" xmlns:p="http://schemas.openxmlformats.org/presentationml/2006/main">
+  <p:cSld>
+    <p:spTree>
+      <p:nvGrpSpPr>
+        <p:cNvPr id="1" name=""/>
+        <p:cNvGrpSpPr/>
+        <p:nvPr/>
+      </p:nvGrpSpPr>
+      <p:grpSpPr>
+        <a:xfrm>
+          <a:off x="0" y="0"/>
+          <a:ext cx="0" cy="0"/>
+          <a:chOff x="0" y="0"/>
+          <a:chExt cx="0" cy="0"/>
+        </a:xfrm>
+      </p:grpSpPr>
+      <p:sp>
+        <p:nvSpPr>
+          <p:cNvPr id="7170" name="Title 1"/>
+          <p:cNvSpPr>
+            <a:spLocks noGrp="1"/>
+          </p:cNvSpPr>
+          <p:nvPr>
+            <p:ph type="title"/>
+          </p:nvPr>
+        </p:nvSpPr>
+        <p:spPr>
+          <a:xfrm>
+            <a:off x="231775" y="142874"/>
+            <a:ext cx="8458200" cy="1228725"/>
+          </a:xfrm>
+        </p:spPr>
+        <p:txBody>
+          <a:bodyPr/>
+          <a:lstStyle/>
+          <a:p>
+            <a:pPr eaLnBrk="1" hangingPunct="1"/>
+            <a:r>
+              <a:rPr lang="en-US" sz="3600" dirty="0" smtClean="0"/>
+              <a:t>Conclusion</a:t>
+            </a:r>
+          </a:p>
+        </p:txBody>
+      </p:sp>
+      <p:sp>
+        <p:nvSpPr>
+          <p:cNvPr id="7171" name="Text Placeholder 2"/>
+          <p:cNvSpPr>
+            <a:spLocks noGrp="1"/>
+          </p:cNvSpPr>
+          <p:nvPr>
+            <p:ph type="body" sz="half" idx="1"/>
+          </p:nvPr>
+        </p:nvSpPr>
+        <p:spPr>
+          <a:xfrm>
+            <a:off x="381000" y="1371600"/>
+            <a:ext cx="8505825" cy="2209800"/>
+          </a:xfrm>
+        </p:spPr>
+        <p:txBody>
+          <a:bodyPr/>
+          <a:lstStyle/>
+          <a:p>
+            <a:pPr eaLnBrk="1" hangingPunct="1"/>
+            <a:r>
+              <a:rPr lang="en-US" sz="2400" dirty="0" smtClean="0"/>
+              <a:t>The optimal solution depends on the exact configuration of the system (number of detectors, number of rays, number of slices) and the algorithms that are used.</a:t>
+            </a:r>
+          </a:p>
+          <a:p>
+            <a:pPr eaLnBrk="1" hangingPunct="1"/>
+            <a:r>
+              <a:rPr lang="en-US" sz="2400" dirty="0" smtClean="0"/>
+              <a:t>Suggest benchmarking all (or subset) of the possibilities and choose the best one for a specific problem.</a:t>
+            </a:r>
+          </a:p>
+          <a:p>
+            <a:pPr eaLnBrk="1" hangingPunct="1"/>
+            <a:endParaRPr lang="en-US" sz="2400" dirty="0" smtClean="0"/>
+          </a:p>
+        </p:txBody>
+      </p:sp>
+      <p:sp>
+        <p:nvSpPr>
+          <p:cNvPr id="4" name="TextBox 3"/>
+          <p:cNvSpPr txBox="1"/>
+          <p:nvPr/>
+        </p:nvSpPr>
+        <p:spPr>
+          <a:xfrm>
+            <a:off x="2571750" y="4191000"/>
+            <a:ext cx="4267200" cy="769441"/>
+          </a:xfrm>
+          <a:prstGeom prst="rect">
+            <a:avLst/>
+          </a:prstGeom>
+          <a:noFill/>
+        </p:spPr>
+        <p:txBody>
+          <a:bodyPr wrap="square" rtlCol="0">
+            <a:spAutoFit/>
+          </a:bodyPr>
+          <a:lstStyle/>
+          <a:p>
+            <a:pPr algn="ctr" fontAlgn="auto">
+              <a:spcBef>
+                <a:spcPts val="0"/>
+              </a:spcBef>
+              <a:spcAft>
+                <a:spcPts val="0"/>
+              </a:spcAft>
+            </a:pPr>
+            <a:r>
+              <a:rPr lang="en-US" sz="4400" dirty="0" smtClean="0">
+                <a:solidFill>
+                  <a:srgbClr val="FF0000"/>
+                </a:solidFill>
+                <a:effectLst>
+                  <a:outerShdw blurRad="38100" dist="38100" dir="2700000" algn="tl">
+                    <a:srgbClr val="000000">
+                      <a:alpha val="43137"/>
+                    </a:srgbClr>
+                  </a:outerShdw>
+                </a:effectLst>
+                <a:latin typeface="Calibri"/>
+              </a:rPr>
+              <a:t>Any Questions?</a:t>
+            </a:r>
+            <a:endParaRPr lang="en-US" sz="4400" dirty="0">
+              <a:solidFill>
+                <a:srgbClr val="FF0000"/>
+              </a:solidFill>
+              <a:effectLst>
+                <a:outerShdw blurRad="38100" dist="38100" dir="2700000" algn="tl">
+                  <a:srgbClr val="000000">
+                    <a:alpha val="43137"/>
+                  </a:srgbClr>
+                </a:outerShdw>
+              </a:effectLst>
+              <a:latin typeface="Calibri"/>
+            </a:endParaRPr>
+          </a:p>
+        </p:txBody>
+      </p:sp>
+      <p:sp>
+        <p:nvSpPr>
+          <p:cNvPr id="5" name="Slide Number Placeholder 4"/>
+          <p:cNvSpPr>
+            <a:spLocks noGrp="1"/>
+          </p:cNvSpPr>
+          <p:nvPr>
+            <p:ph type="sldNum" sz="quarter" idx="4"/>
+          </p:nvPr>
+        </p:nvSpPr>
+        <p:spPr/>
+        <p:txBody>
+          <a:bodyPr/>
+          <a:lstStyle/>
+          <a:p>
+            <a:fld id="{3144B24B-BAB1-431A-82C6-36E096187F50}" type="slidenum">
+              <a:rPr lang="en-US" smtClean="0"/>
+              <a:pPr/>
+              <a:t>90</a:t>
+            </a:fld>
+            <a:endParaRPr lang="en-US" dirty="0"/>
+          </a:p>
+        </p:txBody>
+      </p:sp>
+    </p:spTree>
+  </p:cSld>
+  <p:clrMapOvr>
+    <a:masterClrMapping/>
+  </p:clrMapOvr>
+  <p:timing>
+    <p:tnLst>
+      <p:par>
+        <p:cTn id="1" dur="indefinite" restart="never" nodeType="tmRoot"/>
+      </p:par>
+    </p:tnLst>
+  </p:timing>
 </p:sld>
 </file>
 
